--- a/ppts/07Widget.pptx
+++ b/ppts/07Widget.pptx
@@ -5,7 +5,7 @@
     <p:sldMasterId id="2147483696" r:id="rId1"/>
   </p:sldMasterIdLst>
   <p:notesMasterIdLst>
-    <p:notesMasterId r:id="rId64"/>
+    <p:notesMasterId r:id="rId65"/>
   </p:notesMasterIdLst>
   <p:sldIdLst>
     <p:sldId id="339" r:id="rId2"/>
@@ -53,23 +53,24 @@
     <p:sldId id="1240" r:id="rId44"/>
     <p:sldId id="1241" r:id="rId45"/>
     <p:sldId id="1242" r:id="rId46"/>
-    <p:sldId id="1243" r:id="rId47"/>
-    <p:sldId id="1244" r:id="rId48"/>
-    <p:sldId id="1245" r:id="rId49"/>
-    <p:sldId id="1248" r:id="rId50"/>
-    <p:sldId id="1246" r:id="rId51"/>
-    <p:sldId id="1247" r:id="rId52"/>
-    <p:sldId id="1249" r:id="rId53"/>
-    <p:sldId id="1250" r:id="rId54"/>
-    <p:sldId id="1251" r:id="rId55"/>
-    <p:sldId id="1252" r:id="rId56"/>
-    <p:sldId id="1253" r:id="rId57"/>
-    <p:sldId id="1255" r:id="rId58"/>
-    <p:sldId id="1254" r:id="rId59"/>
-    <p:sldId id="1256" r:id="rId60"/>
-    <p:sldId id="1257" r:id="rId61"/>
-    <p:sldId id="1259" r:id="rId62"/>
-    <p:sldId id="1258" r:id="rId63"/>
+    <p:sldId id="1260" r:id="rId47"/>
+    <p:sldId id="1243" r:id="rId48"/>
+    <p:sldId id="1244" r:id="rId49"/>
+    <p:sldId id="1245" r:id="rId50"/>
+    <p:sldId id="1248" r:id="rId51"/>
+    <p:sldId id="1246" r:id="rId52"/>
+    <p:sldId id="1247" r:id="rId53"/>
+    <p:sldId id="1249" r:id="rId54"/>
+    <p:sldId id="1250" r:id="rId55"/>
+    <p:sldId id="1251" r:id="rId56"/>
+    <p:sldId id="1252" r:id="rId57"/>
+    <p:sldId id="1253" r:id="rId58"/>
+    <p:sldId id="1255" r:id="rId59"/>
+    <p:sldId id="1254" r:id="rId60"/>
+    <p:sldId id="1256" r:id="rId61"/>
+    <p:sldId id="1257" r:id="rId62"/>
+    <p:sldId id="1259" r:id="rId63"/>
+    <p:sldId id="1258" r:id="rId64"/>
   </p:sldIdLst>
   <p:sldSz cx="12192000" cy="6858000"/>
   <p:notesSz cx="6858000" cy="9144000"/>
@@ -2279,7 +2280,7 @@
           </a:ln>
           <a:extLst>
             <a:ext uri="{C572A759-6A51-4108-AA02-DFA0A04FC94B}">
-              <ma14:wrappingTextBoxFlag xmlns:ma14="http://schemas.microsoft.com/office/mac/drawingml/2011/main" xmlns="" val="1"/>
+              <ma14:wrappingTextBoxFlag xmlns="" xmlns:ma14="http://schemas.microsoft.com/office/mac/drawingml/2011/main" val="1"/>
             </a:ext>
           </a:extLst>
         </p:spPr>
@@ -18934,96 +18935,114 @@
               <a:buNone/>
             </a:pPr>
             <a:r>
+              <a:rPr lang="ko-KR" altLang="en-US" b="1" dirty="0" smtClean="0">
+                <a:sym typeface="Wingdings" panose="05000000000000000000" pitchFamily="2" charset="2"/>
+              </a:rPr>
+              <a:t>단말기에서 가장 많이 사용하는 뷰 중의 하나는 리스트입니다</a:t>
+            </a:r>
+            <a:r>
+              <a:rPr lang="en-US" altLang="ko-KR" dirty="0" smtClean="0">
+                <a:sym typeface="Wingdings" panose="05000000000000000000" pitchFamily="2" charset="2"/>
+              </a:rPr>
+              <a:t>. </a:t>
+            </a:r>
+            <a:r>
               <a:rPr lang="ko-KR" altLang="en-US" dirty="0" smtClean="0">
                 <a:sym typeface="Wingdings" panose="05000000000000000000" pitchFamily="2" charset="2"/>
               </a:rPr>
-              <a:t>단말기에서 가장 많이 사용하는 뷰 중의 하나는 리스트입니다</a:t>
-            </a:r>
-            <a:r>
-              <a:rPr lang="en-US" altLang="ko-KR" dirty="0" smtClean="0">
-                <a:sym typeface="Wingdings" panose="05000000000000000000" pitchFamily="2" charset="2"/>
-              </a:rPr>
-              <a:t>. </a:t>
-            </a:r>
+              <a:t>손가락 터치 방식으로 여러 선택 기능을 제공합니다</a:t>
+            </a:r>
+            <a:r>
+              <a:rPr lang="en-US" altLang="ko-KR" dirty="0" smtClean="0">
+                <a:sym typeface="Wingdings" panose="05000000000000000000" pitchFamily="2" charset="2"/>
+              </a:rPr>
+              <a:t>.</a:t>
+            </a:r>
+          </a:p>
+          <a:p>
             <a:r>
               <a:rPr lang="ko-KR" altLang="en-US" dirty="0" smtClean="0">
                 <a:sym typeface="Wingdings" panose="05000000000000000000" pitchFamily="2" charset="2"/>
               </a:rPr>
-              <a:t>손가락 터치 방식으로 여러 선택 기능을 제공합니다</a:t>
-            </a:r>
-            <a:r>
-              <a:rPr lang="en-US" altLang="ko-KR" dirty="0" smtClean="0">
-                <a:sym typeface="Wingdings" panose="05000000000000000000" pitchFamily="2" charset="2"/>
-              </a:rPr>
-              <a:t>.</a:t>
-            </a:r>
-          </a:p>
-          <a:p>
+              <a:t>이런 </a:t>
+            </a:r>
+            <a:r>
+              <a:rPr lang="en-US" altLang="ko-KR" dirty="0" smtClean="0">
+                <a:sym typeface="Wingdings" panose="05000000000000000000" pitchFamily="2" charset="2"/>
+              </a:rPr>
+              <a:t>Widget</a:t>
+            </a:r>
             <a:r>
               <a:rPr lang="ko-KR" altLang="en-US" dirty="0" smtClean="0">
                 <a:sym typeface="Wingdings" panose="05000000000000000000" pitchFamily="2" charset="2"/>
               </a:rPr>
-              <a:t>이런 </a:t>
-            </a:r>
-            <a:r>
-              <a:rPr lang="en-US" altLang="ko-KR" dirty="0" smtClean="0">
-                <a:sym typeface="Wingdings" panose="05000000000000000000" pitchFamily="2" charset="2"/>
-              </a:rPr>
-              <a:t>Widget</a:t>
+              <a:t>들을 특별히 선택 위젯 </a:t>
+            </a:r>
+            <a:r>
+              <a:rPr lang="en-US" altLang="ko-KR" dirty="0" smtClean="0">
+                <a:sym typeface="Wingdings" panose="05000000000000000000" pitchFamily="2" charset="2"/>
+              </a:rPr>
+              <a:t>Selection Widget</a:t>
             </a:r>
             <a:r>
               <a:rPr lang="ko-KR" altLang="en-US" dirty="0" smtClean="0">
                 <a:sym typeface="Wingdings" panose="05000000000000000000" pitchFamily="2" charset="2"/>
               </a:rPr>
-              <a:t>들을 특별히 선택 위젯 </a:t>
-            </a:r>
-            <a:r>
-              <a:rPr lang="en-US" altLang="ko-KR" dirty="0" smtClean="0">
-                <a:sym typeface="Wingdings" panose="05000000000000000000" pitchFamily="2" charset="2"/>
-              </a:rPr>
-              <a:t>Selection Widget</a:t>
+              <a:t>이라고 하는데</a:t>
+            </a:r>
+            <a:r>
+              <a:rPr lang="en-US" altLang="ko-KR" dirty="0" smtClean="0">
+                <a:sym typeface="Wingdings" panose="05000000000000000000" pitchFamily="2" charset="2"/>
+              </a:rPr>
+              <a:t>, </a:t>
             </a:r>
             <a:r>
               <a:rPr lang="ko-KR" altLang="en-US" dirty="0" smtClean="0">
                 <a:sym typeface="Wingdings" panose="05000000000000000000" pitchFamily="2" charset="2"/>
               </a:rPr>
-              <a:t>이라고 하는데</a:t>
-            </a:r>
-            <a:r>
-              <a:rPr lang="en-US" altLang="ko-KR" dirty="0" smtClean="0">
-                <a:sym typeface="Wingdings" panose="05000000000000000000" pitchFamily="2" charset="2"/>
-              </a:rPr>
-              <a:t>, </a:t>
+              <a:t>이런 위젯은 </a:t>
+            </a:r>
+            <a:r>
+              <a:rPr lang="en-US" altLang="ko-KR" b="1" dirty="0" smtClean="0">
+                <a:solidFill>
+                  <a:srgbClr val="C00000"/>
+                </a:solidFill>
+                <a:sym typeface="Wingdings" panose="05000000000000000000" pitchFamily="2" charset="2"/>
+              </a:rPr>
+              <a:t>Adapter </a:t>
+            </a:r>
+            <a:r>
+              <a:rPr lang="ko-KR" altLang="en-US" b="1" dirty="0" smtClean="0">
+                <a:solidFill>
+                  <a:srgbClr val="C00000"/>
+                </a:solidFill>
+                <a:sym typeface="Wingdings" panose="05000000000000000000" pitchFamily="2" charset="2"/>
+              </a:rPr>
+              <a:t>어댑터를 사용하여 리스트 중에 일부를 </a:t>
+            </a:r>
+            <a:r>
+              <a:rPr lang="ko-KR" altLang="en-US" b="1" dirty="0">
+                <a:solidFill>
+                  <a:srgbClr val="C00000"/>
+                </a:solidFill>
+                <a:sym typeface="Wingdings" panose="05000000000000000000" pitchFamily="2" charset="2"/>
+              </a:rPr>
+              <a:t>화</a:t>
+            </a:r>
+            <a:r>
+              <a:rPr lang="ko-KR" altLang="en-US" b="1" dirty="0" smtClean="0">
+                <a:solidFill>
+                  <a:srgbClr val="C00000"/>
+                </a:solidFill>
+                <a:sym typeface="Wingdings" panose="05000000000000000000" pitchFamily="2" charset="2"/>
+              </a:rPr>
+              <a:t>면에 빠르게 보여주고 숨기는 기능</a:t>
             </a:r>
             <a:r>
               <a:rPr lang="ko-KR" altLang="en-US" dirty="0" smtClean="0">
                 <a:sym typeface="Wingdings" panose="05000000000000000000" pitchFamily="2" charset="2"/>
               </a:rPr>
-              <a:t>이런 위젯은 </a:t>
-            </a:r>
-            <a:r>
-              <a:rPr lang="en-US" altLang="ko-KR" dirty="0" smtClean="0">
-                <a:sym typeface="Wingdings" panose="05000000000000000000" pitchFamily="2" charset="2"/>
-              </a:rPr>
-              <a:t>Adapter </a:t>
-            </a:r>
-            <a:r>
-              <a:rPr lang="ko-KR" altLang="en-US" dirty="0" smtClean="0">
-                <a:sym typeface="Wingdings" panose="05000000000000000000" pitchFamily="2" charset="2"/>
-              </a:rPr>
-              <a:t>어댑터를 사용하여 리스트 중에 일부를 </a:t>
-            </a:r>
-            <a:r>
-              <a:rPr lang="ko-KR" altLang="en-US" dirty="0">
-                <a:sym typeface="Wingdings" panose="05000000000000000000" pitchFamily="2" charset="2"/>
-              </a:rPr>
-              <a:t>화</a:t>
-            </a:r>
-            <a:r>
-              <a:rPr lang="ko-KR" altLang="en-US" dirty="0" smtClean="0">
-                <a:sym typeface="Wingdings" panose="05000000000000000000" pitchFamily="2" charset="2"/>
-              </a:rPr>
-              <a:t>면에 빠르게 보여주고 숨기는 기능을 가능하도록 합니다</a:t>
+              <a:t>을 가능하도록 합니다</a:t>
             </a:r>
             <a:r>
               <a:rPr lang="en-US" altLang="ko-KR" dirty="0" smtClean="0">
@@ -19085,16 +19104,22 @@
               <a:t>선택 위젯에 보이는 데이터는 보여지기 전에 어댑터의 </a:t>
             </a:r>
             <a:r>
-              <a:rPr lang="en-US" altLang="ko-KR" dirty="0" err="1" smtClean="0">
+              <a:rPr lang="en-US" altLang="ko-KR" b="1" dirty="0" err="1" smtClean="0">
                 <a:sym typeface="Wingdings" panose="05000000000000000000" pitchFamily="2" charset="2"/>
               </a:rPr>
               <a:t>getView</a:t>
             </a:r>
             <a:r>
-              <a:rPr lang="en-US" altLang="ko-KR" dirty="0" smtClean="0">
-                <a:sym typeface="Wingdings" panose="05000000000000000000" pitchFamily="2" charset="2"/>
-              </a:rPr>
-              <a:t>() </a:t>
+              <a:rPr lang="en-US" altLang="ko-KR" b="1" dirty="0" smtClean="0">
+                <a:sym typeface="Wingdings" panose="05000000000000000000" pitchFamily="2" charset="2"/>
+              </a:rPr>
+              <a:t>()</a:t>
+            </a:r>
+            <a:r>
+              <a:rPr lang="en-US" altLang="ko-KR" dirty="0" smtClean="0">
+                <a:sym typeface="Wingdings" panose="05000000000000000000" pitchFamily="2" charset="2"/>
+              </a:rPr>
+              <a:t> </a:t>
             </a:r>
             <a:r>
               <a:rPr lang="ko-KR" altLang="en-US" dirty="0" smtClean="0">
@@ -20180,6 +20205,75 @@
           </a:p>
         </p:txBody>
       </p:sp>
+      <p:pic>
+        <p:nvPicPr>
+          <p:cNvPr id="10" name="그림 9"/>
+          <p:cNvPicPr>
+            <a:picLocks noChangeAspect="1"/>
+          </p:cNvPicPr>
+          <p:nvPr/>
+        </p:nvPicPr>
+        <p:blipFill>
+          <a:blip r:embed="rId3"/>
+          <a:stretch>
+            <a:fillRect/>
+          </a:stretch>
+        </p:blipFill>
+        <p:spPr>
+          <a:xfrm>
+            <a:off x="7256417" y="2013499"/>
+            <a:ext cx="1472578" cy="2554908"/>
+          </a:xfrm>
+          <a:prstGeom prst="rect">
+            <a:avLst/>
+          </a:prstGeom>
+        </p:spPr>
+      </p:pic>
+      <p:sp>
+        <p:nvSpPr>
+          <p:cNvPr id="11" name="직사각형 10"/>
+          <p:cNvSpPr/>
+          <p:nvPr/>
+        </p:nvSpPr>
+        <p:spPr>
+          <a:xfrm>
+            <a:off x="7236256" y="2351647"/>
+            <a:ext cx="792088" cy="188198"/>
+          </a:xfrm>
+          <a:prstGeom prst="rect">
+            <a:avLst/>
+          </a:prstGeom>
+          <a:solidFill>
+            <a:srgbClr val="FFC000">
+              <a:alpha val="20000"/>
+            </a:srgbClr>
+          </a:solidFill>
+        </p:spPr>
+        <p:style>
+          <a:lnRef idx="2">
+            <a:schemeClr val="accent1">
+              <a:shade val="50000"/>
+            </a:schemeClr>
+          </a:lnRef>
+          <a:fillRef idx="1">
+            <a:schemeClr val="accent1"/>
+          </a:fillRef>
+          <a:effectRef idx="0">
+            <a:schemeClr val="accent1"/>
+          </a:effectRef>
+          <a:fontRef idx="minor">
+            <a:schemeClr val="lt1"/>
+          </a:fontRef>
+        </p:style>
+        <p:txBody>
+          <a:bodyPr rtlCol="0" anchor="ctr"/>
+          <a:lstStyle/>
+          <a:p>
+            <a:pPr algn="ctr"/>
+            <a:endParaRPr lang="ko-KR" altLang="en-US"/>
+          </a:p>
+        </p:txBody>
+      </p:sp>
     </p:spTree>
     <p:extLst>
       <p:ext uri="{BB962C8B-B14F-4D97-AF65-F5344CB8AC3E}">
@@ -20232,14 +20326,21 @@
                 <a:latin typeface="나눔고딕" panose="020D0604000000000000" pitchFamily="50" charset="-127"/>
                 <a:ea typeface="나눔고딕" panose="020D0604000000000000" pitchFamily="50" charset="-127"/>
               </a:rPr>
-              <a:t>07-4 Recycler View</a:t>
-            </a:r>
-            <a:r>
-              <a:rPr lang="ko-KR" altLang="en-US" dirty="0" smtClean="0">
+              <a:t>07-4 </a:t>
+            </a:r>
+            <a:r>
+              <a:rPr lang="en-US" altLang="ko-KR" dirty="0">
                 <a:latin typeface="나눔고딕" panose="020D0604000000000000" pitchFamily="50" charset="-127"/>
                 <a:ea typeface="나눔고딕" panose="020D0604000000000000" pitchFamily="50" charset="-127"/>
               </a:rPr>
-              <a:t> 만들기</a:t>
+              <a:t>Recycler View</a:t>
+            </a:r>
+            <a:r>
+              <a:rPr lang="ko-KR" altLang="en-US" dirty="0">
+                <a:latin typeface="나눔고딕" panose="020D0604000000000000" pitchFamily="50" charset="-127"/>
+                <a:ea typeface="나눔고딕" panose="020D0604000000000000" pitchFamily="50" charset="-127"/>
+              </a:rPr>
+              <a:t> 만들기 실습</a:t>
             </a:r>
             <a:endParaRPr lang="ko-KR" altLang="en-US" dirty="0">
               <a:solidFill>
@@ -20388,7 +20489,7 @@
           </a:p>
           <a:p>
             <a:r>
-              <a:rPr lang="en-US" altLang="ko-KR" dirty="0" smtClean="0">
+              <a:rPr lang="en-US" altLang="ko-KR" b="1" dirty="0" smtClean="0">
                 <a:sym typeface="Wingdings" panose="05000000000000000000" pitchFamily="2" charset="2"/>
               </a:rPr>
               <a:t>Step 1: </a:t>
@@ -20400,10 +20501,16 @@
               <a:t>새 프로젝트를 </a:t>
             </a:r>
             <a:r>
-              <a:rPr lang="en-US" altLang="ko-KR" dirty="0" smtClean="0">
-                <a:sym typeface="Wingdings" panose="05000000000000000000" pitchFamily="2" charset="2"/>
-              </a:rPr>
-              <a:t>Hu074Recycler, </a:t>
+              <a:rPr lang="en-US" altLang="ko-KR" b="1" dirty="0" smtClean="0">
+                <a:sym typeface="Wingdings" panose="05000000000000000000" pitchFamily="2" charset="2"/>
+              </a:rPr>
+              <a:t>Hu074Recycler</a:t>
+            </a:r>
+            <a:r>
+              <a:rPr lang="en-US" altLang="ko-KR" dirty="0" smtClean="0">
+                <a:sym typeface="Wingdings" panose="05000000000000000000" pitchFamily="2" charset="2"/>
+              </a:rPr>
+              <a:t>, </a:t>
             </a:r>
             <a:r>
               <a:rPr lang="ko-KR" altLang="en-US" dirty="0" smtClean="0">
@@ -20412,10 +20519,16 @@
               <a:t>패키지를 </a:t>
             </a:r>
             <a:r>
-              <a:rPr lang="en-US" altLang="ko-KR" dirty="0" smtClean="0">
-                <a:sym typeface="Wingdings" panose="05000000000000000000" pitchFamily="2" charset="2"/>
-              </a:rPr>
-              <a:t>view </a:t>
+              <a:rPr lang="en-US" altLang="ko-KR" b="1" dirty="0" smtClean="0">
+                <a:sym typeface="Wingdings" panose="05000000000000000000" pitchFamily="2" charset="2"/>
+              </a:rPr>
+              <a:t>view</a:t>
+            </a:r>
+            <a:r>
+              <a:rPr lang="en-US" altLang="ko-KR" dirty="0" smtClean="0">
+                <a:sym typeface="Wingdings" panose="05000000000000000000" pitchFamily="2" charset="2"/>
+              </a:rPr>
+              <a:t> </a:t>
             </a:r>
             <a:r>
               <a:rPr lang="ko-KR" altLang="en-US" dirty="0" smtClean="0">
@@ -20884,14 +20997,21 @@
                 <a:latin typeface="나눔고딕" panose="020D0604000000000000" pitchFamily="50" charset="-127"/>
                 <a:ea typeface="나눔고딕" panose="020D0604000000000000" pitchFamily="50" charset="-127"/>
               </a:rPr>
-              <a:t>07-4 Recycler View</a:t>
-            </a:r>
-            <a:r>
-              <a:rPr lang="ko-KR" altLang="en-US" dirty="0" smtClean="0">
+              <a:t>07-4 </a:t>
+            </a:r>
+            <a:r>
+              <a:rPr lang="en-US" altLang="ko-KR" dirty="0">
                 <a:latin typeface="나눔고딕" panose="020D0604000000000000" pitchFamily="50" charset="-127"/>
                 <a:ea typeface="나눔고딕" panose="020D0604000000000000" pitchFamily="50" charset="-127"/>
               </a:rPr>
-              <a:t> 만들기</a:t>
+              <a:t>Recycler View</a:t>
+            </a:r>
+            <a:r>
+              <a:rPr lang="ko-KR" altLang="en-US" dirty="0">
+                <a:latin typeface="나눔고딕" panose="020D0604000000000000" pitchFamily="50" charset="-127"/>
+                <a:ea typeface="나눔고딕" panose="020D0604000000000000" pitchFamily="50" charset="-127"/>
+              </a:rPr>
+              <a:t> 만들기 실습</a:t>
             </a:r>
             <a:endParaRPr lang="ko-KR" altLang="en-US" dirty="0">
               <a:solidFill>
@@ -20981,10 +21101,30 @@
               <a:t>, </a:t>
             </a:r>
             <a:r>
+              <a:rPr lang="ko-KR" altLang="en-US" b="1" dirty="0" smtClean="0">
+                <a:sym typeface="Wingdings" panose="05000000000000000000" pitchFamily="2" charset="2"/>
+              </a:rPr>
+              <a:t>어댑터가 데이터 관리와 뷰 객체 관리를 합니다</a:t>
+            </a:r>
+            <a:r>
+              <a:rPr lang="en-US" altLang="ko-KR" b="1" dirty="0" smtClean="0">
+                <a:sym typeface="Wingdings" panose="05000000000000000000" pitchFamily="2" charset="2"/>
+              </a:rPr>
+              <a:t>. </a:t>
+            </a:r>
+          </a:p>
+          <a:p>
+            <a:r>
+              <a:rPr lang="ko-KR" altLang="en-US" dirty="0" err="1" smtClean="0">
+                <a:sym typeface="Wingdings" panose="05000000000000000000" pitchFamily="2" charset="2"/>
+              </a:rPr>
+              <a:t>어뎁터를</a:t>
+            </a:r>
+            <a:r>
               <a:rPr lang="ko-KR" altLang="en-US" dirty="0" smtClean="0">
                 <a:sym typeface="Wingdings" panose="05000000000000000000" pitchFamily="2" charset="2"/>
               </a:rPr>
-              <a:t>어댑터가 데이터 관리와 뷰 객체 관리를 합니다</a:t>
+              <a:t> 만들기 전에 그 안에 들어갈 각 아이템의 데이터를 담아 둘 클래스를 하나 정의합니다</a:t>
             </a:r>
             <a:r>
               <a:rPr lang="en-US" altLang="ko-KR" dirty="0" smtClean="0">
@@ -20998,36 +21138,16 @@
               <a:rPr lang="ko-KR" altLang="en-US" dirty="0" err="1" smtClean="0">
                 <a:sym typeface="Wingdings" panose="05000000000000000000" pitchFamily="2" charset="2"/>
               </a:rPr>
-              <a:t>어뎁터를</a:t>
+              <a:t>전화부처럼</a:t>
             </a:r>
             <a:r>
               <a:rPr lang="ko-KR" altLang="en-US" dirty="0" smtClean="0">
                 <a:sym typeface="Wingdings" panose="05000000000000000000" pitchFamily="2" charset="2"/>
               </a:rPr>
-              <a:t> 만들 기전에 그 안에 들어갈 각 아이템의 데이터를 담아 둘 클래스를 하나 정의합니다</a:t>
-            </a:r>
-            <a:r>
-              <a:rPr lang="en-US" altLang="ko-KR" dirty="0" smtClean="0">
-                <a:sym typeface="Wingdings" panose="05000000000000000000" pitchFamily="2" charset="2"/>
-              </a:rPr>
-              <a:t>. </a:t>
-            </a:r>
-          </a:p>
-          <a:p>
-            <a:r>
-              <a:rPr lang="ko-KR" altLang="en-US" dirty="0" err="1" smtClean="0">
-                <a:sym typeface="Wingdings" panose="05000000000000000000" pitchFamily="2" charset="2"/>
-              </a:rPr>
-              <a:t>전화부처럼</a:t>
-            </a:r>
-            <a:r>
-              <a:rPr lang="ko-KR" altLang="en-US" dirty="0" smtClean="0">
-                <a:sym typeface="Wingdings" panose="05000000000000000000" pitchFamily="2" charset="2"/>
-              </a:rPr>
               <a:t> 사람 목록을 보여줄 예정이므로 </a:t>
             </a:r>
             <a:r>
-              <a:rPr lang="en-US" altLang="ko-KR" dirty="0" smtClean="0">
+              <a:rPr lang="en-US" altLang="ko-KR" b="1" dirty="0" smtClean="0">
                 <a:sym typeface="Wingdings" panose="05000000000000000000" pitchFamily="2" charset="2"/>
               </a:rPr>
               <a:t>Person</a:t>
@@ -21306,135 +21426,123 @@
               <a:rPr lang="ko-KR" altLang="en-US" dirty="0" smtClean="0">
                 <a:sym typeface="Wingdings" panose="05000000000000000000" pitchFamily="2" charset="2"/>
               </a:rPr>
-              <a:t>의 </a:t>
+              <a:t>의 매개 인자로 </a:t>
+            </a:r>
+            <a:r>
+              <a:rPr lang="en-US" altLang="ko-KR" dirty="0" smtClean="0">
+                <a:sym typeface="Wingdings" panose="05000000000000000000" pitchFamily="2" charset="2"/>
+              </a:rPr>
+              <a:t>name, mobile</a:t>
+            </a:r>
+            <a:r>
+              <a:rPr lang="ko-KR" altLang="en-US" dirty="0" smtClean="0">
+                <a:sym typeface="Wingdings" panose="05000000000000000000" pitchFamily="2" charset="2"/>
+              </a:rPr>
+              <a:t>이 모두 포함된 것을 볼 수 있습니다</a:t>
+            </a:r>
+            <a:r>
+              <a:rPr lang="en-US" altLang="ko-KR" dirty="0" smtClean="0">
+                <a:sym typeface="Wingdings" panose="05000000000000000000" pitchFamily="2" charset="2"/>
+              </a:rPr>
+              <a:t>. </a:t>
+            </a:r>
+          </a:p>
+          <a:p>
+            <a:pPr lvl="1"/>
+            <a:r>
+              <a:rPr lang="en-US" altLang="ko-KR" dirty="0" smtClean="0">
+                <a:sym typeface="Wingdings" panose="05000000000000000000" pitchFamily="2" charset="2"/>
+              </a:rPr>
+              <a:t>get, set </a:t>
             </a:r>
             <a:r>
               <a:rPr lang="ko-KR" altLang="en-US" dirty="0" err="1" smtClean="0">
                 <a:sym typeface="Wingdings" panose="05000000000000000000" pitchFamily="2" charset="2"/>
               </a:rPr>
-              <a:t>매개인자로</a:t>
+              <a:t>메소드들도</a:t>
+            </a:r>
+            <a:r>
+              <a:rPr lang="en-US" altLang="ko-KR" dirty="0" smtClean="0">
+                <a:sym typeface="Wingdings" panose="05000000000000000000" pitchFamily="2" charset="2"/>
+              </a:rPr>
+              <a:t>, [Generate...  Getter and Setter </a:t>
             </a:r>
             <a:r>
               <a:rPr lang="ko-KR" altLang="en-US" dirty="0" smtClean="0">
                 <a:sym typeface="Wingdings" panose="05000000000000000000" pitchFamily="2" charset="2"/>
               </a:rPr>
-              <a:t> </a:t>
-            </a:r>
-            <a:r>
-              <a:rPr lang="en-US" altLang="ko-KR" dirty="0" smtClean="0">
-                <a:sym typeface="Wingdings" panose="05000000000000000000" pitchFamily="2" charset="2"/>
-              </a:rPr>
-              <a:t>name, mobile</a:t>
+              <a:t>선택하고</a:t>
+            </a:r>
+            <a:r>
+              <a:rPr lang="en-US" altLang="ko-KR" dirty="0" smtClean="0">
+                <a:sym typeface="Wingdings" panose="05000000000000000000" pitchFamily="2" charset="2"/>
+              </a:rPr>
+              <a:t>, &lt;</a:t>
+            </a:r>
+            <a:r>
+              <a:rPr lang="en-US" altLang="ko-KR" dirty="0" err="1" smtClean="0">
+                <a:sym typeface="Wingdings" panose="05000000000000000000" pitchFamily="2" charset="2"/>
+              </a:rPr>
+              <a:t>cntl</a:t>
+            </a:r>
+            <a:r>
+              <a:rPr lang="en-US" altLang="ko-KR" dirty="0" smtClean="0">
+                <a:sym typeface="Wingdings" panose="05000000000000000000" pitchFamily="2" charset="2"/>
+              </a:rPr>
+              <a:t>&gt;</a:t>
             </a:r>
             <a:r>
               <a:rPr lang="ko-KR" altLang="en-US" dirty="0" smtClean="0">
                 <a:sym typeface="Wingdings" panose="05000000000000000000" pitchFamily="2" charset="2"/>
               </a:rPr>
-              <a:t>이 모두 포함된 것을 볼 수 있습니다</a:t>
-            </a:r>
-            <a:r>
-              <a:rPr lang="en-US" altLang="ko-KR" dirty="0" smtClean="0">
-                <a:sym typeface="Wingdings" panose="05000000000000000000" pitchFamily="2" charset="2"/>
-              </a:rPr>
-              <a:t>. </a:t>
-            </a:r>
-          </a:p>
-          <a:p>
-            <a:pPr lvl="1"/>
-            <a:r>
-              <a:rPr lang="en-US" altLang="ko-KR" dirty="0" smtClean="0">
-                <a:sym typeface="Wingdings" panose="05000000000000000000" pitchFamily="2" charset="2"/>
-              </a:rPr>
-              <a:t>get, set </a:t>
+              <a:t>을 누른 상태에서 </a:t>
+            </a:r>
+            <a:r>
+              <a:rPr lang="en-US" altLang="ko-KR" dirty="0" smtClean="0">
+                <a:sym typeface="Wingdings" panose="05000000000000000000" pitchFamily="2" charset="2"/>
+              </a:rPr>
+              <a:t>name, mobile </a:t>
+            </a:r>
+            <a:r>
+              <a:rPr lang="ko-KR" altLang="en-US" dirty="0" smtClean="0">
+                <a:sym typeface="Wingdings" panose="05000000000000000000" pitchFamily="2" charset="2"/>
+              </a:rPr>
+              <a:t>두 개의 </a:t>
             </a:r>
             <a:r>
               <a:rPr lang="ko-KR" altLang="en-US" dirty="0" err="1" smtClean="0">
                 <a:sym typeface="Wingdings" panose="05000000000000000000" pitchFamily="2" charset="2"/>
               </a:rPr>
-              <a:t>메소드들도</a:t>
-            </a:r>
-            <a:r>
-              <a:rPr lang="en-US" altLang="ko-KR" dirty="0" smtClean="0">
-                <a:sym typeface="Wingdings" panose="05000000000000000000" pitchFamily="2" charset="2"/>
-              </a:rPr>
-              <a:t>, [Generate...  Getter and Setter </a:t>
+              <a:t>파라미터를</a:t>
             </a:r>
             <a:r>
               <a:rPr lang="ko-KR" altLang="en-US" dirty="0" smtClean="0">
                 <a:sym typeface="Wingdings" panose="05000000000000000000" pitchFamily="2" charset="2"/>
               </a:rPr>
-              <a:t>선택하고</a:t>
-            </a:r>
-            <a:r>
-              <a:rPr lang="en-US" altLang="ko-KR" dirty="0" smtClean="0">
-                <a:sym typeface="Wingdings" panose="05000000000000000000" pitchFamily="2" charset="2"/>
-              </a:rPr>
-              <a:t>, &lt;</a:t>
-            </a:r>
-            <a:r>
-              <a:rPr lang="en-US" altLang="ko-KR" dirty="0" err="1" smtClean="0">
-                <a:sym typeface="Wingdings" panose="05000000000000000000" pitchFamily="2" charset="2"/>
-              </a:rPr>
-              <a:t>cntl</a:t>
-            </a:r>
-            <a:r>
-              <a:rPr lang="en-US" altLang="ko-KR" dirty="0" smtClean="0">
-                <a:sym typeface="Wingdings" panose="05000000000000000000" pitchFamily="2" charset="2"/>
-              </a:rPr>
-              <a:t>&gt;</a:t>
+              <a:t> 선택한 후</a:t>
+            </a:r>
+            <a:r>
+              <a:rPr lang="en-US" altLang="ko-KR" dirty="0" smtClean="0">
+                <a:sym typeface="Wingdings" panose="05000000000000000000" pitchFamily="2" charset="2"/>
+              </a:rPr>
+              <a:t>, OK</a:t>
             </a:r>
             <a:r>
               <a:rPr lang="ko-KR" altLang="en-US" dirty="0" smtClean="0">
                 <a:sym typeface="Wingdings" panose="05000000000000000000" pitchFamily="2" charset="2"/>
               </a:rPr>
-              <a:t>을 누른 상태에서 </a:t>
-            </a:r>
-            <a:r>
-              <a:rPr lang="en-US" altLang="ko-KR" dirty="0" smtClean="0">
-                <a:sym typeface="Wingdings" panose="05000000000000000000" pitchFamily="2" charset="2"/>
-              </a:rPr>
-              <a:t>name, mobile </a:t>
+              <a:t>를 선택하여</a:t>
+            </a:r>
+            <a:r>
+              <a:rPr lang="en-US" altLang="ko-KR" dirty="0" smtClean="0">
+                <a:sym typeface="Wingdings" panose="05000000000000000000" pitchFamily="2" charset="2"/>
+              </a:rPr>
+              <a:t>, get/set </a:t>
             </a:r>
             <a:r>
               <a:rPr lang="ko-KR" altLang="en-US" dirty="0" smtClean="0">
                 <a:sym typeface="Wingdings" panose="05000000000000000000" pitchFamily="2" charset="2"/>
               </a:rPr>
-              <a:t>두 개의 </a:t>
-            </a:r>
-            <a:r>
-              <a:rPr lang="ko-KR" altLang="en-US" dirty="0" err="1" smtClean="0">
-                <a:sym typeface="Wingdings" panose="05000000000000000000" pitchFamily="2" charset="2"/>
-              </a:rPr>
-              <a:t>파라미터를</a:t>
-            </a:r>
-            <a:r>
-              <a:rPr lang="ko-KR" altLang="en-US" dirty="0" smtClean="0">
-                <a:sym typeface="Wingdings" panose="05000000000000000000" pitchFamily="2" charset="2"/>
-              </a:rPr>
-              <a:t> 선택한 후</a:t>
-            </a:r>
-            <a:r>
-              <a:rPr lang="en-US" altLang="ko-KR" dirty="0" smtClean="0">
-                <a:sym typeface="Wingdings" panose="05000000000000000000" pitchFamily="2" charset="2"/>
-              </a:rPr>
-              <a:t>, OK</a:t>
-            </a:r>
-            <a:r>
-              <a:rPr lang="ko-KR" altLang="en-US" dirty="0" smtClean="0">
-                <a:sym typeface="Wingdings" panose="05000000000000000000" pitchFamily="2" charset="2"/>
-              </a:rPr>
-              <a:t>를 선택하여</a:t>
-            </a:r>
-            <a:r>
-              <a:rPr lang="en-US" altLang="ko-KR" dirty="0" smtClean="0">
-                <a:sym typeface="Wingdings" panose="05000000000000000000" pitchFamily="2" charset="2"/>
-              </a:rPr>
-              <a:t>, get/set </a:t>
-            </a:r>
-            <a:r>
-              <a:rPr lang="ko-KR" altLang="en-US" dirty="0" smtClean="0">
-                <a:sym typeface="Wingdings" panose="05000000000000000000" pitchFamily="2" charset="2"/>
-              </a:rPr>
               <a:t>메소드를 추가합니다</a:t>
             </a:r>
             <a:r>
@@ -21443,30 +21551,6 @@
               </a:rPr>
               <a:t>.   </a:t>
             </a:r>
-          </a:p>
-          <a:p>
-            <a:pPr lvl="1"/>
-            <a:endParaRPr lang="en-US" altLang="ko-KR" dirty="0">
-              <a:sym typeface="Wingdings" panose="05000000000000000000" pitchFamily="2" charset="2"/>
-            </a:endParaRPr>
-          </a:p>
-          <a:p>
-            <a:pPr lvl="1"/>
-            <a:endParaRPr lang="en-US" altLang="ko-KR" dirty="0">
-              <a:sym typeface="Wingdings" panose="05000000000000000000" pitchFamily="2" charset="2"/>
-            </a:endParaRPr>
-          </a:p>
-          <a:p>
-            <a:pPr lvl="1"/>
-            <a:endParaRPr lang="en-US" altLang="ko-KR" dirty="0" smtClean="0">
-              <a:sym typeface="Wingdings" panose="05000000000000000000" pitchFamily="2" charset="2"/>
-            </a:endParaRPr>
-          </a:p>
-          <a:p>
-            <a:pPr lvl="1"/>
-            <a:endParaRPr lang="en-US" altLang="ko-KR" dirty="0" smtClean="0">
-              <a:sym typeface="Wingdings" panose="05000000000000000000" pitchFamily="2" charset="2"/>
-            </a:endParaRPr>
           </a:p>
           <a:p>
             <a:endParaRPr lang="en-US" altLang="ko-KR" dirty="0">
@@ -21726,7 +21810,7 @@
                 <a:latin typeface="나눔고딕" panose="020D0604000000000000" pitchFamily="50" charset="-127"/>
                 <a:ea typeface="나눔고딕" panose="020D0604000000000000" pitchFamily="50" charset="-127"/>
               </a:rPr>
-              <a:t> 만들기</a:t>
+              <a:t> 만들기 실습</a:t>
             </a:r>
             <a:endParaRPr lang="ko-KR" altLang="en-US" dirty="0">
               <a:solidFill>
@@ -26478,11 +26562,7 @@
           <a:p>
             <a:r>
               <a:rPr lang="ko-KR" altLang="en-US" sz="1400" dirty="0" smtClean="0"/>
-              <a:t>인플레이션을 </a:t>
-            </a:r>
-            <a:r>
-              <a:rPr lang="ko-KR" altLang="en-US" sz="1400" dirty="0" smtClean="0"/>
-              <a:t>통해 뷰 객체 만들기</a:t>
+              <a:t>인플레이션을 통해 뷰 객체 만들기</a:t>
             </a:r>
             <a:endParaRPr lang="ko-KR" altLang="en-US" sz="1400" dirty="0"/>
           </a:p>
@@ -27035,7 +27115,7 @@
         </p:blipFill>
         <p:spPr>
           <a:xfrm>
-            <a:off x="458066" y="3757327"/>
+            <a:off x="458066" y="3717032"/>
             <a:ext cx="6915676" cy="2762537"/>
           </a:xfrm>
           <a:prstGeom prst="rect">
@@ -27572,6 +27652,30 @@
           </a:p>
         </p:txBody>
       </p:sp>
+      <p:pic>
+        <p:nvPicPr>
+          <p:cNvPr id="6" name="그림 5"/>
+          <p:cNvPicPr>
+            <a:picLocks noChangeAspect="1"/>
+          </p:cNvPicPr>
+          <p:nvPr/>
+        </p:nvPicPr>
+        <p:blipFill>
+          <a:blip r:embed="rId2"/>
+          <a:stretch>
+            <a:fillRect/>
+          </a:stretch>
+        </p:blipFill>
+        <p:spPr>
+          <a:xfrm>
+            <a:off x="6077156" y="3018480"/>
+            <a:ext cx="5811511" cy="1319616"/>
+          </a:xfrm>
+          <a:prstGeom prst="rect">
+            <a:avLst/>
+          </a:prstGeom>
+        </p:spPr>
+      </p:pic>
     </p:spTree>
     <p:extLst>
       <p:ext uri="{BB962C8B-B14F-4D97-AF65-F5344CB8AC3E}">
@@ -28678,11 +28782,7 @@
             </a:r>
             <a:r>
               <a:rPr lang="ko-KR" altLang="en-US" sz="1600" dirty="0" smtClean="0"/>
-              <a:t>같은 메소드를 </a:t>
-            </a:r>
-            <a:r>
-              <a:rPr lang="ko-KR" altLang="en-US" sz="1600" dirty="0" smtClean="0"/>
-              <a:t>구현합니다</a:t>
+              <a:t>같은 메소드를 구현합니다</a:t>
             </a:r>
             <a:r>
               <a:rPr lang="en-US" altLang="ko-KR" sz="1600" dirty="0"/>
@@ -28940,7 +29040,7 @@
         <p:spPr>
           <a:xfrm>
             <a:off x="488948" y="1980704"/>
-            <a:ext cx="11212264" cy="4832092"/>
+            <a:ext cx="11212264" cy="4616648"/>
           </a:xfrm>
           <a:prstGeom prst="rect">
             <a:avLst/>
@@ -29211,16 +29311,28 @@
               <a:t>        </a:t>
             </a:r>
             <a:r>
-              <a:rPr lang="en-US" altLang="ko-KR" sz="1400" dirty="0" err="1">
+              <a:rPr lang="en-US" altLang="ko-KR" sz="1400" dirty="0" smtClean="0">
+                <a:latin typeface="Consolas" panose="020B0609020204030204" pitchFamily="49" charset="0"/>
+              </a:rPr>
+              <a:t>final </a:t>
+            </a:r>
+            <a:r>
+              <a:rPr lang="en-US" altLang="ko-KR" sz="1400" dirty="0" err="1" smtClean="0">
                 <a:latin typeface="Consolas" panose="020B0609020204030204" pitchFamily="49" charset="0"/>
               </a:rPr>
               <a:t>PersonAdapter</a:t>
             </a:r>
             <a:r>
-              <a:rPr lang="en-US" altLang="ko-KR" sz="1400" dirty="0">
-                <a:latin typeface="Consolas" panose="020B0609020204030204" pitchFamily="49" charset="0"/>
-              </a:rPr>
-              <a:t> adapter = new </a:t>
+              <a:rPr lang="en-US" altLang="ko-KR" sz="1400" dirty="0" smtClean="0">
+                <a:latin typeface="Consolas" panose="020B0609020204030204" pitchFamily="49" charset="0"/>
+              </a:rPr>
+              <a:t> </a:t>
+            </a:r>
+            <a:r>
+              <a:rPr lang="en-US" altLang="ko-KR" sz="1400" dirty="0">
+                <a:latin typeface="Consolas" panose="020B0609020204030204" pitchFamily="49" charset="0"/>
+              </a:rPr>
+              <a:t>adapter = new </a:t>
             </a:r>
             <a:r>
               <a:rPr lang="en-US" altLang="ko-KR" sz="1400" dirty="0" err="1">
@@ -29358,67 +29470,44 @@
               <a:rPr lang="en-US" altLang="ko-KR" sz="1400" dirty="0">
                 <a:latin typeface="Consolas" panose="020B0609020204030204" pitchFamily="49" charset="0"/>
               </a:rPr>
-              <a:t>(adapter);</a:t>
-            </a:r>
-          </a:p>
-          <a:p>
-            <a:r>
-              <a:rPr lang="en-US" altLang="ko-KR" sz="1400" dirty="0">
-                <a:latin typeface="Consolas" panose="020B0609020204030204" pitchFamily="49" charset="0"/>
-              </a:rPr>
-              <a:t>    }</a:t>
-            </a:r>
-          </a:p>
-          <a:p>
-            <a:r>
-              <a:rPr lang="en-US" altLang="ko-KR" sz="1400" dirty="0">
-                <a:latin typeface="Consolas" panose="020B0609020204030204" pitchFamily="49" charset="0"/>
-              </a:rPr>
-              <a:t>    static class </a:t>
-            </a:r>
-            <a:r>
-              <a:rPr lang="en-US" altLang="ko-KR" sz="1400" dirty="0" err="1">
-                <a:latin typeface="Consolas" panose="020B0609020204030204" pitchFamily="49" charset="0"/>
-              </a:rPr>
-              <a:t>ViewHolder</a:t>
-            </a:r>
-            <a:r>
-              <a:rPr lang="en-US" altLang="ko-KR" sz="1400" dirty="0">
-                <a:latin typeface="Consolas" panose="020B0609020204030204" pitchFamily="49" charset="0"/>
-              </a:rPr>
-              <a:t> extends </a:t>
-            </a:r>
-            <a:r>
-              <a:rPr lang="en-US" altLang="ko-KR" sz="1400" dirty="0" err="1">
-                <a:latin typeface="Consolas" panose="020B0609020204030204" pitchFamily="49" charset="0"/>
-              </a:rPr>
-              <a:t>RecyclerView.ViewHolder</a:t>
-            </a:r>
-            <a:r>
-              <a:rPr lang="en-US" altLang="ko-KR" sz="1400" dirty="0">
-                <a:latin typeface="Consolas" panose="020B0609020204030204" pitchFamily="49" charset="0"/>
-              </a:rPr>
-              <a:t> </a:t>
+              <a:t>(adapter</a:t>
             </a:r>
             <a:r>
               <a:rPr lang="en-US" altLang="ko-KR" sz="1400" dirty="0" smtClean="0">
                 <a:latin typeface="Consolas" panose="020B0609020204030204" pitchFamily="49" charset="0"/>
               </a:rPr>
-              <a:t>{</a:t>
-            </a:r>
-          </a:p>
-          <a:p>
-            <a:r>
-              <a:rPr lang="en-US" altLang="ko-KR" sz="1400" dirty="0">
-                <a:latin typeface="Consolas" panose="020B0609020204030204" pitchFamily="49" charset="0"/>
-              </a:rPr>
-              <a:t> </a:t>
+              <a:t>);</a:t>
+            </a:r>
+          </a:p>
+          <a:p>
+            <a:r>
+              <a:rPr lang="en-US" altLang="ko-KR" sz="1400" dirty="0">
+                <a:latin typeface="Consolas" panose="020B0609020204030204" pitchFamily="49" charset="0"/>
+              </a:rPr>
+              <a:t>     </a:t>
             </a:r>
             <a:r>
               <a:rPr lang="en-US" altLang="ko-KR" sz="1400" dirty="0" smtClean="0">
                 <a:latin typeface="Consolas" panose="020B0609020204030204" pitchFamily="49" charset="0"/>
               </a:rPr>
               <a:t>   ...</a:t>
+            </a:r>
+            <a:endParaRPr lang="en-US" altLang="ko-KR" sz="1400" dirty="0">
+              <a:latin typeface="Consolas" panose="020B0609020204030204" pitchFamily="49" charset="0"/>
+            </a:endParaRPr>
+          </a:p>
+          <a:p>
+            <a:r>
+              <a:rPr lang="en-US" altLang="ko-KR" sz="1400" dirty="0">
+                <a:latin typeface="Consolas" panose="020B0609020204030204" pitchFamily="49" charset="0"/>
+              </a:rPr>
+              <a:t>    </a:t>
+            </a:r>
+            <a:r>
+              <a:rPr lang="en-US" altLang="ko-KR" sz="1400" dirty="0" smtClean="0">
+                <a:latin typeface="Consolas" panose="020B0609020204030204" pitchFamily="49" charset="0"/>
+              </a:rPr>
+              <a:t>}</a:t>
             </a:r>
             <a:endParaRPr lang="en-US" altLang="ko-KR" sz="1400" dirty="0">
               <a:latin typeface="Consolas" panose="020B0609020204030204" pitchFamily="49" charset="0"/>
@@ -29745,56 +29834,37 @@
               <a:buNone/>
             </a:pPr>
             <a:r>
+              <a:rPr lang="en-US" altLang="ko-KR" b="1" dirty="0" smtClean="0"/>
+              <a:t>Step </a:t>
+            </a:r>
+            <a:r>
+              <a:rPr lang="en-US" altLang="ko-KR" b="1" dirty="0" smtClean="0"/>
+              <a:t>6 </a:t>
+            </a:r>
+            <a:r>
+              <a:rPr lang="ko-KR" altLang="en-US" b="1" dirty="0" smtClean="0"/>
+              <a:t>계속</a:t>
+            </a:r>
+            <a:r>
+              <a:rPr lang="en-US" altLang="ko-KR" dirty="0" smtClean="0"/>
+              <a:t>: </a:t>
+            </a:r>
+            <a:r>
+              <a:rPr lang="en-US" altLang="ko-KR" dirty="0" smtClean="0"/>
+              <a:t>MainActivity.java</a:t>
+            </a:r>
+            <a:r>
               <a:rPr lang="ko-KR" altLang="en-US" dirty="0" smtClean="0"/>
-              <a:t>결과 화면</a:t>
-            </a:r>
-            <a:r>
-              <a:rPr lang="en-US" altLang="ko-KR" dirty="0" smtClean="0"/>
-              <a:t>: item</a:t>
+              <a:t>에서 </a:t>
+            </a:r>
+            <a:r>
+              <a:rPr lang="en-US" altLang="ko-KR" dirty="0" err="1" smtClean="0"/>
+              <a:t>RecyclerView</a:t>
             </a:r>
             <a:r>
               <a:rPr lang="ko-KR" altLang="en-US" dirty="0" smtClean="0"/>
-              <a:t>들이 충분히 많아지면</a:t>
-            </a:r>
-            <a:r>
-              <a:rPr lang="en-US" altLang="ko-KR" dirty="0" smtClean="0"/>
-              <a:t>, </a:t>
-            </a:r>
-            <a:r>
-              <a:rPr lang="ko-KR" altLang="en-US" dirty="0" smtClean="0"/>
-              <a:t>스크롤이 생길 것입니다</a:t>
-            </a:r>
-            <a:r>
-              <a:rPr lang="en-US" altLang="ko-KR" dirty="0" smtClean="0"/>
-              <a:t>. </a:t>
-            </a:r>
-            <a:r>
-              <a:rPr lang="en-US" altLang="ko-KR" dirty="0" err="1" smtClean="0"/>
-              <a:t>adapter.addItem</a:t>
-            </a:r>
-            <a:r>
-              <a:rPr lang="en-US" altLang="ko-KR" dirty="0" smtClean="0"/>
-              <a:t>()</a:t>
-            </a:r>
-            <a:r>
-              <a:rPr lang="ko-KR" altLang="en-US" dirty="0" smtClean="0"/>
-              <a:t>을 여러 개 추가하여 결과 화면을 직접 확인하십시오</a:t>
-            </a:r>
-            <a:r>
-              <a:rPr lang="en-US" altLang="ko-KR" dirty="0" smtClean="0"/>
-              <a:t>.  </a:t>
-            </a:r>
-          </a:p>
-          <a:p>
-            <a:pPr marL="0" indent="0">
-              <a:buNone/>
-            </a:pPr>
-            <a:endParaRPr lang="en-US" altLang="ko-KR" dirty="0"/>
-          </a:p>
-          <a:p>
-            <a:pPr marL="0" indent="0">
-              <a:buNone/>
-            </a:pPr>
+              <a:t>와 어댑터를 사용하는 코드 작성하기 </a:t>
+            </a:r>
             <a:endParaRPr lang="en-US" altLang="ko-KR" dirty="0"/>
           </a:p>
         </p:txBody>
@@ -29828,34 +29898,497 @@
           </a:p>
         </p:txBody>
       </p:sp>
-      <p:pic>
-        <p:nvPicPr>
-          <p:cNvPr id="5" name="그림 4"/>
-          <p:cNvPicPr>
-            <a:picLocks noChangeAspect="1"/>
-          </p:cNvPicPr>
+      <p:sp>
+        <p:nvSpPr>
+          <p:cNvPr id="6" name="직사각형 5"/>
+          <p:cNvSpPr/>
           <p:nvPr/>
-        </p:nvPicPr>
-        <p:blipFill>
-          <a:blip r:embed="rId2"/>
-          <a:stretch>
-            <a:fillRect/>
-          </a:stretch>
-        </p:blipFill>
+        </p:nvSpPr>
         <p:spPr>
           <a:xfrm>
-            <a:off x="9243878" y="2204864"/>
-            <a:ext cx="2457334" cy="4315000"/>
+            <a:off x="488948" y="1484784"/>
+            <a:ext cx="11212264" cy="4616648"/>
           </a:xfrm>
           <a:prstGeom prst="rect">
             <a:avLst/>
           </a:prstGeom>
+          <a:solidFill>
+            <a:schemeClr val="bg1">
+              <a:lumMod val="95000"/>
+            </a:schemeClr>
+          </a:solidFill>
+          <a:ln>
+            <a:solidFill>
+              <a:schemeClr val="bg1">
+                <a:lumMod val="75000"/>
+              </a:schemeClr>
+            </a:solidFill>
+          </a:ln>
         </p:spPr>
-      </p:pic>
+        <p:txBody>
+          <a:bodyPr wrap="square">
+            <a:spAutoFit/>
+          </a:bodyPr>
+          <a:lstStyle/>
+          <a:p>
+            <a:r>
+              <a:rPr lang="en-US" altLang="ko-KR" sz="1400" dirty="0">
+                <a:latin typeface="Consolas" panose="020B0609020204030204" pitchFamily="49" charset="0"/>
+              </a:rPr>
+              <a:t> </a:t>
+            </a:r>
+            <a:r>
+              <a:rPr lang="en-US" altLang="ko-KR" sz="1400" dirty="0" smtClean="0">
+                <a:latin typeface="Consolas" panose="020B0609020204030204" pitchFamily="49" charset="0"/>
+              </a:rPr>
+              <a:t>       ...</a:t>
+            </a:r>
+          </a:p>
+          <a:p>
+            <a:r>
+              <a:rPr lang="en-US" altLang="ko-KR" sz="1400" dirty="0">
+                <a:latin typeface="Consolas" panose="020B0609020204030204" pitchFamily="49" charset="0"/>
+              </a:rPr>
+              <a:t> </a:t>
+            </a:r>
+            <a:r>
+              <a:rPr lang="en-US" altLang="ko-KR" sz="1400" dirty="0" smtClean="0">
+                <a:latin typeface="Consolas" panose="020B0609020204030204" pitchFamily="49" charset="0"/>
+              </a:rPr>
+              <a:t>       </a:t>
+            </a:r>
+            <a:r>
+              <a:rPr lang="en-US" altLang="ko-KR" sz="1400" dirty="0" err="1" smtClean="0">
+                <a:latin typeface="Consolas" panose="020B0609020204030204" pitchFamily="49" charset="0"/>
+              </a:rPr>
+              <a:t>adapter.addItem</a:t>
+            </a:r>
+            <a:r>
+              <a:rPr lang="en-US" altLang="ko-KR" sz="1400" dirty="0" smtClean="0">
+                <a:latin typeface="Consolas" panose="020B0609020204030204" pitchFamily="49" charset="0"/>
+              </a:rPr>
+              <a:t>(new </a:t>
+            </a:r>
+            <a:r>
+              <a:rPr lang="en-US" altLang="ko-KR" sz="1400" dirty="0">
+                <a:latin typeface="Consolas" panose="020B0609020204030204" pitchFamily="49" charset="0"/>
+              </a:rPr>
+              <a:t>Person("</a:t>
+            </a:r>
+            <a:r>
+              <a:rPr lang="ko-KR" altLang="en-US" sz="1400" dirty="0">
+                <a:latin typeface="Consolas" panose="020B0609020204030204" pitchFamily="49" charset="0"/>
+              </a:rPr>
+              <a:t>김하늘</a:t>
+            </a:r>
+            <a:r>
+              <a:rPr lang="en-US" altLang="ko-KR" sz="1400" dirty="0">
+                <a:latin typeface="Consolas" panose="020B0609020204030204" pitchFamily="49" charset="0"/>
+              </a:rPr>
+              <a:t>", "010-2000-2000"));</a:t>
+            </a:r>
+          </a:p>
+          <a:p>
+            <a:r>
+              <a:rPr lang="en-US" altLang="ko-KR" sz="1400" dirty="0">
+                <a:latin typeface="Consolas" panose="020B0609020204030204" pitchFamily="49" charset="0"/>
+              </a:rPr>
+              <a:t>        </a:t>
+            </a:r>
+            <a:r>
+              <a:rPr lang="en-US" altLang="ko-KR" sz="1400" dirty="0" err="1">
+                <a:latin typeface="Consolas" panose="020B0609020204030204" pitchFamily="49" charset="0"/>
+              </a:rPr>
+              <a:t>adapter.addItem</a:t>
+            </a:r>
+            <a:r>
+              <a:rPr lang="en-US" altLang="ko-KR" sz="1400" dirty="0">
+                <a:latin typeface="Consolas" panose="020B0609020204030204" pitchFamily="49" charset="0"/>
+              </a:rPr>
+              <a:t>(new Person("</a:t>
+            </a:r>
+            <a:r>
+              <a:rPr lang="ko-KR" altLang="en-US" sz="1400" dirty="0">
+                <a:latin typeface="Consolas" panose="020B0609020204030204" pitchFamily="49" charset="0"/>
+              </a:rPr>
+              <a:t>홍길동</a:t>
+            </a:r>
+            <a:r>
+              <a:rPr lang="en-US" altLang="ko-KR" sz="1400" dirty="0">
+                <a:latin typeface="Consolas" panose="020B0609020204030204" pitchFamily="49" charset="0"/>
+              </a:rPr>
+              <a:t>", "010-3000-3000"));</a:t>
+            </a:r>
+          </a:p>
+          <a:p>
+            <a:endParaRPr lang="en-US" altLang="ko-KR" sz="1400" dirty="0">
+              <a:latin typeface="Consolas" panose="020B0609020204030204" pitchFamily="49" charset="0"/>
+            </a:endParaRPr>
+          </a:p>
+          <a:p>
+            <a:r>
+              <a:rPr lang="en-US" altLang="ko-KR" sz="1400" dirty="0">
+                <a:latin typeface="Consolas" panose="020B0609020204030204" pitchFamily="49" charset="0"/>
+              </a:rPr>
+              <a:t>        </a:t>
+            </a:r>
+            <a:r>
+              <a:rPr lang="en-US" altLang="ko-KR" sz="1400" dirty="0" err="1">
+                <a:latin typeface="Consolas" panose="020B0609020204030204" pitchFamily="49" charset="0"/>
+              </a:rPr>
+              <a:t>recyclerView.setAdapter</a:t>
+            </a:r>
+            <a:r>
+              <a:rPr lang="en-US" altLang="ko-KR" sz="1400" dirty="0">
+                <a:latin typeface="Consolas" panose="020B0609020204030204" pitchFamily="49" charset="0"/>
+              </a:rPr>
+              <a:t>(adapter);</a:t>
+            </a:r>
+          </a:p>
+          <a:p>
+            <a:r>
+              <a:rPr lang="en-US" altLang="ko-KR" sz="1400" dirty="0">
+                <a:latin typeface="Consolas" panose="020B0609020204030204" pitchFamily="49" charset="0"/>
+              </a:rPr>
+              <a:t>        int count = </a:t>
+            </a:r>
+            <a:r>
+              <a:rPr lang="en-US" altLang="ko-KR" sz="1400" dirty="0" err="1">
+                <a:latin typeface="Consolas" panose="020B0609020204030204" pitchFamily="49" charset="0"/>
+              </a:rPr>
+              <a:t>adapter.getItemCount</a:t>
+            </a:r>
+            <a:r>
+              <a:rPr lang="en-US" altLang="ko-KR" sz="1400" dirty="0">
+                <a:latin typeface="Consolas" panose="020B0609020204030204" pitchFamily="49" charset="0"/>
+              </a:rPr>
+              <a:t>();</a:t>
+            </a:r>
+          </a:p>
+          <a:p>
+            <a:endParaRPr lang="en-US" altLang="ko-KR" sz="1400" dirty="0">
+              <a:latin typeface="Consolas" panose="020B0609020204030204" pitchFamily="49" charset="0"/>
+            </a:endParaRPr>
+          </a:p>
+          <a:p>
+            <a:r>
+              <a:rPr lang="en-US" altLang="ko-KR" sz="1400" dirty="0">
+                <a:latin typeface="Consolas" panose="020B0609020204030204" pitchFamily="49" charset="0"/>
+              </a:rPr>
+              <a:t>        // setting </a:t>
+            </a:r>
+            <a:r>
+              <a:rPr lang="en-US" altLang="ko-KR" sz="1400" dirty="0" err="1">
+                <a:latin typeface="Consolas" panose="020B0609020204030204" pitchFamily="49" charset="0"/>
+              </a:rPr>
+              <a:t>onPersonItemClickListener</a:t>
+            </a:r>
+            <a:r>
+              <a:rPr lang="en-US" altLang="ko-KR" sz="1400" dirty="0">
+                <a:latin typeface="Consolas" panose="020B0609020204030204" pitchFamily="49" charset="0"/>
+              </a:rPr>
+              <a:t>, </a:t>
+            </a:r>
+            <a:r>
+              <a:rPr lang="en-US" altLang="ko-KR" sz="1400" dirty="0" smtClean="0">
+                <a:latin typeface="Consolas" panose="020B0609020204030204" pitchFamily="49" charset="0"/>
+              </a:rPr>
+              <a:t>not </a:t>
+            </a:r>
+            <a:r>
+              <a:rPr lang="en-US" altLang="ko-KR" sz="1400" dirty="0" err="1" smtClean="0">
+                <a:latin typeface="Consolas" panose="020B0609020204030204" pitchFamily="49" charset="0"/>
+              </a:rPr>
+              <a:t>onClickLinstener</a:t>
+            </a:r>
+            <a:endParaRPr lang="en-US" altLang="ko-KR" sz="1400" dirty="0" smtClean="0">
+              <a:latin typeface="Consolas" panose="020B0609020204030204" pitchFamily="49" charset="0"/>
+            </a:endParaRPr>
+          </a:p>
+          <a:p>
+            <a:endParaRPr lang="en-US" altLang="ko-KR" sz="1400" dirty="0">
+              <a:latin typeface="Consolas" panose="020B0609020204030204" pitchFamily="49" charset="0"/>
+            </a:endParaRPr>
+          </a:p>
+          <a:p>
+            <a:r>
+              <a:rPr lang="en-US" altLang="ko-KR" sz="1400" dirty="0">
+                <a:latin typeface="Consolas" panose="020B0609020204030204" pitchFamily="49" charset="0"/>
+              </a:rPr>
+              <a:t>        </a:t>
+            </a:r>
+            <a:r>
+              <a:rPr lang="en-US" altLang="ko-KR" sz="1400" dirty="0" err="1">
+                <a:latin typeface="Consolas" panose="020B0609020204030204" pitchFamily="49" charset="0"/>
+              </a:rPr>
+              <a:t>adapter.setOnItemClickListener</a:t>
+            </a:r>
+            <a:r>
+              <a:rPr lang="en-US" altLang="ko-KR" sz="1400" dirty="0">
+                <a:latin typeface="Consolas" panose="020B0609020204030204" pitchFamily="49" charset="0"/>
+              </a:rPr>
+              <a:t>(new </a:t>
+            </a:r>
+            <a:r>
+              <a:rPr lang="en-US" altLang="ko-KR" sz="1400" dirty="0" err="1">
+                <a:latin typeface="Consolas" panose="020B0609020204030204" pitchFamily="49" charset="0"/>
+              </a:rPr>
+              <a:t>OnPersonItemClickListener</a:t>
+            </a:r>
+            <a:r>
+              <a:rPr lang="en-US" altLang="ko-KR" sz="1400" dirty="0">
+                <a:latin typeface="Consolas" panose="020B0609020204030204" pitchFamily="49" charset="0"/>
+              </a:rPr>
+              <a:t>() {</a:t>
+            </a:r>
+          </a:p>
+          <a:p>
+            <a:r>
+              <a:rPr lang="en-US" altLang="ko-KR" sz="1400" dirty="0">
+                <a:latin typeface="Consolas" panose="020B0609020204030204" pitchFamily="49" charset="0"/>
+              </a:rPr>
+              <a:t>            @Override</a:t>
+            </a:r>
+          </a:p>
+          <a:p>
+            <a:r>
+              <a:rPr lang="en-US" altLang="ko-KR" sz="1400" dirty="0">
+                <a:latin typeface="Consolas" panose="020B0609020204030204" pitchFamily="49" charset="0"/>
+              </a:rPr>
+              <a:t>            public void </a:t>
+            </a:r>
+            <a:r>
+              <a:rPr lang="en-US" altLang="ko-KR" sz="1400" dirty="0" err="1">
+                <a:latin typeface="Consolas" panose="020B0609020204030204" pitchFamily="49" charset="0"/>
+              </a:rPr>
+              <a:t>onItemClick</a:t>
+            </a:r>
+            <a:r>
+              <a:rPr lang="en-US" altLang="ko-KR" sz="1400" dirty="0">
+                <a:latin typeface="Consolas" panose="020B0609020204030204" pitchFamily="49" charset="0"/>
+              </a:rPr>
+              <a:t>(</a:t>
+            </a:r>
+            <a:r>
+              <a:rPr lang="en-US" altLang="ko-KR" sz="1400" dirty="0" err="1">
+                <a:latin typeface="Consolas" panose="020B0609020204030204" pitchFamily="49" charset="0"/>
+              </a:rPr>
+              <a:t>PersonAdapter.ViewHolder</a:t>
+            </a:r>
+            <a:r>
+              <a:rPr lang="en-US" altLang="ko-KR" sz="1400" dirty="0">
+                <a:latin typeface="Consolas" panose="020B0609020204030204" pitchFamily="49" charset="0"/>
+              </a:rPr>
+              <a:t> holder, View </a:t>
+            </a:r>
+            <a:r>
+              <a:rPr lang="en-US" altLang="ko-KR" sz="1400" dirty="0" err="1">
+                <a:latin typeface="Consolas" panose="020B0609020204030204" pitchFamily="49" charset="0"/>
+              </a:rPr>
+              <a:t>view</a:t>
+            </a:r>
+            <a:r>
+              <a:rPr lang="en-US" altLang="ko-KR" sz="1400" dirty="0">
+                <a:latin typeface="Consolas" panose="020B0609020204030204" pitchFamily="49" charset="0"/>
+              </a:rPr>
+              <a:t>, int position) {</a:t>
+            </a:r>
+          </a:p>
+          <a:p>
+            <a:r>
+              <a:rPr lang="en-US" altLang="ko-KR" sz="1400" dirty="0">
+                <a:latin typeface="Consolas" panose="020B0609020204030204" pitchFamily="49" charset="0"/>
+              </a:rPr>
+              <a:t>                </a:t>
+            </a:r>
+            <a:r>
+              <a:rPr lang="en-US" altLang="ko-KR" sz="1400" dirty="0" err="1">
+                <a:latin typeface="Consolas" panose="020B0609020204030204" pitchFamily="49" charset="0"/>
+              </a:rPr>
+              <a:t>Log.d</a:t>
+            </a:r>
+            <a:r>
+              <a:rPr lang="en-US" altLang="ko-KR" sz="1400" dirty="0">
+                <a:latin typeface="Consolas" panose="020B0609020204030204" pitchFamily="49" charset="0"/>
+              </a:rPr>
+              <a:t>(TAG, "Main - anonymous class");</a:t>
+            </a:r>
+          </a:p>
+          <a:p>
+            <a:r>
+              <a:rPr lang="en-US" altLang="ko-KR" sz="1400" dirty="0">
+                <a:latin typeface="Consolas" panose="020B0609020204030204" pitchFamily="49" charset="0"/>
+              </a:rPr>
+              <a:t>                </a:t>
+            </a:r>
+            <a:r>
+              <a:rPr lang="en-US" altLang="ko-KR" sz="1400" dirty="0" err="1">
+                <a:latin typeface="Consolas" panose="020B0609020204030204" pitchFamily="49" charset="0"/>
+              </a:rPr>
+              <a:t>Log.d</a:t>
+            </a:r>
+            <a:r>
+              <a:rPr lang="en-US" altLang="ko-KR" sz="1400" dirty="0">
+                <a:latin typeface="Consolas" panose="020B0609020204030204" pitchFamily="49" charset="0"/>
+              </a:rPr>
+              <a:t>(TAG, "Main - listener:" + position</a:t>
+            </a:r>
+            <a:r>
+              <a:rPr lang="en-US" altLang="ko-KR" sz="1400" dirty="0" smtClean="0">
+                <a:latin typeface="Consolas" panose="020B0609020204030204" pitchFamily="49" charset="0"/>
+              </a:rPr>
+              <a:t>);</a:t>
+            </a:r>
+            <a:br>
+              <a:rPr lang="en-US" altLang="ko-KR" sz="1400" dirty="0" smtClean="0">
+                <a:latin typeface="Consolas" panose="020B0609020204030204" pitchFamily="49" charset="0"/>
+              </a:rPr>
+            </a:br>
+            <a:endParaRPr lang="en-US" altLang="ko-KR" sz="1400" dirty="0">
+              <a:latin typeface="Consolas" panose="020B0609020204030204" pitchFamily="49" charset="0"/>
+            </a:endParaRPr>
+          </a:p>
+          <a:p>
+            <a:r>
+              <a:rPr lang="en-US" altLang="ko-KR" sz="1400" dirty="0">
+                <a:latin typeface="Consolas" panose="020B0609020204030204" pitchFamily="49" charset="0"/>
+              </a:rPr>
+              <a:t>                Person item = </a:t>
+            </a:r>
+            <a:r>
+              <a:rPr lang="en-US" altLang="ko-KR" sz="1400" dirty="0" err="1">
+                <a:latin typeface="Consolas" panose="020B0609020204030204" pitchFamily="49" charset="0"/>
+              </a:rPr>
+              <a:t>adapter.getItem</a:t>
+            </a:r>
+            <a:r>
+              <a:rPr lang="en-US" altLang="ko-KR" sz="1400" dirty="0">
+                <a:latin typeface="Consolas" panose="020B0609020204030204" pitchFamily="49" charset="0"/>
+              </a:rPr>
+              <a:t>(position);</a:t>
+            </a:r>
+          </a:p>
+          <a:p>
+            <a:r>
+              <a:rPr lang="en-US" altLang="ko-KR" sz="1400" dirty="0">
+                <a:latin typeface="Consolas" panose="020B0609020204030204" pitchFamily="49" charset="0"/>
+              </a:rPr>
+              <a:t>                Toast.makeText(</a:t>
+            </a:r>
+            <a:r>
+              <a:rPr lang="en-US" altLang="ko-KR" sz="1400" dirty="0" err="1">
+                <a:latin typeface="Consolas" panose="020B0609020204030204" pitchFamily="49" charset="0"/>
+              </a:rPr>
+              <a:t>getApplicationContext</a:t>
+            </a:r>
+            <a:r>
+              <a:rPr lang="en-US" altLang="ko-KR" sz="1400" dirty="0">
+                <a:latin typeface="Consolas" panose="020B0609020204030204" pitchFamily="49" charset="0"/>
+              </a:rPr>
+              <a:t>(), "item: " + </a:t>
+            </a:r>
+            <a:r>
+              <a:rPr lang="en-US" altLang="ko-KR" sz="1400" dirty="0" err="1">
+                <a:latin typeface="Consolas" panose="020B0609020204030204" pitchFamily="49" charset="0"/>
+              </a:rPr>
+              <a:t>item.getName</a:t>
+            </a:r>
+            <a:r>
+              <a:rPr lang="en-US" altLang="ko-KR" sz="1400" dirty="0">
+                <a:latin typeface="Consolas" panose="020B0609020204030204" pitchFamily="49" charset="0"/>
+              </a:rPr>
+              <a:t>(), Toast.LENGTH_LONG).show();</a:t>
+            </a:r>
+          </a:p>
+          <a:p>
+            <a:r>
+              <a:rPr lang="en-US" altLang="ko-KR" sz="1400" dirty="0">
+                <a:latin typeface="Consolas" panose="020B0609020204030204" pitchFamily="49" charset="0"/>
+              </a:rPr>
+              <a:t>            }</a:t>
+            </a:r>
+          </a:p>
+          <a:p>
+            <a:r>
+              <a:rPr lang="en-US" altLang="ko-KR" sz="1400" dirty="0">
+                <a:latin typeface="Consolas" panose="020B0609020204030204" pitchFamily="49" charset="0"/>
+              </a:rPr>
+              <a:t>        });</a:t>
+            </a:r>
+          </a:p>
+          <a:p>
+            <a:r>
+              <a:rPr lang="en-US" altLang="ko-KR" sz="1400" dirty="0">
+                <a:latin typeface="Consolas" panose="020B0609020204030204" pitchFamily="49" charset="0"/>
+              </a:rPr>
+              <a:t>    </a:t>
+            </a:r>
+            <a:r>
+              <a:rPr lang="en-US" altLang="ko-KR" sz="1400" dirty="0" smtClean="0">
+                <a:latin typeface="Consolas" panose="020B0609020204030204" pitchFamily="49" charset="0"/>
+              </a:rPr>
+              <a:t>} // end of onCreate()</a:t>
+            </a:r>
+          </a:p>
+          <a:p>
+            <a:r>
+              <a:rPr lang="en-US" altLang="ko-KR" sz="1400" dirty="0" smtClean="0">
+                <a:latin typeface="Consolas" panose="020B0609020204030204" pitchFamily="49" charset="0"/>
+              </a:rPr>
+              <a:t>} // end of class </a:t>
+            </a:r>
+            <a:r>
+              <a:rPr lang="en-US" altLang="ko-KR" sz="1400" dirty="0" err="1" smtClean="0">
+                <a:latin typeface="Consolas" panose="020B0609020204030204" pitchFamily="49" charset="0"/>
+              </a:rPr>
+              <a:t>MainAcitivity</a:t>
+            </a:r>
+            <a:endParaRPr lang="en-US" altLang="ko-KR" sz="1400" dirty="0">
+              <a:latin typeface="Consolas" panose="020B0609020204030204" pitchFamily="49" charset="0"/>
+            </a:endParaRPr>
+          </a:p>
+        </p:txBody>
+      </p:sp>
+      <p:sp>
+        <p:nvSpPr>
+          <p:cNvPr id="7" name="직사각형 6"/>
+          <p:cNvSpPr/>
+          <p:nvPr/>
+        </p:nvSpPr>
+        <p:spPr>
+          <a:xfrm>
+            <a:off x="9524910" y="1484784"/>
+            <a:ext cx="1901483" cy="338554"/>
+          </a:xfrm>
+          <a:prstGeom prst="rect">
+            <a:avLst/>
+          </a:prstGeom>
+          <a:solidFill>
+            <a:srgbClr val="FFC000"/>
+          </a:solidFill>
+        </p:spPr>
+        <p:txBody>
+          <a:bodyPr wrap="none">
+            <a:spAutoFit/>
+          </a:bodyPr>
+          <a:lstStyle/>
+          <a:p>
+            <a:r>
+              <a:rPr lang="en-US" altLang="ko-KR" sz="1600" dirty="0" smtClean="0">
+                <a:sym typeface="Wingdings" panose="05000000000000000000" pitchFamily="2" charset="2"/>
+              </a:rPr>
+              <a:t>MainActivity.java</a:t>
+            </a:r>
+            <a:endParaRPr lang="en-US" altLang="ko-KR" sz="1600" dirty="0">
+              <a:sym typeface="Wingdings" panose="05000000000000000000" pitchFamily="2" charset="2"/>
+            </a:endParaRPr>
+          </a:p>
+        </p:txBody>
+      </p:sp>
     </p:spTree>
     <p:extLst>
       <p:ext uri="{BB962C8B-B14F-4D97-AF65-F5344CB8AC3E}">
-        <p14:creationId xmlns:p14="http://schemas.microsoft.com/office/powerpoint/2010/main" val="3442986418"/>
+        <p14:creationId xmlns:p14="http://schemas.microsoft.com/office/powerpoint/2010/main" val="2883527642"/>
       </p:ext>
     </p:extLst>
   </p:cSld>
@@ -29902,35 +30435,14 @@
                 <a:latin typeface="나눔고딕" panose="020D0604000000000000" pitchFamily="50" charset="-127"/>
                 <a:ea typeface="나눔고딕" panose="020D0604000000000000" pitchFamily="50" charset="-127"/>
               </a:rPr>
-              <a:t>07-4 </a:t>
-            </a:r>
-            <a:r>
-              <a:rPr lang="en-US" altLang="ko-KR" dirty="0" smtClean="0">
+              <a:t>07-4 Recycler View</a:t>
+            </a:r>
+            <a:r>
+              <a:rPr lang="ko-KR" altLang="en-US" dirty="0">
                 <a:latin typeface="나눔고딕" panose="020D0604000000000000" pitchFamily="50" charset="-127"/>
                 <a:ea typeface="나눔고딕" panose="020D0604000000000000" pitchFamily="50" charset="-127"/>
               </a:rPr>
-              <a:t>Recycler View </a:t>
-            </a:r>
-            <a:r>
-              <a:rPr lang="ko-KR" altLang="en-US" dirty="0" smtClean="0">
-                <a:latin typeface="나눔고딕" panose="020D0604000000000000" pitchFamily="50" charset="-127"/>
-                <a:ea typeface="나눔고딕" panose="020D0604000000000000" pitchFamily="50" charset="-127"/>
-              </a:rPr>
-              <a:t>연습 </a:t>
-            </a:r>
-            <a:r>
-              <a:rPr lang="ko-KR" altLang="en-US" dirty="0" smtClean="0">
-                <a:latin typeface="나눔고딕" panose="020D0604000000000000" pitchFamily="50" charset="-127"/>
-                <a:ea typeface="나눔고딕" panose="020D0604000000000000" pitchFamily="50" charset="-127"/>
-              </a:rPr>
-              <a:t>문제 </a:t>
-            </a:r>
-            <a:r>
-              <a:rPr lang="en-US" altLang="ko-KR" dirty="0" smtClean="0">
-                <a:latin typeface="나눔고딕" panose="020D0604000000000000" pitchFamily="50" charset="-127"/>
-                <a:ea typeface="나눔고딕" panose="020D0604000000000000" pitchFamily="50" charset="-127"/>
-              </a:rPr>
-              <a:t>- interface</a:t>
+              <a:t> 만들기 실습</a:t>
             </a:r>
             <a:endParaRPr lang="ko-KR" altLang="en-US" dirty="0"/>
           </a:p>
@@ -29955,55 +30467,12 @@
               <a:buNone/>
             </a:pPr>
             <a:r>
-              <a:rPr lang="en-US" altLang="ko-KR" dirty="0" err="1" smtClean="0"/>
-              <a:t>RecyclerView</a:t>
-            </a:r>
-            <a:r>
-              <a:rPr lang="ko-KR" altLang="en-US" dirty="0" smtClean="0"/>
-              <a:t>가 리스트</a:t>
-            </a:r>
-            <a:r>
-              <a:rPr lang="en-US" altLang="ko-KR" dirty="0" smtClean="0"/>
-              <a:t>(List)</a:t>
-            </a:r>
-            <a:r>
-              <a:rPr lang="ko-KR" altLang="en-US" dirty="0" smtClean="0"/>
-              <a:t> 대신 격자</a:t>
-            </a:r>
-            <a:r>
-              <a:rPr lang="en-US" altLang="ko-KR" dirty="0" smtClean="0"/>
-              <a:t>(Grid)</a:t>
-            </a:r>
-            <a:r>
-              <a:rPr lang="ko-KR" altLang="en-US" dirty="0" smtClean="0"/>
-              <a:t>모양으로 보이도록 만듭니다</a:t>
-            </a:r>
-            <a:r>
-              <a:rPr lang="en-US" altLang="ko-KR" dirty="0" smtClean="0"/>
-              <a:t>. </a:t>
-            </a:r>
-            <a:r>
-              <a:rPr lang="ko-KR" altLang="en-US" dirty="0" smtClean="0"/>
-              <a:t>또한 리스트의 </a:t>
-            </a:r>
-            <a:r>
-              <a:rPr lang="en-US" altLang="ko-KR" dirty="0" smtClean="0"/>
-              <a:t>Item</a:t>
-            </a:r>
-            <a:r>
-              <a:rPr lang="ko-KR" altLang="en-US" dirty="0" smtClean="0"/>
-              <a:t>에 탭이 일어난 이벤트가 </a:t>
-            </a:r>
-            <a:endParaRPr lang="en-US" altLang="ko-KR" dirty="0" smtClean="0"/>
-          </a:p>
-          <a:p>
-            <a:r>
-              <a:rPr lang="en-US" altLang="ko-KR" dirty="0" smtClean="0"/>
-              <a:t>Step 1: </a:t>
-            </a:r>
-            <a:r>
-              <a:rPr lang="en-US" altLang="ko-KR" b="1" dirty="0" smtClean="0"/>
-              <a:t>Hu</a:t>
+              <a:rPr lang="ko-KR" altLang="en-US" b="1" dirty="0" smtClean="0">
+                <a:solidFill>
+                  <a:srgbClr val="C00000"/>
+                </a:solidFill>
+              </a:rPr>
+              <a:t>결과 화면</a:t>
             </a:r>
             <a:r>
               <a:rPr lang="en-US" altLang="ko-KR" b="1" dirty="0" smtClean="0">
@@ -30011,77 +30480,49 @@
                   <a:srgbClr val="C00000"/>
                 </a:solidFill>
               </a:rPr>
-              <a:t>074</a:t>
-            </a:r>
-            <a:r>
-              <a:rPr lang="en-US" altLang="ko-KR" b="1" dirty="0" smtClean="0"/>
-              <a:t>RecyclerView</a:t>
-            </a:r>
-            <a:r>
-              <a:rPr lang="ko-KR" altLang="en-US" b="1" dirty="0"/>
-              <a:t> </a:t>
+              <a:t>: </a:t>
+            </a:r>
+            <a:r>
+              <a:rPr lang="en-US" altLang="ko-KR" dirty="0" smtClean="0"/>
+              <a:t>item</a:t>
             </a:r>
             <a:r>
               <a:rPr lang="ko-KR" altLang="en-US" dirty="0" smtClean="0"/>
-              <a:t>폴더를 복사하여 </a:t>
-            </a:r>
-            <a:r>
-              <a:rPr lang="en-US" altLang="ko-KR" b="1" dirty="0" smtClean="0"/>
-              <a:t>Joy</a:t>
-            </a:r>
-            <a:r>
-              <a:rPr lang="en-US" altLang="ko-KR" b="1" dirty="0" smtClean="0">
-                <a:solidFill>
-                  <a:srgbClr val="C00000"/>
-                </a:solidFill>
-              </a:rPr>
-              <a:t>0741</a:t>
-            </a:r>
-            <a:r>
-              <a:rPr lang="en-US" altLang="ko-KR" b="1" dirty="0" smtClean="0"/>
-              <a:t>RecylerView</a:t>
+              <a:t>들이 충분히 많아지면</a:t>
+            </a:r>
+            <a:r>
+              <a:rPr lang="en-US" altLang="ko-KR" dirty="0" smtClean="0"/>
+              <a:t>, </a:t>
             </a:r>
             <a:r>
               <a:rPr lang="ko-KR" altLang="en-US" dirty="0" smtClean="0"/>
-              <a:t>폴더를 만듭니다</a:t>
+              <a:t>스크롤이 생길 것입니다</a:t>
             </a:r>
             <a:r>
               <a:rPr lang="en-US" altLang="ko-KR" dirty="0" smtClean="0"/>
               <a:t>. </a:t>
             </a:r>
             <a:r>
+              <a:rPr lang="en-US" altLang="ko-KR" dirty="0" err="1" smtClean="0"/>
+              <a:t>adapter.addItem</a:t>
+            </a:r>
+            <a:r>
+              <a:rPr lang="en-US" altLang="ko-KR" dirty="0" smtClean="0"/>
+              <a:t>()</a:t>
+            </a:r>
+            <a:r>
               <a:rPr lang="ko-KR" altLang="en-US" dirty="0" smtClean="0"/>
-              <a:t>패키지 이름이 동일하게 유지하므로</a:t>
+              <a:t>을 여러 개 추가하여 결과 화면을 직접 확인하십시오</a:t>
             </a:r>
             <a:r>
               <a:rPr lang="en-US" altLang="ko-KR" dirty="0" smtClean="0"/>
-              <a:t>, strings.xml </a:t>
-            </a:r>
-            <a:r>
-              <a:rPr lang="ko-KR" altLang="en-US" dirty="0" smtClean="0"/>
-              <a:t>과 </a:t>
-            </a:r>
-            <a:r>
-              <a:rPr lang="en-US" altLang="ko-KR" dirty="0" err="1" smtClean="0"/>
-              <a:t>settings.gradle</a:t>
-            </a:r>
-            <a:r>
-              <a:rPr lang="en-US" altLang="ko-KR" dirty="0" smtClean="0"/>
-              <a:t> </a:t>
-            </a:r>
-            <a:r>
-              <a:rPr lang="ko-KR" altLang="en-US" dirty="0" smtClean="0"/>
-              <a:t>파일에 있는 프로젝트 이름만 수정하면 됩니다</a:t>
-            </a:r>
-            <a:r>
-              <a:rPr lang="en-US" altLang="ko-KR" dirty="0" smtClean="0"/>
-              <a:t>. </a:t>
-            </a:r>
-          </a:p>
-          <a:p>
-            <a:endParaRPr lang="en-US" altLang="ko-KR" dirty="0"/>
-          </a:p>
-          <a:p>
+              <a:t>.  </a:t>
+            </a:r>
+          </a:p>
+          <a:p>
+            <a:pPr marL="0" indent="0">
+              <a:buNone/>
+            </a:pPr>
             <a:endParaRPr lang="en-US" altLang="ko-KR" dirty="0"/>
           </a:p>
           <a:p>
@@ -30116,6 +30557,374 @@
                 <a:defRPr/>
               </a:pPr>
               <a:t>47</a:t>
+            </a:fld>
+            <a:endParaRPr lang="ko-KR" altLang="en-US"/>
+          </a:p>
+        </p:txBody>
+      </p:sp>
+      <p:pic>
+        <p:nvPicPr>
+          <p:cNvPr id="5" name="그림 4"/>
+          <p:cNvPicPr>
+            <a:picLocks noChangeAspect="1"/>
+          </p:cNvPicPr>
+          <p:nvPr/>
+        </p:nvPicPr>
+        <p:blipFill>
+          <a:blip r:embed="rId2"/>
+          <a:stretch>
+            <a:fillRect/>
+          </a:stretch>
+        </p:blipFill>
+        <p:spPr>
+          <a:xfrm>
+            <a:off x="9243878" y="2204864"/>
+            <a:ext cx="2457334" cy="4315000"/>
+          </a:xfrm>
+          <a:prstGeom prst="rect">
+            <a:avLst/>
+          </a:prstGeom>
+        </p:spPr>
+      </p:pic>
+    </p:spTree>
+    <p:extLst>
+      <p:ext uri="{BB962C8B-B14F-4D97-AF65-F5344CB8AC3E}">
+        <p14:creationId xmlns:p14="http://schemas.microsoft.com/office/powerpoint/2010/main" val="3442986418"/>
+      </p:ext>
+    </p:extLst>
+  </p:cSld>
+  <p:clrMapOvr>
+    <a:masterClrMapping/>
+  </p:clrMapOvr>
+</p:sld>
+</file>
+
+<file path=ppt/slides/slide48.xml><?xml version="1.0" encoding="utf-8"?>
+<p:sld xmlns:a="http://schemas.openxmlformats.org/drawingml/2006/main" xmlns:r="http://schemas.openxmlformats.org/officeDocument/2006/relationships" xmlns:p="http://schemas.openxmlformats.org/presentationml/2006/main">
+  <p:cSld>
+    <p:spTree>
+      <p:nvGrpSpPr>
+        <p:cNvPr id="1" name=""/>
+        <p:cNvGrpSpPr/>
+        <p:nvPr/>
+      </p:nvGrpSpPr>
+      <p:grpSpPr>
+        <a:xfrm>
+          <a:off x="0" y="0"/>
+          <a:ext cx="0" cy="0"/>
+          <a:chOff x="0" y="0"/>
+          <a:chExt cx="0" cy="0"/>
+        </a:xfrm>
+      </p:grpSpPr>
+      <p:sp>
+        <p:nvSpPr>
+          <p:cNvPr id="2" name="제목 1"/>
+          <p:cNvSpPr>
+            <a:spLocks noGrp="1"/>
+          </p:cNvSpPr>
+          <p:nvPr>
+            <p:ph type="title"/>
+          </p:nvPr>
+        </p:nvSpPr>
+        <p:spPr/>
+        <p:txBody>
+          <a:bodyPr/>
+          <a:lstStyle/>
+          <a:p>
+            <a:r>
+              <a:rPr lang="en-US" altLang="ko-KR" dirty="0">
+                <a:latin typeface="나눔고딕" panose="020D0604000000000000" pitchFamily="50" charset="-127"/>
+                <a:ea typeface="나눔고딕" panose="020D0604000000000000" pitchFamily="50" charset="-127"/>
+              </a:rPr>
+              <a:t>07-4 </a:t>
+            </a:r>
+            <a:r>
+              <a:rPr lang="en-US" altLang="ko-KR" dirty="0" smtClean="0">
+                <a:latin typeface="나눔고딕" panose="020D0604000000000000" pitchFamily="50" charset="-127"/>
+                <a:ea typeface="나눔고딕" panose="020D0604000000000000" pitchFamily="50" charset="-127"/>
+              </a:rPr>
+              <a:t>Recycler View </a:t>
+            </a:r>
+            <a:r>
+              <a:rPr lang="ko-KR" altLang="en-US" dirty="0" smtClean="0">
+                <a:latin typeface="나눔고딕" panose="020D0604000000000000" pitchFamily="50" charset="-127"/>
+                <a:ea typeface="나눔고딕" panose="020D0604000000000000" pitchFamily="50" charset="-127"/>
+              </a:rPr>
+              <a:t>연습 문제 </a:t>
+            </a:r>
+            <a:r>
+              <a:rPr lang="en-US" altLang="ko-KR" dirty="0" smtClean="0">
+                <a:latin typeface="나눔고딕" panose="020D0604000000000000" pitchFamily="50" charset="-127"/>
+                <a:ea typeface="나눔고딕" panose="020D0604000000000000" pitchFamily="50" charset="-127"/>
+              </a:rPr>
+              <a:t>- interface</a:t>
+            </a:r>
+            <a:endParaRPr lang="ko-KR" altLang="en-US" dirty="0"/>
+          </a:p>
+        </p:txBody>
+      </p:sp>
+      <p:sp>
+        <p:nvSpPr>
+          <p:cNvPr id="3" name="내용 개체 틀 2"/>
+          <p:cNvSpPr>
+            <a:spLocks noGrp="1"/>
+          </p:cNvSpPr>
+          <p:nvPr>
+            <p:ph idx="10"/>
+          </p:nvPr>
+        </p:nvSpPr>
+        <p:spPr/>
+        <p:txBody>
+          <a:bodyPr/>
+          <a:lstStyle/>
+          <a:p>
+            <a:pPr marL="0" indent="0">
+              <a:buNone/>
+            </a:pPr>
+            <a:r>
+              <a:rPr lang="en-US" altLang="ko-KR" b="1" dirty="0" smtClean="0"/>
+              <a:t>Joy</a:t>
+            </a:r>
+            <a:r>
+              <a:rPr lang="en-US" altLang="ko-KR" b="1" dirty="0" smtClean="0">
+                <a:solidFill>
+                  <a:srgbClr val="C00000"/>
+                </a:solidFill>
+              </a:rPr>
+              <a:t>0742</a:t>
+            </a:r>
+            <a:r>
+              <a:rPr lang="en-US" altLang="ko-KR" b="1" dirty="0" smtClean="0"/>
+              <a:t>RecylerView:  </a:t>
+            </a:r>
+            <a:r>
+              <a:rPr lang="en-US" altLang="ko-KR" dirty="0" err="1" smtClean="0"/>
+              <a:t>RecyclerView</a:t>
+            </a:r>
+            <a:r>
+              <a:rPr lang="ko-KR" altLang="en-US" dirty="0" smtClean="0"/>
+              <a:t>가 리스트</a:t>
+            </a:r>
+            <a:r>
+              <a:rPr lang="en-US" altLang="ko-KR" dirty="0" smtClean="0"/>
+              <a:t>(List)</a:t>
+            </a:r>
+            <a:r>
+              <a:rPr lang="ko-KR" altLang="en-US" dirty="0" smtClean="0"/>
+              <a:t> 대신 격자</a:t>
+            </a:r>
+            <a:r>
+              <a:rPr lang="en-US" altLang="ko-KR" dirty="0" smtClean="0"/>
+              <a:t>(Grid)</a:t>
+            </a:r>
+            <a:r>
+              <a:rPr lang="ko-KR" altLang="en-US" dirty="0" smtClean="0"/>
+              <a:t>모양으로 보이도록 만듭니다</a:t>
+            </a:r>
+            <a:r>
+              <a:rPr lang="en-US" altLang="ko-KR" dirty="0" smtClean="0"/>
+              <a:t>. </a:t>
+            </a:r>
+            <a:r>
+              <a:rPr lang="ko-KR" altLang="en-US" dirty="0" smtClean="0"/>
+              <a:t>또한 </a:t>
+            </a:r>
+            <a:r>
+              <a:rPr lang="en-US" altLang="ko-KR" dirty="0" err="1" smtClean="0"/>
+              <a:t>RecyclerView</a:t>
+            </a:r>
+            <a:r>
+              <a:rPr lang="ko-KR" altLang="en-US" dirty="0"/>
+              <a:t>에서 표시된 </a:t>
+            </a:r>
+            <a:r>
+              <a:rPr lang="en-US" altLang="ko-KR" dirty="0"/>
+              <a:t>item</a:t>
+            </a:r>
+            <a:r>
+              <a:rPr lang="ko-KR" altLang="en-US" dirty="0"/>
+              <a:t>에 </a:t>
+            </a:r>
+            <a:r>
+              <a:rPr lang="en-US" altLang="ko-KR" dirty="0"/>
+              <a:t>Click</a:t>
+            </a:r>
+            <a:r>
+              <a:rPr lang="ko-KR" altLang="en-US" dirty="0"/>
+              <a:t>이벤트가 일어나면</a:t>
+            </a:r>
+            <a:r>
+              <a:rPr lang="en-US" altLang="ko-KR" dirty="0"/>
+              <a:t>, </a:t>
+            </a:r>
+            <a:r>
+              <a:rPr lang="ko-KR" altLang="en-US" dirty="0"/>
+              <a:t>개발자</a:t>
+            </a:r>
+            <a:r>
+              <a:rPr lang="en-US" altLang="ko-KR" dirty="0"/>
+              <a:t>(MainActivity)</a:t>
+            </a:r>
+            <a:r>
+              <a:rPr lang="ko-KR" altLang="en-US" dirty="0"/>
+              <a:t>가 이를 알 수 있도록 </a:t>
+            </a:r>
+            <a:r>
+              <a:rPr lang="en-US" altLang="ko-KR" dirty="0"/>
+              <a:t>Interface</a:t>
+            </a:r>
+            <a:r>
+              <a:rPr lang="ko-KR" altLang="en-US" dirty="0"/>
+              <a:t>를 제공하는 코드를 추가합니다</a:t>
+            </a:r>
+            <a:r>
+              <a:rPr lang="en-US" altLang="ko-KR" dirty="0"/>
+              <a:t>. </a:t>
+            </a:r>
+            <a:r>
+              <a:rPr lang="ko-KR" altLang="en-US" dirty="0"/>
+              <a:t>다른 말로</a:t>
+            </a:r>
+            <a:r>
+              <a:rPr lang="en-US" altLang="ko-KR" dirty="0"/>
+              <a:t>, </a:t>
+            </a:r>
+            <a:r>
+              <a:rPr lang="ko-KR" altLang="en-US" dirty="0"/>
+              <a:t>개발자가 </a:t>
+            </a:r>
+            <a:r>
+              <a:rPr lang="en-US" altLang="ko-KR" dirty="0"/>
+              <a:t>MainActivity.java</a:t>
+            </a:r>
+            <a:r>
+              <a:rPr lang="ko-KR" altLang="en-US" dirty="0"/>
+              <a:t>에서 다음과 같이 코딩이 가능하도록 합니다</a:t>
+            </a:r>
+            <a:r>
+              <a:rPr lang="en-US" altLang="ko-KR" dirty="0"/>
+              <a:t>. </a:t>
+            </a:r>
+          </a:p>
+          <a:p>
+            <a:endParaRPr lang="en-US" altLang="ko-KR" dirty="0" smtClean="0"/>
+          </a:p>
+          <a:p>
+            <a:r>
+              <a:rPr lang="en-US" altLang="ko-KR" b="1" dirty="0" smtClean="0"/>
+              <a:t>Step 1: Hu</a:t>
+            </a:r>
+            <a:r>
+              <a:rPr lang="en-US" altLang="ko-KR" b="1" dirty="0" smtClean="0">
+                <a:solidFill>
+                  <a:srgbClr val="C00000"/>
+                </a:solidFill>
+              </a:rPr>
+              <a:t>074</a:t>
+            </a:r>
+            <a:r>
+              <a:rPr lang="en-US" altLang="ko-KR" b="1" dirty="0" smtClean="0"/>
+              <a:t>RecyclerView</a:t>
+            </a:r>
+            <a:r>
+              <a:rPr lang="ko-KR" altLang="en-US" b="1" dirty="0"/>
+              <a:t> </a:t>
+            </a:r>
+            <a:r>
+              <a:rPr lang="ko-KR" altLang="en-US" dirty="0" smtClean="0"/>
+              <a:t>폴더를 복사하여 </a:t>
+            </a:r>
+            <a:r>
+              <a:rPr lang="en-US" altLang="ko-KR" b="1" dirty="0" smtClean="0"/>
+              <a:t>Joy</a:t>
+            </a:r>
+            <a:r>
+              <a:rPr lang="en-US" altLang="ko-KR" b="1" dirty="0" smtClean="0">
+                <a:solidFill>
+                  <a:srgbClr val="C00000"/>
+                </a:solidFill>
+              </a:rPr>
+              <a:t>0741</a:t>
+            </a:r>
+            <a:r>
+              <a:rPr lang="en-US" altLang="ko-KR" b="1" dirty="0" smtClean="0"/>
+              <a:t>RecylerView</a:t>
+            </a:r>
+            <a:r>
+              <a:rPr lang="ko-KR" altLang="en-US" dirty="0" smtClean="0"/>
+              <a:t>폴더를 만듭니다</a:t>
+            </a:r>
+            <a:r>
+              <a:rPr lang="en-US" altLang="ko-KR" dirty="0" smtClean="0"/>
+              <a:t>. </a:t>
+            </a:r>
+            <a:r>
+              <a:rPr lang="ko-KR" altLang="en-US" dirty="0" smtClean="0"/>
+              <a:t>패키지 이름이 동일하게 유지하므로</a:t>
+            </a:r>
+            <a:r>
+              <a:rPr lang="en-US" altLang="ko-KR" dirty="0" smtClean="0"/>
+              <a:t>, strings.xml </a:t>
+            </a:r>
+            <a:r>
+              <a:rPr lang="ko-KR" altLang="en-US" dirty="0" smtClean="0"/>
+              <a:t>과 </a:t>
+            </a:r>
+            <a:r>
+              <a:rPr lang="en-US" altLang="ko-KR" dirty="0" err="1" smtClean="0"/>
+              <a:t>settings.gradle</a:t>
+            </a:r>
+            <a:r>
+              <a:rPr lang="en-US" altLang="ko-KR" dirty="0" smtClean="0"/>
+              <a:t> </a:t>
+            </a:r>
+            <a:r>
+              <a:rPr lang="ko-KR" altLang="en-US" dirty="0" smtClean="0"/>
+              <a:t>파일에 있는 프로젝트 이름만 수정하면 됩니다</a:t>
+            </a:r>
+            <a:r>
+              <a:rPr lang="en-US" altLang="ko-KR" dirty="0" smtClean="0"/>
+              <a:t>. </a:t>
+            </a:r>
+          </a:p>
+          <a:p>
+            <a:endParaRPr lang="en-US" altLang="ko-KR" dirty="0"/>
+          </a:p>
+          <a:p>
+            <a:endParaRPr lang="en-US" altLang="ko-KR" dirty="0"/>
+          </a:p>
+          <a:p>
+            <a:pPr marL="0" indent="0">
+              <a:buNone/>
+            </a:pPr>
+            <a:endParaRPr lang="en-US" altLang="ko-KR" dirty="0"/>
+          </a:p>
+        </p:txBody>
+      </p:sp>
+      <p:sp>
+        <p:nvSpPr>
+          <p:cNvPr id="4" name="슬라이드 번호 개체 틀 3"/>
+          <p:cNvSpPr>
+            <a:spLocks noGrp="1"/>
+          </p:cNvSpPr>
+          <p:nvPr>
+            <p:ph type="sldNum" sz="quarter" idx="14"/>
+          </p:nvPr>
+        </p:nvSpPr>
+        <p:spPr/>
+        <p:txBody>
+          <a:bodyPr/>
+          <a:lstStyle/>
+          <a:p>
+            <a:pPr>
+              <a:defRPr/>
+            </a:pPr>
+            <a:fld id="{3D493B47-E977-46F8-8C2F-7DA674317049}" type="slidenum">
+              <a:rPr lang="ko-KR" altLang="en-US" smtClean="0"/>
+              <a:pPr>
+                <a:defRPr/>
+              </a:pPr>
+              <a:t>48</a:t>
             </a:fld>
             <a:endParaRPr lang="ko-KR" altLang="en-US"/>
           </a:p>
@@ -30246,7 +31055,7 @@
 </p:sld>
 </file>
 
-<file path=ppt/slides/slide48.xml><?xml version="1.0" encoding="utf-8"?>
+<file path=ppt/slides/slide49.xml><?xml version="1.0" encoding="utf-8"?>
 <p:sld xmlns:a="http://schemas.openxmlformats.org/drawingml/2006/main" xmlns:r="http://schemas.openxmlformats.org/officeDocument/2006/relationships" xmlns:p="http://schemas.openxmlformats.org/presentationml/2006/main">
   <p:cSld>
     <p:spTree>
@@ -30283,21 +31092,21 @@
                 <a:latin typeface="나눔고딕" panose="020D0604000000000000" pitchFamily="50" charset="-127"/>
                 <a:ea typeface="나눔고딕" panose="020D0604000000000000" pitchFamily="50" charset="-127"/>
               </a:rPr>
-              <a:t>07-4 </a:t>
-            </a:r>
-            <a:r>
-              <a:rPr lang="en-US" altLang="ko-KR" dirty="0" smtClean="0">
+              <a:t>07-4 Recycler View </a:t>
+            </a:r>
+            <a:r>
+              <a:rPr lang="ko-KR" altLang="en-US" dirty="0">
                 <a:latin typeface="나눔고딕" panose="020D0604000000000000" pitchFamily="50" charset="-127"/>
                 <a:ea typeface="나눔고딕" panose="020D0604000000000000" pitchFamily="50" charset="-127"/>
               </a:rPr>
-              <a:t>Recycler View </a:t>
-            </a:r>
-            <a:r>
-              <a:rPr lang="ko-KR" altLang="en-US" dirty="0" smtClean="0">
+              <a:t>연습 문제 </a:t>
+            </a:r>
+            <a:r>
+              <a:rPr lang="en-US" altLang="ko-KR" dirty="0">
                 <a:latin typeface="나눔고딕" panose="020D0604000000000000" pitchFamily="50" charset="-127"/>
                 <a:ea typeface="나눔고딕" panose="020D0604000000000000" pitchFamily="50" charset="-127"/>
               </a:rPr>
-              <a:t>연습 문제</a:t>
+              <a:t>- interface</a:t>
             </a:r>
             <a:endParaRPr lang="ko-KR" altLang="en-US" dirty="0"/>
           </a:p>
@@ -30322,15 +31131,15 @@
               <a:buNone/>
             </a:pPr>
             <a:r>
-              <a:rPr lang="en-US" altLang="ko-KR" dirty="0" smtClean="0"/>
+              <a:rPr lang="en-US" altLang="ko-KR" b="1" dirty="0" smtClean="0"/>
               <a:t>Step </a:t>
             </a:r>
             <a:r>
-              <a:rPr lang="en-US" altLang="ko-KR" dirty="0"/>
+              <a:rPr lang="en-US" altLang="ko-KR" b="1" dirty="0"/>
               <a:t>2</a:t>
             </a:r>
             <a:r>
-              <a:rPr lang="en-US" altLang="ko-KR" dirty="0" smtClean="0"/>
+              <a:rPr lang="en-US" altLang="ko-KR" b="1" dirty="0" smtClean="0"/>
               <a:t>: </a:t>
             </a:r>
           </a:p>
@@ -30504,7 +31313,7 @@
               <a:pPr>
                 <a:defRPr/>
               </a:pPr>
-              <a:t>48</a:t>
+              <a:t>49</a:t>
             </a:fld>
             <a:endParaRPr lang="ko-KR" altLang="en-US"/>
           </a:p>
@@ -30700,664 +31509,6 @@
     <p:extLst>
       <p:ext uri="{BB962C8B-B14F-4D97-AF65-F5344CB8AC3E}">
         <p14:creationId xmlns:p14="http://schemas.microsoft.com/office/powerpoint/2010/main" val="977921280"/>
-      </p:ext>
-    </p:extLst>
-  </p:cSld>
-  <p:clrMapOvr>
-    <a:masterClrMapping/>
-  </p:clrMapOvr>
-</p:sld>
-</file>
-
-<file path=ppt/slides/slide49.xml><?xml version="1.0" encoding="utf-8"?>
-<p:sld xmlns:a="http://schemas.openxmlformats.org/drawingml/2006/main" xmlns:r="http://schemas.openxmlformats.org/officeDocument/2006/relationships" xmlns:p="http://schemas.openxmlformats.org/presentationml/2006/main">
-  <p:cSld>
-    <p:spTree>
-      <p:nvGrpSpPr>
-        <p:cNvPr id="1" name=""/>
-        <p:cNvGrpSpPr/>
-        <p:nvPr/>
-      </p:nvGrpSpPr>
-      <p:grpSpPr>
-        <a:xfrm>
-          <a:off x="0" y="0"/>
-          <a:ext cx="0" cy="0"/>
-          <a:chOff x="0" y="0"/>
-          <a:chExt cx="0" cy="0"/>
-        </a:xfrm>
-      </p:grpSpPr>
-      <p:sp>
-        <p:nvSpPr>
-          <p:cNvPr id="2" name="제목 1"/>
-          <p:cNvSpPr>
-            <a:spLocks noGrp="1"/>
-          </p:cNvSpPr>
-          <p:nvPr>
-            <p:ph type="title"/>
-          </p:nvPr>
-        </p:nvSpPr>
-        <p:spPr/>
-        <p:txBody>
-          <a:bodyPr/>
-          <a:lstStyle/>
-          <a:p>
-            <a:r>
-              <a:rPr lang="en-US" altLang="ko-KR" dirty="0">
-                <a:latin typeface="나눔고딕" panose="020D0604000000000000" pitchFamily="50" charset="-127"/>
-                <a:ea typeface="나눔고딕" panose="020D0604000000000000" pitchFamily="50" charset="-127"/>
-              </a:rPr>
-              <a:t>07-4 </a:t>
-            </a:r>
-            <a:r>
-              <a:rPr lang="en-US" altLang="ko-KR" dirty="0" smtClean="0">
-                <a:latin typeface="나눔고딕" panose="020D0604000000000000" pitchFamily="50" charset="-127"/>
-                <a:ea typeface="나눔고딕" panose="020D0604000000000000" pitchFamily="50" charset="-127"/>
-              </a:rPr>
-              <a:t>Recycler View </a:t>
-            </a:r>
-            <a:r>
-              <a:rPr lang="ko-KR" altLang="en-US" dirty="0" smtClean="0">
-                <a:latin typeface="나눔고딕" panose="020D0604000000000000" pitchFamily="50" charset="-127"/>
-                <a:ea typeface="나눔고딕" panose="020D0604000000000000" pitchFamily="50" charset="-127"/>
-              </a:rPr>
-              <a:t>연습 문제 </a:t>
-            </a:r>
-            <a:r>
-              <a:rPr lang="en-US" altLang="ko-KR" dirty="0" smtClean="0">
-                <a:latin typeface="나눔고딕" panose="020D0604000000000000" pitchFamily="50" charset="-127"/>
-                <a:ea typeface="나눔고딕" panose="020D0604000000000000" pitchFamily="50" charset="-127"/>
-              </a:rPr>
-              <a:t>– </a:t>
-            </a:r>
-            <a:r>
-              <a:rPr lang="en-US" altLang="ko-KR" dirty="0" smtClean="0">
-                <a:solidFill>
-                  <a:srgbClr val="C00000"/>
-                </a:solidFill>
-                <a:latin typeface="나눔고딕" panose="020D0604000000000000" pitchFamily="50" charset="-127"/>
-                <a:ea typeface="나눔고딕" panose="020D0604000000000000" pitchFamily="50" charset="-127"/>
-              </a:rPr>
-              <a:t>Interface </a:t>
-            </a:r>
-            <a:endParaRPr lang="ko-KR" altLang="en-US" dirty="0">
-              <a:solidFill>
-                <a:srgbClr val="C00000"/>
-              </a:solidFill>
-            </a:endParaRPr>
-          </a:p>
-        </p:txBody>
-      </p:sp>
-      <p:sp>
-        <p:nvSpPr>
-          <p:cNvPr id="3" name="내용 개체 틀 2"/>
-          <p:cNvSpPr>
-            <a:spLocks noGrp="1"/>
-          </p:cNvSpPr>
-          <p:nvPr>
-            <p:ph idx="10"/>
-          </p:nvPr>
-        </p:nvSpPr>
-        <p:spPr/>
-        <p:txBody>
-          <a:bodyPr/>
-          <a:lstStyle/>
-          <a:p>
-            <a:pPr marL="0" indent="0">
-              <a:buNone/>
-            </a:pPr>
-            <a:r>
-              <a:rPr lang="en-US" altLang="ko-KR" dirty="0" err="1" smtClean="0"/>
-              <a:t>RecyclerView</a:t>
-            </a:r>
-            <a:r>
-              <a:rPr lang="ko-KR" altLang="en-US" dirty="0" smtClean="0"/>
-              <a:t>에서 표시된 </a:t>
-            </a:r>
-            <a:r>
-              <a:rPr lang="en-US" altLang="ko-KR" dirty="0" smtClean="0"/>
-              <a:t>item</a:t>
-            </a:r>
-            <a:r>
-              <a:rPr lang="ko-KR" altLang="en-US" dirty="0" smtClean="0"/>
-              <a:t>에 </a:t>
-            </a:r>
-            <a:r>
-              <a:rPr lang="en-US" altLang="ko-KR" dirty="0" smtClean="0"/>
-              <a:t>Click</a:t>
-            </a:r>
-            <a:r>
-              <a:rPr lang="ko-KR" altLang="en-US" dirty="0" smtClean="0"/>
-              <a:t>이벤트가 일어나면</a:t>
-            </a:r>
-            <a:r>
-              <a:rPr lang="en-US" altLang="ko-KR" dirty="0" smtClean="0"/>
-              <a:t>, </a:t>
-            </a:r>
-            <a:r>
-              <a:rPr lang="ko-KR" altLang="en-US" dirty="0" smtClean="0"/>
-              <a:t>개발자</a:t>
-            </a:r>
-            <a:r>
-              <a:rPr lang="en-US" altLang="ko-KR" dirty="0" smtClean="0"/>
-              <a:t>(MainActivity)</a:t>
-            </a:r>
-            <a:r>
-              <a:rPr lang="ko-KR" altLang="en-US" dirty="0" smtClean="0"/>
-              <a:t>가 </a:t>
-            </a:r>
-            <a:r>
-              <a:rPr lang="ko-KR" altLang="en-US" dirty="0" smtClean="0"/>
-              <a:t>이를 알 수 있도록 </a:t>
-            </a:r>
-            <a:r>
-              <a:rPr lang="en-US" altLang="ko-KR" dirty="0" smtClean="0"/>
-              <a:t>Interface</a:t>
-            </a:r>
-            <a:r>
-              <a:rPr lang="ko-KR" altLang="en-US" dirty="0" smtClean="0"/>
-              <a:t>를 제공하는 코드를 추가합니다</a:t>
-            </a:r>
-            <a:r>
-              <a:rPr lang="en-US" altLang="ko-KR" dirty="0" smtClean="0"/>
-              <a:t>. </a:t>
-            </a:r>
-            <a:r>
-              <a:rPr lang="ko-KR" altLang="en-US" dirty="0" smtClean="0"/>
-              <a:t>다른 말로</a:t>
-            </a:r>
-            <a:r>
-              <a:rPr lang="en-US" altLang="ko-KR" dirty="0" smtClean="0"/>
-              <a:t>, </a:t>
-            </a:r>
-            <a:r>
-              <a:rPr lang="ko-KR" altLang="en-US" dirty="0" smtClean="0"/>
-              <a:t>사용자가 </a:t>
-            </a:r>
-            <a:r>
-              <a:rPr lang="en-US" altLang="ko-KR" dirty="0" smtClean="0"/>
-              <a:t>MainActivity.java</a:t>
-            </a:r>
-            <a:r>
-              <a:rPr lang="ko-KR" altLang="en-US" dirty="0" smtClean="0"/>
-              <a:t>에서 다음과 같이 코딩이 가능하도록 합니다</a:t>
-            </a:r>
-            <a:r>
-              <a:rPr lang="en-US" altLang="ko-KR" dirty="0" smtClean="0"/>
-              <a:t>. </a:t>
-            </a:r>
-          </a:p>
-          <a:p>
-            <a:pPr marL="0" indent="0">
-              <a:buNone/>
-            </a:pPr>
-            <a:endParaRPr lang="en-US" altLang="ko-KR" dirty="0"/>
-          </a:p>
-          <a:p>
-            <a:pPr marL="0" indent="0">
-              <a:buNone/>
-            </a:pPr>
-            <a:endParaRPr lang="en-US" altLang="ko-KR" dirty="0" smtClean="0"/>
-          </a:p>
-          <a:p>
-            <a:endParaRPr lang="en-US" altLang="ko-KR" dirty="0"/>
-          </a:p>
-          <a:p>
-            <a:endParaRPr lang="en-US" altLang="ko-KR" dirty="0" smtClean="0"/>
-          </a:p>
-        </p:txBody>
-      </p:sp>
-      <p:sp>
-        <p:nvSpPr>
-          <p:cNvPr id="4" name="슬라이드 번호 개체 틀 3"/>
-          <p:cNvSpPr>
-            <a:spLocks noGrp="1"/>
-          </p:cNvSpPr>
-          <p:nvPr>
-            <p:ph type="sldNum" sz="quarter" idx="14"/>
-          </p:nvPr>
-        </p:nvSpPr>
-        <p:spPr/>
-        <p:txBody>
-          <a:bodyPr/>
-          <a:lstStyle/>
-          <a:p>
-            <a:pPr>
-              <a:defRPr/>
-            </a:pPr>
-            <a:fld id="{3D493B47-E977-46F8-8C2F-7DA674317049}" type="slidenum">
-              <a:rPr lang="ko-KR" altLang="en-US" smtClean="0"/>
-              <a:pPr>
-                <a:defRPr/>
-              </a:pPr>
-              <a:t>49</a:t>
-            </a:fld>
-            <a:endParaRPr lang="ko-KR" altLang="en-US"/>
-          </a:p>
-        </p:txBody>
-      </p:sp>
-      <p:sp>
-        <p:nvSpPr>
-          <p:cNvPr id="5" name="직사각형 4"/>
-          <p:cNvSpPr/>
-          <p:nvPr/>
-        </p:nvSpPr>
-        <p:spPr>
-          <a:xfrm>
-            <a:off x="447394" y="2410430"/>
-            <a:ext cx="11253818" cy="3754874"/>
-          </a:xfrm>
-          <a:prstGeom prst="rect">
-            <a:avLst/>
-          </a:prstGeom>
-          <a:solidFill>
-            <a:schemeClr val="bg1">
-              <a:lumMod val="95000"/>
-            </a:schemeClr>
-          </a:solidFill>
-          <a:ln>
-            <a:solidFill>
-              <a:schemeClr val="bg1">
-                <a:lumMod val="75000"/>
-              </a:schemeClr>
-            </a:solidFill>
-          </a:ln>
-        </p:spPr>
-        <p:txBody>
-          <a:bodyPr wrap="square">
-            <a:spAutoFit/>
-          </a:bodyPr>
-          <a:lstStyle/>
-          <a:p>
-            <a:r>
-              <a:rPr lang="en-US" altLang="ko-KR" sz="1400" dirty="0">
-                <a:latin typeface="Consolas" panose="020B0609020204030204" pitchFamily="49" charset="0"/>
-              </a:rPr>
-              <a:t> </a:t>
-            </a:r>
-            <a:r>
-              <a:rPr lang="en-US" altLang="ko-KR" sz="1400" dirty="0" smtClean="0">
-                <a:latin typeface="Consolas" panose="020B0609020204030204" pitchFamily="49" charset="0"/>
-              </a:rPr>
-              <a:t>       ...</a:t>
-            </a:r>
-          </a:p>
-          <a:p>
-            <a:r>
-              <a:rPr lang="en-US" altLang="ko-KR" sz="1400" dirty="0">
-                <a:latin typeface="Consolas" panose="020B0609020204030204" pitchFamily="49" charset="0"/>
-              </a:rPr>
-              <a:t> </a:t>
-            </a:r>
-            <a:r>
-              <a:rPr lang="en-US" altLang="ko-KR" sz="1400" dirty="0" smtClean="0">
-                <a:latin typeface="Consolas" panose="020B0609020204030204" pitchFamily="49" charset="0"/>
-              </a:rPr>
-              <a:t>       </a:t>
-            </a:r>
-            <a:r>
-              <a:rPr lang="en-US" altLang="ko-KR" sz="1400" dirty="0" err="1" smtClean="0">
-                <a:latin typeface="Consolas" panose="020B0609020204030204" pitchFamily="49" charset="0"/>
-              </a:rPr>
-              <a:t>adapter.addItem</a:t>
-            </a:r>
-            <a:r>
-              <a:rPr lang="en-US" altLang="ko-KR" sz="1400" dirty="0" smtClean="0">
-                <a:latin typeface="Consolas" panose="020B0609020204030204" pitchFamily="49" charset="0"/>
-              </a:rPr>
-              <a:t>(new </a:t>
-            </a:r>
-            <a:r>
-              <a:rPr lang="en-US" altLang="ko-KR" sz="1400" dirty="0">
-                <a:latin typeface="Consolas" panose="020B0609020204030204" pitchFamily="49" charset="0"/>
-              </a:rPr>
-              <a:t>Person("</a:t>
-            </a:r>
-            <a:r>
-              <a:rPr lang="ko-KR" altLang="en-US" sz="1400" dirty="0" err="1">
-                <a:latin typeface="Consolas" panose="020B0609020204030204" pitchFamily="49" charset="0"/>
-              </a:rPr>
-              <a:t>내이름</a:t>
-            </a:r>
-            <a:r>
-              <a:rPr lang="en-US" altLang="ko-KR" sz="1400" dirty="0">
-                <a:latin typeface="Consolas" panose="020B0609020204030204" pitchFamily="49" charset="0"/>
-              </a:rPr>
-              <a:t>9", "010-4000-4000"));</a:t>
-            </a:r>
-          </a:p>
-          <a:p>
-            <a:r>
-              <a:rPr lang="en-US" altLang="ko-KR" sz="1400" dirty="0">
-                <a:latin typeface="Consolas" panose="020B0609020204030204" pitchFamily="49" charset="0"/>
-              </a:rPr>
-              <a:t>        </a:t>
-            </a:r>
-            <a:r>
-              <a:rPr lang="en-US" altLang="ko-KR" sz="1400" dirty="0" err="1">
-                <a:latin typeface="Consolas" panose="020B0609020204030204" pitchFamily="49" charset="0"/>
-              </a:rPr>
-              <a:t>adapter.addItem</a:t>
-            </a:r>
-            <a:r>
-              <a:rPr lang="en-US" altLang="ko-KR" sz="1400" dirty="0">
-                <a:latin typeface="Consolas" panose="020B0609020204030204" pitchFamily="49" charset="0"/>
-              </a:rPr>
-              <a:t>(new Person("</a:t>
-            </a:r>
-            <a:r>
-              <a:rPr lang="ko-KR" altLang="en-US" sz="1400" dirty="0" err="1">
-                <a:latin typeface="Consolas" panose="020B0609020204030204" pitchFamily="49" charset="0"/>
-              </a:rPr>
-              <a:t>내이름</a:t>
-            </a:r>
-            <a:r>
-              <a:rPr lang="en-US" altLang="ko-KR" sz="1400" dirty="0">
-                <a:latin typeface="Consolas" panose="020B0609020204030204" pitchFamily="49" charset="0"/>
-              </a:rPr>
-              <a:t>10", "010-4000-4000"));</a:t>
-            </a:r>
-          </a:p>
-          <a:p>
-            <a:endParaRPr lang="en-US" altLang="ko-KR" sz="1400" dirty="0">
-              <a:latin typeface="Consolas" panose="020B0609020204030204" pitchFamily="49" charset="0"/>
-            </a:endParaRPr>
-          </a:p>
-          <a:p>
-            <a:r>
-              <a:rPr lang="en-US" altLang="ko-KR" sz="1400" dirty="0">
-                <a:latin typeface="Consolas" panose="020B0609020204030204" pitchFamily="49" charset="0"/>
-              </a:rPr>
-              <a:t>        </a:t>
-            </a:r>
-            <a:r>
-              <a:rPr lang="en-US" altLang="ko-KR" sz="1400" dirty="0" err="1">
-                <a:latin typeface="Consolas" panose="020B0609020204030204" pitchFamily="49" charset="0"/>
-              </a:rPr>
-              <a:t>recyclerView.setAdapter</a:t>
-            </a:r>
-            <a:r>
-              <a:rPr lang="en-US" altLang="ko-KR" sz="1400" dirty="0">
-                <a:latin typeface="Consolas" panose="020B0609020204030204" pitchFamily="49" charset="0"/>
-              </a:rPr>
-              <a:t>(adapter);</a:t>
-            </a:r>
-          </a:p>
-          <a:p>
-            <a:endParaRPr lang="en-US" altLang="ko-KR" sz="1400" dirty="0">
-              <a:latin typeface="Consolas" panose="020B0609020204030204" pitchFamily="49" charset="0"/>
-            </a:endParaRPr>
-          </a:p>
-          <a:p>
-            <a:r>
-              <a:rPr lang="en-US" altLang="ko-KR" sz="1400" dirty="0">
-                <a:latin typeface="Consolas" panose="020B0609020204030204" pitchFamily="49" charset="0"/>
-              </a:rPr>
-              <a:t>        </a:t>
-            </a:r>
-            <a:r>
-              <a:rPr lang="en-US" altLang="ko-KR" sz="1400" dirty="0" err="1">
-                <a:latin typeface="Consolas" panose="020B0609020204030204" pitchFamily="49" charset="0"/>
-              </a:rPr>
-              <a:t>adapter.setOnItemClickListener</a:t>
-            </a:r>
-            <a:r>
-              <a:rPr lang="en-US" altLang="ko-KR" sz="1400" dirty="0">
-                <a:latin typeface="Consolas" panose="020B0609020204030204" pitchFamily="49" charset="0"/>
-              </a:rPr>
-              <a:t>(new </a:t>
-            </a:r>
-            <a:r>
-              <a:rPr lang="en-US" altLang="ko-KR" sz="1400" dirty="0" err="1">
-                <a:latin typeface="Consolas" panose="020B0609020204030204" pitchFamily="49" charset="0"/>
-              </a:rPr>
-              <a:t>OnPersonItemClickListener</a:t>
-            </a:r>
-            <a:r>
-              <a:rPr lang="en-US" altLang="ko-KR" sz="1400" dirty="0">
-                <a:latin typeface="Consolas" panose="020B0609020204030204" pitchFamily="49" charset="0"/>
-              </a:rPr>
-              <a:t>() {</a:t>
-            </a:r>
-          </a:p>
-          <a:p>
-            <a:r>
-              <a:rPr lang="en-US" altLang="ko-KR" sz="1400" dirty="0">
-                <a:latin typeface="Consolas" panose="020B0609020204030204" pitchFamily="49" charset="0"/>
-              </a:rPr>
-              <a:t>            @Override</a:t>
-            </a:r>
-          </a:p>
-          <a:p>
-            <a:r>
-              <a:rPr lang="en-US" altLang="ko-KR" sz="1400" dirty="0">
-                <a:latin typeface="Consolas" panose="020B0609020204030204" pitchFamily="49" charset="0"/>
-              </a:rPr>
-              <a:t>            public void </a:t>
-            </a:r>
-            <a:r>
-              <a:rPr lang="en-US" altLang="ko-KR" sz="1400" dirty="0" err="1">
-                <a:latin typeface="Consolas" panose="020B0609020204030204" pitchFamily="49" charset="0"/>
-              </a:rPr>
-              <a:t>onItemClick</a:t>
-            </a:r>
-            <a:r>
-              <a:rPr lang="en-US" altLang="ko-KR" sz="1400" dirty="0">
-                <a:latin typeface="Consolas" panose="020B0609020204030204" pitchFamily="49" charset="0"/>
-              </a:rPr>
-              <a:t>(</a:t>
-            </a:r>
-            <a:r>
-              <a:rPr lang="en-US" altLang="ko-KR" sz="1400" dirty="0" err="1">
-                <a:latin typeface="Consolas" panose="020B0609020204030204" pitchFamily="49" charset="0"/>
-              </a:rPr>
-              <a:t>PersonAdapter.ViewHolder</a:t>
-            </a:r>
-            <a:r>
-              <a:rPr lang="en-US" altLang="ko-KR" sz="1400" dirty="0">
-                <a:latin typeface="Consolas" panose="020B0609020204030204" pitchFamily="49" charset="0"/>
-              </a:rPr>
-              <a:t> holder, View </a:t>
-            </a:r>
-            <a:r>
-              <a:rPr lang="en-US" altLang="ko-KR" sz="1400" dirty="0" err="1">
-                <a:latin typeface="Consolas" panose="020B0609020204030204" pitchFamily="49" charset="0"/>
-              </a:rPr>
-              <a:t>view</a:t>
-            </a:r>
-            <a:r>
-              <a:rPr lang="en-US" altLang="ko-KR" sz="1400" dirty="0">
-                <a:latin typeface="Consolas" panose="020B0609020204030204" pitchFamily="49" charset="0"/>
-              </a:rPr>
-              <a:t>, int position) {</a:t>
-            </a:r>
-          </a:p>
-          <a:p>
-            <a:r>
-              <a:rPr lang="en-US" altLang="ko-KR" sz="1400" dirty="0">
-                <a:latin typeface="Consolas" panose="020B0609020204030204" pitchFamily="49" charset="0"/>
-              </a:rPr>
-              <a:t>                Person item = </a:t>
-            </a:r>
-            <a:r>
-              <a:rPr lang="en-US" altLang="ko-KR" sz="1400" dirty="0" err="1">
-                <a:latin typeface="Consolas" panose="020B0609020204030204" pitchFamily="49" charset="0"/>
-              </a:rPr>
-              <a:t>adapter.getItem</a:t>
-            </a:r>
-            <a:r>
-              <a:rPr lang="en-US" altLang="ko-KR" sz="1400" dirty="0">
-                <a:latin typeface="Consolas" panose="020B0609020204030204" pitchFamily="49" charset="0"/>
-              </a:rPr>
-              <a:t>(position</a:t>
-            </a:r>
-            <a:r>
-              <a:rPr lang="en-US" altLang="ko-KR" sz="1400" dirty="0" smtClean="0">
-                <a:latin typeface="Consolas" panose="020B0609020204030204" pitchFamily="49" charset="0"/>
-              </a:rPr>
-              <a:t>);</a:t>
-            </a:r>
-            <a:endParaRPr lang="en-US" altLang="ko-KR" sz="1400" dirty="0">
-              <a:latin typeface="Consolas" panose="020B0609020204030204" pitchFamily="49" charset="0"/>
-            </a:endParaRPr>
-          </a:p>
-          <a:p>
-            <a:r>
-              <a:rPr lang="en-US" altLang="ko-KR" sz="1400" dirty="0">
-                <a:latin typeface="Consolas" panose="020B0609020204030204" pitchFamily="49" charset="0"/>
-              </a:rPr>
-              <a:t>                Toast.makeText(</a:t>
-            </a:r>
-            <a:r>
-              <a:rPr lang="en-US" altLang="ko-KR" sz="1400" dirty="0" err="1">
-                <a:latin typeface="Consolas" panose="020B0609020204030204" pitchFamily="49" charset="0"/>
-              </a:rPr>
-              <a:t>getApplicationContext</a:t>
-            </a:r>
-            <a:r>
-              <a:rPr lang="en-US" altLang="ko-KR" sz="1400" dirty="0">
-                <a:latin typeface="Consolas" panose="020B0609020204030204" pitchFamily="49" charset="0"/>
-              </a:rPr>
-              <a:t>(), </a:t>
-            </a:r>
-            <a:r>
-              <a:rPr lang="en-US" altLang="ko-KR" sz="1400" dirty="0" smtClean="0">
-                <a:latin typeface="Consolas" panose="020B0609020204030204" pitchFamily="49" charset="0"/>
-              </a:rPr>
-              <a:t>"item: </a:t>
-            </a:r>
-            <a:r>
-              <a:rPr lang="en-US" altLang="ko-KR" sz="1400" dirty="0">
-                <a:latin typeface="Consolas" panose="020B0609020204030204" pitchFamily="49" charset="0"/>
-              </a:rPr>
-              <a:t>" + </a:t>
-            </a:r>
-            <a:r>
-              <a:rPr lang="en-US" altLang="ko-KR" sz="1400" dirty="0" err="1">
-                <a:latin typeface="Consolas" panose="020B0609020204030204" pitchFamily="49" charset="0"/>
-              </a:rPr>
-              <a:t>item.getName</a:t>
-            </a:r>
-            <a:r>
-              <a:rPr lang="en-US" altLang="ko-KR" sz="1400" dirty="0">
-                <a:latin typeface="Consolas" panose="020B0609020204030204" pitchFamily="49" charset="0"/>
-              </a:rPr>
-              <a:t>(), Toast.LENGTH_LONG).show();</a:t>
-            </a:r>
-          </a:p>
-          <a:p>
-            <a:r>
-              <a:rPr lang="en-US" altLang="ko-KR" sz="1400" dirty="0">
-                <a:latin typeface="Consolas" panose="020B0609020204030204" pitchFamily="49" charset="0"/>
-              </a:rPr>
-              <a:t>            }</a:t>
-            </a:r>
-          </a:p>
-          <a:p>
-            <a:r>
-              <a:rPr lang="en-US" altLang="ko-KR" sz="1400" dirty="0">
-                <a:latin typeface="Consolas" panose="020B0609020204030204" pitchFamily="49" charset="0"/>
-              </a:rPr>
-              <a:t>        </a:t>
-            </a:r>
-            <a:r>
-              <a:rPr lang="en-US" altLang="ko-KR" sz="1400" dirty="0" smtClean="0">
-                <a:latin typeface="Consolas" panose="020B0609020204030204" pitchFamily="49" charset="0"/>
-              </a:rPr>
-              <a:t>});</a:t>
-            </a:r>
-          </a:p>
-          <a:p>
-            <a:endParaRPr lang="en-US" altLang="ko-KR" sz="1400" dirty="0">
-              <a:latin typeface="Consolas" panose="020B0609020204030204" pitchFamily="49" charset="0"/>
-            </a:endParaRPr>
-          </a:p>
-          <a:p>
-            <a:r>
-              <a:rPr lang="en-US" altLang="ko-KR" sz="1400" dirty="0">
-                <a:latin typeface="Consolas" panose="020B0609020204030204" pitchFamily="49" charset="0"/>
-              </a:rPr>
-              <a:t>    </a:t>
-            </a:r>
-            <a:r>
-              <a:rPr lang="en-US" altLang="ko-KR" sz="1400" dirty="0" smtClean="0">
-                <a:latin typeface="Consolas" panose="020B0609020204030204" pitchFamily="49" charset="0"/>
-              </a:rPr>
-              <a:t>} // end of onCreate()</a:t>
-            </a:r>
-            <a:endParaRPr lang="en-US" altLang="ko-KR" sz="1400" dirty="0">
-              <a:latin typeface="Consolas" panose="020B0609020204030204" pitchFamily="49" charset="0"/>
-            </a:endParaRPr>
-          </a:p>
-          <a:p>
-            <a:endParaRPr lang="en-US" altLang="ko-KR" sz="1400" dirty="0" smtClean="0">
-              <a:latin typeface="Consolas" panose="020B0609020204030204" pitchFamily="49" charset="0"/>
-            </a:endParaRPr>
-          </a:p>
-          <a:p>
-            <a:r>
-              <a:rPr lang="en-US" altLang="ko-KR" sz="1400" dirty="0" smtClean="0">
-                <a:latin typeface="Consolas" panose="020B0609020204030204" pitchFamily="49" charset="0"/>
-              </a:rPr>
-              <a:t>} // end of class MainActivity</a:t>
-            </a:r>
-            <a:endParaRPr lang="ko-KR" altLang="en-US" sz="1400" dirty="0">
-              <a:latin typeface="Consolas" panose="020B0609020204030204" pitchFamily="49" charset="0"/>
-            </a:endParaRPr>
-          </a:p>
-        </p:txBody>
-      </p:sp>
-      <p:sp>
-        <p:nvSpPr>
-          <p:cNvPr id="12" name="모서리가 둥근 직사각형 11"/>
-          <p:cNvSpPr/>
-          <p:nvPr/>
-        </p:nvSpPr>
-        <p:spPr>
-          <a:xfrm flipH="1">
-            <a:off x="453100" y="3717032"/>
-            <a:ext cx="962380" cy="1584176"/>
-          </a:xfrm>
-          <a:prstGeom prst="roundRect">
-            <a:avLst/>
-          </a:prstGeom>
-          <a:solidFill>
-            <a:srgbClr val="FF0000">
-              <a:alpha val="6000"/>
-            </a:srgbClr>
-          </a:solidFill>
-          <a:ln>
-            <a:noFill/>
-          </a:ln>
-        </p:spPr>
-        <p:style>
-          <a:lnRef idx="2">
-            <a:schemeClr val="accent1">
-              <a:shade val="50000"/>
-            </a:schemeClr>
-          </a:lnRef>
-          <a:fillRef idx="1">
-            <a:schemeClr val="accent1"/>
-          </a:fillRef>
-          <a:effectRef idx="0">
-            <a:schemeClr val="accent1"/>
-          </a:effectRef>
-          <a:fontRef idx="minor">
-            <a:schemeClr val="lt1"/>
-          </a:fontRef>
-        </p:style>
-        <p:txBody>
-          <a:bodyPr rtlCol="0" anchor="ctr"/>
-          <a:lstStyle/>
-          <a:p>
-            <a:pPr algn="ctr"/>
-            <a:endParaRPr lang="ko-KR" altLang="en-US"/>
-          </a:p>
-        </p:txBody>
-      </p:sp>
-    </p:spTree>
-    <p:extLst>
-      <p:ext uri="{BB962C8B-B14F-4D97-AF65-F5344CB8AC3E}">
-        <p14:creationId xmlns:p14="http://schemas.microsoft.com/office/powerpoint/2010/main" val="4018601378"/>
       </p:ext>
     </p:extLst>
   </p:cSld>
@@ -31923,24 +32074,31 @@
                 <a:latin typeface="나눔고딕" panose="020D0604000000000000" pitchFamily="50" charset="-127"/>
                 <a:ea typeface="나눔고딕" panose="020D0604000000000000" pitchFamily="50" charset="-127"/>
               </a:rPr>
-              <a:t>07-4 Recycler View </a:t>
-            </a:r>
-            <a:r>
-              <a:rPr lang="ko-KR" altLang="en-US" dirty="0">
+              <a:t>07-4 </a:t>
+            </a:r>
+            <a:r>
+              <a:rPr lang="en-US" altLang="ko-KR" dirty="0" smtClean="0">
                 <a:latin typeface="나눔고딕" panose="020D0604000000000000" pitchFamily="50" charset="-127"/>
                 <a:ea typeface="나눔고딕" panose="020D0604000000000000" pitchFamily="50" charset="-127"/>
               </a:rPr>
-              <a:t>연습 문제 </a:t>
-            </a:r>
-            <a:r>
-              <a:rPr lang="en-US" altLang="ko-KR" dirty="0">
+              <a:t>Recycler View </a:t>
+            </a:r>
+            <a:r>
+              <a:rPr lang="ko-KR" altLang="en-US" dirty="0" smtClean="0">
                 <a:latin typeface="나눔고딕" panose="020D0604000000000000" pitchFamily="50" charset="-127"/>
                 <a:ea typeface="나눔고딕" panose="020D0604000000000000" pitchFamily="50" charset="-127"/>
               </a:rPr>
+              <a:t>연습 문제 </a:t>
+            </a:r>
+            <a:r>
+              <a:rPr lang="en-US" altLang="ko-KR" dirty="0" smtClean="0">
+                <a:latin typeface="나눔고딕" panose="020D0604000000000000" pitchFamily="50" charset="-127"/>
+                <a:ea typeface="나눔고딕" panose="020D0604000000000000" pitchFamily="50" charset="-127"/>
+              </a:rPr>
               <a:t>– </a:t>
             </a:r>
             <a:r>
-              <a:rPr lang="en-US" altLang="ko-KR" dirty="0">
+              <a:rPr lang="en-US" altLang="ko-KR" dirty="0" smtClean="0">
                 <a:solidFill>
                   <a:srgbClr val="C00000"/>
                 </a:solidFill>
@@ -31949,7 +32107,11 @@
               </a:rPr>
               <a:t>Interface </a:t>
             </a:r>
-            <a:endParaRPr lang="ko-KR" altLang="en-US" dirty="0"/>
+            <a:endParaRPr lang="ko-KR" altLang="en-US" dirty="0">
+              <a:solidFill>
+                <a:srgbClr val="C00000"/>
+              </a:solidFill>
+            </a:endParaRPr>
           </a:p>
         </p:txBody>
       </p:sp>
@@ -31972,6 +32134,10 @@
               <a:buNone/>
             </a:pPr>
             <a:r>
+              <a:rPr lang="en-US" altLang="ko-KR" dirty="0" smtClean="0"/>
+              <a:t>Step 3: </a:t>
+            </a:r>
+            <a:r>
               <a:rPr lang="en-US" altLang="ko-KR" dirty="0" err="1" smtClean="0"/>
               <a:t>RecyclerView</a:t>
             </a:r>
@@ -32000,15 +32166,23 @@
               <a:t>, </a:t>
             </a:r>
             <a:r>
-              <a:rPr lang="ko-KR" altLang="en-US" dirty="0" smtClean="0"/>
-              <a:t>개발자가 이를 알 수 있도록 </a:t>
-            </a:r>
-            <a:r>
-              <a:rPr lang="en-US" altLang="ko-KR" dirty="0" smtClean="0"/>
+              <a:rPr lang="ko-KR" altLang="en-US" b="1" dirty="0" smtClean="0"/>
+              <a:t>개발자</a:t>
+            </a:r>
+            <a:r>
+              <a:rPr lang="en-US" altLang="ko-KR" b="1" dirty="0" smtClean="0"/>
+              <a:t>(MainActivity)</a:t>
+            </a:r>
+            <a:r>
+              <a:rPr lang="ko-KR" altLang="en-US" b="1" dirty="0" smtClean="0"/>
+              <a:t>가 이를 알 수 있도록 </a:t>
+            </a:r>
+            <a:r>
+              <a:rPr lang="en-US" altLang="ko-KR" b="1" dirty="0" smtClean="0"/>
               <a:t>Interface</a:t>
             </a:r>
             <a:r>
-              <a:rPr lang="ko-KR" altLang="en-US" dirty="0" smtClean="0"/>
+              <a:rPr lang="ko-KR" altLang="en-US" b="1" dirty="0" smtClean="0"/>
               <a:t>를 제공하는 코드를 추가합니다</a:t>
             </a:r>
             <a:r>
@@ -32025,7 +32199,7 @@
             </a:r>
             <a:r>
               <a:rPr lang="ko-KR" altLang="en-US" dirty="0" smtClean="0"/>
-              <a:t>사용자가 </a:t>
+              <a:t>개발자가 </a:t>
             </a:r>
             <a:r>
               <a:rPr lang="en-US" altLang="ko-KR" dirty="0" smtClean="0"/>
@@ -32084,6 +32258,641 @@
                 <a:defRPr/>
               </a:pPr>
               <a:t>50</a:t>
+            </a:fld>
+            <a:endParaRPr lang="ko-KR" altLang="en-US"/>
+          </a:p>
+        </p:txBody>
+      </p:sp>
+      <p:sp>
+        <p:nvSpPr>
+          <p:cNvPr id="5" name="직사각형 4"/>
+          <p:cNvSpPr/>
+          <p:nvPr/>
+        </p:nvSpPr>
+        <p:spPr>
+          <a:xfrm>
+            <a:off x="447394" y="2410430"/>
+            <a:ext cx="11253818" cy="3754874"/>
+          </a:xfrm>
+          <a:prstGeom prst="rect">
+            <a:avLst/>
+          </a:prstGeom>
+          <a:solidFill>
+            <a:schemeClr val="bg1">
+              <a:lumMod val="95000"/>
+            </a:schemeClr>
+          </a:solidFill>
+          <a:ln>
+            <a:solidFill>
+              <a:schemeClr val="bg1">
+                <a:lumMod val="75000"/>
+              </a:schemeClr>
+            </a:solidFill>
+          </a:ln>
+        </p:spPr>
+        <p:txBody>
+          <a:bodyPr wrap="square">
+            <a:spAutoFit/>
+          </a:bodyPr>
+          <a:lstStyle/>
+          <a:p>
+            <a:r>
+              <a:rPr lang="en-US" altLang="ko-KR" sz="1400" dirty="0">
+                <a:latin typeface="Consolas" panose="020B0609020204030204" pitchFamily="49" charset="0"/>
+              </a:rPr>
+              <a:t> </a:t>
+            </a:r>
+            <a:r>
+              <a:rPr lang="en-US" altLang="ko-KR" sz="1400" dirty="0" smtClean="0">
+                <a:latin typeface="Consolas" panose="020B0609020204030204" pitchFamily="49" charset="0"/>
+              </a:rPr>
+              <a:t>       ...</a:t>
+            </a:r>
+          </a:p>
+          <a:p>
+            <a:r>
+              <a:rPr lang="en-US" altLang="ko-KR" sz="1400" dirty="0">
+                <a:latin typeface="Consolas" panose="020B0609020204030204" pitchFamily="49" charset="0"/>
+              </a:rPr>
+              <a:t> </a:t>
+            </a:r>
+            <a:r>
+              <a:rPr lang="en-US" altLang="ko-KR" sz="1400" dirty="0" smtClean="0">
+                <a:latin typeface="Consolas" panose="020B0609020204030204" pitchFamily="49" charset="0"/>
+              </a:rPr>
+              <a:t>       </a:t>
+            </a:r>
+            <a:r>
+              <a:rPr lang="en-US" altLang="ko-KR" sz="1400" dirty="0" err="1" smtClean="0">
+                <a:latin typeface="Consolas" panose="020B0609020204030204" pitchFamily="49" charset="0"/>
+              </a:rPr>
+              <a:t>adapter.addItem</a:t>
+            </a:r>
+            <a:r>
+              <a:rPr lang="en-US" altLang="ko-KR" sz="1400" dirty="0" smtClean="0">
+                <a:latin typeface="Consolas" panose="020B0609020204030204" pitchFamily="49" charset="0"/>
+              </a:rPr>
+              <a:t>(new </a:t>
+            </a:r>
+            <a:r>
+              <a:rPr lang="en-US" altLang="ko-KR" sz="1400" dirty="0">
+                <a:latin typeface="Consolas" panose="020B0609020204030204" pitchFamily="49" charset="0"/>
+              </a:rPr>
+              <a:t>Person("</a:t>
+            </a:r>
+            <a:r>
+              <a:rPr lang="ko-KR" altLang="en-US" sz="1400" dirty="0" err="1">
+                <a:latin typeface="Consolas" panose="020B0609020204030204" pitchFamily="49" charset="0"/>
+              </a:rPr>
+              <a:t>내이름</a:t>
+            </a:r>
+            <a:r>
+              <a:rPr lang="en-US" altLang="ko-KR" sz="1400" dirty="0">
+                <a:latin typeface="Consolas" panose="020B0609020204030204" pitchFamily="49" charset="0"/>
+              </a:rPr>
+              <a:t>9", "010-4000-4000"));</a:t>
+            </a:r>
+          </a:p>
+          <a:p>
+            <a:r>
+              <a:rPr lang="en-US" altLang="ko-KR" sz="1400" dirty="0">
+                <a:latin typeface="Consolas" panose="020B0609020204030204" pitchFamily="49" charset="0"/>
+              </a:rPr>
+              <a:t>        </a:t>
+            </a:r>
+            <a:r>
+              <a:rPr lang="en-US" altLang="ko-KR" sz="1400" dirty="0" err="1">
+                <a:latin typeface="Consolas" panose="020B0609020204030204" pitchFamily="49" charset="0"/>
+              </a:rPr>
+              <a:t>adapter.addItem</a:t>
+            </a:r>
+            <a:r>
+              <a:rPr lang="en-US" altLang="ko-KR" sz="1400" dirty="0">
+                <a:latin typeface="Consolas" panose="020B0609020204030204" pitchFamily="49" charset="0"/>
+              </a:rPr>
+              <a:t>(new Person("</a:t>
+            </a:r>
+            <a:r>
+              <a:rPr lang="ko-KR" altLang="en-US" sz="1400" dirty="0" err="1">
+                <a:latin typeface="Consolas" panose="020B0609020204030204" pitchFamily="49" charset="0"/>
+              </a:rPr>
+              <a:t>내이름</a:t>
+            </a:r>
+            <a:r>
+              <a:rPr lang="en-US" altLang="ko-KR" sz="1400" dirty="0">
+                <a:latin typeface="Consolas" panose="020B0609020204030204" pitchFamily="49" charset="0"/>
+              </a:rPr>
+              <a:t>10", "010-4000-4000"));</a:t>
+            </a:r>
+          </a:p>
+          <a:p>
+            <a:endParaRPr lang="en-US" altLang="ko-KR" sz="1400" dirty="0">
+              <a:latin typeface="Consolas" panose="020B0609020204030204" pitchFamily="49" charset="0"/>
+            </a:endParaRPr>
+          </a:p>
+          <a:p>
+            <a:r>
+              <a:rPr lang="en-US" altLang="ko-KR" sz="1400" dirty="0">
+                <a:latin typeface="Consolas" panose="020B0609020204030204" pitchFamily="49" charset="0"/>
+              </a:rPr>
+              <a:t>        </a:t>
+            </a:r>
+            <a:r>
+              <a:rPr lang="en-US" altLang="ko-KR" sz="1400" dirty="0" err="1">
+                <a:latin typeface="Consolas" panose="020B0609020204030204" pitchFamily="49" charset="0"/>
+              </a:rPr>
+              <a:t>recyclerView.setAdapter</a:t>
+            </a:r>
+            <a:r>
+              <a:rPr lang="en-US" altLang="ko-KR" sz="1400" dirty="0">
+                <a:latin typeface="Consolas" panose="020B0609020204030204" pitchFamily="49" charset="0"/>
+              </a:rPr>
+              <a:t>(adapter);</a:t>
+            </a:r>
+          </a:p>
+          <a:p>
+            <a:endParaRPr lang="en-US" altLang="ko-KR" sz="1400" dirty="0">
+              <a:latin typeface="Consolas" panose="020B0609020204030204" pitchFamily="49" charset="0"/>
+            </a:endParaRPr>
+          </a:p>
+          <a:p>
+            <a:r>
+              <a:rPr lang="en-US" altLang="ko-KR" sz="1400" dirty="0">
+                <a:latin typeface="Consolas" panose="020B0609020204030204" pitchFamily="49" charset="0"/>
+              </a:rPr>
+              <a:t>        </a:t>
+            </a:r>
+            <a:r>
+              <a:rPr lang="en-US" altLang="ko-KR" sz="1400" dirty="0" err="1">
+                <a:latin typeface="Consolas" panose="020B0609020204030204" pitchFamily="49" charset="0"/>
+              </a:rPr>
+              <a:t>adapter.setOnItemClickListener</a:t>
+            </a:r>
+            <a:r>
+              <a:rPr lang="en-US" altLang="ko-KR" sz="1400" dirty="0">
+                <a:latin typeface="Consolas" panose="020B0609020204030204" pitchFamily="49" charset="0"/>
+              </a:rPr>
+              <a:t>(new </a:t>
+            </a:r>
+            <a:r>
+              <a:rPr lang="en-US" altLang="ko-KR" sz="1400" dirty="0" err="1">
+                <a:latin typeface="Consolas" panose="020B0609020204030204" pitchFamily="49" charset="0"/>
+              </a:rPr>
+              <a:t>OnPersonItemClickListener</a:t>
+            </a:r>
+            <a:r>
+              <a:rPr lang="en-US" altLang="ko-KR" sz="1400" dirty="0">
+                <a:latin typeface="Consolas" panose="020B0609020204030204" pitchFamily="49" charset="0"/>
+              </a:rPr>
+              <a:t>() {</a:t>
+            </a:r>
+          </a:p>
+          <a:p>
+            <a:r>
+              <a:rPr lang="en-US" altLang="ko-KR" sz="1400" dirty="0">
+                <a:latin typeface="Consolas" panose="020B0609020204030204" pitchFamily="49" charset="0"/>
+              </a:rPr>
+              <a:t>            @Override</a:t>
+            </a:r>
+          </a:p>
+          <a:p>
+            <a:r>
+              <a:rPr lang="en-US" altLang="ko-KR" sz="1400" dirty="0">
+                <a:latin typeface="Consolas" panose="020B0609020204030204" pitchFamily="49" charset="0"/>
+              </a:rPr>
+              <a:t>            public void </a:t>
+            </a:r>
+            <a:r>
+              <a:rPr lang="en-US" altLang="ko-KR" sz="1400" dirty="0" err="1">
+                <a:latin typeface="Consolas" panose="020B0609020204030204" pitchFamily="49" charset="0"/>
+              </a:rPr>
+              <a:t>onItemClick</a:t>
+            </a:r>
+            <a:r>
+              <a:rPr lang="en-US" altLang="ko-KR" sz="1400" dirty="0">
+                <a:latin typeface="Consolas" panose="020B0609020204030204" pitchFamily="49" charset="0"/>
+              </a:rPr>
+              <a:t>(</a:t>
+            </a:r>
+            <a:r>
+              <a:rPr lang="en-US" altLang="ko-KR" sz="1400" dirty="0" err="1">
+                <a:latin typeface="Consolas" panose="020B0609020204030204" pitchFamily="49" charset="0"/>
+              </a:rPr>
+              <a:t>PersonAdapter.ViewHolder</a:t>
+            </a:r>
+            <a:r>
+              <a:rPr lang="en-US" altLang="ko-KR" sz="1400" dirty="0">
+                <a:latin typeface="Consolas" panose="020B0609020204030204" pitchFamily="49" charset="0"/>
+              </a:rPr>
+              <a:t> holder, View </a:t>
+            </a:r>
+            <a:r>
+              <a:rPr lang="en-US" altLang="ko-KR" sz="1400" dirty="0" err="1">
+                <a:latin typeface="Consolas" panose="020B0609020204030204" pitchFamily="49" charset="0"/>
+              </a:rPr>
+              <a:t>view</a:t>
+            </a:r>
+            <a:r>
+              <a:rPr lang="en-US" altLang="ko-KR" sz="1400" dirty="0">
+                <a:latin typeface="Consolas" panose="020B0609020204030204" pitchFamily="49" charset="0"/>
+              </a:rPr>
+              <a:t>, int position) {</a:t>
+            </a:r>
+          </a:p>
+          <a:p>
+            <a:r>
+              <a:rPr lang="en-US" altLang="ko-KR" sz="1400" dirty="0">
+                <a:latin typeface="Consolas" panose="020B0609020204030204" pitchFamily="49" charset="0"/>
+              </a:rPr>
+              <a:t>                Person item = </a:t>
+            </a:r>
+            <a:r>
+              <a:rPr lang="en-US" altLang="ko-KR" sz="1400" dirty="0" err="1">
+                <a:latin typeface="Consolas" panose="020B0609020204030204" pitchFamily="49" charset="0"/>
+              </a:rPr>
+              <a:t>adapter.getItem</a:t>
+            </a:r>
+            <a:r>
+              <a:rPr lang="en-US" altLang="ko-KR" sz="1400" dirty="0">
+                <a:latin typeface="Consolas" panose="020B0609020204030204" pitchFamily="49" charset="0"/>
+              </a:rPr>
+              <a:t>(position</a:t>
+            </a:r>
+            <a:r>
+              <a:rPr lang="en-US" altLang="ko-KR" sz="1400" dirty="0" smtClean="0">
+                <a:latin typeface="Consolas" panose="020B0609020204030204" pitchFamily="49" charset="0"/>
+              </a:rPr>
+              <a:t>);</a:t>
+            </a:r>
+            <a:endParaRPr lang="en-US" altLang="ko-KR" sz="1400" dirty="0">
+              <a:latin typeface="Consolas" panose="020B0609020204030204" pitchFamily="49" charset="0"/>
+            </a:endParaRPr>
+          </a:p>
+          <a:p>
+            <a:r>
+              <a:rPr lang="en-US" altLang="ko-KR" sz="1400" dirty="0">
+                <a:latin typeface="Consolas" panose="020B0609020204030204" pitchFamily="49" charset="0"/>
+              </a:rPr>
+              <a:t>                Toast.makeText(</a:t>
+            </a:r>
+            <a:r>
+              <a:rPr lang="en-US" altLang="ko-KR" sz="1400" dirty="0" err="1">
+                <a:latin typeface="Consolas" panose="020B0609020204030204" pitchFamily="49" charset="0"/>
+              </a:rPr>
+              <a:t>getApplicationContext</a:t>
+            </a:r>
+            <a:r>
+              <a:rPr lang="en-US" altLang="ko-KR" sz="1400" dirty="0">
+                <a:latin typeface="Consolas" panose="020B0609020204030204" pitchFamily="49" charset="0"/>
+              </a:rPr>
+              <a:t>(), </a:t>
+            </a:r>
+            <a:r>
+              <a:rPr lang="en-US" altLang="ko-KR" sz="1400" dirty="0" smtClean="0">
+                <a:latin typeface="Consolas" panose="020B0609020204030204" pitchFamily="49" charset="0"/>
+              </a:rPr>
+              <a:t>"item: </a:t>
+            </a:r>
+            <a:r>
+              <a:rPr lang="en-US" altLang="ko-KR" sz="1400" dirty="0">
+                <a:latin typeface="Consolas" panose="020B0609020204030204" pitchFamily="49" charset="0"/>
+              </a:rPr>
+              <a:t>" + </a:t>
+            </a:r>
+            <a:r>
+              <a:rPr lang="en-US" altLang="ko-KR" sz="1400" dirty="0" err="1">
+                <a:latin typeface="Consolas" panose="020B0609020204030204" pitchFamily="49" charset="0"/>
+              </a:rPr>
+              <a:t>item.getName</a:t>
+            </a:r>
+            <a:r>
+              <a:rPr lang="en-US" altLang="ko-KR" sz="1400" dirty="0">
+                <a:latin typeface="Consolas" panose="020B0609020204030204" pitchFamily="49" charset="0"/>
+              </a:rPr>
+              <a:t>(), Toast.LENGTH_LONG).show();</a:t>
+            </a:r>
+          </a:p>
+          <a:p>
+            <a:r>
+              <a:rPr lang="en-US" altLang="ko-KR" sz="1400" dirty="0">
+                <a:latin typeface="Consolas" panose="020B0609020204030204" pitchFamily="49" charset="0"/>
+              </a:rPr>
+              <a:t>            }</a:t>
+            </a:r>
+          </a:p>
+          <a:p>
+            <a:r>
+              <a:rPr lang="en-US" altLang="ko-KR" sz="1400" dirty="0">
+                <a:latin typeface="Consolas" panose="020B0609020204030204" pitchFamily="49" charset="0"/>
+              </a:rPr>
+              <a:t>        </a:t>
+            </a:r>
+            <a:r>
+              <a:rPr lang="en-US" altLang="ko-KR" sz="1400" dirty="0" smtClean="0">
+                <a:latin typeface="Consolas" panose="020B0609020204030204" pitchFamily="49" charset="0"/>
+              </a:rPr>
+              <a:t>});</a:t>
+            </a:r>
+          </a:p>
+          <a:p>
+            <a:endParaRPr lang="en-US" altLang="ko-KR" sz="1400" dirty="0">
+              <a:latin typeface="Consolas" panose="020B0609020204030204" pitchFamily="49" charset="0"/>
+            </a:endParaRPr>
+          </a:p>
+          <a:p>
+            <a:r>
+              <a:rPr lang="en-US" altLang="ko-KR" sz="1400" dirty="0">
+                <a:latin typeface="Consolas" panose="020B0609020204030204" pitchFamily="49" charset="0"/>
+              </a:rPr>
+              <a:t>    </a:t>
+            </a:r>
+            <a:r>
+              <a:rPr lang="en-US" altLang="ko-KR" sz="1400" dirty="0" smtClean="0">
+                <a:latin typeface="Consolas" panose="020B0609020204030204" pitchFamily="49" charset="0"/>
+              </a:rPr>
+              <a:t>} // end of onCreate()</a:t>
+            </a:r>
+            <a:endParaRPr lang="en-US" altLang="ko-KR" sz="1400" dirty="0">
+              <a:latin typeface="Consolas" panose="020B0609020204030204" pitchFamily="49" charset="0"/>
+            </a:endParaRPr>
+          </a:p>
+          <a:p>
+            <a:endParaRPr lang="en-US" altLang="ko-KR" sz="1400" dirty="0" smtClean="0">
+              <a:latin typeface="Consolas" panose="020B0609020204030204" pitchFamily="49" charset="0"/>
+            </a:endParaRPr>
+          </a:p>
+          <a:p>
+            <a:r>
+              <a:rPr lang="en-US" altLang="ko-KR" sz="1400" dirty="0" smtClean="0">
+                <a:latin typeface="Consolas" panose="020B0609020204030204" pitchFamily="49" charset="0"/>
+              </a:rPr>
+              <a:t>} // end of class MainActivity</a:t>
+            </a:r>
+            <a:endParaRPr lang="ko-KR" altLang="en-US" sz="1400" dirty="0">
+              <a:latin typeface="Consolas" panose="020B0609020204030204" pitchFamily="49" charset="0"/>
+            </a:endParaRPr>
+          </a:p>
+        </p:txBody>
+      </p:sp>
+      <p:sp>
+        <p:nvSpPr>
+          <p:cNvPr id="12" name="모서리가 둥근 직사각형 11"/>
+          <p:cNvSpPr/>
+          <p:nvPr/>
+        </p:nvSpPr>
+        <p:spPr>
+          <a:xfrm flipH="1">
+            <a:off x="453100" y="3717032"/>
+            <a:ext cx="962380" cy="1584176"/>
+          </a:xfrm>
+          <a:prstGeom prst="roundRect">
+            <a:avLst/>
+          </a:prstGeom>
+          <a:solidFill>
+            <a:srgbClr val="FF0000">
+              <a:alpha val="6000"/>
+            </a:srgbClr>
+          </a:solidFill>
+          <a:ln>
+            <a:noFill/>
+          </a:ln>
+        </p:spPr>
+        <p:style>
+          <a:lnRef idx="2">
+            <a:schemeClr val="accent1">
+              <a:shade val="50000"/>
+            </a:schemeClr>
+          </a:lnRef>
+          <a:fillRef idx="1">
+            <a:schemeClr val="accent1"/>
+          </a:fillRef>
+          <a:effectRef idx="0">
+            <a:schemeClr val="accent1"/>
+          </a:effectRef>
+          <a:fontRef idx="minor">
+            <a:schemeClr val="lt1"/>
+          </a:fontRef>
+        </p:style>
+        <p:txBody>
+          <a:bodyPr rtlCol="0" anchor="ctr"/>
+          <a:lstStyle/>
+          <a:p>
+            <a:pPr algn="ctr"/>
+            <a:endParaRPr lang="ko-KR" altLang="en-US"/>
+          </a:p>
+        </p:txBody>
+      </p:sp>
+    </p:spTree>
+    <p:extLst>
+      <p:ext uri="{BB962C8B-B14F-4D97-AF65-F5344CB8AC3E}">
+        <p14:creationId xmlns:p14="http://schemas.microsoft.com/office/powerpoint/2010/main" val="4018601378"/>
+      </p:ext>
+    </p:extLst>
+  </p:cSld>
+  <p:clrMapOvr>
+    <a:masterClrMapping/>
+  </p:clrMapOvr>
+</p:sld>
+</file>
+
+<file path=ppt/slides/slide51.xml><?xml version="1.0" encoding="utf-8"?>
+<p:sld xmlns:a="http://schemas.openxmlformats.org/drawingml/2006/main" xmlns:r="http://schemas.openxmlformats.org/officeDocument/2006/relationships" xmlns:p="http://schemas.openxmlformats.org/presentationml/2006/main">
+  <p:cSld>
+    <p:spTree>
+      <p:nvGrpSpPr>
+        <p:cNvPr id="1" name=""/>
+        <p:cNvGrpSpPr/>
+        <p:nvPr/>
+      </p:nvGrpSpPr>
+      <p:grpSpPr>
+        <a:xfrm>
+          <a:off x="0" y="0"/>
+          <a:ext cx="0" cy="0"/>
+          <a:chOff x="0" y="0"/>
+          <a:chExt cx="0" cy="0"/>
+        </a:xfrm>
+      </p:grpSpPr>
+      <p:sp>
+        <p:nvSpPr>
+          <p:cNvPr id="2" name="제목 1"/>
+          <p:cNvSpPr>
+            <a:spLocks noGrp="1"/>
+          </p:cNvSpPr>
+          <p:nvPr>
+            <p:ph type="title"/>
+          </p:nvPr>
+        </p:nvSpPr>
+        <p:spPr/>
+        <p:txBody>
+          <a:bodyPr/>
+          <a:lstStyle/>
+          <a:p>
+            <a:r>
+              <a:rPr lang="en-US" altLang="ko-KR" dirty="0">
+                <a:latin typeface="나눔고딕" panose="020D0604000000000000" pitchFamily="50" charset="-127"/>
+                <a:ea typeface="나눔고딕" panose="020D0604000000000000" pitchFamily="50" charset="-127"/>
+              </a:rPr>
+              <a:t>07-4 Recycler View </a:t>
+            </a:r>
+            <a:r>
+              <a:rPr lang="ko-KR" altLang="en-US" dirty="0">
+                <a:latin typeface="나눔고딕" panose="020D0604000000000000" pitchFamily="50" charset="-127"/>
+                <a:ea typeface="나눔고딕" panose="020D0604000000000000" pitchFamily="50" charset="-127"/>
+              </a:rPr>
+              <a:t>연습 문제 </a:t>
+            </a:r>
+            <a:r>
+              <a:rPr lang="en-US" altLang="ko-KR" dirty="0">
+                <a:latin typeface="나눔고딕" panose="020D0604000000000000" pitchFamily="50" charset="-127"/>
+                <a:ea typeface="나눔고딕" panose="020D0604000000000000" pitchFamily="50" charset="-127"/>
+              </a:rPr>
+              <a:t>– </a:t>
+            </a:r>
+            <a:r>
+              <a:rPr lang="en-US" altLang="ko-KR" dirty="0">
+                <a:solidFill>
+                  <a:srgbClr val="C00000"/>
+                </a:solidFill>
+                <a:latin typeface="나눔고딕" panose="020D0604000000000000" pitchFamily="50" charset="-127"/>
+                <a:ea typeface="나눔고딕" panose="020D0604000000000000" pitchFamily="50" charset="-127"/>
+              </a:rPr>
+              <a:t>Interface </a:t>
+            </a:r>
+            <a:endParaRPr lang="ko-KR" altLang="en-US" dirty="0"/>
+          </a:p>
+        </p:txBody>
+      </p:sp>
+      <p:sp>
+        <p:nvSpPr>
+          <p:cNvPr id="3" name="내용 개체 틀 2"/>
+          <p:cNvSpPr>
+            <a:spLocks noGrp="1"/>
+          </p:cNvSpPr>
+          <p:nvPr>
+            <p:ph idx="10"/>
+          </p:nvPr>
+        </p:nvSpPr>
+        <p:spPr/>
+        <p:txBody>
+          <a:bodyPr/>
+          <a:lstStyle/>
+          <a:p>
+            <a:pPr marL="0" indent="0">
+              <a:buNone/>
+            </a:pPr>
+            <a:r>
+              <a:rPr lang="en-US" altLang="ko-KR" dirty="0" err="1" smtClean="0"/>
+              <a:t>RecyclerView</a:t>
+            </a:r>
+            <a:r>
+              <a:rPr lang="ko-KR" altLang="en-US" dirty="0" smtClean="0"/>
+              <a:t>에서 표시된 </a:t>
+            </a:r>
+            <a:r>
+              <a:rPr lang="en-US" altLang="ko-KR" dirty="0" smtClean="0"/>
+              <a:t>item</a:t>
+            </a:r>
+            <a:r>
+              <a:rPr lang="ko-KR" altLang="en-US" dirty="0" smtClean="0"/>
+              <a:t>에 </a:t>
+            </a:r>
+            <a:r>
+              <a:rPr lang="en-US" altLang="ko-KR" dirty="0" smtClean="0"/>
+              <a:t>Click</a:t>
+            </a:r>
+            <a:r>
+              <a:rPr lang="ko-KR" altLang="en-US" dirty="0" smtClean="0"/>
+              <a:t>이벤트가 일어나면</a:t>
+            </a:r>
+            <a:r>
+              <a:rPr lang="en-US" altLang="ko-KR" dirty="0" smtClean="0"/>
+              <a:t>, </a:t>
+            </a:r>
+            <a:r>
+              <a:rPr lang="ko-KR" altLang="en-US" dirty="0" smtClean="0"/>
+              <a:t>개발자가 이를 알 수 있도록 </a:t>
+            </a:r>
+            <a:r>
+              <a:rPr lang="en-US" altLang="ko-KR" dirty="0" smtClean="0"/>
+              <a:t>Interface</a:t>
+            </a:r>
+            <a:r>
+              <a:rPr lang="ko-KR" altLang="en-US" dirty="0" smtClean="0"/>
+              <a:t>를 제공하는 코드를 추가합니다</a:t>
+            </a:r>
+            <a:r>
+              <a:rPr lang="en-US" altLang="ko-KR" dirty="0" smtClean="0"/>
+              <a:t>. </a:t>
+            </a:r>
+            <a:r>
+              <a:rPr lang="ko-KR" altLang="en-US" dirty="0" smtClean="0"/>
+              <a:t>다른 말로</a:t>
+            </a:r>
+            <a:r>
+              <a:rPr lang="en-US" altLang="ko-KR" dirty="0" smtClean="0"/>
+              <a:t>, </a:t>
+            </a:r>
+            <a:r>
+              <a:rPr lang="ko-KR" altLang="en-US" dirty="0" smtClean="0"/>
+              <a:t>사용자가 </a:t>
+            </a:r>
+            <a:r>
+              <a:rPr lang="en-US" altLang="ko-KR" dirty="0" smtClean="0"/>
+              <a:t>MainActivity.java</a:t>
+            </a:r>
+            <a:r>
+              <a:rPr lang="ko-KR" altLang="en-US" dirty="0" smtClean="0"/>
+              <a:t>에서 다음과 같이 코딩이 가능하도록 합니다</a:t>
+            </a:r>
+            <a:r>
+              <a:rPr lang="en-US" altLang="ko-KR" dirty="0" smtClean="0"/>
+              <a:t>. </a:t>
+            </a:r>
+          </a:p>
+          <a:p>
+            <a:pPr marL="0" indent="0">
+              <a:buNone/>
+            </a:pPr>
+            <a:endParaRPr lang="en-US" altLang="ko-KR" dirty="0"/>
+          </a:p>
+          <a:p>
+            <a:pPr marL="0" indent="0">
+              <a:buNone/>
+            </a:pPr>
+            <a:endParaRPr lang="en-US" altLang="ko-KR" dirty="0" smtClean="0"/>
+          </a:p>
+          <a:p>
+            <a:endParaRPr lang="en-US" altLang="ko-KR" dirty="0"/>
+          </a:p>
+          <a:p>
+            <a:endParaRPr lang="en-US" altLang="ko-KR" dirty="0" smtClean="0"/>
+          </a:p>
+        </p:txBody>
+      </p:sp>
+      <p:sp>
+        <p:nvSpPr>
+          <p:cNvPr id="4" name="슬라이드 번호 개체 틀 3"/>
+          <p:cNvSpPr>
+            <a:spLocks noGrp="1"/>
+          </p:cNvSpPr>
+          <p:nvPr>
+            <p:ph type="sldNum" sz="quarter" idx="14"/>
+          </p:nvPr>
+        </p:nvSpPr>
+        <p:spPr/>
+        <p:txBody>
+          <a:bodyPr/>
+          <a:lstStyle/>
+          <a:p>
+            <a:pPr>
+              <a:defRPr/>
+            </a:pPr>
+            <a:fld id="{3D493B47-E977-46F8-8C2F-7DA674317049}" type="slidenum">
+              <a:rPr lang="ko-KR" altLang="en-US" smtClean="0"/>
+              <a:pPr>
+                <a:defRPr/>
+              </a:pPr>
+              <a:t>51</a:t>
             </a:fld>
             <a:endParaRPr lang="ko-KR" altLang="en-US"/>
           </a:p>
@@ -32875,7 +33684,7 @@
 </p:sld>
 </file>
 
-<file path=ppt/slides/slide51.xml><?xml version="1.0" encoding="utf-8"?>
+<file path=ppt/slides/slide52.xml><?xml version="1.0" encoding="utf-8"?>
 <p:sld xmlns:a="http://schemas.openxmlformats.org/drawingml/2006/main" xmlns:r="http://schemas.openxmlformats.org/officeDocument/2006/relationships" xmlns:p="http://schemas.openxmlformats.org/presentationml/2006/main">
   <p:cSld>
     <p:spTree>
@@ -33133,13 +33942,7 @@
               <a:rPr lang="en-US" altLang="ko-KR" dirty="0" smtClean="0">
                 <a:sym typeface="Wingdings" panose="05000000000000000000" pitchFamily="2" charset="2"/>
               </a:rPr>
-              <a:t> Java </a:t>
-            </a:r>
-            <a:r>
-              <a:rPr lang="en-US" altLang="ko-KR" dirty="0" smtClean="0">
-                <a:sym typeface="Wingdings" panose="05000000000000000000" pitchFamily="2" charset="2"/>
-              </a:rPr>
-              <a:t>Class</a:t>
+              <a:t> Java Class</a:t>
             </a:r>
             <a:r>
               <a:rPr lang="ko-KR" altLang="en-US" dirty="0" smtClean="0">
@@ -33326,7 +34129,7 @@
               <a:pPr>
                 <a:defRPr/>
               </a:pPr>
-              <a:t>51</a:t>
+              <a:t>52</a:t>
             </a:fld>
             <a:endParaRPr lang="ko-KR" altLang="en-US"/>
           </a:p>
@@ -33419,7 +34222,22 @@
               <a:rPr lang="en-US" altLang="ko-KR" sz="1600" dirty="0">
                 <a:latin typeface="Consolas" panose="020B0609020204030204" pitchFamily="49" charset="0"/>
               </a:rPr>
-              <a:t>public interface </a:t>
+              <a:t>public </a:t>
+            </a:r>
+            <a:r>
+              <a:rPr lang="en-US" altLang="ko-KR" sz="1600" dirty="0">
+                <a:solidFill>
+                  <a:srgbClr val="C00000"/>
+                </a:solidFill>
+                <a:latin typeface="Consolas" panose="020B0609020204030204" pitchFamily="49" charset="0"/>
+              </a:rPr>
+              <a:t>interface</a:t>
+            </a:r>
+            <a:r>
+              <a:rPr lang="en-US" altLang="ko-KR" sz="1600" dirty="0">
+                <a:latin typeface="Consolas" panose="020B0609020204030204" pitchFamily="49" charset="0"/>
+              </a:rPr>
+              <a:t> </a:t>
             </a:r>
             <a:r>
               <a:rPr lang="en-US" altLang="ko-KR" sz="1600" dirty="0" err="1">
@@ -33501,7 +34319,7 @@
 </p:sld>
 </file>
 
-<file path=ppt/slides/slide52.xml><?xml version="1.0" encoding="utf-8"?>
+<file path=ppt/slides/slide53.xml><?xml version="1.0" encoding="utf-8"?>
 <p:sld xmlns:a="http://schemas.openxmlformats.org/drawingml/2006/main" xmlns:r="http://schemas.openxmlformats.org/officeDocument/2006/relationships" xmlns:p="http://schemas.openxmlformats.org/presentationml/2006/main">
   <p:cSld>
     <p:spTree>
@@ -33603,11 +34421,11 @@
               <a:t>클래스가 </a:t>
             </a:r>
             <a:r>
-              <a:rPr lang="en-US" altLang="ko-KR" dirty="0" err="1" smtClean="0"/>
-              <a:t>OnPersonItemClickListner</a:t>
-            </a:r>
-            <a:r>
-              <a:rPr lang="en-US" altLang="ko-KR" dirty="0" smtClean="0"/>
+              <a:rPr lang="en-US" altLang="ko-KR" b="1" dirty="0" err="1" smtClean="0"/>
+              <a:t>OnPersonItemClickListener</a:t>
+            </a:r>
+            <a:r>
+              <a:rPr lang="en-US" altLang="ko-KR" b="1" dirty="0" smtClean="0"/>
               <a:t> </a:t>
             </a:r>
             <a:r>
@@ -33629,7 +34447,7 @@
               <a:t>우선적으로 아이템 뷰 자신이 먼저 </a:t>
             </a:r>
             <a:r>
-              <a:rPr lang="en-US" altLang="ko-KR" dirty="0" smtClean="0"/>
+              <a:rPr lang="en-US" altLang="ko-KR" b="1" dirty="0" smtClean="0"/>
               <a:t>OnClickListener</a:t>
             </a:r>
             <a:r>
@@ -33654,11 +34472,19 @@
             </a:r>
             <a:r>
               <a:rPr lang="ko-KR" altLang="en-US" dirty="0" err="1" smtClean="0"/>
-              <a:t>리스너의</a:t>
+              <a:t>리스너</a:t>
             </a:r>
             <a:r>
               <a:rPr lang="ko-KR" altLang="en-US" dirty="0" smtClean="0"/>
-              <a:t> 메소드를 호출하도록 합니다</a:t>
+              <a:t> 즉 </a:t>
+            </a:r>
+            <a:r>
+              <a:rPr lang="en-US" altLang="ko-KR" dirty="0" err="1" smtClean="0"/>
+              <a:t>OnPersonItemClickListener</a:t>
+            </a:r>
+            <a:r>
+              <a:rPr lang="ko-KR" altLang="en-US" dirty="0" smtClean="0"/>
+              <a:t>의 메소드를 호출하도록 합니다</a:t>
             </a:r>
             <a:r>
               <a:rPr lang="en-US" altLang="ko-KR" dirty="0" smtClean="0"/>
@@ -33708,7 +34534,7 @@
               <a:pPr>
                 <a:defRPr/>
               </a:pPr>
-              <a:t>52</a:t>
+              <a:t>53</a:t>
             </a:fld>
             <a:endParaRPr lang="ko-KR" altLang="en-US"/>
           </a:p>
@@ -34041,7 +34867,22 @@
               <a:rPr lang="en-US" altLang="ko-KR" sz="1600" b="1" dirty="0">
                 <a:latin typeface="Consolas" panose="020B0609020204030204" pitchFamily="49" charset="0"/>
               </a:rPr>
-              <a:t>                public void onClick(View view) {</a:t>
+              <a:t>                public void </a:t>
+            </a:r>
+            <a:r>
+              <a:rPr lang="en-US" altLang="ko-KR" sz="1600" b="1" dirty="0">
+                <a:solidFill>
+                  <a:srgbClr val="C00000"/>
+                </a:solidFill>
+                <a:latin typeface="Consolas" panose="020B0609020204030204" pitchFamily="49" charset="0"/>
+              </a:rPr>
+              <a:t>onClick</a:t>
+            </a:r>
+            <a:r>
+              <a:rPr lang="en-US" altLang="ko-KR" sz="1600" b="1" dirty="0">
+                <a:latin typeface="Consolas" panose="020B0609020204030204" pitchFamily="49" charset="0"/>
+              </a:rPr>
+              <a:t>(View view) {</a:t>
             </a:r>
           </a:p>
           <a:p>
@@ -34506,7 +35347,7 @@
 </p:sld>
 </file>
 
-<file path=ppt/slides/slide53.xml><?xml version="1.0" encoding="utf-8"?>
+<file path=ppt/slides/slide54.xml><?xml version="1.0" encoding="utf-8"?>
 <p:sld xmlns:a="http://schemas.openxmlformats.org/drawingml/2006/main" xmlns:r="http://schemas.openxmlformats.org/officeDocument/2006/relationships" xmlns:p="http://schemas.openxmlformats.org/presentationml/2006/main">
   <p:cSld>
     <p:spTree>
@@ -34723,7 +35564,7 @@
               <a:pPr>
                 <a:defRPr/>
               </a:pPr>
-              <a:t>53</a:t>
+              <a:t>54</a:t>
             </a:fld>
             <a:endParaRPr lang="ko-KR" altLang="en-US"/>
           </a:p>
@@ -35489,7 +36330,7 @@
 </p:sld>
 </file>
 
-<file path=ppt/slides/slide54.xml><?xml version="1.0" encoding="utf-8"?>
+<file path=ppt/slides/slide55.xml><?xml version="1.0" encoding="utf-8"?>
 <p:sld xmlns:a="http://schemas.openxmlformats.org/drawingml/2006/main" xmlns:r="http://schemas.openxmlformats.org/officeDocument/2006/relationships" xmlns:p="http://schemas.openxmlformats.org/presentationml/2006/main">
   <p:cSld>
     <p:spTree>
@@ -35700,7 +36541,7 @@
               <a:pPr>
                 <a:defRPr/>
               </a:pPr>
-              <a:t>54</a:t>
+              <a:t>55</a:t>
             </a:fld>
             <a:endParaRPr lang="ko-KR" altLang="en-US"/>
           </a:p>
@@ -35989,8 +36830,8 @@
         </p:nvSpPr>
         <p:spPr>
           <a:xfrm>
-            <a:off x="3762287" y="1561669"/>
-            <a:ext cx="4884639" cy="307777"/>
+            <a:off x="5032617" y="2179021"/>
+            <a:ext cx="6752015" cy="523220"/>
           </a:xfrm>
           <a:prstGeom prst="rect">
             <a:avLst/>
@@ -36006,16 +36847,67 @@
           <a:lstStyle/>
           <a:p>
             <a:r>
+              <a:rPr lang="ko-KR" altLang="en-US" sz="1400" dirty="0" err="1" smtClean="0"/>
+              <a:t>리스너를</a:t>
+            </a:r>
+            <a:r>
               <a:rPr lang="ko-KR" altLang="en-US" sz="1400" dirty="0" smtClean="0"/>
-              <a:t>외부에서 </a:t>
-            </a:r>
-            <a:r>
-              <a:rPr lang="ko-KR" altLang="en-US" sz="1400" dirty="0" err="1" smtClean="0"/>
-              <a:t>리스터를</a:t>
+              <a:t> 설정하기 위하여 매개 변수로 받은 </a:t>
+            </a:r>
+            <a:r>
+              <a:rPr lang="en-US" altLang="ko-KR" sz="1400" dirty="0" smtClean="0"/>
+              <a:t>listener </a:t>
             </a:r>
             <a:r>
               <a:rPr lang="ko-KR" altLang="en-US" sz="1400" dirty="0" smtClean="0"/>
-              <a:t> 설정할 수 있도록 메소드 추가하기</a:t>
+              <a:t>객체 저장해 둔다</a:t>
+            </a:r>
+            <a:r>
+              <a:rPr lang="en-US" altLang="ko-KR" sz="1400" dirty="0" smtClean="0"/>
+              <a:t>.</a:t>
+            </a:r>
+            <a:r>
+              <a:rPr lang="ko-KR" altLang="en-US" sz="1400" dirty="0" smtClean="0"/>
+              <a:t> </a:t>
+            </a:r>
+            <a:endParaRPr lang="en-US" altLang="ko-KR" sz="1400" dirty="0" smtClean="0"/>
+          </a:p>
+          <a:p>
+            <a:r>
+              <a:rPr lang="ko-KR" altLang="en-US" sz="1400" dirty="0" smtClean="0"/>
+              <a:t>해당 </a:t>
+            </a:r>
+            <a:r>
+              <a:rPr lang="en-US" altLang="ko-KR" sz="1400" dirty="0" smtClean="0"/>
+              <a:t>Click Event</a:t>
+            </a:r>
+            <a:r>
+              <a:rPr lang="ko-KR" altLang="en-US" sz="1400" dirty="0"/>
+              <a:t> </a:t>
+            </a:r>
+            <a:r>
+              <a:rPr lang="ko-KR" altLang="en-US" sz="1400" dirty="0" smtClean="0"/>
+              <a:t>발생시</a:t>
+            </a:r>
+            <a:r>
+              <a:rPr lang="en-US" altLang="ko-KR" sz="1400" dirty="0" smtClean="0"/>
+              <a:t>, </a:t>
+            </a:r>
+            <a:r>
+              <a:rPr lang="ko-KR" altLang="en-US" sz="1400" dirty="0" smtClean="0"/>
+              <a:t>이 </a:t>
+            </a:r>
+            <a:r>
+              <a:rPr lang="en-US" altLang="ko-KR" sz="1400" dirty="0" smtClean="0"/>
+              <a:t>listener</a:t>
+            </a:r>
+            <a:r>
+              <a:rPr lang="ko-KR" altLang="en-US" sz="1400" dirty="0"/>
+              <a:t> </a:t>
+            </a:r>
+            <a:r>
+              <a:rPr lang="ko-KR" altLang="en-US" sz="1400" dirty="0" smtClean="0"/>
+              <a:t>객체로 인터페이스에 정의된 메소드 호출함</a:t>
             </a:r>
             <a:endParaRPr lang="ko-KR" altLang="en-US" sz="1400" dirty="0"/>
           </a:p>
@@ -36066,7 +36958,7 @@
 </p:sld>
 </file>
 
-<file path=ppt/slides/slide55.xml><?xml version="1.0" encoding="utf-8"?>
+<file path=ppt/slides/slide56.xml><?xml version="1.0" encoding="utf-8"?>
 <p:sld xmlns:a="http://schemas.openxmlformats.org/drawingml/2006/main" xmlns:r="http://schemas.openxmlformats.org/officeDocument/2006/relationships" xmlns:p="http://schemas.openxmlformats.org/presentationml/2006/main">
   <p:cSld>
     <p:spTree>
@@ -36410,7 +37302,7 @@
               <a:pPr>
                 <a:defRPr/>
               </a:pPr>
-              <a:t>55</a:t>
+              <a:t>56</a:t>
             </a:fld>
             <a:endParaRPr lang="ko-KR" altLang="en-US"/>
           </a:p>
@@ -36907,7 +37799,7 @@
 </p:sld>
 </file>
 
-<file path=ppt/slides/slide56.xml><?xml version="1.0" encoding="utf-8"?>
+<file path=ppt/slides/slide57.xml><?xml version="1.0" encoding="utf-8"?>
 <p:sld xmlns:a="http://schemas.openxmlformats.org/drawingml/2006/main" xmlns:r="http://schemas.openxmlformats.org/officeDocument/2006/relationships" xmlns:p="http://schemas.openxmlformats.org/presentationml/2006/main">
   <p:cSld>
     <p:spTree>
@@ -37054,7 +37946,7 @@
               <a:pPr>
                 <a:defRPr/>
               </a:pPr>
-              <a:t>56</a:t>
+              <a:t>57</a:t>
             </a:fld>
             <a:endParaRPr lang="ko-KR" altLang="en-US"/>
           </a:p>
@@ -37145,7 +38037,7 @@
 </p:sld>
 </file>
 
-<file path=ppt/slides/slide57.xml><?xml version="1.0" encoding="utf-8"?>
+<file path=ppt/slides/slide58.xml><?xml version="1.0" encoding="utf-8"?>
 <p:sld xmlns:a="http://schemas.openxmlformats.org/drawingml/2006/main" xmlns:r="http://schemas.openxmlformats.org/officeDocument/2006/relationships" xmlns:p="http://schemas.openxmlformats.org/presentationml/2006/main">
   <p:cSld>
     <p:spTree>
@@ -37369,7 +38261,7 @@
               <a:pPr>
                 <a:defRPr/>
               </a:pPr>
-              <a:t>57</a:t>
+              <a:t>58</a:t>
             </a:fld>
             <a:endParaRPr lang="ko-KR" altLang="en-US"/>
           </a:p>
@@ -37452,507 +38344,6 @@
 </p:sld>
 </file>
 
-<file path=ppt/slides/slide58.xml><?xml version="1.0" encoding="utf-8"?>
-<p:sld xmlns:a="http://schemas.openxmlformats.org/drawingml/2006/main" xmlns:r="http://schemas.openxmlformats.org/officeDocument/2006/relationships" xmlns:p="http://schemas.openxmlformats.org/presentationml/2006/main">
-  <p:cSld>
-    <p:spTree>
-      <p:nvGrpSpPr>
-        <p:cNvPr id="1" name=""/>
-        <p:cNvGrpSpPr/>
-        <p:nvPr/>
-      </p:nvGrpSpPr>
-      <p:grpSpPr>
-        <a:xfrm>
-          <a:off x="0" y="0"/>
-          <a:ext cx="0" cy="0"/>
-          <a:chOff x="0" y="0"/>
-          <a:chExt cx="0" cy="0"/>
-        </a:xfrm>
-      </p:grpSpPr>
-      <p:sp>
-        <p:nvSpPr>
-          <p:cNvPr id="2" name="제목 1"/>
-          <p:cNvSpPr>
-            <a:spLocks noGrp="1"/>
-          </p:cNvSpPr>
-          <p:nvPr>
-            <p:ph type="title"/>
-          </p:nvPr>
-        </p:nvSpPr>
-        <p:spPr/>
-        <p:txBody>
-          <a:bodyPr/>
-          <a:lstStyle/>
-          <a:p>
-            <a:r>
-              <a:rPr lang="en-US" altLang="ko-KR" dirty="0">
-                <a:latin typeface="나눔고딕" panose="020D0604000000000000" pitchFamily="50" charset="-127"/>
-                <a:ea typeface="나눔고딕" panose="020D0604000000000000" pitchFamily="50" charset="-127"/>
-              </a:rPr>
-              <a:t>07-4 Recycler View </a:t>
-            </a:r>
-            <a:r>
-              <a:rPr lang="ko-KR" altLang="en-US" dirty="0">
-                <a:latin typeface="나눔고딕" panose="020D0604000000000000" pitchFamily="50" charset="-127"/>
-                <a:ea typeface="나눔고딕" panose="020D0604000000000000" pitchFamily="50" charset="-127"/>
-              </a:rPr>
-              <a:t>연습 문제 </a:t>
-            </a:r>
-            <a:r>
-              <a:rPr lang="en-US" altLang="ko-KR" dirty="0">
-                <a:latin typeface="나눔고딕" panose="020D0604000000000000" pitchFamily="50" charset="-127"/>
-                <a:ea typeface="나눔고딕" panose="020D0604000000000000" pitchFamily="50" charset="-127"/>
-              </a:rPr>
-              <a:t>– </a:t>
-            </a:r>
-            <a:r>
-              <a:rPr lang="en-US" altLang="ko-KR" dirty="0" smtClean="0">
-                <a:solidFill>
-                  <a:srgbClr val="C00000"/>
-                </a:solidFill>
-                <a:latin typeface="나눔고딕" panose="020D0604000000000000" pitchFamily="50" charset="-127"/>
-                <a:ea typeface="나눔고딕" panose="020D0604000000000000" pitchFamily="50" charset="-127"/>
-              </a:rPr>
-              <a:t>Saving all items selected </a:t>
-            </a:r>
-            <a:endParaRPr lang="ko-KR" altLang="en-US" dirty="0"/>
-          </a:p>
-        </p:txBody>
-      </p:sp>
-      <p:sp>
-        <p:nvSpPr>
-          <p:cNvPr id="3" name="내용 개체 틀 2"/>
-          <p:cNvSpPr>
-            <a:spLocks noGrp="1"/>
-          </p:cNvSpPr>
-          <p:nvPr>
-            <p:ph idx="10"/>
-          </p:nvPr>
-        </p:nvSpPr>
-        <p:spPr/>
-        <p:txBody>
-          <a:bodyPr/>
-          <a:lstStyle/>
-          <a:p>
-            <a:pPr marL="0" indent="0">
-              <a:buNone/>
-            </a:pPr>
-            <a:r>
-              <a:rPr lang="en-US" altLang="ko-KR" b="1" dirty="0" smtClean="0"/>
-              <a:t>Hu</a:t>
-            </a:r>
-            <a:r>
-              <a:rPr lang="en-US" altLang="ko-KR" b="1" dirty="0" smtClean="0">
-                <a:solidFill>
-                  <a:srgbClr val="C00000"/>
-                </a:solidFill>
-              </a:rPr>
-              <a:t>0742</a:t>
-            </a:r>
-            <a:r>
-              <a:rPr lang="en-US" altLang="ko-KR" b="1" dirty="0" smtClean="0"/>
-              <a:t>RecyclerView</a:t>
-            </a:r>
-            <a:r>
-              <a:rPr lang="ko-KR" altLang="en-US" b="1" dirty="0" smtClean="0"/>
-              <a:t> </a:t>
-            </a:r>
-            <a:endParaRPr lang="en-US" altLang="ko-KR" b="1" dirty="0" smtClean="0"/>
-          </a:p>
-          <a:p>
-            <a:pPr marL="0" indent="0">
-              <a:buNone/>
-            </a:pPr>
-            <a:r>
-              <a:rPr lang="en-US" altLang="ko-KR" dirty="0" smtClean="0"/>
-              <a:t>Step 1: </a:t>
-            </a:r>
-            <a:r>
-              <a:rPr lang="ko-KR" altLang="en-US" dirty="0" smtClean="0"/>
-              <a:t>폴더를 </a:t>
-            </a:r>
-            <a:r>
-              <a:rPr lang="ko-KR" altLang="en-US" dirty="0"/>
-              <a:t>복사하여 </a:t>
-            </a:r>
-            <a:r>
-              <a:rPr lang="en-US" altLang="ko-KR" b="1" dirty="0" smtClean="0"/>
-              <a:t>Joy</a:t>
-            </a:r>
-            <a:r>
-              <a:rPr lang="en-US" altLang="ko-KR" b="1" dirty="0" smtClean="0">
-                <a:solidFill>
-                  <a:srgbClr val="C00000"/>
-                </a:solidFill>
-              </a:rPr>
-              <a:t>0743</a:t>
-            </a:r>
-            <a:r>
-              <a:rPr lang="en-US" altLang="ko-KR" b="1" dirty="0" smtClean="0"/>
-              <a:t>RecylerView</a:t>
-            </a:r>
-            <a:r>
-              <a:rPr lang="ko-KR" altLang="en-US" dirty="0"/>
-              <a:t>폴더를 만듭니다</a:t>
-            </a:r>
-            <a:r>
-              <a:rPr lang="en-US" altLang="ko-KR" dirty="0"/>
-              <a:t>. </a:t>
-            </a:r>
-            <a:r>
-              <a:rPr lang="ko-KR" altLang="en-US" dirty="0"/>
-              <a:t>패키지 </a:t>
-            </a:r>
-            <a:r>
-              <a:rPr lang="ko-KR" altLang="en-US" dirty="0" smtClean="0"/>
-              <a:t>이름 </a:t>
-            </a:r>
-            <a:r>
-              <a:rPr lang="en-US" altLang="ko-KR" dirty="0" smtClean="0"/>
-              <a:t>view</a:t>
-            </a:r>
-            <a:r>
-              <a:rPr lang="ko-KR" altLang="en-US" dirty="0" smtClean="0"/>
-              <a:t>를 동일하게 </a:t>
-            </a:r>
-            <a:r>
-              <a:rPr lang="ko-KR" altLang="en-US" dirty="0"/>
-              <a:t>유지하므로</a:t>
-            </a:r>
-            <a:r>
-              <a:rPr lang="en-US" altLang="ko-KR" dirty="0"/>
-              <a:t>, strings.xml </a:t>
-            </a:r>
-            <a:r>
-              <a:rPr lang="ko-KR" altLang="en-US" dirty="0"/>
-              <a:t>과 </a:t>
-            </a:r>
-            <a:r>
-              <a:rPr lang="en-US" altLang="ko-KR" dirty="0" err="1"/>
-              <a:t>settings.gradle</a:t>
-            </a:r>
-            <a:r>
-              <a:rPr lang="en-US" altLang="ko-KR" dirty="0"/>
-              <a:t> </a:t>
-            </a:r>
-            <a:r>
-              <a:rPr lang="ko-KR" altLang="en-US" dirty="0"/>
-              <a:t>파일에 있는 프로젝트 이름만 수정하면 됩니다</a:t>
-            </a:r>
-            <a:r>
-              <a:rPr lang="en-US" altLang="ko-KR" dirty="0"/>
-              <a:t>. </a:t>
-            </a:r>
-          </a:p>
-          <a:p>
-            <a:pPr marL="0" indent="0">
-              <a:buNone/>
-            </a:pPr>
-            <a:endParaRPr lang="en-US" altLang="ko-KR" dirty="0"/>
-          </a:p>
-          <a:p>
-            <a:pPr marL="0" indent="0">
-              <a:buNone/>
-            </a:pPr>
-            <a:r>
-              <a:rPr lang="en-US" altLang="ko-KR" dirty="0" smtClean="0"/>
-              <a:t>Step 2: </a:t>
-            </a:r>
-          </a:p>
-          <a:p>
-            <a:r>
-              <a:rPr lang="en-US" altLang="ko-KR" dirty="0" smtClean="0"/>
-              <a:t>MainActivity</a:t>
-            </a:r>
-            <a:r>
-              <a:rPr lang="ko-KR" altLang="en-US" dirty="0" smtClean="0"/>
-              <a:t>에서 </a:t>
-            </a:r>
-            <a:r>
-              <a:rPr lang="ko-KR" altLang="en-US" dirty="0"/>
-              <a:t>이러한 </a:t>
-            </a:r>
-            <a:r>
-              <a:rPr lang="en-US" altLang="ko-KR" dirty="0" smtClean="0"/>
-              <a:t>Item</a:t>
-            </a:r>
-            <a:r>
-              <a:rPr lang="ko-KR" altLang="en-US" dirty="0" smtClean="0"/>
-              <a:t>들의 탭 리스트를 </a:t>
-            </a:r>
-            <a:r>
-              <a:rPr lang="ko-KR" altLang="en-US" dirty="0"/>
-              <a:t>관리할 수도 있지만</a:t>
-            </a:r>
-            <a:r>
-              <a:rPr lang="en-US" altLang="ko-KR" dirty="0"/>
-              <a:t>, </a:t>
-            </a:r>
-            <a:r>
-              <a:rPr lang="ko-KR" altLang="en-US" dirty="0"/>
-              <a:t>이는 </a:t>
-            </a:r>
-            <a:r>
-              <a:rPr lang="en-US" altLang="ko-KR" dirty="0" err="1"/>
-              <a:t>PersonAdapter</a:t>
-            </a:r>
-            <a:r>
-              <a:rPr lang="ko-KR" altLang="en-US" dirty="0"/>
-              <a:t> 클래스에서 기본적으로 제공하는 기능이 되는 것이 적절합니다</a:t>
-            </a:r>
-            <a:r>
-              <a:rPr lang="en-US" altLang="ko-KR" dirty="0"/>
-              <a:t>. </a:t>
-            </a:r>
-            <a:r>
-              <a:rPr lang="ko-KR" altLang="en-US" dirty="0"/>
-              <a:t>이러한 기능이 </a:t>
-            </a:r>
-            <a:r>
-              <a:rPr lang="en-US" altLang="ko-KR" dirty="0"/>
-              <a:t>Adapter</a:t>
-            </a:r>
-            <a:r>
-              <a:rPr lang="ko-KR" altLang="en-US" dirty="0"/>
-              <a:t>의 기본적인 일에 해당합니다</a:t>
-            </a:r>
-            <a:r>
-              <a:rPr lang="en-US" altLang="ko-KR" dirty="0"/>
-              <a:t>. </a:t>
-            </a:r>
-          </a:p>
-          <a:p>
-            <a:r>
-              <a:rPr lang="ko-KR" altLang="en-US" dirty="0"/>
-              <a:t>이를 위해 </a:t>
-            </a:r>
-            <a:r>
-              <a:rPr lang="en-US" altLang="ko-KR" dirty="0" err="1"/>
-              <a:t>PersonAdapter</a:t>
-            </a:r>
-            <a:r>
-              <a:rPr lang="en-US" altLang="ko-KR" dirty="0"/>
-              <a:t> </a:t>
-            </a:r>
-            <a:r>
-              <a:rPr lang="ko-KR" altLang="en-US" dirty="0"/>
-              <a:t>클래스의 </a:t>
-            </a:r>
-            <a:r>
-              <a:rPr lang="en-US" altLang="ko-KR" dirty="0"/>
-              <a:t>instance variable</a:t>
-            </a:r>
-            <a:r>
-              <a:rPr lang="ko-KR" altLang="en-US" dirty="0"/>
-              <a:t>로 </a:t>
-            </a:r>
-            <a:r>
-              <a:rPr lang="en-US" altLang="ko-KR" dirty="0"/>
-              <a:t> </a:t>
-            </a:r>
-            <a:r>
-              <a:rPr lang="en-US" altLang="ko-KR" dirty="0" err="1"/>
-              <a:t>itemsSelected</a:t>
-            </a:r>
-            <a:r>
-              <a:rPr lang="en-US" altLang="ko-KR" dirty="0"/>
-              <a:t> </a:t>
-            </a:r>
-            <a:r>
-              <a:rPr lang="ko-KR" altLang="en-US" dirty="0"/>
-              <a:t>를 정의합니다</a:t>
-            </a:r>
-            <a:r>
-              <a:rPr lang="en-US" altLang="ko-KR" dirty="0"/>
-              <a:t>. </a:t>
-            </a:r>
-          </a:p>
-          <a:p>
-            <a:pPr marL="0" indent="0">
-              <a:buNone/>
-            </a:pPr>
-            <a:r>
-              <a:rPr lang="en-US" altLang="ko-KR" b="1" dirty="0"/>
-              <a:t>      </a:t>
-            </a:r>
-            <a:endParaRPr lang="en-US" altLang="ko-KR" b="1" dirty="0" smtClean="0"/>
-          </a:p>
-          <a:p>
-            <a:pPr marL="0" indent="0">
-              <a:buNone/>
-            </a:pPr>
-            <a:r>
-              <a:rPr lang="en-US" altLang="ko-KR" b="1" dirty="0">
-                <a:latin typeface="Consolas" panose="020B0609020204030204" pitchFamily="49" charset="0"/>
-              </a:rPr>
-              <a:t> </a:t>
-            </a:r>
-            <a:r>
-              <a:rPr lang="en-US" altLang="ko-KR" b="1" dirty="0" smtClean="0">
-                <a:latin typeface="Consolas" panose="020B0609020204030204" pitchFamily="49" charset="0"/>
-              </a:rPr>
-              <a:t>      private </a:t>
-            </a:r>
-            <a:r>
-              <a:rPr lang="en-US" altLang="ko-KR" b="1" dirty="0" err="1">
-                <a:latin typeface="Consolas" panose="020B0609020204030204" pitchFamily="49" charset="0"/>
-              </a:rPr>
-              <a:t>ArrayList</a:t>
-            </a:r>
-            <a:r>
-              <a:rPr lang="en-US" altLang="ko-KR" b="1" dirty="0">
-                <a:latin typeface="Consolas" panose="020B0609020204030204" pitchFamily="49" charset="0"/>
-              </a:rPr>
-              <a:t>&lt;Integer&gt; </a:t>
-            </a:r>
-            <a:r>
-              <a:rPr lang="en-US" altLang="ko-KR" b="1" dirty="0" err="1">
-                <a:latin typeface="Consolas" panose="020B0609020204030204" pitchFamily="49" charset="0"/>
-              </a:rPr>
-              <a:t>itemsSelected</a:t>
-            </a:r>
-            <a:r>
-              <a:rPr lang="en-US" altLang="ko-KR" b="1" dirty="0">
-                <a:latin typeface="Consolas" panose="020B0609020204030204" pitchFamily="49" charset="0"/>
-              </a:rPr>
-              <a:t> = new </a:t>
-            </a:r>
-            <a:r>
-              <a:rPr lang="en-US" altLang="ko-KR" b="1" dirty="0" err="1">
-                <a:latin typeface="Consolas" panose="020B0609020204030204" pitchFamily="49" charset="0"/>
-              </a:rPr>
-              <a:t>ArrayList</a:t>
-            </a:r>
-            <a:r>
-              <a:rPr lang="en-US" altLang="ko-KR" b="1" dirty="0">
-                <a:latin typeface="Consolas" panose="020B0609020204030204" pitchFamily="49" charset="0"/>
-              </a:rPr>
-              <a:t>&lt;&gt;(); </a:t>
-            </a:r>
-          </a:p>
-          <a:p>
-            <a:pPr marL="0" indent="0">
-              <a:buNone/>
-            </a:pPr>
-            <a:endParaRPr lang="en-US" altLang="ko-KR" dirty="0" smtClean="0"/>
-          </a:p>
-          <a:p>
-            <a:r>
-              <a:rPr lang="ko-KR" altLang="en-US" dirty="0" smtClean="0"/>
-              <a:t>이에 대한 </a:t>
-            </a:r>
-            <a:r>
-              <a:rPr lang="en-US" altLang="ko-KR" dirty="0" smtClean="0"/>
-              <a:t>getter </a:t>
-            </a:r>
-            <a:r>
-              <a:rPr lang="ko-KR" altLang="en-US" dirty="0" smtClean="0"/>
-              <a:t>와 </a:t>
-            </a:r>
-            <a:r>
-              <a:rPr lang="en-US" altLang="ko-KR" dirty="0" smtClean="0"/>
-              <a:t>setter </a:t>
-            </a:r>
-            <a:r>
-              <a:rPr lang="ko-KR" altLang="en-US" dirty="0" smtClean="0"/>
-              <a:t>및 </a:t>
-            </a:r>
-            <a:r>
-              <a:rPr lang="en-US" altLang="ko-KR" dirty="0" err="1" smtClean="0"/>
-              <a:t>addItemsSelected</a:t>
-            </a:r>
-            <a:r>
-              <a:rPr lang="en-US" altLang="ko-KR" dirty="0" smtClean="0"/>
-              <a:t>() </a:t>
-            </a:r>
-            <a:r>
-              <a:rPr lang="ko-KR" altLang="en-US" dirty="0" smtClean="0"/>
-              <a:t>메소드를 코딩합니다</a:t>
-            </a:r>
-            <a:r>
-              <a:rPr lang="en-US" altLang="ko-KR" dirty="0" smtClean="0"/>
-              <a:t>.  </a:t>
-            </a:r>
-            <a:br>
-              <a:rPr lang="en-US" altLang="ko-KR" dirty="0" smtClean="0"/>
-            </a:br>
-            <a:r>
-              <a:rPr lang="ko-KR" altLang="en-US" dirty="0" smtClean="0"/>
-              <a:t>필요하면</a:t>
-            </a:r>
-            <a:r>
-              <a:rPr lang="en-US" altLang="ko-KR" dirty="0" smtClean="0"/>
-              <a:t>, (Generate ... </a:t>
-            </a:r>
-            <a:r>
-              <a:rPr lang="en-US" altLang="ko-KR" dirty="0" smtClean="0">
-                <a:sym typeface="Wingdings" panose="05000000000000000000" pitchFamily="2" charset="2"/>
-              </a:rPr>
-              <a:t> getter and setter )</a:t>
-            </a:r>
-            <a:r>
-              <a:rPr lang="ko-KR" altLang="en-US" dirty="0" smtClean="0">
-                <a:sym typeface="Wingdings" panose="05000000000000000000" pitchFamily="2" charset="2"/>
-              </a:rPr>
-              <a:t>를 사용해도 좋습니다</a:t>
-            </a:r>
-            <a:r>
-              <a:rPr lang="en-US" altLang="ko-KR" dirty="0" smtClean="0">
-                <a:sym typeface="Wingdings" panose="05000000000000000000" pitchFamily="2" charset="2"/>
-              </a:rPr>
-              <a:t>. </a:t>
-            </a:r>
-          </a:p>
-          <a:p>
-            <a:endParaRPr lang="en-US" altLang="ko-KR" dirty="0"/>
-          </a:p>
-          <a:p>
-            <a:endParaRPr lang="en-US" altLang="ko-KR" dirty="0" smtClean="0"/>
-          </a:p>
-        </p:txBody>
-      </p:sp>
-      <p:sp>
-        <p:nvSpPr>
-          <p:cNvPr id="4" name="슬라이드 번호 개체 틀 3"/>
-          <p:cNvSpPr>
-            <a:spLocks noGrp="1"/>
-          </p:cNvSpPr>
-          <p:nvPr>
-            <p:ph type="sldNum" sz="quarter" idx="14"/>
-          </p:nvPr>
-        </p:nvSpPr>
-        <p:spPr/>
-        <p:txBody>
-          <a:bodyPr/>
-          <a:lstStyle/>
-          <a:p>
-            <a:pPr>
-              <a:defRPr/>
-            </a:pPr>
-            <a:fld id="{3D493B47-E977-46F8-8C2F-7DA674317049}" type="slidenum">
-              <a:rPr lang="ko-KR" altLang="en-US" smtClean="0"/>
-              <a:pPr>
-                <a:defRPr/>
-              </a:pPr>
-              <a:t>58</a:t>
-            </a:fld>
-            <a:endParaRPr lang="ko-KR" altLang="en-US"/>
-          </a:p>
-        </p:txBody>
-      </p:sp>
-    </p:spTree>
-    <p:extLst>
-      <p:ext uri="{BB962C8B-B14F-4D97-AF65-F5344CB8AC3E}">
-        <p14:creationId xmlns:p14="http://schemas.microsoft.com/office/powerpoint/2010/main" val="1091862776"/>
-      </p:ext>
-    </p:extLst>
-  </p:cSld>
-  <p:clrMapOvr>
-    <a:masterClrMapping/>
-  </p:clrMapOvr>
-</p:sld>
-</file>
-
 <file path=ppt/slides/slide59.xml><?xml version="1.0" encoding="utf-8"?>
 <p:sld xmlns:a="http://schemas.openxmlformats.org/drawingml/2006/main" xmlns:r="http://schemas.openxmlformats.org/officeDocument/2006/relationships" xmlns:p="http://schemas.openxmlformats.org/presentationml/2006/main">
   <p:cSld>
@@ -38039,212 +38430,370 @@
               <a:buNone/>
             </a:pPr>
             <a:r>
+              <a:rPr lang="en-US" altLang="ko-KR" b="1" dirty="0" smtClean="0"/>
+              <a:t>Hu</a:t>
+            </a:r>
+            <a:r>
+              <a:rPr lang="en-US" altLang="ko-KR" b="1" dirty="0" smtClean="0">
+                <a:solidFill>
+                  <a:srgbClr val="C00000"/>
+                </a:solidFill>
+              </a:rPr>
+              <a:t>0742</a:t>
+            </a:r>
+            <a:r>
+              <a:rPr lang="en-US" altLang="ko-KR" b="1" dirty="0" smtClean="0"/>
+              <a:t>RecyclerView</a:t>
+            </a:r>
+            <a:r>
+              <a:rPr lang="ko-KR" altLang="en-US" b="1" dirty="0" smtClean="0"/>
+              <a:t> </a:t>
+            </a:r>
+            <a:endParaRPr lang="en-US" altLang="ko-KR" b="1" dirty="0" smtClean="0"/>
+          </a:p>
+          <a:p>
+            <a:pPr marL="0" indent="0">
+              <a:buNone/>
+            </a:pPr>
+            <a:r>
               <a:rPr lang="en-US" altLang="ko-KR" dirty="0" smtClean="0"/>
-              <a:t>Step 2 </a:t>
+              <a:t>Step 1: </a:t>
             </a:r>
             <a:r>
               <a:rPr lang="ko-KR" altLang="en-US" dirty="0" smtClean="0"/>
-              <a:t>계속</a:t>
+              <a:t>폴더를 </a:t>
+            </a:r>
+            <a:r>
+              <a:rPr lang="ko-KR" altLang="en-US" dirty="0"/>
+              <a:t>복사하여 </a:t>
+            </a:r>
+            <a:r>
+              <a:rPr lang="en-US" altLang="ko-KR" b="1" dirty="0" smtClean="0"/>
+              <a:t>Joy</a:t>
+            </a:r>
+            <a:r>
+              <a:rPr lang="en-US" altLang="ko-KR" b="1" dirty="0" smtClean="0">
+                <a:solidFill>
+                  <a:srgbClr val="C00000"/>
+                </a:solidFill>
+              </a:rPr>
+              <a:t>0743</a:t>
+            </a:r>
+            <a:r>
+              <a:rPr lang="en-US" altLang="ko-KR" b="1" dirty="0" smtClean="0"/>
+              <a:t>RecylerView</a:t>
+            </a:r>
+            <a:r>
+              <a:rPr lang="ko-KR" altLang="en-US" dirty="0"/>
+              <a:t>폴더를 만듭니다</a:t>
+            </a:r>
+            <a:r>
+              <a:rPr lang="en-US" altLang="ko-KR" dirty="0"/>
+              <a:t>. </a:t>
+            </a:r>
+            <a:r>
+              <a:rPr lang="ko-KR" altLang="en-US" dirty="0"/>
+              <a:t>패키지 </a:t>
+            </a:r>
+            <a:r>
+              <a:rPr lang="ko-KR" altLang="en-US" dirty="0" smtClean="0"/>
+              <a:t>이름 </a:t>
             </a:r>
             <a:r>
               <a:rPr lang="en-US" altLang="ko-KR" dirty="0" smtClean="0"/>
-              <a:t>: </a:t>
-            </a:r>
-          </a:p>
-          <a:p>
+              <a:t>view</a:t>
+            </a:r>
             <a:r>
               <a:rPr lang="ko-KR" altLang="en-US" dirty="0" smtClean="0"/>
-              <a:t>그러면</a:t>
-            </a:r>
+              <a:t>를 동일하게 </a:t>
+            </a:r>
+            <a:r>
+              <a:rPr lang="ko-KR" altLang="en-US" dirty="0"/>
+              <a:t>유지하므로</a:t>
+            </a:r>
+            <a:r>
+              <a:rPr lang="en-US" altLang="ko-KR" dirty="0"/>
+              <a:t>, strings.xml </a:t>
+            </a:r>
+            <a:r>
+              <a:rPr lang="ko-KR" altLang="en-US" dirty="0"/>
+              <a:t>과 </a:t>
+            </a:r>
+            <a:r>
+              <a:rPr lang="en-US" altLang="ko-KR" dirty="0" err="1"/>
+              <a:t>settings.gradle</a:t>
+            </a:r>
+            <a:r>
+              <a:rPr lang="en-US" altLang="ko-KR" dirty="0"/>
+              <a:t> </a:t>
+            </a:r>
+            <a:r>
+              <a:rPr lang="ko-KR" altLang="en-US" dirty="0"/>
+              <a:t>파일에 있는 프로젝트 이름만 수정하면 됩니다</a:t>
+            </a:r>
+            <a:r>
+              <a:rPr lang="en-US" altLang="ko-KR" dirty="0"/>
+              <a:t>. </a:t>
+            </a:r>
+          </a:p>
+          <a:p>
+            <a:pPr marL="0" indent="0">
+              <a:buNone/>
+            </a:pPr>
+            <a:endParaRPr lang="en-US" altLang="ko-KR" dirty="0"/>
+          </a:p>
+          <a:p>
+            <a:pPr marL="0" indent="0">
+              <a:buNone/>
+            </a:pPr>
             <a:r>
               <a:rPr lang="en-US" altLang="ko-KR" dirty="0" smtClean="0"/>
-              <a:t>,  </a:t>
+              <a:t>Step 2: </a:t>
+            </a:r>
+          </a:p>
+          <a:p>
+            <a:r>
+              <a:rPr lang="en-US" altLang="ko-KR" dirty="0" smtClean="0"/>
+              <a:t>MainActivity</a:t>
             </a:r>
             <a:r>
               <a:rPr lang="ko-KR" altLang="en-US" dirty="0" smtClean="0"/>
-              <a:t>어디에서 </a:t>
+              <a:t>에서 </a:t>
+            </a:r>
+            <a:r>
+              <a:rPr lang="ko-KR" altLang="en-US" dirty="0"/>
+              <a:t>이러한 </a:t>
             </a:r>
             <a:r>
               <a:rPr lang="en-US" altLang="ko-KR" dirty="0" smtClean="0"/>
-              <a:t>item</a:t>
+              <a:t>Item</a:t>
             </a:r>
             <a:r>
               <a:rPr lang="ko-KR" altLang="en-US" dirty="0" smtClean="0"/>
-              <a:t>을 </a:t>
+              <a:t>들의 탭 리스트를 </a:t>
+            </a:r>
+            <a:r>
+              <a:rPr lang="ko-KR" altLang="en-US" dirty="0"/>
+              <a:t>관리할 수도 있지만</a:t>
+            </a:r>
+            <a:r>
+              <a:rPr lang="en-US" altLang="ko-KR" dirty="0"/>
+              <a:t>, </a:t>
+            </a:r>
+            <a:r>
+              <a:rPr lang="ko-KR" altLang="en-US" dirty="0"/>
+              <a:t>이는 </a:t>
+            </a:r>
+            <a:r>
+              <a:rPr lang="en-US" altLang="ko-KR" dirty="0" err="1"/>
+              <a:t>PersonAdapter</a:t>
+            </a:r>
+            <a:r>
+              <a:rPr lang="ko-KR" altLang="en-US" dirty="0"/>
+              <a:t> 클래스에서 기본적으로 제공하는 기능이 되는 것이 적절합니다</a:t>
+            </a:r>
+            <a:r>
+              <a:rPr lang="en-US" altLang="ko-KR" dirty="0"/>
+              <a:t>. </a:t>
+            </a:r>
+            <a:r>
+              <a:rPr lang="ko-KR" altLang="en-US" dirty="0"/>
+              <a:t>이러한 기능이 </a:t>
+            </a:r>
+            <a:r>
+              <a:rPr lang="en-US" altLang="ko-KR" dirty="0"/>
+              <a:t>Adapter</a:t>
+            </a:r>
+            <a:r>
+              <a:rPr lang="ko-KR" altLang="en-US" dirty="0"/>
+              <a:t>의 기본적인 일에 해당합니다</a:t>
+            </a:r>
+            <a:r>
+              <a:rPr lang="en-US" altLang="ko-KR" dirty="0"/>
+              <a:t>. </a:t>
+            </a:r>
+          </a:p>
+          <a:p>
+            <a:r>
+              <a:rPr lang="ko-KR" altLang="en-US" dirty="0"/>
+              <a:t>이를 위해 </a:t>
+            </a:r>
+            <a:r>
+              <a:rPr lang="en-US" altLang="ko-KR" dirty="0" err="1"/>
+              <a:t>PersonAdapter</a:t>
+            </a:r>
+            <a:r>
+              <a:rPr lang="en-US" altLang="ko-KR" dirty="0"/>
+              <a:t> </a:t>
+            </a:r>
+            <a:r>
+              <a:rPr lang="ko-KR" altLang="en-US" dirty="0"/>
+              <a:t>클래스의 </a:t>
+            </a:r>
+            <a:r>
+              <a:rPr lang="en-US" altLang="ko-KR" dirty="0"/>
+              <a:t>instance variable</a:t>
+            </a:r>
+            <a:r>
+              <a:rPr lang="ko-KR" altLang="en-US" dirty="0"/>
+              <a:t>로 </a:t>
+            </a:r>
+            <a:r>
+              <a:rPr lang="en-US" altLang="ko-KR" dirty="0"/>
+              <a:t> </a:t>
+            </a:r>
+            <a:r>
+              <a:rPr lang="en-US" altLang="ko-KR" dirty="0" err="1"/>
+              <a:t>itemsSelected</a:t>
+            </a:r>
+            <a:r>
+              <a:rPr lang="en-US" altLang="ko-KR" dirty="0"/>
+              <a:t> </a:t>
+            </a:r>
+            <a:r>
+              <a:rPr lang="ko-KR" altLang="en-US" dirty="0"/>
+              <a:t>를 정의합니다</a:t>
+            </a:r>
+            <a:r>
+              <a:rPr lang="en-US" altLang="ko-KR" dirty="0"/>
+              <a:t>. </a:t>
+            </a:r>
+          </a:p>
+          <a:p>
+            <a:pPr marL="0" indent="0">
+              <a:buNone/>
+            </a:pPr>
+            <a:r>
+              <a:rPr lang="en-US" altLang="ko-KR" b="1" dirty="0"/>
+              <a:t>      </a:t>
+            </a:r>
+            <a:endParaRPr lang="en-US" altLang="ko-KR" b="1" dirty="0" smtClean="0"/>
+          </a:p>
+          <a:p>
+            <a:pPr marL="0" indent="0">
+              <a:buNone/>
+            </a:pPr>
+            <a:r>
+              <a:rPr lang="en-US" altLang="ko-KR" b="1" dirty="0">
+                <a:latin typeface="Consolas" panose="020B0609020204030204" pitchFamily="49" charset="0"/>
+              </a:rPr>
+              <a:t> </a:t>
+            </a:r>
+            <a:r>
+              <a:rPr lang="en-US" altLang="ko-KR" b="1" dirty="0" smtClean="0">
+                <a:latin typeface="Consolas" panose="020B0609020204030204" pitchFamily="49" charset="0"/>
+              </a:rPr>
+              <a:t>      private </a:t>
+            </a:r>
+            <a:r>
+              <a:rPr lang="en-US" altLang="ko-KR" b="1" dirty="0" err="1">
+                <a:latin typeface="Consolas" panose="020B0609020204030204" pitchFamily="49" charset="0"/>
+              </a:rPr>
+              <a:t>ArrayList</a:t>
+            </a:r>
+            <a:r>
+              <a:rPr lang="en-US" altLang="ko-KR" b="1" dirty="0">
+                <a:latin typeface="Consolas" panose="020B0609020204030204" pitchFamily="49" charset="0"/>
+              </a:rPr>
+              <a:t>&lt;Integer&gt; </a:t>
+            </a:r>
+            <a:r>
+              <a:rPr lang="en-US" altLang="ko-KR" b="1" dirty="0" err="1">
+                <a:latin typeface="Consolas" panose="020B0609020204030204" pitchFamily="49" charset="0"/>
+              </a:rPr>
+              <a:t>itemsSelected</a:t>
+            </a:r>
+            <a:r>
+              <a:rPr lang="en-US" altLang="ko-KR" b="1" dirty="0">
+                <a:latin typeface="Consolas" panose="020B0609020204030204" pitchFamily="49" charset="0"/>
+              </a:rPr>
+              <a:t> = new </a:t>
+            </a:r>
+            <a:r>
+              <a:rPr lang="en-US" altLang="ko-KR" b="1" dirty="0" err="1">
+                <a:latin typeface="Consolas" panose="020B0609020204030204" pitchFamily="49" charset="0"/>
+              </a:rPr>
+              <a:t>ArrayList</a:t>
+            </a:r>
+            <a:r>
+              <a:rPr lang="en-US" altLang="ko-KR" b="1" dirty="0">
+                <a:latin typeface="Consolas" panose="020B0609020204030204" pitchFamily="49" charset="0"/>
+              </a:rPr>
+              <a:t>&lt;&gt;(); </a:t>
+            </a:r>
+          </a:p>
+          <a:p>
+            <a:pPr marL="0" indent="0">
+              <a:buNone/>
+            </a:pPr>
+            <a:endParaRPr lang="en-US" altLang="ko-KR" dirty="0" smtClean="0"/>
+          </a:p>
+          <a:p>
+            <a:r>
+              <a:rPr lang="ko-KR" altLang="en-US" dirty="0" smtClean="0"/>
+              <a:t>이에 대한 </a:t>
+            </a:r>
+            <a:r>
+              <a:rPr lang="en-US" altLang="ko-KR" dirty="0" smtClean="0"/>
+              <a:t>getter </a:t>
+            </a:r>
+            <a:r>
+              <a:rPr lang="ko-KR" altLang="en-US" dirty="0" smtClean="0"/>
+              <a:t>와 </a:t>
+            </a:r>
+            <a:r>
+              <a:rPr lang="en-US" altLang="ko-KR" dirty="0" smtClean="0"/>
+              <a:t>setter </a:t>
+            </a:r>
+            <a:r>
+              <a:rPr lang="ko-KR" altLang="en-US" dirty="0" smtClean="0"/>
+              <a:t>및 </a:t>
             </a:r>
             <a:r>
               <a:rPr lang="en-US" altLang="ko-KR" dirty="0" err="1" smtClean="0"/>
-              <a:t>ItemsSelected</a:t>
+              <a:t>addItemsSelected</a:t>
             </a:r>
             <a:r>
               <a:rPr lang="en-US" altLang="ko-KR" dirty="0" smtClean="0"/>
-              <a:t> </a:t>
+              <a:t>() </a:t>
             </a:r>
             <a:r>
               <a:rPr lang="ko-KR" altLang="en-US" dirty="0" smtClean="0"/>
-              <a:t>리스트에 삽입하거나 삭제하면 좋을까요</a:t>
+              <a:t>메소드를 코딩합니다</a:t>
             </a:r>
             <a:r>
               <a:rPr lang="en-US" altLang="ko-KR" dirty="0" smtClean="0"/>
-              <a:t>? </a:t>
+              <a:t>.  </a:t>
             </a:r>
             <a:br>
               <a:rPr lang="en-US" altLang="ko-KR" dirty="0" smtClean="0"/>
             </a:br>
             <a:r>
               <a:rPr lang="ko-KR" altLang="en-US" dirty="0" smtClean="0"/>
-              <a:t>다양한 방법이 있어서 이 문제는 여러 명이 토론할 정도입니다</a:t>
+              <a:t>필요하면</a:t>
             </a:r>
             <a:r>
               <a:rPr lang="en-US" altLang="ko-KR" dirty="0" smtClean="0"/>
+              <a:t>, (Generate ... </a:t>
+            </a:r>
+            <a:r>
+              <a:rPr lang="en-US" altLang="ko-KR" dirty="0" smtClean="0">
+                <a:sym typeface="Wingdings" panose="05000000000000000000" pitchFamily="2" charset="2"/>
+              </a:rPr>
+              <a:t> getter and setter )</a:t>
+            </a:r>
+            <a:r>
+              <a:rPr lang="ko-KR" altLang="en-US" dirty="0" smtClean="0">
+                <a:sym typeface="Wingdings" panose="05000000000000000000" pitchFamily="2" charset="2"/>
+              </a:rPr>
+              <a:t>를 사용해도 좋습니다</a:t>
+            </a:r>
+            <a:r>
+              <a:rPr lang="en-US" altLang="ko-KR" dirty="0" smtClean="0">
+                <a:sym typeface="Wingdings" panose="05000000000000000000" pitchFamily="2" charset="2"/>
+              </a:rPr>
               <a:t>. </a:t>
             </a:r>
-            <a:r>
-              <a:rPr lang="ko-KR" altLang="en-US" dirty="0" smtClean="0"/>
-              <a:t>각 방법마다 장단점이 있을 것 같습니다</a:t>
-            </a:r>
-            <a:r>
-              <a:rPr lang="en-US" altLang="ko-KR" dirty="0" smtClean="0"/>
-              <a:t>. </a:t>
-            </a:r>
-          </a:p>
-          <a:p>
-            <a:pPr lvl="1"/>
-            <a:r>
-              <a:rPr lang="en-US" altLang="ko-KR" dirty="0" smtClean="0"/>
-              <a:t>MainActivity.java - </a:t>
-            </a:r>
-            <a:r>
-              <a:rPr lang="en-US" altLang="ko-KR" dirty="0" err="1" smtClean="0"/>
-              <a:t>adapter.setOnItemClickListener</a:t>
-            </a:r>
-            <a:r>
-              <a:rPr lang="en-US" altLang="ko-KR" dirty="0" smtClean="0"/>
-              <a:t>(new </a:t>
-            </a:r>
-            <a:r>
-              <a:rPr lang="en-US" altLang="ko-KR" dirty="0" err="1"/>
-              <a:t>OnPersonItemClickListener</a:t>
-            </a:r>
-            <a:r>
-              <a:rPr lang="en-US" altLang="ko-KR" dirty="0"/>
-              <a:t>() {</a:t>
-            </a:r>
-          </a:p>
-          <a:p>
-            <a:pPr lvl="1"/>
-            <a:r>
-              <a:rPr lang="en-US" altLang="ko-KR" dirty="0" smtClean="0"/>
-              <a:t>PersonAdapter.java – </a:t>
-            </a:r>
-          </a:p>
-          <a:p>
-            <a:pPr lvl="2"/>
-            <a:r>
-              <a:rPr lang="en-US" altLang="ko-KR" dirty="0"/>
-              <a:t>public void </a:t>
-            </a:r>
-            <a:r>
-              <a:rPr lang="en-US" altLang="ko-KR" dirty="0" err="1"/>
-              <a:t>onItemClick</a:t>
-            </a:r>
-            <a:r>
-              <a:rPr lang="en-US" altLang="ko-KR" dirty="0"/>
-              <a:t>(</a:t>
-            </a:r>
-            <a:r>
-              <a:rPr lang="en-US" altLang="ko-KR" dirty="0" err="1"/>
-              <a:t>ViewHolder</a:t>
-            </a:r>
-            <a:r>
-              <a:rPr lang="en-US" altLang="ko-KR" dirty="0"/>
-              <a:t> holder, View </a:t>
-            </a:r>
-            <a:r>
-              <a:rPr lang="en-US" altLang="ko-KR" dirty="0" err="1"/>
-              <a:t>view</a:t>
-            </a:r>
-            <a:r>
-              <a:rPr lang="en-US" altLang="ko-KR" dirty="0"/>
-              <a:t>, int position) </a:t>
-            </a:r>
-            <a:r>
-              <a:rPr lang="en-US" altLang="ko-KR" dirty="0" smtClean="0"/>
-              <a:t>{</a:t>
-            </a:r>
-          </a:p>
-          <a:p>
-            <a:pPr lvl="2"/>
-            <a:r>
-              <a:rPr lang="en-US" altLang="ko-KR" dirty="0"/>
-              <a:t>public void </a:t>
-            </a:r>
-            <a:r>
-              <a:rPr lang="en-US" altLang="ko-KR" dirty="0" err="1"/>
-              <a:t>onBindViewHolder</a:t>
-            </a:r>
-            <a:r>
-              <a:rPr lang="en-US" altLang="ko-KR" dirty="0"/>
-              <a:t>(@</a:t>
-            </a:r>
-            <a:r>
-              <a:rPr lang="en-US" altLang="ko-KR" dirty="0" err="1"/>
-              <a:t>NonNull</a:t>
-            </a:r>
-            <a:r>
-              <a:rPr lang="en-US" altLang="ko-KR" dirty="0"/>
-              <a:t> </a:t>
-            </a:r>
-            <a:r>
-              <a:rPr lang="en-US" altLang="ko-KR" dirty="0" err="1"/>
-              <a:t>ViewHolder</a:t>
-            </a:r>
-            <a:r>
-              <a:rPr lang="en-US" altLang="ko-KR" dirty="0"/>
-              <a:t> </a:t>
-            </a:r>
-            <a:r>
-              <a:rPr lang="en-US" altLang="ko-KR" dirty="0" err="1"/>
-              <a:t>viewHolder</a:t>
-            </a:r>
-            <a:r>
-              <a:rPr lang="en-US" altLang="ko-KR" dirty="0"/>
-              <a:t>, int position) {</a:t>
-            </a:r>
-          </a:p>
-          <a:p>
-            <a:pPr lvl="2"/>
-            <a:r>
-              <a:rPr lang="en-US" altLang="ko-KR" dirty="0"/>
-              <a:t>public void </a:t>
-            </a:r>
-            <a:r>
-              <a:rPr lang="en-US" altLang="ko-KR" dirty="0" err="1"/>
-              <a:t>addItemsSelected</a:t>
-            </a:r>
-            <a:r>
-              <a:rPr lang="en-US" altLang="ko-KR" dirty="0"/>
-              <a:t>(int position) </a:t>
-            </a:r>
-            <a:r>
-              <a:rPr lang="en-US" altLang="ko-KR" dirty="0" smtClean="0"/>
-              <a:t>{</a:t>
-            </a:r>
-          </a:p>
-          <a:p>
-            <a:pPr lvl="2"/>
-            <a:r>
-              <a:rPr lang="en-US" altLang="ko-KR" dirty="0" smtClean="0"/>
-              <a:t>...</a:t>
-            </a:r>
-            <a:endParaRPr lang="en-US" altLang="ko-KR" dirty="0"/>
-          </a:p>
-          <a:p>
-            <a:pPr lvl="1"/>
-            <a:endParaRPr lang="en-US" altLang="ko-KR" dirty="0" smtClean="0"/>
-          </a:p>
-          <a:p>
-            <a:endParaRPr lang="en-US" altLang="ko-KR" dirty="0"/>
           </a:p>
           <a:p>
             <a:endParaRPr lang="en-US" altLang="ko-KR" dirty="0"/>
@@ -38286,7 +38835,7 @@
     </p:spTree>
     <p:extLst>
       <p:ext uri="{BB962C8B-B14F-4D97-AF65-F5344CB8AC3E}">
-        <p14:creationId xmlns:p14="http://schemas.microsoft.com/office/powerpoint/2010/main" val="3688019915"/>
+        <p14:creationId xmlns:p14="http://schemas.microsoft.com/office/powerpoint/2010/main" val="1091862776"/>
       </p:ext>
     </p:extLst>
   </p:cSld>
@@ -38895,46 +39444,210 @@
             </a:pPr>
             <a:r>
               <a:rPr lang="en-US" altLang="ko-KR" dirty="0" smtClean="0"/>
-              <a:t>Step 3: </a:t>
-            </a:r>
-          </a:p>
-          <a:p>
+              <a:t>Step 2 </a:t>
+            </a:r>
+            <a:r>
+              <a:rPr lang="ko-KR" altLang="en-US" dirty="0" smtClean="0"/>
+              <a:t>계속</a:t>
+            </a:r>
             <a:r>
               <a:rPr lang="en-US" altLang="ko-KR" dirty="0" smtClean="0"/>
-              <a:t>MainActivity</a:t>
-            </a:r>
+              <a:t>: </a:t>
+            </a:r>
+          </a:p>
+          <a:p>
             <a:r>
               <a:rPr lang="ko-KR" altLang="en-US" dirty="0" smtClean="0"/>
-              <a:t>에서 탭</a:t>
+              <a:t>그러면</a:t>
             </a:r>
             <a:r>
               <a:rPr lang="en-US" altLang="ko-KR" dirty="0" smtClean="0"/>
-              <a:t>/Click </a:t>
+              <a:t>,  </a:t>
             </a:r>
             <a:r>
               <a:rPr lang="ko-KR" altLang="en-US" dirty="0" smtClean="0"/>
-              <a:t>이벤트가 있을 때마다</a:t>
+              <a:t>어디에서 </a:t>
             </a:r>
             <a:r>
               <a:rPr lang="en-US" altLang="ko-KR" dirty="0" smtClean="0"/>
-              <a:t>, adapter</a:t>
+              <a:t>item</a:t>
             </a:r>
             <a:r>
               <a:rPr lang="ko-KR" altLang="en-US" dirty="0" smtClean="0"/>
-              <a:t>가 </a:t>
+              <a:t>을 </a:t>
+            </a:r>
+            <a:r>
+              <a:rPr lang="en-US" altLang="ko-KR" dirty="0" err="1" smtClean="0"/>
+              <a:t>ItemsSelected</a:t>
             </a:r>
             <a:r>
               <a:rPr lang="en-US" altLang="ko-KR" dirty="0" smtClean="0"/>
-              <a:t>update</a:t>
+              <a:t> </a:t>
             </a:r>
             <a:r>
               <a:rPr lang="ko-KR" altLang="en-US" dirty="0" smtClean="0"/>
-              <a:t>한 리스트를 받아서 출력합니다</a:t>
+              <a:t>리스트에 삽입하거나 삭제하면 좋을까요</a:t>
+            </a:r>
+            <a:r>
+              <a:rPr lang="en-US" altLang="ko-KR" dirty="0" smtClean="0"/>
+              <a:t>? </a:t>
+            </a:r>
+            <a:br>
+              <a:rPr lang="en-US" altLang="ko-KR" dirty="0" smtClean="0"/>
+            </a:br>
+            <a:r>
+              <a:rPr lang="ko-KR" altLang="en-US" dirty="0" smtClean="0"/>
+              <a:t>다양한 방법이 있어서 이 문제는 여러 명이 토론할 정도입니다</a:t>
             </a:r>
             <a:r>
               <a:rPr lang="en-US" altLang="ko-KR" dirty="0" smtClean="0"/>
               <a:t>. </a:t>
             </a:r>
+            <a:r>
+              <a:rPr lang="ko-KR" altLang="en-US" dirty="0" smtClean="0"/>
+              <a:t>각 방법마다 장단점이 있을 것 같습니다</a:t>
+            </a:r>
+            <a:r>
+              <a:rPr lang="en-US" altLang="ko-KR" dirty="0" smtClean="0"/>
+              <a:t>. </a:t>
+            </a:r>
+          </a:p>
+          <a:p>
+            <a:pPr lvl="1"/>
+            <a:r>
+              <a:rPr lang="en-US" altLang="ko-KR" dirty="0" smtClean="0"/>
+              <a:t>MainActivity.java - </a:t>
+            </a:r>
+            <a:r>
+              <a:rPr lang="en-US" altLang="ko-KR" dirty="0" err="1" smtClean="0"/>
+              <a:t>adapter.setOnItemClickListener</a:t>
+            </a:r>
+            <a:r>
+              <a:rPr lang="en-US" altLang="ko-KR" dirty="0" smtClean="0"/>
+              <a:t>(new </a:t>
+            </a:r>
+            <a:r>
+              <a:rPr lang="en-US" altLang="ko-KR" dirty="0" err="1"/>
+              <a:t>OnPersonItemClickListener</a:t>
+            </a:r>
+            <a:r>
+              <a:rPr lang="en-US" altLang="ko-KR" dirty="0"/>
+              <a:t>() {</a:t>
+            </a:r>
+          </a:p>
+          <a:p>
+            <a:pPr lvl="1"/>
+            <a:r>
+              <a:rPr lang="en-US" altLang="ko-KR" dirty="0" smtClean="0"/>
+              <a:t>PersonAdapter.java – </a:t>
+            </a:r>
+          </a:p>
+          <a:p>
+            <a:pPr lvl="2"/>
+            <a:r>
+              <a:rPr lang="en-US" altLang="ko-KR" dirty="0"/>
+              <a:t>public void </a:t>
+            </a:r>
+            <a:r>
+              <a:rPr lang="en-US" altLang="ko-KR" dirty="0" err="1"/>
+              <a:t>onItemClick</a:t>
+            </a:r>
+            <a:r>
+              <a:rPr lang="en-US" altLang="ko-KR" dirty="0"/>
+              <a:t>(</a:t>
+            </a:r>
+            <a:r>
+              <a:rPr lang="en-US" altLang="ko-KR" dirty="0" err="1"/>
+              <a:t>ViewHolder</a:t>
+            </a:r>
+            <a:r>
+              <a:rPr lang="en-US" altLang="ko-KR" dirty="0"/>
+              <a:t> holder, View </a:t>
+            </a:r>
+            <a:r>
+              <a:rPr lang="en-US" altLang="ko-KR" dirty="0" err="1"/>
+              <a:t>view</a:t>
+            </a:r>
+            <a:r>
+              <a:rPr lang="en-US" altLang="ko-KR" dirty="0"/>
+              <a:t>, int position) </a:t>
+            </a:r>
+            <a:r>
+              <a:rPr lang="en-US" altLang="ko-KR" dirty="0" smtClean="0"/>
+              <a:t>{</a:t>
+            </a:r>
+          </a:p>
+          <a:p>
+            <a:pPr lvl="2"/>
+            <a:r>
+              <a:rPr lang="en-US" altLang="ko-KR" dirty="0"/>
+              <a:t>public void </a:t>
+            </a:r>
+            <a:r>
+              <a:rPr lang="en-US" altLang="ko-KR" dirty="0" err="1"/>
+              <a:t>onBindViewHolder</a:t>
+            </a:r>
+            <a:r>
+              <a:rPr lang="en-US" altLang="ko-KR" dirty="0"/>
+              <a:t>(@</a:t>
+            </a:r>
+            <a:r>
+              <a:rPr lang="en-US" altLang="ko-KR" dirty="0" err="1"/>
+              <a:t>NonNull</a:t>
+            </a:r>
+            <a:r>
+              <a:rPr lang="en-US" altLang="ko-KR" dirty="0"/>
+              <a:t> </a:t>
+            </a:r>
+            <a:r>
+              <a:rPr lang="en-US" altLang="ko-KR" dirty="0" err="1"/>
+              <a:t>ViewHolder</a:t>
+            </a:r>
+            <a:r>
+              <a:rPr lang="en-US" altLang="ko-KR" dirty="0"/>
+              <a:t> </a:t>
+            </a:r>
+            <a:r>
+              <a:rPr lang="en-US" altLang="ko-KR" dirty="0" err="1"/>
+              <a:t>viewHolder</a:t>
+            </a:r>
+            <a:r>
+              <a:rPr lang="en-US" altLang="ko-KR" dirty="0"/>
+              <a:t>, int position) {</a:t>
+            </a:r>
+          </a:p>
+          <a:p>
+            <a:pPr lvl="2"/>
+            <a:r>
+              <a:rPr lang="en-US" altLang="ko-KR" dirty="0"/>
+              <a:t>public void </a:t>
+            </a:r>
+            <a:r>
+              <a:rPr lang="en-US" altLang="ko-KR" dirty="0" err="1"/>
+              <a:t>addItemsSelected</a:t>
+            </a:r>
+            <a:r>
+              <a:rPr lang="en-US" altLang="ko-KR" dirty="0"/>
+              <a:t>(int position) </a:t>
+            </a:r>
+            <a:r>
+              <a:rPr lang="en-US" altLang="ko-KR" dirty="0" smtClean="0"/>
+              <a:t>{</a:t>
+            </a:r>
+          </a:p>
+          <a:p>
+            <a:pPr lvl="2"/>
+            <a:r>
+              <a:rPr lang="en-US" altLang="ko-KR" dirty="0" smtClean="0"/>
+              <a:t>...</a:t>
+            </a:r>
+            <a:endParaRPr lang="en-US" altLang="ko-KR" dirty="0"/>
+          </a:p>
+          <a:p>
+            <a:pPr lvl="1"/>
+            <a:endParaRPr lang="en-US" altLang="ko-KR" dirty="0" smtClean="0"/>
+          </a:p>
+          <a:p>
             <a:endParaRPr lang="en-US" altLang="ko-KR" dirty="0"/>
           </a:p>
           <a:p>
@@ -38974,258 +39687,10 @@
           </a:p>
         </p:txBody>
       </p:sp>
-      <p:sp>
-        <p:nvSpPr>
-          <p:cNvPr id="5" name="직사각형 4"/>
-          <p:cNvSpPr/>
-          <p:nvPr/>
-        </p:nvSpPr>
-        <p:spPr>
-          <a:xfrm>
-            <a:off x="453100" y="1746381"/>
-            <a:ext cx="11248112" cy="2462213"/>
-          </a:xfrm>
-          <a:prstGeom prst="rect">
-            <a:avLst/>
-          </a:prstGeom>
-          <a:solidFill>
-            <a:schemeClr val="bg1">
-              <a:lumMod val="95000"/>
-            </a:schemeClr>
-          </a:solidFill>
-          <a:ln>
-            <a:solidFill>
-              <a:schemeClr val="bg1">
-                <a:lumMod val="75000"/>
-              </a:schemeClr>
-            </a:solidFill>
-          </a:ln>
-        </p:spPr>
-        <p:txBody>
-          <a:bodyPr wrap="square">
-            <a:spAutoFit/>
-          </a:bodyPr>
-          <a:lstStyle/>
-          <a:p>
-            <a:r>
-              <a:rPr lang="en-US" altLang="ko-KR" sz="1400" dirty="0" smtClean="0">
-                <a:latin typeface="Consolas" panose="020B0609020204030204" pitchFamily="49" charset="0"/>
-              </a:rPr>
-              <a:t>        </a:t>
-            </a:r>
-            <a:r>
-              <a:rPr lang="en-US" altLang="ko-KR" sz="1400" dirty="0" err="1">
-                <a:latin typeface="Consolas" panose="020B0609020204030204" pitchFamily="49" charset="0"/>
-              </a:rPr>
-              <a:t>adapter.setOnItemClickListener</a:t>
-            </a:r>
-            <a:r>
-              <a:rPr lang="en-US" altLang="ko-KR" sz="1400" dirty="0">
-                <a:latin typeface="Consolas" panose="020B0609020204030204" pitchFamily="49" charset="0"/>
-              </a:rPr>
-              <a:t>(new </a:t>
-            </a:r>
-            <a:r>
-              <a:rPr lang="en-US" altLang="ko-KR" sz="1400" dirty="0" err="1">
-                <a:latin typeface="Consolas" panose="020B0609020204030204" pitchFamily="49" charset="0"/>
-              </a:rPr>
-              <a:t>OnPersonItemClickListener</a:t>
-            </a:r>
-            <a:r>
-              <a:rPr lang="en-US" altLang="ko-KR" sz="1400" dirty="0">
-                <a:latin typeface="Consolas" panose="020B0609020204030204" pitchFamily="49" charset="0"/>
-              </a:rPr>
-              <a:t>() {</a:t>
-            </a:r>
-          </a:p>
-          <a:p>
-            <a:r>
-              <a:rPr lang="en-US" altLang="ko-KR" sz="1400" dirty="0">
-                <a:latin typeface="Consolas" panose="020B0609020204030204" pitchFamily="49" charset="0"/>
-              </a:rPr>
-              <a:t>            @Override</a:t>
-            </a:r>
-          </a:p>
-          <a:p>
-            <a:r>
-              <a:rPr lang="en-US" altLang="ko-KR" sz="1400" dirty="0">
-                <a:latin typeface="Consolas" panose="020B0609020204030204" pitchFamily="49" charset="0"/>
-              </a:rPr>
-              <a:t>            public void </a:t>
-            </a:r>
-            <a:r>
-              <a:rPr lang="en-US" altLang="ko-KR" sz="1400" dirty="0" err="1">
-                <a:latin typeface="Consolas" panose="020B0609020204030204" pitchFamily="49" charset="0"/>
-              </a:rPr>
-              <a:t>onItemClick</a:t>
-            </a:r>
-            <a:r>
-              <a:rPr lang="en-US" altLang="ko-KR" sz="1400" dirty="0">
-                <a:latin typeface="Consolas" panose="020B0609020204030204" pitchFamily="49" charset="0"/>
-              </a:rPr>
-              <a:t>(</a:t>
-            </a:r>
-            <a:r>
-              <a:rPr lang="en-US" altLang="ko-KR" sz="1400" dirty="0" err="1">
-                <a:latin typeface="Consolas" panose="020B0609020204030204" pitchFamily="49" charset="0"/>
-              </a:rPr>
-              <a:t>PersonAdapter.ViewHolder</a:t>
-            </a:r>
-            <a:r>
-              <a:rPr lang="en-US" altLang="ko-KR" sz="1400" dirty="0">
-                <a:latin typeface="Consolas" panose="020B0609020204030204" pitchFamily="49" charset="0"/>
-              </a:rPr>
-              <a:t> holder, View </a:t>
-            </a:r>
-            <a:r>
-              <a:rPr lang="en-US" altLang="ko-KR" sz="1400" dirty="0" err="1">
-                <a:latin typeface="Consolas" panose="020B0609020204030204" pitchFamily="49" charset="0"/>
-              </a:rPr>
-              <a:t>view</a:t>
-            </a:r>
-            <a:r>
-              <a:rPr lang="en-US" altLang="ko-KR" sz="1400" dirty="0">
-                <a:latin typeface="Consolas" panose="020B0609020204030204" pitchFamily="49" charset="0"/>
-              </a:rPr>
-              <a:t>, int position) {</a:t>
-            </a:r>
-          </a:p>
-          <a:p>
-            <a:r>
-              <a:rPr lang="en-US" altLang="ko-KR" sz="1400" dirty="0">
-                <a:latin typeface="Consolas" panose="020B0609020204030204" pitchFamily="49" charset="0"/>
-              </a:rPr>
-              <a:t>                </a:t>
-            </a:r>
-            <a:r>
-              <a:rPr lang="en-US" altLang="ko-KR" sz="1400" dirty="0" err="1">
-                <a:latin typeface="Consolas" panose="020B0609020204030204" pitchFamily="49" charset="0"/>
-              </a:rPr>
-              <a:t>Log.d</a:t>
-            </a:r>
-            <a:r>
-              <a:rPr lang="en-US" altLang="ko-KR" sz="1400" dirty="0">
-                <a:latin typeface="Consolas" panose="020B0609020204030204" pitchFamily="49" charset="0"/>
-              </a:rPr>
-              <a:t>(TAG, "Position: " + position);</a:t>
-            </a:r>
-          </a:p>
-          <a:p>
-            <a:r>
-              <a:rPr lang="en-US" altLang="ko-KR" sz="1400" dirty="0">
-                <a:latin typeface="Consolas" panose="020B0609020204030204" pitchFamily="49" charset="0"/>
-              </a:rPr>
-              <a:t>                Person item = </a:t>
-            </a:r>
-            <a:r>
-              <a:rPr lang="en-US" altLang="ko-KR" sz="1400" dirty="0" err="1">
-                <a:latin typeface="Consolas" panose="020B0609020204030204" pitchFamily="49" charset="0"/>
-              </a:rPr>
-              <a:t>adapter.getItem</a:t>
-            </a:r>
-            <a:r>
-              <a:rPr lang="en-US" altLang="ko-KR" sz="1400" dirty="0">
-                <a:latin typeface="Consolas" panose="020B0609020204030204" pitchFamily="49" charset="0"/>
-              </a:rPr>
-              <a:t>(position</a:t>
-            </a:r>
-            <a:r>
-              <a:rPr lang="en-US" altLang="ko-KR" sz="1400" dirty="0" smtClean="0">
-                <a:latin typeface="Consolas" panose="020B0609020204030204" pitchFamily="49" charset="0"/>
-              </a:rPr>
-              <a:t>);</a:t>
-            </a:r>
-          </a:p>
-          <a:p>
-            <a:endParaRPr lang="en-US" altLang="ko-KR" sz="1400" dirty="0">
-              <a:latin typeface="Consolas" panose="020B0609020204030204" pitchFamily="49" charset="0"/>
-            </a:endParaRPr>
-          </a:p>
-          <a:p>
-            <a:r>
-              <a:rPr lang="en-US" altLang="ko-KR" sz="1400" dirty="0">
-                <a:latin typeface="Consolas" panose="020B0609020204030204" pitchFamily="49" charset="0"/>
-              </a:rPr>
-              <a:t>                Toast.makeText(</a:t>
-            </a:r>
-            <a:r>
-              <a:rPr lang="en-US" altLang="ko-KR" sz="1400" dirty="0" err="1">
-                <a:latin typeface="Consolas" panose="020B0609020204030204" pitchFamily="49" charset="0"/>
-              </a:rPr>
-              <a:t>getApplicationContext</a:t>
-            </a:r>
-            <a:r>
-              <a:rPr lang="en-US" altLang="ko-KR" sz="1400" dirty="0">
-                <a:latin typeface="Consolas" panose="020B0609020204030204" pitchFamily="49" charset="0"/>
-              </a:rPr>
-              <a:t>(), "item: " + </a:t>
-            </a:r>
-            <a:r>
-              <a:rPr lang="en-US" altLang="ko-KR" sz="1400" dirty="0" err="1">
-                <a:latin typeface="Consolas" panose="020B0609020204030204" pitchFamily="49" charset="0"/>
-              </a:rPr>
-              <a:t>item.getName</a:t>
-            </a:r>
-            <a:r>
-              <a:rPr lang="en-US" altLang="ko-KR" sz="1400" dirty="0">
-                <a:latin typeface="Consolas" panose="020B0609020204030204" pitchFamily="49" charset="0"/>
-              </a:rPr>
-              <a:t>(), Toast.LENGTH_LONG).show</a:t>
-            </a:r>
-            <a:r>
-              <a:rPr lang="en-US" altLang="ko-KR" sz="1400" dirty="0" smtClean="0">
-                <a:latin typeface="Consolas" panose="020B0609020204030204" pitchFamily="49" charset="0"/>
-              </a:rPr>
-              <a:t>();</a:t>
-            </a:r>
-          </a:p>
-          <a:p>
-            <a:endParaRPr lang="en-US" altLang="ko-KR" sz="1400" dirty="0">
-              <a:latin typeface="Consolas" panose="020B0609020204030204" pitchFamily="49" charset="0"/>
-            </a:endParaRPr>
-          </a:p>
-          <a:p>
-            <a:r>
-              <a:rPr lang="en-US" altLang="ko-KR" sz="1400" dirty="0">
-                <a:latin typeface="Consolas" panose="020B0609020204030204" pitchFamily="49" charset="0"/>
-              </a:rPr>
-              <a:t>                </a:t>
-            </a:r>
-            <a:r>
-              <a:rPr lang="en-US" altLang="ko-KR" sz="1400" dirty="0" smtClean="0">
-                <a:latin typeface="Consolas" panose="020B0609020204030204" pitchFamily="49" charset="0"/>
-              </a:rPr>
-              <a:t>// your code here: use adapter's method to get the list of items selected currently.</a:t>
-            </a:r>
-            <a:endParaRPr lang="en-US" altLang="ko-KR" sz="1400" dirty="0">
-              <a:latin typeface="Consolas" panose="020B0609020204030204" pitchFamily="49" charset="0"/>
-            </a:endParaRPr>
-          </a:p>
-          <a:p>
-            <a:r>
-              <a:rPr lang="en-US" altLang="ko-KR" sz="1400" dirty="0">
-                <a:latin typeface="Consolas" panose="020B0609020204030204" pitchFamily="49" charset="0"/>
-              </a:rPr>
-              <a:t>            }</a:t>
-            </a:r>
-          </a:p>
-          <a:p>
-            <a:r>
-              <a:rPr lang="en-US" altLang="ko-KR" sz="1400" dirty="0">
-                <a:latin typeface="Consolas" panose="020B0609020204030204" pitchFamily="49" charset="0"/>
-              </a:rPr>
-              <a:t>        });</a:t>
-            </a:r>
-            <a:endParaRPr lang="ko-KR" altLang="en-US" sz="1400" dirty="0">
-              <a:latin typeface="Consolas" panose="020B0609020204030204" pitchFamily="49" charset="0"/>
-            </a:endParaRPr>
-          </a:p>
-        </p:txBody>
-      </p:sp>
     </p:spTree>
     <p:extLst>
       <p:ext uri="{BB962C8B-B14F-4D97-AF65-F5344CB8AC3E}">
-        <p14:creationId xmlns:p14="http://schemas.microsoft.com/office/powerpoint/2010/main" val="2944314128"/>
+        <p14:creationId xmlns:p14="http://schemas.microsoft.com/office/powerpoint/2010/main" val="3688019915"/>
       </p:ext>
     </p:extLst>
   </p:cSld>
@@ -39290,10 +39755,13 @@
             </a:r>
             <a:r>
               <a:rPr lang="en-US" altLang="ko-KR" dirty="0" smtClean="0">
+                <a:solidFill>
+                  <a:srgbClr val="C00000"/>
+                </a:solidFill>
                 <a:latin typeface="나눔고딕" panose="020D0604000000000000" pitchFamily="50" charset="-127"/>
                 <a:ea typeface="나눔고딕" panose="020D0604000000000000" pitchFamily="50" charset="-127"/>
               </a:rPr>
-              <a:t>Selected items highlighted</a:t>
+              <a:t>Saving all items selected </a:t>
             </a:r>
             <a:endParaRPr lang="ko-KR" altLang="en-US" dirty="0"/>
           </a:p>
@@ -39318,163 +39786,53 @@
               <a:buNone/>
             </a:pPr>
             <a:r>
-              <a:rPr lang="en-US" altLang="ko-KR" b="1" dirty="0" smtClean="0"/>
-              <a:t>Joy</a:t>
-            </a:r>
-            <a:r>
-              <a:rPr lang="en-US" altLang="ko-KR" b="1" dirty="0" smtClean="0">
-                <a:solidFill>
-                  <a:srgbClr val="C00000"/>
-                </a:solidFill>
-              </a:rPr>
-              <a:t>074</a:t>
-            </a:r>
-            <a:r>
-              <a:rPr lang="en-US" altLang="ko-KR" b="1" dirty="0" smtClean="0"/>
-              <a:t>RecylerView: </a:t>
+              <a:rPr lang="en-US" altLang="ko-KR" dirty="0" smtClean="0"/>
+              <a:t>Step 3: </a:t>
+            </a:r>
+          </a:p>
+          <a:p>
+            <a:r>
+              <a:rPr lang="en-US" altLang="ko-KR" dirty="0" smtClean="0"/>
+              <a:t>MainActivity</a:t>
             </a:r>
             <a:r>
               <a:rPr lang="ko-KR" altLang="en-US" dirty="0" smtClean="0"/>
-              <a:t>사용자가 </a:t>
+              <a:t>에서 탭</a:t>
             </a:r>
             <a:r>
               <a:rPr lang="en-US" altLang="ko-KR" dirty="0" smtClean="0"/>
-              <a:t>Item</a:t>
+              <a:t>/Click </a:t>
             </a:r>
             <a:r>
               <a:rPr lang="ko-KR" altLang="en-US" dirty="0" smtClean="0"/>
-              <a:t>을 </a:t>
-            </a:r>
-            <a:r>
-              <a:rPr lang="ko-KR" altLang="en-US" dirty="0" err="1" smtClean="0"/>
-              <a:t>탭한</a:t>
+              <a:t>이벤트가 있을 때마다</a:t>
+            </a:r>
+            <a:r>
+              <a:rPr lang="en-US" altLang="ko-KR" dirty="0" smtClean="0"/>
+              <a:t>, adapter</a:t>
             </a:r>
             <a:r>
               <a:rPr lang="ko-KR" altLang="en-US" dirty="0" smtClean="0"/>
-              <a:t> 항목들은 바탕을 노란색을 강조해서 나타냅니다</a:t>
+              <a:t>가 </a:t>
+            </a:r>
+            <a:r>
+              <a:rPr lang="en-US" altLang="ko-KR" dirty="0" smtClean="0"/>
+              <a:t>update</a:t>
+            </a:r>
+            <a:r>
+              <a:rPr lang="ko-KR" altLang="en-US" dirty="0" smtClean="0"/>
+              <a:t>한 리스트를 받아서 출력합니다</a:t>
             </a:r>
             <a:r>
               <a:rPr lang="en-US" altLang="ko-KR" dirty="0" smtClean="0"/>
               <a:t>. </a:t>
             </a:r>
-            <a:r>
-              <a:rPr lang="ko-KR" altLang="en-US" dirty="0" smtClean="0"/>
-              <a:t>다시 </a:t>
-            </a:r>
-            <a:r>
-              <a:rPr lang="ko-KR" altLang="en-US" dirty="0" err="1" smtClean="0"/>
-              <a:t>탭하면</a:t>
-            </a:r>
-            <a:r>
-              <a:rPr lang="ko-KR" altLang="en-US" dirty="0" smtClean="0"/>
-              <a:t> 강조한 노란색을 지웁니다</a:t>
-            </a:r>
-            <a:r>
-              <a:rPr lang="en-US" altLang="ko-KR" dirty="0" smtClean="0"/>
-              <a:t>. </a:t>
-            </a:r>
-            <a:r>
-              <a:rPr lang="ko-KR" altLang="en-US" dirty="0" smtClean="0">
-                <a:sym typeface="Wingdings" panose="05000000000000000000" pitchFamily="2" charset="2"/>
-              </a:rPr>
-              <a:t>누가 </a:t>
-            </a:r>
-            <a:r>
-              <a:rPr lang="ko-KR" altLang="en-US" dirty="0">
-                <a:sym typeface="Wingdings" panose="05000000000000000000" pitchFamily="2" charset="2"/>
-              </a:rPr>
-              <a:t>언제 </a:t>
-            </a:r>
-            <a:r>
-              <a:rPr lang="en-US" altLang="ko-KR" dirty="0" err="1">
-                <a:sym typeface="Wingdings" panose="05000000000000000000" pitchFamily="2" charset="2"/>
-              </a:rPr>
-              <a:t>itemsSelected</a:t>
-            </a:r>
-            <a:r>
-              <a:rPr lang="en-US" altLang="ko-KR" dirty="0">
-                <a:sym typeface="Wingdings" panose="05000000000000000000" pitchFamily="2" charset="2"/>
-              </a:rPr>
-              <a:t> </a:t>
-            </a:r>
-            <a:r>
-              <a:rPr lang="ko-KR" altLang="en-US" dirty="0">
-                <a:sym typeface="Wingdings" panose="05000000000000000000" pitchFamily="2" charset="2"/>
-              </a:rPr>
-              <a:t>에 있는 </a:t>
-            </a:r>
-            <a:r>
-              <a:rPr lang="en-US" altLang="ko-KR" dirty="0">
-                <a:sym typeface="Wingdings" panose="05000000000000000000" pitchFamily="2" charset="2"/>
-              </a:rPr>
-              <a:t>items</a:t>
-            </a:r>
-            <a:r>
-              <a:rPr lang="ko-KR" altLang="en-US" dirty="0">
-                <a:sym typeface="Wingdings" panose="05000000000000000000" pitchFamily="2" charset="2"/>
-              </a:rPr>
-              <a:t>의 </a:t>
-            </a:r>
-            <a:r>
-              <a:rPr lang="en-US" altLang="ko-KR" dirty="0" smtClean="0">
-                <a:sym typeface="Wingdings" panose="05000000000000000000" pitchFamily="2" charset="2"/>
-              </a:rPr>
-              <a:t>display</a:t>
-            </a:r>
-            <a:r>
-              <a:rPr lang="ko-KR" altLang="en-US" dirty="0" smtClean="0">
-                <a:sym typeface="Wingdings" panose="05000000000000000000" pitchFamily="2" charset="2"/>
-              </a:rPr>
-              <a:t>를 </a:t>
-            </a:r>
-            <a:r>
-              <a:rPr lang="en-US" altLang="ko-KR" dirty="0" smtClean="0">
-                <a:sym typeface="Wingdings" panose="05000000000000000000" pitchFamily="2" charset="2"/>
-              </a:rPr>
-              <a:t>updated</a:t>
-            </a:r>
-            <a:r>
-              <a:rPr lang="ko-KR" altLang="en-US" dirty="0" smtClean="0">
-                <a:sym typeface="Wingdings" panose="05000000000000000000" pitchFamily="2" charset="2"/>
-              </a:rPr>
-              <a:t>하는 것이 쉽지 않은 </a:t>
-            </a:r>
-            <a:r>
-              <a:rPr lang="ko-KR" altLang="en-US" dirty="0">
-                <a:sym typeface="Wingdings" panose="05000000000000000000" pitchFamily="2" charset="2"/>
-              </a:rPr>
-              <a:t>문제 같아요</a:t>
-            </a:r>
-            <a:r>
-              <a:rPr lang="en-US" altLang="ko-KR" dirty="0">
-                <a:sym typeface="Wingdings" panose="05000000000000000000" pitchFamily="2" charset="2"/>
-              </a:rPr>
-              <a:t>,   </a:t>
-            </a:r>
-            <a:r>
-              <a:rPr lang="ko-KR" altLang="en-US" dirty="0">
-                <a:sym typeface="Wingdings" panose="05000000000000000000" pitchFamily="2" charset="2"/>
-              </a:rPr>
-              <a:t>내게도 아직 </a:t>
-            </a:r>
-            <a:r>
-              <a:rPr lang="ko-KR" altLang="en-US" dirty="0" smtClean="0">
-                <a:sym typeface="Wingdings" panose="05000000000000000000" pitchFamily="2" charset="2"/>
-              </a:rPr>
-              <a:t>디버깅해야 할 숙제입니다</a:t>
-            </a:r>
-            <a:r>
-              <a:rPr lang="en-US" altLang="ko-KR" dirty="0">
-                <a:sym typeface="Wingdings" panose="05000000000000000000" pitchFamily="2" charset="2"/>
-              </a:rPr>
-              <a:t>. </a:t>
-            </a:r>
             <a:endParaRPr lang="en-US" altLang="ko-KR" dirty="0"/>
           </a:p>
           <a:p>
-            <a:pPr marL="0" indent="0">
-              <a:buNone/>
-            </a:pPr>
+            <a:endParaRPr lang="en-US" altLang="ko-KR" dirty="0"/>
+          </a:p>
+          <a:p>
             <a:endParaRPr lang="en-US" altLang="ko-KR" dirty="0" smtClean="0"/>
           </a:p>
         </p:txBody>
@@ -39503,6 +39861,540 @@
                 <a:defRPr/>
               </a:pPr>
               <a:t>61</a:t>
+            </a:fld>
+            <a:endParaRPr lang="ko-KR" altLang="en-US"/>
+          </a:p>
+        </p:txBody>
+      </p:sp>
+      <p:sp>
+        <p:nvSpPr>
+          <p:cNvPr id="5" name="직사각형 4"/>
+          <p:cNvSpPr/>
+          <p:nvPr/>
+        </p:nvSpPr>
+        <p:spPr>
+          <a:xfrm>
+            <a:off x="453100" y="1746381"/>
+            <a:ext cx="11248112" cy="2462213"/>
+          </a:xfrm>
+          <a:prstGeom prst="rect">
+            <a:avLst/>
+          </a:prstGeom>
+          <a:solidFill>
+            <a:schemeClr val="bg1">
+              <a:lumMod val="95000"/>
+            </a:schemeClr>
+          </a:solidFill>
+          <a:ln>
+            <a:solidFill>
+              <a:schemeClr val="bg1">
+                <a:lumMod val="75000"/>
+              </a:schemeClr>
+            </a:solidFill>
+          </a:ln>
+        </p:spPr>
+        <p:txBody>
+          <a:bodyPr wrap="square">
+            <a:spAutoFit/>
+          </a:bodyPr>
+          <a:lstStyle/>
+          <a:p>
+            <a:r>
+              <a:rPr lang="en-US" altLang="ko-KR" sz="1400" dirty="0" smtClean="0">
+                <a:latin typeface="Consolas" panose="020B0609020204030204" pitchFamily="49" charset="0"/>
+              </a:rPr>
+              <a:t>        </a:t>
+            </a:r>
+            <a:r>
+              <a:rPr lang="en-US" altLang="ko-KR" sz="1400" dirty="0" err="1">
+                <a:latin typeface="Consolas" panose="020B0609020204030204" pitchFamily="49" charset="0"/>
+              </a:rPr>
+              <a:t>adapter.setOnItemClickListener</a:t>
+            </a:r>
+            <a:r>
+              <a:rPr lang="en-US" altLang="ko-KR" sz="1400" dirty="0">
+                <a:latin typeface="Consolas" panose="020B0609020204030204" pitchFamily="49" charset="0"/>
+              </a:rPr>
+              <a:t>(new </a:t>
+            </a:r>
+            <a:r>
+              <a:rPr lang="en-US" altLang="ko-KR" sz="1400" dirty="0" err="1">
+                <a:latin typeface="Consolas" panose="020B0609020204030204" pitchFamily="49" charset="0"/>
+              </a:rPr>
+              <a:t>OnPersonItemClickListener</a:t>
+            </a:r>
+            <a:r>
+              <a:rPr lang="en-US" altLang="ko-KR" sz="1400" dirty="0">
+                <a:latin typeface="Consolas" panose="020B0609020204030204" pitchFamily="49" charset="0"/>
+              </a:rPr>
+              <a:t>() {</a:t>
+            </a:r>
+          </a:p>
+          <a:p>
+            <a:r>
+              <a:rPr lang="en-US" altLang="ko-KR" sz="1400" dirty="0">
+                <a:latin typeface="Consolas" panose="020B0609020204030204" pitchFamily="49" charset="0"/>
+              </a:rPr>
+              <a:t>            @Override</a:t>
+            </a:r>
+          </a:p>
+          <a:p>
+            <a:r>
+              <a:rPr lang="en-US" altLang="ko-KR" sz="1400" dirty="0">
+                <a:latin typeface="Consolas" panose="020B0609020204030204" pitchFamily="49" charset="0"/>
+              </a:rPr>
+              <a:t>            public void </a:t>
+            </a:r>
+            <a:r>
+              <a:rPr lang="en-US" altLang="ko-KR" sz="1400" dirty="0" err="1">
+                <a:latin typeface="Consolas" panose="020B0609020204030204" pitchFamily="49" charset="0"/>
+              </a:rPr>
+              <a:t>onItemClick</a:t>
+            </a:r>
+            <a:r>
+              <a:rPr lang="en-US" altLang="ko-KR" sz="1400" dirty="0">
+                <a:latin typeface="Consolas" panose="020B0609020204030204" pitchFamily="49" charset="0"/>
+              </a:rPr>
+              <a:t>(</a:t>
+            </a:r>
+            <a:r>
+              <a:rPr lang="en-US" altLang="ko-KR" sz="1400" dirty="0" err="1">
+                <a:latin typeface="Consolas" panose="020B0609020204030204" pitchFamily="49" charset="0"/>
+              </a:rPr>
+              <a:t>PersonAdapter.ViewHolder</a:t>
+            </a:r>
+            <a:r>
+              <a:rPr lang="en-US" altLang="ko-KR" sz="1400" dirty="0">
+                <a:latin typeface="Consolas" panose="020B0609020204030204" pitchFamily="49" charset="0"/>
+              </a:rPr>
+              <a:t> holder, View </a:t>
+            </a:r>
+            <a:r>
+              <a:rPr lang="en-US" altLang="ko-KR" sz="1400" dirty="0" err="1">
+                <a:latin typeface="Consolas" panose="020B0609020204030204" pitchFamily="49" charset="0"/>
+              </a:rPr>
+              <a:t>view</a:t>
+            </a:r>
+            <a:r>
+              <a:rPr lang="en-US" altLang="ko-KR" sz="1400" dirty="0">
+                <a:latin typeface="Consolas" panose="020B0609020204030204" pitchFamily="49" charset="0"/>
+              </a:rPr>
+              <a:t>, int position) {</a:t>
+            </a:r>
+          </a:p>
+          <a:p>
+            <a:r>
+              <a:rPr lang="en-US" altLang="ko-KR" sz="1400" dirty="0">
+                <a:latin typeface="Consolas" panose="020B0609020204030204" pitchFamily="49" charset="0"/>
+              </a:rPr>
+              <a:t>                </a:t>
+            </a:r>
+            <a:r>
+              <a:rPr lang="en-US" altLang="ko-KR" sz="1400" dirty="0" err="1">
+                <a:latin typeface="Consolas" panose="020B0609020204030204" pitchFamily="49" charset="0"/>
+              </a:rPr>
+              <a:t>Log.d</a:t>
+            </a:r>
+            <a:r>
+              <a:rPr lang="en-US" altLang="ko-KR" sz="1400" dirty="0">
+                <a:latin typeface="Consolas" panose="020B0609020204030204" pitchFamily="49" charset="0"/>
+              </a:rPr>
+              <a:t>(TAG, "Position: " + position);</a:t>
+            </a:r>
+          </a:p>
+          <a:p>
+            <a:r>
+              <a:rPr lang="en-US" altLang="ko-KR" sz="1400" dirty="0">
+                <a:latin typeface="Consolas" panose="020B0609020204030204" pitchFamily="49" charset="0"/>
+              </a:rPr>
+              <a:t>                Person item = </a:t>
+            </a:r>
+            <a:r>
+              <a:rPr lang="en-US" altLang="ko-KR" sz="1400" dirty="0" err="1">
+                <a:latin typeface="Consolas" panose="020B0609020204030204" pitchFamily="49" charset="0"/>
+              </a:rPr>
+              <a:t>adapter.getItem</a:t>
+            </a:r>
+            <a:r>
+              <a:rPr lang="en-US" altLang="ko-KR" sz="1400" dirty="0">
+                <a:latin typeface="Consolas" panose="020B0609020204030204" pitchFamily="49" charset="0"/>
+              </a:rPr>
+              <a:t>(position</a:t>
+            </a:r>
+            <a:r>
+              <a:rPr lang="en-US" altLang="ko-KR" sz="1400" dirty="0" smtClean="0">
+                <a:latin typeface="Consolas" panose="020B0609020204030204" pitchFamily="49" charset="0"/>
+              </a:rPr>
+              <a:t>);</a:t>
+            </a:r>
+          </a:p>
+          <a:p>
+            <a:endParaRPr lang="en-US" altLang="ko-KR" sz="1400" dirty="0">
+              <a:latin typeface="Consolas" panose="020B0609020204030204" pitchFamily="49" charset="0"/>
+            </a:endParaRPr>
+          </a:p>
+          <a:p>
+            <a:r>
+              <a:rPr lang="en-US" altLang="ko-KR" sz="1400" dirty="0">
+                <a:latin typeface="Consolas" panose="020B0609020204030204" pitchFamily="49" charset="0"/>
+              </a:rPr>
+              <a:t>                Toast.makeText(</a:t>
+            </a:r>
+            <a:r>
+              <a:rPr lang="en-US" altLang="ko-KR" sz="1400" dirty="0" err="1">
+                <a:latin typeface="Consolas" panose="020B0609020204030204" pitchFamily="49" charset="0"/>
+              </a:rPr>
+              <a:t>getApplicationContext</a:t>
+            </a:r>
+            <a:r>
+              <a:rPr lang="en-US" altLang="ko-KR" sz="1400" dirty="0">
+                <a:latin typeface="Consolas" panose="020B0609020204030204" pitchFamily="49" charset="0"/>
+              </a:rPr>
+              <a:t>(), "item: " + </a:t>
+            </a:r>
+            <a:r>
+              <a:rPr lang="en-US" altLang="ko-KR" sz="1400" dirty="0" err="1">
+                <a:latin typeface="Consolas" panose="020B0609020204030204" pitchFamily="49" charset="0"/>
+              </a:rPr>
+              <a:t>item.getName</a:t>
+            </a:r>
+            <a:r>
+              <a:rPr lang="en-US" altLang="ko-KR" sz="1400" dirty="0">
+                <a:latin typeface="Consolas" panose="020B0609020204030204" pitchFamily="49" charset="0"/>
+              </a:rPr>
+              <a:t>(), Toast.LENGTH_LONG).show</a:t>
+            </a:r>
+            <a:r>
+              <a:rPr lang="en-US" altLang="ko-KR" sz="1400" dirty="0" smtClean="0">
+                <a:latin typeface="Consolas" panose="020B0609020204030204" pitchFamily="49" charset="0"/>
+              </a:rPr>
+              <a:t>();</a:t>
+            </a:r>
+          </a:p>
+          <a:p>
+            <a:endParaRPr lang="en-US" altLang="ko-KR" sz="1400" dirty="0">
+              <a:latin typeface="Consolas" panose="020B0609020204030204" pitchFamily="49" charset="0"/>
+            </a:endParaRPr>
+          </a:p>
+          <a:p>
+            <a:r>
+              <a:rPr lang="en-US" altLang="ko-KR" sz="1400" dirty="0">
+                <a:latin typeface="Consolas" panose="020B0609020204030204" pitchFamily="49" charset="0"/>
+              </a:rPr>
+              <a:t>                </a:t>
+            </a:r>
+            <a:r>
+              <a:rPr lang="en-US" altLang="ko-KR" sz="1400" dirty="0" smtClean="0">
+                <a:latin typeface="Consolas" panose="020B0609020204030204" pitchFamily="49" charset="0"/>
+              </a:rPr>
+              <a:t>// your code here: use adapter's method to get the list of items selected currently.</a:t>
+            </a:r>
+            <a:endParaRPr lang="en-US" altLang="ko-KR" sz="1400" dirty="0">
+              <a:latin typeface="Consolas" panose="020B0609020204030204" pitchFamily="49" charset="0"/>
+            </a:endParaRPr>
+          </a:p>
+          <a:p>
+            <a:r>
+              <a:rPr lang="en-US" altLang="ko-KR" sz="1400" dirty="0">
+                <a:latin typeface="Consolas" panose="020B0609020204030204" pitchFamily="49" charset="0"/>
+              </a:rPr>
+              <a:t>            }</a:t>
+            </a:r>
+          </a:p>
+          <a:p>
+            <a:r>
+              <a:rPr lang="en-US" altLang="ko-KR" sz="1400" dirty="0">
+                <a:latin typeface="Consolas" panose="020B0609020204030204" pitchFamily="49" charset="0"/>
+              </a:rPr>
+              <a:t>        });</a:t>
+            </a:r>
+            <a:endParaRPr lang="ko-KR" altLang="en-US" sz="1400" dirty="0">
+              <a:latin typeface="Consolas" panose="020B0609020204030204" pitchFamily="49" charset="0"/>
+            </a:endParaRPr>
+          </a:p>
+        </p:txBody>
+      </p:sp>
+    </p:spTree>
+    <p:extLst>
+      <p:ext uri="{BB962C8B-B14F-4D97-AF65-F5344CB8AC3E}">
+        <p14:creationId xmlns:p14="http://schemas.microsoft.com/office/powerpoint/2010/main" val="2944314128"/>
+      </p:ext>
+    </p:extLst>
+  </p:cSld>
+  <p:clrMapOvr>
+    <a:masterClrMapping/>
+  </p:clrMapOvr>
+</p:sld>
+</file>
+
+<file path=ppt/slides/slide62.xml><?xml version="1.0" encoding="utf-8"?>
+<p:sld xmlns:a="http://schemas.openxmlformats.org/drawingml/2006/main" xmlns:r="http://schemas.openxmlformats.org/officeDocument/2006/relationships" xmlns:p="http://schemas.openxmlformats.org/presentationml/2006/main">
+  <p:cSld>
+    <p:spTree>
+      <p:nvGrpSpPr>
+        <p:cNvPr id="1" name=""/>
+        <p:cNvGrpSpPr/>
+        <p:nvPr/>
+      </p:nvGrpSpPr>
+      <p:grpSpPr>
+        <a:xfrm>
+          <a:off x="0" y="0"/>
+          <a:ext cx="0" cy="0"/>
+          <a:chOff x="0" y="0"/>
+          <a:chExt cx="0" cy="0"/>
+        </a:xfrm>
+      </p:grpSpPr>
+      <p:sp>
+        <p:nvSpPr>
+          <p:cNvPr id="2" name="제목 1"/>
+          <p:cNvSpPr>
+            <a:spLocks noGrp="1"/>
+          </p:cNvSpPr>
+          <p:nvPr>
+            <p:ph type="title"/>
+          </p:nvPr>
+        </p:nvSpPr>
+        <p:spPr/>
+        <p:txBody>
+          <a:bodyPr/>
+          <a:lstStyle/>
+          <a:p>
+            <a:r>
+              <a:rPr lang="en-US" altLang="ko-KR" dirty="0">
+                <a:latin typeface="나눔고딕" panose="020D0604000000000000" pitchFamily="50" charset="-127"/>
+                <a:ea typeface="나눔고딕" panose="020D0604000000000000" pitchFamily="50" charset="-127"/>
+              </a:rPr>
+              <a:t>07-4 Recycler View </a:t>
+            </a:r>
+            <a:r>
+              <a:rPr lang="ko-KR" altLang="en-US" dirty="0">
+                <a:latin typeface="나눔고딕" panose="020D0604000000000000" pitchFamily="50" charset="-127"/>
+                <a:ea typeface="나눔고딕" panose="020D0604000000000000" pitchFamily="50" charset="-127"/>
+              </a:rPr>
+              <a:t>연습 문제 </a:t>
+            </a:r>
+            <a:r>
+              <a:rPr lang="en-US" altLang="ko-KR" dirty="0">
+                <a:latin typeface="나눔고딕" panose="020D0604000000000000" pitchFamily="50" charset="-127"/>
+                <a:ea typeface="나눔고딕" panose="020D0604000000000000" pitchFamily="50" charset="-127"/>
+              </a:rPr>
+              <a:t>– </a:t>
+            </a:r>
+            <a:r>
+              <a:rPr lang="en-US" altLang="ko-KR" dirty="0" smtClean="0">
+                <a:latin typeface="나눔고딕" panose="020D0604000000000000" pitchFamily="50" charset="-127"/>
+                <a:ea typeface="나눔고딕" panose="020D0604000000000000" pitchFamily="50" charset="-127"/>
+              </a:rPr>
+              <a:t>Selected items highlighted</a:t>
+            </a:r>
+            <a:endParaRPr lang="ko-KR" altLang="en-US" dirty="0"/>
+          </a:p>
+        </p:txBody>
+      </p:sp>
+      <p:sp>
+        <p:nvSpPr>
+          <p:cNvPr id="3" name="내용 개체 틀 2"/>
+          <p:cNvSpPr>
+            <a:spLocks noGrp="1"/>
+          </p:cNvSpPr>
+          <p:nvPr>
+            <p:ph idx="10"/>
+          </p:nvPr>
+        </p:nvSpPr>
+        <p:spPr/>
+        <p:txBody>
+          <a:bodyPr/>
+          <a:lstStyle/>
+          <a:p>
+            <a:pPr marL="0" indent="0">
+              <a:buNone/>
+            </a:pPr>
+            <a:r>
+              <a:rPr lang="en-US" altLang="ko-KR" b="1" dirty="0" smtClean="0"/>
+              <a:t>Joy</a:t>
+            </a:r>
+            <a:r>
+              <a:rPr lang="en-US" altLang="ko-KR" b="1" dirty="0" smtClean="0">
+                <a:solidFill>
+                  <a:srgbClr val="C00000"/>
+                </a:solidFill>
+              </a:rPr>
+              <a:t>074</a:t>
+            </a:r>
+            <a:r>
+              <a:rPr lang="en-US" altLang="ko-KR" b="1" dirty="0" smtClean="0"/>
+              <a:t>RecylerView: </a:t>
+            </a:r>
+            <a:r>
+              <a:rPr lang="ko-KR" altLang="en-US" dirty="0" smtClean="0"/>
+              <a:t>사용자가 </a:t>
+            </a:r>
+            <a:r>
+              <a:rPr lang="en-US" altLang="ko-KR" dirty="0" smtClean="0"/>
+              <a:t>Item</a:t>
+            </a:r>
+            <a:r>
+              <a:rPr lang="ko-KR" altLang="en-US" dirty="0" smtClean="0"/>
+              <a:t>을 </a:t>
+            </a:r>
+            <a:r>
+              <a:rPr lang="ko-KR" altLang="en-US" dirty="0" err="1" smtClean="0"/>
+              <a:t>탭한</a:t>
+            </a:r>
+            <a:r>
+              <a:rPr lang="ko-KR" altLang="en-US" dirty="0" smtClean="0"/>
+              <a:t> 항목들은 바탕을 노란색을 강조해서 나타냅니다</a:t>
+            </a:r>
+            <a:r>
+              <a:rPr lang="en-US" altLang="ko-KR" dirty="0" smtClean="0"/>
+              <a:t>. </a:t>
+            </a:r>
+            <a:r>
+              <a:rPr lang="ko-KR" altLang="en-US" dirty="0" smtClean="0"/>
+              <a:t>다시 </a:t>
+            </a:r>
+            <a:r>
+              <a:rPr lang="ko-KR" altLang="en-US" dirty="0" err="1" smtClean="0"/>
+              <a:t>탭하면</a:t>
+            </a:r>
+            <a:r>
+              <a:rPr lang="ko-KR" altLang="en-US" dirty="0" smtClean="0"/>
+              <a:t> 강조한 노란색을 지웁니다</a:t>
+            </a:r>
+            <a:r>
+              <a:rPr lang="en-US" altLang="ko-KR" dirty="0" smtClean="0"/>
+              <a:t>. </a:t>
+            </a:r>
+            <a:r>
+              <a:rPr lang="ko-KR" altLang="en-US" dirty="0" smtClean="0">
+                <a:sym typeface="Wingdings" panose="05000000000000000000" pitchFamily="2" charset="2"/>
+              </a:rPr>
+              <a:t>누가 </a:t>
+            </a:r>
+            <a:r>
+              <a:rPr lang="ko-KR" altLang="en-US" dirty="0">
+                <a:sym typeface="Wingdings" panose="05000000000000000000" pitchFamily="2" charset="2"/>
+              </a:rPr>
+              <a:t>언제 </a:t>
+            </a:r>
+            <a:r>
+              <a:rPr lang="en-US" altLang="ko-KR" dirty="0" err="1">
+                <a:sym typeface="Wingdings" panose="05000000000000000000" pitchFamily="2" charset="2"/>
+              </a:rPr>
+              <a:t>itemsSelected</a:t>
+            </a:r>
+            <a:r>
+              <a:rPr lang="en-US" altLang="ko-KR" dirty="0">
+                <a:sym typeface="Wingdings" panose="05000000000000000000" pitchFamily="2" charset="2"/>
+              </a:rPr>
+              <a:t> </a:t>
+            </a:r>
+            <a:r>
+              <a:rPr lang="ko-KR" altLang="en-US" dirty="0">
+                <a:sym typeface="Wingdings" panose="05000000000000000000" pitchFamily="2" charset="2"/>
+              </a:rPr>
+              <a:t>에 있는 </a:t>
+            </a:r>
+            <a:r>
+              <a:rPr lang="en-US" altLang="ko-KR" dirty="0">
+                <a:sym typeface="Wingdings" panose="05000000000000000000" pitchFamily="2" charset="2"/>
+              </a:rPr>
+              <a:t>items</a:t>
+            </a:r>
+            <a:r>
+              <a:rPr lang="ko-KR" altLang="en-US" dirty="0">
+                <a:sym typeface="Wingdings" panose="05000000000000000000" pitchFamily="2" charset="2"/>
+              </a:rPr>
+              <a:t>의 </a:t>
+            </a:r>
+            <a:r>
+              <a:rPr lang="en-US" altLang="ko-KR" dirty="0" smtClean="0">
+                <a:sym typeface="Wingdings" panose="05000000000000000000" pitchFamily="2" charset="2"/>
+              </a:rPr>
+              <a:t>display</a:t>
+            </a:r>
+            <a:r>
+              <a:rPr lang="ko-KR" altLang="en-US" dirty="0" smtClean="0">
+                <a:sym typeface="Wingdings" panose="05000000000000000000" pitchFamily="2" charset="2"/>
+              </a:rPr>
+              <a:t>를 </a:t>
+            </a:r>
+            <a:r>
+              <a:rPr lang="en-US" altLang="ko-KR" dirty="0" smtClean="0">
+                <a:sym typeface="Wingdings" panose="05000000000000000000" pitchFamily="2" charset="2"/>
+              </a:rPr>
+              <a:t>updated</a:t>
+            </a:r>
+            <a:r>
+              <a:rPr lang="ko-KR" altLang="en-US" dirty="0" smtClean="0">
+                <a:sym typeface="Wingdings" panose="05000000000000000000" pitchFamily="2" charset="2"/>
+              </a:rPr>
+              <a:t>하는 것이 쉽지 않은 </a:t>
+            </a:r>
+            <a:r>
+              <a:rPr lang="ko-KR" altLang="en-US" dirty="0">
+                <a:sym typeface="Wingdings" panose="05000000000000000000" pitchFamily="2" charset="2"/>
+              </a:rPr>
+              <a:t>문제 같아요</a:t>
+            </a:r>
+            <a:r>
+              <a:rPr lang="en-US" altLang="ko-KR" dirty="0">
+                <a:sym typeface="Wingdings" panose="05000000000000000000" pitchFamily="2" charset="2"/>
+              </a:rPr>
+              <a:t>,   </a:t>
+            </a:r>
+            <a:r>
+              <a:rPr lang="ko-KR" altLang="en-US" dirty="0">
+                <a:sym typeface="Wingdings" panose="05000000000000000000" pitchFamily="2" charset="2"/>
+              </a:rPr>
+              <a:t>내게도 아직 </a:t>
+            </a:r>
+            <a:r>
+              <a:rPr lang="ko-KR" altLang="en-US" dirty="0" smtClean="0">
+                <a:sym typeface="Wingdings" panose="05000000000000000000" pitchFamily="2" charset="2"/>
+              </a:rPr>
+              <a:t>디버깅해야 할 숙제입니다</a:t>
+            </a:r>
+            <a:r>
+              <a:rPr lang="en-US" altLang="ko-KR" dirty="0">
+                <a:sym typeface="Wingdings" panose="05000000000000000000" pitchFamily="2" charset="2"/>
+              </a:rPr>
+              <a:t>. </a:t>
+            </a:r>
+            <a:endParaRPr lang="en-US" altLang="ko-KR" dirty="0"/>
+          </a:p>
+          <a:p>
+            <a:pPr marL="0" indent="0">
+              <a:buNone/>
+            </a:pPr>
+            <a:endParaRPr lang="en-US" altLang="ko-KR" dirty="0" smtClean="0"/>
+          </a:p>
+        </p:txBody>
+      </p:sp>
+      <p:sp>
+        <p:nvSpPr>
+          <p:cNvPr id="4" name="슬라이드 번호 개체 틀 3"/>
+          <p:cNvSpPr>
+            <a:spLocks noGrp="1"/>
+          </p:cNvSpPr>
+          <p:nvPr>
+            <p:ph type="sldNum" sz="quarter" idx="14"/>
+          </p:nvPr>
+        </p:nvSpPr>
+        <p:spPr/>
+        <p:txBody>
+          <a:bodyPr/>
+          <a:lstStyle/>
+          <a:p>
+            <a:pPr>
+              <a:defRPr/>
+            </a:pPr>
+            <a:fld id="{3D493B47-E977-46F8-8C2F-7DA674317049}" type="slidenum">
+              <a:rPr lang="ko-KR" altLang="en-US" smtClean="0"/>
+              <a:pPr>
+                <a:defRPr/>
+              </a:pPr>
+              <a:t>62</a:t>
             </a:fld>
             <a:endParaRPr lang="ko-KR" altLang="en-US"/>
           </a:p>
@@ -39625,7 +40517,7 @@
 </p:sld>
 </file>
 
-<file path=ppt/slides/slide62.xml><?xml version="1.0" encoding="utf-8"?>
+<file path=ppt/slides/slide63.xml><?xml version="1.0" encoding="utf-8"?>
 <p:sld xmlns:a="http://schemas.openxmlformats.org/drawingml/2006/main" xmlns:r="http://schemas.openxmlformats.org/officeDocument/2006/relationships" xmlns:p="http://schemas.openxmlformats.org/presentationml/2006/main">
   <p:cSld>
     <p:spTree>
@@ -39666,7 +40558,7 @@
             <a:fld id="{9085FD98-BA4B-4537-9251-5519BF532862}" type="slidenum">
               <a:rPr lang="ko-KR" altLang="en-US" smtClean="0"/>
               <a:pPr/>
-              <a:t>62</a:t>
+              <a:t>63</a:t>
             </a:fld>
             <a:endParaRPr lang="ko-KR" altLang="en-US" dirty="0"/>
           </a:p>

--- a/ppts/07Widget.pptx
+++ b/ppts/07Widget.pptx
@@ -5,7 +5,7 @@
     <p:sldMasterId id="2147483696" r:id="rId1"/>
   </p:sldMasterIdLst>
   <p:notesMasterIdLst>
-    <p:notesMasterId r:id="rId65"/>
+    <p:notesMasterId r:id="rId73"/>
   </p:notesMasterIdLst>
   <p:sldIdLst>
     <p:sldId id="339" r:id="rId2"/>
@@ -70,7 +70,15 @@
     <p:sldId id="1256" r:id="rId61"/>
     <p:sldId id="1257" r:id="rId62"/>
     <p:sldId id="1259" r:id="rId63"/>
-    <p:sldId id="1258" r:id="rId64"/>
+    <p:sldId id="1261" r:id="rId64"/>
+    <p:sldId id="1262" r:id="rId65"/>
+    <p:sldId id="1263" r:id="rId66"/>
+    <p:sldId id="1264" r:id="rId67"/>
+    <p:sldId id="1265" r:id="rId68"/>
+    <p:sldId id="1266" r:id="rId69"/>
+    <p:sldId id="1267" r:id="rId70"/>
+    <p:sldId id="1268" r:id="rId71"/>
+    <p:sldId id="1258" r:id="rId72"/>
   </p:sldIdLst>
   <p:sldSz cx="12192000" cy="6858000"/>
   <p:notesSz cx="6858000" cy="9144000"/>
@@ -273,7 +281,7 @@
           <a:p>
             <a:fld id="{648057B7-EFC7-4AC6-B479-CDD44EB7D654}" type="datetimeFigureOut">
               <a:rPr lang="ko-KR" altLang="en-US" smtClean="0"/>
-              <a:t>20-07-30</a:t>
+              <a:t>20-07-31</a:t>
             </a:fld>
             <a:endParaRPr lang="ko-KR" altLang="en-US"/>
           </a:p>
@@ -866,7 +874,7 @@
           <a:p>
             <a:fld id="{92DC3DFC-D19E-4489-81A0-2BEACF4D5BEA}" type="datetime1">
               <a:rPr lang="ko-KR" altLang="en-US" smtClean="0"/>
-              <a:t>20-07-30</a:t>
+              <a:t>20-07-31</a:t>
             </a:fld>
             <a:endParaRPr lang="ko-KR" altLang="en-US"/>
           </a:p>
@@ -1542,7 +1550,7 @@
           <a:p>
             <a:fld id="{D6186EA6-D9DB-42E3-9CF4-5FF064BCCBD4}" type="datetime1">
               <a:rPr lang="ko-KR" altLang="en-US" smtClean="0"/>
-              <a:t>20-07-30</a:t>
+              <a:t>20-07-31</a:t>
             </a:fld>
             <a:endParaRPr lang="ko-KR" altLang="en-US"/>
           </a:p>
@@ -1700,7 +1708,7 @@
           <a:p>
             <a:fld id="{E42C130B-BDA3-4432-AD22-7228F2591A72}" type="datetime1">
               <a:rPr lang="ko-KR" altLang="en-US" smtClean="0"/>
-              <a:t>20-07-30</a:t>
+              <a:t>20-07-31</a:t>
             </a:fld>
             <a:endParaRPr lang="ko-KR" altLang="en-US"/>
           </a:p>
@@ -1964,7 +1972,7 @@
           <a:p>
             <a:fld id="{3C649B2E-AC5C-4CA1-A2FD-F4A945DECCCA}" type="datetime1">
               <a:rPr lang="ko-KR" altLang="en-US" smtClean="0"/>
-              <a:t>20-07-30</a:t>
+              <a:t>20-07-31</a:t>
             </a:fld>
             <a:endParaRPr lang="ko-KR" altLang="en-US"/>
           </a:p>
@@ -2058,7 +2066,7 @@
           <a:p>
             <a:fld id="{AC778754-33AA-481A-B885-58843B94B2EC}" type="datetime1">
               <a:rPr lang="ko-KR" altLang="en-US" smtClean="0"/>
-              <a:t>20-07-30</a:t>
+              <a:t>20-07-31</a:t>
             </a:fld>
             <a:endParaRPr lang="ko-KR" altLang="en-US"/>
           </a:p>
@@ -2280,7 +2288,7 @@
           </a:ln>
           <a:extLst>
             <a:ext uri="{C572A759-6A51-4108-AA02-DFA0A04FC94B}">
-              <ma14:wrappingTextBoxFlag xmlns="" xmlns:ma14="http://schemas.microsoft.com/office/mac/drawingml/2011/main" val="1"/>
+              <ma14:wrappingTextBoxFlag xmlns:ma14="http://schemas.microsoft.com/office/mac/drawingml/2011/main" xmlns="" val="1"/>
             </a:ext>
           </a:extLst>
         </p:spPr>
@@ -3174,7 +3182,7 @@
             <a:fld id="{AC778754-33AA-481A-B885-58843B94B2EC}" type="datetime1">
               <a:rPr lang="ko-KR" altLang="en-US" smtClean="0"/>
               <a:pPr/>
-              <a:t>20-07-30</a:t>
+              <a:t>20-07-31</a:t>
             </a:fld>
             <a:endParaRPr lang="ko-KR" altLang="en-US" dirty="0"/>
           </a:p>
@@ -4891,6 +4899,13 @@
   <p:clrMapOvr>
     <a:masterClrMapping/>
   </p:clrMapOvr>
+  <p:timing>
+    <p:tnLst>
+      <p:par>
+        <p:cTn id="1" dur="indefinite" restart="never" nodeType="tmRoot"/>
+      </p:par>
+    </p:tnLst>
+  </p:timing>
 </p:sld>
 </file>
 
@@ -5611,6 +5626,13 @@
   <p:clrMapOvr>
     <a:masterClrMapping/>
   </p:clrMapOvr>
+  <p:timing>
+    <p:tnLst>
+      <p:par>
+        <p:cTn id="1" dur="indefinite" restart="never" nodeType="tmRoot"/>
+      </p:par>
+    </p:tnLst>
+  </p:timing>
 </p:sld>
 </file>
 
@@ -6214,6 +6236,13 @@
   <p:clrMapOvr>
     <a:masterClrMapping/>
   </p:clrMapOvr>
+  <p:timing>
+    <p:tnLst>
+      <p:par>
+        <p:cTn id="1" dur="indefinite" restart="never" nodeType="tmRoot"/>
+      </p:par>
+    </p:tnLst>
+  </p:timing>
 </p:sld>
 </file>
 
@@ -6953,6 +6982,13 @@
   <p:clrMapOvr>
     <a:masterClrMapping/>
   </p:clrMapOvr>
+  <p:timing>
+    <p:tnLst>
+      <p:par>
+        <p:cTn id="1" dur="indefinite" restart="never" nodeType="tmRoot"/>
+      </p:par>
+    </p:tnLst>
+  </p:timing>
 </p:sld>
 </file>
 
@@ -8121,6 +8157,13 @@
   <p:clrMapOvr>
     <a:masterClrMapping/>
   </p:clrMapOvr>
+  <p:timing>
+    <p:tnLst>
+      <p:par>
+        <p:cTn id="1" dur="indefinite" restart="never" nodeType="tmRoot"/>
+      </p:par>
+    </p:tnLst>
+  </p:timing>
 </p:sld>
 </file>
 
@@ -8870,6 +8913,13 @@
   <p:clrMapOvr>
     <a:masterClrMapping/>
   </p:clrMapOvr>
+  <p:timing>
+    <p:tnLst>
+      <p:par>
+        <p:cTn id="1" dur="indefinite" restart="never" nodeType="tmRoot"/>
+      </p:par>
+    </p:tnLst>
+  </p:timing>
 </p:sld>
 </file>
 
@@ -9351,6 +9401,13 @@
   <p:clrMapOvr>
     <a:masterClrMapping/>
   </p:clrMapOvr>
+  <p:timing>
+    <p:tnLst>
+      <p:par>
+        <p:cTn id="1" dur="indefinite" restart="never" nodeType="tmRoot"/>
+      </p:par>
+    </p:tnLst>
+  </p:timing>
 </p:sld>
 </file>
 
@@ -9980,6 +10037,13 @@
   <p:clrMapOvr>
     <a:masterClrMapping/>
   </p:clrMapOvr>
+  <p:timing>
+    <p:tnLst>
+      <p:par>
+        <p:cTn id="1" dur="indefinite" restart="never" nodeType="tmRoot"/>
+      </p:par>
+    </p:tnLst>
+  </p:timing>
 </p:sld>
 </file>
 
@@ -10429,6 +10493,13 @@
   <p:clrMapOvr>
     <a:masterClrMapping/>
   </p:clrMapOvr>
+  <p:timing>
+    <p:tnLst>
+      <p:par>
+        <p:cTn id="1" dur="indefinite" restart="never" nodeType="tmRoot"/>
+      </p:par>
+    </p:tnLst>
+  </p:timing>
 </p:sld>
 </file>
 
@@ -11086,6 +11157,13 @@
   <p:clrMapOvr>
     <a:masterClrMapping/>
   </p:clrMapOvr>
+  <p:timing>
+    <p:tnLst>
+      <p:par>
+        <p:cTn id="1" dur="indefinite" restart="never" nodeType="tmRoot"/>
+      </p:par>
+    </p:tnLst>
+  </p:timing>
 </p:sld>
 </file>
 
@@ -11550,6 +11628,13 @@
   <p:clrMapOvr>
     <a:masterClrMapping/>
   </p:clrMapOvr>
+  <p:timing>
+    <p:tnLst>
+      <p:par>
+        <p:cTn id="1" dur="indefinite" restart="never" nodeType="tmRoot"/>
+      </p:par>
+    </p:tnLst>
+  </p:timing>
 </p:sld>
 </file>
 
@@ -11820,6 +11905,13 @@
   <p:clrMapOvr>
     <a:masterClrMapping/>
   </p:clrMapOvr>
+  <p:timing>
+    <p:tnLst>
+      <p:par>
+        <p:cTn id="1" dur="indefinite" restart="never" nodeType="tmRoot"/>
+      </p:par>
+    </p:tnLst>
+  </p:timing>
 </p:sld>
 </file>
 
@@ -12583,6 +12675,13 @@
       <p:transition spd="slow"/>
     </mc:Fallback>
   </mc:AlternateContent>
+  <p:timing>
+    <p:tnLst>
+      <p:par>
+        <p:cTn id="1" dur="indefinite" restart="never" nodeType="tmRoot"/>
+      </p:par>
+    </p:tnLst>
+  </p:timing>
 </p:sld>
 </file>
 
@@ -13089,6 +13188,13 @@
   <p:clrMapOvr>
     <a:masterClrMapping/>
   </p:clrMapOvr>
+  <p:timing>
+    <p:tnLst>
+      <p:par>
+        <p:cTn id="1" dur="indefinite" restart="never" nodeType="tmRoot"/>
+      </p:par>
+    </p:tnLst>
+  </p:timing>
 </p:sld>
 </file>
 
@@ -13608,6 +13714,13 @@
   <p:clrMapOvr>
     <a:masterClrMapping/>
   </p:clrMapOvr>
+  <p:timing>
+    <p:tnLst>
+      <p:par>
+        <p:cTn id="1" dur="indefinite" restart="never" nodeType="tmRoot"/>
+      </p:par>
+    </p:tnLst>
+  </p:timing>
 </p:sld>
 </file>
 
@@ -14109,6 +14222,13 @@
       <p:transition spd="slow"/>
     </mc:Fallback>
   </mc:AlternateContent>
+  <p:timing>
+    <p:tnLst>
+      <p:par>
+        <p:cTn id="1" dur="indefinite" restart="never" nodeType="tmRoot"/>
+      </p:par>
+    </p:tnLst>
+  </p:timing>
 </p:sld>
 </file>
 
@@ -14453,6 +14573,13 @@
   <p:clrMapOvr>
     <a:masterClrMapping/>
   </p:clrMapOvr>
+  <p:timing>
+    <p:tnLst>
+      <p:par>
+        <p:cTn id="1" dur="indefinite" restart="never" nodeType="tmRoot"/>
+      </p:par>
+    </p:tnLst>
+  </p:timing>
 </p:sld>
 </file>
 
@@ -14922,6 +15049,13 @@
   <p:clrMapOvr>
     <a:masterClrMapping/>
   </p:clrMapOvr>
+  <p:timing>
+    <p:tnLst>
+      <p:par>
+        <p:cTn id="1" dur="indefinite" restart="never" nodeType="tmRoot"/>
+      </p:par>
+    </p:tnLst>
+  </p:timing>
 </p:sld>
 </file>
 
@@ -15569,6 +15703,13 @@
   <p:clrMapOvr>
     <a:masterClrMapping/>
   </p:clrMapOvr>
+  <p:timing>
+    <p:tnLst>
+      <p:par>
+        <p:cTn id="1" dur="indefinite" restart="never" nodeType="tmRoot"/>
+      </p:par>
+    </p:tnLst>
+  </p:timing>
 </p:sld>
 </file>
 
@@ -16169,6 +16310,13 @@
       <p:transition spd="slow"/>
     </mc:Fallback>
   </mc:AlternateContent>
+  <p:timing>
+    <p:tnLst>
+      <p:par>
+        <p:cTn id="1" dur="indefinite" restart="never" nodeType="tmRoot"/>
+      </p:par>
+    </p:tnLst>
+  </p:timing>
 </p:sld>
 </file>
 
@@ -16507,6 +16655,13 @@
   <p:clrMapOvr>
     <a:masterClrMapping/>
   </p:clrMapOvr>
+  <p:timing>
+    <p:tnLst>
+      <p:par>
+        <p:cTn id="1" dur="indefinite" restart="never" nodeType="tmRoot"/>
+      </p:par>
+    </p:tnLst>
+  </p:timing>
 </p:sld>
 </file>
 
@@ -17015,6 +17170,13 @@
   <p:clrMapOvr>
     <a:masterClrMapping/>
   </p:clrMapOvr>
+  <p:timing>
+    <p:tnLst>
+      <p:par>
+        <p:cTn id="1" dur="indefinite" restart="never" nodeType="tmRoot"/>
+      </p:par>
+    </p:tnLst>
+  </p:timing>
 </p:sld>
 </file>
 
@@ -17471,6 +17633,13 @@
   <p:clrMapOvr>
     <a:masterClrMapping/>
   </p:clrMapOvr>
+  <p:timing>
+    <p:tnLst>
+      <p:par>
+        <p:cTn id="1" dur="indefinite" restart="never" nodeType="tmRoot"/>
+      </p:par>
+    </p:tnLst>
+  </p:timing>
 </p:sld>
 </file>
 
@@ -18147,6 +18316,13 @@
   <p:clrMapOvr>
     <a:masterClrMapping/>
   </p:clrMapOvr>
+  <p:timing>
+    <p:tnLst>
+      <p:par>
+        <p:cTn id="1" dur="indefinite" restart="never" nodeType="tmRoot"/>
+      </p:par>
+    </p:tnLst>
+  </p:timing>
 </p:sld>
 </file>
 
@@ -18855,6 +19031,13 @@
       <p:transition spd="slow"/>
     </mc:Fallback>
   </mc:AlternateContent>
+  <p:timing>
+    <p:tnLst>
+      <p:par>
+        <p:cTn id="1" dur="indefinite" restart="never" nodeType="tmRoot"/>
+      </p:par>
+    </p:tnLst>
+  </p:timing>
 </p:sld>
 </file>
 
@@ -20284,6 +20467,13 @@
   <p:clrMapOvr>
     <a:masterClrMapping/>
   </p:clrMapOvr>
+  <p:timing>
+    <p:tnLst>
+      <p:par>
+        <p:cTn id="1" dur="indefinite" restart="never" nodeType="tmRoot"/>
+      </p:par>
+    </p:tnLst>
+  </p:timing>
 </p:sld>
 </file>
 
@@ -20955,6 +21145,13 @@
   <p:clrMapOvr>
     <a:masterClrMapping/>
   </p:clrMapOvr>
+  <p:timing>
+    <p:tnLst>
+      <p:par>
+        <p:cTn id="1" dur="indefinite" restart="never" nodeType="tmRoot"/>
+      </p:par>
+    </p:tnLst>
+  </p:timing>
 </p:sld>
 </file>
 
@@ -21761,6 +21958,13 @@
   <p:clrMapOvr>
     <a:masterClrMapping/>
   </p:clrMapOvr>
+  <p:timing>
+    <p:tnLst>
+      <p:par>
+        <p:cTn id="1" dur="indefinite" restart="never" nodeType="tmRoot"/>
+      </p:par>
+    </p:tnLst>
+  </p:timing>
 </p:sld>
 </file>
 
@@ -22274,6 +22478,13 @@
       <p:transition spd="slow"/>
     </mc:Fallback>
   </mc:AlternateContent>
+  <p:timing>
+    <p:tnLst>
+      <p:par>
+        <p:cTn id="1" dur="indefinite" restart="never" nodeType="tmRoot"/>
+      </p:par>
+    </p:tnLst>
+  </p:timing>
 </p:sld>
 </file>
 
@@ -23206,6 +23417,13 @@
   <p:clrMapOvr>
     <a:overrideClrMapping bg1="lt1" tx1="dk1" bg2="lt2" tx2="dk2" accent1="accent1" accent2="accent2" accent3="accent3" accent4="accent4" accent5="accent5" accent6="accent6" hlink="hlink" folHlink="folHlink"/>
   </p:clrMapOvr>
+  <p:timing>
+    <p:tnLst>
+      <p:par>
+        <p:cTn id="1" dur="indefinite" restart="never" nodeType="tmRoot"/>
+      </p:par>
+    </p:tnLst>
+  </p:timing>
 </p:sld>
 </file>
 
@@ -24042,6 +24260,13 @@
   <p:clrMapOvr>
     <a:masterClrMapping/>
   </p:clrMapOvr>
+  <p:timing>
+    <p:tnLst>
+      <p:par>
+        <p:cTn id="1" dur="indefinite" restart="never" nodeType="tmRoot"/>
+      </p:par>
+    </p:tnLst>
+  </p:timing>
 </p:sld>
 </file>
 
@@ -25024,6 +25249,13 @@
   <p:clrMapOvr>
     <a:masterClrMapping/>
   </p:clrMapOvr>
+  <p:timing>
+    <p:tnLst>
+      <p:par>
+        <p:cTn id="1" dur="indefinite" restart="never" nodeType="tmRoot"/>
+      </p:par>
+    </p:tnLst>
+  </p:timing>
 </p:sld>
 </file>
 
@@ -25555,6 +25787,13 @@
   <p:clrMapOvr>
     <a:masterClrMapping/>
   </p:clrMapOvr>
+  <p:timing>
+    <p:tnLst>
+      <p:par>
+        <p:cTn id="1" dur="indefinite" restart="never" nodeType="tmRoot"/>
+      </p:par>
+    </p:tnLst>
+  </p:timing>
 </p:sld>
 </file>
 
@@ -26074,56 +26313,50 @@
               <a:rPr lang="en-US" altLang="ko-KR" sz="1400" dirty="0" smtClean="0">
                 <a:latin typeface="Consolas" panose="020B0609020204030204" pitchFamily="49" charset="0"/>
               </a:rPr>
-              <a:t>(ViewGroup </a:t>
+              <a:t>(ViewGroup parent, </a:t>
+            </a:r>
+            <a:r>
+              <a:rPr lang="en-US" altLang="ko-KR" sz="1400" dirty="0">
+                <a:latin typeface="Consolas" panose="020B0609020204030204" pitchFamily="49" charset="0"/>
+              </a:rPr>
+              <a:t>int </a:t>
             </a:r>
             <a:r>
               <a:rPr lang="en-US" altLang="ko-KR" sz="1400" dirty="0" err="1">
                 <a:latin typeface="Consolas" panose="020B0609020204030204" pitchFamily="49" charset="0"/>
               </a:rPr>
-              <a:t>viewGroup</a:t>
-            </a:r>
-            <a:r>
-              <a:rPr lang="en-US" altLang="ko-KR" sz="1400" dirty="0">
-                <a:latin typeface="Consolas" panose="020B0609020204030204" pitchFamily="49" charset="0"/>
-              </a:rPr>
-              <a:t>, int </a:t>
+              <a:t>viewType</a:t>
+            </a:r>
+            <a:r>
+              <a:rPr lang="en-US" altLang="ko-KR" sz="1400" dirty="0">
+                <a:latin typeface="Consolas" panose="020B0609020204030204" pitchFamily="49" charset="0"/>
+              </a:rPr>
+              <a:t>) {</a:t>
+            </a:r>
+          </a:p>
+          <a:p>
+            <a:r>
+              <a:rPr lang="en-US" altLang="ko-KR" sz="1400" dirty="0">
+                <a:latin typeface="Consolas" panose="020B0609020204030204" pitchFamily="49" charset="0"/>
+              </a:rPr>
+              <a:t>        </a:t>
             </a:r>
             <a:r>
               <a:rPr lang="en-US" altLang="ko-KR" sz="1400" dirty="0" err="1">
                 <a:latin typeface="Consolas" panose="020B0609020204030204" pitchFamily="49" charset="0"/>
               </a:rPr>
-              <a:t>viewType</a:t>
-            </a:r>
-            <a:r>
-              <a:rPr lang="en-US" altLang="ko-KR" sz="1400" dirty="0">
-                <a:latin typeface="Consolas" panose="020B0609020204030204" pitchFamily="49" charset="0"/>
-              </a:rPr>
-              <a:t>) {</a:t>
-            </a:r>
-          </a:p>
-          <a:p>
-            <a:r>
-              <a:rPr lang="en-US" altLang="ko-KR" sz="1400" dirty="0">
-                <a:latin typeface="Consolas" panose="020B0609020204030204" pitchFamily="49" charset="0"/>
-              </a:rPr>
-              <a:t>        </a:t>
+              <a:t>LayoutInflater</a:t>
+            </a:r>
+            <a:r>
+              <a:rPr lang="en-US" altLang="ko-KR" sz="1400" dirty="0">
+                <a:latin typeface="Consolas" panose="020B0609020204030204" pitchFamily="49" charset="0"/>
+              </a:rPr>
+              <a:t> </a:t>
             </a:r>
             <a:r>
               <a:rPr lang="en-US" altLang="ko-KR" sz="1400" dirty="0" err="1">
                 <a:latin typeface="Consolas" panose="020B0609020204030204" pitchFamily="49" charset="0"/>
               </a:rPr>
-              <a:t>LayoutInflater</a:t>
-            </a:r>
-            <a:r>
-              <a:rPr lang="en-US" altLang="ko-KR" sz="1400" dirty="0">
-                <a:latin typeface="Consolas" panose="020B0609020204030204" pitchFamily="49" charset="0"/>
-              </a:rPr>
-              <a:t> </a:t>
-            </a:r>
-            <a:r>
-              <a:rPr lang="en-US" altLang="ko-KR" sz="1400" dirty="0" err="1">
-                <a:latin typeface="Consolas" panose="020B0609020204030204" pitchFamily="49" charset="0"/>
-              </a:rPr>
               <a:t>inflater</a:t>
             </a:r>
             <a:r>
@@ -26133,22 +26366,28 @@
               <a:t> = </a:t>
             </a:r>
             <a:r>
-              <a:rPr lang="en-US" altLang="ko-KR" sz="1400" dirty="0" err="1">
+              <a:rPr lang="en-US" altLang="ko-KR" sz="1400" dirty="0" err="1" smtClean="0">
                 <a:latin typeface="Consolas" panose="020B0609020204030204" pitchFamily="49" charset="0"/>
               </a:rPr>
               <a:t>LayoutInflater.from</a:t>
             </a:r>
             <a:r>
-              <a:rPr lang="en-US" altLang="ko-KR" sz="1400" dirty="0">
+              <a:rPr lang="en-US" altLang="ko-KR" sz="1400" dirty="0" smtClean="0">
                 <a:latin typeface="Consolas" panose="020B0609020204030204" pitchFamily="49" charset="0"/>
               </a:rPr>
               <a:t>(</a:t>
             </a:r>
             <a:r>
-              <a:rPr lang="en-US" altLang="ko-KR" sz="1400" dirty="0" err="1">
-                <a:latin typeface="Consolas" panose="020B0609020204030204" pitchFamily="49" charset="0"/>
-              </a:rPr>
-              <a:t>viewGroup.getContext</a:t>
+              <a:rPr lang="en-US" altLang="ko-KR" sz="1400" dirty="0" err="1" smtClean="0">
+                <a:latin typeface="Consolas" panose="020B0609020204030204" pitchFamily="49" charset="0"/>
+              </a:rPr>
+              <a:t>parent</a:t>
+            </a:r>
+            <a:r>
+              <a:rPr lang="en-US" altLang="ko-KR" sz="1400" dirty="0" err="1" smtClean="0">
+                <a:latin typeface="Consolas" panose="020B0609020204030204" pitchFamily="49" charset="0"/>
+              </a:rPr>
+              <a:t>.getContext</a:t>
             </a:r>
             <a:r>
               <a:rPr lang="en-US" altLang="ko-KR" sz="1400" dirty="0">
@@ -26210,16 +26449,22 @@
               <a:t>, </a:t>
             </a:r>
             <a:r>
-              <a:rPr lang="en-US" altLang="ko-KR" sz="1400" dirty="0" err="1">
-                <a:latin typeface="Consolas" panose="020B0609020204030204" pitchFamily="49" charset="0"/>
-              </a:rPr>
-              <a:t>viewGroup</a:t>
-            </a:r>
-            <a:r>
-              <a:rPr lang="en-US" altLang="ko-KR" sz="1400" dirty="0">
-                <a:latin typeface="Consolas" panose="020B0609020204030204" pitchFamily="49" charset="0"/>
-              </a:rPr>
-              <a:t>, false);</a:t>
+              <a:rPr lang="en-US" altLang="ko-KR" sz="1400" dirty="0" smtClean="0">
+                <a:latin typeface="Consolas" panose="020B0609020204030204" pitchFamily="49" charset="0"/>
+              </a:rPr>
+              <a:t>parent</a:t>
+            </a:r>
+            <a:r>
+              <a:rPr lang="en-US" altLang="ko-KR" sz="1400" dirty="0" smtClean="0">
+                <a:latin typeface="Consolas" panose="020B0609020204030204" pitchFamily="49" charset="0"/>
+              </a:rPr>
+              <a:t>, </a:t>
+            </a:r>
+            <a:r>
+              <a:rPr lang="en-US" altLang="ko-KR" sz="1400" dirty="0">
+                <a:latin typeface="Consolas" panose="020B0609020204030204" pitchFamily="49" charset="0"/>
+              </a:rPr>
+              <a:t>false);</a:t>
             </a:r>
           </a:p>
           <a:p>
@@ -26813,6 +27058,13 @@
   <p:clrMapOvr>
     <a:masterClrMapping/>
   </p:clrMapOvr>
+  <p:timing>
+    <p:tnLst>
+      <p:par>
+        <p:cTn id="1" dur="indefinite" restart="never" nodeType="tmRoot"/>
+      </p:par>
+    </p:tnLst>
+  </p:timing>
 </p:sld>
 </file>
 
@@ -27133,6 +27385,13 @@
   <p:clrMapOvr>
     <a:masterClrMapping/>
   </p:clrMapOvr>
+  <p:timing>
+    <p:tnLst>
+      <p:par>
+        <p:cTn id="1" dur="indefinite" restart="never" nodeType="tmRoot"/>
+      </p:par>
+    </p:tnLst>
+  </p:timing>
 </p:sld>
 </file>
 
@@ -27686,6 +27945,13 @@
   <p:clrMapOvr>
     <a:masterClrMapping/>
   </p:clrMapOvr>
+  <p:timing>
+    <p:tnLst>
+      <p:par>
+        <p:cTn id="1" dur="indefinite" restart="never" nodeType="tmRoot"/>
+      </p:par>
+    </p:tnLst>
+  </p:timing>
 </p:sld>
 </file>
 
@@ -28155,6 +28421,13 @@
   <p:clrMapOvr>
     <a:masterClrMapping/>
   </p:clrMapOvr>
+  <p:timing>
+    <p:tnLst>
+      <p:par>
+        <p:cTn id="1" dur="indefinite" restart="never" nodeType="tmRoot"/>
+      </p:par>
+    </p:tnLst>
+  </p:timing>
 </p:sld>
 </file>
 
@@ -28837,6 +29110,13 @@
   <p:clrMapOvr>
     <a:masterClrMapping/>
   </p:clrMapOvr>
+  <p:timing>
+    <p:tnLst>
+      <p:par>
+        <p:cTn id="1" dur="indefinite" restart="never" nodeType="tmRoot"/>
+      </p:par>
+    </p:tnLst>
+  </p:timing>
 </p:sld>
 </file>
 
@@ -29762,6 +30042,13 @@
   <p:clrMapOvr>
     <a:masterClrMapping/>
   </p:clrMapOvr>
+  <p:timing>
+    <p:tnLst>
+      <p:par>
+        <p:cTn id="1" dur="indefinite" restart="never" nodeType="tmRoot"/>
+      </p:par>
+    </p:tnLst>
+  </p:timing>
 </p:sld>
 </file>
 
@@ -29835,11 +30122,7 @@
             </a:pPr>
             <a:r>
               <a:rPr lang="en-US" altLang="ko-KR" b="1" dirty="0" smtClean="0"/>
-              <a:t>Step </a:t>
-            </a:r>
-            <a:r>
-              <a:rPr lang="en-US" altLang="ko-KR" b="1" dirty="0" smtClean="0"/>
-              <a:t>6 </a:t>
+              <a:t>Step 6 </a:t>
             </a:r>
             <a:r>
               <a:rPr lang="ko-KR" altLang="en-US" b="1" dirty="0" smtClean="0"/>
@@ -29847,11 +30130,7 @@
             </a:r>
             <a:r>
               <a:rPr lang="en-US" altLang="ko-KR" dirty="0" smtClean="0"/>
-              <a:t>: </a:t>
-            </a:r>
-            <a:r>
-              <a:rPr lang="en-US" altLang="ko-KR" dirty="0" smtClean="0"/>
-              <a:t>MainActivity.java</a:t>
+              <a:t>: MainActivity.java</a:t>
             </a:r>
             <a:r>
               <a:rPr lang="ko-KR" altLang="en-US" dirty="0" smtClean="0"/>
@@ -30395,6 +30674,13 @@
   <p:clrMapOvr>
     <a:masterClrMapping/>
   </p:clrMapOvr>
+  <p:timing>
+    <p:tnLst>
+      <p:par>
+        <p:cTn id="1" dur="indefinite" restart="never" nodeType="tmRoot"/>
+      </p:par>
+    </p:tnLst>
+  </p:timing>
 </p:sld>
 </file>
 
@@ -30596,6 +30882,13 @@
   <p:clrMapOvr>
     <a:masterClrMapping/>
   </p:clrMapOvr>
+  <p:timing>
+    <p:tnLst>
+      <p:par>
+        <p:cTn id="1" dur="indefinite" restart="never" nodeType="tmRoot"/>
+      </p:par>
+    </p:tnLst>
+  </p:timing>
 </p:sld>
 </file>
 
@@ -31052,6 +31345,13 @@
   <p:clrMapOvr>
     <a:masterClrMapping/>
   </p:clrMapOvr>
+  <p:timing>
+    <p:tnLst>
+      <p:par>
+        <p:cTn id="1" dur="indefinite" restart="never" nodeType="tmRoot"/>
+      </p:par>
+    </p:tnLst>
+  </p:timing>
 </p:sld>
 </file>
 
@@ -31515,6 +31815,13 @@
   <p:clrMapOvr>
     <a:masterClrMapping/>
   </p:clrMapOvr>
+  <p:timing>
+    <p:tnLst>
+      <p:par>
+        <p:cTn id="1" dur="indefinite" restart="never" nodeType="tmRoot"/>
+      </p:par>
+    </p:tnLst>
+  </p:timing>
 </p:sld>
 </file>
 
@@ -32034,6 +32341,13 @@
   <p:clrMapOvr>
     <a:masterClrMapping/>
   </p:clrMapOvr>
+  <p:timing>
+    <p:tnLst>
+      <p:par>
+        <p:cTn id="1" dur="indefinite" restart="never" nodeType="tmRoot"/>
+      </p:par>
+    </p:tnLst>
+  </p:timing>
 </p:sld>
 </file>
 
@@ -32692,6 +33006,13 @@
   <p:clrMapOvr>
     <a:masterClrMapping/>
   </p:clrMapOvr>
+  <p:timing>
+    <p:tnLst>
+      <p:par>
+        <p:cTn id="1" dur="indefinite" restart="never" nodeType="tmRoot"/>
+      </p:par>
+    </p:tnLst>
+  </p:timing>
 </p:sld>
 </file>
 
@@ -33681,6 +34002,13 @@
   <p:clrMapOvr>
     <a:masterClrMapping/>
   </p:clrMapOvr>
+  <p:timing>
+    <p:tnLst>
+      <p:par>
+        <p:cTn id="1" dur="indefinite" restart="never" nodeType="tmRoot"/>
+      </p:par>
+    </p:tnLst>
+  </p:timing>
 </p:sld>
 </file>
 
@@ -33889,11 +34217,11 @@
           </a:p>
           <a:p>
             <a:r>
-              <a:rPr lang="en-US" altLang="ko-KR" dirty="0" err="1"/>
-              <a:t>OnPersonItemClickListner</a:t>
-            </a:r>
-            <a:r>
-              <a:rPr lang="en-US" altLang="ko-KR" dirty="0"/>
+              <a:rPr lang="en-US" altLang="ko-KR" dirty="0" err="1" smtClean="0"/>
+              <a:t>OnPersonItemClickListener</a:t>
+            </a:r>
+            <a:r>
+              <a:rPr lang="en-US" altLang="ko-KR" dirty="0" smtClean="0"/>
               <a:t>() </a:t>
             </a:r>
             <a:r>
@@ -33964,11 +34292,15 @@
             </a:r>
             <a:r>
               <a:rPr lang="en-US" altLang="ko-KR" dirty="0" err="1" smtClean="0"/>
-              <a:t>OnPersonItemClickListner</a:t>
+              <a:t>OnPersonItemClickListener</a:t>
             </a:r>
             <a:r>
               <a:rPr lang="ko-KR" altLang="en-US" dirty="0" smtClean="0"/>
-              <a:t>를 입력하고</a:t>
+              <a:t>를 </a:t>
+            </a:r>
+            <a:r>
+              <a:rPr lang="ko-KR" altLang="en-US" dirty="0" smtClean="0"/>
+              <a:t>입력하고</a:t>
             </a:r>
             <a:r>
               <a:rPr lang="en-US" altLang="ko-KR" dirty="0" smtClean="0"/>
@@ -34240,16 +34572,22 @@
               <a:t> </a:t>
             </a:r>
             <a:r>
-              <a:rPr lang="en-US" altLang="ko-KR" sz="1600" dirty="0" err="1">
-                <a:latin typeface="Consolas" panose="020B0609020204030204" pitchFamily="49" charset="0"/>
-              </a:rPr>
-              <a:t>OnPersonItemClickListner</a:t>
+              <a:rPr lang="en-US" altLang="ko-KR" sz="1600" dirty="0" err="1" smtClean="0">
+                <a:latin typeface="Consolas" panose="020B0609020204030204" pitchFamily="49" charset="0"/>
+              </a:rPr>
+              <a:t>OnPersonItemClickListener</a:t>
+            </a:r>
+            <a:r>
+              <a:rPr lang="en-US" altLang="ko-KR" sz="1600" dirty="0" smtClean="0">
+                <a:latin typeface="Consolas" panose="020B0609020204030204" pitchFamily="49" charset="0"/>
+              </a:rPr>
+              <a:t> </a:t>
             </a:r>
             <a:r>
               <a:rPr lang="en-US" altLang="ko-KR" sz="1600" dirty="0">
                 <a:latin typeface="Consolas" panose="020B0609020204030204" pitchFamily="49" charset="0"/>
               </a:rPr>
-              <a:t> {</a:t>
+              <a:t>{</a:t>
             </a:r>
           </a:p>
           <a:p>
@@ -34316,6 +34654,13 @@
   <p:clrMapOvr>
     <a:masterClrMapping/>
   </p:clrMapOvr>
+  <p:timing>
+    <p:tnLst>
+      <p:par>
+        <p:cTn id="1" dur="indefinite" restart="never" nodeType="tmRoot"/>
+      </p:par>
+    </p:tnLst>
+  </p:timing>
 </p:sld>
 </file>
 
@@ -34706,16 +35051,16 @@
               <a:t>final </a:t>
             </a:r>
             <a:r>
-              <a:rPr lang="en-US" altLang="ko-KR" sz="1600" b="1" dirty="0" err="1">
+              <a:rPr lang="en-US" altLang="ko-KR" sz="1600" b="1" dirty="0" err="1" smtClean="0">
                 <a:solidFill>
                   <a:srgbClr val="C00000"/>
                 </a:solidFill>
                 <a:latin typeface="Consolas" panose="020B0609020204030204" pitchFamily="49" charset="0"/>
               </a:rPr>
-              <a:t>OnPersonItemClickListner</a:t>
-            </a:r>
-            <a:r>
-              <a:rPr lang="en-US" altLang="ko-KR" sz="1600" b="1" dirty="0">
+              <a:t>OnPersonItemClickListener</a:t>
+            </a:r>
+            <a:r>
+              <a:rPr lang="en-US" altLang="ko-KR" sz="1600" b="1" dirty="0" smtClean="0">
                 <a:solidFill>
                   <a:srgbClr val="C00000"/>
                 </a:solidFill>
@@ -35344,6 +35689,13 @@
   <p:clrMapOvr>
     <a:masterClrMapping/>
   </p:clrMapOvr>
+  <p:timing>
+    <p:tnLst>
+      <p:par>
+        <p:cTn id="1" dur="indefinite" restart="never" nodeType="tmRoot"/>
+      </p:par>
+    </p:tnLst>
+  </p:timing>
 </p:sld>
 </file>
 
@@ -35669,16 +36021,16 @@
               <a:t>                          implements </a:t>
             </a:r>
             <a:r>
-              <a:rPr lang="en-US" altLang="ko-KR" sz="1600" b="1" dirty="0" err="1">
+              <a:rPr lang="en-US" altLang="ko-KR" sz="1600" b="1" dirty="0" err="1" smtClean="0">
                 <a:solidFill>
                   <a:srgbClr val="C00000"/>
                 </a:solidFill>
                 <a:latin typeface="Consolas" panose="020B0609020204030204" pitchFamily="49" charset="0"/>
               </a:rPr>
-              <a:t>OnPersonItemClickListner</a:t>
-            </a:r>
-            <a:r>
-              <a:rPr lang="en-US" altLang="ko-KR" sz="1600" b="1" dirty="0">
+              <a:t>OnPersonItemClickListener</a:t>
+            </a:r>
+            <a:r>
+              <a:rPr lang="en-US" altLang="ko-KR" sz="1600" b="1" dirty="0" smtClean="0">
                 <a:solidFill>
                   <a:srgbClr val="C00000"/>
                 </a:solidFill>
@@ -35742,7 +36094,7 @@
                 </a:solidFill>
                 <a:latin typeface="Consolas" panose="020B0609020204030204" pitchFamily="49" charset="0"/>
               </a:rPr>
-              <a:t>OnPersonItemClickListner</a:t>
+              <a:t>OnPersonItemClickListener</a:t>
             </a:r>
             <a:r>
               <a:rPr lang="en-US" altLang="ko-KR" sz="1600" dirty="0" smtClean="0">
@@ -36327,6 +36679,13 @@
   <p:clrMapOvr>
     <a:masterClrMapping/>
   </p:clrMapOvr>
+  <p:timing>
+    <p:tnLst>
+      <p:par>
+        <p:cTn id="1" dur="indefinite" restart="never" nodeType="tmRoot"/>
+      </p:par>
+    </p:tnLst>
+  </p:timing>
 </p:sld>
 </file>
 
@@ -36598,28 +36957,34 @@
               <a:t>    public void </a:t>
             </a:r>
             <a:r>
-              <a:rPr lang="en-US" altLang="ko-KR" dirty="0" err="1">
+              <a:rPr lang="en-US" altLang="ko-KR" dirty="0" err="1" smtClean="0">
                 <a:latin typeface="Consolas" panose="020B0609020204030204" pitchFamily="49" charset="0"/>
               </a:rPr>
               <a:t>setOnItemClickListener</a:t>
             </a:r>
             <a:r>
+              <a:rPr lang="en-US" altLang="ko-KR" dirty="0" smtClean="0">
+                <a:latin typeface="Consolas" panose="020B0609020204030204" pitchFamily="49" charset="0"/>
+              </a:rPr>
+              <a:t>(</a:t>
+            </a:r>
+            <a:r>
+              <a:rPr lang="en-US" altLang="ko-KR" dirty="0" err="1" smtClean="0">
+                <a:latin typeface="Consolas" panose="020B0609020204030204" pitchFamily="49" charset="0"/>
+              </a:rPr>
+              <a:t>OnPersonItemClickListener</a:t>
+            </a:r>
+            <a:r>
+              <a:rPr lang="en-US" altLang="ko-KR" dirty="0" smtClean="0">
+                <a:latin typeface="Consolas" panose="020B0609020204030204" pitchFamily="49" charset="0"/>
+              </a:rPr>
+              <a:t> </a:t>
+            </a:r>
+            <a:r>
               <a:rPr lang="en-US" altLang="ko-KR" dirty="0">
                 <a:latin typeface="Consolas" panose="020B0609020204030204" pitchFamily="49" charset="0"/>
               </a:rPr>
-              <a:t>(</a:t>
-            </a:r>
-            <a:r>
-              <a:rPr lang="en-US" altLang="ko-KR" dirty="0" err="1">
-                <a:latin typeface="Consolas" panose="020B0609020204030204" pitchFamily="49" charset="0"/>
-              </a:rPr>
-              <a:t>OnPersonItemClickListner</a:t>
-            </a:r>
-            <a:r>
-              <a:rPr lang="en-US" altLang="ko-KR" dirty="0">
-                <a:latin typeface="Consolas" panose="020B0609020204030204" pitchFamily="49" charset="0"/>
-              </a:rPr>
-              <a:t> listener) {</a:t>
+              <a:t>listener) {</a:t>
             </a:r>
           </a:p>
           <a:p>
@@ -36955,6 +37320,13 @@
   <p:clrMapOvr>
     <a:masterClrMapping/>
   </p:clrMapOvr>
+  <p:timing>
+    <p:tnLst>
+      <p:par>
+        <p:cTn id="1" dur="indefinite" restart="never" nodeType="tmRoot"/>
+      </p:par>
+    </p:tnLst>
+  </p:timing>
 </p:sld>
 </file>
 
@@ -37796,6 +38168,13 @@
   <p:clrMapOvr>
     <a:masterClrMapping/>
   </p:clrMapOvr>
+  <p:timing>
+    <p:tnLst>
+      <p:par>
+        <p:cTn id="1" dur="indefinite" restart="never" nodeType="tmRoot"/>
+      </p:par>
+    </p:tnLst>
+  </p:timing>
 </p:sld>
 </file>
 
@@ -38034,6 +38413,13 @@
   <p:clrMapOvr>
     <a:masterClrMapping/>
   </p:clrMapOvr>
+  <p:timing>
+    <p:tnLst>
+      <p:par>
+        <p:cTn id="1" dur="indefinite" restart="never" nodeType="tmRoot"/>
+      </p:par>
+    </p:tnLst>
+  </p:timing>
 </p:sld>
 </file>
 
@@ -38341,6 +38727,13 @@
   <p:clrMapOvr>
     <a:masterClrMapping/>
   </p:clrMapOvr>
+  <p:timing>
+    <p:tnLst>
+      <p:par>
+        <p:cTn id="1" dur="indefinite" restart="never" nodeType="tmRoot"/>
+      </p:par>
+    </p:tnLst>
+  </p:timing>
 </p:sld>
 </file>
 
@@ -38842,6 +39235,13 @@
   <p:clrMapOvr>
     <a:masterClrMapping/>
   </p:clrMapOvr>
+  <p:timing>
+    <p:tnLst>
+      <p:par>
+        <p:cTn id="1" dur="indefinite" restart="never" nodeType="tmRoot"/>
+      </p:par>
+    </p:tnLst>
+  </p:timing>
 </p:sld>
 </file>
 
@@ -39354,6 +39754,13 @@
   <p:clrMapOvr>
     <a:masterClrMapping/>
   </p:clrMapOvr>
+  <p:timing>
+    <p:tnLst>
+      <p:par>
+        <p:cTn id="1" dur="indefinite" restart="never" nodeType="tmRoot"/>
+      </p:par>
+    </p:tnLst>
+  </p:timing>
 </p:sld>
 </file>
 
@@ -39697,6 +40104,13 @@
   <p:clrMapOvr>
     <a:masterClrMapping/>
   </p:clrMapOvr>
+  <p:timing>
+    <p:tnLst>
+      <p:par>
+        <p:cTn id="1" dur="indefinite" restart="never" nodeType="tmRoot"/>
+      </p:par>
+    </p:tnLst>
+  </p:timing>
 </p:sld>
 </file>
 
@@ -40124,6 +40538,13 @@
   <p:clrMapOvr>
     <a:masterClrMapping/>
   </p:clrMapOvr>
+  <p:timing>
+    <p:tnLst>
+      <p:par>
+        <p:cTn id="1" dur="indefinite" restart="never" nodeType="tmRoot"/>
+      </p:par>
+    </p:tnLst>
+  </p:timing>
 </p:sld>
 </file>
 
@@ -40343,31 +40764,7 @@
               </a:rPr>
               <a:t>,   </a:t>
             </a:r>
-            <a:r>
-              <a:rPr lang="ko-KR" altLang="en-US" dirty="0">
-                <a:sym typeface="Wingdings" panose="05000000000000000000" pitchFamily="2" charset="2"/>
-              </a:rPr>
-              <a:t>내게도 아직 </a:t>
-            </a:r>
-            <a:r>
-              <a:rPr lang="ko-KR" altLang="en-US" dirty="0" smtClean="0">
-                <a:sym typeface="Wingdings" panose="05000000000000000000" pitchFamily="2" charset="2"/>
-              </a:rPr>
-              <a:t>디버깅해야 할 숙제입니다</a:t>
-            </a:r>
-            <a:r>
-              <a:rPr lang="en-US" altLang="ko-KR" dirty="0">
-                <a:sym typeface="Wingdings" panose="05000000000000000000" pitchFamily="2" charset="2"/>
-              </a:rPr>
-              <a:t>. </a:t>
-            </a:r>
             <a:endParaRPr lang="en-US" altLang="ko-KR" dirty="0"/>
-          </a:p>
-          <a:p>
-            <a:pPr marL="0" indent="0">
-              <a:buNone/>
-            </a:pPr>
-            <a:endParaRPr lang="en-US" altLang="ko-KR" dirty="0" smtClean="0"/>
           </a:p>
         </p:txBody>
       </p:sp>
@@ -40514,6 +40911,13 @@
   <p:clrMapOvr>
     <a:masterClrMapping/>
   </p:clrMapOvr>
+  <p:timing>
+    <p:tnLst>
+      <p:par>
+        <p:cTn id="1" dur="indefinite" restart="never" nodeType="tmRoot"/>
+      </p:par>
+    </p:tnLst>
+  </p:timing>
 </p:sld>
 </file>
 
@@ -40536,18 +40940,12 @@
       </p:grpSpPr>
       <p:sp>
         <p:nvSpPr>
-          <p:cNvPr id="2" name="슬라이드 번호 개체 틀 1">
-            <a:extLst>
-              <a:ext uri="{FF2B5EF4-FFF2-40B4-BE49-F238E27FC236}">
-                <a16:creationId xmlns:a16="http://schemas.microsoft.com/office/drawing/2014/main" id="{1FA164C2-2126-40C6-89DC-721C7FDD0CE2}"/>
-              </a:ext>
-            </a:extLst>
-          </p:cNvPr>
+          <p:cNvPr id="2" name="제목 1"/>
           <p:cNvSpPr>
             <a:spLocks noGrp="1"/>
           </p:cNvSpPr>
           <p:nvPr>
-            <p:ph type="sldNum" sz="quarter" idx="12"/>
+            <p:ph type="title"/>
           </p:nvPr>
         </p:nvSpPr>
         <p:spPr/>
@@ -40555,538 +40953,4297 @@
           <a:bodyPr/>
           <a:lstStyle/>
           <a:p>
-            <a:fld id="{9085FD98-BA4B-4537-9251-5519BF532862}" type="slidenum">
-              <a:rPr lang="ko-KR" altLang="en-US" smtClean="0"/>
-              <a:pPr/>
-              <a:t>63</a:t>
-            </a:fld>
+            <a:r>
+              <a:rPr lang="en-US" altLang="ko-KR" dirty="0">
+                <a:latin typeface="나눔고딕" panose="020D0604000000000000" pitchFamily="50" charset="-127"/>
+                <a:ea typeface="나눔고딕" panose="020D0604000000000000" pitchFamily="50" charset="-127"/>
+              </a:rPr>
+              <a:t>07-4 Recycler View </a:t>
+            </a:r>
+            <a:r>
+              <a:rPr lang="ko-KR" altLang="en-US" dirty="0">
+                <a:latin typeface="나눔고딕" panose="020D0604000000000000" pitchFamily="50" charset="-127"/>
+                <a:ea typeface="나눔고딕" panose="020D0604000000000000" pitchFamily="50" charset="-127"/>
+              </a:rPr>
+              <a:t>연습 문제 </a:t>
+            </a:r>
+            <a:r>
+              <a:rPr lang="en-US" altLang="ko-KR" dirty="0">
+                <a:latin typeface="나눔고딕" panose="020D0604000000000000" pitchFamily="50" charset="-127"/>
+                <a:ea typeface="나눔고딕" panose="020D0604000000000000" pitchFamily="50" charset="-127"/>
+              </a:rPr>
+              <a:t>– </a:t>
+            </a:r>
+            <a:r>
+              <a:rPr lang="en-US" altLang="ko-KR" dirty="0" smtClean="0">
+                <a:latin typeface="나눔고딕" panose="020D0604000000000000" pitchFamily="50" charset="-127"/>
+                <a:ea typeface="나눔고딕" panose="020D0604000000000000" pitchFamily="50" charset="-127"/>
+              </a:rPr>
+              <a:t>Selected items highlighted</a:t>
+            </a:r>
             <a:endParaRPr lang="ko-KR" altLang="en-US" dirty="0"/>
           </a:p>
         </p:txBody>
       </p:sp>
       <p:sp>
         <p:nvSpPr>
-          <p:cNvPr id="4" name="제목 1">
-            <a:extLst>
-              <a:ext uri="{FF2B5EF4-FFF2-40B4-BE49-F238E27FC236}">
-                <a16:creationId xmlns:a16="http://schemas.microsoft.com/office/drawing/2014/main" id="{8505B4B2-2AEB-4AA6-B6FA-F775CF41E87C}"/>
-              </a:ext>
-            </a:extLst>
-          </p:cNvPr>
-          <p:cNvSpPr txBox="1">
-            <a:spLocks/>
+          <p:cNvPr id="3" name="내용 개체 틀 2"/>
+          <p:cNvSpPr>
+            <a:spLocks noGrp="1"/>
           </p:cNvSpPr>
+          <p:nvPr>
+            <p:ph idx="10"/>
+          </p:nvPr>
+        </p:nvSpPr>
+        <p:spPr/>
+        <p:txBody>
+          <a:bodyPr/>
+          <a:lstStyle/>
+          <a:p>
+            <a:pPr marL="0" indent="0">
+              <a:buNone/>
+            </a:pPr>
+            <a:r>
+              <a:rPr lang="en-US" altLang="ko-KR" b="1" dirty="0" smtClean="0"/>
+              <a:t>Joy</a:t>
+            </a:r>
+            <a:r>
+              <a:rPr lang="en-US" altLang="ko-KR" b="1" dirty="0" smtClean="0">
+                <a:solidFill>
+                  <a:srgbClr val="C00000"/>
+                </a:solidFill>
+              </a:rPr>
+              <a:t>074</a:t>
+            </a:r>
+            <a:r>
+              <a:rPr lang="en-US" altLang="ko-KR" b="1" dirty="0" smtClean="0"/>
+              <a:t>RecylerView</a:t>
+            </a:r>
+            <a:r>
+              <a:rPr lang="en-US" altLang="ko-KR" b="1" dirty="0" smtClean="0"/>
+              <a:t>:</a:t>
+            </a:r>
+          </a:p>
+          <a:p>
+            <a:pPr marL="0" indent="0">
+              <a:buNone/>
+            </a:pPr>
+            <a:r>
+              <a:rPr lang="en-US" altLang="ko-KR" b="1" dirty="0" smtClean="0"/>
+              <a:t>1</a:t>
+            </a:r>
+            <a:r>
+              <a:rPr lang="en-US" altLang="ko-KR" b="1" baseline="30000" dirty="0" smtClean="0"/>
+              <a:t>st</a:t>
+            </a:r>
+            <a:r>
+              <a:rPr lang="en-US" altLang="ko-KR" b="1" dirty="0" smtClean="0"/>
+              <a:t> Trial: </a:t>
+            </a:r>
+            <a:r>
+              <a:rPr lang="en-US" altLang="ko-KR" dirty="0"/>
+              <a:t>Item</a:t>
+            </a:r>
+            <a:r>
+              <a:rPr lang="ko-KR" altLang="en-US" dirty="0"/>
+              <a:t>을 </a:t>
+            </a:r>
+            <a:r>
+              <a:rPr lang="ko-KR" altLang="en-US" dirty="0" err="1"/>
+              <a:t>탭할</a:t>
+            </a:r>
+            <a:r>
+              <a:rPr lang="ko-KR" altLang="en-US" dirty="0"/>
+              <a:t> 때마다 </a:t>
+            </a:r>
+            <a:r>
+              <a:rPr lang="ko-KR" altLang="en-US" dirty="0" smtClean="0"/>
+              <a:t>호출되는 </a:t>
+            </a:r>
+            <a:r>
+              <a:rPr lang="en-US" altLang="ko-KR" dirty="0" smtClean="0"/>
+              <a:t>MainActivity.java</a:t>
+            </a:r>
+            <a:r>
+              <a:rPr lang="ko-KR" altLang="en-US" dirty="0" smtClean="0"/>
+              <a:t>에 있는 </a:t>
+            </a:r>
+            <a:r>
+              <a:rPr lang="en-US" altLang="ko-KR" dirty="0" smtClean="0"/>
+              <a:t>onClick </a:t>
+            </a:r>
+            <a:r>
+              <a:rPr lang="ko-KR" altLang="en-US" dirty="0" err="1" smtClean="0"/>
+              <a:t>리스너에서</a:t>
+            </a:r>
+            <a:r>
+              <a:rPr lang="en-US" altLang="ko-KR" dirty="0" smtClean="0"/>
+              <a:t>, </a:t>
+            </a:r>
+            <a:r>
+              <a:rPr lang="ko-KR" altLang="en-US" dirty="0" smtClean="0"/>
+              <a:t>그 </a:t>
+            </a:r>
+            <a:r>
+              <a:rPr lang="en-US" altLang="ko-KR" dirty="0" smtClean="0"/>
+              <a:t>Item</a:t>
+            </a:r>
+            <a:r>
+              <a:rPr lang="ko-KR" altLang="en-US" dirty="0" smtClean="0"/>
+              <a:t>이 어댑터의 </a:t>
+            </a:r>
+            <a:r>
+              <a:rPr lang="en-US" altLang="ko-KR" dirty="0" err="1" smtClean="0"/>
+              <a:t>itemsSelected</a:t>
+            </a:r>
+            <a:r>
+              <a:rPr lang="en-US" altLang="ko-KR" dirty="0" smtClean="0"/>
+              <a:t> </a:t>
+            </a:r>
+            <a:r>
+              <a:rPr lang="ko-KR" altLang="en-US" dirty="0" smtClean="0"/>
+              <a:t>리스트에 체크하여 배경색을 </a:t>
+            </a:r>
+            <a:r>
+              <a:rPr lang="en-US" altLang="ko-KR" dirty="0" smtClean="0"/>
+              <a:t>update</a:t>
+            </a:r>
+            <a:r>
+              <a:rPr lang="ko-KR" altLang="en-US" dirty="0"/>
+              <a:t> </a:t>
+            </a:r>
+            <a:r>
+              <a:rPr lang="ko-KR" altLang="en-US" dirty="0" smtClean="0"/>
+              <a:t>해봅니다</a:t>
+            </a:r>
+            <a:r>
+              <a:rPr lang="en-US" altLang="ko-KR" dirty="0" smtClean="0"/>
+              <a:t>. </a:t>
+            </a:r>
+          </a:p>
+          <a:p>
+            <a:pPr marL="0" indent="0">
+              <a:buNone/>
+            </a:pPr>
+            <a:endParaRPr lang="en-US" altLang="ko-KR" dirty="0"/>
+          </a:p>
+          <a:p>
+            <a:pPr marL="0" indent="0">
+              <a:buNone/>
+            </a:pPr>
+            <a:endParaRPr lang="en-US" altLang="ko-KR" dirty="0"/>
+          </a:p>
+        </p:txBody>
+      </p:sp>
+      <p:sp>
+        <p:nvSpPr>
+          <p:cNvPr id="4" name="슬라이드 번호 개체 틀 3"/>
+          <p:cNvSpPr>
+            <a:spLocks noGrp="1"/>
+          </p:cNvSpPr>
+          <p:nvPr>
+            <p:ph type="sldNum" sz="quarter" idx="14"/>
+          </p:nvPr>
+        </p:nvSpPr>
+        <p:spPr/>
+        <p:txBody>
+          <a:bodyPr/>
+          <a:lstStyle/>
+          <a:p>
+            <a:pPr>
+              <a:defRPr/>
+            </a:pPr>
+            <a:fld id="{3D493B47-E977-46F8-8C2F-7DA674317049}" type="slidenum">
+              <a:rPr lang="ko-KR" altLang="en-US" smtClean="0"/>
+              <a:pPr>
+                <a:defRPr/>
+              </a:pPr>
+              <a:t>63</a:t>
+            </a:fld>
+            <a:endParaRPr lang="ko-KR" altLang="en-US"/>
+          </a:p>
+        </p:txBody>
+      </p:sp>
+      <p:sp>
+        <p:nvSpPr>
+          <p:cNvPr id="5" name="직사각형 4"/>
+          <p:cNvSpPr/>
           <p:nvPr/>
         </p:nvSpPr>
         <p:spPr>
           <a:xfrm>
-            <a:off x="2099640" y="3284984"/>
-            <a:ext cx="4998981" cy="936104"/>
+            <a:off x="447394" y="2204864"/>
+            <a:ext cx="11253818" cy="4185761"/>
+          </a:xfrm>
+          <a:prstGeom prst="rect">
+            <a:avLst/>
+          </a:prstGeom>
+          <a:solidFill>
+            <a:schemeClr val="bg1">
+              <a:lumMod val="95000"/>
+            </a:schemeClr>
+          </a:solidFill>
+          <a:ln>
+            <a:solidFill>
+              <a:schemeClr val="bg1">
+                <a:lumMod val="75000"/>
+              </a:schemeClr>
+            </a:solidFill>
+          </a:ln>
+        </p:spPr>
+        <p:txBody>
+          <a:bodyPr wrap="square">
+            <a:spAutoFit/>
+          </a:bodyPr>
+          <a:lstStyle/>
+          <a:p>
+            <a:r>
+              <a:rPr lang="en-US" altLang="ko-KR" sz="1400" dirty="0">
+                <a:latin typeface="Consolas" panose="020B0609020204030204" pitchFamily="49" charset="0"/>
+              </a:rPr>
+              <a:t> </a:t>
+            </a:r>
+            <a:r>
+              <a:rPr lang="en-US" altLang="ko-KR" sz="1400" dirty="0" smtClean="0">
+                <a:latin typeface="Consolas" panose="020B0609020204030204" pitchFamily="49" charset="0"/>
+              </a:rPr>
+              <a:t>       </a:t>
+            </a:r>
+            <a:r>
+              <a:rPr lang="en-US" altLang="ko-KR" sz="1400" dirty="0" err="1" smtClean="0">
+                <a:latin typeface="Consolas" panose="020B0609020204030204" pitchFamily="49" charset="0"/>
+              </a:rPr>
+              <a:t>adapter.setOnItemClickListener</a:t>
+            </a:r>
+            <a:r>
+              <a:rPr lang="en-US" altLang="ko-KR" sz="1400" dirty="0" smtClean="0">
+                <a:latin typeface="Consolas" panose="020B0609020204030204" pitchFamily="49" charset="0"/>
+              </a:rPr>
+              <a:t>(new </a:t>
+            </a:r>
+            <a:r>
+              <a:rPr lang="en-US" altLang="ko-KR" sz="1400" b="1" dirty="0" err="1">
+                <a:latin typeface="Consolas" panose="020B0609020204030204" pitchFamily="49" charset="0"/>
+              </a:rPr>
+              <a:t>OnPersonItemClickListener</a:t>
+            </a:r>
+            <a:r>
+              <a:rPr lang="en-US" altLang="ko-KR" sz="1400" b="1" dirty="0">
+                <a:latin typeface="Consolas" panose="020B0609020204030204" pitchFamily="49" charset="0"/>
+              </a:rPr>
+              <a:t>() </a:t>
+            </a:r>
+            <a:r>
+              <a:rPr lang="en-US" altLang="ko-KR" sz="1400" dirty="0">
+                <a:latin typeface="Consolas" panose="020B0609020204030204" pitchFamily="49" charset="0"/>
+              </a:rPr>
+              <a:t>{</a:t>
+            </a:r>
+          </a:p>
+          <a:p>
+            <a:r>
+              <a:rPr lang="en-US" altLang="ko-KR" sz="1400" dirty="0">
+                <a:latin typeface="Consolas" panose="020B0609020204030204" pitchFamily="49" charset="0"/>
+              </a:rPr>
+              <a:t>            @Override</a:t>
+            </a:r>
+          </a:p>
+          <a:p>
+            <a:r>
+              <a:rPr lang="en-US" altLang="ko-KR" sz="1400" dirty="0">
+                <a:latin typeface="Consolas" panose="020B0609020204030204" pitchFamily="49" charset="0"/>
+              </a:rPr>
+              <a:t>            public void </a:t>
+            </a:r>
+            <a:r>
+              <a:rPr lang="en-US" altLang="ko-KR" sz="1400" b="1" dirty="0" err="1">
+                <a:latin typeface="Consolas" panose="020B0609020204030204" pitchFamily="49" charset="0"/>
+              </a:rPr>
+              <a:t>onItemClick</a:t>
+            </a:r>
+            <a:r>
+              <a:rPr lang="en-US" altLang="ko-KR" sz="1400" dirty="0">
+                <a:latin typeface="Consolas" panose="020B0609020204030204" pitchFamily="49" charset="0"/>
+              </a:rPr>
+              <a:t>(</a:t>
+            </a:r>
+            <a:r>
+              <a:rPr lang="en-US" altLang="ko-KR" sz="1400" dirty="0" err="1">
+                <a:latin typeface="Consolas" panose="020B0609020204030204" pitchFamily="49" charset="0"/>
+              </a:rPr>
+              <a:t>PersonAdapter.ViewHolder</a:t>
+            </a:r>
+            <a:r>
+              <a:rPr lang="en-US" altLang="ko-KR" sz="1400" dirty="0">
+                <a:latin typeface="Consolas" panose="020B0609020204030204" pitchFamily="49" charset="0"/>
+              </a:rPr>
+              <a:t> holder, View </a:t>
+            </a:r>
+            <a:r>
+              <a:rPr lang="en-US" altLang="ko-KR" sz="1400" dirty="0" err="1">
+                <a:latin typeface="Consolas" panose="020B0609020204030204" pitchFamily="49" charset="0"/>
+              </a:rPr>
+              <a:t>view</a:t>
+            </a:r>
+            <a:r>
+              <a:rPr lang="en-US" altLang="ko-KR" sz="1400" dirty="0">
+                <a:latin typeface="Consolas" panose="020B0609020204030204" pitchFamily="49" charset="0"/>
+              </a:rPr>
+              <a:t>, int position) {</a:t>
+            </a:r>
+          </a:p>
+          <a:p>
+            <a:r>
+              <a:rPr lang="en-US" altLang="ko-KR" sz="1400" dirty="0">
+                <a:latin typeface="Consolas" panose="020B0609020204030204" pitchFamily="49" charset="0"/>
+              </a:rPr>
+              <a:t>                </a:t>
+            </a:r>
+            <a:r>
+              <a:rPr lang="en-US" altLang="ko-KR" sz="1400" dirty="0" err="1">
+                <a:latin typeface="Consolas" panose="020B0609020204030204" pitchFamily="49" charset="0"/>
+              </a:rPr>
+              <a:t>Log.d</a:t>
+            </a:r>
+            <a:r>
+              <a:rPr lang="en-US" altLang="ko-KR" sz="1400" dirty="0">
+                <a:latin typeface="Consolas" panose="020B0609020204030204" pitchFamily="49" charset="0"/>
+              </a:rPr>
+              <a:t>(TAG, "Position: " + position);</a:t>
+            </a:r>
+          </a:p>
+          <a:p>
+            <a:r>
+              <a:rPr lang="en-US" altLang="ko-KR" sz="1400" dirty="0">
+                <a:latin typeface="Consolas" panose="020B0609020204030204" pitchFamily="49" charset="0"/>
+              </a:rPr>
+              <a:t>                </a:t>
+            </a:r>
+            <a:r>
+              <a:rPr lang="en-US" altLang="ko-KR" sz="1400" dirty="0" err="1">
+                <a:latin typeface="Consolas" panose="020B0609020204030204" pitchFamily="49" charset="0"/>
+              </a:rPr>
+              <a:t>adapter.addItemsSelected</a:t>
+            </a:r>
+            <a:r>
+              <a:rPr lang="en-US" altLang="ko-KR" sz="1400" dirty="0">
+                <a:latin typeface="Consolas" panose="020B0609020204030204" pitchFamily="49" charset="0"/>
+              </a:rPr>
+              <a:t>(position);</a:t>
+            </a:r>
+          </a:p>
+          <a:p>
+            <a:r>
+              <a:rPr lang="en-US" altLang="ko-KR" sz="1400" dirty="0">
+                <a:latin typeface="Consolas" panose="020B0609020204030204" pitchFamily="49" charset="0"/>
+              </a:rPr>
+              <a:t>                Person item = </a:t>
+            </a:r>
+            <a:r>
+              <a:rPr lang="en-US" altLang="ko-KR" sz="1400" dirty="0" err="1">
+                <a:latin typeface="Consolas" panose="020B0609020204030204" pitchFamily="49" charset="0"/>
+              </a:rPr>
+              <a:t>adapter.getItem</a:t>
+            </a:r>
+            <a:r>
+              <a:rPr lang="en-US" altLang="ko-KR" sz="1400" dirty="0">
+                <a:latin typeface="Consolas" panose="020B0609020204030204" pitchFamily="49" charset="0"/>
+              </a:rPr>
+              <a:t>(position);</a:t>
+            </a:r>
+          </a:p>
+          <a:p>
+            <a:endParaRPr lang="en-US" altLang="ko-KR" sz="1400" dirty="0">
+              <a:latin typeface="Consolas" panose="020B0609020204030204" pitchFamily="49" charset="0"/>
+            </a:endParaRPr>
+          </a:p>
+          <a:p>
+            <a:r>
+              <a:rPr lang="en-US" altLang="ko-KR" sz="1400" dirty="0">
+                <a:latin typeface="Consolas" panose="020B0609020204030204" pitchFamily="49" charset="0"/>
+              </a:rPr>
+              <a:t>                Toast.makeText(</a:t>
+            </a:r>
+            <a:r>
+              <a:rPr lang="en-US" altLang="ko-KR" sz="1400" dirty="0" err="1">
+                <a:latin typeface="Consolas" panose="020B0609020204030204" pitchFamily="49" charset="0"/>
+              </a:rPr>
+              <a:t>getApplicationContext</a:t>
+            </a:r>
+            <a:r>
+              <a:rPr lang="en-US" altLang="ko-KR" sz="1400" dirty="0">
+                <a:latin typeface="Consolas" panose="020B0609020204030204" pitchFamily="49" charset="0"/>
+              </a:rPr>
+              <a:t>(), "item: " + </a:t>
+            </a:r>
+            <a:r>
+              <a:rPr lang="en-US" altLang="ko-KR" sz="1400" dirty="0" err="1">
+                <a:latin typeface="Consolas" panose="020B0609020204030204" pitchFamily="49" charset="0"/>
+              </a:rPr>
+              <a:t>item.getName</a:t>
+            </a:r>
+            <a:r>
+              <a:rPr lang="en-US" altLang="ko-KR" sz="1400" dirty="0">
+                <a:latin typeface="Consolas" panose="020B0609020204030204" pitchFamily="49" charset="0"/>
+              </a:rPr>
+              <a:t>(), Toast.LENGTH_LONG).show();</a:t>
+            </a:r>
+          </a:p>
+          <a:p>
+            <a:r>
+              <a:rPr lang="en-US" altLang="ko-KR" sz="1400" dirty="0">
+                <a:latin typeface="Consolas" panose="020B0609020204030204" pitchFamily="49" charset="0"/>
+              </a:rPr>
+              <a:t>                </a:t>
+            </a:r>
+            <a:r>
+              <a:rPr lang="en-US" altLang="ko-KR" sz="1400" dirty="0" err="1">
+                <a:latin typeface="Consolas" panose="020B0609020204030204" pitchFamily="49" charset="0"/>
+              </a:rPr>
+              <a:t>Snackbar.make</a:t>
+            </a:r>
+            <a:r>
+              <a:rPr lang="en-US" altLang="ko-KR" sz="1400" dirty="0">
+                <a:latin typeface="Consolas" panose="020B0609020204030204" pitchFamily="49" charset="0"/>
+              </a:rPr>
+              <a:t>(view, </a:t>
+            </a:r>
+            <a:r>
+              <a:rPr lang="en-US" altLang="ko-KR" sz="1400" dirty="0" err="1">
+                <a:latin typeface="Consolas" panose="020B0609020204030204" pitchFamily="49" charset="0"/>
+              </a:rPr>
+              <a:t>adapter.getItemsSelected</a:t>
+            </a:r>
+            <a:r>
+              <a:rPr lang="en-US" altLang="ko-KR" sz="1400" dirty="0">
+                <a:latin typeface="Consolas" panose="020B0609020204030204" pitchFamily="49" charset="0"/>
+              </a:rPr>
+              <a:t>().toString(), </a:t>
+            </a:r>
+            <a:r>
+              <a:rPr lang="en-US" altLang="ko-KR" sz="1400" dirty="0" err="1">
+                <a:latin typeface="Consolas" panose="020B0609020204030204" pitchFamily="49" charset="0"/>
+              </a:rPr>
+              <a:t>Snackbar.LENGTH_INDEFINITE</a:t>
+            </a:r>
+            <a:r>
+              <a:rPr lang="en-US" altLang="ko-KR" sz="1400" dirty="0">
+                <a:latin typeface="Consolas" panose="020B0609020204030204" pitchFamily="49" charset="0"/>
+              </a:rPr>
+              <a:t>).show();</a:t>
+            </a:r>
+          </a:p>
+          <a:p>
+            <a:endParaRPr lang="en-US" altLang="ko-KR" sz="1400" dirty="0">
+              <a:latin typeface="Consolas" panose="020B0609020204030204" pitchFamily="49" charset="0"/>
+            </a:endParaRPr>
+          </a:p>
+          <a:p>
+            <a:r>
+              <a:rPr lang="en-US" altLang="ko-KR" sz="1400" b="1" dirty="0">
+                <a:latin typeface="Consolas" panose="020B0609020204030204" pitchFamily="49" charset="0"/>
+              </a:rPr>
+              <a:t>                </a:t>
+            </a:r>
+            <a:r>
+              <a:rPr lang="en-US" altLang="ko-KR" sz="1400" b="1" dirty="0" err="1">
+                <a:latin typeface="Consolas" panose="020B0609020204030204" pitchFamily="49" charset="0"/>
+              </a:rPr>
+              <a:t>ArrayList</a:t>
+            </a:r>
+            <a:r>
+              <a:rPr lang="en-US" altLang="ko-KR" sz="1400" b="1" dirty="0">
+                <a:latin typeface="Consolas" panose="020B0609020204030204" pitchFamily="49" charset="0"/>
+              </a:rPr>
+              <a:t>&lt;Integer&gt; </a:t>
+            </a:r>
+            <a:r>
+              <a:rPr lang="en-US" altLang="ko-KR" sz="1400" b="1" dirty="0" err="1">
+                <a:latin typeface="Consolas" panose="020B0609020204030204" pitchFamily="49" charset="0"/>
+              </a:rPr>
+              <a:t>itemsSelected</a:t>
+            </a:r>
+            <a:r>
+              <a:rPr lang="en-US" altLang="ko-KR" sz="1400" b="1" dirty="0">
+                <a:latin typeface="Consolas" panose="020B0609020204030204" pitchFamily="49" charset="0"/>
+              </a:rPr>
+              <a:t> = </a:t>
+            </a:r>
+            <a:r>
+              <a:rPr lang="en-US" altLang="ko-KR" sz="1400" b="1" dirty="0" err="1">
+                <a:latin typeface="Consolas" panose="020B0609020204030204" pitchFamily="49" charset="0"/>
+              </a:rPr>
+              <a:t>adapter.getItemsSelected</a:t>
+            </a:r>
+            <a:r>
+              <a:rPr lang="en-US" altLang="ko-KR" sz="1400" b="1" dirty="0">
+                <a:latin typeface="Consolas" panose="020B0609020204030204" pitchFamily="49" charset="0"/>
+              </a:rPr>
+              <a:t>();</a:t>
+            </a:r>
+          </a:p>
+          <a:p>
+            <a:r>
+              <a:rPr lang="en-US" altLang="ko-KR" sz="1400" b="1" dirty="0">
+                <a:latin typeface="Consolas" panose="020B0609020204030204" pitchFamily="49" charset="0"/>
+              </a:rPr>
+              <a:t>                if (</a:t>
+            </a:r>
+            <a:r>
+              <a:rPr lang="en-US" altLang="ko-KR" sz="1400" b="1" dirty="0" err="1">
+                <a:latin typeface="Consolas" panose="020B0609020204030204" pitchFamily="49" charset="0"/>
+              </a:rPr>
+              <a:t>itemsSelected.contains</a:t>
+            </a:r>
+            <a:r>
+              <a:rPr lang="en-US" altLang="ko-KR" sz="1400" b="1" dirty="0">
+                <a:latin typeface="Consolas" panose="020B0609020204030204" pitchFamily="49" charset="0"/>
+              </a:rPr>
+              <a:t>(position)) {</a:t>
+            </a:r>
+          </a:p>
+          <a:p>
+            <a:r>
+              <a:rPr lang="en-US" altLang="ko-KR" sz="1400" b="1" dirty="0">
+                <a:latin typeface="Consolas" panose="020B0609020204030204" pitchFamily="49" charset="0"/>
+              </a:rPr>
+              <a:t>                    </a:t>
+            </a:r>
+            <a:r>
+              <a:rPr lang="en-US" altLang="ko-KR" sz="1400" b="1" dirty="0" err="1">
+                <a:latin typeface="Consolas" panose="020B0609020204030204" pitchFamily="49" charset="0"/>
+              </a:rPr>
+              <a:t>view.setBackgroundColor</a:t>
+            </a:r>
+            <a:r>
+              <a:rPr lang="en-US" altLang="ko-KR" sz="1400" b="1" dirty="0">
+                <a:latin typeface="Consolas" panose="020B0609020204030204" pitchFamily="49" charset="0"/>
+              </a:rPr>
+              <a:t>(</a:t>
+            </a:r>
+            <a:r>
+              <a:rPr lang="en-US" altLang="ko-KR" sz="1400" b="1" dirty="0" err="1">
+                <a:latin typeface="Consolas" panose="020B0609020204030204" pitchFamily="49" charset="0"/>
+              </a:rPr>
+              <a:t>Color.YELLOW</a:t>
+            </a:r>
+            <a:r>
+              <a:rPr lang="en-US" altLang="ko-KR" sz="1400" b="1" dirty="0">
+                <a:latin typeface="Consolas" panose="020B0609020204030204" pitchFamily="49" charset="0"/>
+              </a:rPr>
+              <a:t>);</a:t>
+            </a:r>
+          </a:p>
+          <a:p>
+            <a:r>
+              <a:rPr lang="en-US" altLang="ko-KR" sz="1400" b="1" dirty="0">
+                <a:latin typeface="Consolas" panose="020B0609020204030204" pitchFamily="49" charset="0"/>
+              </a:rPr>
+              <a:t>                }</a:t>
+            </a:r>
+          </a:p>
+          <a:p>
+            <a:r>
+              <a:rPr lang="en-US" altLang="ko-KR" sz="1400" b="1" dirty="0">
+                <a:latin typeface="Consolas" panose="020B0609020204030204" pitchFamily="49" charset="0"/>
+              </a:rPr>
+              <a:t>                else {</a:t>
+            </a:r>
+          </a:p>
+          <a:p>
+            <a:r>
+              <a:rPr lang="en-US" altLang="ko-KR" sz="1400" b="1" dirty="0">
+                <a:latin typeface="Consolas" panose="020B0609020204030204" pitchFamily="49" charset="0"/>
+              </a:rPr>
+              <a:t>                    </a:t>
+            </a:r>
+            <a:r>
+              <a:rPr lang="en-US" altLang="ko-KR" sz="1400" b="1" dirty="0" err="1">
+                <a:latin typeface="Consolas" panose="020B0609020204030204" pitchFamily="49" charset="0"/>
+              </a:rPr>
+              <a:t>view.setBackgroundColor</a:t>
+            </a:r>
+            <a:r>
+              <a:rPr lang="en-US" altLang="ko-KR" sz="1400" b="1" dirty="0">
+                <a:latin typeface="Consolas" panose="020B0609020204030204" pitchFamily="49" charset="0"/>
+              </a:rPr>
+              <a:t>(</a:t>
+            </a:r>
+            <a:r>
+              <a:rPr lang="en-US" altLang="ko-KR" sz="1400" b="1" dirty="0" err="1">
+                <a:latin typeface="Consolas" panose="020B0609020204030204" pitchFamily="49" charset="0"/>
+              </a:rPr>
+              <a:t>Color.WHITE</a:t>
+            </a:r>
+            <a:r>
+              <a:rPr lang="en-US" altLang="ko-KR" sz="1400" b="1" dirty="0">
+                <a:latin typeface="Consolas" panose="020B0609020204030204" pitchFamily="49" charset="0"/>
+              </a:rPr>
+              <a:t>);</a:t>
+            </a:r>
+          </a:p>
+          <a:p>
+            <a:r>
+              <a:rPr lang="en-US" altLang="ko-KR" sz="1400" b="1" dirty="0">
+                <a:latin typeface="Consolas" panose="020B0609020204030204" pitchFamily="49" charset="0"/>
+              </a:rPr>
+              <a:t>                }</a:t>
+            </a:r>
+          </a:p>
+          <a:p>
+            <a:r>
+              <a:rPr lang="en-US" altLang="ko-KR" sz="1400" dirty="0">
+                <a:latin typeface="Consolas" panose="020B0609020204030204" pitchFamily="49" charset="0"/>
+              </a:rPr>
+              <a:t>            }</a:t>
+            </a:r>
+          </a:p>
+          <a:p>
+            <a:r>
+              <a:rPr lang="en-US" altLang="ko-KR" sz="1400" dirty="0">
+                <a:latin typeface="Consolas" panose="020B0609020204030204" pitchFamily="49" charset="0"/>
+              </a:rPr>
+              <a:t>        });</a:t>
+            </a:r>
+            <a:endParaRPr lang="ko-KR" altLang="en-US" sz="1400" dirty="0">
+              <a:latin typeface="Consolas" panose="020B0609020204030204" pitchFamily="49" charset="0"/>
+            </a:endParaRPr>
+          </a:p>
+        </p:txBody>
+      </p:sp>
+      <p:sp>
+        <p:nvSpPr>
+          <p:cNvPr id="9" name="TextBox 8"/>
+          <p:cNvSpPr txBox="1"/>
+          <p:nvPr/>
+        </p:nvSpPr>
+        <p:spPr>
+          <a:xfrm>
+            <a:off x="9011760" y="2050975"/>
+            <a:ext cx="2062641" cy="307777"/>
+          </a:xfrm>
+          <a:prstGeom prst="rect">
+            <a:avLst/>
+          </a:prstGeom>
+          <a:solidFill>
+            <a:srgbClr val="FFC000"/>
+          </a:solidFill>
+        </p:spPr>
+        <p:txBody>
+          <a:bodyPr wrap="square" rtlCol="0">
+            <a:spAutoFit/>
+          </a:bodyPr>
+          <a:lstStyle/>
+          <a:p>
+            <a:r>
+              <a:rPr lang="en-US" altLang="ko-KR" sz="1400" dirty="0" smtClean="0"/>
+              <a:t>MainActivityr.java</a:t>
+            </a:r>
+            <a:endParaRPr lang="ko-KR" altLang="en-US" sz="1400" dirty="0"/>
+          </a:p>
+        </p:txBody>
+      </p:sp>
+    </p:spTree>
+    <p:extLst>
+      <p:ext uri="{BB962C8B-B14F-4D97-AF65-F5344CB8AC3E}">
+        <p14:creationId xmlns:p14="http://schemas.microsoft.com/office/powerpoint/2010/main" val="2259390178"/>
+      </p:ext>
+    </p:extLst>
+  </p:cSld>
+  <p:clrMapOvr>
+    <a:masterClrMapping/>
+  </p:clrMapOvr>
+  <p:timing>
+    <p:tnLst>
+      <p:par>
+        <p:cTn id="1" dur="indefinite" restart="never" nodeType="tmRoot"/>
+      </p:par>
+    </p:tnLst>
+  </p:timing>
+</p:sld>
+</file>
+
+<file path=ppt/slides/slide64.xml><?xml version="1.0" encoding="utf-8"?>
+<p:sld xmlns:a="http://schemas.openxmlformats.org/drawingml/2006/main" xmlns:r="http://schemas.openxmlformats.org/officeDocument/2006/relationships" xmlns:p="http://schemas.openxmlformats.org/presentationml/2006/main">
+  <p:cSld>
+    <p:spTree>
+      <p:nvGrpSpPr>
+        <p:cNvPr id="1" name=""/>
+        <p:cNvGrpSpPr/>
+        <p:nvPr/>
+      </p:nvGrpSpPr>
+      <p:grpSpPr>
+        <a:xfrm>
+          <a:off x="0" y="0"/>
+          <a:ext cx="0" cy="0"/>
+          <a:chOff x="0" y="0"/>
+          <a:chExt cx="0" cy="0"/>
+        </a:xfrm>
+      </p:grpSpPr>
+      <p:sp>
+        <p:nvSpPr>
+          <p:cNvPr id="2" name="제목 1"/>
+          <p:cNvSpPr>
+            <a:spLocks noGrp="1"/>
+          </p:cNvSpPr>
+          <p:nvPr>
+            <p:ph type="title"/>
+          </p:nvPr>
+        </p:nvSpPr>
+        <p:spPr/>
+        <p:txBody>
+          <a:bodyPr/>
+          <a:lstStyle/>
+          <a:p>
+            <a:r>
+              <a:rPr lang="en-US" altLang="ko-KR" dirty="0">
+                <a:latin typeface="나눔고딕" panose="020D0604000000000000" pitchFamily="50" charset="-127"/>
+                <a:ea typeface="나눔고딕" panose="020D0604000000000000" pitchFamily="50" charset="-127"/>
+              </a:rPr>
+              <a:t>07-4 Recycler View </a:t>
+            </a:r>
+            <a:r>
+              <a:rPr lang="ko-KR" altLang="en-US" dirty="0">
+                <a:latin typeface="나눔고딕" panose="020D0604000000000000" pitchFamily="50" charset="-127"/>
+                <a:ea typeface="나눔고딕" panose="020D0604000000000000" pitchFamily="50" charset="-127"/>
+              </a:rPr>
+              <a:t>연습 문제 </a:t>
+            </a:r>
+            <a:r>
+              <a:rPr lang="en-US" altLang="ko-KR" dirty="0">
+                <a:latin typeface="나눔고딕" panose="020D0604000000000000" pitchFamily="50" charset="-127"/>
+                <a:ea typeface="나눔고딕" panose="020D0604000000000000" pitchFamily="50" charset="-127"/>
+              </a:rPr>
+              <a:t>– </a:t>
+            </a:r>
+            <a:r>
+              <a:rPr lang="en-US" altLang="ko-KR" dirty="0" smtClean="0">
+                <a:latin typeface="나눔고딕" panose="020D0604000000000000" pitchFamily="50" charset="-127"/>
+                <a:ea typeface="나눔고딕" panose="020D0604000000000000" pitchFamily="50" charset="-127"/>
+              </a:rPr>
+              <a:t>Selected items highlighted</a:t>
+            </a:r>
+            <a:endParaRPr lang="ko-KR" altLang="en-US" dirty="0"/>
+          </a:p>
+        </p:txBody>
+      </p:sp>
+      <p:sp>
+        <p:nvSpPr>
+          <p:cNvPr id="3" name="내용 개체 틀 2"/>
+          <p:cNvSpPr>
+            <a:spLocks noGrp="1"/>
+          </p:cNvSpPr>
+          <p:nvPr>
+            <p:ph idx="10"/>
+          </p:nvPr>
+        </p:nvSpPr>
+        <p:spPr/>
+        <p:txBody>
+          <a:bodyPr/>
+          <a:lstStyle/>
+          <a:p>
+            <a:pPr marL="0" indent="0">
+              <a:buNone/>
+            </a:pPr>
+            <a:r>
+              <a:rPr lang="en-US" altLang="ko-KR" b="1" dirty="0" smtClean="0"/>
+              <a:t>Joy</a:t>
+            </a:r>
+            <a:r>
+              <a:rPr lang="en-US" altLang="ko-KR" b="1" dirty="0" smtClean="0">
+                <a:solidFill>
+                  <a:srgbClr val="C00000"/>
+                </a:solidFill>
+              </a:rPr>
+              <a:t>074</a:t>
+            </a:r>
+            <a:r>
+              <a:rPr lang="en-US" altLang="ko-KR" b="1" dirty="0" smtClean="0"/>
+              <a:t>RecylerView</a:t>
+            </a:r>
+            <a:r>
+              <a:rPr lang="en-US" altLang="ko-KR" b="1" dirty="0" smtClean="0"/>
+              <a:t>:</a:t>
+            </a:r>
+          </a:p>
+          <a:p>
+            <a:pPr marL="0" indent="0">
+              <a:buNone/>
+            </a:pPr>
+            <a:r>
+              <a:rPr lang="en-US" altLang="ko-KR" b="1" dirty="0" smtClean="0"/>
+              <a:t>1</a:t>
+            </a:r>
+            <a:r>
+              <a:rPr lang="en-US" altLang="ko-KR" b="1" baseline="30000" dirty="0" smtClean="0"/>
+              <a:t>st</a:t>
+            </a:r>
+            <a:r>
+              <a:rPr lang="en-US" altLang="ko-KR" b="1" dirty="0" smtClean="0"/>
+              <a:t> Trial </a:t>
+            </a:r>
+            <a:r>
+              <a:rPr lang="ko-KR" altLang="en-US" b="1" dirty="0" smtClean="0"/>
+              <a:t>계속</a:t>
+            </a:r>
+            <a:r>
+              <a:rPr lang="en-US" altLang="ko-KR" b="1" dirty="0" smtClean="0"/>
+              <a:t>: </a:t>
+            </a:r>
+          </a:p>
+          <a:p>
+            <a:r>
+              <a:rPr lang="ko-KR" altLang="en-US" dirty="0" smtClean="0"/>
+              <a:t>처음에는 </a:t>
+            </a:r>
+            <a:r>
+              <a:rPr lang="ko-KR" altLang="en-US" dirty="0"/>
+              <a:t>잘 </a:t>
+            </a:r>
+            <a:r>
+              <a:rPr lang="ko-KR" altLang="en-US" dirty="0"/>
+              <a:t>되는 </a:t>
+            </a:r>
+            <a:r>
+              <a:rPr lang="ko-KR" altLang="en-US" dirty="0"/>
+              <a:t>것 같지만</a:t>
+            </a:r>
+            <a:r>
+              <a:rPr lang="en-US" altLang="ko-KR" dirty="0"/>
+              <a:t>..... </a:t>
+            </a:r>
+            <a:r>
+              <a:rPr lang="ko-KR" altLang="en-US" dirty="0"/>
+              <a:t>나중에 어떤 문제점을 </a:t>
+            </a:r>
+            <a:r>
+              <a:rPr lang="ko-KR" altLang="en-US" dirty="0" smtClean="0"/>
+              <a:t>발견하였는지요</a:t>
+            </a:r>
+            <a:r>
+              <a:rPr lang="en-US" altLang="ko-KR" dirty="0" smtClean="0"/>
+              <a:t>? </a:t>
+            </a:r>
+            <a:r>
+              <a:rPr lang="ko-KR" altLang="en-US" dirty="0" smtClean="0"/>
+              <a:t>왜 그런 현상이 발생하는 것일까요</a:t>
+            </a:r>
+            <a:r>
+              <a:rPr lang="en-US" altLang="ko-KR" dirty="0" smtClean="0"/>
+              <a:t>? </a:t>
+            </a:r>
+          </a:p>
+          <a:p>
+            <a:endParaRPr lang="en-US" altLang="ko-KR" dirty="0"/>
+          </a:p>
+          <a:p>
+            <a:r>
+              <a:rPr lang="ko-KR" altLang="en-US" dirty="0" err="1" smtClean="0"/>
+              <a:t>스크롤링을</a:t>
+            </a:r>
+            <a:r>
+              <a:rPr lang="ko-KR" altLang="en-US" dirty="0" smtClean="0"/>
+              <a:t> 하면</a:t>
+            </a:r>
+            <a:r>
+              <a:rPr lang="en-US" altLang="ko-KR" dirty="0" smtClean="0"/>
+              <a:t>, </a:t>
+            </a:r>
+            <a:r>
+              <a:rPr lang="ko-KR" altLang="en-US" dirty="0" smtClean="0"/>
+              <a:t>선택하지도 않은 뷰들이 노란색으로 나타나는 현상을 볼 수 있습니다</a:t>
+            </a:r>
+            <a:r>
+              <a:rPr lang="en-US" altLang="ko-KR" dirty="0" smtClean="0"/>
+              <a:t>. </a:t>
+            </a:r>
+            <a:r>
+              <a:rPr lang="ko-KR" altLang="en-US" dirty="0"/>
+              <a:t>왜 </a:t>
+            </a:r>
+            <a:r>
+              <a:rPr lang="ko-KR" altLang="en-US" dirty="0" smtClean="0"/>
+              <a:t>그럴까요</a:t>
+            </a:r>
+            <a:r>
+              <a:rPr lang="en-US" altLang="ko-KR" dirty="0" smtClean="0"/>
+              <a:t>?</a:t>
+            </a:r>
+          </a:p>
+          <a:p>
+            <a:r>
+              <a:rPr lang="ko-KR" altLang="en-US" dirty="0" smtClean="0"/>
+              <a:t>중요한 개념은 </a:t>
+            </a:r>
+            <a:r>
+              <a:rPr lang="en-US" altLang="ko-KR" dirty="0" err="1" smtClean="0"/>
+              <a:t>RecyclerView</a:t>
+            </a:r>
+            <a:r>
+              <a:rPr lang="ko-KR" altLang="en-US" dirty="0" smtClean="0"/>
+              <a:t>라는데 있습니다</a:t>
+            </a:r>
+            <a:r>
+              <a:rPr lang="en-US" altLang="ko-KR" dirty="0" smtClean="0"/>
+              <a:t>. View</a:t>
+            </a:r>
+            <a:r>
+              <a:rPr lang="ko-KR" altLang="en-US" dirty="0" smtClean="0"/>
+              <a:t>를 다시 사용하는 것입니다</a:t>
+            </a:r>
+            <a:r>
+              <a:rPr lang="en-US" altLang="ko-KR" dirty="0" smtClean="0"/>
+              <a:t>. </a:t>
+            </a:r>
+            <a:r>
+              <a:rPr lang="ko-KR" altLang="en-US" dirty="0" smtClean="0"/>
+              <a:t>데이터 </a:t>
+            </a:r>
+            <a:r>
+              <a:rPr lang="en-US" altLang="ko-KR" dirty="0" smtClean="0"/>
+              <a:t>items</a:t>
+            </a:r>
+            <a:r>
+              <a:rPr lang="ko-KR" altLang="en-US" dirty="0" smtClean="0"/>
+              <a:t>들</a:t>
+            </a:r>
+            <a:r>
+              <a:rPr lang="en-US" altLang="ko-KR" dirty="0" smtClean="0"/>
+              <a:t>, </a:t>
+            </a:r>
+            <a:r>
+              <a:rPr lang="ko-KR" altLang="en-US" dirty="0" smtClean="0"/>
+              <a:t>내용은 변경될지라도 화면에 보이는 각 </a:t>
+            </a:r>
+            <a:r>
+              <a:rPr lang="en-US" altLang="ko-KR" dirty="0" smtClean="0"/>
+              <a:t>item</a:t>
+            </a:r>
+            <a:r>
+              <a:rPr lang="ko-KR" altLang="en-US" dirty="0" smtClean="0"/>
+              <a:t>들에 대한 </a:t>
+            </a:r>
+            <a:r>
+              <a:rPr lang="en-US" altLang="ko-KR" dirty="0" smtClean="0"/>
+              <a:t>view</a:t>
+            </a:r>
+            <a:r>
+              <a:rPr lang="ko-KR" altLang="en-US" dirty="0" smtClean="0"/>
+              <a:t>들은 다시 만들지 않고</a:t>
+            </a:r>
+            <a:r>
+              <a:rPr lang="en-US" altLang="ko-KR" dirty="0" smtClean="0"/>
+              <a:t>, </a:t>
+            </a:r>
+            <a:r>
+              <a:rPr lang="ko-KR" altLang="en-US" dirty="0" smtClean="0"/>
+              <a:t>재사용하는 것이라 </a:t>
+            </a:r>
+            <a:r>
+              <a:rPr lang="en-US" altLang="ko-KR" dirty="0" smtClean="0"/>
+              <a:t>Recycler view</a:t>
+            </a:r>
+            <a:r>
+              <a:rPr lang="ko-KR" altLang="en-US" dirty="0" smtClean="0"/>
+              <a:t>라고 부르는 것입니다</a:t>
+            </a:r>
+            <a:r>
+              <a:rPr lang="en-US" altLang="ko-KR" dirty="0" smtClean="0"/>
+              <a:t>. </a:t>
+            </a:r>
+            <a:r>
+              <a:rPr lang="ko-KR" altLang="en-US" dirty="0" smtClean="0"/>
+              <a:t>화면이 바뀌면서</a:t>
+            </a:r>
+            <a:r>
+              <a:rPr lang="en-US" altLang="ko-KR" dirty="0" smtClean="0"/>
+              <a:t>, item</a:t>
+            </a:r>
+            <a:r>
+              <a:rPr lang="ko-KR" altLang="en-US" dirty="0" smtClean="0"/>
+              <a:t>의 내용이 바뀌더라도 </a:t>
+            </a:r>
+            <a:r>
+              <a:rPr lang="en-US" altLang="ko-KR" dirty="0" smtClean="0"/>
+              <a:t>view</a:t>
+            </a:r>
+            <a:r>
+              <a:rPr lang="ko-KR" altLang="en-US" dirty="0" smtClean="0"/>
+              <a:t>는 전에 있는 것이니까 노란색이 그대로 나오는 것입니다</a:t>
+            </a:r>
+            <a:r>
+              <a:rPr lang="en-US" altLang="ko-KR" dirty="0" smtClean="0"/>
+              <a:t>. </a:t>
+            </a:r>
+          </a:p>
+          <a:p>
+            <a:r>
+              <a:rPr lang="ko-KR" altLang="en-US" dirty="0" smtClean="0"/>
+              <a:t>이 문제를 해결하려면</a:t>
+            </a:r>
+            <a:r>
+              <a:rPr lang="en-US" altLang="ko-KR" dirty="0" smtClean="0"/>
+              <a:t>, view</a:t>
+            </a:r>
+            <a:r>
+              <a:rPr lang="ko-KR" altLang="en-US" dirty="0" smtClean="0"/>
+              <a:t>가 아니라 </a:t>
+            </a:r>
+            <a:r>
+              <a:rPr lang="en-US" altLang="ko-KR" dirty="0" smtClean="0"/>
+              <a:t>position</a:t>
+            </a:r>
+            <a:r>
+              <a:rPr lang="ko-KR" altLang="en-US" dirty="0" smtClean="0"/>
+              <a:t>에 의거해서 </a:t>
+            </a:r>
+            <a:r>
+              <a:rPr lang="en-US" altLang="ko-KR" dirty="0" smtClean="0"/>
+              <a:t>view</a:t>
+            </a:r>
+            <a:r>
+              <a:rPr lang="ko-KR" altLang="en-US" dirty="0" smtClean="0"/>
+              <a:t>의 값을 변경해야 합니다</a:t>
+            </a:r>
+            <a:r>
+              <a:rPr lang="en-US" altLang="ko-KR" dirty="0" smtClean="0"/>
+              <a:t>. </a:t>
+            </a:r>
+            <a:endParaRPr lang="en-US" altLang="ko-KR" dirty="0"/>
+          </a:p>
+          <a:p>
+            <a:pPr marL="0" indent="0">
+              <a:buNone/>
+            </a:pPr>
+            <a:endParaRPr lang="en-US" altLang="ko-KR" dirty="0"/>
+          </a:p>
+        </p:txBody>
+      </p:sp>
+      <p:sp>
+        <p:nvSpPr>
+          <p:cNvPr id="4" name="슬라이드 번호 개체 틀 3"/>
+          <p:cNvSpPr>
+            <a:spLocks noGrp="1"/>
+          </p:cNvSpPr>
+          <p:nvPr>
+            <p:ph type="sldNum" sz="quarter" idx="14"/>
+          </p:nvPr>
+        </p:nvSpPr>
+        <p:spPr/>
+        <p:txBody>
+          <a:bodyPr/>
+          <a:lstStyle/>
+          <a:p>
+            <a:pPr>
+              <a:defRPr/>
+            </a:pPr>
+            <a:fld id="{3D493B47-E977-46F8-8C2F-7DA674317049}" type="slidenum">
+              <a:rPr lang="ko-KR" altLang="en-US" smtClean="0"/>
+              <a:pPr>
+                <a:defRPr/>
+              </a:pPr>
+              <a:t>64</a:t>
+            </a:fld>
+            <a:endParaRPr lang="ko-KR" altLang="en-US"/>
+          </a:p>
+        </p:txBody>
+      </p:sp>
+    </p:spTree>
+    <p:extLst>
+      <p:ext uri="{BB962C8B-B14F-4D97-AF65-F5344CB8AC3E}">
+        <p14:creationId xmlns:p14="http://schemas.microsoft.com/office/powerpoint/2010/main" val="3438021874"/>
+      </p:ext>
+    </p:extLst>
+  </p:cSld>
+  <p:clrMapOvr>
+    <a:masterClrMapping/>
+  </p:clrMapOvr>
+  <p:timing>
+    <p:tnLst>
+      <p:par>
+        <p:cTn id="1" dur="indefinite" restart="never" nodeType="tmRoot"/>
+      </p:par>
+    </p:tnLst>
+  </p:timing>
+</p:sld>
+</file>
+
+<file path=ppt/slides/slide65.xml><?xml version="1.0" encoding="utf-8"?>
+<p:sld xmlns:a="http://schemas.openxmlformats.org/drawingml/2006/main" xmlns:r="http://schemas.openxmlformats.org/officeDocument/2006/relationships" xmlns:p="http://schemas.openxmlformats.org/presentationml/2006/main">
+  <p:cSld>
+    <p:spTree>
+      <p:nvGrpSpPr>
+        <p:cNvPr id="1" name=""/>
+        <p:cNvGrpSpPr/>
+        <p:nvPr/>
+      </p:nvGrpSpPr>
+      <p:grpSpPr>
+        <a:xfrm>
+          <a:off x="0" y="0"/>
+          <a:ext cx="0" cy="0"/>
+          <a:chOff x="0" y="0"/>
+          <a:chExt cx="0" cy="0"/>
+        </a:xfrm>
+      </p:grpSpPr>
+      <p:sp>
+        <p:nvSpPr>
+          <p:cNvPr id="2" name="제목 1"/>
+          <p:cNvSpPr>
+            <a:spLocks noGrp="1"/>
+          </p:cNvSpPr>
+          <p:nvPr>
+            <p:ph type="title"/>
+          </p:nvPr>
+        </p:nvSpPr>
+        <p:spPr/>
+        <p:txBody>
+          <a:bodyPr/>
+          <a:lstStyle/>
+          <a:p>
+            <a:r>
+              <a:rPr lang="en-US" altLang="ko-KR" dirty="0">
+                <a:latin typeface="나눔고딕" panose="020D0604000000000000" pitchFamily="50" charset="-127"/>
+                <a:ea typeface="나눔고딕" panose="020D0604000000000000" pitchFamily="50" charset="-127"/>
+              </a:rPr>
+              <a:t>07-4 Recycler View </a:t>
+            </a:r>
+            <a:r>
+              <a:rPr lang="ko-KR" altLang="en-US" dirty="0">
+                <a:latin typeface="나눔고딕" panose="020D0604000000000000" pitchFamily="50" charset="-127"/>
+                <a:ea typeface="나눔고딕" panose="020D0604000000000000" pitchFamily="50" charset="-127"/>
+              </a:rPr>
+              <a:t>연습 문제 </a:t>
+            </a:r>
+            <a:r>
+              <a:rPr lang="en-US" altLang="ko-KR" dirty="0">
+                <a:latin typeface="나눔고딕" panose="020D0604000000000000" pitchFamily="50" charset="-127"/>
+                <a:ea typeface="나눔고딕" panose="020D0604000000000000" pitchFamily="50" charset="-127"/>
+              </a:rPr>
+              <a:t>– </a:t>
+            </a:r>
+            <a:r>
+              <a:rPr lang="en-US" altLang="ko-KR" dirty="0" smtClean="0">
+                <a:latin typeface="나눔고딕" panose="020D0604000000000000" pitchFamily="50" charset="-127"/>
+                <a:ea typeface="나눔고딕" panose="020D0604000000000000" pitchFamily="50" charset="-127"/>
+              </a:rPr>
+              <a:t>Selected items highlighted</a:t>
+            </a:r>
+            <a:endParaRPr lang="ko-KR" altLang="en-US" dirty="0"/>
+          </a:p>
+        </p:txBody>
+      </p:sp>
+      <p:sp>
+        <p:nvSpPr>
+          <p:cNvPr id="3" name="내용 개체 틀 2"/>
+          <p:cNvSpPr>
+            <a:spLocks noGrp="1"/>
+          </p:cNvSpPr>
+          <p:nvPr>
+            <p:ph idx="10"/>
+          </p:nvPr>
+        </p:nvSpPr>
+        <p:spPr/>
+        <p:txBody>
+          <a:bodyPr/>
+          <a:lstStyle/>
+          <a:p>
+            <a:pPr marL="0" indent="0">
+              <a:buNone/>
+            </a:pPr>
+            <a:r>
+              <a:rPr lang="en-US" altLang="ko-KR" b="1" dirty="0" smtClean="0"/>
+              <a:t>Joy</a:t>
+            </a:r>
+            <a:r>
+              <a:rPr lang="en-US" altLang="ko-KR" b="1" dirty="0" smtClean="0">
+                <a:solidFill>
+                  <a:srgbClr val="C00000"/>
+                </a:solidFill>
+              </a:rPr>
+              <a:t>074</a:t>
+            </a:r>
+            <a:r>
+              <a:rPr lang="en-US" altLang="ko-KR" b="1" dirty="0" smtClean="0"/>
+              <a:t>RecylerView</a:t>
+            </a:r>
+            <a:r>
+              <a:rPr lang="en-US" altLang="ko-KR" b="1" dirty="0" smtClean="0"/>
+              <a:t>:</a:t>
+            </a:r>
+          </a:p>
+          <a:p>
+            <a:pPr marL="0" indent="0">
+              <a:buNone/>
+            </a:pPr>
+            <a:r>
+              <a:rPr lang="en-US" altLang="ko-KR" b="1" dirty="0" smtClean="0"/>
+              <a:t>2</a:t>
+            </a:r>
+            <a:r>
+              <a:rPr lang="en-US" altLang="ko-KR" b="1" baseline="30000" dirty="0" smtClean="0"/>
+              <a:t>nd</a:t>
+            </a:r>
+            <a:r>
+              <a:rPr lang="en-US" altLang="ko-KR" b="1" dirty="0" smtClean="0"/>
+              <a:t> Trial: </a:t>
+            </a:r>
+            <a:r>
+              <a:rPr lang="en-US" altLang="ko-KR" dirty="0" smtClean="0"/>
+              <a:t>MainActivity.java</a:t>
+            </a:r>
+            <a:r>
+              <a:rPr lang="ko-KR" altLang="en-US" dirty="0" smtClean="0"/>
+              <a:t>가 아니라 </a:t>
+            </a:r>
+            <a:r>
+              <a:rPr lang="en-US" altLang="ko-KR" dirty="0" smtClean="0"/>
+              <a:t>PersonAdapter.java </a:t>
+            </a:r>
+            <a:r>
+              <a:rPr lang="ko-KR" altLang="en-US" dirty="0" smtClean="0"/>
+              <a:t>에서 코딩을 해야할 것 같은 생각이 들었을 겁니다</a:t>
+            </a:r>
+            <a:r>
+              <a:rPr lang="en-US" altLang="ko-KR" dirty="0" smtClean="0"/>
+              <a:t>. </a:t>
+            </a:r>
+          </a:p>
+          <a:p>
+            <a:r>
+              <a:rPr lang="en-US" altLang="ko-KR" dirty="0" smtClean="0"/>
+              <a:t>1</a:t>
+            </a:r>
+            <a:r>
+              <a:rPr lang="en-US" altLang="ko-KR" baseline="30000" dirty="0" smtClean="0"/>
+              <a:t>st</a:t>
+            </a:r>
+            <a:r>
+              <a:rPr lang="en-US" altLang="ko-KR" dirty="0" smtClean="0"/>
+              <a:t> Trial</a:t>
+            </a:r>
+            <a:r>
+              <a:rPr lang="ko-KR" altLang="en-US" dirty="0" smtClean="0"/>
+              <a:t>에서 추가했던 부분을 </a:t>
+            </a:r>
+            <a:r>
+              <a:rPr lang="en-US" altLang="ko-KR" dirty="0" smtClean="0"/>
+              <a:t>comments</a:t>
+            </a:r>
+            <a:r>
+              <a:rPr lang="ko-KR" altLang="en-US" dirty="0" smtClean="0"/>
+              <a:t>로 처리하고</a:t>
+            </a:r>
+            <a:r>
+              <a:rPr lang="en-US" altLang="ko-KR" dirty="0" smtClean="0"/>
+              <a:t>, </a:t>
+            </a:r>
+            <a:r>
+              <a:rPr lang="ko-KR" altLang="en-US" dirty="0" smtClean="0"/>
+              <a:t>그와 같은 기능을 하는 코드를 어디에 추가해야 할까요</a:t>
+            </a:r>
+            <a:r>
+              <a:rPr lang="en-US" altLang="ko-KR" dirty="0" smtClean="0"/>
+              <a:t>? </a:t>
+            </a:r>
+          </a:p>
+          <a:p>
+            <a:r>
+              <a:rPr lang="en-US" altLang="ko-KR" dirty="0" err="1" smtClean="0"/>
+              <a:t>PersonAdapter</a:t>
+            </a:r>
+            <a:r>
+              <a:rPr lang="en-US" altLang="ko-KR" dirty="0" smtClean="0"/>
+              <a:t> </a:t>
+            </a:r>
+            <a:r>
+              <a:rPr lang="ko-KR" altLang="en-US" dirty="0" smtClean="0"/>
+              <a:t>클래스의 </a:t>
+            </a:r>
+            <a:r>
+              <a:rPr lang="en-US" altLang="ko-KR" dirty="0" err="1" smtClean="0"/>
+              <a:t>onItemClick</a:t>
+            </a:r>
+            <a:r>
+              <a:rPr lang="en-US" altLang="ko-KR" dirty="0" smtClean="0"/>
+              <a:t>() </a:t>
+            </a:r>
+            <a:r>
+              <a:rPr lang="ko-KR" altLang="en-US" dirty="0" err="1" smtClean="0"/>
+              <a:t>메소드에</a:t>
+            </a:r>
+            <a:r>
+              <a:rPr lang="ko-KR" altLang="en-US" dirty="0" smtClean="0"/>
+              <a:t> 추가하면 어떨까요</a:t>
+            </a:r>
+            <a:r>
+              <a:rPr lang="en-US" altLang="ko-KR" dirty="0" smtClean="0"/>
+              <a:t>? </a:t>
+            </a:r>
+          </a:p>
+          <a:p>
+            <a:pPr marL="0" indent="0">
+              <a:buNone/>
+            </a:pPr>
+            <a:endParaRPr lang="en-US" altLang="ko-KR" dirty="0"/>
+          </a:p>
+          <a:p>
+            <a:pPr marL="0" indent="0">
+              <a:buNone/>
+            </a:pPr>
+            <a:endParaRPr lang="en-US" altLang="ko-KR" dirty="0"/>
+          </a:p>
+        </p:txBody>
+      </p:sp>
+      <p:sp>
+        <p:nvSpPr>
+          <p:cNvPr id="4" name="슬라이드 번호 개체 틀 3"/>
+          <p:cNvSpPr>
+            <a:spLocks noGrp="1"/>
+          </p:cNvSpPr>
+          <p:nvPr>
+            <p:ph type="sldNum" sz="quarter" idx="14"/>
+          </p:nvPr>
+        </p:nvSpPr>
+        <p:spPr/>
+        <p:txBody>
+          <a:bodyPr/>
+          <a:lstStyle/>
+          <a:p>
+            <a:pPr>
+              <a:defRPr/>
+            </a:pPr>
+            <a:fld id="{3D493B47-E977-46F8-8C2F-7DA674317049}" type="slidenum">
+              <a:rPr lang="ko-KR" altLang="en-US" smtClean="0"/>
+              <a:pPr>
+                <a:defRPr/>
+              </a:pPr>
+              <a:t>65</a:t>
+            </a:fld>
+            <a:endParaRPr lang="ko-KR" altLang="en-US"/>
+          </a:p>
+        </p:txBody>
+      </p:sp>
+      <p:sp>
+        <p:nvSpPr>
+          <p:cNvPr id="5" name="직사각형 4"/>
+          <p:cNvSpPr/>
+          <p:nvPr/>
+        </p:nvSpPr>
+        <p:spPr>
+          <a:xfrm>
+            <a:off x="447394" y="2204864"/>
+            <a:ext cx="11253818" cy="3323987"/>
+          </a:xfrm>
+          <a:prstGeom prst="rect">
+            <a:avLst/>
+          </a:prstGeom>
+          <a:solidFill>
+            <a:schemeClr val="bg1">
+              <a:lumMod val="95000"/>
+            </a:schemeClr>
+          </a:solidFill>
+          <a:ln>
+            <a:solidFill>
+              <a:schemeClr val="bg1">
+                <a:lumMod val="75000"/>
+              </a:schemeClr>
+            </a:solidFill>
+          </a:ln>
+        </p:spPr>
+        <p:txBody>
+          <a:bodyPr wrap="square">
+            <a:spAutoFit/>
+          </a:bodyPr>
+          <a:lstStyle/>
+          <a:p>
+            <a:r>
+              <a:rPr lang="en-US" altLang="ko-KR" sz="1400" dirty="0">
+                <a:latin typeface="Consolas" panose="020B0609020204030204" pitchFamily="49" charset="0"/>
+              </a:rPr>
+              <a:t> </a:t>
+            </a:r>
+            <a:r>
+              <a:rPr lang="en-US" altLang="ko-KR" sz="1400" dirty="0" smtClean="0">
+                <a:latin typeface="Consolas" panose="020B0609020204030204" pitchFamily="49" charset="0"/>
+              </a:rPr>
+              <a:t>   @</a:t>
+            </a:r>
+            <a:r>
+              <a:rPr lang="en-US" altLang="ko-KR" sz="1400" dirty="0">
+                <a:latin typeface="Consolas" panose="020B0609020204030204" pitchFamily="49" charset="0"/>
+              </a:rPr>
+              <a:t>Override</a:t>
+            </a:r>
+          </a:p>
+          <a:p>
+            <a:r>
+              <a:rPr lang="en-US" altLang="ko-KR" sz="1400" dirty="0">
+                <a:latin typeface="Consolas" panose="020B0609020204030204" pitchFamily="49" charset="0"/>
+              </a:rPr>
+              <a:t>    public void </a:t>
+            </a:r>
+            <a:r>
+              <a:rPr lang="en-US" altLang="ko-KR" sz="1400" dirty="0" err="1">
+                <a:latin typeface="Consolas" panose="020B0609020204030204" pitchFamily="49" charset="0"/>
+              </a:rPr>
+              <a:t>onItemClick</a:t>
+            </a:r>
+            <a:r>
+              <a:rPr lang="en-US" altLang="ko-KR" sz="1400" dirty="0">
+                <a:latin typeface="Consolas" panose="020B0609020204030204" pitchFamily="49" charset="0"/>
+              </a:rPr>
+              <a:t>(</a:t>
+            </a:r>
+            <a:r>
+              <a:rPr lang="en-US" altLang="ko-KR" sz="1400" dirty="0" err="1">
+                <a:latin typeface="Consolas" panose="020B0609020204030204" pitchFamily="49" charset="0"/>
+              </a:rPr>
+              <a:t>ViewHolder</a:t>
+            </a:r>
+            <a:r>
+              <a:rPr lang="en-US" altLang="ko-KR" sz="1400" dirty="0">
+                <a:latin typeface="Consolas" panose="020B0609020204030204" pitchFamily="49" charset="0"/>
+              </a:rPr>
+              <a:t> holder, View </a:t>
+            </a:r>
+            <a:r>
+              <a:rPr lang="en-US" altLang="ko-KR" sz="1400" dirty="0" err="1">
+                <a:latin typeface="Consolas" panose="020B0609020204030204" pitchFamily="49" charset="0"/>
+              </a:rPr>
+              <a:t>view</a:t>
+            </a:r>
+            <a:r>
+              <a:rPr lang="en-US" altLang="ko-KR" sz="1400" dirty="0">
+                <a:latin typeface="Consolas" panose="020B0609020204030204" pitchFamily="49" charset="0"/>
+              </a:rPr>
+              <a:t>, int position) {</a:t>
+            </a:r>
+          </a:p>
+          <a:p>
+            <a:r>
+              <a:rPr lang="en-US" altLang="ko-KR" sz="1400" dirty="0">
+                <a:latin typeface="Consolas" panose="020B0609020204030204" pitchFamily="49" charset="0"/>
+              </a:rPr>
+              <a:t>        if (listener != null) {</a:t>
+            </a:r>
+          </a:p>
+          <a:p>
+            <a:r>
+              <a:rPr lang="en-US" altLang="ko-KR" sz="1400" dirty="0">
+                <a:latin typeface="Consolas" panose="020B0609020204030204" pitchFamily="49" charset="0"/>
+              </a:rPr>
+              <a:t>            </a:t>
+            </a:r>
+            <a:r>
+              <a:rPr lang="en-US" altLang="ko-KR" sz="1400" dirty="0" err="1">
+                <a:latin typeface="Consolas" panose="020B0609020204030204" pitchFamily="49" charset="0"/>
+              </a:rPr>
+              <a:t>Log.d</a:t>
+            </a:r>
+            <a:r>
+              <a:rPr lang="en-US" altLang="ko-KR" sz="1400" dirty="0">
+                <a:latin typeface="Consolas" panose="020B0609020204030204" pitchFamily="49" charset="0"/>
+              </a:rPr>
+              <a:t>(TAG, "</a:t>
+            </a:r>
+            <a:r>
+              <a:rPr lang="en-US" altLang="ko-KR" sz="1400" dirty="0" err="1">
+                <a:latin typeface="Consolas" panose="020B0609020204030204" pitchFamily="49" charset="0"/>
+              </a:rPr>
+              <a:t>PersonAdapter</a:t>
+            </a:r>
+            <a:r>
+              <a:rPr lang="en-US" altLang="ko-KR" sz="1400" dirty="0">
+                <a:latin typeface="Consolas" panose="020B0609020204030204" pitchFamily="49" charset="0"/>
+              </a:rPr>
+              <a:t>: </a:t>
+            </a:r>
+            <a:r>
+              <a:rPr lang="en-US" altLang="ko-KR" sz="1400" dirty="0" err="1">
+                <a:latin typeface="Consolas" panose="020B0609020204030204" pitchFamily="49" charset="0"/>
+              </a:rPr>
+              <a:t>onItemClick</a:t>
+            </a:r>
+            <a:r>
+              <a:rPr lang="en-US" altLang="ko-KR" sz="1400" dirty="0">
+                <a:latin typeface="Consolas" panose="020B0609020204030204" pitchFamily="49" charset="0"/>
+              </a:rPr>
+              <a:t> listener: " + position);</a:t>
+            </a:r>
+          </a:p>
+          <a:p>
+            <a:r>
+              <a:rPr lang="en-US" altLang="ko-KR" sz="1400" dirty="0">
+                <a:latin typeface="Consolas" panose="020B0609020204030204" pitchFamily="49" charset="0"/>
+              </a:rPr>
+              <a:t>            </a:t>
+            </a:r>
+            <a:r>
+              <a:rPr lang="en-US" altLang="ko-KR" sz="1400" dirty="0" err="1">
+                <a:latin typeface="Consolas" panose="020B0609020204030204" pitchFamily="49" charset="0"/>
+              </a:rPr>
+              <a:t>listener.onItemClick</a:t>
+            </a:r>
+            <a:r>
+              <a:rPr lang="en-US" altLang="ko-KR" sz="1400" dirty="0">
+                <a:latin typeface="Consolas" panose="020B0609020204030204" pitchFamily="49" charset="0"/>
+              </a:rPr>
+              <a:t>(holder, view, position);</a:t>
+            </a:r>
+          </a:p>
+          <a:p>
+            <a:r>
+              <a:rPr lang="en-US" altLang="ko-KR" sz="1400" dirty="0">
+                <a:latin typeface="Consolas" panose="020B0609020204030204" pitchFamily="49" charset="0"/>
+              </a:rPr>
+              <a:t>            </a:t>
+            </a:r>
+          </a:p>
+          <a:p>
+            <a:r>
+              <a:rPr lang="en-US" altLang="ko-KR" sz="1400" dirty="0">
+                <a:latin typeface="Consolas" panose="020B0609020204030204" pitchFamily="49" charset="0"/>
+              </a:rPr>
+              <a:t>            if (</a:t>
+            </a:r>
+            <a:r>
+              <a:rPr lang="en-US" altLang="ko-KR" sz="1400" dirty="0" err="1">
+                <a:latin typeface="Consolas" panose="020B0609020204030204" pitchFamily="49" charset="0"/>
+              </a:rPr>
+              <a:t>itemsSelected.contains</a:t>
+            </a:r>
+            <a:r>
+              <a:rPr lang="en-US" altLang="ko-KR" sz="1400" dirty="0">
+                <a:latin typeface="Consolas" panose="020B0609020204030204" pitchFamily="49" charset="0"/>
+              </a:rPr>
+              <a:t>(position)) {</a:t>
+            </a:r>
+          </a:p>
+          <a:p>
+            <a:r>
+              <a:rPr lang="en-US" altLang="ko-KR" sz="1400" dirty="0">
+                <a:latin typeface="Consolas" panose="020B0609020204030204" pitchFamily="49" charset="0"/>
+              </a:rPr>
+              <a:t>                </a:t>
+            </a:r>
+            <a:r>
+              <a:rPr lang="en-US" altLang="ko-KR" sz="1400" dirty="0" err="1">
+                <a:latin typeface="Consolas" panose="020B0609020204030204" pitchFamily="49" charset="0"/>
+              </a:rPr>
+              <a:t>holder.itemView.setBackgroundColor</a:t>
+            </a:r>
+            <a:r>
+              <a:rPr lang="en-US" altLang="ko-KR" sz="1400" dirty="0">
+                <a:latin typeface="Consolas" panose="020B0609020204030204" pitchFamily="49" charset="0"/>
+              </a:rPr>
+              <a:t>(</a:t>
+            </a:r>
+            <a:r>
+              <a:rPr lang="en-US" altLang="ko-KR" sz="1400" dirty="0" err="1">
+                <a:latin typeface="Consolas" panose="020B0609020204030204" pitchFamily="49" charset="0"/>
+              </a:rPr>
+              <a:t>Color.YELLOW</a:t>
+            </a:r>
+            <a:r>
+              <a:rPr lang="en-US" altLang="ko-KR" sz="1400" dirty="0">
+                <a:latin typeface="Consolas" panose="020B0609020204030204" pitchFamily="49" charset="0"/>
+              </a:rPr>
+              <a:t>);</a:t>
+            </a:r>
+          </a:p>
+          <a:p>
+            <a:r>
+              <a:rPr lang="en-US" altLang="ko-KR" sz="1400" dirty="0">
+                <a:latin typeface="Consolas" panose="020B0609020204030204" pitchFamily="49" charset="0"/>
+              </a:rPr>
+              <a:t>            }</a:t>
+            </a:r>
+          </a:p>
+          <a:p>
+            <a:r>
+              <a:rPr lang="en-US" altLang="ko-KR" sz="1400" dirty="0">
+                <a:latin typeface="Consolas" panose="020B0609020204030204" pitchFamily="49" charset="0"/>
+              </a:rPr>
+              <a:t>            else {</a:t>
+            </a:r>
+          </a:p>
+          <a:p>
+            <a:r>
+              <a:rPr lang="en-US" altLang="ko-KR" sz="1400" dirty="0">
+                <a:latin typeface="Consolas" panose="020B0609020204030204" pitchFamily="49" charset="0"/>
+              </a:rPr>
+              <a:t>                </a:t>
+            </a:r>
+            <a:r>
+              <a:rPr lang="en-US" altLang="ko-KR" sz="1400" dirty="0" err="1">
+                <a:latin typeface="Consolas" panose="020B0609020204030204" pitchFamily="49" charset="0"/>
+              </a:rPr>
+              <a:t>holder.itemView.setBackgroundColor</a:t>
+            </a:r>
+            <a:r>
+              <a:rPr lang="en-US" altLang="ko-KR" sz="1400" dirty="0">
+                <a:latin typeface="Consolas" panose="020B0609020204030204" pitchFamily="49" charset="0"/>
+              </a:rPr>
+              <a:t>(</a:t>
+            </a:r>
+            <a:r>
+              <a:rPr lang="en-US" altLang="ko-KR" sz="1400" dirty="0" err="1">
+                <a:latin typeface="Consolas" panose="020B0609020204030204" pitchFamily="49" charset="0"/>
+              </a:rPr>
+              <a:t>Color.WHITE</a:t>
+            </a:r>
+            <a:r>
+              <a:rPr lang="en-US" altLang="ko-KR" sz="1400" dirty="0">
+                <a:latin typeface="Consolas" panose="020B0609020204030204" pitchFamily="49" charset="0"/>
+              </a:rPr>
+              <a:t>);</a:t>
+            </a:r>
+          </a:p>
+          <a:p>
+            <a:r>
+              <a:rPr lang="en-US" altLang="ko-KR" sz="1400" dirty="0">
+                <a:latin typeface="Consolas" panose="020B0609020204030204" pitchFamily="49" charset="0"/>
+              </a:rPr>
+              <a:t>            }</a:t>
+            </a:r>
+          </a:p>
+          <a:p>
+            <a:r>
+              <a:rPr lang="en-US" altLang="ko-KR" sz="1400" dirty="0">
+                <a:latin typeface="Consolas" panose="020B0609020204030204" pitchFamily="49" charset="0"/>
+              </a:rPr>
+              <a:t>            </a:t>
+            </a:r>
+            <a:r>
+              <a:rPr lang="en-US" altLang="ko-KR" sz="1400" dirty="0" err="1">
+                <a:latin typeface="Consolas" panose="020B0609020204030204" pitchFamily="49" charset="0"/>
+              </a:rPr>
+              <a:t>Log.d</a:t>
+            </a:r>
+            <a:r>
+              <a:rPr lang="en-US" altLang="ko-KR" sz="1400" dirty="0">
+                <a:latin typeface="Consolas" panose="020B0609020204030204" pitchFamily="49" charset="0"/>
+              </a:rPr>
+              <a:t>(TAG, "Selected: " + </a:t>
+            </a:r>
+            <a:r>
+              <a:rPr lang="en-US" altLang="ko-KR" sz="1400" dirty="0" err="1">
+                <a:latin typeface="Consolas" panose="020B0609020204030204" pitchFamily="49" charset="0"/>
+              </a:rPr>
+              <a:t>itemsSelected.toString</a:t>
+            </a:r>
+            <a:r>
+              <a:rPr lang="en-US" altLang="ko-KR" sz="1400" dirty="0">
+                <a:latin typeface="Consolas" panose="020B0609020204030204" pitchFamily="49" charset="0"/>
+              </a:rPr>
+              <a:t>());</a:t>
+            </a:r>
+          </a:p>
+          <a:p>
+            <a:r>
+              <a:rPr lang="en-US" altLang="ko-KR" sz="1400" dirty="0">
+                <a:latin typeface="Consolas" panose="020B0609020204030204" pitchFamily="49" charset="0"/>
+              </a:rPr>
+              <a:t>        }</a:t>
+            </a:r>
+          </a:p>
+          <a:p>
+            <a:r>
+              <a:rPr lang="en-US" altLang="ko-KR" sz="1400" dirty="0">
+                <a:latin typeface="Consolas" panose="020B0609020204030204" pitchFamily="49" charset="0"/>
+              </a:rPr>
+              <a:t>    }</a:t>
+            </a:r>
+            <a:endParaRPr lang="ko-KR" altLang="en-US" sz="1400" dirty="0">
+              <a:latin typeface="Consolas" panose="020B0609020204030204" pitchFamily="49" charset="0"/>
+            </a:endParaRPr>
+          </a:p>
+        </p:txBody>
+      </p:sp>
+      <p:sp>
+        <p:nvSpPr>
+          <p:cNvPr id="6" name="TextBox 5"/>
+          <p:cNvSpPr txBox="1"/>
+          <p:nvPr/>
+        </p:nvSpPr>
+        <p:spPr>
+          <a:xfrm>
+            <a:off x="9011760" y="2050975"/>
+            <a:ext cx="2062641" cy="307777"/>
+          </a:xfrm>
+          <a:prstGeom prst="rect">
+            <a:avLst/>
+          </a:prstGeom>
+          <a:solidFill>
+            <a:srgbClr val="FFC000"/>
+          </a:solidFill>
+        </p:spPr>
+        <p:txBody>
+          <a:bodyPr wrap="square" rtlCol="0">
+            <a:spAutoFit/>
+          </a:bodyPr>
+          <a:lstStyle/>
+          <a:p>
+            <a:r>
+              <a:rPr lang="en-US" altLang="ko-KR" sz="1400" dirty="0" smtClean="0"/>
+              <a:t>PersonAdapter.java</a:t>
+            </a:r>
+            <a:endParaRPr lang="ko-KR" altLang="en-US" sz="1400" dirty="0"/>
+          </a:p>
+        </p:txBody>
+      </p:sp>
+    </p:spTree>
+    <p:extLst>
+      <p:ext uri="{BB962C8B-B14F-4D97-AF65-F5344CB8AC3E}">
+        <p14:creationId xmlns:p14="http://schemas.microsoft.com/office/powerpoint/2010/main" val="2864456436"/>
+      </p:ext>
+    </p:extLst>
+  </p:cSld>
+  <p:clrMapOvr>
+    <a:masterClrMapping/>
+  </p:clrMapOvr>
+  <p:timing>
+    <p:tnLst>
+      <p:par>
+        <p:cTn id="1" dur="indefinite" restart="never" nodeType="tmRoot"/>
+      </p:par>
+    </p:tnLst>
+  </p:timing>
+</p:sld>
+</file>
+
+<file path=ppt/slides/slide66.xml><?xml version="1.0" encoding="utf-8"?>
+<p:sld xmlns:a="http://schemas.openxmlformats.org/drawingml/2006/main" xmlns:r="http://schemas.openxmlformats.org/officeDocument/2006/relationships" xmlns:p="http://schemas.openxmlformats.org/presentationml/2006/main">
+  <p:cSld>
+    <p:spTree>
+      <p:nvGrpSpPr>
+        <p:cNvPr id="1" name=""/>
+        <p:cNvGrpSpPr/>
+        <p:nvPr/>
+      </p:nvGrpSpPr>
+      <p:grpSpPr>
+        <a:xfrm>
+          <a:off x="0" y="0"/>
+          <a:ext cx="0" cy="0"/>
+          <a:chOff x="0" y="0"/>
+          <a:chExt cx="0" cy="0"/>
+        </a:xfrm>
+      </p:grpSpPr>
+      <p:sp>
+        <p:nvSpPr>
+          <p:cNvPr id="2" name="제목 1"/>
+          <p:cNvSpPr>
+            <a:spLocks noGrp="1"/>
+          </p:cNvSpPr>
+          <p:nvPr>
+            <p:ph type="title"/>
+          </p:nvPr>
+        </p:nvSpPr>
+        <p:spPr/>
+        <p:txBody>
+          <a:bodyPr/>
+          <a:lstStyle/>
+          <a:p>
+            <a:r>
+              <a:rPr lang="en-US" altLang="ko-KR" dirty="0">
+                <a:latin typeface="나눔고딕" panose="020D0604000000000000" pitchFamily="50" charset="-127"/>
+                <a:ea typeface="나눔고딕" panose="020D0604000000000000" pitchFamily="50" charset="-127"/>
+              </a:rPr>
+              <a:t>07-4 Recycler View </a:t>
+            </a:r>
+            <a:r>
+              <a:rPr lang="ko-KR" altLang="en-US" dirty="0">
+                <a:latin typeface="나눔고딕" panose="020D0604000000000000" pitchFamily="50" charset="-127"/>
+                <a:ea typeface="나눔고딕" panose="020D0604000000000000" pitchFamily="50" charset="-127"/>
+              </a:rPr>
+              <a:t>연습 문제 </a:t>
+            </a:r>
+            <a:r>
+              <a:rPr lang="en-US" altLang="ko-KR" dirty="0">
+                <a:latin typeface="나눔고딕" panose="020D0604000000000000" pitchFamily="50" charset="-127"/>
+                <a:ea typeface="나눔고딕" panose="020D0604000000000000" pitchFamily="50" charset="-127"/>
+              </a:rPr>
+              <a:t>– </a:t>
+            </a:r>
+            <a:r>
+              <a:rPr lang="en-US" altLang="ko-KR" dirty="0" smtClean="0">
+                <a:latin typeface="나눔고딕" panose="020D0604000000000000" pitchFamily="50" charset="-127"/>
+                <a:ea typeface="나눔고딕" panose="020D0604000000000000" pitchFamily="50" charset="-127"/>
+              </a:rPr>
+              <a:t>Selected items highlighted</a:t>
+            </a:r>
+            <a:endParaRPr lang="ko-KR" altLang="en-US" dirty="0"/>
+          </a:p>
+        </p:txBody>
+      </p:sp>
+      <p:sp>
+        <p:nvSpPr>
+          <p:cNvPr id="3" name="내용 개체 틀 2"/>
+          <p:cNvSpPr>
+            <a:spLocks noGrp="1"/>
+          </p:cNvSpPr>
+          <p:nvPr>
+            <p:ph idx="10"/>
+          </p:nvPr>
+        </p:nvSpPr>
+        <p:spPr/>
+        <p:txBody>
+          <a:bodyPr/>
+          <a:lstStyle/>
+          <a:p>
+            <a:pPr marL="0" indent="0">
+              <a:buNone/>
+            </a:pPr>
+            <a:r>
+              <a:rPr lang="en-US" altLang="ko-KR" b="1" dirty="0" smtClean="0"/>
+              <a:t>Joy</a:t>
+            </a:r>
+            <a:r>
+              <a:rPr lang="en-US" altLang="ko-KR" b="1" dirty="0" smtClean="0">
+                <a:solidFill>
+                  <a:srgbClr val="C00000"/>
+                </a:solidFill>
+              </a:rPr>
+              <a:t>074</a:t>
+            </a:r>
+            <a:r>
+              <a:rPr lang="en-US" altLang="ko-KR" b="1" dirty="0" smtClean="0"/>
+              <a:t>RecylerView</a:t>
+            </a:r>
+            <a:r>
+              <a:rPr lang="en-US" altLang="ko-KR" b="1" dirty="0" smtClean="0"/>
+              <a:t>:</a:t>
+            </a:r>
+          </a:p>
+          <a:p>
+            <a:pPr marL="0" indent="0">
+              <a:buNone/>
+            </a:pPr>
+            <a:r>
+              <a:rPr lang="en-US" altLang="ko-KR" b="1" dirty="0" smtClean="0"/>
+              <a:t>2</a:t>
+            </a:r>
+            <a:r>
+              <a:rPr lang="en-US" altLang="ko-KR" b="1" baseline="30000" dirty="0" smtClean="0"/>
+              <a:t>nd</a:t>
+            </a:r>
+            <a:r>
+              <a:rPr lang="en-US" altLang="ko-KR" b="1" dirty="0" smtClean="0"/>
+              <a:t> Trial </a:t>
+            </a:r>
+            <a:r>
+              <a:rPr lang="ko-KR" altLang="en-US" b="1" dirty="0" smtClean="0"/>
+              <a:t>계속</a:t>
+            </a:r>
+            <a:r>
+              <a:rPr lang="en-US" altLang="ko-KR" b="1" dirty="0" smtClean="0"/>
+              <a:t>: </a:t>
+            </a:r>
+            <a:r>
+              <a:rPr lang="en-US" altLang="ko-KR" dirty="0" smtClean="0"/>
+              <a:t>1</a:t>
+            </a:r>
+            <a:r>
+              <a:rPr lang="en-US" altLang="ko-KR" baseline="30000" dirty="0" smtClean="0"/>
+              <a:t>st</a:t>
+            </a:r>
+            <a:r>
+              <a:rPr lang="en-US" altLang="ko-KR" dirty="0" smtClean="0"/>
+              <a:t> Trial</a:t>
+            </a:r>
+            <a:r>
+              <a:rPr lang="ko-KR" altLang="en-US" dirty="0" smtClean="0"/>
+              <a:t>과 같은 현상이 나타나는 것을 관찰할 수 있습니다</a:t>
+            </a:r>
+            <a:r>
+              <a:rPr lang="en-US" altLang="ko-KR" dirty="0" smtClean="0"/>
+              <a:t>. </a:t>
+            </a:r>
+            <a:r>
+              <a:rPr lang="ko-KR" altLang="en-US" dirty="0" smtClean="0"/>
+              <a:t>사실 상 같은 코딩을 한 것 같습니다</a:t>
+            </a:r>
+            <a:r>
+              <a:rPr lang="en-US" altLang="ko-KR" dirty="0" smtClean="0"/>
+              <a:t>. </a:t>
+            </a:r>
+          </a:p>
+          <a:p>
+            <a:r>
+              <a:rPr lang="en-US" altLang="ko-KR" dirty="0"/>
+              <a:t> </a:t>
+            </a:r>
+            <a:r>
+              <a:rPr lang="en-US" altLang="ko-KR" dirty="0" err="1"/>
+              <a:t>RecyclerView</a:t>
+            </a:r>
+            <a:r>
+              <a:rPr lang="ko-KR" altLang="en-US" dirty="0"/>
+              <a:t>의 </a:t>
+            </a:r>
+            <a:r>
+              <a:rPr lang="en-US" altLang="ko-KR" dirty="0"/>
+              <a:t>Adapter</a:t>
+            </a:r>
+            <a:r>
+              <a:rPr lang="ko-KR" altLang="en-US" dirty="0"/>
+              <a:t>는 전체 아이템의 개수에 </a:t>
+            </a:r>
+            <a:r>
+              <a:rPr lang="ko-KR" altLang="en-US" dirty="0" smtClean="0"/>
+              <a:t>기반하여 </a:t>
+            </a:r>
+            <a:r>
+              <a:rPr lang="ko-KR" altLang="en-US" dirty="0" err="1" smtClean="0"/>
+              <a:t>적정수</a:t>
+            </a:r>
+            <a:r>
+              <a:rPr lang="en-US" altLang="ko-KR" dirty="0"/>
+              <a:t>( </a:t>
+            </a:r>
+            <a:r>
+              <a:rPr lang="ko-KR" altLang="en-US" dirty="0" err="1"/>
+              <a:t>한화면에</a:t>
+            </a:r>
+            <a:r>
+              <a:rPr lang="ko-KR" altLang="en-US" dirty="0"/>
+              <a:t> 표시되는 아이템 개수 </a:t>
+            </a:r>
+            <a:r>
+              <a:rPr lang="en-US" altLang="ko-KR" dirty="0"/>
+              <a:t>+ </a:t>
+            </a:r>
+            <a:r>
+              <a:rPr lang="ko-KR" altLang="en-US" dirty="0" err="1"/>
+              <a:t>스크롤시</a:t>
+            </a:r>
+            <a:r>
+              <a:rPr lang="ko-KR" altLang="en-US" dirty="0"/>
+              <a:t> 사용할 여분의 아이템 개수</a:t>
+            </a:r>
+            <a:r>
+              <a:rPr lang="en-US" altLang="ko-KR" dirty="0"/>
+              <a:t>)</a:t>
+            </a:r>
+            <a:r>
+              <a:rPr lang="ko-KR" altLang="en-US" dirty="0"/>
+              <a:t>의 </a:t>
+            </a:r>
+            <a:r>
+              <a:rPr lang="en-US" altLang="ko-KR" dirty="0" err="1"/>
+              <a:t>ViewHolder</a:t>
+            </a:r>
+            <a:r>
+              <a:rPr lang="en-US" altLang="ko-KR" dirty="0"/>
+              <a:t>( View )</a:t>
+            </a:r>
+            <a:r>
+              <a:rPr lang="ko-KR" altLang="en-US" dirty="0"/>
+              <a:t>를 미리 </a:t>
+            </a:r>
+            <a:r>
+              <a:rPr lang="ko-KR" altLang="en-US" dirty="0" smtClean="0"/>
+              <a:t>생성하고 화면상에 </a:t>
+            </a:r>
+            <a:r>
+              <a:rPr lang="ko-KR" altLang="en-US" dirty="0"/>
+              <a:t>표시되지 않는 </a:t>
+            </a:r>
+            <a:r>
+              <a:rPr lang="en-US" altLang="ko-KR" dirty="0"/>
+              <a:t>View</a:t>
+            </a:r>
+            <a:r>
+              <a:rPr lang="ko-KR" altLang="en-US" dirty="0"/>
+              <a:t>를 재사용하는 구조입니다</a:t>
+            </a:r>
+            <a:r>
+              <a:rPr lang="en-US" altLang="ko-KR" dirty="0"/>
+              <a:t>.</a:t>
+            </a:r>
+          </a:p>
+          <a:p>
+            <a:r>
+              <a:rPr lang="ko-KR" altLang="en-US" dirty="0" smtClean="0"/>
+              <a:t>클릭할 </a:t>
+            </a:r>
+            <a:r>
+              <a:rPr lang="ko-KR" altLang="en-US" dirty="0"/>
+              <a:t>당시의 </a:t>
+            </a:r>
+            <a:r>
+              <a:rPr lang="en-US" altLang="ko-KR" dirty="0"/>
+              <a:t>View</a:t>
+            </a:r>
+            <a:r>
+              <a:rPr lang="ko-KR" altLang="en-US" dirty="0"/>
+              <a:t>가 계속해서 동일한 데이터를 표시한다고 보장할 수 없다는 결론이죠</a:t>
+            </a:r>
+            <a:r>
+              <a:rPr lang="en-US" altLang="ko-KR" dirty="0"/>
+              <a:t>.</a:t>
+            </a:r>
+          </a:p>
+          <a:p>
+            <a:r>
+              <a:rPr lang="ko-KR" altLang="en-US" dirty="0" smtClean="0"/>
+              <a:t>즉 </a:t>
+            </a:r>
+            <a:r>
+              <a:rPr lang="ko-KR" altLang="en-US" dirty="0"/>
+              <a:t>아이템의 </a:t>
+            </a:r>
+            <a:r>
+              <a:rPr lang="ko-KR" altLang="en-US" dirty="0" smtClean="0"/>
+              <a:t>선택 상태는 </a:t>
+            </a:r>
+            <a:r>
+              <a:rPr lang="en-US" altLang="ko-KR" dirty="0"/>
+              <a:t>position</a:t>
+            </a:r>
+            <a:r>
+              <a:rPr lang="ko-KR" altLang="en-US" dirty="0"/>
+              <a:t>기반으로 관리하되</a:t>
+            </a:r>
+            <a:r>
+              <a:rPr lang="en-US" altLang="ko-KR" dirty="0"/>
+              <a:t>, </a:t>
+            </a:r>
+            <a:r>
+              <a:rPr lang="ko-KR" altLang="en-US" dirty="0"/>
+              <a:t>실제 선택 상태를 표시하는 것은 </a:t>
+            </a:r>
+            <a:r>
+              <a:rPr lang="en-US" altLang="ko-KR" dirty="0" err="1"/>
+              <a:t>ViewHolder</a:t>
+            </a:r>
+            <a:r>
+              <a:rPr lang="ko-KR" altLang="en-US" dirty="0"/>
+              <a:t>에 </a:t>
+            </a:r>
+            <a:r>
+              <a:rPr lang="ko-KR" altLang="en-US" dirty="0" smtClean="0"/>
+              <a:t>데이터가 반영되는 </a:t>
+            </a:r>
+            <a:r>
+              <a:rPr lang="ko-KR" altLang="en-US" dirty="0"/>
+              <a:t>시점에 처리 해주면 </a:t>
+            </a:r>
+            <a:r>
+              <a:rPr lang="ko-KR" altLang="en-US" dirty="0" smtClean="0"/>
+              <a:t>될 것 </a:t>
+            </a:r>
+            <a:r>
+              <a:rPr lang="ko-KR" altLang="en-US" dirty="0"/>
+              <a:t>같습니다</a:t>
+            </a:r>
+            <a:r>
+              <a:rPr lang="en-US" altLang="ko-KR" dirty="0"/>
+              <a:t>.</a:t>
+            </a:r>
+          </a:p>
+          <a:p>
+            <a:r>
+              <a:rPr lang="en-US" altLang="ko-KR" dirty="0" err="1" smtClean="0"/>
+              <a:t>ViewHolder</a:t>
+            </a:r>
+            <a:r>
+              <a:rPr lang="ko-KR" altLang="en-US" dirty="0"/>
+              <a:t>의 </a:t>
+            </a:r>
+            <a:r>
+              <a:rPr lang="en-US" altLang="ko-KR" dirty="0" smtClean="0"/>
+              <a:t>position</a:t>
+            </a:r>
+            <a:r>
+              <a:rPr lang="ko-KR" altLang="en-US" dirty="0" smtClean="0"/>
+              <a:t>은 </a:t>
+            </a:r>
+            <a:r>
+              <a:rPr lang="en-US" altLang="ko-KR" dirty="0" err="1" smtClean="0"/>
+              <a:t>ViewHolder</a:t>
+            </a:r>
+            <a:r>
+              <a:rPr lang="ko-KR" altLang="en-US" dirty="0"/>
+              <a:t>의 재사용 여부와 관계 없이 아이템 배치순서상의 </a:t>
+            </a:r>
+            <a:r>
+              <a:rPr lang="en-US" altLang="ko-KR" dirty="0"/>
+              <a:t>position( 0 base</a:t>
+            </a:r>
+            <a:r>
+              <a:rPr lang="en-US" altLang="ko-KR" dirty="0" smtClean="0"/>
+              <a:t>)</a:t>
+            </a:r>
+            <a:r>
+              <a:rPr lang="ko-KR" altLang="en-US" dirty="0" smtClean="0"/>
+              <a:t>을 뜻합니다</a:t>
+            </a:r>
+            <a:r>
+              <a:rPr lang="en-US" altLang="ko-KR" dirty="0" smtClean="0"/>
+              <a:t>. </a:t>
+            </a:r>
+            <a:r>
+              <a:rPr lang="en-US" altLang="ko-KR" dirty="0" err="1" smtClean="0"/>
+              <a:t>ArrayList</a:t>
+            </a:r>
+            <a:r>
+              <a:rPr lang="en-US" altLang="ko-KR" dirty="0" smtClean="0"/>
+              <a:t> Person </a:t>
+            </a:r>
+            <a:r>
+              <a:rPr lang="ko-KR" altLang="en-US" dirty="0" err="1" smtClean="0"/>
+              <a:t>데이터셋의</a:t>
+            </a:r>
+            <a:r>
+              <a:rPr lang="ko-KR" altLang="en-US" dirty="0" smtClean="0"/>
+              <a:t> </a:t>
+            </a:r>
+            <a:r>
+              <a:rPr lang="en-US" altLang="ko-KR" dirty="0" smtClean="0"/>
+              <a:t>index</a:t>
+            </a:r>
+            <a:r>
+              <a:rPr lang="ko-KR" altLang="en-US" dirty="0"/>
+              <a:t>값 이라고 생각해도 무방합니다</a:t>
+            </a:r>
+            <a:r>
+              <a:rPr lang="en-US" altLang="ko-KR" dirty="0" smtClean="0"/>
+              <a:t>.</a:t>
+            </a:r>
+          </a:p>
+          <a:p>
+            <a:r>
+              <a:rPr lang="ko-KR" altLang="en-US" dirty="0"/>
+              <a:t>그렇다면 </a:t>
+            </a:r>
+            <a:r>
+              <a:rPr lang="en-US" altLang="ko-KR" dirty="0" smtClean="0"/>
+              <a:t/>
+            </a:r>
+            <a:br>
+              <a:rPr lang="en-US" altLang="ko-KR" dirty="0" smtClean="0"/>
+            </a:br>
+            <a:r>
+              <a:rPr lang="en-US" altLang="ko-KR" dirty="0" smtClean="0"/>
+              <a:t>1</a:t>
+            </a:r>
+            <a:r>
+              <a:rPr lang="en-US" altLang="ko-KR" dirty="0"/>
+              <a:t>. </a:t>
+            </a:r>
+            <a:r>
+              <a:rPr lang="ko-KR" altLang="en-US" b="1" dirty="0"/>
+              <a:t>아이템 </a:t>
+            </a:r>
+            <a:r>
+              <a:rPr lang="ko-KR" altLang="en-US" b="1" dirty="0" smtClean="0"/>
+              <a:t>클릭 시 </a:t>
+            </a:r>
+            <a:r>
+              <a:rPr lang="ko-KR" altLang="en-US" b="1" dirty="0"/>
+              <a:t>선택 상태 저장 및 선택 상태 </a:t>
+            </a:r>
+            <a:r>
+              <a:rPr lang="ko-KR" altLang="en-US" b="1" dirty="0" smtClean="0"/>
+              <a:t>표시  </a:t>
+            </a:r>
+            <a:r>
+              <a:rPr lang="en-US" altLang="ko-KR" b="1" dirty="0" smtClean="0"/>
+              <a:t>(Trial 2</a:t>
+            </a:r>
+            <a:r>
+              <a:rPr lang="ko-KR" altLang="en-US" b="1" dirty="0" smtClean="0"/>
+              <a:t>에서 시도한 것입니다</a:t>
+            </a:r>
+            <a:r>
+              <a:rPr lang="en-US" altLang="ko-KR" b="1" dirty="0" smtClean="0"/>
+              <a:t>.)</a:t>
+            </a:r>
+            <a:br>
+              <a:rPr lang="en-US" altLang="ko-KR" b="1" dirty="0" smtClean="0"/>
+            </a:br>
+            <a:r>
+              <a:rPr lang="en-US" altLang="ko-KR" dirty="0" smtClean="0"/>
+              <a:t>2</a:t>
+            </a:r>
+            <a:r>
+              <a:rPr lang="en-US" altLang="ko-KR" dirty="0"/>
+              <a:t>. </a:t>
+            </a:r>
+            <a:r>
+              <a:rPr lang="ko-KR" altLang="en-US" b="1" dirty="0"/>
+              <a:t>아이템 바인딩 시에 선택 상태 </a:t>
+            </a:r>
+            <a:r>
+              <a:rPr lang="ko-KR" altLang="en-US" b="1" dirty="0" smtClean="0"/>
+              <a:t>표시 </a:t>
+            </a:r>
+            <a:r>
+              <a:rPr lang="en-US" altLang="ko-KR" b="1" dirty="0" smtClean="0"/>
+              <a:t>(Trial 3</a:t>
+            </a:r>
+            <a:r>
+              <a:rPr lang="ko-KR" altLang="en-US" b="1" dirty="0" smtClean="0"/>
+              <a:t>에서 이 부분을 추가하면 됩니다</a:t>
+            </a:r>
+            <a:r>
+              <a:rPr lang="en-US" altLang="ko-KR" b="1" dirty="0" smtClean="0"/>
+              <a:t>.)</a:t>
+            </a:r>
+            <a:br>
+              <a:rPr lang="en-US" altLang="ko-KR" b="1" dirty="0" smtClean="0"/>
+            </a:br>
+            <a:r>
+              <a:rPr lang="ko-KR" altLang="en-US" dirty="0" smtClean="0"/>
+              <a:t>방법으로 </a:t>
+            </a:r>
+            <a:r>
+              <a:rPr lang="ko-KR" altLang="en-US" dirty="0"/>
+              <a:t>구현해 보면 </a:t>
+            </a:r>
+            <a:r>
+              <a:rPr lang="ko-KR" altLang="en-US" dirty="0" smtClean="0"/>
+              <a:t>될 것 같은 생각이 들 것입니다</a:t>
+            </a:r>
+            <a:r>
+              <a:rPr lang="en-US" altLang="ko-KR" dirty="0" smtClean="0"/>
+              <a:t>. </a:t>
+            </a:r>
+          </a:p>
+          <a:p>
+            <a:r>
+              <a:rPr lang="en-US" altLang="ko-KR" dirty="0" smtClean="0"/>
+              <a:t>Trial 3</a:t>
+            </a:r>
+            <a:r>
+              <a:rPr lang="ko-KR" altLang="en-US" dirty="0" smtClean="0"/>
+              <a:t>에서 추가해야 할 곳을 찾아보십시오</a:t>
+            </a:r>
+            <a:r>
+              <a:rPr lang="en-US" altLang="ko-KR" dirty="0" smtClean="0"/>
+              <a:t>.  </a:t>
+            </a:r>
+            <a:r>
+              <a:rPr lang="ko-KR" altLang="en-US" dirty="0" smtClean="0"/>
+              <a:t>이것이 문제입니다</a:t>
+            </a:r>
+            <a:r>
+              <a:rPr lang="en-US" altLang="ko-KR" dirty="0" smtClean="0"/>
+              <a:t>. </a:t>
+            </a:r>
+            <a:endParaRPr lang="en-US" altLang="ko-KR" dirty="0"/>
+          </a:p>
+          <a:p>
+            <a:pPr marL="0" indent="0">
+              <a:buNone/>
+            </a:pPr>
+            <a:endParaRPr lang="en-US" altLang="ko-KR" dirty="0"/>
+          </a:p>
+        </p:txBody>
+      </p:sp>
+      <p:sp>
+        <p:nvSpPr>
+          <p:cNvPr id="4" name="슬라이드 번호 개체 틀 3"/>
+          <p:cNvSpPr>
+            <a:spLocks noGrp="1"/>
+          </p:cNvSpPr>
+          <p:nvPr>
+            <p:ph type="sldNum" sz="quarter" idx="14"/>
+          </p:nvPr>
+        </p:nvSpPr>
+        <p:spPr/>
+        <p:txBody>
+          <a:bodyPr/>
+          <a:lstStyle/>
+          <a:p>
+            <a:pPr>
+              <a:defRPr/>
+            </a:pPr>
+            <a:fld id="{3D493B47-E977-46F8-8C2F-7DA674317049}" type="slidenum">
+              <a:rPr lang="ko-KR" altLang="en-US" smtClean="0"/>
+              <a:pPr>
+                <a:defRPr/>
+              </a:pPr>
+              <a:t>66</a:t>
+            </a:fld>
+            <a:endParaRPr lang="ko-KR" altLang="en-US"/>
+          </a:p>
+        </p:txBody>
+      </p:sp>
+    </p:spTree>
+    <p:extLst>
+      <p:ext uri="{BB962C8B-B14F-4D97-AF65-F5344CB8AC3E}">
+        <p14:creationId xmlns:p14="http://schemas.microsoft.com/office/powerpoint/2010/main" val="2905867521"/>
+      </p:ext>
+    </p:extLst>
+  </p:cSld>
+  <p:clrMapOvr>
+    <a:masterClrMapping/>
+  </p:clrMapOvr>
+  <p:timing>
+    <p:tnLst>
+      <p:par>
+        <p:cTn id="1" dur="indefinite" restart="never" nodeType="tmRoot"/>
+      </p:par>
+    </p:tnLst>
+  </p:timing>
+</p:sld>
+</file>
+
+<file path=ppt/slides/slide67.xml><?xml version="1.0" encoding="utf-8"?>
+<p:sld xmlns:a="http://schemas.openxmlformats.org/drawingml/2006/main" xmlns:r="http://schemas.openxmlformats.org/officeDocument/2006/relationships" xmlns:p="http://schemas.openxmlformats.org/presentationml/2006/main">
+  <p:cSld>
+    <p:spTree>
+      <p:nvGrpSpPr>
+        <p:cNvPr id="1" name=""/>
+        <p:cNvGrpSpPr/>
+        <p:nvPr/>
+      </p:nvGrpSpPr>
+      <p:grpSpPr>
+        <a:xfrm>
+          <a:off x="0" y="0"/>
+          <a:ext cx="0" cy="0"/>
+          <a:chOff x="0" y="0"/>
+          <a:chExt cx="0" cy="0"/>
+        </a:xfrm>
+      </p:grpSpPr>
+      <p:sp>
+        <p:nvSpPr>
+          <p:cNvPr id="2" name="제목 1"/>
+          <p:cNvSpPr>
+            <a:spLocks noGrp="1"/>
+          </p:cNvSpPr>
+          <p:nvPr>
+            <p:ph type="title"/>
+          </p:nvPr>
+        </p:nvSpPr>
+        <p:spPr/>
+        <p:txBody>
+          <a:bodyPr/>
+          <a:lstStyle/>
+          <a:p>
+            <a:r>
+              <a:rPr lang="en-US" altLang="ko-KR" dirty="0">
+                <a:latin typeface="나눔고딕" panose="020D0604000000000000" pitchFamily="50" charset="-127"/>
+                <a:ea typeface="나눔고딕" panose="020D0604000000000000" pitchFamily="50" charset="-127"/>
+              </a:rPr>
+              <a:t>07-4 Recycler View </a:t>
+            </a:r>
+            <a:r>
+              <a:rPr lang="ko-KR" altLang="en-US" dirty="0">
+                <a:latin typeface="나눔고딕" panose="020D0604000000000000" pitchFamily="50" charset="-127"/>
+                <a:ea typeface="나눔고딕" panose="020D0604000000000000" pitchFamily="50" charset="-127"/>
+              </a:rPr>
+              <a:t>연습 문제 </a:t>
+            </a:r>
+            <a:r>
+              <a:rPr lang="en-US" altLang="ko-KR" dirty="0">
+                <a:latin typeface="나눔고딕" panose="020D0604000000000000" pitchFamily="50" charset="-127"/>
+                <a:ea typeface="나눔고딕" panose="020D0604000000000000" pitchFamily="50" charset="-127"/>
+              </a:rPr>
+              <a:t>– </a:t>
+            </a:r>
+            <a:r>
+              <a:rPr lang="en-US" altLang="ko-KR" dirty="0" smtClean="0">
+                <a:latin typeface="나눔고딕" panose="020D0604000000000000" pitchFamily="50" charset="-127"/>
+                <a:ea typeface="나눔고딕" panose="020D0604000000000000" pitchFamily="50" charset="-127"/>
+              </a:rPr>
+              <a:t>Selected items highlighted</a:t>
+            </a:r>
+            <a:endParaRPr lang="ko-KR" altLang="en-US" dirty="0"/>
+          </a:p>
+        </p:txBody>
+      </p:sp>
+      <p:sp>
+        <p:nvSpPr>
+          <p:cNvPr id="3" name="내용 개체 틀 2"/>
+          <p:cNvSpPr>
+            <a:spLocks noGrp="1"/>
+          </p:cNvSpPr>
+          <p:nvPr>
+            <p:ph idx="10"/>
+          </p:nvPr>
+        </p:nvSpPr>
+        <p:spPr/>
+        <p:txBody>
+          <a:bodyPr/>
+          <a:lstStyle/>
+          <a:p>
+            <a:pPr marL="0" indent="0">
+              <a:buNone/>
+            </a:pPr>
+            <a:r>
+              <a:rPr lang="en-US" altLang="ko-KR" b="1" dirty="0" smtClean="0"/>
+              <a:t>Joy</a:t>
+            </a:r>
+            <a:r>
+              <a:rPr lang="en-US" altLang="ko-KR" b="1" dirty="0" smtClean="0">
+                <a:solidFill>
+                  <a:srgbClr val="C00000"/>
+                </a:solidFill>
+              </a:rPr>
+              <a:t>074</a:t>
+            </a:r>
+            <a:r>
+              <a:rPr lang="en-US" altLang="ko-KR" b="1" dirty="0" smtClean="0"/>
+              <a:t>RecylerView</a:t>
+            </a:r>
+            <a:r>
+              <a:rPr lang="en-US" altLang="ko-KR" b="1" dirty="0" smtClean="0"/>
+              <a:t>:</a:t>
+            </a:r>
+          </a:p>
+          <a:p>
+            <a:pPr marL="0" indent="0">
+              <a:buNone/>
+            </a:pPr>
+            <a:r>
+              <a:rPr lang="en-US" altLang="ko-KR" b="1" dirty="0" smtClean="0"/>
+              <a:t>3</a:t>
+            </a:r>
+            <a:r>
+              <a:rPr lang="en-US" altLang="ko-KR" b="1" baseline="30000" dirty="0" smtClean="0"/>
+              <a:t>rd</a:t>
+            </a:r>
+            <a:r>
+              <a:rPr lang="en-US" altLang="ko-KR" b="1" dirty="0" smtClean="0"/>
+              <a:t> Trial: 2</a:t>
+            </a:r>
+            <a:r>
+              <a:rPr lang="en-US" altLang="ko-KR" b="1" baseline="30000" dirty="0" smtClean="0"/>
+              <a:t>nd</a:t>
+            </a:r>
+            <a:r>
+              <a:rPr lang="en-US" altLang="ko-KR" b="1" dirty="0" smtClean="0"/>
+              <a:t> Trial</a:t>
+            </a:r>
+            <a:r>
+              <a:rPr lang="ko-KR" altLang="en-US" b="1" dirty="0" smtClean="0"/>
+              <a:t>에서 코딩한 부분은 그대로 유지합니다</a:t>
+            </a:r>
+            <a:r>
+              <a:rPr lang="en-US" altLang="ko-KR" b="1" dirty="0" smtClean="0"/>
+              <a:t>. </a:t>
+            </a:r>
+            <a:r>
+              <a:rPr lang="ko-KR" altLang="en-US" dirty="0" smtClean="0"/>
+              <a:t>그와 같은 기능을 하는 코드를 어디에 추가해야 할까요</a:t>
+            </a:r>
+            <a:r>
+              <a:rPr lang="en-US" altLang="ko-KR" dirty="0" smtClean="0"/>
+              <a:t>? </a:t>
+            </a:r>
+          </a:p>
+          <a:p>
+            <a:r>
+              <a:rPr lang="en-US" altLang="ko-KR" dirty="0" err="1" smtClean="0"/>
+              <a:t>PersonAdapter</a:t>
+            </a:r>
+            <a:r>
+              <a:rPr lang="en-US" altLang="ko-KR" dirty="0" smtClean="0"/>
+              <a:t> </a:t>
+            </a:r>
+            <a:r>
+              <a:rPr lang="ko-KR" altLang="en-US" dirty="0" smtClean="0"/>
+              <a:t>클래스의 </a:t>
+            </a:r>
+            <a:r>
+              <a:rPr lang="en-US" altLang="ko-KR" dirty="0" err="1" smtClean="0"/>
+              <a:t>onItemClick</a:t>
+            </a:r>
+            <a:r>
+              <a:rPr lang="en-US" altLang="ko-KR" dirty="0" smtClean="0"/>
+              <a:t>() </a:t>
+            </a:r>
+            <a:r>
+              <a:rPr lang="ko-KR" altLang="en-US" dirty="0" err="1" smtClean="0"/>
+              <a:t>메소드에</a:t>
+            </a:r>
+            <a:r>
+              <a:rPr lang="ko-KR" altLang="en-US" dirty="0" smtClean="0"/>
+              <a:t> 추가하면 어떨까요</a:t>
+            </a:r>
+            <a:r>
+              <a:rPr lang="en-US" altLang="ko-KR" dirty="0" smtClean="0"/>
+              <a:t>? </a:t>
+            </a:r>
+          </a:p>
+          <a:p>
+            <a:r>
+              <a:rPr lang="en-US" altLang="ko-KR" dirty="0" err="1" smtClean="0"/>
+              <a:t>onBindViewHolder</a:t>
+            </a:r>
+            <a:r>
+              <a:rPr lang="en-US" altLang="ko-KR" dirty="0" smtClean="0"/>
+              <a:t> </a:t>
+            </a:r>
+            <a:r>
+              <a:rPr lang="ko-KR" altLang="en-US" dirty="0" smtClean="0"/>
+              <a:t>메소드가 우리가 화면에 볼 </a:t>
+            </a:r>
+            <a:r>
+              <a:rPr lang="en-US" altLang="ko-KR" dirty="0" smtClean="0"/>
+              <a:t>item</a:t>
+            </a:r>
+            <a:r>
+              <a:rPr lang="ko-KR" altLang="en-US" dirty="0" smtClean="0"/>
+              <a:t>들을 </a:t>
+            </a:r>
+            <a:r>
+              <a:rPr lang="en-US" altLang="ko-KR" dirty="0" smtClean="0"/>
+              <a:t>View</a:t>
+            </a:r>
+            <a:r>
+              <a:rPr lang="ko-KR" altLang="en-US" dirty="0" smtClean="0"/>
+              <a:t>와 일치하도록 연결을 설정하는 코드입니다</a:t>
+            </a:r>
+            <a:r>
+              <a:rPr lang="en-US" altLang="ko-KR" dirty="0" smtClean="0"/>
+              <a:t>. </a:t>
+            </a:r>
+          </a:p>
+          <a:p>
+            <a:endParaRPr lang="en-US" altLang="ko-KR" dirty="0"/>
+          </a:p>
+          <a:p>
+            <a:endParaRPr lang="en-US" altLang="ko-KR" dirty="0" smtClean="0"/>
+          </a:p>
+          <a:p>
+            <a:endParaRPr lang="en-US" altLang="ko-KR" dirty="0"/>
+          </a:p>
+          <a:p>
+            <a:endParaRPr lang="en-US" altLang="ko-KR" dirty="0" smtClean="0"/>
+          </a:p>
+          <a:p>
+            <a:endParaRPr lang="en-US" altLang="ko-KR" dirty="0"/>
+          </a:p>
+          <a:p>
+            <a:endParaRPr lang="en-US" altLang="ko-KR" dirty="0" smtClean="0"/>
+          </a:p>
+          <a:p>
+            <a:endParaRPr lang="en-US" altLang="ko-KR" dirty="0"/>
+          </a:p>
+          <a:p>
+            <a:endParaRPr lang="en-US" altLang="ko-KR" dirty="0" smtClean="0"/>
+          </a:p>
+          <a:p>
+            <a:endParaRPr lang="en-US" altLang="ko-KR" dirty="0"/>
+          </a:p>
+          <a:p>
+            <a:endParaRPr lang="en-US" altLang="ko-KR" dirty="0" smtClean="0"/>
+          </a:p>
+          <a:p>
+            <a:endParaRPr lang="en-US" altLang="ko-KR" dirty="0"/>
+          </a:p>
+          <a:p>
+            <a:r>
+              <a:rPr lang="ko-KR" altLang="en-US" dirty="0" smtClean="0"/>
+              <a:t>이제 스크롤을 하더라도 선택한 </a:t>
+            </a:r>
+            <a:r>
+              <a:rPr lang="en-US" altLang="ko-KR" dirty="0" smtClean="0"/>
+              <a:t>item</a:t>
+            </a:r>
+            <a:r>
+              <a:rPr lang="ko-KR" altLang="en-US" dirty="0" smtClean="0"/>
+              <a:t>들이 제대로 나올 것입니다</a:t>
+            </a:r>
+            <a:r>
+              <a:rPr lang="en-US" altLang="ko-KR" dirty="0" smtClean="0"/>
+              <a:t>. </a:t>
+            </a:r>
+          </a:p>
+          <a:p>
+            <a:pPr marL="0" indent="0">
+              <a:buNone/>
+            </a:pPr>
+            <a:endParaRPr lang="en-US" altLang="ko-KR" dirty="0"/>
+          </a:p>
+          <a:p>
+            <a:pPr marL="0" indent="0">
+              <a:buNone/>
+            </a:pPr>
+            <a:endParaRPr lang="en-US" altLang="ko-KR" dirty="0"/>
+          </a:p>
+        </p:txBody>
+      </p:sp>
+      <p:sp>
+        <p:nvSpPr>
+          <p:cNvPr id="4" name="슬라이드 번호 개체 틀 3"/>
+          <p:cNvSpPr>
+            <a:spLocks noGrp="1"/>
+          </p:cNvSpPr>
+          <p:nvPr>
+            <p:ph type="sldNum" sz="quarter" idx="14"/>
+          </p:nvPr>
+        </p:nvSpPr>
+        <p:spPr/>
+        <p:txBody>
+          <a:bodyPr/>
+          <a:lstStyle/>
+          <a:p>
+            <a:pPr>
+              <a:defRPr/>
+            </a:pPr>
+            <a:fld id="{3D493B47-E977-46F8-8C2F-7DA674317049}" type="slidenum">
+              <a:rPr lang="ko-KR" altLang="en-US" smtClean="0"/>
+              <a:pPr>
+                <a:defRPr/>
+              </a:pPr>
+              <a:t>67</a:t>
+            </a:fld>
+            <a:endParaRPr lang="ko-KR" altLang="en-US"/>
+          </a:p>
+        </p:txBody>
+      </p:sp>
+      <p:sp>
+        <p:nvSpPr>
+          <p:cNvPr id="5" name="직사각형 4"/>
+          <p:cNvSpPr/>
+          <p:nvPr/>
+        </p:nvSpPr>
+        <p:spPr>
+          <a:xfrm>
+            <a:off x="447394" y="2430761"/>
+            <a:ext cx="11253818" cy="3108543"/>
+          </a:xfrm>
+          <a:prstGeom prst="rect">
+            <a:avLst/>
+          </a:prstGeom>
+          <a:solidFill>
+            <a:schemeClr val="bg1">
+              <a:lumMod val="95000"/>
+            </a:schemeClr>
+          </a:solidFill>
+          <a:ln>
+            <a:solidFill>
+              <a:schemeClr val="bg1">
+                <a:lumMod val="75000"/>
+              </a:schemeClr>
+            </a:solidFill>
+          </a:ln>
+        </p:spPr>
+        <p:txBody>
+          <a:bodyPr wrap="square">
+            <a:spAutoFit/>
+          </a:bodyPr>
+          <a:lstStyle/>
+          <a:p>
+            <a:r>
+              <a:rPr lang="en-US" altLang="ko-KR" sz="1400" dirty="0">
+                <a:latin typeface="Consolas" panose="020B0609020204030204" pitchFamily="49" charset="0"/>
+              </a:rPr>
+              <a:t> </a:t>
+            </a:r>
+            <a:r>
+              <a:rPr lang="en-US" altLang="ko-KR" sz="1400" dirty="0" smtClean="0">
+                <a:latin typeface="Consolas" panose="020B0609020204030204" pitchFamily="49" charset="0"/>
+              </a:rPr>
+              <a:t>   @</a:t>
+            </a:r>
+            <a:r>
+              <a:rPr lang="en-US" altLang="ko-KR" sz="1400" dirty="0">
+                <a:latin typeface="Consolas" panose="020B0609020204030204" pitchFamily="49" charset="0"/>
+              </a:rPr>
+              <a:t>Override</a:t>
+            </a:r>
+          </a:p>
+          <a:p>
+            <a:r>
+              <a:rPr lang="en-US" altLang="ko-KR" sz="1400" dirty="0">
+                <a:latin typeface="Consolas" panose="020B0609020204030204" pitchFamily="49" charset="0"/>
+              </a:rPr>
+              <a:t>    public void </a:t>
+            </a:r>
+            <a:r>
+              <a:rPr lang="en-US" altLang="ko-KR" sz="1400" dirty="0" err="1">
+                <a:latin typeface="Consolas" panose="020B0609020204030204" pitchFamily="49" charset="0"/>
+              </a:rPr>
+              <a:t>onBindViewHolder</a:t>
+            </a:r>
+            <a:r>
+              <a:rPr lang="en-US" altLang="ko-KR" sz="1400" dirty="0">
+                <a:latin typeface="Consolas" panose="020B0609020204030204" pitchFamily="49" charset="0"/>
+              </a:rPr>
+              <a:t>(@</a:t>
+            </a:r>
+            <a:r>
+              <a:rPr lang="en-US" altLang="ko-KR" sz="1400" dirty="0" err="1">
+                <a:latin typeface="Consolas" panose="020B0609020204030204" pitchFamily="49" charset="0"/>
+              </a:rPr>
+              <a:t>NonNull</a:t>
+            </a:r>
+            <a:r>
+              <a:rPr lang="en-US" altLang="ko-KR" sz="1400" dirty="0">
+                <a:latin typeface="Consolas" panose="020B0609020204030204" pitchFamily="49" charset="0"/>
+              </a:rPr>
+              <a:t> </a:t>
+            </a:r>
+            <a:r>
+              <a:rPr lang="en-US" altLang="ko-KR" sz="1400" dirty="0" err="1">
+                <a:latin typeface="Consolas" panose="020B0609020204030204" pitchFamily="49" charset="0"/>
+              </a:rPr>
+              <a:t>ViewHolder</a:t>
+            </a:r>
+            <a:r>
+              <a:rPr lang="en-US" altLang="ko-KR" sz="1400" dirty="0">
+                <a:latin typeface="Consolas" panose="020B0609020204030204" pitchFamily="49" charset="0"/>
+              </a:rPr>
+              <a:t> </a:t>
+            </a:r>
+            <a:r>
+              <a:rPr lang="en-US" altLang="ko-KR" sz="1400" dirty="0" err="1">
+                <a:latin typeface="Consolas" panose="020B0609020204030204" pitchFamily="49" charset="0"/>
+              </a:rPr>
+              <a:t>viewHolder</a:t>
+            </a:r>
+            <a:r>
+              <a:rPr lang="en-US" altLang="ko-KR" sz="1400" dirty="0">
+                <a:latin typeface="Consolas" panose="020B0609020204030204" pitchFamily="49" charset="0"/>
+              </a:rPr>
+              <a:t>, int position) {</a:t>
+            </a:r>
+          </a:p>
+          <a:p>
+            <a:r>
+              <a:rPr lang="en-US" altLang="ko-KR" sz="1400" dirty="0">
+                <a:latin typeface="Consolas" panose="020B0609020204030204" pitchFamily="49" charset="0"/>
+              </a:rPr>
+              <a:t>        Person item = </a:t>
+            </a:r>
+            <a:r>
+              <a:rPr lang="en-US" altLang="ko-KR" sz="1400" dirty="0" err="1">
+                <a:latin typeface="Consolas" panose="020B0609020204030204" pitchFamily="49" charset="0"/>
+              </a:rPr>
+              <a:t>items.get</a:t>
+            </a:r>
+            <a:r>
+              <a:rPr lang="en-US" altLang="ko-KR" sz="1400" dirty="0">
+                <a:latin typeface="Consolas" panose="020B0609020204030204" pitchFamily="49" charset="0"/>
+              </a:rPr>
+              <a:t>(position);</a:t>
+            </a:r>
+          </a:p>
+          <a:p>
+            <a:r>
+              <a:rPr lang="en-US" altLang="ko-KR" sz="1400" dirty="0">
+                <a:latin typeface="Consolas" panose="020B0609020204030204" pitchFamily="49" charset="0"/>
+              </a:rPr>
+              <a:t>        </a:t>
+            </a:r>
+            <a:r>
+              <a:rPr lang="en-US" altLang="ko-KR" sz="1400" dirty="0" err="1">
+                <a:latin typeface="Consolas" panose="020B0609020204030204" pitchFamily="49" charset="0"/>
+              </a:rPr>
+              <a:t>viewHolder.setItem</a:t>
+            </a:r>
+            <a:r>
+              <a:rPr lang="en-US" altLang="ko-KR" sz="1400" dirty="0">
+                <a:latin typeface="Consolas" panose="020B0609020204030204" pitchFamily="49" charset="0"/>
+              </a:rPr>
+              <a:t>(item);</a:t>
+            </a:r>
+          </a:p>
+          <a:p>
+            <a:endParaRPr lang="en-US" altLang="ko-KR" sz="1400" dirty="0">
+              <a:latin typeface="Consolas" panose="020B0609020204030204" pitchFamily="49" charset="0"/>
+            </a:endParaRPr>
+          </a:p>
+          <a:p>
+            <a:r>
+              <a:rPr lang="en-US" altLang="ko-KR" sz="1400" b="1" dirty="0">
+                <a:latin typeface="Consolas" panose="020B0609020204030204" pitchFamily="49" charset="0"/>
+              </a:rPr>
+              <a:t>        if (</a:t>
+            </a:r>
+            <a:r>
+              <a:rPr lang="en-US" altLang="ko-KR" sz="1400" b="1" dirty="0" err="1">
+                <a:latin typeface="Consolas" panose="020B0609020204030204" pitchFamily="49" charset="0"/>
+              </a:rPr>
+              <a:t>itemsSelected.contains</a:t>
+            </a:r>
+            <a:r>
+              <a:rPr lang="en-US" altLang="ko-KR" sz="1400" b="1" dirty="0">
+                <a:latin typeface="Consolas" panose="020B0609020204030204" pitchFamily="49" charset="0"/>
+              </a:rPr>
+              <a:t>(position)) {</a:t>
+            </a:r>
+          </a:p>
+          <a:p>
+            <a:r>
+              <a:rPr lang="en-US" altLang="ko-KR" sz="1400" b="1" dirty="0">
+                <a:latin typeface="Consolas" panose="020B0609020204030204" pitchFamily="49" charset="0"/>
+              </a:rPr>
+              <a:t>            </a:t>
+            </a:r>
+            <a:r>
+              <a:rPr lang="en-US" altLang="ko-KR" sz="1400" b="1" dirty="0" err="1">
+                <a:latin typeface="Consolas" panose="020B0609020204030204" pitchFamily="49" charset="0"/>
+              </a:rPr>
+              <a:t>viewHolder.itemView.setBackgroundColor</a:t>
+            </a:r>
+            <a:r>
+              <a:rPr lang="en-US" altLang="ko-KR" sz="1400" b="1" dirty="0">
+                <a:latin typeface="Consolas" panose="020B0609020204030204" pitchFamily="49" charset="0"/>
+              </a:rPr>
+              <a:t>(</a:t>
+            </a:r>
+            <a:r>
+              <a:rPr lang="en-US" altLang="ko-KR" sz="1400" b="1" dirty="0" err="1">
+                <a:latin typeface="Consolas" panose="020B0609020204030204" pitchFamily="49" charset="0"/>
+              </a:rPr>
+              <a:t>Color.YELLOW</a:t>
+            </a:r>
+            <a:r>
+              <a:rPr lang="en-US" altLang="ko-KR" sz="1400" b="1" dirty="0">
+                <a:latin typeface="Consolas" panose="020B0609020204030204" pitchFamily="49" charset="0"/>
+              </a:rPr>
+              <a:t>);</a:t>
+            </a:r>
+          </a:p>
+          <a:p>
+            <a:r>
+              <a:rPr lang="en-US" altLang="ko-KR" sz="1400" b="1" dirty="0">
+                <a:latin typeface="Consolas" panose="020B0609020204030204" pitchFamily="49" charset="0"/>
+              </a:rPr>
+              <a:t>        }</a:t>
+            </a:r>
+          </a:p>
+          <a:p>
+            <a:r>
+              <a:rPr lang="en-US" altLang="ko-KR" sz="1400" b="1" dirty="0">
+                <a:latin typeface="Consolas" panose="020B0609020204030204" pitchFamily="49" charset="0"/>
+              </a:rPr>
+              <a:t>        else {</a:t>
+            </a:r>
+          </a:p>
+          <a:p>
+            <a:r>
+              <a:rPr lang="en-US" altLang="ko-KR" sz="1400" b="1" dirty="0">
+                <a:latin typeface="Consolas" panose="020B0609020204030204" pitchFamily="49" charset="0"/>
+              </a:rPr>
+              <a:t>            </a:t>
+            </a:r>
+            <a:r>
+              <a:rPr lang="en-US" altLang="ko-KR" sz="1400" b="1" dirty="0" err="1">
+                <a:latin typeface="Consolas" panose="020B0609020204030204" pitchFamily="49" charset="0"/>
+              </a:rPr>
+              <a:t>viewHolder.itemView.setBackgroundColor</a:t>
+            </a:r>
+            <a:r>
+              <a:rPr lang="en-US" altLang="ko-KR" sz="1400" b="1" dirty="0">
+                <a:latin typeface="Consolas" panose="020B0609020204030204" pitchFamily="49" charset="0"/>
+              </a:rPr>
+              <a:t>(</a:t>
+            </a:r>
+            <a:r>
+              <a:rPr lang="en-US" altLang="ko-KR" sz="1400" b="1" dirty="0" err="1">
+                <a:latin typeface="Consolas" panose="020B0609020204030204" pitchFamily="49" charset="0"/>
+              </a:rPr>
+              <a:t>Color.WHITE</a:t>
+            </a:r>
+            <a:r>
+              <a:rPr lang="en-US" altLang="ko-KR" sz="1400" b="1" dirty="0">
+                <a:latin typeface="Consolas" panose="020B0609020204030204" pitchFamily="49" charset="0"/>
+              </a:rPr>
+              <a:t>);</a:t>
+            </a:r>
+          </a:p>
+          <a:p>
+            <a:r>
+              <a:rPr lang="en-US" altLang="ko-KR" sz="1400" b="1" dirty="0">
+                <a:latin typeface="Consolas" panose="020B0609020204030204" pitchFamily="49" charset="0"/>
+              </a:rPr>
+              <a:t>        }</a:t>
+            </a:r>
+          </a:p>
+          <a:p>
+            <a:endParaRPr lang="en-US" altLang="ko-KR" sz="1400" dirty="0">
+              <a:latin typeface="Consolas" panose="020B0609020204030204" pitchFamily="49" charset="0"/>
+            </a:endParaRPr>
+          </a:p>
+          <a:p>
+            <a:r>
+              <a:rPr lang="en-US" altLang="ko-KR" sz="1400" dirty="0">
+                <a:latin typeface="Consolas" panose="020B0609020204030204" pitchFamily="49" charset="0"/>
+              </a:rPr>
+              <a:t>        </a:t>
+            </a:r>
+            <a:r>
+              <a:rPr lang="en-US" altLang="ko-KR" sz="1400" dirty="0" err="1">
+                <a:latin typeface="Consolas" panose="020B0609020204030204" pitchFamily="49" charset="0"/>
+              </a:rPr>
+              <a:t>Log.d</a:t>
+            </a:r>
+            <a:r>
+              <a:rPr lang="en-US" altLang="ko-KR" sz="1400" dirty="0">
+                <a:latin typeface="Consolas" panose="020B0609020204030204" pitchFamily="49" charset="0"/>
+              </a:rPr>
+              <a:t>(TAG, "</a:t>
+            </a:r>
+            <a:r>
+              <a:rPr lang="en-US" altLang="ko-KR" sz="1400" dirty="0" err="1">
+                <a:latin typeface="Consolas" panose="020B0609020204030204" pitchFamily="49" charset="0"/>
+              </a:rPr>
+              <a:t>PersonAdapter</a:t>
+            </a:r>
+            <a:r>
+              <a:rPr lang="en-US" altLang="ko-KR" sz="1400" dirty="0">
+                <a:latin typeface="Consolas" panose="020B0609020204030204" pitchFamily="49" charset="0"/>
+              </a:rPr>
+              <a:t>: </a:t>
+            </a:r>
+            <a:r>
+              <a:rPr lang="en-US" altLang="ko-KR" sz="1400" dirty="0" err="1">
+                <a:latin typeface="Consolas" panose="020B0609020204030204" pitchFamily="49" charset="0"/>
+              </a:rPr>
+              <a:t>onBindViewHolder</a:t>
+            </a:r>
+            <a:r>
+              <a:rPr lang="en-US" altLang="ko-KR" sz="1400" dirty="0">
+                <a:latin typeface="Consolas" panose="020B0609020204030204" pitchFamily="49" charset="0"/>
+              </a:rPr>
+              <a:t>: " + position);</a:t>
+            </a:r>
+          </a:p>
+          <a:p>
+            <a:r>
+              <a:rPr lang="en-US" altLang="ko-KR" sz="1400" dirty="0">
+                <a:latin typeface="Consolas" panose="020B0609020204030204" pitchFamily="49" charset="0"/>
+              </a:rPr>
+              <a:t>    }</a:t>
+            </a:r>
+            <a:endParaRPr lang="ko-KR" altLang="en-US" sz="1400" dirty="0">
+              <a:latin typeface="Consolas" panose="020B0609020204030204" pitchFamily="49" charset="0"/>
+            </a:endParaRPr>
+          </a:p>
+        </p:txBody>
+      </p:sp>
+      <p:sp>
+        <p:nvSpPr>
+          <p:cNvPr id="6" name="TextBox 5"/>
+          <p:cNvSpPr txBox="1"/>
+          <p:nvPr/>
+        </p:nvSpPr>
+        <p:spPr>
+          <a:xfrm>
+            <a:off x="9011760" y="2276872"/>
+            <a:ext cx="2062641" cy="307777"/>
+          </a:xfrm>
+          <a:prstGeom prst="rect">
+            <a:avLst/>
+          </a:prstGeom>
+          <a:solidFill>
+            <a:srgbClr val="FFC000"/>
+          </a:solidFill>
+        </p:spPr>
+        <p:txBody>
+          <a:bodyPr wrap="square" rtlCol="0">
+            <a:spAutoFit/>
+          </a:bodyPr>
+          <a:lstStyle/>
+          <a:p>
+            <a:r>
+              <a:rPr lang="en-US" altLang="ko-KR" sz="1400" dirty="0" smtClean="0"/>
+              <a:t>PersonAdapter.java</a:t>
+            </a:r>
+            <a:endParaRPr lang="ko-KR" altLang="en-US" sz="1400" dirty="0"/>
+          </a:p>
+        </p:txBody>
+      </p:sp>
+    </p:spTree>
+    <p:extLst>
+      <p:ext uri="{BB962C8B-B14F-4D97-AF65-F5344CB8AC3E}">
+        <p14:creationId xmlns:p14="http://schemas.microsoft.com/office/powerpoint/2010/main" val="3204957155"/>
+      </p:ext>
+    </p:extLst>
+  </p:cSld>
+  <p:clrMapOvr>
+    <a:masterClrMapping/>
+  </p:clrMapOvr>
+  <p:timing>
+    <p:tnLst>
+      <p:par>
+        <p:cTn id="1" dur="indefinite" restart="never" nodeType="tmRoot"/>
+      </p:par>
+    </p:tnLst>
+  </p:timing>
+</p:sld>
+</file>
+
+<file path=ppt/slides/slide68.xml><?xml version="1.0" encoding="utf-8"?>
+<p:sld xmlns:a="http://schemas.openxmlformats.org/drawingml/2006/main" xmlns:r="http://schemas.openxmlformats.org/officeDocument/2006/relationships" xmlns:p="http://schemas.openxmlformats.org/presentationml/2006/main">
+  <p:cSld>
+    <p:spTree>
+      <p:nvGrpSpPr>
+        <p:cNvPr id="1" name=""/>
+        <p:cNvGrpSpPr/>
+        <p:nvPr/>
+      </p:nvGrpSpPr>
+      <p:grpSpPr>
+        <a:xfrm>
+          <a:off x="0" y="0"/>
+          <a:ext cx="0" cy="0"/>
+          <a:chOff x="0" y="0"/>
+          <a:chExt cx="0" cy="0"/>
+        </a:xfrm>
+      </p:grpSpPr>
+      <p:sp>
+        <p:nvSpPr>
+          <p:cNvPr id="2" name="제목 1"/>
+          <p:cNvSpPr>
+            <a:spLocks noGrp="1"/>
+          </p:cNvSpPr>
+          <p:nvPr>
+            <p:ph type="title"/>
+          </p:nvPr>
+        </p:nvSpPr>
+        <p:spPr/>
+        <p:txBody>
+          <a:bodyPr/>
+          <a:lstStyle/>
+          <a:p>
+            <a:r>
+              <a:rPr lang="en-US" altLang="ko-KR" dirty="0">
+                <a:latin typeface="나눔고딕" panose="020D0604000000000000" pitchFamily="50" charset="-127"/>
+                <a:ea typeface="나눔고딕" panose="020D0604000000000000" pitchFamily="50" charset="-127"/>
+              </a:rPr>
+              <a:t>07-4 Recycler View </a:t>
+            </a:r>
+            <a:r>
+              <a:rPr lang="ko-KR" altLang="en-US" dirty="0">
+                <a:latin typeface="나눔고딕" panose="020D0604000000000000" pitchFamily="50" charset="-127"/>
+                <a:ea typeface="나눔고딕" panose="020D0604000000000000" pitchFamily="50" charset="-127"/>
+              </a:rPr>
+              <a:t>연습 문제 </a:t>
+            </a:r>
+            <a:r>
+              <a:rPr lang="en-US" altLang="ko-KR" dirty="0">
+                <a:latin typeface="나눔고딕" panose="020D0604000000000000" pitchFamily="50" charset="-127"/>
+                <a:ea typeface="나눔고딕" panose="020D0604000000000000" pitchFamily="50" charset="-127"/>
+              </a:rPr>
+              <a:t>– </a:t>
+            </a:r>
+            <a:r>
+              <a:rPr lang="en-US" altLang="ko-KR" dirty="0" smtClean="0">
+                <a:latin typeface="나눔고딕" panose="020D0604000000000000" pitchFamily="50" charset="-127"/>
+                <a:ea typeface="나눔고딕" panose="020D0604000000000000" pitchFamily="50" charset="-127"/>
+              </a:rPr>
+              <a:t>Selected items highlighted</a:t>
+            </a:r>
+            <a:endParaRPr lang="ko-KR" altLang="en-US" dirty="0"/>
+          </a:p>
+        </p:txBody>
+      </p:sp>
+      <p:sp>
+        <p:nvSpPr>
+          <p:cNvPr id="3" name="내용 개체 틀 2"/>
+          <p:cNvSpPr>
+            <a:spLocks noGrp="1"/>
+          </p:cNvSpPr>
+          <p:nvPr>
+            <p:ph idx="10"/>
+          </p:nvPr>
+        </p:nvSpPr>
+        <p:spPr/>
+        <p:txBody>
+          <a:bodyPr/>
+          <a:lstStyle/>
+          <a:p>
+            <a:pPr marL="0" indent="0">
+              <a:buNone/>
+            </a:pPr>
+            <a:r>
+              <a:rPr lang="en-US" altLang="ko-KR" b="1" dirty="0" smtClean="0"/>
+              <a:t>Joy</a:t>
+            </a:r>
+            <a:r>
+              <a:rPr lang="en-US" altLang="ko-KR" b="1" dirty="0" smtClean="0">
+                <a:solidFill>
+                  <a:srgbClr val="C00000"/>
+                </a:solidFill>
+              </a:rPr>
+              <a:t>074</a:t>
+            </a:r>
+            <a:r>
+              <a:rPr lang="en-US" altLang="ko-KR" b="1" dirty="0" smtClean="0"/>
+              <a:t>RecylerView</a:t>
+            </a:r>
+            <a:r>
+              <a:rPr lang="en-US" altLang="ko-KR" b="1" dirty="0" smtClean="0"/>
+              <a:t>:</a:t>
+            </a:r>
+          </a:p>
+          <a:p>
+            <a:pPr marL="0" indent="0">
+              <a:buNone/>
+            </a:pPr>
+            <a:r>
+              <a:rPr lang="en-US" altLang="ko-KR" b="1" dirty="0" smtClean="0"/>
+              <a:t>4</a:t>
+            </a:r>
+            <a:r>
+              <a:rPr lang="en-US" altLang="ko-KR" b="1" baseline="30000" dirty="0" smtClean="0"/>
+              <a:t>th</a:t>
+            </a:r>
+            <a:r>
+              <a:rPr lang="en-US" altLang="ko-KR" b="1" dirty="0" smtClean="0"/>
+              <a:t> Trial: </a:t>
+            </a:r>
+            <a:r>
+              <a:rPr lang="ko-KR" altLang="en-US" dirty="0" smtClean="0"/>
+              <a:t>지금 코드는 잘 실행이 되지만</a:t>
+            </a:r>
+            <a:r>
+              <a:rPr lang="en-US" altLang="ko-KR" dirty="0" smtClean="0"/>
+              <a:t>, DRY (Don't repeat yourself)</a:t>
+            </a:r>
+            <a:r>
+              <a:rPr lang="ko-KR" altLang="en-US" dirty="0" smtClean="0"/>
+              <a:t>라는 </a:t>
+            </a:r>
+            <a:r>
+              <a:rPr lang="en-US" altLang="ko-KR" dirty="0" smtClean="0"/>
+              <a:t>Coding</a:t>
+            </a:r>
+            <a:r>
+              <a:rPr lang="ko-KR" altLang="en-US" dirty="0" smtClean="0"/>
+              <a:t>의 기본 원칙에 좀 어긋나는 것 같습니다</a:t>
+            </a:r>
+            <a:r>
+              <a:rPr lang="en-US" altLang="ko-KR" dirty="0" smtClean="0"/>
+              <a:t>. </a:t>
+            </a:r>
+            <a:r>
+              <a:rPr lang="ko-KR" altLang="en-US" dirty="0" smtClean="0"/>
+              <a:t>왜냐하면</a:t>
+            </a:r>
+            <a:r>
+              <a:rPr lang="en-US" altLang="ko-KR" dirty="0" smtClean="0"/>
+              <a:t>, </a:t>
+            </a:r>
+            <a:r>
+              <a:rPr lang="ko-KR" altLang="en-US" dirty="0" smtClean="0"/>
+              <a:t>아래와 같은 코드가 두 곳에 있기 때문입니다</a:t>
+            </a:r>
+            <a:r>
+              <a:rPr lang="en-US" altLang="ko-KR" dirty="0" smtClean="0"/>
+              <a:t>. </a:t>
+            </a:r>
+            <a:r>
+              <a:rPr lang="ko-KR" altLang="en-US" dirty="0" smtClean="0"/>
+              <a:t>그럼</a:t>
+            </a:r>
+            <a:r>
+              <a:rPr lang="en-US" altLang="ko-KR" dirty="0" smtClean="0"/>
+              <a:t>, </a:t>
+            </a:r>
+            <a:r>
+              <a:rPr lang="ko-KR" altLang="en-US" dirty="0" smtClean="0"/>
+              <a:t>좀 더 바람직한 코드는 어떻게 해야 할까요</a:t>
+            </a:r>
+            <a:r>
+              <a:rPr lang="en-US" altLang="ko-KR" dirty="0" smtClean="0"/>
+              <a:t>? </a:t>
+            </a:r>
+          </a:p>
+          <a:p>
+            <a:r>
+              <a:rPr lang="en-US" altLang="ko-KR" dirty="0" smtClean="0"/>
+              <a:t>notify</a:t>
+            </a:r>
+            <a:r>
+              <a:rPr lang="ko-KR" altLang="en-US" dirty="0" smtClean="0"/>
+              <a:t>라는 기능을 활용하면 좋습니다</a:t>
+            </a:r>
+            <a:r>
+              <a:rPr lang="en-US" altLang="ko-KR" dirty="0" smtClean="0"/>
+              <a:t>. </a:t>
+            </a:r>
+            <a:r>
+              <a:rPr lang="en-US" altLang="ko-KR" dirty="0" err="1" smtClean="0"/>
+              <a:t>RecylerView</a:t>
+            </a:r>
+            <a:r>
+              <a:rPr lang="ko-KR" altLang="en-US" dirty="0" smtClean="0"/>
+              <a:t>클래스는 다음과 같은 </a:t>
+            </a:r>
+            <a:r>
+              <a:rPr lang="en-US" altLang="ko-KR" dirty="0" smtClean="0"/>
+              <a:t>notify  </a:t>
+            </a:r>
+            <a:r>
+              <a:rPr lang="ko-KR" altLang="en-US" dirty="0" smtClean="0"/>
+              <a:t>종류의 기능을 제공합니다</a:t>
+            </a:r>
+            <a:r>
+              <a:rPr lang="en-US" altLang="ko-KR" dirty="0" smtClean="0"/>
+              <a:t>. </a:t>
+            </a:r>
+            <a:endParaRPr lang="en-US" altLang="ko-KR" dirty="0"/>
+          </a:p>
+          <a:p>
+            <a:endParaRPr lang="en-US" altLang="ko-KR" dirty="0" smtClean="0"/>
+          </a:p>
+          <a:p>
+            <a:endParaRPr lang="en-US" altLang="ko-KR" dirty="0"/>
+          </a:p>
+          <a:p>
+            <a:endParaRPr lang="en-US" altLang="ko-KR" dirty="0" smtClean="0"/>
+          </a:p>
+          <a:p>
+            <a:endParaRPr lang="en-US" altLang="ko-KR" dirty="0"/>
+          </a:p>
+          <a:p>
+            <a:endParaRPr lang="en-US" altLang="ko-KR" dirty="0" smtClean="0"/>
+          </a:p>
+          <a:p>
+            <a:endParaRPr lang="en-US" altLang="ko-KR" dirty="0"/>
+          </a:p>
+          <a:p>
+            <a:endParaRPr lang="en-US" altLang="ko-KR" dirty="0" smtClean="0"/>
+          </a:p>
+          <a:p>
+            <a:endParaRPr lang="en-US" altLang="ko-KR" dirty="0"/>
+          </a:p>
+          <a:p>
+            <a:endParaRPr lang="en-US" altLang="ko-KR" dirty="0" smtClean="0"/>
+          </a:p>
+          <a:p>
+            <a:pPr marL="0" indent="0">
+              <a:buNone/>
+            </a:pPr>
+            <a:endParaRPr lang="en-US" altLang="ko-KR" dirty="0"/>
+          </a:p>
+          <a:p>
+            <a:pPr marL="0" indent="0">
+              <a:buNone/>
+            </a:pPr>
+            <a:endParaRPr lang="en-US" altLang="ko-KR" dirty="0"/>
+          </a:p>
+        </p:txBody>
+      </p:sp>
+      <p:sp>
+        <p:nvSpPr>
+          <p:cNvPr id="4" name="슬라이드 번호 개체 틀 3"/>
+          <p:cNvSpPr>
+            <a:spLocks noGrp="1"/>
+          </p:cNvSpPr>
+          <p:nvPr>
+            <p:ph type="sldNum" sz="quarter" idx="14"/>
+          </p:nvPr>
+        </p:nvSpPr>
+        <p:spPr/>
+        <p:txBody>
+          <a:bodyPr/>
+          <a:lstStyle/>
+          <a:p>
+            <a:pPr>
+              <a:defRPr/>
+            </a:pPr>
+            <a:fld id="{3D493B47-E977-46F8-8C2F-7DA674317049}" type="slidenum">
+              <a:rPr lang="ko-KR" altLang="en-US" smtClean="0"/>
+              <a:pPr>
+                <a:defRPr/>
+              </a:pPr>
+              <a:t>68</a:t>
+            </a:fld>
+            <a:endParaRPr lang="ko-KR" altLang="en-US"/>
+          </a:p>
+        </p:txBody>
+      </p:sp>
+      <p:sp>
+        <p:nvSpPr>
+          <p:cNvPr id="5" name="직사각형 4"/>
+          <p:cNvSpPr/>
+          <p:nvPr/>
+        </p:nvSpPr>
+        <p:spPr>
+          <a:xfrm>
+            <a:off x="447394" y="2276872"/>
+            <a:ext cx="11253818" cy="3108543"/>
+          </a:xfrm>
+          <a:prstGeom prst="rect">
+            <a:avLst/>
+          </a:prstGeom>
+          <a:solidFill>
+            <a:schemeClr val="bg1">
+              <a:lumMod val="95000"/>
+            </a:schemeClr>
+          </a:solidFill>
+          <a:ln>
+            <a:solidFill>
+              <a:schemeClr val="bg1">
+                <a:lumMod val="75000"/>
+              </a:schemeClr>
+            </a:solidFill>
+          </a:ln>
+        </p:spPr>
+        <p:txBody>
+          <a:bodyPr wrap="square">
+            <a:spAutoFit/>
+          </a:bodyPr>
+          <a:lstStyle/>
+          <a:p>
+            <a:r>
+              <a:rPr lang="en-US" altLang="ko-KR" sz="1400" dirty="0">
+                <a:latin typeface="Consolas" panose="020B0609020204030204" pitchFamily="49" charset="0"/>
+              </a:rPr>
+              <a:t> </a:t>
+            </a:r>
+            <a:r>
+              <a:rPr lang="en-US" altLang="ko-KR" sz="1400" dirty="0" smtClean="0">
+                <a:latin typeface="Consolas" panose="020B0609020204030204" pitchFamily="49" charset="0"/>
+              </a:rPr>
+              <a:t>   @</a:t>
+            </a:r>
+            <a:r>
+              <a:rPr lang="en-US" altLang="ko-KR" sz="1400" dirty="0">
+                <a:latin typeface="Consolas" panose="020B0609020204030204" pitchFamily="49" charset="0"/>
+              </a:rPr>
+              <a:t>Override</a:t>
+            </a:r>
+          </a:p>
+          <a:p>
+            <a:r>
+              <a:rPr lang="en-US" altLang="ko-KR" sz="1400" dirty="0">
+                <a:latin typeface="Consolas" panose="020B0609020204030204" pitchFamily="49" charset="0"/>
+              </a:rPr>
+              <a:t>    public void </a:t>
+            </a:r>
+            <a:r>
+              <a:rPr lang="en-US" altLang="ko-KR" sz="1400" dirty="0" err="1">
+                <a:latin typeface="Consolas" panose="020B0609020204030204" pitchFamily="49" charset="0"/>
+              </a:rPr>
+              <a:t>onBindViewHolder</a:t>
+            </a:r>
+            <a:r>
+              <a:rPr lang="en-US" altLang="ko-KR" sz="1400" dirty="0">
+                <a:latin typeface="Consolas" panose="020B0609020204030204" pitchFamily="49" charset="0"/>
+              </a:rPr>
+              <a:t>(@</a:t>
+            </a:r>
+            <a:r>
+              <a:rPr lang="en-US" altLang="ko-KR" sz="1400" dirty="0" err="1">
+                <a:latin typeface="Consolas" panose="020B0609020204030204" pitchFamily="49" charset="0"/>
+              </a:rPr>
+              <a:t>NonNull</a:t>
+            </a:r>
+            <a:r>
+              <a:rPr lang="en-US" altLang="ko-KR" sz="1400" dirty="0">
+                <a:latin typeface="Consolas" panose="020B0609020204030204" pitchFamily="49" charset="0"/>
+              </a:rPr>
+              <a:t> </a:t>
+            </a:r>
+            <a:r>
+              <a:rPr lang="en-US" altLang="ko-KR" sz="1400" dirty="0" err="1">
+                <a:latin typeface="Consolas" panose="020B0609020204030204" pitchFamily="49" charset="0"/>
+              </a:rPr>
+              <a:t>ViewHolder</a:t>
+            </a:r>
+            <a:r>
+              <a:rPr lang="en-US" altLang="ko-KR" sz="1400" dirty="0">
+                <a:latin typeface="Consolas" panose="020B0609020204030204" pitchFamily="49" charset="0"/>
+              </a:rPr>
+              <a:t> </a:t>
+            </a:r>
+            <a:r>
+              <a:rPr lang="en-US" altLang="ko-KR" sz="1400" dirty="0" err="1">
+                <a:latin typeface="Consolas" panose="020B0609020204030204" pitchFamily="49" charset="0"/>
+              </a:rPr>
+              <a:t>viewHolder</a:t>
+            </a:r>
+            <a:r>
+              <a:rPr lang="en-US" altLang="ko-KR" sz="1400" dirty="0">
+                <a:latin typeface="Consolas" panose="020B0609020204030204" pitchFamily="49" charset="0"/>
+              </a:rPr>
+              <a:t>, int position) {</a:t>
+            </a:r>
+          </a:p>
+          <a:p>
+            <a:r>
+              <a:rPr lang="en-US" altLang="ko-KR" sz="1400" dirty="0">
+                <a:latin typeface="Consolas" panose="020B0609020204030204" pitchFamily="49" charset="0"/>
+              </a:rPr>
+              <a:t>        Person item = </a:t>
+            </a:r>
+            <a:r>
+              <a:rPr lang="en-US" altLang="ko-KR" sz="1400" dirty="0" err="1">
+                <a:latin typeface="Consolas" panose="020B0609020204030204" pitchFamily="49" charset="0"/>
+              </a:rPr>
+              <a:t>items.get</a:t>
+            </a:r>
+            <a:r>
+              <a:rPr lang="en-US" altLang="ko-KR" sz="1400" dirty="0">
+                <a:latin typeface="Consolas" panose="020B0609020204030204" pitchFamily="49" charset="0"/>
+              </a:rPr>
+              <a:t>(position);</a:t>
+            </a:r>
+          </a:p>
+          <a:p>
+            <a:r>
+              <a:rPr lang="en-US" altLang="ko-KR" sz="1400" dirty="0">
+                <a:latin typeface="Consolas" panose="020B0609020204030204" pitchFamily="49" charset="0"/>
+              </a:rPr>
+              <a:t>        </a:t>
+            </a:r>
+            <a:r>
+              <a:rPr lang="en-US" altLang="ko-KR" sz="1400" dirty="0" err="1">
+                <a:latin typeface="Consolas" panose="020B0609020204030204" pitchFamily="49" charset="0"/>
+              </a:rPr>
+              <a:t>viewHolder.setItem</a:t>
+            </a:r>
+            <a:r>
+              <a:rPr lang="en-US" altLang="ko-KR" sz="1400" dirty="0">
+                <a:latin typeface="Consolas" panose="020B0609020204030204" pitchFamily="49" charset="0"/>
+              </a:rPr>
+              <a:t>(item);</a:t>
+            </a:r>
+          </a:p>
+          <a:p>
+            <a:endParaRPr lang="en-US" altLang="ko-KR" sz="1400" dirty="0">
+              <a:latin typeface="Consolas" panose="020B0609020204030204" pitchFamily="49" charset="0"/>
+            </a:endParaRPr>
+          </a:p>
+          <a:p>
+            <a:r>
+              <a:rPr lang="en-US" altLang="ko-KR" sz="1400" b="1" dirty="0">
+                <a:latin typeface="Consolas" panose="020B0609020204030204" pitchFamily="49" charset="0"/>
+              </a:rPr>
+              <a:t>        if (</a:t>
+            </a:r>
+            <a:r>
+              <a:rPr lang="en-US" altLang="ko-KR" sz="1400" b="1" dirty="0" err="1">
+                <a:latin typeface="Consolas" panose="020B0609020204030204" pitchFamily="49" charset="0"/>
+              </a:rPr>
+              <a:t>itemsSelected.contains</a:t>
+            </a:r>
+            <a:r>
+              <a:rPr lang="en-US" altLang="ko-KR" sz="1400" b="1" dirty="0">
+                <a:latin typeface="Consolas" panose="020B0609020204030204" pitchFamily="49" charset="0"/>
+              </a:rPr>
+              <a:t>(position)) {</a:t>
+            </a:r>
+          </a:p>
+          <a:p>
+            <a:r>
+              <a:rPr lang="en-US" altLang="ko-KR" sz="1400" b="1" dirty="0">
+                <a:latin typeface="Consolas" panose="020B0609020204030204" pitchFamily="49" charset="0"/>
+              </a:rPr>
+              <a:t>            </a:t>
+            </a:r>
+            <a:r>
+              <a:rPr lang="en-US" altLang="ko-KR" sz="1400" b="1" dirty="0" err="1">
+                <a:latin typeface="Consolas" panose="020B0609020204030204" pitchFamily="49" charset="0"/>
+              </a:rPr>
+              <a:t>viewHolder.itemView.setBackgroundColor</a:t>
+            </a:r>
+            <a:r>
+              <a:rPr lang="en-US" altLang="ko-KR" sz="1400" b="1" dirty="0">
+                <a:latin typeface="Consolas" panose="020B0609020204030204" pitchFamily="49" charset="0"/>
+              </a:rPr>
+              <a:t>(</a:t>
+            </a:r>
+            <a:r>
+              <a:rPr lang="en-US" altLang="ko-KR" sz="1400" b="1" dirty="0" err="1">
+                <a:latin typeface="Consolas" panose="020B0609020204030204" pitchFamily="49" charset="0"/>
+              </a:rPr>
+              <a:t>Color.YELLOW</a:t>
+            </a:r>
+            <a:r>
+              <a:rPr lang="en-US" altLang="ko-KR" sz="1400" b="1" dirty="0">
+                <a:latin typeface="Consolas" panose="020B0609020204030204" pitchFamily="49" charset="0"/>
+              </a:rPr>
+              <a:t>);</a:t>
+            </a:r>
+          </a:p>
+          <a:p>
+            <a:r>
+              <a:rPr lang="en-US" altLang="ko-KR" sz="1400" b="1" dirty="0">
+                <a:latin typeface="Consolas" panose="020B0609020204030204" pitchFamily="49" charset="0"/>
+              </a:rPr>
+              <a:t>        }</a:t>
+            </a:r>
+          </a:p>
+          <a:p>
+            <a:r>
+              <a:rPr lang="en-US" altLang="ko-KR" sz="1400" b="1" dirty="0">
+                <a:latin typeface="Consolas" panose="020B0609020204030204" pitchFamily="49" charset="0"/>
+              </a:rPr>
+              <a:t>        else {</a:t>
+            </a:r>
+          </a:p>
+          <a:p>
+            <a:r>
+              <a:rPr lang="en-US" altLang="ko-KR" sz="1400" b="1" dirty="0">
+                <a:latin typeface="Consolas" panose="020B0609020204030204" pitchFamily="49" charset="0"/>
+              </a:rPr>
+              <a:t>            </a:t>
+            </a:r>
+            <a:r>
+              <a:rPr lang="en-US" altLang="ko-KR" sz="1400" b="1" dirty="0" err="1">
+                <a:latin typeface="Consolas" panose="020B0609020204030204" pitchFamily="49" charset="0"/>
+              </a:rPr>
+              <a:t>viewHolder.itemView.setBackgroundColor</a:t>
+            </a:r>
+            <a:r>
+              <a:rPr lang="en-US" altLang="ko-KR" sz="1400" b="1" dirty="0">
+                <a:latin typeface="Consolas" panose="020B0609020204030204" pitchFamily="49" charset="0"/>
+              </a:rPr>
+              <a:t>(</a:t>
+            </a:r>
+            <a:r>
+              <a:rPr lang="en-US" altLang="ko-KR" sz="1400" b="1" dirty="0" err="1">
+                <a:latin typeface="Consolas" panose="020B0609020204030204" pitchFamily="49" charset="0"/>
+              </a:rPr>
+              <a:t>Color.WHITE</a:t>
+            </a:r>
+            <a:r>
+              <a:rPr lang="en-US" altLang="ko-KR" sz="1400" b="1" dirty="0">
+                <a:latin typeface="Consolas" panose="020B0609020204030204" pitchFamily="49" charset="0"/>
+              </a:rPr>
+              <a:t>);</a:t>
+            </a:r>
+          </a:p>
+          <a:p>
+            <a:r>
+              <a:rPr lang="en-US" altLang="ko-KR" sz="1400" b="1" dirty="0">
+                <a:latin typeface="Consolas" panose="020B0609020204030204" pitchFamily="49" charset="0"/>
+              </a:rPr>
+              <a:t>        }</a:t>
+            </a:r>
+          </a:p>
+          <a:p>
+            <a:endParaRPr lang="en-US" altLang="ko-KR" sz="1400" dirty="0">
+              <a:latin typeface="Consolas" panose="020B0609020204030204" pitchFamily="49" charset="0"/>
+            </a:endParaRPr>
+          </a:p>
+          <a:p>
+            <a:r>
+              <a:rPr lang="en-US" altLang="ko-KR" sz="1400" dirty="0">
+                <a:latin typeface="Consolas" panose="020B0609020204030204" pitchFamily="49" charset="0"/>
+              </a:rPr>
+              <a:t>        </a:t>
+            </a:r>
+            <a:r>
+              <a:rPr lang="en-US" altLang="ko-KR" sz="1400" dirty="0" err="1">
+                <a:latin typeface="Consolas" panose="020B0609020204030204" pitchFamily="49" charset="0"/>
+              </a:rPr>
+              <a:t>Log.d</a:t>
+            </a:r>
+            <a:r>
+              <a:rPr lang="en-US" altLang="ko-KR" sz="1400" dirty="0">
+                <a:latin typeface="Consolas" panose="020B0609020204030204" pitchFamily="49" charset="0"/>
+              </a:rPr>
+              <a:t>(TAG, "</a:t>
+            </a:r>
+            <a:r>
+              <a:rPr lang="en-US" altLang="ko-KR" sz="1400" dirty="0" err="1">
+                <a:latin typeface="Consolas" panose="020B0609020204030204" pitchFamily="49" charset="0"/>
+              </a:rPr>
+              <a:t>PersonAdapter</a:t>
+            </a:r>
+            <a:r>
+              <a:rPr lang="en-US" altLang="ko-KR" sz="1400" dirty="0">
+                <a:latin typeface="Consolas" panose="020B0609020204030204" pitchFamily="49" charset="0"/>
+              </a:rPr>
+              <a:t>: </a:t>
+            </a:r>
+            <a:r>
+              <a:rPr lang="en-US" altLang="ko-KR" sz="1400" dirty="0" err="1">
+                <a:latin typeface="Consolas" panose="020B0609020204030204" pitchFamily="49" charset="0"/>
+              </a:rPr>
+              <a:t>onBindViewHolder</a:t>
+            </a:r>
+            <a:r>
+              <a:rPr lang="en-US" altLang="ko-KR" sz="1400" dirty="0">
+                <a:latin typeface="Consolas" panose="020B0609020204030204" pitchFamily="49" charset="0"/>
+              </a:rPr>
+              <a:t>: " + position);</a:t>
+            </a:r>
+          </a:p>
+          <a:p>
+            <a:r>
+              <a:rPr lang="en-US" altLang="ko-KR" sz="1400" dirty="0">
+                <a:latin typeface="Consolas" panose="020B0609020204030204" pitchFamily="49" charset="0"/>
+              </a:rPr>
+              <a:t>    }</a:t>
+            </a:r>
+            <a:endParaRPr lang="ko-KR" altLang="en-US" sz="1400" dirty="0">
+              <a:latin typeface="Consolas" panose="020B0609020204030204" pitchFamily="49" charset="0"/>
+            </a:endParaRPr>
+          </a:p>
+        </p:txBody>
+      </p:sp>
+      <p:pic>
+        <p:nvPicPr>
+          <p:cNvPr id="7" name="그림 6"/>
+          <p:cNvPicPr>
+            <a:picLocks noChangeAspect="1"/>
+          </p:cNvPicPr>
+          <p:nvPr/>
+        </p:nvPicPr>
+        <p:blipFill>
+          <a:blip r:embed="rId2"/>
+          <a:stretch>
+            <a:fillRect/>
+          </a:stretch>
+        </p:blipFill>
+        <p:spPr>
+          <a:xfrm>
+            <a:off x="5807968" y="4544630"/>
+            <a:ext cx="5893244" cy="2076029"/>
           </a:xfrm>
           <a:prstGeom prst="rect">
             <a:avLst/>
           </a:prstGeom>
         </p:spPr>
-        <p:txBody>
-          <a:bodyPr/>
-          <a:lstStyle>
-            <a:lvl1pPr marL="0" marR="0" indent="0" algn="l" defTabSz="685800" rtl="0" latinLnBrk="0">
-              <a:lnSpc>
-                <a:spcPct val="90000"/>
-              </a:lnSpc>
-              <a:spcBef>
-                <a:spcPts val="0"/>
-              </a:spcBef>
-              <a:spcAft>
-                <a:spcPts val="0"/>
-              </a:spcAft>
-              <a:buClrTx/>
-              <a:buSzTx/>
-              <a:buFontTx/>
-              <a:buNone/>
-              <a:tabLst/>
-              <a:defRPr sz="2700" b="1" i="0" u="none" strike="noStrike" cap="none" spc="0" baseline="0">
-                <a:ln w="9524">
-                  <a:solidFill>
-                    <a:srgbClr val="32538F">
-                      <a:alpha val="0"/>
-                    </a:srgbClr>
-                  </a:solidFill>
-                </a:ln>
-                <a:solidFill>
-                  <a:schemeClr val="tx1"/>
-                </a:solidFill>
-                <a:uFillTx/>
-                <a:latin typeface="+mn-lt"/>
-                <a:ea typeface="+mn-ea"/>
-                <a:cs typeface="+mn-cs"/>
-                <a:sym typeface="Helvetica"/>
-              </a:defRPr>
-            </a:lvl1pPr>
-            <a:lvl2pPr marL="0" marR="0" indent="0" algn="l" defTabSz="685800" rtl="0" latinLnBrk="0">
-              <a:lnSpc>
-                <a:spcPct val="90000"/>
-              </a:lnSpc>
-              <a:spcBef>
-                <a:spcPts val="0"/>
-              </a:spcBef>
-              <a:spcAft>
-                <a:spcPts val="0"/>
-              </a:spcAft>
-              <a:buClrTx/>
-              <a:buSzTx/>
-              <a:buFontTx/>
-              <a:buNone/>
-              <a:tabLst/>
-              <a:defRPr sz="2700" b="1" i="0" u="none" strike="noStrike" cap="none" spc="0" baseline="0">
-                <a:ln w="9524">
-                  <a:solidFill>
-                    <a:srgbClr val="32538F">
-                      <a:alpha val="0"/>
-                    </a:srgbClr>
-                  </a:solidFill>
-                </a:ln>
-                <a:solidFill>
-                  <a:schemeClr val="accent5"/>
-                </a:solidFill>
-                <a:uFillTx/>
-                <a:latin typeface="+mn-lt"/>
-                <a:ea typeface="+mn-ea"/>
-                <a:cs typeface="+mn-cs"/>
-                <a:sym typeface="Helvetica"/>
-              </a:defRPr>
-            </a:lvl2pPr>
-            <a:lvl3pPr marL="0" marR="0" indent="0" algn="l" defTabSz="685800" rtl="0" latinLnBrk="0">
-              <a:lnSpc>
-                <a:spcPct val="90000"/>
-              </a:lnSpc>
-              <a:spcBef>
-                <a:spcPts val="0"/>
-              </a:spcBef>
-              <a:spcAft>
-                <a:spcPts val="0"/>
-              </a:spcAft>
-              <a:buClrTx/>
-              <a:buSzTx/>
-              <a:buFontTx/>
-              <a:buNone/>
-              <a:tabLst/>
-              <a:defRPr sz="2700" b="1" i="0" u="none" strike="noStrike" cap="none" spc="0" baseline="0">
-                <a:ln w="9524">
-                  <a:solidFill>
-                    <a:srgbClr val="32538F">
-                      <a:alpha val="0"/>
-                    </a:srgbClr>
-                  </a:solidFill>
-                </a:ln>
-                <a:solidFill>
-                  <a:schemeClr val="accent5"/>
-                </a:solidFill>
-                <a:uFillTx/>
-                <a:latin typeface="+mn-lt"/>
-                <a:ea typeface="+mn-ea"/>
-                <a:cs typeface="+mn-cs"/>
-                <a:sym typeface="Helvetica"/>
-              </a:defRPr>
-            </a:lvl3pPr>
-            <a:lvl4pPr marL="0" marR="0" indent="0" algn="l" defTabSz="685800" rtl="0" latinLnBrk="0">
-              <a:lnSpc>
-                <a:spcPct val="90000"/>
-              </a:lnSpc>
-              <a:spcBef>
-                <a:spcPts val="0"/>
-              </a:spcBef>
-              <a:spcAft>
-                <a:spcPts val="0"/>
-              </a:spcAft>
-              <a:buClrTx/>
-              <a:buSzTx/>
-              <a:buFontTx/>
-              <a:buNone/>
-              <a:tabLst/>
-              <a:defRPr sz="2700" b="1" i="0" u="none" strike="noStrike" cap="none" spc="0" baseline="0">
-                <a:ln w="9524">
-                  <a:solidFill>
-                    <a:srgbClr val="32538F">
-                      <a:alpha val="0"/>
-                    </a:srgbClr>
-                  </a:solidFill>
-                </a:ln>
-                <a:solidFill>
-                  <a:schemeClr val="accent5"/>
-                </a:solidFill>
-                <a:uFillTx/>
-                <a:latin typeface="+mn-lt"/>
-                <a:ea typeface="+mn-ea"/>
-                <a:cs typeface="+mn-cs"/>
-                <a:sym typeface="Helvetica"/>
-              </a:defRPr>
-            </a:lvl4pPr>
-            <a:lvl5pPr marL="0" marR="0" indent="0" algn="l" defTabSz="685800" rtl="0" latinLnBrk="0">
-              <a:lnSpc>
-                <a:spcPct val="90000"/>
-              </a:lnSpc>
-              <a:spcBef>
-                <a:spcPts val="0"/>
-              </a:spcBef>
-              <a:spcAft>
-                <a:spcPts val="0"/>
-              </a:spcAft>
-              <a:buClrTx/>
-              <a:buSzTx/>
-              <a:buFontTx/>
-              <a:buNone/>
-              <a:tabLst/>
-              <a:defRPr sz="2700" b="1" i="0" u="none" strike="noStrike" cap="none" spc="0" baseline="0">
-                <a:ln w="9524">
-                  <a:solidFill>
-                    <a:srgbClr val="32538F">
-                      <a:alpha val="0"/>
-                    </a:srgbClr>
-                  </a:solidFill>
-                </a:ln>
-                <a:solidFill>
-                  <a:schemeClr val="accent5"/>
-                </a:solidFill>
-                <a:uFillTx/>
-                <a:latin typeface="+mn-lt"/>
-                <a:ea typeface="+mn-ea"/>
-                <a:cs typeface="+mn-cs"/>
-                <a:sym typeface="Helvetica"/>
-              </a:defRPr>
-            </a:lvl5pPr>
-            <a:lvl6pPr marL="0" marR="0" indent="0" algn="l" defTabSz="685800" rtl="0" latinLnBrk="0">
-              <a:lnSpc>
-                <a:spcPct val="90000"/>
-              </a:lnSpc>
-              <a:spcBef>
-                <a:spcPts val="0"/>
-              </a:spcBef>
-              <a:spcAft>
-                <a:spcPts val="0"/>
-              </a:spcAft>
-              <a:buClrTx/>
-              <a:buSzTx/>
-              <a:buFontTx/>
-              <a:buNone/>
-              <a:tabLst/>
-              <a:defRPr sz="2700" b="1" i="0" u="none" strike="noStrike" cap="none" spc="0" baseline="0">
-                <a:ln w="9524">
-                  <a:solidFill>
-                    <a:srgbClr val="32538F">
-                      <a:alpha val="0"/>
-                    </a:srgbClr>
-                  </a:solidFill>
-                </a:ln>
-                <a:solidFill>
-                  <a:schemeClr val="accent5"/>
-                </a:solidFill>
-                <a:uFillTx/>
-                <a:latin typeface="+mn-lt"/>
-                <a:ea typeface="+mn-ea"/>
-                <a:cs typeface="+mn-cs"/>
-                <a:sym typeface="Helvetica"/>
-              </a:defRPr>
-            </a:lvl6pPr>
-            <a:lvl7pPr marL="0" marR="0" indent="0" algn="l" defTabSz="685800" rtl="0" latinLnBrk="0">
-              <a:lnSpc>
-                <a:spcPct val="90000"/>
-              </a:lnSpc>
-              <a:spcBef>
-                <a:spcPts val="0"/>
-              </a:spcBef>
-              <a:spcAft>
-                <a:spcPts val="0"/>
-              </a:spcAft>
-              <a:buClrTx/>
-              <a:buSzTx/>
-              <a:buFontTx/>
-              <a:buNone/>
-              <a:tabLst/>
-              <a:defRPr sz="2700" b="1" i="0" u="none" strike="noStrike" cap="none" spc="0" baseline="0">
-                <a:ln w="9524">
-                  <a:solidFill>
-                    <a:srgbClr val="32538F">
-                      <a:alpha val="0"/>
-                    </a:srgbClr>
-                  </a:solidFill>
-                </a:ln>
-                <a:solidFill>
-                  <a:schemeClr val="accent5"/>
-                </a:solidFill>
-                <a:uFillTx/>
-                <a:latin typeface="+mn-lt"/>
-                <a:ea typeface="+mn-ea"/>
-                <a:cs typeface="+mn-cs"/>
-                <a:sym typeface="Helvetica"/>
-              </a:defRPr>
-            </a:lvl7pPr>
-            <a:lvl8pPr marL="0" marR="0" indent="0" algn="l" defTabSz="685800" rtl="0" latinLnBrk="0">
-              <a:lnSpc>
-                <a:spcPct val="90000"/>
-              </a:lnSpc>
-              <a:spcBef>
-                <a:spcPts val="0"/>
-              </a:spcBef>
-              <a:spcAft>
-                <a:spcPts val="0"/>
-              </a:spcAft>
-              <a:buClrTx/>
-              <a:buSzTx/>
-              <a:buFontTx/>
-              <a:buNone/>
-              <a:tabLst/>
-              <a:defRPr sz="2700" b="1" i="0" u="none" strike="noStrike" cap="none" spc="0" baseline="0">
-                <a:ln w="9524">
-                  <a:solidFill>
-                    <a:srgbClr val="32538F">
-                      <a:alpha val="0"/>
-                    </a:srgbClr>
-                  </a:solidFill>
-                </a:ln>
-                <a:solidFill>
-                  <a:schemeClr val="accent5"/>
-                </a:solidFill>
-                <a:uFillTx/>
-                <a:latin typeface="+mn-lt"/>
-                <a:ea typeface="+mn-ea"/>
-                <a:cs typeface="+mn-cs"/>
-                <a:sym typeface="Helvetica"/>
-              </a:defRPr>
-            </a:lvl8pPr>
-            <a:lvl9pPr marL="0" marR="0" indent="0" algn="l" defTabSz="685800" rtl="0" latinLnBrk="0">
-              <a:lnSpc>
-                <a:spcPct val="90000"/>
-              </a:lnSpc>
-              <a:spcBef>
-                <a:spcPts val="0"/>
-              </a:spcBef>
-              <a:spcAft>
-                <a:spcPts val="0"/>
-              </a:spcAft>
-              <a:buClrTx/>
-              <a:buSzTx/>
-              <a:buFontTx/>
-              <a:buNone/>
-              <a:tabLst/>
-              <a:defRPr sz="2700" b="1" i="0" u="none" strike="noStrike" cap="none" spc="0" baseline="0">
-                <a:ln w="9524">
-                  <a:solidFill>
-                    <a:srgbClr val="32538F">
-                      <a:alpha val="0"/>
-                    </a:srgbClr>
-                  </a:solidFill>
-                </a:ln>
-                <a:solidFill>
-                  <a:schemeClr val="accent5"/>
-                </a:solidFill>
-                <a:uFillTx/>
-                <a:latin typeface="+mn-lt"/>
-                <a:ea typeface="+mn-ea"/>
-                <a:cs typeface="+mn-cs"/>
-                <a:sym typeface="Helvetica"/>
-              </a:defRPr>
-            </a:lvl9pPr>
-          </a:lstStyle>
-          <a:p>
-            <a:pPr algn="r" hangingPunct="1">
-              <a:defRPr sz="4400">
-                <a:solidFill>
-                  <a:srgbClr val="FFFFFF"/>
-                </a:solidFill>
-              </a:defRPr>
-            </a:pPr>
-            <a:r>
-              <a:rPr lang="en-US" altLang="ko-KR" sz="3200" dirty="0" smtClean="0">
-                <a:solidFill>
-                  <a:srgbClr val="FFFFFF"/>
-                </a:solidFill>
-                <a:latin typeface="나눔고딕" panose="020D0604000000000000" pitchFamily="50" charset="-127"/>
-                <a:ea typeface="나눔고딕" panose="020D0604000000000000" pitchFamily="50" charset="-127"/>
-              </a:rPr>
-              <a:t>Android Studio</a:t>
-            </a:r>
-          </a:p>
-          <a:p>
-            <a:pPr algn="r" hangingPunct="1">
-              <a:defRPr sz="4400">
-                <a:solidFill>
-                  <a:srgbClr val="FFFFFF"/>
-                </a:solidFill>
-              </a:defRPr>
-            </a:pPr>
-            <a:r>
-              <a:rPr lang="en-US" altLang="ko-KR" sz="2400" dirty="0" smtClean="0">
-                <a:solidFill>
-                  <a:srgbClr val="FFFFFF"/>
-                </a:solidFill>
-                <a:latin typeface="나눔고딕" panose="020D0604000000000000" pitchFamily="50" charset="-127"/>
-                <a:ea typeface="나눔고딕" panose="020D0604000000000000" pitchFamily="50" charset="-127"/>
-              </a:rPr>
-              <a:t>Making Widgets</a:t>
-            </a:r>
-            <a:endParaRPr lang="en-US" altLang="ko-KR" sz="2400" dirty="0">
-              <a:solidFill>
-                <a:srgbClr val="FFFFFF"/>
-              </a:solidFill>
-              <a:latin typeface="나눔고딕" panose="020D0604000000000000" pitchFamily="50" charset="-127"/>
-              <a:ea typeface="나눔고딕" panose="020D0604000000000000" pitchFamily="50" charset="-127"/>
-            </a:endParaRPr>
-          </a:p>
-        </p:txBody>
-      </p:sp>
+      </p:pic>
       <p:sp>
         <p:nvSpPr>
-          <p:cNvPr id="5" name="제목 1">
-            <a:extLst>
-              <a:ext uri="{FF2B5EF4-FFF2-40B4-BE49-F238E27FC236}">
-                <a16:creationId xmlns:a16="http://schemas.microsoft.com/office/drawing/2014/main" id="{FAAAC739-984E-4671-8E8D-A38DC0A18EDF}"/>
-              </a:ext>
-            </a:extLst>
-          </p:cNvPr>
-          <p:cNvSpPr txBox="1">
-            <a:spLocks/>
-          </p:cNvSpPr>
+          <p:cNvPr id="8" name="TextBox 7"/>
+          <p:cNvSpPr txBox="1"/>
           <p:nvPr/>
         </p:nvSpPr>
         <p:spPr>
           <a:xfrm>
-            <a:off x="119336" y="2708920"/>
-            <a:ext cx="936104" cy="360040"/>
+            <a:off x="9336360" y="2226362"/>
+            <a:ext cx="2062641" cy="307777"/>
           </a:xfrm>
           <a:prstGeom prst="rect">
             <a:avLst/>
           </a:prstGeom>
+          <a:solidFill>
+            <a:srgbClr val="FFC000"/>
+          </a:solidFill>
         </p:spPr>
         <p:txBody>
-          <a:bodyPr/>
-          <a:lstStyle>
-            <a:defPPr>
-              <a:defRPr lang="ko-KR"/>
-            </a:defPPr>
-            <a:lvl1pPr marL="0" algn="l" defTabSz="914400" rtl="0" eaLnBrk="1" latinLnBrk="1" hangingPunct="1">
-              <a:defRPr sz="1800" kern="1200">
-                <a:solidFill>
-                  <a:schemeClr val="tx1"/>
-                </a:solidFill>
-                <a:latin typeface="+mn-lt"/>
-                <a:ea typeface="+mn-ea"/>
-                <a:cs typeface="+mn-cs"/>
-              </a:defRPr>
-            </a:lvl1pPr>
-            <a:lvl2pPr marL="457200" algn="l" defTabSz="914400" rtl="0" eaLnBrk="1" latinLnBrk="1" hangingPunct="1">
-              <a:defRPr sz="1800" kern="1200">
-                <a:solidFill>
-                  <a:schemeClr val="tx1"/>
-                </a:solidFill>
-                <a:latin typeface="+mn-lt"/>
-                <a:ea typeface="+mn-ea"/>
-                <a:cs typeface="+mn-cs"/>
-              </a:defRPr>
-            </a:lvl2pPr>
-            <a:lvl3pPr marL="914400" algn="l" defTabSz="914400" rtl="0" eaLnBrk="1" latinLnBrk="1" hangingPunct="1">
-              <a:defRPr sz="1800" kern="1200">
-                <a:solidFill>
-                  <a:schemeClr val="tx1"/>
-                </a:solidFill>
-                <a:latin typeface="+mn-lt"/>
-                <a:ea typeface="+mn-ea"/>
-                <a:cs typeface="+mn-cs"/>
-              </a:defRPr>
-            </a:lvl3pPr>
-            <a:lvl4pPr marL="1371600" algn="l" defTabSz="914400" rtl="0" eaLnBrk="1" latinLnBrk="1" hangingPunct="1">
-              <a:defRPr sz="1800" kern="1200">
-                <a:solidFill>
-                  <a:schemeClr val="tx1"/>
-                </a:solidFill>
-                <a:latin typeface="+mn-lt"/>
-                <a:ea typeface="+mn-ea"/>
-                <a:cs typeface="+mn-cs"/>
-              </a:defRPr>
-            </a:lvl4pPr>
-            <a:lvl5pPr marL="1828800" algn="l" defTabSz="914400" rtl="0" eaLnBrk="1" latinLnBrk="1" hangingPunct="1">
-              <a:defRPr sz="1800" kern="1200">
-                <a:solidFill>
-                  <a:schemeClr val="tx1"/>
-                </a:solidFill>
-                <a:latin typeface="+mn-lt"/>
-                <a:ea typeface="+mn-ea"/>
-                <a:cs typeface="+mn-cs"/>
-              </a:defRPr>
-            </a:lvl5pPr>
-            <a:lvl6pPr marL="2286000" algn="l" defTabSz="914400" rtl="0" eaLnBrk="1" latinLnBrk="1" hangingPunct="1">
-              <a:defRPr sz="1800" kern="1200">
-                <a:solidFill>
-                  <a:schemeClr val="tx1"/>
-                </a:solidFill>
-                <a:latin typeface="+mn-lt"/>
-                <a:ea typeface="+mn-ea"/>
-                <a:cs typeface="+mn-cs"/>
-              </a:defRPr>
-            </a:lvl6pPr>
-            <a:lvl7pPr marL="2743200" algn="l" defTabSz="914400" rtl="0" eaLnBrk="1" latinLnBrk="1" hangingPunct="1">
-              <a:defRPr sz="1800" kern="1200">
-                <a:solidFill>
-                  <a:schemeClr val="tx1"/>
-                </a:solidFill>
-                <a:latin typeface="+mn-lt"/>
-                <a:ea typeface="+mn-ea"/>
-                <a:cs typeface="+mn-cs"/>
-              </a:defRPr>
-            </a:lvl7pPr>
-            <a:lvl8pPr marL="3200400" algn="l" defTabSz="914400" rtl="0" eaLnBrk="1" latinLnBrk="1" hangingPunct="1">
-              <a:defRPr sz="1800" kern="1200">
-                <a:solidFill>
-                  <a:schemeClr val="tx1"/>
-                </a:solidFill>
-                <a:latin typeface="+mn-lt"/>
-                <a:ea typeface="+mn-ea"/>
-                <a:cs typeface="+mn-cs"/>
-              </a:defRPr>
-            </a:lvl8pPr>
-            <a:lvl9pPr marL="3657600" algn="l" defTabSz="914400" rtl="0" eaLnBrk="1" latinLnBrk="1" hangingPunct="1">
-              <a:defRPr sz="1800" kern="1200">
-                <a:solidFill>
-                  <a:schemeClr val="tx1"/>
-                </a:solidFill>
-                <a:latin typeface="+mn-lt"/>
-                <a:ea typeface="+mn-ea"/>
-                <a:cs typeface="+mn-cs"/>
-              </a:defRPr>
-            </a:lvl9pPr>
-          </a:lstStyle>
-          <a:p>
-            <a:pPr algn="ctr" hangingPunct="1">
-              <a:defRPr sz="4400">
-                <a:solidFill>
-                  <a:srgbClr val="FFFFFF"/>
-                </a:solidFill>
-              </a:defRPr>
-            </a:pPr>
-            <a:r>
-              <a:rPr lang="en-US" altLang="ko-KR" sz="2000" dirty="0" smtClean="0">
-                <a:solidFill>
-                  <a:srgbClr val="FFFFFF"/>
-                </a:solidFill>
-                <a:latin typeface="나눔고딕" panose="020D0604000000000000" pitchFamily="50" charset="-127"/>
-                <a:ea typeface="나눔고딕" panose="020D0604000000000000" pitchFamily="50" charset="-127"/>
-              </a:rPr>
-              <a:t>07</a:t>
-            </a:r>
-            <a:endParaRPr lang="en-US" altLang="ko-KR" sz="1200" dirty="0">
-              <a:solidFill>
-                <a:srgbClr val="FFFFFF"/>
-              </a:solidFill>
-              <a:latin typeface="나눔고딕" panose="020D0604000000000000" pitchFamily="50" charset="-127"/>
-              <a:ea typeface="나눔고딕" panose="020D0604000000000000" pitchFamily="50" charset="-127"/>
-            </a:endParaRPr>
+          <a:bodyPr wrap="square" rtlCol="0">
+            <a:spAutoFit/>
+          </a:bodyPr>
+          <a:lstStyle/>
+          <a:p>
+            <a:r>
+              <a:rPr lang="en-US" altLang="ko-KR" sz="1400" dirty="0" smtClean="0"/>
+              <a:t>PersonAdapter.java</a:t>
+            </a:r>
+            <a:endParaRPr lang="ko-KR" altLang="en-US" sz="1400" dirty="0"/>
           </a:p>
         </p:txBody>
       </p:sp>
     </p:spTree>
     <p:extLst>
       <p:ext uri="{BB962C8B-B14F-4D97-AF65-F5344CB8AC3E}">
-        <p14:creationId xmlns:p14="http://schemas.microsoft.com/office/powerpoint/2010/main" val="3036552480"/>
+        <p14:creationId xmlns:p14="http://schemas.microsoft.com/office/powerpoint/2010/main" val="1262617754"/>
+      </p:ext>
+    </p:extLst>
+  </p:cSld>
+  <p:clrMapOvr>
+    <a:masterClrMapping/>
+  </p:clrMapOvr>
+  <p:timing>
+    <p:tnLst>
+      <p:par>
+        <p:cTn id="1" dur="indefinite" restart="never" nodeType="tmRoot"/>
+      </p:par>
+    </p:tnLst>
+  </p:timing>
+</p:sld>
+</file>
+
+<file path=ppt/slides/slide69.xml><?xml version="1.0" encoding="utf-8"?>
+<p:sld xmlns:a="http://schemas.openxmlformats.org/drawingml/2006/main" xmlns:r="http://schemas.openxmlformats.org/officeDocument/2006/relationships" xmlns:p="http://schemas.openxmlformats.org/presentationml/2006/main">
+  <p:cSld>
+    <p:spTree>
+      <p:nvGrpSpPr>
+        <p:cNvPr id="1" name=""/>
+        <p:cNvGrpSpPr/>
+        <p:nvPr/>
+      </p:nvGrpSpPr>
+      <p:grpSpPr>
+        <a:xfrm>
+          <a:off x="0" y="0"/>
+          <a:ext cx="0" cy="0"/>
+          <a:chOff x="0" y="0"/>
+          <a:chExt cx="0" cy="0"/>
+        </a:xfrm>
+      </p:grpSpPr>
+      <p:sp>
+        <p:nvSpPr>
+          <p:cNvPr id="2" name="제목 1"/>
+          <p:cNvSpPr>
+            <a:spLocks noGrp="1"/>
+          </p:cNvSpPr>
+          <p:nvPr>
+            <p:ph type="title"/>
+          </p:nvPr>
+        </p:nvSpPr>
+        <p:spPr/>
+        <p:txBody>
+          <a:bodyPr/>
+          <a:lstStyle/>
+          <a:p>
+            <a:r>
+              <a:rPr lang="en-US" altLang="ko-KR" dirty="0">
+                <a:latin typeface="나눔고딕" panose="020D0604000000000000" pitchFamily="50" charset="-127"/>
+                <a:ea typeface="나눔고딕" panose="020D0604000000000000" pitchFamily="50" charset="-127"/>
+              </a:rPr>
+              <a:t>07-4 Recycler View </a:t>
+            </a:r>
+            <a:r>
+              <a:rPr lang="ko-KR" altLang="en-US" dirty="0">
+                <a:latin typeface="나눔고딕" panose="020D0604000000000000" pitchFamily="50" charset="-127"/>
+                <a:ea typeface="나눔고딕" panose="020D0604000000000000" pitchFamily="50" charset="-127"/>
+              </a:rPr>
+              <a:t>연습 문제 </a:t>
+            </a:r>
+            <a:r>
+              <a:rPr lang="en-US" altLang="ko-KR" dirty="0">
+                <a:latin typeface="나눔고딕" panose="020D0604000000000000" pitchFamily="50" charset="-127"/>
+                <a:ea typeface="나눔고딕" panose="020D0604000000000000" pitchFamily="50" charset="-127"/>
+              </a:rPr>
+              <a:t>– </a:t>
+            </a:r>
+            <a:r>
+              <a:rPr lang="en-US" altLang="ko-KR" dirty="0" smtClean="0">
+                <a:latin typeface="나눔고딕" panose="020D0604000000000000" pitchFamily="50" charset="-127"/>
+                <a:ea typeface="나눔고딕" panose="020D0604000000000000" pitchFamily="50" charset="-127"/>
+              </a:rPr>
+              <a:t>Selected items highlighted</a:t>
+            </a:r>
+            <a:endParaRPr lang="ko-KR" altLang="en-US" dirty="0"/>
+          </a:p>
+        </p:txBody>
+      </p:sp>
+      <p:sp>
+        <p:nvSpPr>
+          <p:cNvPr id="3" name="내용 개체 틀 2"/>
+          <p:cNvSpPr>
+            <a:spLocks noGrp="1"/>
+          </p:cNvSpPr>
+          <p:nvPr>
+            <p:ph idx="10"/>
+          </p:nvPr>
+        </p:nvSpPr>
+        <p:spPr/>
+        <p:txBody>
+          <a:bodyPr/>
+          <a:lstStyle/>
+          <a:p>
+            <a:pPr marL="0" indent="0">
+              <a:buNone/>
+            </a:pPr>
+            <a:r>
+              <a:rPr lang="en-US" altLang="ko-KR" b="1" dirty="0" smtClean="0"/>
+              <a:t>Joy</a:t>
+            </a:r>
+            <a:r>
+              <a:rPr lang="en-US" altLang="ko-KR" b="1" dirty="0" smtClean="0">
+                <a:solidFill>
+                  <a:srgbClr val="C00000"/>
+                </a:solidFill>
+              </a:rPr>
+              <a:t>074</a:t>
+            </a:r>
+            <a:r>
+              <a:rPr lang="en-US" altLang="ko-KR" b="1" dirty="0" smtClean="0"/>
+              <a:t>RecylerView</a:t>
+            </a:r>
+            <a:r>
+              <a:rPr lang="en-US" altLang="ko-KR" b="1" dirty="0" smtClean="0"/>
+              <a:t>:</a:t>
+            </a:r>
+          </a:p>
+          <a:p>
+            <a:pPr marL="0" indent="0">
+              <a:buNone/>
+            </a:pPr>
+            <a:r>
+              <a:rPr lang="en-US" altLang="ko-KR" b="1" dirty="0" smtClean="0"/>
+              <a:t>4</a:t>
+            </a:r>
+            <a:r>
+              <a:rPr lang="en-US" altLang="ko-KR" b="1" baseline="30000" dirty="0" smtClean="0"/>
+              <a:t>th</a:t>
+            </a:r>
+            <a:r>
+              <a:rPr lang="en-US" altLang="ko-KR" b="1" dirty="0" smtClean="0"/>
+              <a:t> Trial </a:t>
+            </a:r>
+            <a:r>
+              <a:rPr lang="ko-KR" altLang="en-US" b="1" dirty="0" smtClean="0"/>
+              <a:t>계속</a:t>
+            </a:r>
+            <a:r>
+              <a:rPr lang="en-US" altLang="ko-KR" b="1" dirty="0" smtClean="0"/>
+              <a:t>: </a:t>
+            </a:r>
+            <a:r>
+              <a:rPr lang="en-US" altLang="ko-KR" dirty="0" err="1" smtClean="0"/>
+              <a:t>itemsSelected</a:t>
+            </a:r>
+            <a:r>
+              <a:rPr lang="ko-KR" altLang="en-US" dirty="0" smtClean="0"/>
+              <a:t>가 변경될 때</a:t>
+            </a:r>
+            <a:r>
+              <a:rPr lang="en-US" altLang="ko-KR" dirty="0" smtClean="0"/>
+              <a:t>(</a:t>
+            </a:r>
+            <a:r>
+              <a:rPr lang="ko-KR" altLang="en-US" dirty="0" smtClean="0"/>
+              <a:t>이 때가 어느 때인지는 우리가 알고 있습니다</a:t>
+            </a:r>
+            <a:r>
+              <a:rPr lang="en-US" altLang="ko-KR" dirty="0" smtClean="0"/>
+              <a:t>.), </a:t>
+            </a:r>
+            <a:r>
+              <a:rPr lang="ko-KR" altLang="en-US" dirty="0" smtClean="0"/>
+              <a:t>바로 그 때에 </a:t>
+            </a:r>
+            <a:r>
+              <a:rPr lang="en-US" altLang="ko-KR" dirty="0" err="1" smtClean="0"/>
+              <a:t>notifyItemChanged</a:t>
+            </a:r>
+            <a:r>
+              <a:rPr lang="en-US" altLang="ko-KR" dirty="0" smtClean="0"/>
+              <a:t>() </a:t>
+            </a:r>
+            <a:r>
+              <a:rPr lang="ko-KR" altLang="en-US" dirty="0" smtClean="0"/>
+              <a:t>메소드를 호출하여</a:t>
+            </a:r>
+            <a:r>
+              <a:rPr lang="en-US" altLang="ko-KR" dirty="0" smtClean="0"/>
+              <a:t>, </a:t>
+            </a:r>
+            <a:r>
+              <a:rPr lang="ko-KR" altLang="en-US" dirty="0" err="1" smtClean="0"/>
+              <a:t>안스로</a:t>
+            </a:r>
+            <a:r>
+              <a:rPr lang="ko-KR" altLang="en-US" dirty="0" smtClean="0"/>
+              <a:t> 하여금 </a:t>
+            </a:r>
+            <a:r>
+              <a:rPr lang="en-US" altLang="ko-KR" dirty="0" smtClean="0"/>
+              <a:t>View </a:t>
+            </a:r>
+            <a:r>
+              <a:rPr lang="ko-KR" altLang="en-US" dirty="0" smtClean="0"/>
+              <a:t>바인딩을 새로 하게하고</a:t>
+            </a:r>
+            <a:r>
+              <a:rPr lang="en-US" altLang="ko-KR" dirty="0" smtClean="0"/>
+              <a:t>, </a:t>
+            </a:r>
+            <a:r>
+              <a:rPr lang="ko-KR" altLang="en-US" dirty="0" smtClean="0"/>
+              <a:t>이 때</a:t>
+            </a:r>
+            <a:r>
+              <a:rPr lang="en-US" altLang="ko-KR" dirty="0" smtClean="0"/>
+              <a:t>background</a:t>
+            </a:r>
+            <a:r>
+              <a:rPr lang="ko-KR" altLang="en-US" dirty="0" smtClean="0"/>
+              <a:t>를 다시 그려주면 됩니다</a:t>
+            </a:r>
+            <a:r>
+              <a:rPr lang="en-US" altLang="ko-KR" dirty="0" smtClean="0"/>
+              <a:t>.  background</a:t>
+            </a:r>
+            <a:r>
+              <a:rPr lang="ko-KR" altLang="en-US" dirty="0" smtClean="0"/>
+              <a:t>를 다시 그려주는 코드가 여기 한 곳에만 있으면 됩니다</a:t>
+            </a:r>
+            <a:r>
+              <a:rPr lang="en-US" altLang="ko-KR" dirty="0" smtClean="0"/>
+              <a:t>. </a:t>
+            </a:r>
+          </a:p>
+          <a:p>
+            <a:r>
+              <a:rPr lang="ko-KR" altLang="en-US" dirty="0" smtClean="0"/>
+              <a:t>우선 </a:t>
+            </a:r>
+            <a:r>
+              <a:rPr lang="en-US" altLang="ko-KR" dirty="0" err="1" smtClean="0"/>
+              <a:t>addItemsSelected</a:t>
+            </a:r>
+            <a:r>
+              <a:rPr lang="en-US" altLang="ko-KR" dirty="0" smtClean="0"/>
+              <a:t>() </a:t>
+            </a:r>
+            <a:r>
+              <a:rPr lang="ko-KR" altLang="en-US" dirty="0" smtClean="0"/>
+              <a:t>메소드 이름이 마음에 들지 않으므로 </a:t>
+            </a:r>
+            <a:r>
+              <a:rPr lang="en-US" altLang="ko-KR" dirty="0" smtClean="0"/>
+              <a:t>(add</a:t>
+            </a:r>
+            <a:r>
+              <a:rPr lang="ko-KR" altLang="en-US" dirty="0" smtClean="0"/>
+              <a:t>뿐만 아니라 삭제도 하니까 말입니다</a:t>
+            </a:r>
+            <a:r>
+              <a:rPr lang="en-US" altLang="ko-KR" dirty="0" smtClean="0"/>
+              <a:t>),</a:t>
+            </a:r>
+            <a:r>
+              <a:rPr lang="ko-KR" altLang="en-US" dirty="0" smtClean="0"/>
+              <a:t> </a:t>
+            </a:r>
+            <a:r>
+              <a:rPr lang="en-US" altLang="ko-KR" dirty="0" err="1" smtClean="0"/>
+              <a:t>toggleItemsSelected</a:t>
+            </a:r>
+            <a:r>
+              <a:rPr lang="en-US" altLang="ko-KR" dirty="0" smtClean="0"/>
+              <a:t>() </a:t>
+            </a:r>
+            <a:r>
+              <a:rPr lang="ko-KR" altLang="en-US" dirty="0" smtClean="0"/>
+              <a:t>수정합니다</a:t>
+            </a:r>
+            <a:r>
+              <a:rPr lang="en-US" altLang="ko-KR" dirty="0" smtClean="0"/>
+              <a:t>. </a:t>
+            </a:r>
+            <a:r>
+              <a:rPr lang="ko-KR" altLang="en-US" dirty="0" smtClean="0"/>
+              <a:t>상태를 </a:t>
+            </a:r>
+            <a:r>
+              <a:rPr lang="en-US" altLang="ko-KR" dirty="0" smtClean="0"/>
+              <a:t>on/off </a:t>
+            </a:r>
+            <a:r>
+              <a:rPr lang="ko-KR" altLang="en-US" dirty="0" smtClean="0"/>
+              <a:t>혹은 </a:t>
+            </a:r>
+            <a:r>
+              <a:rPr lang="en-US" altLang="ko-KR" dirty="0" smtClean="0"/>
+              <a:t>off/on</a:t>
+            </a:r>
+            <a:r>
+              <a:rPr lang="ko-KR" altLang="en-US" dirty="0" smtClean="0"/>
+              <a:t>으로 바꾸는 것을 </a:t>
+            </a:r>
+            <a:r>
+              <a:rPr lang="en-US" altLang="ko-KR" dirty="0" smtClean="0"/>
+              <a:t>toggle</a:t>
+            </a:r>
+            <a:r>
+              <a:rPr lang="ko-KR" altLang="en-US" dirty="0" smtClean="0"/>
+              <a:t>이라 합니다</a:t>
+            </a:r>
+            <a:r>
+              <a:rPr lang="en-US" altLang="ko-KR" dirty="0" smtClean="0"/>
+              <a:t>. </a:t>
+            </a:r>
+          </a:p>
+          <a:p>
+            <a:r>
+              <a:rPr lang="ko-KR" altLang="en-US" dirty="0" smtClean="0"/>
+              <a:t>또한 메소드 끝에 </a:t>
+            </a:r>
+            <a:r>
+              <a:rPr lang="en-US" altLang="ko-KR" dirty="0" err="1" smtClean="0"/>
+              <a:t>notifyItemChanged</a:t>
+            </a:r>
+            <a:r>
+              <a:rPr lang="en-US" altLang="ko-KR" dirty="0" smtClean="0"/>
+              <a:t>()</a:t>
+            </a:r>
+            <a:r>
+              <a:rPr lang="ko-KR" altLang="en-US" dirty="0" smtClean="0"/>
+              <a:t>를 호출합니다</a:t>
+            </a:r>
+            <a:r>
+              <a:rPr lang="en-US" altLang="ko-KR" dirty="0" smtClean="0"/>
+              <a:t>. </a:t>
+            </a:r>
+            <a:endParaRPr lang="en-US" altLang="ko-KR" dirty="0"/>
+          </a:p>
+          <a:p>
+            <a:endParaRPr lang="en-US" altLang="ko-KR" dirty="0" smtClean="0"/>
+          </a:p>
+          <a:p>
+            <a:endParaRPr lang="en-US" altLang="ko-KR" dirty="0"/>
+          </a:p>
+          <a:p>
+            <a:endParaRPr lang="en-US" altLang="ko-KR" dirty="0" smtClean="0"/>
+          </a:p>
+          <a:p>
+            <a:endParaRPr lang="en-US" altLang="ko-KR" dirty="0"/>
+          </a:p>
+          <a:p>
+            <a:endParaRPr lang="en-US" altLang="ko-KR" dirty="0" smtClean="0"/>
+          </a:p>
+          <a:p>
+            <a:pPr marL="0" indent="0">
+              <a:buNone/>
+            </a:pPr>
+            <a:endParaRPr lang="en-US" altLang="ko-KR" dirty="0"/>
+          </a:p>
+          <a:p>
+            <a:pPr marL="0" indent="0">
+              <a:buNone/>
+            </a:pPr>
+            <a:endParaRPr lang="en-US" altLang="ko-KR" dirty="0"/>
+          </a:p>
+        </p:txBody>
+      </p:sp>
+      <p:sp>
+        <p:nvSpPr>
+          <p:cNvPr id="4" name="슬라이드 번호 개체 틀 3"/>
+          <p:cNvSpPr>
+            <a:spLocks noGrp="1"/>
+          </p:cNvSpPr>
+          <p:nvPr>
+            <p:ph type="sldNum" sz="quarter" idx="14"/>
+          </p:nvPr>
+        </p:nvSpPr>
+        <p:spPr/>
+        <p:txBody>
+          <a:bodyPr/>
+          <a:lstStyle/>
+          <a:p>
+            <a:pPr>
+              <a:defRPr/>
+            </a:pPr>
+            <a:fld id="{3D493B47-E977-46F8-8C2F-7DA674317049}" type="slidenum">
+              <a:rPr lang="ko-KR" altLang="en-US" smtClean="0"/>
+              <a:pPr>
+                <a:defRPr/>
+              </a:pPr>
+              <a:t>69</a:t>
+            </a:fld>
+            <a:endParaRPr lang="ko-KR" altLang="en-US"/>
+          </a:p>
+        </p:txBody>
+      </p:sp>
+      <p:sp>
+        <p:nvSpPr>
+          <p:cNvPr id="8" name="직사각형 7"/>
+          <p:cNvSpPr/>
+          <p:nvPr/>
+        </p:nvSpPr>
+        <p:spPr>
+          <a:xfrm>
+            <a:off x="453100" y="3212976"/>
+            <a:ext cx="11253818" cy="2308324"/>
+          </a:xfrm>
+          <a:prstGeom prst="rect">
+            <a:avLst/>
+          </a:prstGeom>
+          <a:solidFill>
+            <a:schemeClr val="bg1">
+              <a:lumMod val="95000"/>
+            </a:schemeClr>
+          </a:solidFill>
+          <a:ln>
+            <a:solidFill>
+              <a:schemeClr val="bg1">
+                <a:lumMod val="75000"/>
+              </a:schemeClr>
+            </a:solidFill>
+          </a:ln>
+        </p:spPr>
+        <p:txBody>
+          <a:bodyPr wrap="square">
+            <a:spAutoFit/>
+          </a:bodyPr>
+          <a:lstStyle/>
+          <a:p>
+            <a:r>
+              <a:rPr lang="en-US" altLang="ko-KR" sz="1600" dirty="0">
+                <a:latin typeface="Consolas" panose="020B0609020204030204" pitchFamily="49" charset="0"/>
+              </a:rPr>
+              <a:t> </a:t>
+            </a:r>
+            <a:r>
+              <a:rPr lang="en-US" altLang="ko-KR" sz="1600" dirty="0" smtClean="0">
+                <a:latin typeface="Consolas" panose="020B0609020204030204" pitchFamily="49" charset="0"/>
+              </a:rPr>
+              <a:t>   public </a:t>
+            </a:r>
+            <a:r>
+              <a:rPr lang="en-US" altLang="ko-KR" sz="1600" dirty="0">
+                <a:latin typeface="Consolas" panose="020B0609020204030204" pitchFamily="49" charset="0"/>
+              </a:rPr>
+              <a:t>void </a:t>
+            </a:r>
+            <a:r>
+              <a:rPr lang="en-US" altLang="ko-KR" sz="1600" b="1" dirty="0" err="1">
+                <a:latin typeface="Consolas" panose="020B0609020204030204" pitchFamily="49" charset="0"/>
+              </a:rPr>
+              <a:t>toggleItemsSelected</a:t>
+            </a:r>
+            <a:r>
+              <a:rPr lang="en-US" altLang="ko-KR" sz="1600" dirty="0">
+                <a:latin typeface="Consolas" panose="020B0609020204030204" pitchFamily="49" charset="0"/>
+              </a:rPr>
+              <a:t>(int position) {</a:t>
+            </a:r>
+          </a:p>
+          <a:p>
+            <a:r>
+              <a:rPr lang="en-US" altLang="ko-KR" sz="1600" dirty="0">
+                <a:latin typeface="Consolas" panose="020B0609020204030204" pitchFamily="49" charset="0"/>
+              </a:rPr>
+              <a:t>        if (</a:t>
+            </a:r>
+            <a:r>
+              <a:rPr lang="en-US" altLang="ko-KR" sz="1600" dirty="0" err="1">
+                <a:latin typeface="Consolas" panose="020B0609020204030204" pitchFamily="49" charset="0"/>
+              </a:rPr>
+              <a:t>itemsSelected.contains</a:t>
+            </a:r>
+            <a:r>
+              <a:rPr lang="en-US" altLang="ko-KR" sz="1600" dirty="0">
+                <a:latin typeface="Consolas" panose="020B0609020204030204" pitchFamily="49" charset="0"/>
+              </a:rPr>
+              <a:t>(position)) {</a:t>
+            </a:r>
+          </a:p>
+          <a:p>
+            <a:r>
+              <a:rPr lang="en-US" altLang="ko-KR" sz="1600" dirty="0">
+                <a:latin typeface="Consolas" panose="020B0609020204030204" pitchFamily="49" charset="0"/>
+              </a:rPr>
+              <a:t>            </a:t>
+            </a:r>
+            <a:r>
+              <a:rPr lang="en-US" altLang="ko-KR" sz="1600" dirty="0" err="1">
+                <a:latin typeface="Consolas" panose="020B0609020204030204" pitchFamily="49" charset="0"/>
+              </a:rPr>
+              <a:t>itemsSelected.remove</a:t>
+            </a:r>
+            <a:r>
+              <a:rPr lang="en-US" altLang="ko-KR" sz="1600" dirty="0">
+                <a:latin typeface="Consolas" panose="020B0609020204030204" pitchFamily="49" charset="0"/>
+              </a:rPr>
+              <a:t>((Integer)position);</a:t>
+            </a:r>
+          </a:p>
+          <a:p>
+            <a:r>
+              <a:rPr lang="en-US" altLang="ko-KR" sz="1600" dirty="0">
+                <a:latin typeface="Consolas" panose="020B0609020204030204" pitchFamily="49" charset="0"/>
+              </a:rPr>
+              <a:t>        }</a:t>
+            </a:r>
+          </a:p>
+          <a:p>
+            <a:r>
+              <a:rPr lang="en-US" altLang="ko-KR" sz="1600" dirty="0">
+                <a:latin typeface="Consolas" panose="020B0609020204030204" pitchFamily="49" charset="0"/>
+              </a:rPr>
+              <a:t>        else {</a:t>
+            </a:r>
+          </a:p>
+          <a:p>
+            <a:r>
+              <a:rPr lang="en-US" altLang="ko-KR" sz="1600" dirty="0">
+                <a:latin typeface="Consolas" panose="020B0609020204030204" pitchFamily="49" charset="0"/>
+              </a:rPr>
+              <a:t>            </a:t>
+            </a:r>
+            <a:r>
+              <a:rPr lang="en-US" altLang="ko-KR" sz="1600" dirty="0" err="1">
+                <a:latin typeface="Consolas" panose="020B0609020204030204" pitchFamily="49" charset="0"/>
+              </a:rPr>
+              <a:t>itemsSelected.add</a:t>
+            </a:r>
+            <a:r>
+              <a:rPr lang="en-US" altLang="ko-KR" sz="1600" dirty="0">
+                <a:latin typeface="Consolas" panose="020B0609020204030204" pitchFamily="49" charset="0"/>
+              </a:rPr>
+              <a:t>(position);</a:t>
+            </a:r>
+          </a:p>
+          <a:p>
+            <a:r>
+              <a:rPr lang="en-US" altLang="ko-KR" sz="1600" dirty="0">
+                <a:latin typeface="Consolas" panose="020B0609020204030204" pitchFamily="49" charset="0"/>
+              </a:rPr>
+              <a:t>        }</a:t>
+            </a:r>
+          </a:p>
+          <a:p>
+            <a:r>
+              <a:rPr lang="en-US" altLang="ko-KR" sz="1600" dirty="0">
+                <a:latin typeface="Consolas" panose="020B0609020204030204" pitchFamily="49" charset="0"/>
+              </a:rPr>
+              <a:t>        </a:t>
+            </a:r>
+            <a:r>
+              <a:rPr lang="en-US" altLang="ko-KR" sz="1600" b="1" dirty="0" err="1">
+                <a:latin typeface="Consolas" panose="020B0609020204030204" pitchFamily="49" charset="0"/>
+              </a:rPr>
+              <a:t>notifyItemChanged</a:t>
+            </a:r>
+            <a:r>
+              <a:rPr lang="en-US" altLang="ko-KR" sz="1600" b="1" dirty="0">
+                <a:latin typeface="Consolas" panose="020B0609020204030204" pitchFamily="49" charset="0"/>
+              </a:rPr>
+              <a:t>(position);       </a:t>
+            </a:r>
+          </a:p>
+          <a:p>
+            <a:r>
+              <a:rPr lang="en-US" altLang="ko-KR" sz="1600" dirty="0">
+                <a:latin typeface="Consolas" panose="020B0609020204030204" pitchFamily="49" charset="0"/>
+              </a:rPr>
+              <a:t>    }</a:t>
+            </a:r>
+            <a:endParaRPr lang="ko-KR" altLang="en-US" sz="1600" dirty="0">
+              <a:latin typeface="Consolas" panose="020B0609020204030204" pitchFamily="49" charset="0"/>
+            </a:endParaRPr>
+          </a:p>
+        </p:txBody>
+      </p:sp>
+      <p:sp>
+        <p:nvSpPr>
+          <p:cNvPr id="9" name="TextBox 8"/>
+          <p:cNvSpPr txBox="1"/>
+          <p:nvPr/>
+        </p:nvSpPr>
+        <p:spPr>
+          <a:xfrm>
+            <a:off x="9336360" y="3059087"/>
+            <a:ext cx="2062641" cy="307777"/>
+          </a:xfrm>
+          <a:prstGeom prst="rect">
+            <a:avLst/>
+          </a:prstGeom>
+          <a:solidFill>
+            <a:srgbClr val="FFC000"/>
+          </a:solidFill>
+        </p:spPr>
+        <p:txBody>
+          <a:bodyPr wrap="square" rtlCol="0">
+            <a:spAutoFit/>
+          </a:bodyPr>
+          <a:lstStyle/>
+          <a:p>
+            <a:r>
+              <a:rPr lang="en-US" altLang="ko-KR" sz="1400" dirty="0" smtClean="0"/>
+              <a:t>PersonAdapter.java</a:t>
+            </a:r>
+            <a:endParaRPr lang="ko-KR" altLang="en-US" sz="1400" dirty="0"/>
+          </a:p>
+        </p:txBody>
+      </p:sp>
+    </p:spTree>
+    <p:extLst>
+      <p:ext uri="{BB962C8B-B14F-4D97-AF65-F5344CB8AC3E}">
+        <p14:creationId xmlns:p14="http://schemas.microsoft.com/office/powerpoint/2010/main" val="3266032456"/>
       </p:ext>
     </p:extLst>
   </p:cSld>
@@ -42540,6 +46697,1445 @@
   <p:clrMapOvr>
     <a:masterClrMapping/>
   </p:clrMapOvr>
+  <p:timing>
+    <p:tnLst>
+      <p:par>
+        <p:cTn id="1" dur="indefinite" restart="never" nodeType="tmRoot"/>
+      </p:par>
+    </p:tnLst>
+  </p:timing>
+</p:sld>
+</file>
+
+<file path=ppt/slides/slide70.xml><?xml version="1.0" encoding="utf-8"?>
+<p:sld xmlns:a="http://schemas.openxmlformats.org/drawingml/2006/main" xmlns:r="http://schemas.openxmlformats.org/officeDocument/2006/relationships" xmlns:p="http://schemas.openxmlformats.org/presentationml/2006/main">
+  <p:cSld>
+    <p:spTree>
+      <p:nvGrpSpPr>
+        <p:cNvPr id="1" name=""/>
+        <p:cNvGrpSpPr/>
+        <p:nvPr/>
+      </p:nvGrpSpPr>
+      <p:grpSpPr>
+        <a:xfrm>
+          <a:off x="0" y="0"/>
+          <a:ext cx="0" cy="0"/>
+          <a:chOff x="0" y="0"/>
+          <a:chExt cx="0" cy="0"/>
+        </a:xfrm>
+      </p:grpSpPr>
+      <p:sp>
+        <p:nvSpPr>
+          <p:cNvPr id="2" name="제목 1"/>
+          <p:cNvSpPr>
+            <a:spLocks noGrp="1"/>
+          </p:cNvSpPr>
+          <p:nvPr>
+            <p:ph type="title"/>
+          </p:nvPr>
+        </p:nvSpPr>
+        <p:spPr/>
+        <p:txBody>
+          <a:bodyPr/>
+          <a:lstStyle/>
+          <a:p>
+            <a:r>
+              <a:rPr lang="en-US" altLang="ko-KR" dirty="0">
+                <a:latin typeface="나눔고딕" panose="020D0604000000000000" pitchFamily="50" charset="-127"/>
+                <a:ea typeface="나눔고딕" panose="020D0604000000000000" pitchFamily="50" charset="-127"/>
+              </a:rPr>
+              <a:t>07-4 Recycler View </a:t>
+            </a:r>
+            <a:r>
+              <a:rPr lang="ko-KR" altLang="en-US" dirty="0">
+                <a:latin typeface="나눔고딕" panose="020D0604000000000000" pitchFamily="50" charset="-127"/>
+                <a:ea typeface="나눔고딕" panose="020D0604000000000000" pitchFamily="50" charset="-127"/>
+              </a:rPr>
+              <a:t>연습 문제 </a:t>
+            </a:r>
+            <a:r>
+              <a:rPr lang="en-US" altLang="ko-KR" dirty="0">
+                <a:latin typeface="나눔고딕" panose="020D0604000000000000" pitchFamily="50" charset="-127"/>
+                <a:ea typeface="나눔고딕" panose="020D0604000000000000" pitchFamily="50" charset="-127"/>
+              </a:rPr>
+              <a:t>– </a:t>
+            </a:r>
+            <a:r>
+              <a:rPr lang="en-US" altLang="ko-KR" dirty="0" smtClean="0">
+                <a:latin typeface="나눔고딕" panose="020D0604000000000000" pitchFamily="50" charset="-127"/>
+                <a:ea typeface="나눔고딕" panose="020D0604000000000000" pitchFamily="50" charset="-127"/>
+              </a:rPr>
+              <a:t>Selected items highlighted</a:t>
+            </a:r>
+            <a:endParaRPr lang="ko-KR" altLang="en-US" dirty="0"/>
+          </a:p>
+        </p:txBody>
+      </p:sp>
+      <p:sp>
+        <p:nvSpPr>
+          <p:cNvPr id="3" name="내용 개체 틀 2"/>
+          <p:cNvSpPr>
+            <a:spLocks noGrp="1"/>
+          </p:cNvSpPr>
+          <p:nvPr>
+            <p:ph idx="10"/>
+          </p:nvPr>
+        </p:nvSpPr>
+        <p:spPr/>
+        <p:txBody>
+          <a:bodyPr/>
+          <a:lstStyle/>
+          <a:p>
+            <a:pPr marL="0" indent="0">
+              <a:buNone/>
+            </a:pPr>
+            <a:r>
+              <a:rPr lang="en-US" altLang="ko-KR" b="1" dirty="0" smtClean="0"/>
+              <a:t>Joy</a:t>
+            </a:r>
+            <a:r>
+              <a:rPr lang="en-US" altLang="ko-KR" b="1" dirty="0" smtClean="0">
+                <a:solidFill>
+                  <a:srgbClr val="C00000"/>
+                </a:solidFill>
+              </a:rPr>
+              <a:t>074</a:t>
+            </a:r>
+            <a:r>
+              <a:rPr lang="en-US" altLang="ko-KR" b="1" dirty="0" smtClean="0"/>
+              <a:t>RecylerView</a:t>
+            </a:r>
+            <a:r>
+              <a:rPr lang="en-US" altLang="ko-KR" b="1" dirty="0" smtClean="0"/>
+              <a:t>:</a:t>
+            </a:r>
+          </a:p>
+          <a:p>
+            <a:pPr marL="0" indent="0">
+              <a:buNone/>
+            </a:pPr>
+            <a:r>
+              <a:rPr lang="en-US" altLang="ko-KR" b="1" dirty="0" smtClean="0"/>
+              <a:t>4</a:t>
+            </a:r>
+            <a:r>
+              <a:rPr lang="en-US" altLang="ko-KR" b="1" baseline="30000" dirty="0" smtClean="0"/>
+              <a:t>th</a:t>
+            </a:r>
+            <a:r>
+              <a:rPr lang="en-US" altLang="ko-KR" b="1" dirty="0" smtClean="0"/>
+              <a:t> Trial </a:t>
+            </a:r>
+            <a:r>
+              <a:rPr lang="ko-KR" altLang="en-US" b="1" dirty="0" smtClean="0"/>
+              <a:t>계속</a:t>
+            </a:r>
+            <a:r>
+              <a:rPr lang="en-US" altLang="ko-KR" b="1" dirty="0" smtClean="0"/>
+              <a:t>: </a:t>
+            </a:r>
+            <a:r>
+              <a:rPr lang="en-US" altLang="ko-KR" dirty="0" smtClean="0"/>
+              <a:t>MainActivity.java</a:t>
+            </a:r>
+            <a:r>
+              <a:rPr lang="ko-KR" altLang="en-US" dirty="0" smtClean="0"/>
+              <a:t>에서도 </a:t>
+            </a:r>
+            <a:r>
+              <a:rPr lang="en-US" altLang="ko-KR" dirty="0" err="1" smtClean="0"/>
+              <a:t>addItemsSelected</a:t>
+            </a:r>
+            <a:r>
+              <a:rPr lang="en-US" altLang="ko-KR" dirty="0" smtClean="0"/>
+              <a:t>()</a:t>
+            </a:r>
+            <a:r>
+              <a:rPr lang="ko-KR" altLang="en-US" dirty="0" smtClean="0"/>
+              <a:t>대신 </a:t>
+            </a:r>
+            <a:r>
+              <a:rPr lang="en-US" altLang="ko-KR" dirty="0" err="1" smtClean="0"/>
+              <a:t>toggleItemsSelected</a:t>
+            </a:r>
+            <a:r>
+              <a:rPr lang="en-US" altLang="ko-KR" dirty="0" smtClean="0"/>
+              <a:t>()</a:t>
+            </a:r>
+            <a:r>
+              <a:rPr lang="ko-KR" altLang="en-US" dirty="0" smtClean="0"/>
+              <a:t>을 호출합니다</a:t>
+            </a:r>
+            <a:r>
+              <a:rPr lang="en-US" altLang="ko-KR" dirty="0" smtClean="0"/>
+              <a:t>.</a:t>
+            </a:r>
+          </a:p>
+          <a:p>
+            <a:r>
+              <a:rPr lang="ko-KR" altLang="en-US" dirty="0" smtClean="0"/>
+              <a:t>코드가 훨씬 간편해진 것을 볼 수 있습니다</a:t>
+            </a:r>
+            <a:r>
+              <a:rPr lang="en-US" altLang="ko-KR" dirty="0" smtClean="0"/>
+              <a:t>. Readability</a:t>
+            </a:r>
+            <a:r>
+              <a:rPr lang="ko-KR" altLang="en-US" dirty="0" smtClean="0"/>
+              <a:t>가 향상되고</a:t>
+            </a:r>
+            <a:r>
+              <a:rPr lang="en-US" altLang="ko-KR" dirty="0" smtClean="0"/>
+              <a:t>, Maintenance</a:t>
+            </a:r>
+            <a:r>
+              <a:rPr lang="ko-KR" altLang="en-US" dirty="0" smtClean="0"/>
+              <a:t>가 쉬워집니다</a:t>
+            </a:r>
+            <a:r>
+              <a:rPr lang="en-US" altLang="ko-KR" dirty="0" smtClean="0"/>
+              <a:t>.  </a:t>
+            </a:r>
+          </a:p>
+          <a:p>
+            <a:endParaRPr lang="en-US" altLang="ko-KR" dirty="0"/>
+          </a:p>
+          <a:p>
+            <a:endParaRPr lang="en-US" altLang="ko-KR" dirty="0" smtClean="0"/>
+          </a:p>
+          <a:p>
+            <a:endParaRPr lang="en-US" altLang="ko-KR" dirty="0"/>
+          </a:p>
+          <a:p>
+            <a:endParaRPr lang="en-US" altLang="ko-KR" dirty="0" smtClean="0"/>
+          </a:p>
+          <a:p>
+            <a:pPr marL="0" indent="0">
+              <a:buNone/>
+            </a:pPr>
+            <a:endParaRPr lang="en-US" altLang="ko-KR" dirty="0"/>
+          </a:p>
+          <a:p>
+            <a:pPr marL="0" indent="0">
+              <a:buNone/>
+            </a:pPr>
+            <a:endParaRPr lang="en-US" altLang="ko-KR" dirty="0"/>
+          </a:p>
+        </p:txBody>
+      </p:sp>
+      <p:sp>
+        <p:nvSpPr>
+          <p:cNvPr id="4" name="슬라이드 번호 개체 틀 3"/>
+          <p:cNvSpPr>
+            <a:spLocks noGrp="1"/>
+          </p:cNvSpPr>
+          <p:nvPr>
+            <p:ph type="sldNum" sz="quarter" idx="14"/>
+          </p:nvPr>
+        </p:nvSpPr>
+        <p:spPr/>
+        <p:txBody>
+          <a:bodyPr/>
+          <a:lstStyle/>
+          <a:p>
+            <a:pPr>
+              <a:defRPr/>
+            </a:pPr>
+            <a:fld id="{3D493B47-E977-46F8-8C2F-7DA674317049}" type="slidenum">
+              <a:rPr lang="ko-KR" altLang="en-US" smtClean="0"/>
+              <a:pPr>
+                <a:defRPr/>
+              </a:pPr>
+              <a:t>70</a:t>
+            </a:fld>
+            <a:endParaRPr lang="ko-KR" altLang="en-US"/>
+          </a:p>
+        </p:txBody>
+      </p:sp>
+      <p:sp>
+        <p:nvSpPr>
+          <p:cNvPr id="8" name="직사각형 7"/>
+          <p:cNvSpPr/>
+          <p:nvPr/>
+        </p:nvSpPr>
+        <p:spPr>
+          <a:xfrm>
+            <a:off x="453100" y="2283173"/>
+            <a:ext cx="11253818" cy="1815882"/>
+          </a:xfrm>
+          <a:prstGeom prst="rect">
+            <a:avLst/>
+          </a:prstGeom>
+          <a:solidFill>
+            <a:schemeClr val="bg1">
+              <a:lumMod val="95000"/>
+            </a:schemeClr>
+          </a:solidFill>
+          <a:ln>
+            <a:solidFill>
+              <a:schemeClr val="bg1">
+                <a:lumMod val="75000"/>
+              </a:schemeClr>
+            </a:solidFill>
+          </a:ln>
+        </p:spPr>
+        <p:txBody>
+          <a:bodyPr wrap="square">
+            <a:spAutoFit/>
+          </a:bodyPr>
+          <a:lstStyle/>
+          <a:p>
+            <a:r>
+              <a:rPr lang="en-US" altLang="ko-KR" sz="1600" dirty="0" smtClean="0">
+                <a:latin typeface="Consolas" panose="020B0609020204030204" pitchFamily="49" charset="0"/>
+              </a:rPr>
+              <a:t>        ...</a:t>
+            </a:r>
+            <a:endParaRPr lang="en-US" altLang="ko-KR" sz="1600" dirty="0">
+              <a:latin typeface="Consolas" panose="020B0609020204030204" pitchFamily="49" charset="0"/>
+            </a:endParaRPr>
+          </a:p>
+          <a:p>
+            <a:r>
+              <a:rPr lang="en-US" altLang="ko-KR" sz="1600" dirty="0">
+                <a:latin typeface="Consolas" panose="020B0609020204030204" pitchFamily="49" charset="0"/>
+              </a:rPr>
+              <a:t>        </a:t>
+            </a:r>
+            <a:r>
+              <a:rPr lang="en-US" altLang="ko-KR" sz="1600" dirty="0" err="1">
+                <a:latin typeface="Consolas" panose="020B0609020204030204" pitchFamily="49" charset="0"/>
+              </a:rPr>
+              <a:t>adapter.setOnItemClickListener</a:t>
+            </a:r>
+            <a:r>
+              <a:rPr lang="en-US" altLang="ko-KR" sz="1600" dirty="0">
+                <a:latin typeface="Consolas" panose="020B0609020204030204" pitchFamily="49" charset="0"/>
+              </a:rPr>
+              <a:t>(new </a:t>
+            </a:r>
+            <a:r>
+              <a:rPr lang="en-US" altLang="ko-KR" sz="1600" dirty="0" err="1">
+                <a:latin typeface="Consolas" panose="020B0609020204030204" pitchFamily="49" charset="0"/>
+              </a:rPr>
+              <a:t>OnPersonItemClickListener</a:t>
+            </a:r>
+            <a:r>
+              <a:rPr lang="en-US" altLang="ko-KR" sz="1600" dirty="0">
+                <a:latin typeface="Consolas" panose="020B0609020204030204" pitchFamily="49" charset="0"/>
+              </a:rPr>
+              <a:t>() {</a:t>
+            </a:r>
+          </a:p>
+          <a:p>
+            <a:r>
+              <a:rPr lang="en-US" altLang="ko-KR" sz="1600" dirty="0">
+                <a:latin typeface="Consolas" panose="020B0609020204030204" pitchFamily="49" charset="0"/>
+              </a:rPr>
+              <a:t>            @Override</a:t>
+            </a:r>
+          </a:p>
+          <a:p>
+            <a:r>
+              <a:rPr lang="en-US" altLang="ko-KR" sz="1600" dirty="0">
+                <a:latin typeface="Consolas" panose="020B0609020204030204" pitchFamily="49" charset="0"/>
+              </a:rPr>
+              <a:t>            public void </a:t>
+            </a:r>
+            <a:r>
+              <a:rPr lang="en-US" altLang="ko-KR" sz="1600" dirty="0" err="1">
+                <a:latin typeface="Consolas" panose="020B0609020204030204" pitchFamily="49" charset="0"/>
+              </a:rPr>
+              <a:t>onItemClick</a:t>
+            </a:r>
+            <a:r>
+              <a:rPr lang="en-US" altLang="ko-KR" sz="1600" dirty="0">
+                <a:latin typeface="Consolas" panose="020B0609020204030204" pitchFamily="49" charset="0"/>
+              </a:rPr>
+              <a:t>(</a:t>
+            </a:r>
+            <a:r>
+              <a:rPr lang="en-US" altLang="ko-KR" sz="1600" dirty="0" err="1">
+                <a:latin typeface="Consolas" panose="020B0609020204030204" pitchFamily="49" charset="0"/>
+              </a:rPr>
+              <a:t>PersonAdapter.ViewHolder</a:t>
+            </a:r>
+            <a:r>
+              <a:rPr lang="en-US" altLang="ko-KR" sz="1600" dirty="0">
+                <a:latin typeface="Consolas" panose="020B0609020204030204" pitchFamily="49" charset="0"/>
+              </a:rPr>
+              <a:t> holder, View </a:t>
+            </a:r>
+            <a:r>
+              <a:rPr lang="en-US" altLang="ko-KR" sz="1600" dirty="0" err="1">
+                <a:latin typeface="Consolas" panose="020B0609020204030204" pitchFamily="49" charset="0"/>
+              </a:rPr>
+              <a:t>view</a:t>
+            </a:r>
+            <a:r>
+              <a:rPr lang="en-US" altLang="ko-KR" sz="1600" dirty="0">
+                <a:latin typeface="Consolas" panose="020B0609020204030204" pitchFamily="49" charset="0"/>
+              </a:rPr>
+              <a:t>, int position) {</a:t>
+            </a:r>
+          </a:p>
+          <a:p>
+            <a:r>
+              <a:rPr lang="en-US" altLang="ko-KR" sz="1600" dirty="0">
+                <a:latin typeface="Consolas" panose="020B0609020204030204" pitchFamily="49" charset="0"/>
+              </a:rPr>
+              <a:t>                </a:t>
+            </a:r>
+            <a:r>
+              <a:rPr lang="en-US" altLang="ko-KR" sz="1600" dirty="0" err="1">
+                <a:latin typeface="Consolas" panose="020B0609020204030204" pitchFamily="49" charset="0"/>
+              </a:rPr>
+              <a:t>Log.d</a:t>
+            </a:r>
+            <a:r>
+              <a:rPr lang="en-US" altLang="ko-KR" sz="1600" dirty="0">
+                <a:latin typeface="Consolas" panose="020B0609020204030204" pitchFamily="49" charset="0"/>
+              </a:rPr>
+              <a:t>(TAG, "Position: " + position);</a:t>
+            </a:r>
+          </a:p>
+          <a:p>
+            <a:r>
+              <a:rPr lang="en-US" altLang="ko-KR" sz="1600" dirty="0">
+                <a:latin typeface="Consolas" panose="020B0609020204030204" pitchFamily="49" charset="0"/>
+              </a:rPr>
+              <a:t>                </a:t>
+            </a:r>
+            <a:r>
+              <a:rPr lang="en-US" altLang="ko-KR" sz="1600" dirty="0" err="1">
+                <a:solidFill>
+                  <a:srgbClr val="C00000"/>
+                </a:solidFill>
+                <a:latin typeface="Consolas" panose="020B0609020204030204" pitchFamily="49" charset="0"/>
+              </a:rPr>
+              <a:t>adapter.toggleItemsSelected</a:t>
+            </a:r>
+            <a:r>
+              <a:rPr lang="en-US" altLang="ko-KR" sz="1600" dirty="0">
+                <a:solidFill>
+                  <a:srgbClr val="C00000"/>
+                </a:solidFill>
+                <a:latin typeface="Consolas" panose="020B0609020204030204" pitchFamily="49" charset="0"/>
+              </a:rPr>
+              <a:t>(position</a:t>
+            </a:r>
+            <a:r>
+              <a:rPr lang="en-US" altLang="ko-KR" sz="1600" dirty="0" smtClean="0">
+                <a:solidFill>
+                  <a:srgbClr val="C00000"/>
+                </a:solidFill>
+                <a:latin typeface="Consolas" panose="020B0609020204030204" pitchFamily="49" charset="0"/>
+              </a:rPr>
+              <a:t>)</a:t>
+            </a:r>
+            <a:r>
+              <a:rPr lang="en-US" altLang="ko-KR" sz="1600" dirty="0" smtClean="0">
+                <a:latin typeface="Consolas" panose="020B0609020204030204" pitchFamily="49" charset="0"/>
+              </a:rPr>
+              <a:t>;</a:t>
+            </a:r>
+          </a:p>
+          <a:p>
+            <a:r>
+              <a:rPr lang="en-US" altLang="ko-KR" sz="1600" dirty="0">
+                <a:latin typeface="Consolas" panose="020B0609020204030204" pitchFamily="49" charset="0"/>
+              </a:rPr>
+              <a:t> </a:t>
+            </a:r>
+            <a:r>
+              <a:rPr lang="en-US" altLang="ko-KR" sz="1600" dirty="0" smtClean="0">
+                <a:latin typeface="Consolas" panose="020B0609020204030204" pitchFamily="49" charset="0"/>
+              </a:rPr>
+              <a:t>               ...</a:t>
+            </a:r>
+            <a:endParaRPr lang="ko-KR" altLang="en-US" sz="1600" dirty="0">
+              <a:latin typeface="Consolas" panose="020B0609020204030204" pitchFamily="49" charset="0"/>
+            </a:endParaRPr>
+          </a:p>
+        </p:txBody>
+      </p:sp>
+      <p:sp>
+        <p:nvSpPr>
+          <p:cNvPr id="6" name="직사각형 5"/>
+          <p:cNvSpPr/>
+          <p:nvPr/>
+        </p:nvSpPr>
+        <p:spPr>
+          <a:xfrm>
+            <a:off x="458716" y="4217020"/>
+            <a:ext cx="11253818" cy="2308324"/>
+          </a:xfrm>
+          <a:prstGeom prst="rect">
+            <a:avLst/>
+          </a:prstGeom>
+          <a:solidFill>
+            <a:schemeClr val="bg1">
+              <a:lumMod val="95000"/>
+            </a:schemeClr>
+          </a:solidFill>
+          <a:ln>
+            <a:solidFill>
+              <a:schemeClr val="bg1">
+                <a:lumMod val="75000"/>
+              </a:schemeClr>
+            </a:solidFill>
+          </a:ln>
+        </p:spPr>
+        <p:txBody>
+          <a:bodyPr wrap="square">
+            <a:spAutoFit/>
+          </a:bodyPr>
+          <a:lstStyle/>
+          <a:p>
+            <a:r>
+              <a:rPr lang="en-US" altLang="ko-KR" sz="1600" dirty="0">
+                <a:latin typeface="Consolas" panose="020B0609020204030204" pitchFamily="49" charset="0"/>
+              </a:rPr>
+              <a:t> </a:t>
+            </a:r>
+            <a:r>
+              <a:rPr lang="en-US" altLang="ko-KR" sz="1600" dirty="0" smtClean="0">
+                <a:latin typeface="Consolas" panose="020B0609020204030204" pitchFamily="49" charset="0"/>
+              </a:rPr>
+              <a:t>   @</a:t>
+            </a:r>
+            <a:r>
+              <a:rPr lang="en-US" altLang="ko-KR" sz="1600" dirty="0">
+                <a:latin typeface="Consolas" panose="020B0609020204030204" pitchFamily="49" charset="0"/>
+              </a:rPr>
+              <a:t>Override</a:t>
+            </a:r>
+          </a:p>
+          <a:p>
+            <a:r>
+              <a:rPr lang="en-US" altLang="ko-KR" sz="1600" dirty="0">
+                <a:latin typeface="Consolas" panose="020B0609020204030204" pitchFamily="49" charset="0"/>
+              </a:rPr>
+              <a:t>    public void </a:t>
+            </a:r>
+            <a:r>
+              <a:rPr lang="en-US" altLang="ko-KR" sz="1600" dirty="0" err="1">
+                <a:latin typeface="Consolas" panose="020B0609020204030204" pitchFamily="49" charset="0"/>
+              </a:rPr>
+              <a:t>onItemClick</a:t>
+            </a:r>
+            <a:r>
+              <a:rPr lang="en-US" altLang="ko-KR" sz="1600" dirty="0">
+                <a:latin typeface="Consolas" panose="020B0609020204030204" pitchFamily="49" charset="0"/>
+              </a:rPr>
+              <a:t>(</a:t>
+            </a:r>
+            <a:r>
+              <a:rPr lang="en-US" altLang="ko-KR" sz="1600" dirty="0" err="1">
+                <a:latin typeface="Consolas" panose="020B0609020204030204" pitchFamily="49" charset="0"/>
+              </a:rPr>
+              <a:t>ViewHolder</a:t>
+            </a:r>
+            <a:r>
+              <a:rPr lang="en-US" altLang="ko-KR" sz="1600" dirty="0">
+                <a:latin typeface="Consolas" panose="020B0609020204030204" pitchFamily="49" charset="0"/>
+              </a:rPr>
+              <a:t> holder, View </a:t>
+            </a:r>
+            <a:r>
+              <a:rPr lang="en-US" altLang="ko-KR" sz="1600" dirty="0" err="1">
+                <a:latin typeface="Consolas" panose="020B0609020204030204" pitchFamily="49" charset="0"/>
+              </a:rPr>
+              <a:t>view</a:t>
+            </a:r>
+            <a:r>
+              <a:rPr lang="en-US" altLang="ko-KR" sz="1600" dirty="0">
+                <a:latin typeface="Consolas" panose="020B0609020204030204" pitchFamily="49" charset="0"/>
+              </a:rPr>
+              <a:t>, int position) {</a:t>
+            </a:r>
+          </a:p>
+          <a:p>
+            <a:r>
+              <a:rPr lang="en-US" altLang="ko-KR" sz="1600" dirty="0">
+                <a:latin typeface="Consolas" panose="020B0609020204030204" pitchFamily="49" charset="0"/>
+              </a:rPr>
+              <a:t>        if (listener != null) {</a:t>
+            </a:r>
+          </a:p>
+          <a:p>
+            <a:r>
+              <a:rPr lang="en-US" altLang="ko-KR" sz="1600" dirty="0">
+                <a:latin typeface="Consolas" panose="020B0609020204030204" pitchFamily="49" charset="0"/>
+              </a:rPr>
+              <a:t>            </a:t>
+            </a:r>
+            <a:r>
+              <a:rPr lang="en-US" altLang="ko-KR" sz="1600" dirty="0" err="1">
+                <a:latin typeface="Consolas" panose="020B0609020204030204" pitchFamily="49" charset="0"/>
+              </a:rPr>
+              <a:t>Log.d</a:t>
+            </a:r>
+            <a:r>
+              <a:rPr lang="en-US" altLang="ko-KR" sz="1600" dirty="0">
+                <a:latin typeface="Consolas" panose="020B0609020204030204" pitchFamily="49" charset="0"/>
+              </a:rPr>
+              <a:t>(TAG, "</a:t>
+            </a:r>
+            <a:r>
+              <a:rPr lang="en-US" altLang="ko-KR" sz="1600" dirty="0" err="1">
+                <a:latin typeface="Consolas" panose="020B0609020204030204" pitchFamily="49" charset="0"/>
+              </a:rPr>
+              <a:t>PersonAdapter</a:t>
+            </a:r>
+            <a:r>
+              <a:rPr lang="en-US" altLang="ko-KR" sz="1600" dirty="0">
+                <a:latin typeface="Consolas" panose="020B0609020204030204" pitchFamily="49" charset="0"/>
+              </a:rPr>
+              <a:t>: </a:t>
+            </a:r>
+            <a:r>
+              <a:rPr lang="en-US" altLang="ko-KR" sz="1600" dirty="0" err="1">
+                <a:latin typeface="Consolas" panose="020B0609020204030204" pitchFamily="49" charset="0"/>
+              </a:rPr>
+              <a:t>onItemClick</a:t>
+            </a:r>
+            <a:r>
+              <a:rPr lang="en-US" altLang="ko-KR" sz="1600" dirty="0">
+                <a:latin typeface="Consolas" panose="020B0609020204030204" pitchFamily="49" charset="0"/>
+              </a:rPr>
+              <a:t> listener: " + position);</a:t>
+            </a:r>
+          </a:p>
+          <a:p>
+            <a:r>
+              <a:rPr lang="en-US" altLang="ko-KR" sz="1600" dirty="0">
+                <a:latin typeface="Consolas" panose="020B0609020204030204" pitchFamily="49" charset="0"/>
+              </a:rPr>
+              <a:t>            </a:t>
+            </a:r>
+            <a:r>
+              <a:rPr lang="en-US" altLang="ko-KR" sz="1600" dirty="0" err="1">
+                <a:latin typeface="Consolas" panose="020B0609020204030204" pitchFamily="49" charset="0"/>
+              </a:rPr>
+              <a:t>listener.onItemClick</a:t>
+            </a:r>
+            <a:r>
+              <a:rPr lang="en-US" altLang="ko-KR" sz="1600" dirty="0">
+                <a:latin typeface="Consolas" panose="020B0609020204030204" pitchFamily="49" charset="0"/>
+              </a:rPr>
+              <a:t>(holder, view, position);</a:t>
+            </a:r>
+          </a:p>
+          <a:p>
+            <a:endParaRPr lang="en-US" altLang="ko-KR" sz="1600" dirty="0">
+              <a:latin typeface="Consolas" panose="020B0609020204030204" pitchFamily="49" charset="0"/>
+            </a:endParaRPr>
+          </a:p>
+          <a:p>
+            <a:r>
+              <a:rPr lang="en-US" altLang="ko-KR" sz="1600" dirty="0">
+                <a:latin typeface="Consolas" panose="020B0609020204030204" pitchFamily="49" charset="0"/>
+              </a:rPr>
+              <a:t>            </a:t>
+            </a:r>
+            <a:r>
+              <a:rPr lang="en-US" altLang="ko-KR" sz="1600" dirty="0" err="1">
+                <a:latin typeface="Consolas" panose="020B0609020204030204" pitchFamily="49" charset="0"/>
+              </a:rPr>
+              <a:t>Log.d</a:t>
+            </a:r>
+            <a:r>
+              <a:rPr lang="en-US" altLang="ko-KR" sz="1600" dirty="0">
+                <a:latin typeface="Consolas" panose="020B0609020204030204" pitchFamily="49" charset="0"/>
+              </a:rPr>
+              <a:t>(TAG, "Selected: " + </a:t>
+            </a:r>
+            <a:r>
+              <a:rPr lang="en-US" altLang="ko-KR" sz="1600" dirty="0" err="1">
+                <a:latin typeface="Consolas" panose="020B0609020204030204" pitchFamily="49" charset="0"/>
+              </a:rPr>
+              <a:t>itemsSelected.toString</a:t>
+            </a:r>
+            <a:r>
+              <a:rPr lang="en-US" altLang="ko-KR" sz="1600" dirty="0">
+                <a:latin typeface="Consolas" panose="020B0609020204030204" pitchFamily="49" charset="0"/>
+              </a:rPr>
+              <a:t>());</a:t>
+            </a:r>
+          </a:p>
+          <a:p>
+            <a:r>
+              <a:rPr lang="en-US" altLang="ko-KR" sz="1600" dirty="0">
+                <a:latin typeface="Consolas" panose="020B0609020204030204" pitchFamily="49" charset="0"/>
+              </a:rPr>
+              <a:t>        }</a:t>
+            </a:r>
+          </a:p>
+          <a:p>
+            <a:r>
+              <a:rPr lang="en-US" altLang="ko-KR" sz="1600" dirty="0">
+                <a:latin typeface="Consolas" panose="020B0609020204030204" pitchFamily="49" charset="0"/>
+              </a:rPr>
+              <a:t>    }</a:t>
+            </a:r>
+            <a:endParaRPr lang="ko-KR" altLang="en-US" sz="1600" dirty="0">
+              <a:latin typeface="Consolas" panose="020B0609020204030204" pitchFamily="49" charset="0"/>
+            </a:endParaRPr>
+          </a:p>
+        </p:txBody>
+      </p:sp>
+      <p:sp>
+        <p:nvSpPr>
+          <p:cNvPr id="7" name="TextBox 6"/>
+          <p:cNvSpPr txBox="1"/>
+          <p:nvPr/>
+        </p:nvSpPr>
+        <p:spPr>
+          <a:xfrm>
+            <a:off x="9120336" y="4205446"/>
+            <a:ext cx="2062641" cy="307777"/>
+          </a:xfrm>
+          <a:prstGeom prst="rect">
+            <a:avLst/>
+          </a:prstGeom>
+          <a:solidFill>
+            <a:srgbClr val="FFC000"/>
+          </a:solidFill>
+        </p:spPr>
+        <p:txBody>
+          <a:bodyPr wrap="square" rtlCol="0">
+            <a:spAutoFit/>
+          </a:bodyPr>
+          <a:lstStyle/>
+          <a:p>
+            <a:r>
+              <a:rPr lang="en-US" altLang="ko-KR" sz="1400" dirty="0" smtClean="0"/>
+              <a:t>PersonAdapter.java</a:t>
+            </a:r>
+            <a:endParaRPr lang="ko-KR" altLang="en-US" sz="1400" dirty="0"/>
+          </a:p>
+        </p:txBody>
+      </p:sp>
+      <p:sp>
+        <p:nvSpPr>
+          <p:cNvPr id="9" name="TextBox 8"/>
+          <p:cNvSpPr txBox="1"/>
+          <p:nvPr/>
+        </p:nvSpPr>
+        <p:spPr>
+          <a:xfrm>
+            <a:off x="9118376" y="2215432"/>
+            <a:ext cx="2062641" cy="307777"/>
+          </a:xfrm>
+          <a:prstGeom prst="rect">
+            <a:avLst/>
+          </a:prstGeom>
+          <a:solidFill>
+            <a:srgbClr val="FFC000"/>
+          </a:solidFill>
+        </p:spPr>
+        <p:txBody>
+          <a:bodyPr wrap="square" rtlCol="0">
+            <a:spAutoFit/>
+          </a:bodyPr>
+          <a:lstStyle/>
+          <a:p>
+            <a:r>
+              <a:rPr lang="en-US" altLang="ko-KR" sz="1400" dirty="0" smtClean="0"/>
+              <a:t>MainActivity.java</a:t>
+            </a:r>
+            <a:endParaRPr lang="ko-KR" altLang="en-US" sz="1400" dirty="0"/>
+          </a:p>
+        </p:txBody>
+      </p:sp>
+      <p:sp>
+        <p:nvSpPr>
+          <p:cNvPr id="5" name="직사각형 4"/>
+          <p:cNvSpPr/>
+          <p:nvPr/>
+        </p:nvSpPr>
+        <p:spPr>
+          <a:xfrm>
+            <a:off x="9118376" y="5392059"/>
+            <a:ext cx="2303836" cy="307777"/>
+          </a:xfrm>
+          <a:prstGeom prst="rect">
+            <a:avLst/>
+          </a:prstGeom>
+          <a:solidFill>
+            <a:srgbClr val="FFC000"/>
+          </a:solidFill>
+        </p:spPr>
+        <p:txBody>
+          <a:bodyPr wrap="none">
+            <a:spAutoFit/>
+          </a:bodyPr>
+          <a:lstStyle/>
+          <a:p>
+            <a:r>
+              <a:rPr lang="ko-KR" altLang="en-US" sz="1400" dirty="0" smtClean="0"/>
+              <a:t>여기 코드가 </a:t>
+            </a:r>
+            <a:r>
+              <a:rPr lang="en-US" altLang="ko-KR" sz="1400" dirty="0" smtClean="0"/>
+              <a:t>Simple</a:t>
+            </a:r>
+            <a:r>
+              <a:rPr lang="ko-KR" altLang="en-US" sz="1400" dirty="0" smtClean="0"/>
+              <a:t>해졌죠</a:t>
+            </a:r>
+            <a:r>
+              <a:rPr lang="en-US" altLang="ko-KR" sz="1400" dirty="0" smtClean="0"/>
+              <a:t>?</a:t>
+            </a:r>
+            <a:endParaRPr lang="ko-KR" altLang="en-US" sz="1400" dirty="0"/>
+          </a:p>
+        </p:txBody>
+      </p:sp>
+      <p:sp>
+        <p:nvSpPr>
+          <p:cNvPr id="10" name="왼쪽 화살표 9"/>
+          <p:cNvSpPr/>
+          <p:nvPr/>
+        </p:nvSpPr>
+        <p:spPr>
+          <a:xfrm>
+            <a:off x="8397444" y="5381189"/>
+            <a:ext cx="576064" cy="328654"/>
+          </a:xfrm>
+          <a:prstGeom prst="leftArrow">
+            <a:avLst/>
+          </a:prstGeom>
+        </p:spPr>
+        <p:style>
+          <a:lnRef idx="2">
+            <a:schemeClr val="accent1">
+              <a:shade val="50000"/>
+            </a:schemeClr>
+          </a:lnRef>
+          <a:fillRef idx="1">
+            <a:schemeClr val="accent1"/>
+          </a:fillRef>
+          <a:effectRef idx="0">
+            <a:schemeClr val="accent1"/>
+          </a:effectRef>
+          <a:fontRef idx="minor">
+            <a:schemeClr val="lt1"/>
+          </a:fontRef>
+        </p:style>
+        <p:txBody>
+          <a:bodyPr rtlCol="0" anchor="ctr"/>
+          <a:lstStyle/>
+          <a:p>
+            <a:pPr algn="ctr"/>
+            <a:endParaRPr lang="ko-KR" altLang="en-US"/>
+          </a:p>
+        </p:txBody>
+      </p:sp>
+    </p:spTree>
+    <p:extLst>
+      <p:ext uri="{BB962C8B-B14F-4D97-AF65-F5344CB8AC3E}">
+        <p14:creationId xmlns:p14="http://schemas.microsoft.com/office/powerpoint/2010/main" val="1730195748"/>
+      </p:ext>
+    </p:extLst>
+  </p:cSld>
+  <p:clrMapOvr>
+    <a:masterClrMapping/>
+  </p:clrMapOvr>
+  <p:timing>
+    <p:tnLst>
+      <p:par>
+        <p:cTn id="1" dur="indefinite" restart="never" nodeType="tmRoot"/>
+      </p:par>
+    </p:tnLst>
+  </p:timing>
+</p:sld>
+</file>
+
+<file path=ppt/slides/slide71.xml><?xml version="1.0" encoding="utf-8"?>
+<p:sld xmlns:a="http://schemas.openxmlformats.org/drawingml/2006/main" xmlns:r="http://schemas.openxmlformats.org/officeDocument/2006/relationships" xmlns:p="http://schemas.openxmlformats.org/presentationml/2006/main">
+  <p:cSld>
+    <p:spTree>
+      <p:nvGrpSpPr>
+        <p:cNvPr id="1" name=""/>
+        <p:cNvGrpSpPr/>
+        <p:nvPr/>
+      </p:nvGrpSpPr>
+      <p:grpSpPr>
+        <a:xfrm>
+          <a:off x="0" y="0"/>
+          <a:ext cx="0" cy="0"/>
+          <a:chOff x="0" y="0"/>
+          <a:chExt cx="0" cy="0"/>
+        </a:xfrm>
+      </p:grpSpPr>
+      <p:sp>
+        <p:nvSpPr>
+          <p:cNvPr id="2" name="슬라이드 번호 개체 틀 1">
+            <a:extLst>
+              <a:ext uri="{FF2B5EF4-FFF2-40B4-BE49-F238E27FC236}">
+                <a16:creationId xmlns:a16="http://schemas.microsoft.com/office/drawing/2014/main" id="{1FA164C2-2126-40C6-89DC-721C7FDD0CE2}"/>
+              </a:ext>
+            </a:extLst>
+          </p:cNvPr>
+          <p:cNvSpPr>
+            <a:spLocks noGrp="1"/>
+          </p:cNvSpPr>
+          <p:nvPr>
+            <p:ph type="sldNum" sz="quarter" idx="12"/>
+          </p:nvPr>
+        </p:nvSpPr>
+        <p:spPr/>
+        <p:txBody>
+          <a:bodyPr/>
+          <a:lstStyle/>
+          <a:p>
+            <a:fld id="{9085FD98-BA4B-4537-9251-5519BF532862}" type="slidenum">
+              <a:rPr lang="ko-KR" altLang="en-US" smtClean="0"/>
+              <a:pPr/>
+              <a:t>71</a:t>
+            </a:fld>
+            <a:endParaRPr lang="ko-KR" altLang="en-US" dirty="0"/>
+          </a:p>
+        </p:txBody>
+      </p:sp>
+      <p:sp>
+        <p:nvSpPr>
+          <p:cNvPr id="4" name="제목 1">
+            <a:extLst>
+              <a:ext uri="{FF2B5EF4-FFF2-40B4-BE49-F238E27FC236}">
+                <a16:creationId xmlns:a16="http://schemas.microsoft.com/office/drawing/2014/main" id="{8505B4B2-2AEB-4AA6-B6FA-F775CF41E87C}"/>
+              </a:ext>
+            </a:extLst>
+          </p:cNvPr>
+          <p:cNvSpPr txBox="1">
+            <a:spLocks/>
+          </p:cNvSpPr>
+          <p:nvPr/>
+        </p:nvSpPr>
+        <p:spPr>
+          <a:xfrm>
+            <a:off x="2099640" y="3284984"/>
+            <a:ext cx="4998981" cy="936104"/>
+          </a:xfrm>
+          <a:prstGeom prst="rect">
+            <a:avLst/>
+          </a:prstGeom>
+        </p:spPr>
+        <p:txBody>
+          <a:bodyPr/>
+          <a:lstStyle>
+            <a:lvl1pPr marL="0" marR="0" indent="0" algn="l" defTabSz="685800" rtl="0" latinLnBrk="0">
+              <a:lnSpc>
+                <a:spcPct val="90000"/>
+              </a:lnSpc>
+              <a:spcBef>
+                <a:spcPts val="0"/>
+              </a:spcBef>
+              <a:spcAft>
+                <a:spcPts val="0"/>
+              </a:spcAft>
+              <a:buClrTx/>
+              <a:buSzTx/>
+              <a:buFontTx/>
+              <a:buNone/>
+              <a:tabLst/>
+              <a:defRPr sz="2700" b="1" i="0" u="none" strike="noStrike" cap="none" spc="0" baseline="0">
+                <a:ln w="9524">
+                  <a:solidFill>
+                    <a:srgbClr val="32538F">
+                      <a:alpha val="0"/>
+                    </a:srgbClr>
+                  </a:solidFill>
+                </a:ln>
+                <a:solidFill>
+                  <a:schemeClr val="tx1"/>
+                </a:solidFill>
+                <a:uFillTx/>
+                <a:latin typeface="+mn-lt"/>
+                <a:ea typeface="+mn-ea"/>
+                <a:cs typeface="+mn-cs"/>
+                <a:sym typeface="Helvetica"/>
+              </a:defRPr>
+            </a:lvl1pPr>
+            <a:lvl2pPr marL="0" marR="0" indent="0" algn="l" defTabSz="685800" rtl="0" latinLnBrk="0">
+              <a:lnSpc>
+                <a:spcPct val="90000"/>
+              </a:lnSpc>
+              <a:spcBef>
+                <a:spcPts val="0"/>
+              </a:spcBef>
+              <a:spcAft>
+                <a:spcPts val="0"/>
+              </a:spcAft>
+              <a:buClrTx/>
+              <a:buSzTx/>
+              <a:buFontTx/>
+              <a:buNone/>
+              <a:tabLst/>
+              <a:defRPr sz="2700" b="1" i="0" u="none" strike="noStrike" cap="none" spc="0" baseline="0">
+                <a:ln w="9524">
+                  <a:solidFill>
+                    <a:srgbClr val="32538F">
+                      <a:alpha val="0"/>
+                    </a:srgbClr>
+                  </a:solidFill>
+                </a:ln>
+                <a:solidFill>
+                  <a:schemeClr val="accent5"/>
+                </a:solidFill>
+                <a:uFillTx/>
+                <a:latin typeface="+mn-lt"/>
+                <a:ea typeface="+mn-ea"/>
+                <a:cs typeface="+mn-cs"/>
+                <a:sym typeface="Helvetica"/>
+              </a:defRPr>
+            </a:lvl2pPr>
+            <a:lvl3pPr marL="0" marR="0" indent="0" algn="l" defTabSz="685800" rtl="0" latinLnBrk="0">
+              <a:lnSpc>
+                <a:spcPct val="90000"/>
+              </a:lnSpc>
+              <a:spcBef>
+                <a:spcPts val="0"/>
+              </a:spcBef>
+              <a:spcAft>
+                <a:spcPts val="0"/>
+              </a:spcAft>
+              <a:buClrTx/>
+              <a:buSzTx/>
+              <a:buFontTx/>
+              <a:buNone/>
+              <a:tabLst/>
+              <a:defRPr sz="2700" b="1" i="0" u="none" strike="noStrike" cap="none" spc="0" baseline="0">
+                <a:ln w="9524">
+                  <a:solidFill>
+                    <a:srgbClr val="32538F">
+                      <a:alpha val="0"/>
+                    </a:srgbClr>
+                  </a:solidFill>
+                </a:ln>
+                <a:solidFill>
+                  <a:schemeClr val="accent5"/>
+                </a:solidFill>
+                <a:uFillTx/>
+                <a:latin typeface="+mn-lt"/>
+                <a:ea typeface="+mn-ea"/>
+                <a:cs typeface="+mn-cs"/>
+                <a:sym typeface="Helvetica"/>
+              </a:defRPr>
+            </a:lvl3pPr>
+            <a:lvl4pPr marL="0" marR="0" indent="0" algn="l" defTabSz="685800" rtl="0" latinLnBrk="0">
+              <a:lnSpc>
+                <a:spcPct val="90000"/>
+              </a:lnSpc>
+              <a:spcBef>
+                <a:spcPts val="0"/>
+              </a:spcBef>
+              <a:spcAft>
+                <a:spcPts val="0"/>
+              </a:spcAft>
+              <a:buClrTx/>
+              <a:buSzTx/>
+              <a:buFontTx/>
+              <a:buNone/>
+              <a:tabLst/>
+              <a:defRPr sz="2700" b="1" i="0" u="none" strike="noStrike" cap="none" spc="0" baseline="0">
+                <a:ln w="9524">
+                  <a:solidFill>
+                    <a:srgbClr val="32538F">
+                      <a:alpha val="0"/>
+                    </a:srgbClr>
+                  </a:solidFill>
+                </a:ln>
+                <a:solidFill>
+                  <a:schemeClr val="accent5"/>
+                </a:solidFill>
+                <a:uFillTx/>
+                <a:latin typeface="+mn-lt"/>
+                <a:ea typeface="+mn-ea"/>
+                <a:cs typeface="+mn-cs"/>
+                <a:sym typeface="Helvetica"/>
+              </a:defRPr>
+            </a:lvl4pPr>
+            <a:lvl5pPr marL="0" marR="0" indent="0" algn="l" defTabSz="685800" rtl="0" latinLnBrk="0">
+              <a:lnSpc>
+                <a:spcPct val="90000"/>
+              </a:lnSpc>
+              <a:spcBef>
+                <a:spcPts val="0"/>
+              </a:spcBef>
+              <a:spcAft>
+                <a:spcPts val="0"/>
+              </a:spcAft>
+              <a:buClrTx/>
+              <a:buSzTx/>
+              <a:buFontTx/>
+              <a:buNone/>
+              <a:tabLst/>
+              <a:defRPr sz="2700" b="1" i="0" u="none" strike="noStrike" cap="none" spc="0" baseline="0">
+                <a:ln w="9524">
+                  <a:solidFill>
+                    <a:srgbClr val="32538F">
+                      <a:alpha val="0"/>
+                    </a:srgbClr>
+                  </a:solidFill>
+                </a:ln>
+                <a:solidFill>
+                  <a:schemeClr val="accent5"/>
+                </a:solidFill>
+                <a:uFillTx/>
+                <a:latin typeface="+mn-lt"/>
+                <a:ea typeface="+mn-ea"/>
+                <a:cs typeface="+mn-cs"/>
+                <a:sym typeface="Helvetica"/>
+              </a:defRPr>
+            </a:lvl5pPr>
+            <a:lvl6pPr marL="0" marR="0" indent="0" algn="l" defTabSz="685800" rtl="0" latinLnBrk="0">
+              <a:lnSpc>
+                <a:spcPct val="90000"/>
+              </a:lnSpc>
+              <a:spcBef>
+                <a:spcPts val="0"/>
+              </a:spcBef>
+              <a:spcAft>
+                <a:spcPts val="0"/>
+              </a:spcAft>
+              <a:buClrTx/>
+              <a:buSzTx/>
+              <a:buFontTx/>
+              <a:buNone/>
+              <a:tabLst/>
+              <a:defRPr sz="2700" b="1" i="0" u="none" strike="noStrike" cap="none" spc="0" baseline="0">
+                <a:ln w="9524">
+                  <a:solidFill>
+                    <a:srgbClr val="32538F">
+                      <a:alpha val="0"/>
+                    </a:srgbClr>
+                  </a:solidFill>
+                </a:ln>
+                <a:solidFill>
+                  <a:schemeClr val="accent5"/>
+                </a:solidFill>
+                <a:uFillTx/>
+                <a:latin typeface="+mn-lt"/>
+                <a:ea typeface="+mn-ea"/>
+                <a:cs typeface="+mn-cs"/>
+                <a:sym typeface="Helvetica"/>
+              </a:defRPr>
+            </a:lvl6pPr>
+            <a:lvl7pPr marL="0" marR="0" indent="0" algn="l" defTabSz="685800" rtl="0" latinLnBrk="0">
+              <a:lnSpc>
+                <a:spcPct val="90000"/>
+              </a:lnSpc>
+              <a:spcBef>
+                <a:spcPts val="0"/>
+              </a:spcBef>
+              <a:spcAft>
+                <a:spcPts val="0"/>
+              </a:spcAft>
+              <a:buClrTx/>
+              <a:buSzTx/>
+              <a:buFontTx/>
+              <a:buNone/>
+              <a:tabLst/>
+              <a:defRPr sz="2700" b="1" i="0" u="none" strike="noStrike" cap="none" spc="0" baseline="0">
+                <a:ln w="9524">
+                  <a:solidFill>
+                    <a:srgbClr val="32538F">
+                      <a:alpha val="0"/>
+                    </a:srgbClr>
+                  </a:solidFill>
+                </a:ln>
+                <a:solidFill>
+                  <a:schemeClr val="accent5"/>
+                </a:solidFill>
+                <a:uFillTx/>
+                <a:latin typeface="+mn-lt"/>
+                <a:ea typeface="+mn-ea"/>
+                <a:cs typeface="+mn-cs"/>
+                <a:sym typeface="Helvetica"/>
+              </a:defRPr>
+            </a:lvl7pPr>
+            <a:lvl8pPr marL="0" marR="0" indent="0" algn="l" defTabSz="685800" rtl="0" latinLnBrk="0">
+              <a:lnSpc>
+                <a:spcPct val="90000"/>
+              </a:lnSpc>
+              <a:spcBef>
+                <a:spcPts val="0"/>
+              </a:spcBef>
+              <a:spcAft>
+                <a:spcPts val="0"/>
+              </a:spcAft>
+              <a:buClrTx/>
+              <a:buSzTx/>
+              <a:buFontTx/>
+              <a:buNone/>
+              <a:tabLst/>
+              <a:defRPr sz="2700" b="1" i="0" u="none" strike="noStrike" cap="none" spc="0" baseline="0">
+                <a:ln w="9524">
+                  <a:solidFill>
+                    <a:srgbClr val="32538F">
+                      <a:alpha val="0"/>
+                    </a:srgbClr>
+                  </a:solidFill>
+                </a:ln>
+                <a:solidFill>
+                  <a:schemeClr val="accent5"/>
+                </a:solidFill>
+                <a:uFillTx/>
+                <a:latin typeface="+mn-lt"/>
+                <a:ea typeface="+mn-ea"/>
+                <a:cs typeface="+mn-cs"/>
+                <a:sym typeface="Helvetica"/>
+              </a:defRPr>
+            </a:lvl8pPr>
+            <a:lvl9pPr marL="0" marR="0" indent="0" algn="l" defTabSz="685800" rtl="0" latinLnBrk="0">
+              <a:lnSpc>
+                <a:spcPct val="90000"/>
+              </a:lnSpc>
+              <a:spcBef>
+                <a:spcPts val="0"/>
+              </a:spcBef>
+              <a:spcAft>
+                <a:spcPts val="0"/>
+              </a:spcAft>
+              <a:buClrTx/>
+              <a:buSzTx/>
+              <a:buFontTx/>
+              <a:buNone/>
+              <a:tabLst/>
+              <a:defRPr sz="2700" b="1" i="0" u="none" strike="noStrike" cap="none" spc="0" baseline="0">
+                <a:ln w="9524">
+                  <a:solidFill>
+                    <a:srgbClr val="32538F">
+                      <a:alpha val="0"/>
+                    </a:srgbClr>
+                  </a:solidFill>
+                </a:ln>
+                <a:solidFill>
+                  <a:schemeClr val="accent5"/>
+                </a:solidFill>
+                <a:uFillTx/>
+                <a:latin typeface="+mn-lt"/>
+                <a:ea typeface="+mn-ea"/>
+                <a:cs typeface="+mn-cs"/>
+                <a:sym typeface="Helvetica"/>
+              </a:defRPr>
+            </a:lvl9pPr>
+          </a:lstStyle>
+          <a:p>
+            <a:pPr algn="r" hangingPunct="1">
+              <a:defRPr sz="4400">
+                <a:solidFill>
+                  <a:srgbClr val="FFFFFF"/>
+                </a:solidFill>
+              </a:defRPr>
+            </a:pPr>
+            <a:r>
+              <a:rPr lang="en-US" altLang="ko-KR" sz="3200" dirty="0" smtClean="0">
+                <a:solidFill>
+                  <a:srgbClr val="FFFFFF"/>
+                </a:solidFill>
+                <a:latin typeface="나눔고딕" panose="020D0604000000000000" pitchFamily="50" charset="-127"/>
+                <a:ea typeface="나눔고딕" panose="020D0604000000000000" pitchFamily="50" charset="-127"/>
+              </a:rPr>
+              <a:t>Android Studio</a:t>
+            </a:r>
+          </a:p>
+          <a:p>
+            <a:pPr algn="r" hangingPunct="1">
+              <a:defRPr sz="4400">
+                <a:solidFill>
+                  <a:srgbClr val="FFFFFF"/>
+                </a:solidFill>
+              </a:defRPr>
+            </a:pPr>
+            <a:r>
+              <a:rPr lang="en-US" altLang="ko-KR" sz="2400" dirty="0" smtClean="0">
+                <a:solidFill>
+                  <a:srgbClr val="FFFFFF"/>
+                </a:solidFill>
+                <a:latin typeface="나눔고딕" panose="020D0604000000000000" pitchFamily="50" charset="-127"/>
+                <a:ea typeface="나눔고딕" panose="020D0604000000000000" pitchFamily="50" charset="-127"/>
+              </a:rPr>
+              <a:t>Making Widgets</a:t>
+            </a:r>
+            <a:endParaRPr lang="en-US" altLang="ko-KR" sz="2400" dirty="0">
+              <a:solidFill>
+                <a:srgbClr val="FFFFFF"/>
+              </a:solidFill>
+              <a:latin typeface="나눔고딕" panose="020D0604000000000000" pitchFamily="50" charset="-127"/>
+              <a:ea typeface="나눔고딕" panose="020D0604000000000000" pitchFamily="50" charset="-127"/>
+            </a:endParaRPr>
+          </a:p>
+        </p:txBody>
+      </p:sp>
+      <p:sp>
+        <p:nvSpPr>
+          <p:cNvPr id="5" name="제목 1">
+            <a:extLst>
+              <a:ext uri="{FF2B5EF4-FFF2-40B4-BE49-F238E27FC236}">
+                <a16:creationId xmlns:a16="http://schemas.microsoft.com/office/drawing/2014/main" id="{FAAAC739-984E-4671-8E8D-A38DC0A18EDF}"/>
+              </a:ext>
+            </a:extLst>
+          </p:cNvPr>
+          <p:cNvSpPr txBox="1">
+            <a:spLocks/>
+          </p:cNvSpPr>
+          <p:nvPr/>
+        </p:nvSpPr>
+        <p:spPr>
+          <a:xfrm>
+            <a:off x="119336" y="2708920"/>
+            <a:ext cx="936104" cy="360040"/>
+          </a:xfrm>
+          <a:prstGeom prst="rect">
+            <a:avLst/>
+          </a:prstGeom>
+        </p:spPr>
+        <p:txBody>
+          <a:bodyPr/>
+          <a:lstStyle>
+            <a:defPPr>
+              <a:defRPr lang="ko-KR"/>
+            </a:defPPr>
+            <a:lvl1pPr marL="0" algn="l" defTabSz="914400" rtl="0" eaLnBrk="1" latinLnBrk="1" hangingPunct="1">
+              <a:defRPr sz="1800" kern="1200">
+                <a:solidFill>
+                  <a:schemeClr val="tx1"/>
+                </a:solidFill>
+                <a:latin typeface="+mn-lt"/>
+                <a:ea typeface="+mn-ea"/>
+                <a:cs typeface="+mn-cs"/>
+              </a:defRPr>
+            </a:lvl1pPr>
+            <a:lvl2pPr marL="457200" algn="l" defTabSz="914400" rtl="0" eaLnBrk="1" latinLnBrk="1" hangingPunct="1">
+              <a:defRPr sz="1800" kern="1200">
+                <a:solidFill>
+                  <a:schemeClr val="tx1"/>
+                </a:solidFill>
+                <a:latin typeface="+mn-lt"/>
+                <a:ea typeface="+mn-ea"/>
+                <a:cs typeface="+mn-cs"/>
+              </a:defRPr>
+            </a:lvl2pPr>
+            <a:lvl3pPr marL="914400" algn="l" defTabSz="914400" rtl="0" eaLnBrk="1" latinLnBrk="1" hangingPunct="1">
+              <a:defRPr sz="1800" kern="1200">
+                <a:solidFill>
+                  <a:schemeClr val="tx1"/>
+                </a:solidFill>
+                <a:latin typeface="+mn-lt"/>
+                <a:ea typeface="+mn-ea"/>
+                <a:cs typeface="+mn-cs"/>
+              </a:defRPr>
+            </a:lvl3pPr>
+            <a:lvl4pPr marL="1371600" algn="l" defTabSz="914400" rtl="0" eaLnBrk="1" latinLnBrk="1" hangingPunct="1">
+              <a:defRPr sz="1800" kern="1200">
+                <a:solidFill>
+                  <a:schemeClr val="tx1"/>
+                </a:solidFill>
+                <a:latin typeface="+mn-lt"/>
+                <a:ea typeface="+mn-ea"/>
+                <a:cs typeface="+mn-cs"/>
+              </a:defRPr>
+            </a:lvl4pPr>
+            <a:lvl5pPr marL="1828800" algn="l" defTabSz="914400" rtl="0" eaLnBrk="1" latinLnBrk="1" hangingPunct="1">
+              <a:defRPr sz="1800" kern="1200">
+                <a:solidFill>
+                  <a:schemeClr val="tx1"/>
+                </a:solidFill>
+                <a:latin typeface="+mn-lt"/>
+                <a:ea typeface="+mn-ea"/>
+                <a:cs typeface="+mn-cs"/>
+              </a:defRPr>
+            </a:lvl5pPr>
+            <a:lvl6pPr marL="2286000" algn="l" defTabSz="914400" rtl="0" eaLnBrk="1" latinLnBrk="1" hangingPunct="1">
+              <a:defRPr sz="1800" kern="1200">
+                <a:solidFill>
+                  <a:schemeClr val="tx1"/>
+                </a:solidFill>
+                <a:latin typeface="+mn-lt"/>
+                <a:ea typeface="+mn-ea"/>
+                <a:cs typeface="+mn-cs"/>
+              </a:defRPr>
+            </a:lvl6pPr>
+            <a:lvl7pPr marL="2743200" algn="l" defTabSz="914400" rtl="0" eaLnBrk="1" latinLnBrk="1" hangingPunct="1">
+              <a:defRPr sz="1800" kern="1200">
+                <a:solidFill>
+                  <a:schemeClr val="tx1"/>
+                </a:solidFill>
+                <a:latin typeface="+mn-lt"/>
+                <a:ea typeface="+mn-ea"/>
+                <a:cs typeface="+mn-cs"/>
+              </a:defRPr>
+            </a:lvl7pPr>
+            <a:lvl8pPr marL="3200400" algn="l" defTabSz="914400" rtl="0" eaLnBrk="1" latinLnBrk="1" hangingPunct="1">
+              <a:defRPr sz="1800" kern="1200">
+                <a:solidFill>
+                  <a:schemeClr val="tx1"/>
+                </a:solidFill>
+                <a:latin typeface="+mn-lt"/>
+                <a:ea typeface="+mn-ea"/>
+                <a:cs typeface="+mn-cs"/>
+              </a:defRPr>
+            </a:lvl8pPr>
+            <a:lvl9pPr marL="3657600" algn="l" defTabSz="914400" rtl="0" eaLnBrk="1" latinLnBrk="1" hangingPunct="1">
+              <a:defRPr sz="1800" kern="1200">
+                <a:solidFill>
+                  <a:schemeClr val="tx1"/>
+                </a:solidFill>
+                <a:latin typeface="+mn-lt"/>
+                <a:ea typeface="+mn-ea"/>
+                <a:cs typeface="+mn-cs"/>
+              </a:defRPr>
+            </a:lvl9pPr>
+          </a:lstStyle>
+          <a:p>
+            <a:pPr algn="ctr" hangingPunct="1">
+              <a:defRPr sz="4400">
+                <a:solidFill>
+                  <a:srgbClr val="FFFFFF"/>
+                </a:solidFill>
+              </a:defRPr>
+            </a:pPr>
+            <a:r>
+              <a:rPr lang="en-US" altLang="ko-KR" sz="2000" dirty="0" smtClean="0">
+                <a:solidFill>
+                  <a:srgbClr val="FFFFFF"/>
+                </a:solidFill>
+                <a:latin typeface="나눔고딕" panose="020D0604000000000000" pitchFamily="50" charset="-127"/>
+                <a:ea typeface="나눔고딕" panose="020D0604000000000000" pitchFamily="50" charset="-127"/>
+              </a:rPr>
+              <a:t>07</a:t>
+            </a:r>
+            <a:endParaRPr lang="en-US" altLang="ko-KR" sz="1200" dirty="0">
+              <a:solidFill>
+                <a:srgbClr val="FFFFFF"/>
+              </a:solidFill>
+              <a:latin typeface="나눔고딕" panose="020D0604000000000000" pitchFamily="50" charset="-127"/>
+              <a:ea typeface="나눔고딕" panose="020D0604000000000000" pitchFamily="50" charset="-127"/>
+            </a:endParaRPr>
+          </a:p>
+        </p:txBody>
+      </p:sp>
+    </p:spTree>
+    <p:extLst>
+      <p:ext uri="{BB962C8B-B14F-4D97-AF65-F5344CB8AC3E}">
+        <p14:creationId xmlns:p14="http://schemas.microsoft.com/office/powerpoint/2010/main" val="3036552480"/>
+      </p:ext>
+    </p:extLst>
+  </p:cSld>
+  <p:clrMapOvr>
+    <a:masterClrMapping/>
+  </p:clrMapOvr>
+  <p:timing>
+    <p:tnLst>
+      <p:par>
+        <p:cTn id="1" dur="indefinite" restart="never" nodeType="tmRoot"/>
+      </p:par>
+    </p:tnLst>
+  </p:timing>
 </p:sld>
 </file>
 
@@ -43109,6 +48705,13 @@
   <p:clrMapOvr>
     <a:masterClrMapping/>
   </p:clrMapOvr>
+  <p:timing>
+    <p:tnLst>
+      <p:par>
+        <p:cTn id="1" dur="indefinite" restart="never" nodeType="tmRoot"/>
+      </p:par>
+    </p:tnLst>
+  </p:timing>
 </p:sld>
 </file>
 
@@ -43646,6 +49249,13 @@
   <p:clrMapOvr>
     <a:masterClrMapping/>
   </p:clrMapOvr>
+  <p:timing>
+    <p:tnLst>
+      <p:par>
+        <p:cTn id="1" dur="indefinite" restart="never" nodeType="tmRoot"/>
+      </p:par>
+    </p:tnLst>
+  </p:timing>
 </p:sld>
 </file>
 

--- a/ppts/07Widget.pptx
+++ b/ppts/07Widget.pptx
@@ -5,7 +5,7 @@
     <p:sldMasterId id="2147483696" r:id="rId1"/>
   </p:sldMasterIdLst>
   <p:notesMasterIdLst>
-    <p:notesMasterId r:id="rId73"/>
+    <p:notesMasterId r:id="rId74"/>
   </p:notesMasterIdLst>
   <p:sldIdLst>
     <p:sldId id="339" r:id="rId2"/>
@@ -68,17 +68,18 @@
     <p:sldId id="1255" r:id="rId59"/>
     <p:sldId id="1254" r:id="rId60"/>
     <p:sldId id="1256" r:id="rId61"/>
-    <p:sldId id="1257" r:id="rId62"/>
-    <p:sldId id="1259" r:id="rId63"/>
-    <p:sldId id="1261" r:id="rId64"/>
-    <p:sldId id="1262" r:id="rId65"/>
-    <p:sldId id="1263" r:id="rId66"/>
-    <p:sldId id="1264" r:id="rId67"/>
-    <p:sldId id="1265" r:id="rId68"/>
-    <p:sldId id="1266" r:id="rId69"/>
-    <p:sldId id="1267" r:id="rId70"/>
-    <p:sldId id="1268" r:id="rId71"/>
-    <p:sldId id="1258" r:id="rId72"/>
+    <p:sldId id="1269" r:id="rId62"/>
+    <p:sldId id="1257" r:id="rId63"/>
+    <p:sldId id="1259" r:id="rId64"/>
+    <p:sldId id="1261" r:id="rId65"/>
+    <p:sldId id="1262" r:id="rId66"/>
+    <p:sldId id="1263" r:id="rId67"/>
+    <p:sldId id="1264" r:id="rId68"/>
+    <p:sldId id="1265" r:id="rId69"/>
+    <p:sldId id="1266" r:id="rId70"/>
+    <p:sldId id="1267" r:id="rId71"/>
+    <p:sldId id="1268" r:id="rId72"/>
+    <p:sldId id="1258" r:id="rId73"/>
   </p:sldIdLst>
   <p:sldSz cx="12192000" cy="6858000"/>
   <p:notesSz cx="6858000" cy="9144000"/>
@@ -2288,7 +2289,7 @@
           </a:ln>
           <a:extLst>
             <a:ext uri="{C572A759-6A51-4108-AA02-DFA0A04FC94B}">
-              <ma14:wrappingTextBoxFlag xmlns:ma14="http://schemas.microsoft.com/office/mac/drawingml/2011/main" xmlns="" val="1"/>
+              <ma14:wrappingTextBoxFlag xmlns="" xmlns:ma14="http://schemas.microsoft.com/office/mac/drawingml/2011/main" val="1"/>
             </a:ext>
           </a:extLst>
         </p:spPr>
@@ -26381,13 +26382,7 @@
               <a:rPr lang="en-US" altLang="ko-KR" sz="1400" dirty="0" err="1" smtClean="0">
                 <a:latin typeface="Consolas" panose="020B0609020204030204" pitchFamily="49" charset="0"/>
               </a:rPr>
-              <a:t>parent</a:t>
-            </a:r>
-            <a:r>
-              <a:rPr lang="en-US" altLang="ko-KR" sz="1400" dirty="0" err="1" smtClean="0">
-                <a:latin typeface="Consolas" panose="020B0609020204030204" pitchFamily="49" charset="0"/>
-              </a:rPr>
-              <a:t>.getContext</a:t>
+              <a:t>parent.getContext</a:t>
             </a:r>
             <a:r>
               <a:rPr lang="en-US" altLang="ko-KR" sz="1400" dirty="0">
@@ -26452,13 +26447,7 @@
               <a:rPr lang="en-US" altLang="ko-KR" sz="1400" dirty="0" smtClean="0">
                 <a:latin typeface="Consolas" panose="020B0609020204030204" pitchFamily="49" charset="0"/>
               </a:rPr>
-              <a:t>parent</a:t>
-            </a:r>
-            <a:r>
-              <a:rPr lang="en-US" altLang="ko-KR" sz="1400" dirty="0" smtClean="0">
-                <a:latin typeface="Consolas" panose="020B0609020204030204" pitchFamily="49" charset="0"/>
-              </a:rPr>
-              <a:t>, </a:t>
+              <a:t>parent, </a:t>
             </a:r>
             <a:r>
               <a:rPr lang="en-US" altLang="ko-KR" sz="1400" dirty="0">
@@ -34296,11 +34285,7 @@
             </a:r>
             <a:r>
               <a:rPr lang="ko-KR" altLang="en-US" dirty="0" smtClean="0"/>
-              <a:t>를 </a:t>
-            </a:r>
-            <a:r>
-              <a:rPr lang="ko-KR" altLang="en-US" dirty="0" smtClean="0"/>
-              <a:t>입력하고</a:t>
+              <a:t>를 입력하고</a:t>
             </a:r>
             <a:r>
               <a:rPr lang="en-US" altLang="ko-KR" dirty="0" smtClean="0"/>
@@ -35066,16 +35051,7 @@
                 </a:solidFill>
                 <a:latin typeface="Consolas" panose="020B0609020204030204" pitchFamily="49" charset="0"/>
               </a:rPr>
-              <a:t> </a:t>
-            </a:r>
-            <a:r>
-              <a:rPr lang="en-US" altLang="ko-KR" sz="1600" b="1" dirty="0" smtClean="0">
-                <a:solidFill>
-                  <a:srgbClr val="C00000"/>
-                </a:solidFill>
-                <a:latin typeface="Consolas" panose="020B0609020204030204" pitchFamily="49" charset="0"/>
-              </a:rPr>
-              <a:t>listener</a:t>
+              <a:t> listener</a:t>
             </a:r>
             <a:r>
               <a:rPr lang="en-US" altLang="ko-KR" sz="1600" dirty="0">
@@ -40201,46 +40177,124 @@
             </a:pPr>
             <a:r>
               <a:rPr lang="en-US" altLang="ko-KR" dirty="0" smtClean="0"/>
-              <a:t>Step 3: </a:t>
-            </a:r>
-          </a:p>
-          <a:p>
+              <a:t>Step 2 </a:t>
+            </a:r>
+            <a:r>
+              <a:rPr lang="ko-KR" altLang="en-US" dirty="0" smtClean="0"/>
+              <a:t>계속</a:t>
+            </a:r>
             <a:r>
               <a:rPr lang="en-US" altLang="ko-KR" dirty="0" smtClean="0"/>
-              <a:t>MainActivity</a:t>
-            </a:r>
+              <a:t>: </a:t>
+            </a:r>
+          </a:p>
+          <a:p>
             <a:r>
               <a:rPr lang="ko-KR" altLang="en-US" dirty="0" smtClean="0"/>
-              <a:t>에서 탭</a:t>
+              <a:t>선택된 </a:t>
             </a:r>
             <a:r>
               <a:rPr lang="en-US" altLang="ko-KR" dirty="0" smtClean="0"/>
-              <a:t>/Click </a:t>
+              <a:t>item</a:t>
             </a:r>
             <a:r>
               <a:rPr lang="ko-KR" altLang="en-US" dirty="0" smtClean="0"/>
-              <a:t>이벤트가 있을 때마다</a:t>
+              <a:t>들의 </a:t>
             </a:r>
             <a:r>
               <a:rPr lang="en-US" altLang="ko-KR" dirty="0" smtClean="0"/>
-              <a:t>, adapter</a:t>
+              <a:t>position</a:t>
             </a:r>
             <a:r>
               <a:rPr lang="ko-KR" altLang="en-US" dirty="0" smtClean="0"/>
-              <a:t>가 </a:t>
-            </a:r>
-            <a:r>
-              <a:rPr lang="en-US" altLang="ko-KR" dirty="0" smtClean="0"/>
-              <a:t>update</a:t>
+              <a:t>들을저장하는 </a:t>
+            </a:r>
+            <a:r>
+              <a:rPr lang="ko-KR" altLang="en-US" dirty="0" err="1" smtClean="0"/>
+              <a:t>인스턴수</a:t>
             </a:r>
             <a:r>
               <a:rPr lang="ko-KR" altLang="en-US" dirty="0" smtClean="0"/>
-              <a:t>한 리스트를 받아서 출력합니다</a:t>
+              <a:t> 변수를 선언합니다</a:t>
             </a:r>
             <a:r>
               <a:rPr lang="en-US" altLang="ko-KR" dirty="0" smtClean="0"/>
               <a:t>. </a:t>
             </a:r>
+            <a:r>
+              <a:rPr lang="ko-KR" altLang="en-US" dirty="0" smtClean="0"/>
+              <a:t>그와 관련한 </a:t>
+            </a:r>
+            <a:r>
+              <a:rPr lang="ko-KR" altLang="en-US" dirty="0" err="1" smtClean="0"/>
+              <a:t>메소드들을</a:t>
+            </a:r>
+            <a:r>
+              <a:rPr lang="ko-KR" altLang="en-US" dirty="0" smtClean="0"/>
+              <a:t> 구현합니다</a:t>
+            </a:r>
+            <a:r>
+              <a:rPr lang="en-US" altLang="ko-KR" dirty="0" smtClean="0"/>
+              <a:t>.</a:t>
+            </a:r>
+          </a:p>
+          <a:p>
+            <a:endParaRPr lang="en-US" altLang="ko-KR" dirty="0"/>
+          </a:p>
+          <a:p>
+            <a:r>
+              <a:rPr lang="en-US" altLang="ko-KR" dirty="0">
+                <a:latin typeface="Consolas" panose="020B0609020204030204" pitchFamily="49" charset="0"/>
+              </a:rPr>
+              <a:t>private </a:t>
+            </a:r>
+            <a:r>
+              <a:rPr lang="en-US" altLang="ko-KR" dirty="0" err="1">
+                <a:latin typeface="Consolas" panose="020B0609020204030204" pitchFamily="49" charset="0"/>
+              </a:rPr>
+              <a:t>ArrayList</a:t>
+            </a:r>
+            <a:r>
+              <a:rPr lang="en-US" altLang="ko-KR" dirty="0">
+                <a:latin typeface="Consolas" panose="020B0609020204030204" pitchFamily="49" charset="0"/>
+              </a:rPr>
+              <a:t>&lt;Integer&gt; </a:t>
+            </a:r>
+            <a:r>
+              <a:rPr lang="en-US" altLang="ko-KR" dirty="0" err="1">
+                <a:latin typeface="Consolas" panose="020B0609020204030204" pitchFamily="49" charset="0"/>
+              </a:rPr>
+              <a:t>itemsSelected</a:t>
+            </a:r>
+            <a:r>
+              <a:rPr lang="en-US" altLang="ko-KR" dirty="0">
+                <a:latin typeface="Consolas" panose="020B0609020204030204" pitchFamily="49" charset="0"/>
+              </a:rPr>
+              <a:t> = new </a:t>
+            </a:r>
+            <a:r>
+              <a:rPr lang="en-US" altLang="ko-KR" dirty="0" err="1">
+                <a:latin typeface="Consolas" panose="020B0609020204030204" pitchFamily="49" charset="0"/>
+              </a:rPr>
+              <a:t>ArrayList</a:t>
+            </a:r>
+            <a:r>
+              <a:rPr lang="en-US" altLang="ko-KR" dirty="0">
+                <a:latin typeface="Consolas" panose="020B0609020204030204" pitchFamily="49" charset="0"/>
+              </a:rPr>
+              <a:t>&lt;&gt;(); </a:t>
+            </a:r>
+            <a:endParaRPr lang="en-US" altLang="ko-KR" dirty="0" smtClean="0">
+              <a:latin typeface="Consolas" panose="020B0609020204030204" pitchFamily="49" charset="0"/>
+            </a:endParaRPr>
+          </a:p>
+          <a:p>
+            <a:endParaRPr lang="en-US" altLang="ko-KR" dirty="0"/>
+          </a:p>
+          <a:p>
+            <a:endParaRPr lang="en-US" altLang="ko-KR" dirty="0" smtClean="0"/>
+          </a:p>
+          <a:p>
             <a:endParaRPr lang="en-US" altLang="ko-KR" dirty="0"/>
           </a:p>
           <a:p>
@@ -40282,14 +40336,14 @@
       </p:sp>
       <p:sp>
         <p:nvSpPr>
-          <p:cNvPr id="5" name="직사각형 4"/>
+          <p:cNvPr id="6" name="직사각형 5"/>
           <p:cNvSpPr/>
           <p:nvPr/>
         </p:nvSpPr>
         <p:spPr>
           <a:xfrm>
-            <a:off x="453100" y="1746381"/>
-            <a:ext cx="11248112" cy="2462213"/>
+            <a:off x="453100" y="2348880"/>
+            <a:ext cx="11248112" cy="3970318"/>
           </a:xfrm>
           <a:prstGeom prst="rect">
             <a:avLst/>
@@ -40314,31 +40368,95 @@
           <a:lstStyle/>
           <a:p>
             <a:r>
-              <a:rPr lang="en-US" altLang="ko-KR" sz="1400" dirty="0" smtClean="0">
-                <a:latin typeface="Consolas" panose="020B0609020204030204" pitchFamily="49" charset="0"/>
-              </a:rPr>
-              <a:t>        </a:t>
-            </a:r>
-            <a:r>
-              <a:rPr lang="en-US" altLang="ko-KR" sz="1400" dirty="0" err="1">
-                <a:latin typeface="Consolas" panose="020B0609020204030204" pitchFamily="49" charset="0"/>
-              </a:rPr>
-              <a:t>adapter.setOnItemClickListener</a:t>
-            </a:r>
-            <a:r>
-              <a:rPr lang="en-US" altLang="ko-KR" sz="1400" dirty="0">
-                <a:latin typeface="Consolas" panose="020B0609020204030204" pitchFamily="49" charset="0"/>
-              </a:rPr>
-              <a:t>(new </a:t>
-            </a:r>
-            <a:r>
-              <a:rPr lang="en-US" altLang="ko-KR" sz="1400" dirty="0" err="1">
-                <a:latin typeface="Consolas" panose="020B0609020204030204" pitchFamily="49" charset="0"/>
-              </a:rPr>
-              <a:t>OnPersonItemClickListener</a:t>
-            </a:r>
-            <a:r>
-              <a:rPr lang="en-US" altLang="ko-KR" sz="1400" dirty="0">
+              <a:rPr lang="en-US" altLang="ko-KR" dirty="0">
+                <a:latin typeface="Consolas" panose="020B0609020204030204" pitchFamily="49" charset="0"/>
+              </a:rPr>
+              <a:t> </a:t>
+            </a:r>
+            <a:r>
+              <a:rPr lang="en-US" altLang="ko-KR" dirty="0" smtClean="0">
+                <a:latin typeface="Consolas" panose="020B0609020204030204" pitchFamily="49" charset="0"/>
+              </a:rPr>
+              <a:t>   private </a:t>
+            </a:r>
+            <a:r>
+              <a:rPr lang="en-US" altLang="ko-KR" dirty="0" err="1">
+                <a:latin typeface="Consolas" panose="020B0609020204030204" pitchFamily="49" charset="0"/>
+              </a:rPr>
+              <a:t>ArrayList</a:t>
+            </a:r>
+            <a:r>
+              <a:rPr lang="en-US" altLang="ko-KR" dirty="0">
+                <a:latin typeface="Consolas" panose="020B0609020204030204" pitchFamily="49" charset="0"/>
+              </a:rPr>
+              <a:t>&lt;Integer&gt; </a:t>
+            </a:r>
+            <a:r>
+              <a:rPr lang="en-US" altLang="ko-KR" dirty="0" err="1">
+                <a:latin typeface="Consolas" panose="020B0609020204030204" pitchFamily="49" charset="0"/>
+              </a:rPr>
+              <a:t>itemsSelected</a:t>
+            </a:r>
+            <a:r>
+              <a:rPr lang="en-US" altLang="ko-KR" dirty="0">
+                <a:latin typeface="Consolas" panose="020B0609020204030204" pitchFamily="49" charset="0"/>
+              </a:rPr>
+              <a:t> = new </a:t>
+            </a:r>
+            <a:r>
+              <a:rPr lang="en-US" altLang="ko-KR" dirty="0" err="1">
+                <a:latin typeface="Consolas" panose="020B0609020204030204" pitchFamily="49" charset="0"/>
+              </a:rPr>
+              <a:t>ArrayList</a:t>
+            </a:r>
+            <a:r>
+              <a:rPr lang="en-US" altLang="ko-KR" dirty="0">
+                <a:latin typeface="Consolas" panose="020B0609020204030204" pitchFamily="49" charset="0"/>
+              </a:rPr>
+              <a:t>&lt;&gt;(); </a:t>
+            </a:r>
+            <a:endParaRPr lang="en-US" altLang="ko-KR" dirty="0" smtClean="0">
+              <a:latin typeface="Consolas" panose="020B0609020204030204" pitchFamily="49" charset="0"/>
+            </a:endParaRPr>
+          </a:p>
+          <a:p>
+            <a:r>
+              <a:rPr lang="en-US" altLang="ko-KR" dirty="0" smtClean="0">
+                <a:latin typeface="Consolas" panose="020B0609020204030204" pitchFamily="49" charset="0"/>
+              </a:rPr>
+              <a:t> </a:t>
+            </a:r>
+            <a:endParaRPr lang="en-US" altLang="ko-KR" dirty="0">
+              <a:latin typeface="Consolas" panose="020B0609020204030204" pitchFamily="49" charset="0"/>
+            </a:endParaRPr>
+          </a:p>
+          <a:p>
+            <a:r>
+              <a:rPr lang="en-US" altLang="ko-KR" dirty="0">
+                <a:latin typeface="Consolas" panose="020B0609020204030204" pitchFamily="49" charset="0"/>
+              </a:rPr>
+              <a:t>    public </a:t>
+            </a:r>
+            <a:r>
+              <a:rPr lang="en-US" altLang="ko-KR" dirty="0" err="1">
+                <a:latin typeface="Consolas" panose="020B0609020204030204" pitchFamily="49" charset="0"/>
+              </a:rPr>
+              <a:t>ArrayList</a:t>
+            </a:r>
+            <a:r>
+              <a:rPr lang="en-US" altLang="ko-KR" dirty="0">
+                <a:latin typeface="Consolas" panose="020B0609020204030204" pitchFamily="49" charset="0"/>
+              </a:rPr>
+              <a:t>&lt;Integer&gt; </a:t>
+            </a:r>
+            <a:r>
+              <a:rPr lang="en-US" altLang="ko-KR" dirty="0" err="1">
+                <a:latin typeface="Consolas" panose="020B0609020204030204" pitchFamily="49" charset="0"/>
+              </a:rPr>
+              <a:t>getItemsSelected</a:t>
+            </a:r>
+            <a:r>
+              <a:rPr lang="en-US" altLang="ko-KR" dirty="0">
                 <a:latin typeface="Consolas" panose="020B0609020204030204" pitchFamily="49" charset="0"/>
               </a:rPr>
               <a:t>() {</a:t>
@@ -40346,192 +40464,439 @@
           </a:p>
           <a:p>
             <a:r>
-              <a:rPr lang="en-US" altLang="ko-KR" sz="1400" dirty="0">
-                <a:latin typeface="Consolas" panose="020B0609020204030204" pitchFamily="49" charset="0"/>
-              </a:rPr>
-              <a:t>            @Override</a:t>
-            </a:r>
-          </a:p>
-          <a:p>
-            <a:r>
-              <a:rPr lang="en-US" altLang="ko-KR" sz="1400" dirty="0">
-                <a:latin typeface="Consolas" panose="020B0609020204030204" pitchFamily="49" charset="0"/>
-              </a:rPr>
-              <a:t>            public void </a:t>
-            </a:r>
-            <a:r>
-              <a:rPr lang="en-US" altLang="ko-KR" sz="1400" dirty="0" err="1">
-                <a:latin typeface="Consolas" panose="020B0609020204030204" pitchFamily="49" charset="0"/>
-              </a:rPr>
-              <a:t>onItemClick</a:t>
-            </a:r>
-            <a:r>
-              <a:rPr lang="en-US" altLang="ko-KR" sz="1400" dirty="0">
-                <a:latin typeface="Consolas" panose="020B0609020204030204" pitchFamily="49" charset="0"/>
-              </a:rPr>
-              <a:t>(</a:t>
-            </a:r>
-            <a:r>
-              <a:rPr lang="en-US" altLang="ko-KR" sz="1400" dirty="0" err="1">
-                <a:latin typeface="Consolas" panose="020B0609020204030204" pitchFamily="49" charset="0"/>
-              </a:rPr>
-              <a:t>PersonAdapter.ViewHolder</a:t>
-            </a:r>
-            <a:r>
-              <a:rPr lang="en-US" altLang="ko-KR" sz="1400" dirty="0">
-                <a:latin typeface="Consolas" panose="020B0609020204030204" pitchFamily="49" charset="0"/>
-              </a:rPr>
-              <a:t> holder, View </a:t>
-            </a:r>
-            <a:r>
-              <a:rPr lang="en-US" altLang="ko-KR" sz="1400" dirty="0" err="1">
-                <a:latin typeface="Consolas" panose="020B0609020204030204" pitchFamily="49" charset="0"/>
-              </a:rPr>
-              <a:t>view</a:t>
-            </a:r>
-            <a:r>
-              <a:rPr lang="en-US" altLang="ko-KR" sz="1400" dirty="0">
-                <a:latin typeface="Consolas" panose="020B0609020204030204" pitchFamily="49" charset="0"/>
-              </a:rPr>
-              <a:t>, int position) {</a:t>
-            </a:r>
-          </a:p>
-          <a:p>
-            <a:r>
-              <a:rPr lang="en-US" altLang="ko-KR" sz="1400" dirty="0">
-                <a:latin typeface="Consolas" panose="020B0609020204030204" pitchFamily="49" charset="0"/>
-              </a:rPr>
-              <a:t>                </a:t>
-            </a:r>
-            <a:r>
-              <a:rPr lang="en-US" altLang="ko-KR" sz="1400" dirty="0" err="1">
-                <a:latin typeface="Consolas" panose="020B0609020204030204" pitchFamily="49" charset="0"/>
-              </a:rPr>
-              <a:t>Log.d</a:t>
-            </a:r>
-            <a:r>
-              <a:rPr lang="en-US" altLang="ko-KR" sz="1400" dirty="0">
-                <a:latin typeface="Consolas" panose="020B0609020204030204" pitchFamily="49" charset="0"/>
-              </a:rPr>
-              <a:t>(TAG, "Position: " + position);</a:t>
-            </a:r>
-          </a:p>
-          <a:p>
-            <a:r>
-              <a:rPr lang="en-US" altLang="ko-KR" sz="1400" dirty="0">
-                <a:latin typeface="Consolas" panose="020B0609020204030204" pitchFamily="49" charset="0"/>
-              </a:rPr>
-              <a:t>                Person item = </a:t>
-            </a:r>
-            <a:r>
-              <a:rPr lang="en-US" altLang="ko-KR" sz="1400" dirty="0" err="1">
-                <a:latin typeface="Consolas" panose="020B0609020204030204" pitchFamily="49" charset="0"/>
-              </a:rPr>
-              <a:t>adapter.getItem</a:t>
-            </a:r>
-            <a:r>
-              <a:rPr lang="en-US" altLang="ko-KR" sz="1400" dirty="0">
-                <a:latin typeface="Consolas" panose="020B0609020204030204" pitchFamily="49" charset="0"/>
-              </a:rPr>
-              <a:t>(position</a:t>
-            </a:r>
-            <a:r>
-              <a:rPr lang="en-US" altLang="ko-KR" sz="1400" dirty="0" smtClean="0">
+              <a:rPr lang="en-US" altLang="ko-KR" dirty="0">
+                <a:latin typeface="Consolas" panose="020B0609020204030204" pitchFamily="49" charset="0"/>
+              </a:rPr>
+              <a:t>        return </a:t>
+            </a:r>
+            <a:r>
+              <a:rPr lang="en-US" altLang="ko-KR" dirty="0" err="1">
+                <a:latin typeface="Consolas" panose="020B0609020204030204" pitchFamily="49" charset="0"/>
+              </a:rPr>
+              <a:t>itemsSelected</a:t>
+            </a:r>
+            <a:r>
+              <a:rPr lang="en-US" altLang="ko-KR" dirty="0">
+                <a:latin typeface="Consolas" panose="020B0609020204030204" pitchFamily="49" charset="0"/>
+              </a:rPr>
+              <a:t>;</a:t>
+            </a:r>
+          </a:p>
+          <a:p>
+            <a:r>
+              <a:rPr lang="en-US" altLang="ko-KR" dirty="0">
+                <a:latin typeface="Consolas" panose="020B0609020204030204" pitchFamily="49" charset="0"/>
+              </a:rPr>
+              <a:t>    }</a:t>
+            </a:r>
+          </a:p>
+          <a:p>
+            <a:endParaRPr lang="en-US" altLang="ko-KR" dirty="0">
+              <a:latin typeface="Consolas" panose="020B0609020204030204" pitchFamily="49" charset="0"/>
+            </a:endParaRPr>
+          </a:p>
+          <a:p>
+            <a:r>
+              <a:rPr lang="en-US" altLang="ko-KR" dirty="0">
+                <a:latin typeface="Consolas" panose="020B0609020204030204" pitchFamily="49" charset="0"/>
+              </a:rPr>
+              <a:t>    public void </a:t>
+            </a:r>
+            <a:r>
+              <a:rPr lang="en-US" altLang="ko-KR" dirty="0" err="1" smtClean="0">
+                <a:latin typeface="Consolas" panose="020B0609020204030204" pitchFamily="49" charset="0"/>
+              </a:rPr>
+              <a:t>addItemsSelected</a:t>
+            </a:r>
+            <a:r>
+              <a:rPr lang="en-US" altLang="ko-KR" dirty="0" smtClean="0">
+                <a:latin typeface="Consolas" panose="020B0609020204030204" pitchFamily="49" charset="0"/>
+              </a:rPr>
+              <a:t>(int </a:t>
+            </a:r>
+            <a:r>
+              <a:rPr lang="en-US" altLang="ko-KR" dirty="0">
+                <a:latin typeface="Consolas" panose="020B0609020204030204" pitchFamily="49" charset="0"/>
+              </a:rPr>
+              <a:t>position) {</a:t>
+            </a:r>
+          </a:p>
+          <a:p>
+            <a:r>
+              <a:rPr lang="en-US" altLang="ko-KR" dirty="0">
+                <a:latin typeface="Consolas" panose="020B0609020204030204" pitchFamily="49" charset="0"/>
+              </a:rPr>
+              <a:t>        if (</a:t>
+            </a:r>
+            <a:r>
+              <a:rPr lang="en-US" altLang="ko-KR" dirty="0" err="1">
+                <a:latin typeface="Consolas" panose="020B0609020204030204" pitchFamily="49" charset="0"/>
+              </a:rPr>
+              <a:t>itemsSelected.contains</a:t>
+            </a:r>
+            <a:r>
+              <a:rPr lang="en-US" altLang="ko-KR" dirty="0">
+                <a:latin typeface="Consolas" panose="020B0609020204030204" pitchFamily="49" charset="0"/>
+              </a:rPr>
+              <a:t>(position)) {</a:t>
+            </a:r>
+          </a:p>
+          <a:p>
+            <a:r>
+              <a:rPr lang="en-US" altLang="ko-KR" dirty="0">
+                <a:latin typeface="Consolas" panose="020B0609020204030204" pitchFamily="49" charset="0"/>
+              </a:rPr>
+              <a:t>            </a:t>
+            </a:r>
+            <a:r>
+              <a:rPr lang="en-US" altLang="ko-KR" dirty="0" err="1">
+                <a:latin typeface="Consolas" panose="020B0609020204030204" pitchFamily="49" charset="0"/>
+              </a:rPr>
+              <a:t>itemsSelected.remove</a:t>
+            </a:r>
+            <a:r>
+              <a:rPr lang="en-US" altLang="ko-KR" dirty="0">
+                <a:latin typeface="Consolas" panose="020B0609020204030204" pitchFamily="49" charset="0"/>
+              </a:rPr>
+              <a:t>((Integer</a:t>
+            </a:r>
+            <a:r>
+              <a:rPr lang="en-US" altLang="ko-KR" dirty="0" smtClean="0">
+                <a:latin typeface="Consolas" panose="020B0609020204030204" pitchFamily="49" charset="0"/>
+              </a:rPr>
+              <a:t>) position</a:t>
+            </a:r>
+            <a:r>
+              <a:rPr lang="en-US" altLang="ko-KR" dirty="0">
                 <a:latin typeface="Consolas" panose="020B0609020204030204" pitchFamily="49" charset="0"/>
               </a:rPr>
               <a:t>);</a:t>
             </a:r>
           </a:p>
           <a:p>
-            <a:endParaRPr lang="en-US" altLang="ko-KR" sz="1400" dirty="0">
-              <a:latin typeface="Consolas" panose="020B0609020204030204" pitchFamily="49" charset="0"/>
-            </a:endParaRPr>
-          </a:p>
-          <a:p>
-            <a:r>
-              <a:rPr lang="en-US" altLang="ko-KR" sz="1400" dirty="0">
-                <a:latin typeface="Consolas" panose="020B0609020204030204" pitchFamily="49" charset="0"/>
-              </a:rPr>
-              <a:t>                Toast.makeText(</a:t>
-            </a:r>
-            <a:r>
-              <a:rPr lang="en-US" altLang="ko-KR" sz="1400" dirty="0" err="1">
-                <a:latin typeface="Consolas" panose="020B0609020204030204" pitchFamily="49" charset="0"/>
-              </a:rPr>
-              <a:t>getApplicationContext</a:t>
-            </a:r>
-            <a:r>
-              <a:rPr lang="en-US" altLang="ko-KR" sz="1400" dirty="0">
-                <a:latin typeface="Consolas" panose="020B0609020204030204" pitchFamily="49" charset="0"/>
-              </a:rPr>
-              <a:t>(), "item: " + </a:t>
-            </a:r>
-            <a:r>
-              <a:rPr lang="en-US" altLang="ko-KR" sz="1400" dirty="0" err="1">
-                <a:latin typeface="Consolas" panose="020B0609020204030204" pitchFamily="49" charset="0"/>
-              </a:rPr>
-              <a:t>item.getName</a:t>
-            </a:r>
-            <a:r>
-              <a:rPr lang="en-US" altLang="ko-KR" sz="1400" dirty="0">
-                <a:latin typeface="Consolas" panose="020B0609020204030204" pitchFamily="49" charset="0"/>
-              </a:rPr>
-              <a:t>(), Toast.LENGTH_LONG).show</a:t>
-            </a:r>
-            <a:r>
-              <a:rPr lang="en-US" altLang="ko-KR" sz="1400" dirty="0" smtClean="0">
-                <a:latin typeface="Consolas" panose="020B0609020204030204" pitchFamily="49" charset="0"/>
-              </a:rPr>
-              <a:t>();</a:t>
-            </a:r>
-          </a:p>
-          <a:p>
-            <a:endParaRPr lang="en-US" altLang="ko-KR" sz="1400" dirty="0">
-              <a:latin typeface="Consolas" panose="020B0609020204030204" pitchFamily="49" charset="0"/>
-            </a:endParaRPr>
-          </a:p>
-          <a:p>
-            <a:r>
-              <a:rPr lang="en-US" altLang="ko-KR" sz="1400" dirty="0">
-                <a:latin typeface="Consolas" panose="020B0609020204030204" pitchFamily="49" charset="0"/>
-              </a:rPr>
-              <a:t>                </a:t>
-            </a:r>
-            <a:r>
-              <a:rPr lang="en-US" altLang="ko-KR" sz="1400" dirty="0" smtClean="0">
-                <a:latin typeface="Consolas" panose="020B0609020204030204" pitchFamily="49" charset="0"/>
-              </a:rPr>
-              <a:t>// your code here: use adapter's method to get the list of items selected currently.</a:t>
-            </a:r>
-            <a:endParaRPr lang="en-US" altLang="ko-KR" sz="1400" dirty="0">
-              <a:latin typeface="Consolas" panose="020B0609020204030204" pitchFamily="49" charset="0"/>
-            </a:endParaRPr>
-          </a:p>
-          <a:p>
-            <a:r>
-              <a:rPr lang="en-US" altLang="ko-KR" sz="1400" dirty="0">
-                <a:latin typeface="Consolas" panose="020B0609020204030204" pitchFamily="49" charset="0"/>
-              </a:rPr>
-              <a:t>            }</a:t>
-            </a:r>
-          </a:p>
-          <a:p>
-            <a:r>
-              <a:rPr lang="en-US" altLang="ko-KR" sz="1400" dirty="0">
-                <a:latin typeface="Consolas" panose="020B0609020204030204" pitchFamily="49" charset="0"/>
-              </a:rPr>
-              <a:t>        });</a:t>
-            </a:r>
-            <a:endParaRPr lang="ko-KR" altLang="en-US" sz="1400" dirty="0">
+            <a:r>
+              <a:rPr lang="en-US" altLang="ko-KR" dirty="0">
+                <a:latin typeface="Consolas" panose="020B0609020204030204" pitchFamily="49" charset="0"/>
+              </a:rPr>
+              <a:t>        }</a:t>
+            </a:r>
+          </a:p>
+          <a:p>
+            <a:r>
+              <a:rPr lang="en-US" altLang="ko-KR" dirty="0">
+                <a:latin typeface="Consolas" panose="020B0609020204030204" pitchFamily="49" charset="0"/>
+              </a:rPr>
+              <a:t>        else {</a:t>
+            </a:r>
+          </a:p>
+          <a:p>
+            <a:r>
+              <a:rPr lang="en-US" altLang="ko-KR" dirty="0">
+                <a:latin typeface="Consolas" panose="020B0609020204030204" pitchFamily="49" charset="0"/>
+              </a:rPr>
+              <a:t>            </a:t>
+            </a:r>
+            <a:r>
+              <a:rPr lang="en-US" altLang="ko-KR" dirty="0" err="1">
+                <a:latin typeface="Consolas" panose="020B0609020204030204" pitchFamily="49" charset="0"/>
+              </a:rPr>
+              <a:t>itemsSelected.add</a:t>
+            </a:r>
+            <a:r>
+              <a:rPr lang="en-US" altLang="ko-KR" dirty="0">
+                <a:latin typeface="Consolas" panose="020B0609020204030204" pitchFamily="49" charset="0"/>
+              </a:rPr>
+              <a:t>(position);</a:t>
+            </a:r>
+          </a:p>
+          <a:p>
+            <a:r>
+              <a:rPr lang="en-US" altLang="ko-KR" dirty="0">
+                <a:latin typeface="Consolas" panose="020B0609020204030204" pitchFamily="49" charset="0"/>
+              </a:rPr>
+              <a:t>        }</a:t>
+            </a:r>
+          </a:p>
+          <a:p>
+            <a:r>
+              <a:rPr lang="en-US" altLang="ko-KR" dirty="0" smtClean="0">
+                <a:latin typeface="Consolas" panose="020B0609020204030204" pitchFamily="49" charset="0"/>
+              </a:rPr>
+              <a:t>    }</a:t>
+            </a:r>
+            <a:endParaRPr lang="ko-KR" altLang="en-US" dirty="0">
               <a:latin typeface="Consolas" panose="020B0609020204030204" pitchFamily="49" charset="0"/>
             </a:endParaRPr>
           </a:p>
         </p:txBody>
       </p:sp>
+      <p:sp>
+        <p:nvSpPr>
+          <p:cNvPr id="7" name="TextBox 6"/>
+          <p:cNvSpPr txBox="1"/>
+          <p:nvPr/>
+        </p:nvSpPr>
+        <p:spPr>
+          <a:xfrm>
+            <a:off x="6019335" y="3455422"/>
+            <a:ext cx="3789820" cy="523220"/>
+          </a:xfrm>
+          <a:prstGeom prst="rect">
+            <a:avLst/>
+          </a:prstGeom>
+          <a:solidFill>
+            <a:srgbClr val="FFC000"/>
+          </a:solidFill>
+        </p:spPr>
+        <p:txBody>
+          <a:bodyPr wrap="none" rtlCol="0">
+            <a:spAutoFit/>
+          </a:bodyPr>
+          <a:lstStyle/>
+          <a:p>
+            <a:r>
+              <a:rPr lang="en-US" altLang="ko-KR" sz="1400" dirty="0" smtClean="0"/>
+              <a:t>position</a:t>
+            </a:r>
+            <a:r>
+              <a:rPr lang="ko-KR" altLang="en-US" sz="1400" dirty="0"/>
+              <a:t>이</a:t>
+            </a:r>
+            <a:r>
+              <a:rPr lang="ko-KR" altLang="en-US" sz="1400" dirty="0" smtClean="0"/>
+              <a:t> </a:t>
+            </a:r>
+            <a:r>
+              <a:rPr lang="en-US" altLang="ko-KR" sz="1400" dirty="0" err="1" smtClean="0"/>
+              <a:t>itemsSelected</a:t>
+            </a:r>
+            <a:r>
+              <a:rPr lang="ko-KR" altLang="en-US" sz="1400" dirty="0" smtClean="0"/>
+              <a:t>에 존재하지 않을 때</a:t>
+            </a:r>
+            <a:r>
+              <a:rPr lang="en-US" altLang="ko-KR" sz="1400" dirty="0" smtClean="0"/>
+              <a:t/>
+            </a:r>
+            <a:br>
+              <a:rPr lang="en-US" altLang="ko-KR" sz="1400" dirty="0" smtClean="0"/>
+            </a:br>
+            <a:r>
+              <a:rPr lang="ko-KR" altLang="en-US" sz="1400" dirty="0" smtClean="0"/>
+              <a:t>추가하지만</a:t>
+            </a:r>
+            <a:r>
+              <a:rPr lang="en-US" altLang="ko-KR" sz="1400" dirty="0" smtClean="0"/>
+              <a:t>, </a:t>
+            </a:r>
+            <a:r>
+              <a:rPr lang="ko-KR" altLang="en-US" sz="1400" dirty="0" smtClean="0"/>
+              <a:t>만약</a:t>
+            </a:r>
+            <a:r>
+              <a:rPr lang="en-US" altLang="ko-KR" sz="1400" dirty="0" smtClean="0"/>
+              <a:t>, </a:t>
+            </a:r>
+            <a:r>
+              <a:rPr lang="ko-KR" altLang="en-US" sz="1400" dirty="0" smtClean="0"/>
+              <a:t>이미 존재한다면 삭제합니다</a:t>
+            </a:r>
+            <a:r>
+              <a:rPr lang="en-US" altLang="ko-KR" sz="1400" dirty="0" smtClean="0"/>
+              <a:t>.</a:t>
+            </a:r>
+            <a:endParaRPr lang="ko-KR" altLang="en-US" sz="1400" dirty="0"/>
+          </a:p>
+        </p:txBody>
+      </p:sp>
+      <p:sp>
+        <p:nvSpPr>
+          <p:cNvPr id="8" name="TextBox 7"/>
+          <p:cNvSpPr txBox="1"/>
+          <p:nvPr/>
+        </p:nvSpPr>
+        <p:spPr>
+          <a:xfrm>
+            <a:off x="6019335" y="4964254"/>
+            <a:ext cx="4757186" cy="1169551"/>
+          </a:xfrm>
+          <a:prstGeom prst="rect">
+            <a:avLst/>
+          </a:prstGeom>
+          <a:solidFill>
+            <a:srgbClr val="FFC000"/>
+          </a:solidFill>
+        </p:spPr>
+        <p:txBody>
+          <a:bodyPr wrap="square" rtlCol="0">
+            <a:spAutoFit/>
+          </a:bodyPr>
+          <a:lstStyle/>
+          <a:p>
+            <a:r>
+              <a:rPr lang="en-US" altLang="ko-KR" sz="1400" dirty="0" err="1" smtClean="0"/>
+              <a:t>ArrayList</a:t>
+            </a:r>
+            <a:r>
+              <a:rPr lang="ko-KR" altLang="en-US" sz="1400" dirty="0" smtClean="0"/>
+              <a:t>의 </a:t>
+            </a:r>
+            <a:r>
+              <a:rPr lang="en-US" altLang="ko-KR" sz="1400" dirty="0" smtClean="0"/>
+              <a:t>remove()</a:t>
+            </a:r>
+            <a:r>
+              <a:rPr lang="ko-KR" altLang="en-US" sz="1400" dirty="0" err="1" smtClean="0"/>
+              <a:t>메소드의</a:t>
+            </a:r>
+            <a:r>
+              <a:rPr lang="ko-KR" altLang="en-US" sz="1400" dirty="0" smtClean="0"/>
+              <a:t> 인자가 </a:t>
+            </a:r>
+            <a:r>
+              <a:rPr lang="en-US" altLang="ko-KR" sz="1400" dirty="0" smtClean="0"/>
+              <a:t>int</a:t>
+            </a:r>
+            <a:r>
+              <a:rPr lang="ko-KR" altLang="en-US" sz="1400" dirty="0" smtClean="0"/>
+              <a:t>이면 배열의 </a:t>
+            </a:r>
+            <a:endParaRPr lang="en-US" altLang="ko-KR" sz="1400" dirty="0" smtClean="0"/>
+          </a:p>
+          <a:p>
+            <a:r>
+              <a:rPr lang="ko-KR" altLang="en-US" sz="1400" dirty="0" smtClean="0"/>
+              <a:t>인덱스로 간주하고 그  인덱스의 요소를 삭제합니다</a:t>
+            </a:r>
+            <a:r>
+              <a:rPr lang="en-US" altLang="ko-KR" sz="1400" dirty="0" smtClean="0"/>
+              <a:t>. </a:t>
+            </a:r>
+            <a:br>
+              <a:rPr lang="en-US" altLang="ko-KR" sz="1400" dirty="0" smtClean="0"/>
+            </a:br>
+            <a:r>
+              <a:rPr lang="en-US" altLang="ko-KR" sz="1400" dirty="0" smtClean="0"/>
+              <a:t>(Integer)</a:t>
+            </a:r>
+            <a:r>
+              <a:rPr lang="ko-KR" altLang="en-US" sz="1400" dirty="0"/>
+              <a:t> </a:t>
+            </a:r>
+            <a:r>
+              <a:rPr lang="ko-KR" altLang="en-US" sz="1400" dirty="0" smtClean="0"/>
+              <a:t>객체일 때</a:t>
+            </a:r>
+            <a:r>
+              <a:rPr lang="en-US" altLang="ko-KR" sz="1400" dirty="0" smtClean="0"/>
+              <a:t>, </a:t>
+            </a:r>
+            <a:r>
+              <a:rPr lang="ko-KR" altLang="en-US" sz="1400" dirty="0" smtClean="0"/>
+              <a:t>그 객체의 요소를 배열에서 삭제합니다</a:t>
+            </a:r>
+            <a:r>
+              <a:rPr lang="en-US" altLang="ko-KR" sz="1400" dirty="0" smtClean="0"/>
+              <a:t>.</a:t>
+            </a:r>
+          </a:p>
+          <a:p>
+            <a:r>
+              <a:rPr lang="ko-KR" altLang="en-US" sz="1400" dirty="0" smtClean="0"/>
+              <a:t>그래서</a:t>
+            </a:r>
+            <a:r>
+              <a:rPr lang="en-US" altLang="ko-KR" sz="1400" dirty="0" smtClean="0"/>
+              <a:t>, int</a:t>
+            </a:r>
+            <a:r>
+              <a:rPr lang="ko-KR" altLang="en-US" sz="1400" dirty="0"/>
+              <a:t> </a:t>
+            </a:r>
+            <a:r>
+              <a:rPr lang="ko-KR" altLang="en-US" sz="1400" dirty="0" smtClean="0"/>
+              <a:t>형식인 </a:t>
+            </a:r>
+            <a:r>
+              <a:rPr lang="en-US" altLang="ko-KR" sz="1400" dirty="0" smtClean="0"/>
+              <a:t>position</a:t>
+            </a:r>
+            <a:r>
+              <a:rPr lang="ko-KR" altLang="en-US" sz="1400" dirty="0" smtClean="0"/>
+              <a:t>을 </a:t>
+            </a:r>
+            <a:r>
+              <a:rPr lang="en-US" altLang="ko-KR" sz="1400" dirty="0" smtClean="0"/>
+              <a:t>Integer </a:t>
+            </a:r>
+            <a:r>
+              <a:rPr lang="ko-KR" altLang="en-US" sz="1400" dirty="0" smtClean="0"/>
+              <a:t>로 </a:t>
+            </a:r>
+            <a:r>
+              <a:rPr lang="en-US" altLang="ko-KR" sz="1400" dirty="0" smtClean="0"/>
+              <a:t>typecast </a:t>
+            </a:r>
+            <a:r>
+              <a:rPr lang="ko-KR" altLang="en-US" sz="1400" dirty="0" smtClean="0"/>
+              <a:t>하여</a:t>
+            </a:r>
+            <a:r>
+              <a:rPr lang="en-US" altLang="ko-KR" sz="1400" dirty="0" smtClean="0"/>
+              <a:t/>
+            </a:r>
+            <a:br>
+              <a:rPr lang="en-US" altLang="ko-KR" sz="1400" dirty="0" smtClean="0"/>
+            </a:br>
+            <a:r>
+              <a:rPr lang="ko-KR" altLang="en-US" sz="1400" dirty="0" smtClean="0"/>
+              <a:t>변화하여 메소드를 호출해야 합니다</a:t>
+            </a:r>
+            <a:r>
+              <a:rPr lang="en-US" altLang="ko-KR" sz="1400" dirty="0" smtClean="0"/>
+              <a:t>.  </a:t>
+            </a:r>
+            <a:endParaRPr lang="ko-KR" altLang="en-US" sz="1400" dirty="0"/>
+          </a:p>
+        </p:txBody>
+      </p:sp>
+      <p:cxnSp>
+        <p:nvCxnSpPr>
+          <p:cNvPr id="10" name="직선 화살표 연결선 9"/>
+          <p:cNvCxnSpPr/>
+          <p:nvPr/>
+        </p:nvCxnSpPr>
+        <p:spPr>
+          <a:xfrm flipH="1" flipV="1">
+            <a:off x="5447928" y="5013176"/>
+            <a:ext cx="571407" cy="360040"/>
+          </a:xfrm>
+          <a:prstGeom prst="straightConnector1">
+            <a:avLst/>
+          </a:prstGeom>
+          <a:ln>
+            <a:tailEnd type="triangle"/>
+          </a:ln>
+        </p:spPr>
+        <p:style>
+          <a:lnRef idx="1">
+            <a:schemeClr val="accent1"/>
+          </a:lnRef>
+          <a:fillRef idx="0">
+            <a:schemeClr val="accent1"/>
+          </a:fillRef>
+          <a:effectRef idx="0">
+            <a:schemeClr val="accent1"/>
+          </a:effectRef>
+          <a:fontRef idx="minor">
+            <a:schemeClr val="tx1"/>
+          </a:fontRef>
+        </p:style>
+      </p:cxnSp>
     </p:spTree>
     <p:extLst>
       <p:ext uri="{BB962C8B-B14F-4D97-AF65-F5344CB8AC3E}">
-        <p14:creationId xmlns:p14="http://schemas.microsoft.com/office/powerpoint/2010/main" val="2944314128"/>
+        <p14:creationId xmlns:p14="http://schemas.microsoft.com/office/powerpoint/2010/main" val="2106056355"/>
       </p:ext>
     </p:extLst>
   </p:cSld>
@@ -40603,10 +40968,13 @@
             </a:r>
             <a:r>
               <a:rPr lang="en-US" altLang="ko-KR" dirty="0" smtClean="0">
+                <a:solidFill>
+                  <a:srgbClr val="C00000"/>
+                </a:solidFill>
                 <a:latin typeface="나눔고딕" panose="020D0604000000000000" pitchFamily="50" charset="-127"/>
                 <a:ea typeface="나눔고딕" panose="020D0604000000000000" pitchFamily="50" charset="-127"/>
               </a:rPr>
-              <a:t>Selected items highlighted</a:t>
+              <a:t>Saving all items selected </a:t>
             </a:r>
             <a:endParaRPr lang="ko-KR" altLang="en-US" dirty="0"/>
           </a:p>
@@ -40631,140 +40999,54 @@
               <a:buNone/>
             </a:pPr>
             <a:r>
-              <a:rPr lang="en-US" altLang="ko-KR" b="1" dirty="0" smtClean="0"/>
-              <a:t>Joy</a:t>
-            </a:r>
-            <a:r>
-              <a:rPr lang="en-US" altLang="ko-KR" b="1" dirty="0" smtClean="0">
-                <a:solidFill>
-                  <a:srgbClr val="C00000"/>
-                </a:solidFill>
-              </a:rPr>
-              <a:t>074</a:t>
-            </a:r>
-            <a:r>
-              <a:rPr lang="en-US" altLang="ko-KR" b="1" dirty="0" smtClean="0"/>
-              <a:t>RecylerView: </a:t>
+              <a:rPr lang="en-US" altLang="ko-KR" dirty="0" smtClean="0"/>
+              <a:t>Step 3: </a:t>
+            </a:r>
+          </a:p>
+          <a:p>
+            <a:r>
+              <a:rPr lang="en-US" altLang="ko-KR" dirty="0" smtClean="0"/>
+              <a:t>MainActivity</a:t>
             </a:r>
             <a:r>
               <a:rPr lang="ko-KR" altLang="en-US" dirty="0" smtClean="0"/>
-              <a:t>사용자가 </a:t>
+              <a:t>에서 탭</a:t>
             </a:r>
             <a:r>
               <a:rPr lang="en-US" altLang="ko-KR" dirty="0" smtClean="0"/>
-              <a:t>Item</a:t>
+              <a:t>/Click </a:t>
             </a:r>
             <a:r>
               <a:rPr lang="ko-KR" altLang="en-US" dirty="0" smtClean="0"/>
-              <a:t>을 </a:t>
-            </a:r>
-            <a:r>
-              <a:rPr lang="ko-KR" altLang="en-US" dirty="0" err="1" smtClean="0"/>
-              <a:t>탭한</a:t>
+              <a:t>이벤트가 있을 때마다</a:t>
+            </a:r>
+            <a:r>
+              <a:rPr lang="en-US" altLang="ko-KR" dirty="0" smtClean="0"/>
+              <a:t>, adapter</a:t>
             </a:r>
             <a:r>
               <a:rPr lang="ko-KR" altLang="en-US" dirty="0" smtClean="0"/>
-              <a:t> 항목들은 바탕을 노란색을 강조해서 나타냅니다</a:t>
+              <a:t>가 </a:t>
+            </a:r>
+            <a:r>
+              <a:rPr lang="en-US" altLang="ko-KR" dirty="0" smtClean="0"/>
+              <a:t>update</a:t>
+            </a:r>
+            <a:r>
+              <a:rPr lang="ko-KR" altLang="en-US" dirty="0" smtClean="0"/>
+              <a:t>한 리스트를 받아서 출력합니다</a:t>
             </a:r>
             <a:r>
               <a:rPr lang="en-US" altLang="ko-KR" dirty="0" smtClean="0"/>
               <a:t>. </a:t>
             </a:r>
-            <a:r>
-              <a:rPr lang="ko-KR" altLang="en-US" dirty="0" smtClean="0"/>
-              <a:t>다시 </a:t>
-            </a:r>
-            <a:r>
-              <a:rPr lang="ko-KR" altLang="en-US" dirty="0" err="1" smtClean="0"/>
-              <a:t>탭하면</a:t>
-            </a:r>
-            <a:r>
-              <a:rPr lang="ko-KR" altLang="en-US" dirty="0" smtClean="0"/>
-              <a:t> 강조한 노란색을 지웁니다</a:t>
-            </a:r>
-            <a:r>
-              <a:rPr lang="en-US" altLang="ko-KR" dirty="0" smtClean="0"/>
-              <a:t>. </a:t>
-            </a:r>
-            <a:r>
-              <a:rPr lang="ko-KR" altLang="en-US" dirty="0" smtClean="0">
-                <a:sym typeface="Wingdings" panose="05000000000000000000" pitchFamily="2" charset="2"/>
-              </a:rPr>
-              <a:t>누가 </a:t>
-            </a:r>
-            <a:r>
-              <a:rPr lang="ko-KR" altLang="en-US" dirty="0">
-                <a:sym typeface="Wingdings" panose="05000000000000000000" pitchFamily="2" charset="2"/>
-              </a:rPr>
-              <a:t>언제 </a:t>
-            </a:r>
-            <a:r>
-              <a:rPr lang="en-US" altLang="ko-KR" dirty="0" err="1">
-                <a:sym typeface="Wingdings" panose="05000000000000000000" pitchFamily="2" charset="2"/>
-              </a:rPr>
-              <a:t>itemsSelected</a:t>
-            </a:r>
-            <a:r>
-              <a:rPr lang="en-US" altLang="ko-KR" dirty="0">
-                <a:sym typeface="Wingdings" panose="05000000000000000000" pitchFamily="2" charset="2"/>
-              </a:rPr>
-              <a:t> </a:t>
-            </a:r>
-            <a:r>
-              <a:rPr lang="ko-KR" altLang="en-US" dirty="0">
-                <a:sym typeface="Wingdings" panose="05000000000000000000" pitchFamily="2" charset="2"/>
-              </a:rPr>
-              <a:t>에 있는 </a:t>
-            </a:r>
-            <a:r>
-              <a:rPr lang="en-US" altLang="ko-KR" dirty="0">
-                <a:sym typeface="Wingdings" panose="05000000000000000000" pitchFamily="2" charset="2"/>
-              </a:rPr>
-              <a:t>items</a:t>
-            </a:r>
-            <a:r>
-              <a:rPr lang="ko-KR" altLang="en-US" dirty="0">
-                <a:sym typeface="Wingdings" panose="05000000000000000000" pitchFamily="2" charset="2"/>
-              </a:rPr>
-              <a:t>의 </a:t>
-            </a:r>
-            <a:r>
-              <a:rPr lang="en-US" altLang="ko-KR" dirty="0" smtClean="0">
-                <a:sym typeface="Wingdings" panose="05000000000000000000" pitchFamily="2" charset="2"/>
-              </a:rPr>
-              <a:t>display</a:t>
-            </a:r>
-            <a:r>
-              <a:rPr lang="ko-KR" altLang="en-US" dirty="0" smtClean="0">
-                <a:sym typeface="Wingdings" panose="05000000000000000000" pitchFamily="2" charset="2"/>
-              </a:rPr>
-              <a:t>를 </a:t>
-            </a:r>
-            <a:r>
-              <a:rPr lang="en-US" altLang="ko-KR" dirty="0" smtClean="0">
-                <a:sym typeface="Wingdings" panose="05000000000000000000" pitchFamily="2" charset="2"/>
-              </a:rPr>
-              <a:t>updated</a:t>
-            </a:r>
-            <a:r>
-              <a:rPr lang="ko-KR" altLang="en-US" dirty="0" smtClean="0">
-                <a:sym typeface="Wingdings" panose="05000000000000000000" pitchFamily="2" charset="2"/>
-              </a:rPr>
-              <a:t>하는 것이 쉽지 않은 </a:t>
-            </a:r>
-            <a:r>
-              <a:rPr lang="ko-KR" altLang="en-US" dirty="0">
-                <a:sym typeface="Wingdings" panose="05000000000000000000" pitchFamily="2" charset="2"/>
-              </a:rPr>
-              <a:t>문제 같아요</a:t>
-            </a:r>
-            <a:r>
-              <a:rPr lang="en-US" altLang="ko-KR" dirty="0">
-                <a:sym typeface="Wingdings" panose="05000000000000000000" pitchFamily="2" charset="2"/>
-              </a:rPr>
-              <a:t>,   </a:t>
-            </a:r>
             <a:endParaRPr lang="en-US" altLang="ko-KR" dirty="0"/>
+          </a:p>
+          <a:p>
+            <a:endParaRPr lang="en-US" altLang="ko-KR" dirty="0"/>
+          </a:p>
+          <a:p>
+            <a:endParaRPr lang="en-US" altLang="ko-KR" dirty="0" smtClean="0"/>
           </a:p>
         </p:txBody>
       </p:sp>
@@ -40792,6 +41074,523 @@
                 <a:defRPr/>
               </a:pPr>
               <a:t>62</a:t>
+            </a:fld>
+            <a:endParaRPr lang="ko-KR" altLang="en-US"/>
+          </a:p>
+        </p:txBody>
+      </p:sp>
+      <p:sp>
+        <p:nvSpPr>
+          <p:cNvPr id="5" name="직사각형 4"/>
+          <p:cNvSpPr/>
+          <p:nvPr/>
+        </p:nvSpPr>
+        <p:spPr>
+          <a:xfrm>
+            <a:off x="453100" y="1746381"/>
+            <a:ext cx="11248112" cy="2462213"/>
+          </a:xfrm>
+          <a:prstGeom prst="rect">
+            <a:avLst/>
+          </a:prstGeom>
+          <a:solidFill>
+            <a:schemeClr val="bg1">
+              <a:lumMod val="95000"/>
+            </a:schemeClr>
+          </a:solidFill>
+          <a:ln>
+            <a:solidFill>
+              <a:schemeClr val="bg1">
+                <a:lumMod val="75000"/>
+              </a:schemeClr>
+            </a:solidFill>
+          </a:ln>
+        </p:spPr>
+        <p:txBody>
+          <a:bodyPr wrap="square">
+            <a:spAutoFit/>
+          </a:bodyPr>
+          <a:lstStyle/>
+          <a:p>
+            <a:r>
+              <a:rPr lang="en-US" altLang="ko-KR" sz="1400" dirty="0" smtClean="0">
+                <a:latin typeface="Consolas" panose="020B0609020204030204" pitchFamily="49" charset="0"/>
+              </a:rPr>
+              <a:t>        </a:t>
+            </a:r>
+            <a:r>
+              <a:rPr lang="en-US" altLang="ko-KR" sz="1400" dirty="0" err="1">
+                <a:latin typeface="Consolas" panose="020B0609020204030204" pitchFamily="49" charset="0"/>
+              </a:rPr>
+              <a:t>adapter.setOnItemClickListener</a:t>
+            </a:r>
+            <a:r>
+              <a:rPr lang="en-US" altLang="ko-KR" sz="1400" dirty="0">
+                <a:latin typeface="Consolas" panose="020B0609020204030204" pitchFamily="49" charset="0"/>
+              </a:rPr>
+              <a:t>(new </a:t>
+            </a:r>
+            <a:r>
+              <a:rPr lang="en-US" altLang="ko-KR" sz="1400" dirty="0" err="1">
+                <a:latin typeface="Consolas" panose="020B0609020204030204" pitchFamily="49" charset="0"/>
+              </a:rPr>
+              <a:t>OnPersonItemClickListener</a:t>
+            </a:r>
+            <a:r>
+              <a:rPr lang="en-US" altLang="ko-KR" sz="1400" dirty="0">
+                <a:latin typeface="Consolas" panose="020B0609020204030204" pitchFamily="49" charset="0"/>
+              </a:rPr>
+              <a:t>() {</a:t>
+            </a:r>
+          </a:p>
+          <a:p>
+            <a:r>
+              <a:rPr lang="en-US" altLang="ko-KR" sz="1400" dirty="0">
+                <a:latin typeface="Consolas" panose="020B0609020204030204" pitchFamily="49" charset="0"/>
+              </a:rPr>
+              <a:t>            @Override</a:t>
+            </a:r>
+          </a:p>
+          <a:p>
+            <a:r>
+              <a:rPr lang="en-US" altLang="ko-KR" sz="1400" dirty="0">
+                <a:latin typeface="Consolas" panose="020B0609020204030204" pitchFamily="49" charset="0"/>
+              </a:rPr>
+              <a:t>            public void </a:t>
+            </a:r>
+            <a:r>
+              <a:rPr lang="en-US" altLang="ko-KR" sz="1400" dirty="0" err="1">
+                <a:latin typeface="Consolas" panose="020B0609020204030204" pitchFamily="49" charset="0"/>
+              </a:rPr>
+              <a:t>onItemClick</a:t>
+            </a:r>
+            <a:r>
+              <a:rPr lang="en-US" altLang="ko-KR" sz="1400" dirty="0">
+                <a:latin typeface="Consolas" panose="020B0609020204030204" pitchFamily="49" charset="0"/>
+              </a:rPr>
+              <a:t>(</a:t>
+            </a:r>
+            <a:r>
+              <a:rPr lang="en-US" altLang="ko-KR" sz="1400" dirty="0" err="1">
+                <a:latin typeface="Consolas" panose="020B0609020204030204" pitchFamily="49" charset="0"/>
+              </a:rPr>
+              <a:t>PersonAdapter.ViewHolder</a:t>
+            </a:r>
+            <a:r>
+              <a:rPr lang="en-US" altLang="ko-KR" sz="1400" dirty="0">
+                <a:latin typeface="Consolas" panose="020B0609020204030204" pitchFamily="49" charset="0"/>
+              </a:rPr>
+              <a:t> holder, View </a:t>
+            </a:r>
+            <a:r>
+              <a:rPr lang="en-US" altLang="ko-KR" sz="1400" dirty="0" err="1">
+                <a:latin typeface="Consolas" panose="020B0609020204030204" pitchFamily="49" charset="0"/>
+              </a:rPr>
+              <a:t>view</a:t>
+            </a:r>
+            <a:r>
+              <a:rPr lang="en-US" altLang="ko-KR" sz="1400" dirty="0">
+                <a:latin typeface="Consolas" panose="020B0609020204030204" pitchFamily="49" charset="0"/>
+              </a:rPr>
+              <a:t>, int position) {</a:t>
+            </a:r>
+          </a:p>
+          <a:p>
+            <a:r>
+              <a:rPr lang="en-US" altLang="ko-KR" sz="1400" dirty="0">
+                <a:latin typeface="Consolas" panose="020B0609020204030204" pitchFamily="49" charset="0"/>
+              </a:rPr>
+              <a:t>                </a:t>
+            </a:r>
+            <a:r>
+              <a:rPr lang="en-US" altLang="ko-KR" sz="1400" dirty="0" err="1">
+                <a:latin typeface="Consolas" panose="020B0609020204030204" pitchFamily="49" charset="0"/>
+              </a:rPr>
+              <a:t>Log.d</a:t>
+            </a:r>
+            <a:r>
+              <a:rPr lang="en-US" altLang="ko-KR" sz="1400" dirty="0">
+                <a:latin typeface="Consolas" panose="020B0609020204030204" pitchFamily="49" charset="0"/>
+              </a:rPr>
+              <a:t>(TAG, "Position: " + position);</a:t>
+            </a:r>
+          </a:p>
+          <a:p>
+            <a:r>
+              <a:rPr lang="en-US" altLang="ko-KR" sz="1400" dirty="0">
+                <a:latin typeface="Consolas" panose="020B0609020204030204" pitchFamily="49" charset="0"/>
+              </a:rPr>
+              <a:t>                Person item = </a:t>
+            </a:r>
+            <a:r>
+              <a:rPr lang="en-US" altLang="ko-KR" sz="1400" dirty="0" err="1">
+                <a:latin typeface="Consolas" panose="020B0609020204030204" pitchFamily="49" charset="0"/>
+              </a:rPr>
+              <a:t>adapter.getItem</a:t>
+            </a:r>
+            <a:r>
+              <a:rPr lang="en-US" altLang="ko-KR" sz="1400" dirty="0">
+                <a:latin typeface="Consolas" panose="020B0609020204030204" pitchFamily="49" charset="0"/>
+              </a:rPr>
+              <a:t>(position</a:t>
+            </a:r>
+            <a:r>
+              <a:rPr lang="en-US" altLang="ko-KR" sz="1400" dirty="0" smtClean="0">
+                <a:latin typeface="Consolas" panose="020B0609020204030204" pitchFamily="49" charset="0"/>
+              </a:rPr>
+              <a:t>);</a:t>
+            </a:r>
+          </a:p>
+          <a:p>
+            <a:endParaRPr lang="en-US" altLang="ko-KR" sz="1400" dirty="0">
+              <a:latin typeface="Consolas" panose="020B0609020204030204" pitchFamily="49" charset="0"/>
+            </a:endParaRPr>
+          </a:p>
+          <a:p>
+            <a:r>
+              <a:rPr lang="en-US" altLang="ko-KR" sz="1400" dirty="0">
+                <a:latin typeface="Consolas" panose="020B0609020204030204" pitchFamily="49" charset="0"/>
+              </a:rPr>
+              <a:t>                Toast.makeText(</a:t>
+            </a:r>
+            <a:r>
+              <a:rPr lang="en-US" altLang="ko-KR" sz="1400" dirty="0" err="1">
+                <a:latin typeface="Consolas" panose="020B0609020204030204" pitchFamily="49" charset="0"/>
+              </a:rPr>
+              <a:t>getApplicationContext</a:t>
+            </a:r>
+            <a:r>
+              <a:rPr lang="en-US" altLang="ko-KR" sz="1400" dirty="0">
+                <a:latin typeface="Consolas" panose="020B0609020204030204" pitchFamily="49" charset="0"/>
+              </a:rPr>
+              <a:t>(), "item: " + </a:t>
+            </a:r>
+            <a:r>
+              <a:rPr lang="en-US" altLang="ko-KR" sz="1400" dirty="0" err="1">
+                <a:latin typeface="Consolas" panose="020B0609020204030204" pitchFamily="49" charset="0"/>
+              </a:rPr>
+              <a:t>item.getName</a:t>
+            </a:r>
+            <a:r>
+              <a:rPr lang="en-US" altLang="ko-KR" sz="1400" dirty="0">
+                <a:latin typeface="Consolas" panose="020B0609020204030204" pitchFamily="49" charset="0"/>
+              </a:rPr>
+              <a:t>(), Toast.LENGTH_LONG).show</a:t>
+            </a:r>
+            <a:r>
+              <a:rPr lang="en-US" altLang="ko-KR" sz="1400" dirty="0" smtClean="0">
+                <a:latin typeface="Consolas" panose="020B0609020204030204" pitchFamily="49" charset="0"/>
+              </a:rPr>
+              <a:t>();</a:t>
+            </a:r>
+          </a:p>
+          <a:p>
+            <a:endParaRPr lang="en-US" altLang="ko-KR" sz="1400" dirty="0">
+              <a:latin typeface="Consolas" panose="020B0609020204030204" pitchFamily="49" charset="0"/>
+            </a:endParaRPr>
+          </a:p>
+          <a:p>
+            <a:r>
+              <a:rPr lang="en-US" altLang="ko-KR" sz="1400" dirty="0">
+                <a:latin typeface="Consolas" panose="020B0609020204030204" pitchFamily="49" charset="0"/>
+              </a:rPr>
+              <a:t>                </a:t>
+            </a:r>
+            <a:r>
+              <a:rPr lang="en-US" altLang="ko-KR" sz="1400" dirty="0" smtClean="0">
+                <a:latin typeface="Consolas" panose="020B0609020204030204" pitchFamily="49" charset="0"/>
+              </a:rPr>
+              <a:t>// your code here: use adapter's method to get the list of items selected currently.</a:t>
+            </a:r>
+            <a:endParaRPr lang="en-US" altLang="ko-KR" sz="1400" dirty="0">
+              <a:latin typeface="Consolas" panose="020B0609020204030204" pitchFamily="49" charset="0"/>
+            </a:endParaRPr>
+          </a:p>
+          <a:p>
+            <a:r>
+              <a:rPr lang="en-US" altLang="ko-KR" sz="1400" dirty="0">
+                <a:latin typeface="Consolas" panose="020B0609020204030204" pitchFamily="49" charset="0"/>
+              </a:rPr>
+              <a:t>            }</a:t>
+            </a:r>
+          </a:p>
+          <a:p>
+            <a:r>
+              <a:rPr lang="en-US" altLang="ko-KR" sz="1400" dirty="0">
+                <a:latin typeface="Consolas" panose="020B0609020204030204" pitchFamily="49" charset="0"/>
+              </a:rPr>
+              <a:t>        });</a:t>
+            </a:r>
+            <a:endParaRPr lang="ko-KR" altLang="en-US" sz="1400" dirty="0">
+              <a:latin typeface="Consolas" panose="020B0609020204030204" pitchFamily="49" charset="0"/>
+            </a:endParaRPr>
+          </a:p>
+        </p:txBody>
+      </p:sp>
+    </p:spTree>
+    <p:extLst>
+      <p:ext uri="{BB962C8B-B14F-4D97-AF65-F5344CB8AC3E}">
+        <p14:creationId xmlns:p14="http://schemas.microsoft.com/office/powerpoint/2010/main" val="2944314128"/>
+      </p:ext>
+    </p:extLst>
+  </p:cSld>
+  <p:clrMapOvr>
+    <a:masterClrMapping/>
+  </p:clrMapOvr>
+  <p:timing>
+    <p:tnLst>
+      <p:par>
+        <p:cTn id="1" dur="indefinite" restart="never" nodeType="tmRoot"/>
+      </p:par>
+    </p:tnLst>
+  </p:timing>
+</p:sld>
+</file>
+
+<file path=ppt/slides/slide63.xml><?xml version="1.0" encoding="utf-8"?>
+<p:sld xmlns:a="http://schemas.openxmlformats.org/drawingml/2006/main" xmlns:r="http://schemas.openxmlformats.org/officeDocument/2006/relationships" xmlns:p="http://schemas.openxmlformats.org/presentationml/2006/main">
+  <p:cSld>
+    <p:spTree>
+      <p:nvGrpSpPr>
+        <p:cNvPr id="1" name=""/>
+        <p:cNvGrpSpPr/>
+        <p:nvPr/>
+      </p:nvGrpSpPr>
+      <p:grpSpPr>
+        <a:xfrm>
+          <a:off x="0" y="0"/>
+          <a:ext cx="0" cy="0"/>
+          <a:chOff x="0" y="0"/>
+          <a:chExt cx="0" cy="0"/>
+        </a:xfrm>
+      </p:grpSpPr>
+      <p:sp>
+        <p:nvSpPr>
+          <p:cNvPr id="2" name="제목 1"/>
+          <p:cNvSpPr>
+            <a:spLocks noGrp="1"/>
+          </p:cNvSpPr>
+          <p:nvPr>
+            <p:ph type="title"/>
+          </p:nvPr>
+        </p:nvSpPr>
+        <p:spPr/>
+        <p:txBody>
+          <a:bodyPr/>
+          <a:lstStyle/>
+          <a:p>
+            <a:r>
+              <a:rPr lang="en-US" altLang="ko-KR" dirty="0">
+                <a:latin typeface="나눔고딕" panose="020D0604000000000000" pitchFamily="50" charset="-127"/>
+                <a:ea typeface="나눔고딕" panose="020D0604000000000000" pitchFamily="50" charset="-127"/>
+              </a:rPr>
+              <a:t>07-4 Recycler View </a:t>
+            </a:r>
+            <a:r>
+              <a:rPr lang="ko-KR" altLang="en-US" dirty="0">
+                <a:latin typeface="나눔고딕" panose="020D0604000000000000" pitchFamily="50" charset="-127"/>
+                <a:ea typeface="나눔고딕" panose="020D0604000000000000" pitchFamily="50" charset="-127"/>
+              </a:rPr>
+              <a:t>연습 문제 </a:t>
+            </a:r>
+            <a:r>
+              <a:rPr lang="en-US" altLang="ko-KR" dirty="0">
+                <a:latin typeface="나눔고딕" panose="020D0604000000000000" pitchFamily="50" charset="-127"/>
+                <a:ea typeface="나눔고딕" panose="020D0604000000000000" pitchFamily="50" charset="-127"/>
+              </a:rPr>
+              <a:t>– </a:t>
+            </a:r>
+            <a:r>
+              <a:rPr lang="en-US" altLang="ko-KR" dirty="0" smtClean="0">
+                <a:latin typeface="나눔고딕" panose="020D0604000000000000" pitchFamily="50" charset="-127"/>
+                <a:ea typeface="나눔고딕" panose="020D0604000000000000" pitchFamily="50" charset="-127"/>
+              </a:rPr>
+              <a:t>Selected items highlighted</a:t>
+            </a:r>
+            <a:endParaRPr lang="ko-KR" altLang="en-US" dirty="0"/>
+          </a:p>
+        </p:txBody>
+      </p:sp>
+      <p:sp>
+        <p:nvSpPr>
+          <p:cNvPr id="3" name="내용 개체 틀 2"/>
+          <p:cNvSpPr>
+            <a:spLocks noGrp="1"/>
+          </p:cNvSpPr>
+          <p:nvPr>
+            <p:ph idx="10"/>
+          </p:nvPr>
+        </p:nvSpPr>
+        <p:spPr/>
+        <p:txBody>
+          <a:bodyPr/>
+          <a:lstStyle/>
+          <a:p>
+            <a:pPr marL="0" indent="0">
+              <a:buNone/>
+            </a:pPr>
+            <a:r>
+              <a:rPr lang="en-US" altLang="ko-KR" b="1" dirty="0" smtClean="0"/>
+              <a:t>Joy</a:t>
+            </a:r>
+            <a:r>
+              <a:rPr lang="en-US" altLang="ko-KR" b="1" dirty="0" smtClean="0">
+                <a:solidFill>
+                  <a:srgbClr val="C00000"/>
+                </a:solidFill>
+              </a:rPr>
+              <a:t>074</a:t>
+            </a:r>
+            <a:r>
+              <a:rPr lang="en-US" altLang="ko-KR" b="1" dirty="0" smtClean="0"/>
+              <a:t>RecylerView: </a:t>
+            </a:r>
+            <a:r>
+              <a:rPr lang="ko-KR" altLang="en-US" dirty="0" smtClean="0"/>
+              <a:t>사용자가 </a:t>
+            </a:r>
+            <a:r>
+              <a:rPr lang="en-US" altLang="ko-KR" dirty="0" smtClean="0"/>
+              <a:t>Item</a:t>
+            </a:r>
+            <a:r>
+              <a:rPr lang="ko-KR" altLang="en-US" dirty="0" smtClean="0"/>
+              <a:t>을 </a:t>
+            </a:r>
+            <a:r>
+              <a:rPr lang="ko-KR" altLang="en-US" dirty="0" err="1" smtClean="0"/>
+              <a:t>탭한</a:t>
+            </a:r>
+            <a:r>
+              <a:rPr lang="ko-KR" altLang="en-US" dirty="0" smtClean="0"/>
+              <a:t> 항목들은 바탕을 노란색을 강조해서 나타냅니다</a:t>
+            </a:r>
+            <a:r>
+              <a:rPr lang="en-US" altLang="ko-KR" dirty="0" smtClean="0"/>
+              <a:t>. </a:t>
+            </a:r>
+            <a:r>
+              <a:rPr lang="ko-KR" altLang="en-US" dirty="0" smtClean="0"/>
+              <a:t>다시 </a:t>
+            </a:r>
+            <a:r>
+              <a:rPr lang="ko-KR" altLang="en-US" dirty="0" err="1" smtClean="0"/>
+              <a:t>탭하면</a:t>
+            </a:r>
+            <a:r>
+              <a:rPr lang="ko-KR" altLang="en-US" dirty="0" smtClean="0"/>
+              <a:t> 강조한 노란색을 지웁니다</a:t>
+            </a:r>
+            <a:r>
+              <a:rPr lang="en-US" altLang="ko-KR" dirty="0" smtClean="0"/>
+              <a:t>. </a:t>
+            </a:r>
+            <a:r>
+              <a:rPr lang="ko-KR" altLang="en-US" dirty="0" smtClean="0">
+                <a:sym typeface="Wingdings" panose="05000000000000000000" pitchFamily="2" charset="2"/>
+              </a:rPr>
+              <a:t>누가 </a:t>
+            </a:r>
+            <a:r>
+              <a:rPr lang="ko-KR" altLang="en-US" dirty="0">
+                <a:sym typeface="Wingdings" panose="05000000000000000000" pitchFamily="2" charset="2"/>
+              </a:rPr>
+              <a:t>언제 </a:t>
+            </a:r>
+            <a:r>
+              <a:rPr lang="en-US" altLang="ko-KR" dirty="0" err="1">
+                <a:sym typeface="Wingdings" panose="05000000000000000000" pitchFamily="2" charset="2"/>
+              </a:rPr>
+              <a:t>itemsSelected</a:t>
+            </a:r>
+            <a:r>
+              <a:rPr lang="en-US" altLang="ko-KR" dirty="0">
+                <a:sym typeface="Wingdings" panose="05000000000000000000" pitchFamily="2" charset="2"/>
+              </a:rPr>
+              <a:t> </a:t>
+            </a:r>
+            <a:r>
+              <a:rPr lang="ko-KR" altLang="en-US" dirty="0">
+                <a:sym typeface="Wingdings" panose="05000000000000000000" pitchFamily="2" charset="2"/>
+              </a:rPr>
+              <a:t>에 있는 </a:t>
+            </a:r>
+            <a:r>
+              <a:rPr lang="en-US" altLang="ko-KR" dirty="0">
+                <a:sym typeface="Wingdings" panose="05000000000000000000" pitchFamily="2" charset="2"/>
+              </a:rPr>
+              <a:t>items</a:t>
+            </a:r>
+            <a:r>
+              <a:rPr lang="ko-KR" altLang="en-US" dirty="0">
+                <a:sym typeface="Wingdings" panose="05000000000000000000" pitchFamily="2" charset="2"/>
+              </a:rPr>
+              <a:t>의 </a:t>
+            </a:r>
+            <a:r>
+              <a:rPr lang="en-US" altLang="ko-KR" dirty="0" smtClean="0">
+                <a:sym typeface="Wingdings" panose="05000000000000000000" pitchFamily="2" charset="2"/>
+              </a:rPr>
+              <a:t>display</a:t>
+            </a:r>
+            <a:r>
+              <a:rPr lang="ko-KR" altLang="en-US" dirty="0" smtClean="0">
+                <a:sym typeface="Wingdings" panose="05000000000000000000" pitchFamily="2" charset="2"/>
+              </a:rPr>
+              <a:t>를 </a:t>
+            </a:r>
+            <a:r>
+              <a:rPr lang="en-US" altLang="ko-KR" dirty="0" smtClean="0">
+                <a:sym typeface="Wingdings" panose="05000000000000000000" pitchFamily="2" charset="2"/>
+              </a:rPr>
+              <a:t>updated</a:t>
+            </a:r>
+            <a:r>
+              <a:rPr lang="ko-KR" altLang="en-US" dirty="0" smtClean="0">
+                <a:sym typeface="Wingdings" panose="05000000000000000000" pitchFamily="2" charset="2"/>
+              </a:rPr>
+              <a:t>하는 것이 쉽지 않은 </a:t>
+            </a:r>
+            <a:r>
+              <a:rPr lang="ko-KR" altLang="en-US" dirty="0">
+                <a:sym typeface="Wingdings" panose="05000000000000000000" pitchFamily="2" charset="2"/>
+              </a:rPr>
+              <a:t>문제 같아요</a:t>
+            </a:r>
+            <a:r>
+              <a:rPr lang="en-US" altLang="ko-KR" dirty="0">
+                <a:sym typeface="Wingdings" panose="05000000000000000000" pitchFamily="2" charset="2"/>
+              </a:rPr>
+              <a:t>,   </a:t>
+            </a:r>
+            <a:endParaRPr lang="en-US" altLang="ko-KR" dirty="0"/>
+          </a:p>
+        </p:txBody>
+      </p:sp>
+      <p:sp>
+        <p:nvSpPr>
+          <p:cNvPr id="4" name="슬라이드 번호 개체 틀 3"/>
+          <p:cNvSpPr>
+            <a:spLocks noGrp="1"/>
+          </p:cNvSpPr>
+          <p:nvPr>
+            <p:ph type="sldNum" sz="quarter" idx="14"/>
+          </p:nvPr>
+        </p:nvSpPr>
+        <p:spPr/>
+        <p:txBody>
+          <a:bodyPr/>
+          <a:lstStyle/>
+          <a:p>
+            <a:pPr>
+              <a:defRPr/>
+            </a:pPr>
+            <a:fld id="{3D493B47-E977-46F8-8C2F-7DA674317049}" type="slidenum">
+              <a:rPr lang="ko-KR" altLang="en-US" smtClean="0"/>
+              <a:pPr>
+                <a:defRPr/>
+              </a:pPr>
+              <a:t>63</a:t>
             </a:fld>
             <a:endParaRPr lang="ko-KR" altLang="en-US"/>
           </a:p>
@@ -40921,7 +41720,7 @@
 </p:sld>
 </file>
 
-<file path=ppt/slides/slide63.xml><?xml version="1.0" encoding="utf-8"?>
+<file path=ppt/slides/slide64.xml><?xml version="1.0" encoding="utf-8"?>
 <p:sld xmlns:a="http://schemas.openxmlformats.org/drawingml/2006/main" xmlns:r="http://schemas.openxmlformats.org/officeDocument/2006/relationships" xmlns:p="http://schemas.openxmlformats.org/presentationml/2006/main">
   <p:cSld>
     <p:spTree>
@@ -41017,11 +41816,7 @@
             </a:r>
             <a:r>
               <a:rPr lang="en-US" altLang="ko-KR" b="1" dirty="0" smtClean="0"/>
-              <a:t>RecylerView</a:t>
-            </a:r>
-            <a:r>
-              <a:rPr lang="en-US" altLang="ko-KR" b="1" dirty="0" smtClean="0"/>
-              <a:t>:</a:t>
+              <a:t>RecylerView:</a:t>
             </a:r>
           </a:p>
           <a:p>
@@ -41158,7 +41953,7 @@
               <a:pPr>
                 <a:defRPr/>
               </a:pPr>
-              <a:t>63</a:t>
+              <a:t>64</a:t>
             </a:fld>
             <a:endParaRPr lang="ko-KR" altLang="en-US"/>
           </a:p>
@@ -41647,411 +42442,6 @@
     <p:extLst>
       <p:ext uri="{BB962C8B-B14F-4D97-AF65-F5344CB8AC3E}">
         <p14:creationId xmlns:p14="http://schemas.microsoft.com/office/powerpoint/2010/main" val="2259390178"/>
-      </p:ext>
-    </p:extLst>
-  </p:cSld>
-  <p:clrMapOvr>
-    <a:masterClrMapping/>
-  </p:clrMapOvr>
-  <p:timing>
-    <p:tnLst>
-      <p:par>
-        <p:cTn id="1" dur="indefinite" restart="never" nodeType="tmRoot"/>
-      </p:par>
-    </p:tnLst>
-  </p:timing>
-</p:sld>
-</file>
-
-<file path=ppt/slides/slide64.xml><?xml version="1.0" encoding="utf-8"?>
-<p:sld xmlns:a="http://schemas.openxmlformats.org/drawingml/2006/main" xmlns:r="http://schemas.openxmlformats.org/officeDocument/2006/relationships" xmlns:p="http://schemas.openxmlformats.org/presentationml/2006/main">
-  <p:cSld>
-    <p:spTree>
-      <p:nvGrpSpPr>
-        <p:cNvPr id="1" name=""/>
-        <p:cNvGrpSpPr/>
-        <p:nvPr/>
-      </p:nvGrpSpPr>
-      <p:grpSpPr>
-        <a:xfrm>
-          <a:off x="0" y="0"/>
-          <a:ext cx="0" cy="0"/>
-          <a:chOff x="0" y="0"/>
-          <a:chExt cx="0" cy="0"/>
-        </a:xfrm>
-      </p:grpSpPr>
-      <p:sp>
-        <p:nvSpPr>
-          <p:cNvPr id="2" name="제목 1"/>
-          <p:cNvSpPr>
-            <a:spLocks noGrp="1"/>
-          </p:cNvSpPr>
-          <p:nvPr>
-            <p:ph type="title"/>
-          </p:nvPr>
-        </p:nvSpPr>
-        <p:spPr/>
-        <p:txBody>
-          <a:bodyPr/>
-          <a:lstStyle/>
-          <a:p>
-            <a:r>
-              <a:rPr lang="en-US" altLang="ko-KR" dirty="0">
-                <a:latin typeface="나눔고딕" panose="020D0604000000000000" pitchFamily="50" charset="-127"/>
-                <a:ea typeface="나눔고딕" panose="020D0604000000000000" pitchFamily="50" charset="-127"/>
-              </a:rPr>
-              <a:t>07-4 Recycler View </a:t>
-            </a:r>
-            <a:r>
-              <a:rPr lang="ko-KR" altLang="en-US" dirty="0">
-                <a:latin typeface="나눔고딕" panose="020D0604000000000000" pitchFamily="50" charset="-127"/>
-                <a:ea typeface="나눔고딕" panose="020D0604000000000000" pitchFamily="50" charset="-127"/>
-              </a:rPr>
-              <a:t>연습 문제 </a:t>
-            </a:r>
-            <a:r>
-              <a:rPr lang="en-US" altLang="ko-KR" dirty="0">
-                <a:latin typeface="나눔고딕" panose="020D0604000000000000" pitchFamily="50" charset="-127"/>
-                <a:ea typeface="나눔고딕" panose="020D0604000000000000" pitchFamily="50" charset="-127"/>
-              </a:rPr>
-              <a:t>– </a:t>
-            </a:r>
-            <a:r>
-              <a:rPr lang="en-US" altLang="ko-KR" dirty="0" smtClean="0">
-                <a:latin typeface="나눔고딕" panose="020D0604000000000000" pitchFamily="50" charset="-127"/>
-                <a:ea typeface="나눔고딕" panose="020D0604000000000000" pitchFamily="50" charset="-127"/>
-              </a:rPr>
-              <a:t>Selected items highlighted</a:t>
-            </a:r>
-            <a:endParaRPr lang="ko-KR" altLang="en-US" dirty="0"/>
-          </a:p>
-        </p:txBody>
-      </p:sp>
-      <p:sp>
-        <p:nvSpPr>
-          <p:cNvPr id="3" name="내용 개체 틀 2"/>
-          <p:cNvSpPr>
-            <a:spLocks noGrp="1"/>
-          </p:cNvSpPr>
-          <p:nvPr>
-            <p:ph idx="10"/>
-          </p:nvPr>
-        </p:nvSpPr>
-        <p:spPr/>
-        <p:txBody>
-          <a:bodyPr/>
-          <a:lstStyle/>
-          <a:p>
-            <a:pPr marL="0" indent="0">
-              <a:buNone/>
-            </a:pPr>
-            <a:r>
-              <a:rPr lang="en-US" altLang="ko-KR" b="1" dirty="0" smtClean="0"/>
-              <a:t>Joy</a:t>
-            </a:r>
-            <a:r>
-              <a:rPr lang="en-US" altLang="ko-KR" b="1" dirty="0" smtClean="0">
-                <a:solidFill>
-                  <a:srgbClr val="C00000"/>
-                </a:solidFill>
-              </a:rPr>
-              <a:t>074</a:t>
-            </a:r>
-            <a:r>
-              <a:rPr lang="en-US" altLang="ko-KR" b="1" dirty="0" smtClean="0"/>
-              <a:t>RecylerView</a:t>
-            </a:r>
-            <a:r>
-              <a:rPr lang="en-US" altLang="ko-KR" b="1" dirty="0" smtClean="0"/>
-              <a:t>:</a:t>
-            </a:r>
-          </a:p>
-          <a:p>
-            <a:pPr marL="0" indent="0">
-              <a:buNone/>
-            </a:pPr>
-            <a:r>
-              <a:rPr lang="en-US" altLang="ko-KR" b="1" dirty="0" smtClean="0"/>
-              <a:t>1</a:t>
-            </a:r>
-            <a:r>
-              <a:rPr lang="en-US" altLang="ko-KR" b="1" baseline="30000" dirty="0" smtClean="0"/>
-              <a:t>st</a:t>
-            </a:r>
-            <a:r>
-              <a:rPr lang="en-US" altLang="ko-KR" b="1" dirty="0" smtClean="0"/>
-              <a:t> Trial </a:t>
-            </a:r>
-            <a:r>
-              <a:rPr lang="ko-KR" altLang="en-US" b="1" dirty="0" smtClean="0"/>
-              <a:t>계속</a:t>
-            </a:r>
-            <a:r>
-              <a:rPr lang="en-US" altLang="ko-KR" b="1" dirty="0" smtClean="0"/>
-              <a:t>: </a:t>
-            </a:r>
-          </a:p>
-          <a:p>
-            <a:r>
-              <a:rPr lang="ko-KR" altLang="en-US" dirty="0" smtClean="0"/>
-              <a:t>처음에는 </a:t>
-            </a:r>
-            <a:r>
-              <a:rPr lang="ko-KR" altLang="en-US" dirty="0"/>
-              <a:t>잘 </a:t>
-            </a:r>
-            <a:r>
-              <a:rPr lang="ko-KR" altLang="en-US" dirty="0"/>
-              <a:t>되는 </a:t>
-            </a:r>
-            <a:r>
-              <a:rPr lang="ko-KR" altLang="en-US" dirty="0"/>
-              <a:t>것 같지만</a:t>
-            </a:r>
-            <a:r>
-              <a:rPr lang="en-US" altLang="ko-KR" dirty="0"/>
-              <a:t>..... </a:t>
-            </a:r>
-            <a:r>
-              <a:rPr lang="ko-KR" altLang="en-US" dirty="0"/>
-              <a:t>나중에 어떤 문제점을 </a:t>
-            </a:r>
-            <a:r>
-              <a:rPr lang="ko-KR" altLang="en-US" dirty="0" smtClean="0"/>
-              <a:t>발견하였는지요</a:t>
-            </a:r>
-            <a:r>
-              <a:rPr lang="en-US" altLang="ko-KR" dirty="0" smtClean="0"/>
-              <a:t>? </a:t>
-            </a:r>
-            <a:r>
-              <a:rPr lang="ko-KR" altLang="en-US" dirty="0" smtClean="0"/>
-              <a:t>왜 그런 현상이 발생하는 것일까요</a:t>
-            </a:r>
-            <a:r>
-              <a:rPr lang="en-US" altLang="ko-KR" dirty="0" smtClean="0"/>
-              <a:t>? </a:t>
-            </a:r>
-          </a:p>
-          <a:p>
-            <a:endParaRPr lang="en-US" altLang="ko-KR" dirty="0"/>
-          </a:p>
-          <a:p>
-            <a:r>
-              <a:rPr lang="ko-KR" altLang="en-US" dirty="0" err="1" smtClean="0"/>
-              <a:t>스크롤링을</a:t>
-            </a:r>
-            <a:r>
-              <a:rPr lang="ko-KR" altLang="en-US" dirty="0" smtClean="0"/>
-              <a:t> 하면</a:t>
-            </a:r>
-            <a:r>
-              <a:rPr lang="en-US" altLang="ko-KR" dirty="0" smtClean="0"/>
-              <a:t>, </a:t>
-            </a:r>
-            <a:r>
-              <a:rPr lang="ko-KR" altLang="en-US" dirty="0" smtClean="0"/>
-              <a:t>선택하지도 않은 뷰들이 노란색으로 나타나는 현상을 볼 수 있습니다</a:t>
-            </a:r>
-            <a:r>
-              <a:rPr lang="en-US" altLang="ko-KR" dirty="0" smtClean="0"/>
-              <a:t>. </a:t>
-            </a:r>
-            <a:r>
-              <a:rPr lang="ko-KR" altLang="en-US" dirty="0"/>
-              <a:t>왜 </a:t>
-            </a:r>
-            <a:r>
-              <a:rPr lang="ko-KR" altLang="en-US" dirty="0" smtClean="0"/>
-              <a:t>그럴까요</a:t>
-            </a:r>
-            <a:r>
-              <a:rPr lang="en-US" altLang="ko-KR" dirty="0" smtClean="0"/>
-              <a:t>?</a:t>
-            </a:r>
-          </a:p>
-          <a:p>
-            <a:r>
-              <a:rPr lang="ko-KR" altLang="en-US" dirty="0" smtClean="0"/>
-              <a:t>중요한 개념은 </a:t>
-            </a:r>
-            <a:r>
-              <a:rPr lang="en-US" altLang="ko-KR" dirty="0" err="1" smtClean="0"/>
-              <a:t>RecyclerView</a:t>
-            </a:r>
-            <a:r>
-              <a:rPr lang="ko-KR" altLang="en-US" dirty="0" smtClean="0"/>
-              <a:t>라는데 있습니다</a:t>
-            </a:r>
-            <a:r>
-              <a:rPr lang="en-US" altLang="ko-KR" dirty="0" smtClean="0"/>
-              <a:t>. View</a:t>
-            </a:r>
-            <a:r>
-              <a:rPr lang="ko-KR" altLang="en-US" dirty="0" smtClean="0"/>
-              <a:t>를 다시 사용하는 것입니다</a:t>
-            </a:r>
-            <a:r>
-              <a:rPr lang="en-US" altLang="ko-KR" dirty="0" smtClean="0"/>
-              <a:t>. </a:t>
-            </a:r>
-            <a:r>
-              <a:rPr lang="ko-KR" altLang="en-US" dirty="0" smtClean="0"/>
-              <a:t>데이터 </a:t>
-            </a:r>
-            <a:r>
-              <a:rPr lang="en-US" altLang="ko-KR" dirty="0" smtClean="0"/>
-              <a:t>items</a:t>
-            </a:r>
-            <a:r>
-              <a:rPr lang="ko-KR" altLang="en-US" dirty="0" smtClean="0"/>
-              <a:t>들</a:t>
-            </a:r>
-            <a:r>
-              <a:rPr lang="en-US" altLang="ko-KR" dirty="0" smtClean="0"/>
-              <a:t>, </a:t>
-            </a:r>
-            <a:r>
-              <a:rPr lang="ko-KR" altLang="en-US" dirty="0" smtClean="0"/>
-              <a:t>내용은 변경될지라도 화면에 보이는 각 </a:t>
-            </a:r>
-            <a:r>
-              <a:rPr lang="en-US" altLang="ko-KR" dirty="0" smtClean="0"/>
-              <a:t>item</a:t>
-            </a:r>
-            <a:r>
-              <a:rPr lang="ko-KR" altLang="en-US" dirty="0" smtClean="0"/>
-              <a:t>들에 대한 </a:t>
-            </a:r>
-            <a:r>
-              <a:rPr lang="en-US" altLang="ko-KR" dirty="0" smtClean="0"/>
-              <a:t>view</a:t>
-            </a:r>
-            <a:r>
-              <a:rPr lang="ko-KR" altLang="en-US" dirty="0" smtClean="0"/>
-              <a:t>들은 다시 만들지 않고</a:t>
-            </a:r>
-            <a:r>
-              <a:rPr lang="en-US" altLang="ko-KR" dirty="0" smtClean="0"/>
-              <a:t>, </a:t>
-            </a:r>
-            <a:r>
-              <a:rPr lang="ko-KR" altLang="en-US" dirty="0" smtClean="0"/>
-              <a:t>재사용하는 것이라 </a:t>
-            </a:r>
-            <a:r>
-              <a:rPr lang="en-US" altLang="ko-KR" dirty="0" smtClean="0"/>
-              <a:t>Recycler view</a:t>
-            </a:r>
-            <a:r>
-              <a:rPr lang="ko-KR" altLang="en-US" dirty="0" smtClean="0"/>
-              <a:t>라고 부르는 것입니다</a:t>
-            </a:r>
-            <a:r>
-              <a:rPr lang="en-US" altLang="ko-KR" dirty="0" smtClean="0"/>
-              <a:t>. </a:t>
-            </a:r>
-            <a:r>
-              <a:rPr lang="ko-KR" altLang="en-US" dirty="0" smtClean="0"/>
-              <a:t>화면이 바뀌면서</a:t>
-            </a:r>
-            <a:r>
-              <a:rPr lang="en-US" altLang="ko-KR" dirty="0" smtClean="0"/>
-              <a:t>, item</a:t>
-            </a:r>
-            <a:r>
-              <a:rPr lang="ko-KR" altLang="en-US" dirty="0" smtClean="0"/>
-              <a:t>의 내용이 바뀌더라도 </a:t>
-            </a:r>
-            <a:r>
-              <a:rPr lang="en-US" altLang="ko-KR" dirty="0" smtClean="0"/>
-              <a:t>view</a:t>
-            </a:r>
-            <a:r>
-              <a:rPr lang="ko-KR" altLang="en-US" dirty="0" smtClean="0"/>
-              <a:t>는 전에 있는 것이니까 노란색이 그대로 나오는 것입니다</a:t>
-            </a:r>
-            <a:r>
-              <a:rPr lang="en-US" altLang="ko-KR" dirty="0" smtClean="0"/>
-              <a:t>. </a:t>
-            </a:r>
-          </a:p>
-          <a:p>
-            <a:r>
-              <a:rPr lang="ko-KR" altLang="en-US" dirty="0" smtClean="0"/>
-              <a:t>이 문제를 해결하려면</a:t>
-            </a:r>
-            <a:r>
-              <a:rPr lang="en-US" altLang="ko-KR" dirty="0" smtClean="0"/>
-              <a:t>, view</a:t>
-            </a:r>
-            <a:r>
-              <a:rPr lang="ko-KR" altLang="en-US" dirty="0" smtClean="0"/>
-              <a:t>가 아니라 </a:t>
-            </a:r>
-            <a:r>
-              <a:rPr lang="en-US" altLang="ko-KR" dirty="0" smtClean="0"/>
-              <a:t>position</a:t>
-            </a:r>
-            <a:r>
-              <a:rPr lang="ko-KR" altLang="en-US" dirty="0" smtClean="0"/>
-              <a:t>에 의거해서 </a:t>
-            </a:r>
-            <a:r>
-              <a:rPr lang="en-US" altLang="ko-KR" dirty="0" smtClean="0"/>
-              <a:t>view</a:t>
-            </a:r>
-            <a:r>
-              <a:rPr lang="ko-KR" altLang="en-US" dirty="0" smtClean="0"/>
-              <a:t>의 값을 변경해야 합니다</a:t>
-            </a:r>
-            <a:r>
-              <a:rPr lang="en-US" altLang="ko-KR" dirty="0" smtClean="0"/>
-              <a:t>. </a:t>
-            </a:r>
-            <a:endParaRPr lang="en-US" altLang="ko-KR" dirty="0"/>
-          </a:p>
-          <a:p>
-            <a:pPr marL="0" indent="0">
-              <a:buNone/>
-            </a:pPr>
-            <a:endParaRPr lang="en-US" altLang="ko-KR" dirty="0"/>
-          </a:p>
-        </p:txBody>
-      </p:sp>
-      <p:sp>
-        <p:nvSpPr>
-          <p:cNvPr id="4" name="슬라이드 번호 개체 틀 3"/>
-          <p:cNvSpPr>
-            <a:spLocks noGrp="1"/>
-          </p:cNvSpPr>
-          <p:nvPr>
-            <p:ph type="sldNum" sz="quarter" idx="14"/>
-          </p:nvPr>
-        </p:nvSpPr>
-        <p:spPr/>
-        <p:txBody>
-          <a:bodyPr/>
-          <a:lstStyle/>
-          <a:p>
-            <a:pPr>
-              <a:defRPr/>
-            </a:pPr>
-            <a:fld id="{3D493B47-E977-46F8-8C2F-7DA674317049}" type="slidenum">
-              <a:rPr lang="ko-KR" altLang="en-US" smtClean="0"/>
-              <a:pPr>
-                <a:defRPr/>
-              </a:pPr>
-              <a:t>64</a:t>
-            </a:fld>
-            <a:endParaRPr lang="ko-KR" altLang="en-US"/>
-          </a:p>
-        </p:txBody>
-      </p:sp>
-    </p:spTree>
-    <p:extLst>
-      <p:ext uri="{BB962C8B-B14F-4D97-AF65-F5344CB8AC3E}">
-        <p14:creationId xmlns:p14="http://schemas.microsoft.com/office/powerpoint/2010/main" val="3438021874"/>
       </p:ext>
     </p:extLst>
   </p:cSld>
@@ -42164,11 +42554,7 @@
             </a:r>
             <a:r>
               <a:rPr lang="en-US" altLang="ko-KR" b="1" dirty="0" smtClean="0"/>
-              <a:t>RecylerView</a:t>
-            </a:r>
-            <a:r>
-              <a:rPr lang="en-US" altLang="ko-KR" b="1" dirty="0" smtClean="0"/>
-              <a:t>:</a:t>
+              <a:t>RecylerView:</a:t>
             </a:r>
           </a:p>
           <a:p>
@@ -42177,19 +42563,210 @@
             </a:pPr>
             <a:r>
               <a:rPr lang="en-US" altLang="ko-KR" b="1" dirty="0" smtClean="0"/>
-              <a:t>2</a:t>
+              <a:t>1</a:t>
             </a:r>
             <a:r>
               <a:rPr lang="en-US" altLang="ko-KR" b="1" baseline="30000" dirty="0" smtClean="0"/>
-              <a:t>nd</a:t>
+              <a:t>st</a:t>
             </a:r>
             <a:r>
               <a:rPr lang="en-US" altLang="ko-KR" b="1" dirty="0" smtClean="0"/>
-              <a:t> Trial: </a:t>
+              <a:t> Trial </a:t>
+            </a:r>
+            <a:r>
+              <a:rPr lang="ko-KR" altLang="en-US" b="1" dirty="0" smtClean="0"/>
+              <a:t>계속</a:t>
+            </a:r>
+            <a:r>
+              <a:rPr lang="en-US" altLang="ko-KR" b="1" dirty="0" smtClean="0"/>
+              <a:t>: </a:t>
+            </a:r>
+          </a:p>
+          <a:p>
+            <a:r>
+              <a:rPr lang="ko-KR" altLang="en-US" dirty="0" smtClean="0"/>
+              <a:t>처음에는 </a:t>
+            </a:r>
+            <a:r>
+              <a:rPr lang="ko-KR" altLang="en-US" dirty="0"/>
+              <a:t>잘 되는 것 같지만</a:t>
+            </a:r>
+            <a:r>
+              <a:rPr lang="en-US" altLang="ko-KR" dirty="0"/>
+              <a:t>..... </a:t>
+            </a:r>
+            <a:r>
+              <a:rPr lang="ko-KR" altLang="en-US" dirty="0"/>
+              <a:t>나중에 어떤 문제점을 </a:t>
+            </a:r>
+            <a:r>
+              <a:rPr lang="ko-KR" altLang="en-US" dirty="0" smtClean="0"/>
+              <a:t>발견하였는지요</a:t>
             </a:r>
             <a:r>
               <a:rPr lang="en-US" altLang="ko-KR" dirty="0" smtClean="0"/>
-              <a:t>MainActivity.java</a:t>
+              <a:t>? </a:t>
+            </a:r>
+            <a:r>
+              <a:rPr lang="ko-KR" altLang="en-US" dirty="0" smtClean="0"/>
+              <a:t>왜 그런 현상이 발생하는 것일까요</a:t>
+            </a:r>
+            <a:r>
+              <a:rPr lang="en-US" altLang="ko-KR" dirty="0" smtClean="0"/>
+              <a:t>? </a:t>
+            </a:r>
+          </a:p>
+          <a:p>
+            <a:endParaRPr lang="en-US" altLang="ko-KR" dirty="0"/>
+          </a:p>
+          <a:p>
+            <a:r>
+              <a:rPr lang="ko-KR" altLang="en-US" dirty="0" err="1" smtClean="0"/>
+              <a:t>스크롤링을</a:t>
+            </a:r>
+            <a:r>
+              <a:rPr lang="ko-KR" altLang="en-US" dirty="0" smtClean="0"/>
+              <a:t> 하면</a:t>
+            </a:r>
+            <a:r>
+              <a:rPr lang="en-US" altLang="ko-KR" dirty="0" smtClean="0"/>
+              <a:t>, </a:t>
+            </a:r>
+            <a:r>
+              <a:rPr lang="ko-KR" altLang="en-US" dirty="0" smtClean="0"/>
+              <a:t>선택하지도 않은 뷰들이 노란색으로 나타나는 현상을 볼 수 있습니다</a:t>
+            </a:r>
+            <a:r>
+              <a:rPr lang="en-US" altLang="ko-KR" dirty="0" smtClean="0"/>
+              <a:t>. </a:t>
+            </a:r>
+            <a:r>
+              <a:rPr lang="ko-KR" altLang="en-US" dirty="0"/>
+              <a:t>왜 </a:t>
+            </a:r>
+            <a:r>
+              <a:rPr lang="ko-KR" altLang="en-US" dirty="0" smtClean="0"/>
+              <a:t>그럴까요</a:t>
+            </a:r>
+            <a:r>
+              <a:rPr lang="en-US" altLang="ko-KR" dirty="0" smtClean="0"/>
+              <a:t>?</a:t>
+            </a:r>
+          </a:p>
+          <a:p>
+            <a:r>
+              <a:rPr lang="ko-KR" altLang="en-US" dirty="0" smtClean="0"/>
+              <a:t>중요한 개념은 </a:t>
+            </a:r>
+            <a:r>
+              <a:rPr lang="en-US" altLang="ko-KR" dirty="0" err="1" smtClean="0"/>
+              <a:t>RecyclerView</a:t>
+            </a:r>
+            <a:r>
+              <a:rPr lang="ko-KR" altLang="en-US" dirty="0" smtClean="0"/>
+              <a:t>라는데 있습니다</a:t>
+            </a:r>
+            <a:r>
+              <a:rPr lang="en-US" altLang="ko-KR" dirty="0" smtClean="0"/>
+              <a:t>. View</a:t>
+            </a:r>
+            <a:r>
+              <a:rPr lang="ko-KR" altLang="en-US" dirty="0" smtClean="0"/>
+              <a:t>를 다시 사용하는 것입니다</a:t>
+            </a:r>
+            <a:r>
+              <a:rPr lang="en-US" altLang="ko-KR" dirty="0" smtClean="0"/>
+              <a:t>. </a:t>
+            </a:r>
+            <a:r>
+              <a:rPr lang="ko-KR" altLang="en-US" dirty="0" smtClean="0"/>
+              <a:t>데이터 </a:t>
+            </a:r>
+            <a:r>
+              <a:rPr lang="en-US" altLang="ko-KR" dirty="0" smtClean="0"/>
+              <a:t>items</a:t>
+            </a:r>
+            <a:r>
+              <a:rPr lang="ko-KR" altLang="en-US" dirty="0" smtClean="0"/>
+              <a:t>들</a:t>
+            </a:r>
+            <a:r>
+              <a:rPr lang="en-US" altLang="ko-KR" dirty="0" smtClean="0"/>
+              <a:t>, </a:t>
+            </a:r>
+            <a:r>
+              <a:rPr lang="ko-KR" altLang="en-US" dirty="0" smtClean="0"/>
+              <a:t>내용은 변경될지라도 화면에 보이는 각 </a:t>
+            </a:r>
+            <a:r>
+              <a:rPr lang="en-US" altLang="ko-KR" dirty="0" smtClean="0"/>
+              <a:t>item</a:t>
+            </a:r>
+            <a:r>
+              <a:rPr lang="ko-KR" altLang="en-US" dirty="0" smtClean="0"/>
+              <a:t>들에 대한 </a:t>
+            </a:r>
+            <a:r>
+              <a:rPr lang="en-US" altLang="ko-KR" dirty="0" smtClean="0"/>
+              <a:t>view</a:t>
+            </a:r>
+            <a:r>
+              <a:rPr lang="ko-KR" altLang="en-US" dirty="0" smtClean="0"/>
+              <a:t>들은 다시 만들지 않고</a:t>
+            </a:r>
+            <a:r>
+              <a:rPr lang="en-US" altLang="ko-KR" dirty="0" smtClean="0"/>
+              <a:t>, </a:t>
+            </a:r>
+            <a:r>
+              <a:rPr lang="ko-KR" altLang="en-US" dirty="0" smtClean="0"/>
+              <a:t>재사용하는 것이라 </a:t>
+            </a:r>
+            <a:r>
+              <a:rPr lang="en-US" altLang="ko-KR" dirty="0" smtClean="0"/>
+              <a:t>Recycler view</a:t>
+            </a:r>
+            <a:r>
+              <a:rPr lang="ko-KR" altLang="en-US" dirty="0" smtClean="0"/>
+              <a:t>라고 부르는 것입니다</a:t>
+            </a:r>
+            <a:r>
+              <a:rPr lang="en-US" altLang="ko-KR" dirty="0" smtClean="0"/>
+              <a:t>. </a:t>
+            </a:r>
+            <a:r>
+              <a:rPr lang="ko-KR" altLang="en-US" dirty="0" smtClean="0"/>
+              <a:t>화면이 바뀌면서</a:t>
+            </a:r>
+            <a:r>
+              <a:rPr lang="en-US" altLang="ko-KR" dirty="0" smtClean="0"/>
+              <a:t>, item</a:t>
+            </a:r>
+            <a:r>
+              <a:rPr lang="ko-KR" altLang="en-US" dirty="0" smtClean="0"/>
+              <a:t>의 내용이 바뀌더라도 </a:t>
+            </a:r>
+            <a:r>
+              <a:rPr lang="en-US" altLang="ko-KR" dirty="0" smtClean="0"/>
+              <a:t>view</a:t>
+            </a:r>
+            <a:r>
+              <a:rPr lang="ko-KR" altLang="en-US" dirty="0" smtClean="0"/>
+              <a:t>는 전에 있는 것이니까 노란색이 그대로 나오는 것입니다</a:t>
+            </a:r>
+            <a:r>
+              <a:rPr lang="en-US" altLang="ko-KR" dirty="0" smtClean="0"/>
+              <a:t>. </a:t>
+            </a:r>
+          </a:p>
+          <a:p>
+            <a:r>
+              <a:rPr lang="ko-KR" altLang="en-US" dirty="0" smtClean="0"/>
+              <a:t>이 문제를 해결하려면</a:t>
+            </a:r>
+            <a:r>
+              <a:rPr lang="en-US" altLang="ko-KR" dirty="0" smtClean="0"/>
+              <a:t>, view</a:t>
             </a:r>
             <a:r>
               <a:rPr lang="ko-KR" altLang="en-US" dirty="0" smtClean="0"/>
@@ -42197,93 +42774,24 @@
             </a:r>
             <a:r>
               <a:rPr lang="en-US" altLang="ko-KR" dirty="0" smtClean="0"/>
-              <a:t>PersonAdapter.java </a:t>
+              <a:t>position</a:t>
             </a:r>
             <a:r>
               <a:rPr lang="ko-KR" altLang="en-US" dirty="0" smtClean="0"/>
-              <a:t>에서 코딩을 해야할 것 같은 생각이 들었을 겁니다</a:t>
+              <a:t>에 의거해서 </a:t>
+            </a:r>
+            <a:r>
+              <a:rPr lang="en-US" altLang="ko-KR" dirty="0" smtClean="0"/>
+              <a:t>view</a:t>
+            </a:r>
+            <a:r>
+              <a:rPr lang="ko-KR" altLang="en-US" dirty="0" smtClean="0"/>
+              <a:t>의 값을 변경해야 합니다</a:t>
             </a:r>
             <a:r>
               <a:rPr lang="en-US" altLang="ko-KR" dirty="0" smtClean="0"/>
               <a:t>. </a:t>
             </a:r>
-          </a:p>
-          <a:p>
-            <a:r>
-              <a:rPr lang="en-US" altLang="ko-KR" dirty="0" smtClean="0"/>
-              <a:t>1</a:t>
-            </a:r>
-            <a:r>
-              <a:rPr lang="en-US" altLang="ko-KR" baseline="30000" dirty="0" smtClean="0"/>
-              <a:t>st</a:t>
-            </a:r>
-            <a:r>
-              <a:rPr lang="en-US" altLang="ko-KR" dirty="0" smtClean="0"/>
-              <a:t> Trial</a:t>
-            </a:r>
-            <a:r>
-              <a:rPr lang="ko-KR" altLang="en-US" dirty="0" smtClean="0"/>
-              <a:t>에서 추가했던 부분을 </a:t>
-            </a:r>
-            <a:r>
-              <a:rPr lang="en-US" altLang="ko-KR" dirty="0" smtClean="0"/>
-              <a:t>comments</a:t>
-            </a:r>
-            <a:r>
-              <a:rPr lang="ko-KR" altLang="en-US" dirty="0" smtClean="0"/>
-              <a:t>로 처리하고</a:t>
-            </a:r>
-            <a:r>
-              <a:rPr lang="en-US" altLang="ko-KR" dirty="0" smtClean="0"/>
-              <a:t>, </a:t>
-            </a:r>
-            <a:r>
-              <a:rPr lang="ko-KR" altLang="en-US" dirty="0" smtClean="0"/>
-              <a:t>그와 같은 기능을 하는 코드를 어디에 추가해야 할까요</a:t>
-            </a:r>
-            <a:r>
-              <a:rPr lang="en-US" altLang="ko-KR" dirty="0" smtClean="0"/>
-              <a:t>? </a:t>
-            </a:r>
-          </a:p>
-          <a:p>
-            <a:r>
-              <a:rPr lang="en-US" altLang="ko-KR" dirty="0" err="1" smtClean="0"/>
-              <a:t>PersonAdapter</a:t>
-            </a:r>
-            <a:r>
-              <a:rPr lang="en-US" altLang="ko-KR" dirty="0" smtClean="0"/>
-              <a:t> </a:t>
-            </a:r>
-            <a:r>
-              <a:rPr lang="ko-KR" altLang="en-US" dirty="0" smtClean="0"/>
-              <a:t>클래스의 </a:t>
-            </a:r>
-            <a:r>
-              <a:rPr lang="en-US" altLang="ko-KR" dirty="0" err="1" smtClean="0"/>
-              <a:t>onItemClick</a:t>
-            </a:r>
-            <a:r>
-              <a:rPr lang="en-US" altLang="ko-KR" dirty="0" smtClean="0"/>
-              <a:t>() </a:t>
-            </a:r>
-            <a:r>
-              <a:rPr lang="ko-KR" altLang="en-US" dirty="0" err="1" smtClean="0"/>
-              <a:t>메소드에</a:t>
-            </a:r>
-            <a:r>
-              <a:rPr lang="ko-KR" altLang="en-US" dirty="0" smtClean="0"/>
-              <a:t> 추가하면 어떨까요</a:t>
-            </a:r>
-            <a:r>
-              <a:rPr lang="en-US" altLang="ko-KR" dirty="0" smtClean="0"/>
-              <a:t>? </a:t>
-            </a:r>
-          </a:p>
-          <a:p>
-            <a:pPr marL="0" indent="0">
-              <a:buNone/>
-            </a:pPr>
             <a:endParaRPr lang="en-US" altLang="ko-KR" dirty="0"/>
           </a:p>
           <a:p>
@@ -42323,379 +42831,10 @@
           </a:p>
         </p:txBody>
       </p:sp>
-      <p:sp>
-        <p:nvSpPr>
-          <p:cNvPr id="5" name="직사각형 4"/>
-          <p:cNvSpPr/>
-          <p:nvPr/>
-        </p:nvSpPr>
-        <p:spPr>
-          <a:xfrm>
-            <a:off x="447394" y="2204864"/>
-            <a:ext cx="11253818" cy="3323987"/>
-          </a:xfrm>
-          <a:prstGeom prst="rect">
-            <a:avLst/>
-          </a:prstGeom>
-          <a:solidFill>
-            <a:schemeClr val="bg1">
-              <a:lumMod val="95000"/>
-            </a:schemeClr>
-          </a:solidFill>
-          <a:ln>
-            <a:solidFill>
-              <a:schemeClr val="bg1">
-                <a:lumMod val="75000"/>
-              </a:schemeClr>
-            </a:solidFill>
-          </a:ln>
-        </p:spPr>
-        <p:txBody>
-          <a:bodyPr wrap="square">
-            <a:spAutoFit/>
-          </a:bodyPr>
-          <a:lstStyle/>
-          <a:p>
-            <a:r>
-              <a:rPr lang="en-US" altLang="ko-KR" sz="1400" dirty="0">
-                <a:latin typeface="Consolas" panose="020B0609020204030204" pitchFamily="49" charset="0"/>
-              </a:rPr>
-              <a:t> </a:t>
-            </a:r>
-            <a:r>
-              <a:rPr lang="en-US" altLang="ko-KR" sz="1400" dirty="0" smtClean="0">
-                <a:latin typeface="Consolas" panose="020B0609020204030204" pitchFamily="49" charset="0"/>
-              </a:rPr>
-              <a:t>   @</a:t>
-            </a:r>
-            <a:r>
-              <a:rPr lang="en-US" altLang="ko-KR" sz="1400" dirty="0">
-                <a:latin typeface="Consolas" panose="020B0609020204030204" pitchFamily="49" charset="0"/>
-              </a:rPr>
-              <a:t>Override</a:t>
-            </a:r>
-          </a:p>
-          <a:p>
-            <a:r>
-              <a:rPr lang="en-US" altLang="ko-KR" sz="1400" dirty="0">
-                <a:latin typeface="Consolas" panose="020B0609020204030204" pitchFamily="49" charset="0"/>
-              </a:rPr>
-              <a:t>    public void </a:t>
-            </a:r>
-            <a:r>
-              <a:rPr lang="en-US" altLang="ko-KR" sz="1400" dirty="0" err="1">
-                <a:latin typeface="Consolas" panose="020B0609020204030204" pitchFamily="49" charset="0"/>
-              </a:rPr>
-              <a:t>onItemClick</a:t>
-            </a:r>
-            <a:r>
-              <a:rPr lang="en-US" altLang="ko-KR" sz="1400" dirty="0">
-                <a:latin typeface="Consolas" panose="020B0609020204030204" pitchFamily="49" charset="0"/>
-              </a:rPr>
-              <a:t>(</a:t>
-            </a:r>
-            <a:r>
-              <a:rPr lang="en-US" altLang="ko-KR" sz="1400" dirty="0" err="1">
-                <a:latin typeface="Consolas" panose="020B0609020204030204" pitchFamily="49" charset="0"/>
-              </a:rPr>
-              <a:t>ViewHolder</a:t>
-            </a:r>
-            <a:r>
-              <a:rPr lang="en-US" altLang="ko-KR" sz="1400" dirty="0">
-                <a:latin typeface="Consolas" panose="020B0609020204030204" pitchFamily="49" charset="0"/>
-              </a:rPr>
-              <a:t> holder, View </a:t>
-            </a:r>
-            <a:r>
-              <a:rPr lang="en-US" altLang="ko-KR" sz="1400" dirty="0" err="1">
-                <a:latin typeface="Consolas" panose="020B0609020204030204" pitchFamily="49" charset="0"/>
-              </a:rPr>
-              <a:t>view</a:t>
-            </a:r>
-            <a:r>
-              <a:rPr lang="en-US" altLang="ko-KR" sz="1400" dirty="0">
-                <a:latin typeface="Consolas" panose="020B0609020204030204" pitchFamily="49" charset="0"/>
-              </a:rPr>
-              <a:t>, int position) {</a:t>
-            </a:r>
-          </a:p>
-          <a:p>
-            <a:r>
-              <a:rPr lang="en-US" altLang="ko-KR" sz="1400" dirty="0">
-                <a:latin typeface="Consolas" panose="020B0609020204030204" pitchFamily="49" charset="0"/>
-              </a:rPr>
-              <a:t>        if (listener != null) {</a:t>
-            </a:r>
-          </a:p>
-          <a:p>
-            <a:r>
-              <a:rPr lang="en-US" altLang="ko-KR" sz="1400" dirty="0">
-                <a:latin typeface="Consolas" panose="020B0609020204030204" pitchFamily="49" charset="0"/>
-              </a:rPr>
-              <a:t>            </a:t>
-            </a:r>
-            <a:r>
-              <a:rPr lang="en-US" altLang="ko-KR" sz="1400" dirty="0" err="1">
-                <a:latin typeface="Consolas" panose="020B0609020204030204" pitchFamily="49" charset="0"/>
-              </a:rPr>
-              <a:t>Log.d</a:t>
-            </a:r>
-            <a:r>
-              <a:rPr lang="en-US" altLang="ko-KR" sz="1400" dirty="0">
-                <a:latin typeface="Consolas" panose="020B0609020204030204" pitchFamily="49" charset="0"/>
-              </a:rPr>
-              <a:t>(TAG, "</a:t>
-            </a:r>
-            <a:r>
-              <a:rPr lang="en-US" altLang="ko-KR" sz="1400" dirty="0" err="1">
-                <a:latin typeface="Consolas" panose="020B0609020204030204" pitchFamily="49" charset="0"/>
-              </a:rPr>
-              <a:t>PersonAdapter</a:t>
-            </a:r>
-            <a:r>
-              <a:rPr lang="en-US" altLang="ko-KR" sz="1400" dirty="0">
-                <a:latin typeface="Consolas" panose="020B0609020204030204" pitchFamily="49" charset="0"/>
-              </a:rPr>
-              <a:t>: </a:t>
-            </a:r>
-            <a:r>
-              <a:rPr lang="en-US" altLang="ko-KR" sz="1400" dirty="0" err="1">
-                <a:latin typeface="Consolas" panose="020B0609020204030204" pitchFamily="49" charset="0"/>
-              </a:rPr>
-              <a:t>onItemClick</a:t>
-            </a:r>
-            <a:r>
-              <a:rPr lang="en-US" altLang="ko-KR" sz="1400" dirty="0">
-                <a:latin typeface="Consolas" panose="020B0609020204030204" pitchFamily="49" charset="0"/>
-              </a:rPr>
-              <a:t> listener: " + position);</a:t>
-            </a:r>
-          </a:p>
-          <a:p>
-            <a:r>
-              <a:rPr lang="en-US" altLang="ko-KR" sz="1400" dirty="0">
-                <a:latin typeface="Consolas" panose="020B0609020204030204" pitchFamily="49" charset="0"/>
-              </a:rPr>
-              <a:t>            </a:t>
-            </a:r>
-            <a:r>
-              <a:rPr lang="en-US" altLang="ko-KR" sz="1400" dirty="0" err="1">
-                <a:latin typeface="Consolas" panose="020B0609020204030204" pitchFamily="49" charset="0"/>
-              </a:rPr>
-              <a:t>listener.onItemClick</a:t>
-            </a:r>
-            <a:r>
-              <a:rPr lang="en-US" altLang="ko-KR" sz="1400" dirty="0">
-                <a:latin typeface="Consolas" panose="020B0609020204030204" pitchFamily="49" charset="0"/>
-              </a:rPr>
-              <a:t>(holder, view, position);</a:t>
-            </a:r>
-          </a:p>
-          <a:p>
-            <a:r>
-              <a:rPr lang="en-US" altLang="ko-KR" sz="1400" dirty="0">
-                <a:latin typeface="Consolas" panose="020B0609020204030204" pitchFamily="49" charset="0"/>
-              </a:rPr>
-              <a:t>            </a:t>
-            </a:r>
-          </a:p>
-          <a:p>
-            <a:r>
-              <a:rPr lang="en-US" altLang="ko-KR" sz="1400" dirty="0">
-                <a:latin typeface="Consolas" panose="020B0609020204030204" pitchFamily="49" charset="0"/>
-              </a:rPr>
-              <a:t>            if (</a:t>
-            </a:r>
-            <a:r>
-              <a:rPr lang="en-US" altLang="ko-KR" sz="1400" dirty="0" err="1">
-                <a:latin typeface="Consolas" panose="020B0609020204030204" pitchFamily="49" charset="0"/>
-              </a:rPr>
-              <a:t>itemsSelected.contains</a:t>
-            </a:r>
-            <a:r>
-              <a:rPr lang="en-US" altLang="ko-KR" sz="1400" dirty="0">
-                <a:latin typeface="Consolas" panose="020B0609020204030204" pitchFamily="49" charset="0"/>
-              </a:rPr>
-              <a:t>(position)) {</a:t>
-            </a:r>
-          </a:p>
-          <a:p>
-            <a:r>
-              <a:rPr lang="en-US" altLang="ko-KR" sz="1400" dirty="0">
-                <a:latin typeface="Consolas" panose="020B0609020204030204" pitchFamily="49" charset="0"/>
-              </a:rPr>
-              <a:t>                </a:t>
-            </a:r>
-            <a:r>
-              <a:rPr lang="en-US" altLang="ko-KR" sz="1400" dirty="0" err="1">
-                <a:latin typeface="Consolas" panose="020B0609020204030204" pitchFamily="49" charset="0"/>
-              </a:rPr>
-              <a:t>holder.itemView.setBackgroundColor</a:t>
-            </a:r>
-            <a:r>
-              <a:rPr lang="en-US" altLang="ko-KR" sz="1400" dirty="0">
-                <a:latin typeface="Consolas" panose="020B0609020204030204" pitchFamily="49" charset="0"/>
-              </a:rPr>
-              <a:t>(</a:t>
-            </a:r>
-            <a:r>
-              <a:rPr lang="en-US" altLang="ko-KR" sz="1400" dirty="0" err="1">
-                <a:latin typeface="Consolas" panose="020B0609020204030204" pitchFamily="49" charset="0"/>
-              </a:rPr>
-              <a:t>Color.YELLOW</a:t>
-            </a:r>
-            <a:r>
-              <a:rPr lang="en-US" altLang="ko-KR" sz="1400" dirty="0">
-                <a:latin typeface="Consolas" panose="020B0609020204030204" pitchFamily="49" charset="0"/>
-              </a:rPr>
-              <a:t>);</a:t>
-            </a:r>
-          </a:p>
-          <a:p>
-            <a:r>
-              <a:rPr lang="en-US" altLang="ko-KR" sz="1400" dirty="0">
-                <a:latin typeface="Consolas" panose="020B0609020204030204" pitchFamily="49" charset="0"/>
-              </a:rPr>
-              <a:t>            }</a:t>
-            </a:r>
-          </a:p>
-          <a:p>
-            <a:r>
-              <a:rPr lang="en-US" altLang="ko-KR" sz="1400" dirty="0">
-                <a:latin typeface="Consolas" panose="020B0609020204030204" pitchFamily="49" charset="0"/>
-              </a:rPr>
-              <a:t>            else {</a:t>
-            </a:r>
-          </a:p>
-          <a:p>
-            <a:r>
-              <a:rPr lang="en-US" altLang="ko-KR" sz="1400" dirty="0">
-                <a:latin typeface="Consolas" panose="020B0609020204030204" pitchFamily="49" charset="0"/>
-              </a:rPr>
-              <a:t>                </a:t>
-            </a:r>
-            <a:r>
-              <a:rPr lang="en-US" altLang="ko-KR" sz="1400" dirty="0" err="1">
-                <a:latin typeface="Consolas" panose="020B0609020204030204" pitchFamily="49" charset="0"/>
-              </a:rPr>
-              <a:t>holder.itemView.setBackgroundColor</a:t>
-            </a:r>
-            <a:r>
-              <a:rPr lang="en-US" altLang="ko-KR" sz="1400" dirty="0">
-                <a:latin typeface="Consolas" panose="020B0609020204030204" pitchFamily="49" charset="0"/>
-              </a:rPr>
-              <a:t>(</a:t>
-            </a:r>
-            <a:r>
-              <a:rPr lang="en-US" altLang="ko-KR" sz="1400" dirty="0" err="1">
-                <a:latin typeface="Consolas" panose="020B0609020204030204" pitchFamily="49" charset="0"/>
-              </a:rPr>
-              <a:t>Color.WHITE</a:t>
-            </a:r>
-            <a:r>
-              <a:rPr lang="en-US" altLang="ko-KR" sz="1400" dirty="0">
-                <a:latin typeface="Consolas" panose="020B0609020204030204" pitchFamily="49" charset="0"/>
-              </a:rPr>
-              <a:t>);</a:t>
-            </a:r>
-          </a:p>
-          <a:p>
-            <a:r>
-              <a:rPr lang="en-US" altLang="ko-KR" sz="1400" dirty="0">
-                <a:latin typeface="Consolas" panose="020B0609020204030204" pitchFamily="49" charset="0"/>
-              </a:rPr>
-              <a:t>            }</a:t>
-            </a:r>
-          </a:p>
-          <a:p>
-            <a:r>
-              <a:rPr lang="en-US" altLang="ko-KR" sz="1400" dirty="0">
-                <a:latin typeface="Consolas" panose="020B0609020204030204" pitchFamily="49" charset="0"/>
-              </a:rPr>
-              <a:t>            </a:t>
-            </a:r>
-            <a:r>
-              <a:rPr lang="en-US" altLang="ko-KR" sz="1400" dirty="0" err="1">
-                <a:latin typeface="Consolas" panose="020B0609020204030204" pitchFamily="49" charset="0"/>
-              </a:rPr>
-              <a:t>Log.d</a:t>
-            </a:r>
-            <a:r>
-              <a:rPr lang="en-US" altLang="ko-KR" sz="1400" dirty="0">
-                <a:latin typeface="Consolas" panose="020B0609020204030204" pitchFamily="49" charset="0"/>
-              </a:rPr>
-              <a:t>(TAG, "Selected: " + </a:t>
-            </a:r>
-            <a:r>
-              <a:rPr lang="en-US" altLang="ko-KR" sz="1400" dirty="0" err="1">
-                <a:latin typeface="Consolas" panose="020B0609020204030204" pitchFamily="49" charset="0"/>
-              </a:rPr>
-              <a:t>itemsSelected.toString</a:t>
-            </a:r>
-            <a:r>
-              <a:rPr lang="en-US" altLang="ko-KR" sz="1400" dirty="0">
-                <a:latin typeface="Consolas" panose="020B0609020204030204" pitchFamily="49" charset="0"/>
-              </a:rPr>
-              <a:t>());</a:t>
-            </a:r>
-          </a:p>
-          <a:p>
-            <a:r>
-              <a:rPr lang="en-US" altLang="ko-KR" sz="1400" dirty="0">
-                <a:latin typeface="Consolas" panose="020B0609020204030204" pitchFamily="49" charset="0"/>
-              </a:rPr>
-              <a:t>        }</a:t>
-            </a:r>
-          </a:p>
-          <a:p>
-            <a:r>
-              <a:rPr lang="en-US" altLang="ko-KR" sz="1400" dirty="0">
-                <a:latin typeface="Consolas" panose="020B0609020204030204" pitchFamily="49" charset="0"/>
-              </a:rPr>
-              <a:t>    }</a:t>
-            </a:r>
-            <a:endParaRPr lang="ko-KR" altLang="en-US" sz="1400" dirty="0">
-              <a:latin typeface="Consolas" panose="020B0609020204030204" pitchFamily="49" charset="0"/>
-            </a:endParaRPr>
-          </a:p>
-        </p:txBody>
-      </p:sp>
-      <p:sp>
-        <p:nvSpPr>
-          <p:cNvPr id="6" name="TextBox 5"/>
-          <p:cNvSpPr txBox="1"/>
-          <p:nvPr/>
-        </p:nvSpPr>
-        <p:spPr>
-          <a:xfrm>
-            <a:off x="9011760" y="2050975"/>
-            <a:ext cx="2062641" cy="307777"/>
-          </a:xfrm>
-          <a:prstGeom prst="rect">
-            <a:avLst/>
-          </a:prstGeom>
-          <a:solidFill>
-            <a:srgbClr val="FFC000"/>
-          </a:solidFill>
-        </p:spPr>
-        <p:txBody>
-          <a:bodyPr wrap="square" rtlCol="0">
-            <a:spAutoFit/>
-          </a:bodyPr>
-          <a:lstStyle/>
-          <a:p>
-            <a:r>
-              <a:rPr lang="en-US" altLang="ko-KR" sz="1400" dirty="0" smtClean="0"/>
-              <a:t>PersonAdapter.java</a:t>
-            </a:r>
-            <a:endParaRPr lang="ko-KR" altLang="en-US" sz="1400" dirty="0"/>
-          </a:p>
-        </p:txBody>
-      </p:sp>
     </p:spTree>
     <p:extLst>
       <p:ext uri="{BB962C8B-B14F-4D97-AF65-F5344CB8AC3E}">
-        <p14:creationId xmlns:p14="http://schemas.microsoft.com/office/powerpoint/2010/main" val="2864456436"/>
+        <p14:creationId xmlns:p14="http://schemas.microsoft.com/office/powerpoint/2010/main" val="3438021874"/>
       </p:ext>
     </p:extLst>
   </p:cSld>
@@ -42808,11 +42947,7 @@
             </a:r>
             <a:r>
               <a:rPr lang="en-US" altLang="ko-KR" b="1" dirty="0" smtClean="0"/>
-              <a:t>RecylerView</a:t>
-            </a:r>
-            <a:r>
-              <a:rPr lang="en-US" altLang="ko-KR" b="1" dirty="0" smtClean="0"/>
-              <a:t>:</a:t>
+              <a:t>RecylerView:</a:t>
             </a:r>
           </a:p>
           <a:p>
@@ -42829,16 +42964,30 @@
             </a:r>
             <a:r>
               <a:rPr lang="en-US" altLang="ko-KR" b="1" dirty="0" smtClean="0"/>
-              <a:t> Trial </a:t>
-            </a:r>
-            <a:r>
-              <a:rPr lang="ko-KR" altLang="en-US" b="1" dirty="0" smtClean="0"/>
-              <a:t>계속</a:t>
-            </a:r>
-            <a:r>
-              <a:rPr lang="en-US" altLang="ko-KR" b="1" dirty="0" smtClean="0"/>
-              <a:t>: </a:t>
-            </a:r>
+              <a:t> Trial: </a:t>
+            </a:r>
+            <a:r>
+              <a:rPr lang="en-US" altLang="ko-KR" dirty="0" smtClean="0"/>
+              <a:t>MainActivity.java</a:t>
+            </a:r>
+            <a:r>
+              <a:rPr lang="ko-KR" altLang="en-US" dirty="0" smtClean="0"/>
+              <a:t>가 아니라 </a:t>
+            </a:r>
+            <a:r>
+              <a:rPr lang="en-US" altLang="ko-KR" dirty="0" smtClean="0"/>
+              <a:t>PersonAdapter.java </a:t>
+            </a:r>
+            <a:r>
+              <a:rPr lang="ko-KR" altLang="en-US" dirty="0" smtClean="0"/>
+              <a:t>에서 코딩을 해야할 것 같은 생각이 들었을 겁니다</a:t>
+            </a:r>
+            <a:r>
+              <a:rPr lang="en-US" altLang="ko-KR" dirty="0" smtClean="0"/>
+              <a:t>. </a:t>
+            </a:r>
+          </a:p>
+          <a:p>
             <a:r>
               <a:rPr lang="en-US" altLang="ko-KR" dirty="0" smtClean="0"/>
               <a:t>1</a:t>
@@ -42853,385 +43002,67 @@
             </a:r>
             <a:r>
               <a:rPr lang="ko-KR" altLang="en-US" dirty="0" smtClean="0"/>
-              <a:t>과 같은 현상이 나타나는 것을 관찰할 수 있습니다</a:t>
+              <a:t>에서 추가했던 부분을 </a:t>
             </a:r>
             <a:r>
               <a:rPr lang="en-US" altLang="ko-KR" dirty="0" smtClean="0"/>
-              <a:t>. </a:t>
+              <a:t>comments</a:t>
             </a:r>
             <a:r>
               <a:rPr lang="ko-KR" altLang="en-US" dirty="0" smtClean="0"/>
-              <a:t>사실 상 같은 코딩을 한 것 같습니다</a:t>
+              <a:t>로 처리하고</a:t>
             </a:r>
             <a:r>
               <a:rPr lang="en-US" altLang="ko-KR" dirty="0" smtClean="0"/>
-              <a:t>. </a:t>
-            </a:r>
-          </a:p>
-          <a:p>
-            <a:r>
-              <a:rPr lang="en-US" altLang="ko-KR" dirty="0"/>
+              <a:t>, </a:t>
+            </a:r>
+            <a:r>
+              <a:rPr lang="ko-KR" altLang="en-US" dirty="0" smtClean="0"/>
+              <a:t>그와 같은 기능을 하는 코드를 어디에 추가해야 할까요</a:t>
+            </a:r>
+            <a:r>
+              <a:rPr lang="en-US" altLang="ko-KR" dirty="0" smtClean="0"/>
+              <a:t>? </a:t>
+            </a:r>
+          </a:p>
+          <a:p>
+            <a:r>
+              <a:rPr lang="en-US" altLang="ko-KR" dirty="0" err="1" smtClean="0"/>
+              <a:t>PersonAdapter</a:t>
+            </a:r>
+            <a:r>
+              <a:rPr lang="en-US" altLang="ko-KR" dirty="0" smtClean="0"/>
               <a:t> </a:t>
             </a:r>
             <a:r>
-              <a:rPr lang="en-US" altLang="ko-KR" dirty="0" err="1"/>
-              <a:t>RecyclerView</a:t>
-            </a:r>
-            <a:r>
-              <a:rPr lang="ko-KR" altLang="en-US" dirty="0"/>
-              <a:t>의 </a:t>
-            </a:r>
-            <a:r>
-              <a:rPr lang="en-US" altLang="ko-KR" dirty="0"/>
-              <a:t>Adapter</a:t>
-            </a:r>
-            <a:r>
-              <a:rPr lang="ko-KR" altLang="en-US" dirty="0"/>
-              <a:t>는 전체 아이템의 개수에 </a:t>
-            </a:r>
-            <a:r>
               <a:rPr lang="ko-KR" altLang="en-US" dirty="0" smtClean="0"/>
-              <a:t>기반하여 </a:t>
+              <a:t>클래스의 </a:t>
+            </a:r>
+            <a:r>
+              <a:rPr lang="en-US" altLang="ko-KR" dirty="0" err="1" smtClean="0"/>
+              <a:t>onItemClick</a:t>
+            </a:r>
+            <a:r>
+              <a:rPr lang="en-US" altLang="ko-KR" dirty="0" smtClean="0"/>
+              <a:t>() </a:t>
             </a:r>
             <a:r>
               <a:rPr lang="ko-KR" altLang="en-US" dirty="0" err="1" smtClean="0"/>
-              <a:t>적정수</a:t>
-            </a:r>
-            <a:r>
-              <a:rPr lang="en-US" altLang="ko-KR" dirty="0"/>
-              <a:t>( </a:t>
-            </a:r>
-            <a:r>
-              <a:rPr lang="ko-KR" altLang="en-US" dirty="0" err="1"/>
-              <a:t>한화면에</a:t>
-            </a:r>
-            <a:r>
-              <a:rPr lang="ko-KR" altLang="en-US" dirty="0"/>
-              <a:t> 표시되는 아이템 개수 </a:t>
-            </a:r>
-            <a:r>
-              <a:rPr lang="en-US" altLang="ko-KR" dirty="0"/>
-              <a:t>+ </a:t>
-            </a:r>
-            <a:r>
-              <a:rPr lang="ko-KR" altLang="en-US" dirty="0" err="1"/>
-              <a:t>스크롤시</a:t>
-            </a:r>
-            <a:r>
-              <a:rPr lang="ko-KR" altLang="en-US" dirty="0"/>
-              <a:t> 사용할 여분의 아이템 개수</a:t>
-            </a:r>
-            <a:r>
-              <a:rPr lang="en-US" altLang="ko-KR" dirty="0"/>
-              <a:t>)</a:t>
-            </a:r>
-            <a:r>
-              <a:rPr lang="ko-KR" altLang="en-US" dirty="0"/>
-              <a:t>의 </a:t>
-            </a:r>
-            <a:r>
-              <a:rPr lang="en-US" altLang="ko-KR" dirty="0" err="1"/>
-              <a:t>ViewHolder</a:t>
-            </a:r>
-            <a:r>
-              <a:rPr lang="en-US" altLang="ko-KR" dirty="0"/>
-              <a:t>( View )</a:t>
-            </a:r>
-            <a:r>
-              <a:rPr lang="ko-KR" altLang="en-US" dirty="0"/>
-              <a:t>를 미리 </a:t>
+              <a:t>메소드에</a:t>
             </a:r>
             <a:r>
               <a:rPr lang="ko-KR" altLang="en-US" dirty="0" smtClean="0"/>
-              <a:t>생성하고 화면상에 </a:t>
-            </a:r>
-            <a:r>
-              <a:rPr lang="ko-KR" altLang="en-US" dirty="0"/>
-              <a:t>표시되지 않는 </a:t>
-            </a:r>
-            <a:r>
-              <a:rPr lang="en-US" altLang="ko-KR" dirty="0"/>
-              <a:t>View</a:t>
-            </a:r>
-            <a:r>
-              <a:rPr lang="ko-KR" altLang="en-US" dirty="0"/>
-              <a:t>를 재사용하는 구조입니다</a:t>
-            </a:r>
-            <a:r>
-              <a:rPr lang="en-US" altLang="ko-KR" dirty="0"/>
-              <a:t>.</a:t>
-            </a:r>
-          </a:p>
-          <a:p>
-            <a:r>
-              <a:rPr lang="ko-KR" altLang="en-US" dirty="0" smtClean="0"/>
-              <a:t>클릭할 </a:t>
-            </a:r>
-            <a:r>
-              <a:rPr lang="ko-KR" altLang="en-US" dirty="0"/>
-              <a:t>당시의 </a:t>
-            </a:r>
-            <a:r>
-              <a:rPr lang="en-US" altLang="ko-KR" dirty="0"/>
-              <a:t>View</a:t>
-            </a:r>
-            <a:r>
-              <a:rPr lang="ko-KR" altLang="en-US" dirty="0"/>
-              <a:t>가 계속해서 동일한 데이터를 표시한다고 보장할 수 없다는 결론이죠</a:t>
-            </a:r>
-            <a:r>
-              <a:rPr lang="en-US" altLang="ko-KR" dirty="0"/>
-              <a:t>.</a:t>
-            </a:r>
-          </a:p>
-          <a:p>
-            <a:r>
-              <a:rPr lang="ko-KR" altLang="en-US" dirty="0" smtClean="0"/>
-              <a:t>즉 </a:t>
-            </a:r>
-            <a:r>
-              <a:rPr lang="ko-KR" altLang="en-US" dirty="0"/>
-              <a:t>아이템의 </a:t>
-            </a:r>
-            <a:r>
-              <a:rPr lang="ko-KR" altLang="en-US" dirty="0" smtClean="0"/>
-              <a:t>선택 상태는 </a:t>
-            </a:r>
-            <a:r>
-              <a:rPr lang="en-US" altLang="ko-KR" dirty="0"/>
-              <a:t>position</a:t>
-            </a:r>
-            <a:r>
-              <a:rPr lang="ko-KR" altLang="en-US" dirty="0"/>
-              <a:t>기반으로 관리하되</a:t>
-            </a:r>
-            <a:r>
-              <a:rPr lang="en-US" altLang="ko-KR" dirty="0"/>
-              <a:t>, </a:t>
-            </a:r>
-            <a:r>
-              <a:rPr lang="ko-KR" altLang="en-US" dirty="0"/>
-              <a:t>실제 선택 상태를 표시하는 것은 </a:t>
-            </a:r>
-            <a:r>
-              <a:rPr lang="en-US" altLang="ko-KR" dirty="0" err="1"/>
-              <a:t>ViewHolder</a:t>
-            </a:r>
-            <a:r>
-              <a:rPr lang="ko-KR" altLang="en-US" dirty="0"/>
-              <a:t>에 </a:t>
-            </a:r>
-            <a:r>
-              <a:rPr lang="ko-KR" altLang="en-US" dirty="0" smtClean="0"/>
-              <a:t>데이터가 반영되는 </a:t>
-            </a:r>
-            <a:r>
-              <a:rPr lang="ko-KR" altLang="en-US" dirty="0"/>
-              <a:t>시점에 처리 해주면 </a:t>
-            </a:r>
-            <a:r>
-              <a:rPr lang="ko-KR" altLang="en-US" dirty="0" smtClean="0"/>
-              <a:t>될 것 </a:t>
-            </a:r>
-            <a:r>
-              <a:rPr lang="ko-KR" altLang="en-US" dirty="0"/>
-              <a:t>같습니다</a:t>
-            </a:r>
-            <a:r>
-              <a:rPr lang="en-US" altLang="ko-KR" dirty="0"/>
-              <a:t>.</a:t>
-            </a:r>
-          </a:p>
-          <a:p>
-            <a:r>
-              <a:rPr lang="en-US" altLang="ko-KR" dirty="0" err="1" smtClean="0"/>
-              <a:t>ViewHolder</a:t>
-            </a:r>
-            <a:r>
-              <a:rPr lang="ko-KR" altLang="en-US" dirty="0"/>
-              <a:t>의 </a:t>
+              <a:t> 추가하면 어떨까요</a:t>
             </a:r>
             <a:r>
               <a:rPr lang="en-US" altLang="ko-KR" dirty="0" smtClean="0"/>
-              <a:t>position</a:t>
-            </a:r>
-            <a:r>
-              <a:rPr lang="ko-KR" altLang="en-US" dirty="0" smtClean="0"/>
-              <a:t>은 </a:t>
-            </a:r>
-            <a:r>
-              <a:rPr lang="en-US" altLang="ko-KR" dirty="0" err="1" smtClean="0"/>
-              <a:t>ViewHolder</a:t>
-            </a:r>
-            <a:r>
-              <a:rPr lang="ko-KR" altLang="en-US" dirty="0"/>
-              <a:t>의 재사용 여부와 관계 없이 아이템 배치순서상의 </a:t>
-            </a:r>
-            <a:r>
-              <a:rPr lang="en-US" altLang="ko-KR" dirty="0"/>
-              <a:t>position( 0 base</a:t>
-            </a:r>
-            <a:r>
-              <a:rPr lang="en-US" altLang="ko-KR" dirty="0" smtClean="0"/>
-              <a:t>)</a:t>
-            </a:r>
-            <a:r>
-              <a:rPr lang="ko-KR" altLang="en-US" dirty="0" smtClean="0"/>
-              <a:t>을 뜻합니다</a:t>
-            </a:r>
-            <a:r>
-              <a:rPr lang="en-US" altLang="ko-KR" dirty="0" smtClean="0"/>
-              <a:t>. </a:t>
-            </a:r>
-            <a:r>
-              <a:rPr lang="en-US" altLang="ko-KR" dirty="0" err="1" smtClean="0"/>
-              <a:t>ArrayList</a:t>
-            </a:r>
-            <a:r>
-              <a:rPr lang="en-US" altLang="ko-KR" dirty="0" smtClean="0"/>
-              <a:t> Person </a:t>
-            </a:r>
-            <a:r>
-              <a:rPr lang="ko-KR" altLang="en-US" dirty="0" err="1" smtClean="0"/>
-              <a:t>데이터셋의</a:t>
-            </a:r>
-            <a:r>
-              <a:rPr lang="ko-KR" altLang="en-US" dirty="0" smtClean="0"/>
-              <a:t> </a:t>
-            </a:r>
-            <a:r>
-              <a:rPr lang="en-US" altLang="ko-KR" dirty="0" smtClean="0"/>
-              <a:t>index</a:t>
-            </a:r>
-            <a:r>
-              <a:rPr lang="ko-KR" altLang="en-US" dirty="0"/>
-              <a:t>값 이라고 생각해도 무방합니다</a:t>
-            </a:r>
-            <a:r>
-              <a:rPr lang="en-US" altLang="ko-KR" dirty="0" smtClean="0"/>
-              <a:t>.</a:t>
-            </a:r>
-          </a:p>
-          <a:p>
-            <a:r>
-              <a:rPr lang="ko-KR" altLang="en-US" dirty="0"/>
-              <a:t>그렇다면 </a:t>
-            </a:r>
-            <a:r>
-              <a:rPr lang="en-US" altLang="ko-KR" dirty="0" smtClean="0"/>
-              <a:t/>
-            </a:r>
-            <a:br>
-              <a:rPr lang="en-US" altLang="ko-KR" dirty="0" smtClean="0"/>
-            </a:br>
-            <a:r>
-              <a:rPr lang="en-US" altLang="ko-KR" dirty="0" smtClean="0"/>
-              <a:t>1</a:t>
-            </a:r>
-            <a:r>
-              <a:rPr lang="en-US" altLang="ko-KR" dirty="0"/>
-              <a:t>. </a:t>
-            </a:r>
-            <a:r>
-              <a:rPr lang="ko-KR" altLang="en-US" b="1" dirty="0"/>
-              <a:t>아이템 </a:t>
-            </a:r>
-            <a:r>
-              <a:rPr lang="ko-KR" altLang="en-US" b="1" dirty="0" smtClean="0"/>
-              <a:t>클릭 시 </a:t>
-            </a:r>
-            <a:r>
-              <a:rPr lang="ko-KR" altLang="en-US" b="1" dirty="0"/>
-              <a:t>선택 상태 저장 및 선택 상태 </a:t>
-            </a:r>
-            <a:r>
-              <a:rPr lang="ko-KR" altLang="en-US" b="1" dirty="0" smtClean="0"/>
-              <a:t>표시  </a:t>
-            </a:r>
-            <a:r>
-              <a:rPr lang="en-US" altLang="ko-KR" b="1" dirty="0" smtClean="0"/>
-              <a:t>(Trial 2</a:t>
-            </a:r>
-            <a:r>
-              <a:rPr lang="ko-KR" altLang="en-US" b="1" dirty="0" smtClean="0"/>
-              <a:t>에서 시도한 것입니다</a:t>
-            </a:r>
-            <a:r>
-              <a:rPr lang="en-US" altLang="ko-KR" b="1" dirty="0" smtClean="0"/>
-              <a:t>.)</a:t>
-            </a:r>
-            <a:br>
-              <a:rPr lang="en-US" altLang="ko-KR" b="1" dirty="0" smtClean="0"/>
-            </a:br>
-            <a:r>
-              <a:rPr lang="en-US" altLang="ko-KR" dirty="0" smtClean="0"/>
-              <a:t>2</a:t>
-            </a:r>
-            <a:r>
-              <a:rPr lang="en-US" altLang="ko-KR" dirty="0"/>
-              <a:t>. </a:t>
-            </a:r>
-            <a:r>
-              <a:rPr lang="ko-KR" altLang="en-US" b="1" dirty="0"/>
-              <a:t>아이템 바인딩 시에 선택 상태 </a:t>
-            </a:r>
-            <a:r>
-              <a:rPr lang="ko-KR" altLang="en-US" b="1" dirty="0" smtClean="0"/>
-              <a:t>표시 </a:t>
-            </a:r>
-            <a:r>
-              <a:rPr lang="en-US" altLang="ko-KR" b="1" dirty="0" smtClean="0"/>
-              <a:t>(Trial 3</a:t>
-            </a:r>
-            <a:r>
-              <a:rPr lang="ko-KR" altLang="en-US" b="1" dirty="0" smtClean="0"/>
-              <a:t>에서 이 부분을 추가하면 됩니다</a:t>
-            </a:r>
-            <a:r>
-              <a:rPr lang="en-US" altLang="ko-KR" b="1" dirty="0" smtClean="0"/>
-              <a:t>.)</a:t>
-            </a:r>
-            <a:br>
-              <a:rPr lang="en-US" altLang="ko-KR" b="1" dirty="0" smtClean="0"/>
-            </a:br>
-            <a:r>
-              <a:rPr lang="ko-KR" altLang="en-US" dirty="0" smtClean="0"/>
-              <a:t>방법으로 </a:t>
-            </a:r>
-            <a:r>
-              <a:rPr lang="ko-KR" altLang="en-US" dirty="0"/>
-              <a:t>구현해 보면 </a:t>
-            </a:r>
-            <a:r>
-              <a:rPr lang="ko-KR" altLang="en-US" dirty="0" smtClean="0"/>
-              <a:t>될 것 같은 생각이 들 것입니다</a:t>
-            </a:r>
-            <a:r>
-              <a:rPr lang="en-US" altLang="ko-KR" dirty="0" smtClean="0"/>
-              <a:t>. </a:t>
-            </a:r>
-          </a:p>
-          <a:p>
-            <a:r>
-              <a:rPr lang="en-US" altLang="ko-KR" dirty="0" smtClean="0"/>
-              <a:t>Trial 3</a:t>
-            </a:r>
-            <a:r>
-              <a:rPr lang="ko-KR" altLang="en-US" dirty="0" smtClean="0"/>
-              <a:t>에서 추가해야 할 곳을 찾아보십시오</a:t>
-            </a:r>
-            <a:r>
-              <a:rPr lang="en-US" altLang="ko-KR" dirty="0" smtClean="0"/>
-              <a:t>.  </a:t>
-            </a:r>
-            <a:r>
-              <a:rPr lang="ko-KR" altLang="en-US" dirty="0" smtClean="0"/>
-              <a:t>이것이 문제입니다</a:t>
-            </a:r>
-            <a:r>
-              <a:rPr lang="en-US" altLang="ko-KR" dirty="0" smtClean="0"/>
-              <a:t>. </a:t>
-            </a:r>
+              <a:t>? </a:t>
+            </a:r>
+          </a:p>
+          <a:p>
+            <a:pPr marL="0" indent="0">
+              <a:buNone/>
+            </a:pPr>
             <a:endParaRPr lang="en-US" altLang="ko-KR" dirty="0"/>
           </a:p>
           <a:p>
@@ -43271,10 +43102,379 @@
           </a:p>
         </p:txBody>
       </p:sp>
+      <p:sp>
+        <p:nvSpPr>
+          <p:cNvPr id="5" name="직사각형 4"/>
+          <p:cNvSpPr/>
+          <p:nvPr/>
+        </p:nvSpPr>
+        <p:spPr>
+          <a:xfrm>
+            <a:off x="447394" y="2204864"/>
+            <a:ext cx="11253818" cy="3323987"/>
+          </a:xfrm>
+          <a:prstGeom prst="rect">
+            <a:avLst/>
+          </a:prstGeom>
+          <a:solidFill>
+            <a:schemeClr val="bg1">
+              <a:lumMod val="95000"/>
+            </a:schemeClr>
+          </a:solidFill>
+          <a:ln>
+            <a:solidFill>
+              <a:schemeClr val="bg1">
+                <a:lumMod val="75000"/>
+              </a:schemeClr>
+            </a:solidFill>
+          </a:ln>
+        </p:spPr>
+        <p:txBody>
+          <a:bodyPr wrap="square">
+            <a:spAutoFit/>
+          </a:bodyPr>
+          <a:lstStyle/>
+          <a:p>
+            <a:r>
+              <a:rPr lang="en-US" altLang="ko-KR" sz="1400" dirty="0">
+                <a:latin typeface="Consolas" panose="020B0609020204030204" pitchFamily="49" charset="0"/>
+              </a:rPr>
+              <a:t> </a:t>
+            </a:r>
+            <a:r>
+              <a:rPr lang="en-US" altLang="ko-KR" sz="1400" dirty="0" smtClean="0">
+                <a:latin typeface="Consolas" panose="020B0609020204030204" pitchFamily="49" charset="0"/>
+              </a:rPr>
+              <a:t>   @</a:t>
+            </a:r>
+            <a:r>
+              <a:rPr lang="en-US" altLang="ko-KR" sz="1400" dirty="0">
+                <a:latin typeface="Consolas" panose="020B0609020204030204" pitchFamily="49" charset="0"/>
+              </a:rPr>
+              <a:t>Override</a:t>
+            </a:r>
+          </a:p>
+          <a:p>
+            <a:r>
+              <a:rPr lang="en-US" altLang="ko-KR" sz="1400" dirty="0">
+                <a:latin typeface="Consolas" panose="020B0609020204030204" pitchFamily="49" charset="0"/>
+              </a:rPr>
+              <a:t>    public void </a:t>
+            </a:r>
+            <a:r>
+              <a:rPr lang="en-US" altLang="ko-KR" sz="1400" dirty="0" err="1">
+                <a:latin typeface="Consolas" panose="020B0609020204030204" pitchFamily="49" charset="0"/>
+              </a:rPr>
+              <a:t>onItemClick</a:t>
+            </a:r>
+            <a:r>
+              <a:rPr lang="en-US" altLang="ko-KR" sz="1400" dirty="0">
+                <a:latin typeface="Consolas" panose="020B0609020204030204" pitchFamily="49" charset="0"/>
+              </a:rPr>
+              <a:t>(</a:t>
+            </a:r>
+            <a:r>
+              <a:rPr lang="en-US" altLang="ko-KR" sz="1400" dirty="0" err="1">
+                <a:latin typeface="Consolas" panose="020B0609020204030204" pitchFamily="49" charset="0"/>
+              </a:rPr>
+              <a:t>ViewHolder</a:t>
+            </a:r>
+            <a:r>
+              <a:rPr lang="en-US" altLang="ko-KR" sz="1400" dirty="0">
+                <a:latin typeface="Consolas" panose="020B0609020204030204" pitchFamily="49" charset="0"/>
+              </a:rPr>
+              <a:t> holder, View </a:t>
+            </a:r>
+            <a:r>
+              <a:rPr lang="en-US" altLang="ko-KR" sz="1400" dirty="0" err="1">
+                <a:latin typeface="Consolas" panose="020B0609020204030204" pitchFamily="49" charset="0"/>
+              </a:rPr>
+              <a:t>view</a:t>
+            </a:r>
+            <a:r>
+              <a:rPr lang="en-US" altLang="ko-KR" sz="1400" dirty="0">
+                <a:latin typeface="Consolas" panose="020B0609020204030204" pitchFamily="49" charset="0"/>
+              </a:rPr>
+              <a:t>, int position) {</a:t>
+            </a:r>
+          </a:p>
+          <a:p>
+            <a:r>
+              <a:rPr lang="en-US" altLang="ko-KR" sz="1400" dirty="0">
+                <a:latin typeface="Consolas" panose="020B0609020204030204" pitchFamily="49" charset="0"/>
+              </a:rPr>
+              <a:t>        if (listener != null) {</a:t>
+            </a:r>
+          </a:p>
+          <a:p>
+            <a:r>
+              <a:rPr lang="en-US" altLang="ko-KR" sz="1400" dirty="0">
+                <a:latin typeface="Consolas" panose="020B0609020204030204" pitchFamily="49" charset="0"/>
+              </a:rPr>
+              <a:t>            </a:t>
+            </a:r>
+            <a:r>
+              <a:rPr lang="en-US" altLang="ko-KR" sz="1400" dirty="0" err="1">
+                <a:latin typeface="Consolas" panose="020B0609020204030204" pitchFamily="49" charset="0"/>
+              </a:rPr>
+              <a:t>Log.d</a:t>
+            </a:r>
+            <a:r>
+              <a:rPr lang="en-US" altLang="ko-KR" sz="1400" dirty="0">
+                <a:latin typeface="Consolas" panose="020B0609020204030204" pitchFamily="49" charset="0"/>
+              </a:rPr>
+              <a:t>(TAG, "</a:t>
+            </a:r>
+            <a:r>
+              <a:rPr lang="en-US" altLang="ko-KR" sz="1400" dirty="0" err="1">
+                <a:latin typeface="Consolas" panose="020B0609020204030204" pitchFamily="49" charset="0"/>
+              </a:rPr>
+              <a:t>PersonAdapter</a:t>
+            </a:r>
+            <a:r>
+              <a:rPr lang="en-US" altLang="ko-KR" sz="1400" dirty="0">
+                <a:latin typeface="Consolas" panose="020B0609020204030204" pitchFamily="49" charset="0"/>
+              </a:rPr>
+              <a:t>: </a:t>
+            </a:r>
+            <a:r>
+              <a:rPr lang="en-US" altLang="ko-KR" sz="1400" dirty="0" err="1">
+                <a:latin typeface="Consolas" panose="020B0609020204030204" pitchFamily="49" charset="0"/>
+              </a:rPr>
+              <a:t>onItemClick</a:t>
+            </a:r>
+            <a:r>
+              <a:rPr lang="en-US" altLang="ko-KR" sz="1400" dirty="0">
+                <a:latin typeface="Consolas" panose="020B0609020204030204" pitchFamily="49" charset="0"/>
+              </a:rPr>
+              <a:t> listener: " + position);</a:t>
+            </a:r>
+          </a:p>
+          <a:p>
+            <a:r>
+              <a:rPr lang="en-US" altLang="ko-KR" sz="1400" dirty="0">
+                <a:latin typeface="Consolas" panose="020B0609020204030204" pitchFamily="49" charset="0"/>
+              </a:rPr>
+              <a:t>            </a:t>
+            </a:r>
+            <a:r>
+              <a:rPr lang="en-US" altLang="ko-KR" sz="1400" dirty="0" err="1">
+                <a:latin typeface="Consolas" panose="020B0609020204030204" pitchFamily="49" charset="0"/>
+              </a:rPr>
+              <a:t>listener.onItemClick</a:t>
+            </a:r>
+            <a:r>
+              <a:rPr lang="en-US" altLang="ko-KR" sz="1400" dirty="0">
+                <a:latin typeface="Consolas" panose="020B0609020204030204" pitchFamily="49" charset="0"/>
+              </a:rPr>
+              <a:t>(holder, view, position);</a:t>
+            </a:r>
+          </a:p>
+          <a:p>
+            <a:r>
+              <a:rPr lang="en-US" altLang="ko-KR" sz="1400" dirty="0">
+                <a:latin typeface="Consolas" panose="020B0609020204030204" pitchFamily="49" charset="0"/>
+              </a:rPr>
+              <a:t>            </a:t>
+            </a:r>
+          </a:p>
+          <a:p>
+            <a:r>
+              <a:rPr lang="en-US" altLang="ko-KR" sz="1400" dirty="0">
+                <a:latin typeface="Consolas" panose="020B0609020204030204" pitchFamily="49" charset="0"/>
+              </a:rPr>
+              <a:t>            if (</a:t>
+            </a:r>
+            <a:r>
+              <a:rPr lang="en-US" altLang="ko-KR" sz="1400" dirty="0" err="1">
+                <a:latin typeface="Consolas" panose="020B0609020204030204" pitchFamily="49" charset="0"/>
+              </a:rPr>
+              <a:t>itemsSelected.contains</a:t>
+            </a:r>
+            <a:r>
+              <a:rPr lang="en-US" altLang="ko-KR" sz="1400" dirty="0">
+                <a:latin typeface="Consolas" panose="020B0609020204030204" pitchFamily="49" charset="0"/>
+              </a:rPr>
+              <a:t>(position)) {</a:t>
+            </a:r>
+          </a:p>
+          <a:p>
+            <a:r>
+              <a:rPr lang="en-US" altLang="ko-KR" sz="1400" dirty="0">
+                <a:latin typeface="Consolas" panose="020B0609020204030204" pitchFamily="49" charset="0"/>
+              </a:rPr>
+              <a:t>                </a:t>
+            </a:r>
+            <a:r>
+              <a:rPr lang="en-US" altLang="ko-KR" sz="1400" dirty="0" err="1">
+                <a:latin typeface="Consolas" panose="020B0609020204030204" pitchFamily="49" charset="0"/>
+              </a:rPr>
+              <a:t>holder.itemView.setBackgroundColor</a:t>
+            </a:r>
+            <a:r>
+              <a:rPr lang="en-US" altLang="ko-KR" sz="1400" dirty="0">
+                <a:latin typeface="Consolas" panose="020B0609020204030204" pitchFamily="49" charset="0"/>
+              </a:rPr>
+              <a:t>(</a:t>
+            </a:r>
+            <a:r>
+              <a:rPr lang="en-US" altLang="ko-KR" sz="1400" dirty="0" err="1">
+                <a:latin typeface="Consolas" panose="020B0609020204030204" pitchFamily="49" charset="0"/>
+              </a:rPr>
+              <a:t>Color.YELLOW</a:t>
+            </a:r>
+            <a:r>
+              <a:rPr lang="en-US" altLang="ko-KR" sz="1400" dirty="0">
+                <a:latin typeface="Consolas" panose="020B0609020204030204" pitchFamily="49" charset="0"/>
+              </a:rPr>
+              <a:t>);</a:t>
+            </a:r>
+          </a:p>
+          <a:p>
+            <a:r>
+              <a:rPr lang="en-US" altLang="ko-KR" sz="1400" dirty="0">
+                <a:latin typeface="Consolas" panose="020B0609020204030204" pitchFamily="49" charset="0"/>
+              </a:rPr>
+              <a:t>            }</a:t>
+            </a:r>
+          </a:p>
+          <a:p>
+            <a:r>
+              <a:rPr lang="en-US" altLang="ko-KR" sz="1400" dirty="0">
+                <a:latin typeface="Consolas" panose="020B0609020204030204" pitchFamily="49" charset="0"/>
+              </a:rPr>
+              <a:t>            else {</a:t>
+            </a:r>
+          </a:p>
+          <a:p>
+            <a:r>
+              <a:rPr lang="en-US" altLang="ko-KR" sz="1400" dirty="0">
+                <a:latin typeface="Consolas" panose="020B0609020204030204" pitchFamily="49" charset="0"/>
+              </a:rPr>
+              <a:t>                </a:t>
+            </a:r>
+            <a:r>
+              <a:rPr lang="en-US" altLang="ko-KR" sz="1400" dirty="0" err="1">
+                <a:latin typeface="Consolas" panose="020B0609020204030204" pitchFamily="49" charset="0"/>
+              </a:rPr>
+              <a:t>holder.itemView.setBackgroundColor</a:t>
+            </a:r>
+            <a:r>
+              <a:rPr lang="en-US" altLang="ko-KR" sz="1400" dirty="0">
+                <a:latin typeface="Consolas" panose="020B0609020204030204" pitchFamily="49" charset="0"/>
+              </a:rPr>
+              <a:t>(</a:t>
+            </a:r>
+            <a:r>
+              <a:rPr lang="en-US" altLang="ko-KR" sz="1400" dirty="0" err="1">
+                <a:latin typeface="Consolas" panose="020B0609020204030204" pitchFamily="49" charset="0"/>
+              </a:rPr>
+              <a:t>Color.WHITE</a:t>
+            </a:r>
+            <a:r>
+              <a:rPr lang="en-US" altLang="ko-KR" sz="1400" dirty="0">
+                <a:latin typeface="Consolas" panose="020B0609020204030204" pitchFamily="49" charset="0"/>
+              </a:rPr>
+              <a:t>);</a:t>
+            </a:r>
+          </a:p>
+          <a:p>
+            <a:r>
+              <a:rPr lang="en-US" altLang="ko-KR" sz="1400" dirty="0">
+                <a:latin typeface="Consolas" panose="020B0609020204030204" pitchFamily="49" charset="0"/>
+              </a:rPr>
+              <a:t>            }</a:t>
+            </a:r>
+          </a:p>
+          <a:p>
+            <a:r>
+              <a:rPr lang="en-US" altLang="ko-KR" sz="1400" dirty="0">
+                <a:latin typeface="Consolas" panose="020B0609020204030204" pitchFamily="49" charset="0"/>
+              </a:rPr>
+              <a:t>            </a:t>
+            </a:r>
+            <a:r>
+              <a:rPr lang="en-US" altLang="ko-KR" sz="1400" dirty="0" err="1">
+                <a:latin typeface="Consolas" panose="020B0609020204030204" pitchFamily="49" charset="0"/>
+              </a:rPr>
+              <a:t>Log.d</a:t>
+            </a:r>
+            <a:r>
+              <a:rPr lang="en-US" altLang="ko-KR" sz="1400" dirty="0">
+                <a:latin typeface="Consolas" panose="020B0609020204030204" pitchFamily="49" charset="0"/>
+              </a:rPr>
+              <a:t>(TAG, "Selected: " + </a:t>
+            </a:r>
+            <a:r>
+              <a:rPr lang="en-US" altLang="ko-KR" sz="1400" dirty="0" err="1">
+                <a:latin typeface="Consolas" panose="020B0609020204030204" pitchFamily="49" charset="0"/>
+              </a:rPr>
+              <a:t>itemsSelected.toString</a:t>
+            </a:r>
+            <a:r>
+              <a:rPr lang="en-US" altLang="ko-KR" sz="1400" dirty="0">
+                <a:latin typeface="Consolas" panose="020B0609020204030204" pitchFamily="49" charset="0"/>
+              </a:rPr>
+              <a:t>());</a:t>
+            </a:r>
+          </a:p>
+          <a:p>
+            <a:r>
+              <a:rPr lang="en-US" altLang="ko-KR" sz="1400" dirty="0">
+                <a:latin typeface="Consolas" panose="020B0609020204030204" pitchFamily="49" charset="0"/>
+              </a:rPr>
+              <a:t>        }</a:t>
+            </a:r>
+          </a:p>
+          <a:p>
+            <a:r>
+              <a:rPr lang="en-US" altLang="ko-KR" sz="1400" dirty="0">
+                <a:latin typeface="Consolas" panose="020B0609020204030204" pitchFamily="49" charset="0"/>
+              </a:rPr>
+              <a:t>    }</a:t>
+            </a:r>
+            <a:endParaRPr lang="ko-KR" altLang="en-US" sz="1400" dirty="0">
+              <a:latin typeface="Consolas" panose="020B0609020204030204" pitchFamily="49" charset="0"/>
+            </a:endParaRPr>
+          </a:p>
+        </p:txBody>
+      </p:sp>
+      <p:sp>
+        <p:nvSpPr>
+          <p:cNvPr id="6" name="TextBox 5"/>
+          <p:cNvSpPr txBox="1"/>
+          <p:nvPr/>
+        </p:nvSpPr>
+        <p:spPr>
+          <a:xfrm>
+            <a:off x="9011760" y="2050975"/>
+            <a:ext cx="2062641" cy="307777"/>
+          </a:xfrm>
+          <a:prstGeom prst="rect">
+            <a:avLst/>
+          </a:prstGeom>
+          <a:solidFill>
+            <a:srgbClr val="FFC000"/>
+          </a:solidFill>
+        </p:spPr>
+        <p:txBody>
+          <a:bodyPr wrap="square" rtlCol="0">
+            <a:spAutoFit/>
+          </a:bodyPr>
+          <a:lstStyle/>
+          <a:p>
+            <a:r>
+              <a:rPr lang="en-US" altLang="ko-KR" sz="1400" dirty="0" smtClean="0"/>
+              <a:t>PersonAdapter.java</a:t>
+            </a:r>
+            <a:endParaRPr lang="ko-KR" altLang="en-US" sz="1400" dirty="0"/>
+          </a:p>
+        </p:txBody>
+      </p:sp>
     </p:spTree>
     <p:extLst>
       <p:ext uri="{BB962C8B-B14F-4D97-AF65-F5344CB8AC3E}">
-        <p14:creationId xmlns:p14="http://schemas.microsoft.com/office/powerpoint/2010/main" val="2905867521"/>
+        <p14:creationId xmlns:p14="http://schemas.microsoft.com/office/powerpoint/2010/main" val="2864456436"/>
       </p:ext>
     </p:extLst>
   </p:cSld>
@@ -43387,11 +43587,7 @@
             </a:r>
             <a:r>
               <a:rPr lang="en-US" altLang="ko-KR" b="1" dirty="0" smtClean="0"/>
-              <a:t>RecylerView</a:t>
-            </a:r>
-            <a:r>
-              <a:rPr lang="en-US" altLang="ko-KR" b="1" dirty="0" smtClean="0"/>
-              <a:t>:</a:t>
+              <a:t>RecylerView:</a:t>
             </a:r>
           </a:p>
           <a:p>
@@ -43400,15 +43596,7 @@
             </a:pPr>
             <a:r>
               <a:rPr lang="en-US" altLang="ko-KR" b="1" dirty="0" smtClean="0"/>
-              <a:t>3</a:t>
-            </a:r>
-            <a:r>
-              <a:rPr lang="en-US" altLang="ko-KR" b="1" baseline="30000" dirty="0" smtClean="0"/>
-              <a:t>rd</a:t>
-            </a:r>
-            <a:r>
-              <a:rPr lang="en-US" altLang="ko-KR" b="1" dirty="0" smtClean="0"/>
-              <a:t> Trial: 2</a:t>
+              <a:t>2</a:t>
             </a:r>
             <a:r>
               <a:rPr lang="en-US" altLang="ko-KR" b="1" baseline="30000" dirty="0" smtClean="0"/>
@@ -43416,138 +43604,39 @@
             </a:r>
             <a:r>
               <a:rPr lang="en-US" altLang="ko-KR" b="1" dirty="0" smtClean="0"/>
+              <a:t> Trial </a:t>
+            </a:r>
+            <a:r>
+              <a:rPr lang="ko-KR" altLang="en-US" b="1" dirty="0" smtClean="0"/>
+              <a:t>계속</a:t>
+            </a:r>
+            <a:r>
+              <a:rPr lang="en-US" altLang="ko-KR" b="1" dirty="0" smtClean="0"/>
+              <a:t>: </a:t>
+            </a:r>
+            <a:r>
+              <a:rPr lang="en-US" altLang="ko-KR" dirty="0" smtClean="0"/>
+              <a:t>1</a:t>
+            </a:r>
+            <a:r>
+              <a:rPr lang="en-US" altLang="ko-KR" baseline="30000" dirty="0" smtClean="0"/>
+              <a:t>st</a:t>
+            </a:r>
+            <a:r>
+              <a:rPr lang="en-US" altLang="ko-KR" dirty="0" smtClean="0"/>
               <a:t> Trial</a:t>
             </a:r>
             <a:r>
-              <a:rPr lang="ko-KR" altLang="en-US" b="1" dirty="0" smtClean="0"/>
-              <a:t>에서 코딩한 부분은 그대로 유지합니다</a:t>
-            </a:r>
-            <a:r>
-              <a:rPr lang="en-US" altLang="ko-KR" b="1" dirty="0" smtClean="0"/>
-              <a:t>. </a:t>
-            </a:r>
-            <a:r>
               <a:rPr lang="ko-KR" altLang="en-US" dirty="0" smtClean="0"/>
-              <a:t>그와 같은 기능을 하는 코드를 어디에 추가해야 할까요</a:t>
-            </a:r>
-            <a:r>
-              <a:rPr lang="en-US" altLang="ko-KR" dirty="0" smtClean="0"/>
-              <a:t>? </a:t>
-            </a:r>
-          </a:p>
-          <a:p>
-            <a:r>
-              <a:rPr lang="en-US" altLang="ko-KR" dirty="0" err="1" smtClean="0"/>
-              <a:t>PersonAdapter</a:t>
-            </a:r>
-            <a:r>
-              <a:rPr lang="en-US" altLang="ko-KR" dirty="0" smtClean="0"/>
-              <a:t> </a:t>
-            </a:r>
-            <a:r>
-              <a:rPr lang="ko-KR" altLang="en-US" dirty="0" smtClean="0"/>
-              <a:t>클래스의 </a:t>
-            </a:r>
-            <a:r>
-              <a:rPr lang="en-US" altLang="ko-KR" dirty="0" err="1" smtClean="0"/>
-              <a:t>onItemClick</a:t>
-            </a:r>
-            <a:r>
-              <a:rPr lang="en-US" altLang="ko-KR" dirty="0" smtClean="0"/>
-              <a:t>() </a:t>
-            </a:r>
-            <a:r>
-              <a:rPr lang="ko-KR" altLang="en-US" dirty="0" err="1" smtClean="0"/>
-              <a:t>메소드에</a:t>
-            </a:r>
-            <a:r>
-              <a:rPr lang="ko-KR" altLang="en-US" dirty="0" smtClean="0"/>
-              <a:t> 추가하면 어떨까요</a:t>
-            </a:r>
-            <a:r>
-              <a:rPr lang="en-US" altLang="ko-KR" dirty="0" smtClean="0"/>
-              <a:t>? </a:t>
-            </a:r>
-          </a:p>
-          <a:p>
-            <a:r>
-              <a:rPr lang="en-US" altLang="ko-KR" dirty="0" err="1" smtClean="0"/>
-              <a:t>onBindViewHolder</a:t>
-            </a:r>
-            <a:r>
-              <a:rPr lang="en-US" altLang="ko-KR" dirty="0" smtClean="0"/>
-              <a:t> </a:t>
-            </a:r>
-            <a:r>
-              <a:rPr lang="ko-KR" altLang="en-US" dirty="0" smtClean="0"/>
-              <a:t>메소드가 우리가 화면에 볼 </a:t>
-            </a:r>
-            <a:r>
-              <a:rPr lang="en-US" altLang="ko-KR" dirty="0" smtClean="0"/>
-              <a:t>item</a:t>
-            </a:r>
-            <a:r>
-              <a:rPr lang="ko-KR" altLang="en-US" dirty="0" smtClean="0"/>
-              <a:t>들을 </a:t>
-            </a:r>
-            <a:r>
-              <a:rPr lang="en-US" altLang="ko-KR" dirty="0" smtClean="0"/>
-              <a:t>View</a:t>
-            </a:r>
-            <a:r>
-              <a:rPr lang="ko-KR" altLang="en-US" dirty="0" smtClean="0"/>
-              <a:t>와 일치하도록 연결을 설정하는 코드입니다</a:t>
+              <a:t>과 같은 현상이 나타나는 것을 관찰할 수 있습니다</a:t>
             </a:r>
             <a:r>
               <a:rPr lang="en-US" altLang="ko-KR" dirty="0" smtClean="0"/>
               <a:t>. </a:t>
             </a:r>
-          </a:p>
-          <a:p>
-            <a:endParaRPr lang="en-US" altLang="ko-KR" dirty="0"/>
-          </a:p>
-          <a:p>
-            <a:endParaRPr lang="en-US" altLang="ko-KR" dirty="0" smtClean="0"/>
-          </a:p>
-          <a:p>
-            <a:endParaRPr lang="en-US" altLang="ko-KR" dirty="0"/>
-          </a:p>
-          <a:p>
-            <a:endParaRPr lang="en-US" altLang="ko-KR" dirty="0" smtClean="0"/>
-          </a:p>
-          <a:p>
-            <a:endParaRPr lang="en-US" altLang="ko-KR" dirty="0"/>
-          </a:p>
-          <a:p>
-            <a:endParaRPr lang="en-US" altLang="ko-KR" dirty="0" smtClean="0"/>
-          </a:p>
-          <a:p>
-            <a:endParaRPr lang="en-US" altLang="ko-KR" dirty="0"/>
-          </a:p>
-          <a:p>
-            <a:endParaRPr lang="en-US" altLang="ko-KR" dirty="0" smtClean="0"/>
-          </a:p>
-          <a:p>
-            <a:endParaRPr lang="en-US" altLang="ko-KR" dirty="0"/>
-          </a:p>
-          <a:p>
-            <a:endParaRPr lang="en-US" altLang="ko-KR" dirty="0" smtClean="0"/>
-          </a:p>
-          <a:p>
-            <a:endParaRPr lang="en-US" altLang="ko-KR" dirty="0"/>
-          </a:p>
-          <a:p>
             <a:r>
               <a:rPr lang="ko-KR" altLang="en-US" dirty="0" smtClean="0"/>
-              <a:t>이제 스크롤을 하더라도 선택한 </a:t>
-            </a:r>
-            <a:r>
-              <a:rPr lang="en-US" altLang="ko-KR" dirty="0" smtClean="0"/>
-              <a:t>item</a:t>
-            </a:r>
-            <a:r>
-              <a:rPr lang="ko-KR" altLang="en-US" dirty="0" smtClean="0"/>
-              <a:t>들이 제대로 나올 것입니다</a:t>
+              <a:t>사실 상 같은 코딩을 한 것 같습니다</a:t>
             </a:r>
             <a:r>
               <a:rPr lang="en-US" altLang="ko-KR" dirty="0" smtClean="0"/>
@@ -43555,9 +43644,369 @@
             </a:r>
           </a:p>
           <a:p>
-            <a:pPr marL="0" indent="0">
-              <a:buNone/>
-            </a:pPr>
+            <a:r>
+              <a:rPr lang="en-US" altLang="ko-KR" dirty="0"/>
+              <a:t> </a:t>
+            </a:r>
+            <a:r>
+              <a:rPr lang="en-US" altLang="ko-KR" dirty="0" err="1"/>
+              <a:t>RecyclerView</a:t>
+            </a:r>
+            <a:r>
+              <a:rPr lang="ko-KR" altLang="en-US" dirty="0"/>
+              <a:t>의 </a:t>
+            </a:r>
+            <a:r>
+              <a:rPr lang="en-US" altLang="ko-KR" dirty="0"/>
+              <a:t>Adapter</a:t>
+            </a:r>
+            <a:r>
+              <a:rPr lang="ko-KR" altLang="en-US" dirty="0"/>
+              <a:t>는 전체 아이템의 개수에 </a:t>
+            </a:r>
+            <a:r>
+              <a:rPr lang="ko-KR" altLang="en-US" dirty="0" smtClean="0"/>
+              <a:t>기반하여 </a:t>
+            </a:r>
+            <a:r>
+              <a:rPr lang="ko-KR" altLang="en-US" dirty="0" err="1" smtClean="0"/>
+              <a:t>적정수</a:t>
+            </a:r>
+            <a:r>
+              <a:rPr lang="en-US" altLang="ko-KR" dirty="0"/>
+              <a:t>( </a:t>
+            </a:r>
+            <a:r>
+              <a:rPr lang="ko-KR" altLang="en-US" dirty="0" err="1"/>
+              <a:t>한화면에</a:t>
+            </a:r>
+            <a:r>
+              <a:rPr lang="ko-KR" altLang="en-US" dirty="0"/>
+              <a:t> 표시되는 아이템 개수 </a:t>
+            </a:r>
+            <a:r>
+              <a:rPr lang="en-US" altLang="ko-KR" dirty="0"/>
+              <a:t>+ </a:t>
+            </a:r>
+            <a:r>
+              <a:rPr lang="ko-KR" altLang="en-US" dirty="0" err="1"/>
+              <a:t>스크롤시</a:t>
+            </a:r>
+            <a:r>
+              <a:rPr lang="ko-KR" altLang="en-US" dirty="0"/>
+              <a:t> 사용할 여분의 아이템 개수</a:t>
+            </a:r>
+            <a:r>
+              <a:rPr lang="en-US" altLang="ko-KR" dirty="0"/>
+              <a:t>)</a:t>
+            </a:r>
+            <a:r>
+              <a:rPr lang="ko-KR" altLang="en-US" dirty="0"/>
+              <a:t>의 </a:t>
+            </a:r>
+            <a:r>
+              <a:rPr lang="en-US" altLang="ko-KR" dirty="0" err="1"/>
+              <a:t>ViewHolder</a:t>
+            </a:r>
+            <a:r>
+              <a:rPr lang="en-US" altLang="ko-KR" dirty="0"/>
+              <a:t>( View )</a:t>
+            </a:r>
+            <a:r>
+              <a:rPr lang="ko-KR" altLang="en-US" dirty="0"/>
+              <a:t>를 미리 </a:t>
+            </a:r>
+            <a:r>
+              <a:rPr lang="ko-KR" altLang="en-US" dirty="0" smtClean="0"/>
+              <a:t>생성하고 화면상에 </a:t>
+            </a:r>
+            <a:r>
+              <a:rPr lang="ko-KR" altLang="en-US" dirty="0"/>
+              <a:t>표시되지 않는 </a:t>
+            </a:r>
+            <a:r>
+              <a:rPr lang="en-US" altLang="ko-KR" dirty="0"/>
+              <a:t>View</a:t>
+            </a:r>
+            <a:r>
+              <a:rPr lang="ko-KR" altLang="en-US" dirty="0"/>
+              <a:t>를 재사용하는 구조입니다</a:t>
+            </a:r>
+            <a:r>
+              <a:rPr lang="en-US" altLang="ko-KR" dirty="0"/>
+              <a:t>.</a:t>
+            </a:r>
+          </a:p>
+          <a:p>
+            <a:r>
+              <a:rPr lang="ko-KR" altLang="en-US" dirty="0" smtClean="0"/>
+              <a:t>클릭할 </a:t>
+            </a:r>
+            <a:r>
+              <a:rPr lang="ko-KR" altLang="en-US" dirty="0"/>
+              <a:t>당시의 </a:t>
+            </a:r>
+            <a:r>
+              <a:rPr lang="en-US" altLang="ko-KR" dirty="0"/>
+              <a:t>View</a:t>
+            </a:r>
+            <a:r>
+              <a:rPr lang="ko-KR" altLang="en-US" dirty="0"/>
+              <a:t>가 계속해서 동일한 데이터를 표시한다고 보장할 수 없다는 결론이죠</a:t>
+            </a:r>
+            <a:r>
+              <a:rPr lang="en-US" altLang="ko-KR" dirty="0"/>
+              <a:t>.</a:t>
+            </a:r>
+          </a:p>
+          <a:p>
+            <a:r>
+              <a:rPr lang="ko-KR" altLang="en-US" dirty="0" smtClean="0"/>
+              <a:t>즉 </a:t>
+            </a:r>
+            <a:r>
+              <a:rPr lang="ko-KR" altLang="en-US" dirty="0"/>
+              <a:t>아이템의 </a:t>
+            </a:r>
+            <a:r>
+              <a:rPr lang="ko-KR" altLang="en-US" dirty="0" smtClean="0"/>
+              <a:t>선택 상태는 </a:t>
+            </a:r>
+            <a:r>
+              <a:rPr lang="en-US" altLang="ko-KR" dirty="0"/>
+              <a:t>position</a:t>
+            </a:r>
+            <a:r>
+              <a:rPr lang="ko-KR" altLang="en-US" dirty="0"/>
+              <a:t>기반으로 관리하되</a:t>
+            </a:r>
+            <a:r>
+              <a:rPr lang="en-US" altLang="ko-KR" dirty="0"/>
+              <a:t>, </a:t>
+            </a:r>
+            <a:r>
+              <a:rPr lang="ko-KR" altLang="en-US" dirty="0"/>
+              <a:t>실제 선택 상태를 표시하는 것은 </a:t>
+            </a:r>
+            <a:r>
+              <a:rPr lang="en-US" altLang="ko-KR" dirty="0" err="1"/>
+              <a:t>ViewHolder</a:t>
+            </a:r>
+            <a:r>
+              <a:rPr lang="ko-KR" altLang="en-US" dirty="0"/>
+              <a:t>에 </a:t>
+            </a:r>
+            <a:r>
+              <a:rPr lang="ko-KR" altLang="en-US" dirty="0" smtClean="0"/>
+              <a:t>데이터가 반영되는 </a:t>
+            </a:r>
+            <a:r>
+              <a:rPr lang="ko-KR" altLang="en-US" dirty="0"/>
+              <a:t>시점에 처리 해주면 </a:t>
+            </a:r>
+            <a:r>
+              <a:rPr lang="ko-KR" altLang="en-US" dirty="0" smtClean="0"/>
+              <a:t>될 것 </a:t>
+            </a:r>
+            <a:r>
+              <a:rPr lang="ko-KR" altLang="en-US" dirty="0"/>
+              <a:t>같습니다</a:t>
+            </a:r>
+            <a:r>
+              <a:rPr lang="en-US" altLang="ko-KR" dirty="0"/>
+              <a:t>.</a:t>
+            </a:r>
+          </a:p>
+          <a:p>
+            <a:r>
+              <a:rPr lang="en-US" altLang="ko-KR" dirty="0" err="1" smtClean="0"/>
+              <a:t>ViewHolder</a:t>
+            </a:r>
+            <a:r>
+              <a:rPr lang="ko-KR" altLang="en-US" dirty="0"/>
+              <a:t>의 </a:t>
+            </a:r>
+            <a:r>
+              <a:rPr lang="en-US" altLang="ko-KR" dirty="0" smtClean="0"/>
+              <a:t>position</a:t>
+            </a:r>
+            <a:r>
+              <a:rPr lang="ko-KR" altLang="en-US" dirty="0" smtClean="0"/>
+              <a:t>은 </a:t>
+            </a:r>
+            <a:r>
+              <a:rPr lang="en-US" altLang="ko-KR" dirty="0" err="1" smtClean="0"/>
+              <a:t>ViewHolder</a:t>
+            </a:r>
+            <a:r>
+              <a:rPr lang="ko-KR" altLang="en-US" dirty="0"/>
+              <a:t>의 재사용 여부와 관계 없이 아이템 배치순서상의 </a:t>
+            </a:r>
+            <a:r>
+              <a:rPr lang="en-US" altLang="ko-KR" dirty="0"/>
+              <a:t>position( 0 base</a:t>
+            </a:r>
+            <a:r>
+              <a:rPr lang="en-US" altLang="ko-KR" dirty="0" smtClean="0"/>
+              <a:t>)</a:t>
+            </a:r>
+            <a:r>
+              <a:rPr lang="ko-KR" altLang="en-US" dirty="0" smtClean="0"/>
+              <a:t>을 뜻합니다</a:t>
+            </a:r>
+            <a:r>
+              <a:rPr lang="en-US" altLang="ko-KR" dirty="0" smtClean="0"/>
+              <a:t>. </a:t>
+            </a:r>
+            <a:r>
+              <a:rPr lang="en-US" altLang="ko-KR" dirty="0" err="1" smtClean="0"/>
+              <a:t>ArrayList</a:t>
+            </a:r>
+            <a:r>
+              <a:rPr lang="en-US" altLang="ko-KR" dirty="0" smtClean="0"/>
+              <a:t> Person </a:t>
+            </a:r>
+            <a:r>
+              <a:rPr lang="ko-KR" altLang="en-US" dirty="0" err="1" smtClean="0"/>
+              <a:t>데이터셋의</a:t>
+            </a:r>
+            <a:r>
+              <a:rPr lang="ko-KR" altLang="en-US" dirty="0" smtClean="0"/>
+              <a:t> </a:t>
+            </a:r>
+            <a:r>
+              <a:rPr lang="en-US" altLang="ko-KR" dirty="0" smtClean="0"/>
+              <a:t>index</a:t>
+            </a:r>
+            <a:r>
+              <a:rPr lang="ko-KR" altLang="en-US" dirty="0"/>
+              <a:t>값 이라고 생각해도 무방합니다</a:t>
+            </a:r>
+            <a:r>
+              <a:rPr lang="en-US" altLang="ko-KR" dirty="0" smtClean="0"/>
+              <a:t>.</a:t>
+            </a:r>
+          </a:p>
+          <a:p>
+            <a:r>
+              <a:rPr lang="ko-KR" altLang="en-US" dirty="0"/>
+              <a:t>그렇다면 </a:t>
+            </a:r>
+            <a:r>
+              <a:rPr lang="en-US" altLang="ko-KR" dirty="0" smtClean="0"/>
+              <a:t/>
+            </a:r>
+            <a:br>
+              <a:rPr lang="en-US" altLang="ko-KR" dirty="0" smtClean="0"/>
+            </a:br>
+            <a:r>
+              <a:rPr lang="en-US" altLang="ko-KR" dirty="0" smtClean="0"/>
+              <a:t>1</a:t>
+            </a:r>
+            <a:r>
+              <a:rPr lang="en-US" altLang="ko-KR" dirty="0"/>
+              <a:t>. </a:t>
+            </a:r>
+            <a:r>
+              <a:rPr lang="ko-KR" altLang="en-US" b="1" dirty="0"/>
+              <a:t>아이템 </a:t>
+            </a:r>
+            <a:r>
+              <a:rPr lang="ko-KR" altLang="en-US" b="1" dirty="0" smtClean="0"/>
+              <a:t>클릭 시 </a:t>
+            </a:r>
+            <a:r>
+              <a:rPr lang="ko-KR" altLang="en-US" b="1" dirty="0"/>
+              <a:t>선택 상태 저장 및 선택 상태 </a:t>
+            </a:r>
+            <a:r>
+              <a:rPr lang="ko-KR" altLang="en-US" b="1" dirty="0" smtClean="0"/>
+              <a:t>표시  </a:t>
+            </a:r>
+            <a:r>
+              <a:rPr lang="en-US" altLang="ko-KR" b="1" dirty="0" smtClean="0"/>
+              <a:t>(Trial 2</a:t>
+            </a:r>
+            <a:r>
+              <a:rPr lang="ko-KR" altLang="en-US" b="1" dirty="0" smtClean="0"/>
+              <a:t>에서 시도한 것입니다</a:t>
+            </a:r>
+            <a:r>
+              <a:rPr lang="en-US" altLang="ko-KR" b="1" dirty="0" smtClean="0"/>
+              <a:t>.)</a:t>
+            </a:r>
+            <a:br>
+              <a:rPr lang="en-US" altLang="ko-KR" b="1" dirty="0" smtClean="0"/>
+            </a:br>
+            <a:r>
+              <a:rPr lang="en-US" altLang="ko-KR" dirty="0" smtClean="0"/>
+              <a:t>2</a:t>
+            </a:r>
+            <a:r>
+              <a:rPr lang="en-US" altLang="ko-KR" dirty="0"/>
+              <a:t>. </a:t>
+            </a:r>
+            <a:r>
+              <a:rPr lang="ko-KR" altLang="en-US" b="1" dirty="0"/>
+              <a:t>아이템 바인딩 시에 선택 상태 </a:t>
+            </a:r>
+            <a:r>
+              <a:rPr lang="ko-KR" altLang="en-US" b="1" dirty="0" smtClean="0"/>
+              <a:t>표시 </a:t>
+            </a:r>
+            <a:r>
+              <a:rPr lang="en-US" altLang="ko-KR" b="1" dirty="0" smtClean="0"/>
+              <a:t>(Trial 3</a:t>
+            </a:r>
+            <a:r>
+              <a:rPr lang="ko-KR" altLang="en-US" b="1" dirty="0" smtClean="0"/>
+              <a:t>에서 이 부분을 추가하면 됩니다</a:t>
+            </a:r>
+            <a:r>
+              <a:rPr lang="en-US" altLang="ko-KR" b="1" dirty="0" smtClean="0"/>
+              <a:t>.)</a:t>
+            </a:r>
+            <a:br>
+              <a:rPr lang="en-US" altLang="ko-KR" b="1" dirty="0" smtClean="0"/>
+            </a:br>
+            <a:r>
+              <a:rPr lang="ko-KR" altLang="en-US" dirty="0" smtClean="0"/>
+              <a:t>방법으로 </a:t>
+            </a:r>
+            <a:r>
+              <a:rPr lang="ko-KR" altLang="en-US" dirty="0"/>
+              <a:t>구현해 보면 </a:t>
+            </a:r>
+            <a:r>
+              <a:rPr lang="ko-KR" altLang="en-US" dirty="0" smtClean="0"/>
+              <a:t>될 것 같은 생각이 들 것입니다</a:t>
+            </a:r>
+            <a:r>
+              <a:rPr lang="en-US" altLang="ko-KR" dirty="0" smtClean="0"/>
+              <a:t>. </a:t>
+            </a:r>
+          </a:p>
+          <a:p>
+            <a:r>
+              <a:rPr lang="en-US" altLang="ko-KR" dirty="0" smtClean="0"/>
+              <a:t>Trial 3</a:t>
+            </a:r>
+            <a:r>
+              <a:rPr lang="ko-KR" altLang="en-US" dirty="0" smtClean="0"/>
+              <a:t>에서 추가해야 할 곳을 찾아보십시오</a:t>
+            </a:r>
+            <a:r>
+              <a:rPr lang="en-US" altLang="ko-KR" dirty="0" smtClean="0"/>
+              <a:t>.  </a:t>
+            </a:r>
+            <a:r>
+              <a:rPr lang="ko-KR" altLang="en-US" dirty="0" smtClean="0"/>
+              <a:t>이것이 문제입니다</a:t>
+            </a:r>
+            <a:r>
+              <a:rPr lang="en-US" altLang="ko-KR" dirty="0" smtClean="0"/>
+              <a:t>. </a:t>
+            </a:r>
             <a:endParaRPr lang="en-US" altLang="ko-KR" dirty="0"/>
           </a:p>
           <a:p>
@@ -43597,365 +44046,10 @@
           </a:p>
         </p:txBody>
       </p:sp>
-      <p:sp>
-        <p:nvSpPr>
-          <p:cNvPr id="5" name="직사각형 4"/>
-          <p:cNvSpPr/>
-          <p:nvPr/>
-        </p:nvSpPr>
-        <p:spPr>
-          <a:xfrm>
-            <a:off x="447394" y="2430761"/>
-            <a:ext cx="11253818" cy="3108543"/>
-          </a:xfrm>
-          <a:prstGeom prst="rect">
-            <a:avLst/>
-          </a:prstGeom>
-          <a:solidFill>
-            <a:schemeClr val="bg1">
-              <a:lumMod val="95000"/>
-            </a:schemeClr>
-          </a:solidFill>
-          <a:ln>
-            <a:solidFill>
-              <a:schemeClr val="bg1">
-                <a:lumMod val="75000"/>
-              </a:schemeClr>
-            </a:solidFill>
-          </a:ln>
-        </p:spPr>
-        <p:txBody>
-          <a:bodyPr wrap="square">
-            <a:spAutoFit/>
-          </a:bodyPr>
-          <a:lstStyle/>
-          <a:p>
-            <a:r>
-              <a:rPr lang="en-US" altLang="ko-KR" sz="1400" dirty="0">
-                <a:latin typeface="Consolas" panose="020B0609020204030204" pitchFamily="49" charset="0"/>
-              </a:rPr>
-              <a:t> </a:t>
-            </a:r>
-            <a:r>
-              <a:rPr lang="en-US" altLang="ko-KR" sz="1400" dirty="0" smtClean="0">
-                <a:latin typeface="Consolas" panose="020B0609020204030204" pitchFamily="49" charset="0"/>
-              </a:rPr>
-              <a:t>   @</a:t>
-            </a:r>
-            <a:r>
-              <a:rPr lang="en-US" altLang="ko-KR" sz="1400" dirty="0">
-                <a:latin typeface="Consolas" panose="020B0609020204030204" pitchFamily="49" charset="0"/>
-              </a:rPr>
-              <a:t>Override</a:t>
-            </a:r>
-          </a:p>
-          <a:p>
-            <a:r>
-              <a:rPr lang="en-US" altLang="ko-KR" sz="1400" dirty="0">
-                <a:latin typeface="Consolas" panose="020B0609020204030204" pitchFamily="49" charset="0"/>
-              </a:rPr>
-              <a:t>    public void </a:t>
-            </a:r>
-            <a:r>
-              <a:rPr lang="en-US" altLang="ko-KR" sz="1400" dirty="0" err="1">
-                <a:latin typeface="Consolas" panose="020B0609020204030204" pitchFamily="49" charset="0"/>
-              </a:rPr>
-              <a:t>onBindViewHolder</a:t>
-            </a:r>
-            <a:r>
-              <a:rPr lang="en-US" altLang="ko-KR" sz="1400" dirty="0">
-                <a:latin typeface="Consolas" panose="020B0609020204030204" pitchFamily="49" charset="0"/>
-              </a:rPr>
-              <a:t>(@</a:t>
-            </a:r>
-            <a:r>
-              <a:rPr lang="en-US" altLang="ko-KR" sz="1400" dirty="0" err="1">
-                <a:latin typeface="Consolas" panose="020B0609020204030204" pitchFamily="49" charset="0"/>
-              </a:rPr>
-              <a:t>NonNull</a:t>
-            </a:r>
-            <a:r>
-              <a:rPr lang="en-US" altLang="ko-KR" sz="1400" dirty="0">
-                <a:latin typeface="Consolas" panose="020B0609020204030204" pitchFamily="49" charset="0"/>
-              </a:rPr>
-              <a:t> </a:t>
-            </a:r>
-            <a:r>
-              <a:rPr lang="en-US" altLang="ko-KR" sz="1400" dirty="0" err="1">
-                <a:latin typeface="Consolas" panose="020B0609020204030204" pitchFamily="49" charset="0"/>
-              </a:rPr>
-              <a:t>ViewHolder</a:t>
-            </a:r>
-            <a:r>
-              <a:rPr lang="en-US" altLang="ko-KR" sz="1400" dirty="0">
-                <a:latin typeface="Consolas" panose="020B0609020204030204" pitchFamily="49" charset="0"/>
-              </a:rPr>
-              <a:t> </a:t>
-            </a:r>
-            <a:r>
-              <a:rPr lang="en-US" altLang="ko-KR" sz="1400" dirty="0" err="1">
-                <a:latin typeface="Consolas" panose="020B0609020204030204" pitchFamily="49" charset="0"/>
-              </a:rPr>
-              <a:t>viewHolder</a:t>
-            </a:r>
-            <a:r>
-              <a:rPr lang="en-US" altLang="ko-KR" sz="1400" dirty="0">
-                <a:latin typeface="Consolas" panose="020B0609020204030204" pitchFamily="49" charset="0"/>
-              </a:rPr>
-              <a:t>, int position) {</a:t>
-            </a:r>
-          </a:p>
-          <a:p>
-            <a:r>
-              <a:rPr lang="en-US" altLang="ko-KR" sz="1400" dirty="0">
-                <a:latin typeface="Consolas" panose="020B0609020204030204" pitchFamily="49" charset="0"/>
-              </a:rPr>
-              <a:t>        Person item = </a:t>
-            </a:r>
-            <a:r>
-              <a:rPr lang="en-US" altLang="ko-KR" sz="1400" dirty="0" err="1">
-                <a:latin typeface="Consolas" panose="020B0609020204030204" pitchFamily="49" charset="0"/>
-              </a:rPr>
-              <a:t>items.get</a:t>
-            </a:r>
-            <a:r>
-              <a:rPr lang="en-US" altLang="ko-KR" sz="1400" dirty="0">
-                <a:latin typeface="Consolas" panose="020B0609020204030204" pitchFamily="49" charset="0"/>
-              </a:rPr>
-              <a:t>(position);</a:t>
-            </a:r>
-          </a:p>
-          <a:p>
-            <a:r>
-              <a:rPr lang="en-US" altLang="ko-KR" sz="1400" dirty="0">
-                <a:latin typeface="Consolas" panose="020B0609020204030204" pitchFamily="49" charset="0"/>
-              </a:rPr>
-              <a:t>        </a:t>
-            </a:r>
-            <a:r>
-              <a:rPr lang="en-US" altLang="ko-KR" sz="1400" dirty="0" err="1">
-                <a:latin typeface="Consolas" panose="020B0609020204030204" pitchFamily="49" charset="0"/>
-              </a:rPr>
-              <a:t>viewHolder.setItem</a:t>
-            </a:r>
-            <a:r>
-              <a:rPr lang="en-US" altLang="ko-KR" sz="1400" dirty="0">
-                <a:latin typeface="Consolas" panose="020B0609020204030204" pitchFamily="49" charset="0"/>
-              </a:rPr>
-              <a:t>(item);</a:t>
-            </a:r>
-          </a:p>
-          <a:p>
-            <a:endParaRPr lang="en-US" altLang="ko-KR" sz="1400" dirty="0">
-              <a:latin typeface="Consolas" panose="020B0609020204030204" pitchFamily="49" charset="0"/>
-            </a:endParaRPr>
-          </a:p>
-          <a:p>
-            <a:r>
-              <a:rPr lang="en-US" altLang="ko-KR" sz="1400" b="1" dirty="0">
-                <a:latin typeface="Consolas" panose="020B0609020204030204" pitchFamily="49" charset="0"/>
-              </a:rPr>
-              <a:t>        if (</a:t>
-            </a:r>
-            <a:r>
-              <a:rPr lang="en-US" altLang="ko-KR" sz="1400" b="1" dirty="0" err="1">
-                <a:latin typeface="Consolas" panose="020B0609020204030204" pitchFamily="49" charset="0"/>
-              </a:rPr>
-              <a:t>itemsSelected.contains</a:t>
-            </a:r>
-            <a:r>
-              <a:rPr lang="en-US" altLang="ko-KR" sz="1400" b="1" dirty="0">
-                <a:latin typeface="Consolas" panose="020B0609020204030204" pitchFamily="49" charset="0"/>
-              </a:rPr>
-              <a:t>(position)) {</a:t>
-            </a:r>
-          </a:p>
-          <a:p>
-            <a:r>
-              <a:rPr lang="en-US" altLang="ko-KR" sz="1400" b="1" dirty="0">
-                <a:latin typeface="Consolas" panose="020B0609020204030204" pitchFamily="49" charset="0"/>
-              </a:rPr>
-              <a:t>            </a:t>
-            </a:r>
-            <a:r>
-              <a:rPr lang="en-US" altLang="ko-KR" sz="1400" b="1" dirty="0" err="1">
-                <a:latin typeface="Consolas" panose="020B0609020204030204" pitchFamily="49" charset="0"/>
-              </a:rPr>
-              <a:t>viewHolder.itemView.setBackgroundColor</a:t>
-            </a:r>
-            <a:r>
-              <a:rPr lang="en-US" altLang="ko-KR" sz="1400" b="1" dirty="0">
-                <a:latin typeface="Consolas" panose="020B0609020204030204" pitchFamily="49" charset="0"/>
-              </a:rPr>
-              <a:t>(</a:t>
-            </a:r>
-            <a:r>
-              <a:rPr lang="en-US" altLang="ko-KR" sz="1400" b="1" dirty="0" err="1">
-                <a:latin typeface="Consolas" panose="020B0609020204030204" pitchFamily="49" charset="0"/>
-              </a:rPr>
-              <a:t>Color.YELLOW</a:t>
-            </a:r>
-            <a:r>
-              <a:rPr lang="en-US" altLang="ko-KR" sz="1400" b="1" dirty="0">
-                <a:latin typeface="Consolas" panose="020B0609020204030204" pitchFamily="49" charset="0"/>
-              </a:rPr>
-              <a:t>);</a:t>
-            </a:r>
-          </a:p>
-          <a:p>
-            <a:r>
-              <a:rPr lang="en-US" altLang="ko-KR" sz="1400" b="1" dirty="0">
-                <a:latin typeface="Consolas" panose="020B0609020204030204" pitchFamily="49" charset="0"/>
-              </a:rPr>
-              <a:t>        }</a:t>
-            </a:r>
-          </a:p>
-          <a:p>
-            <a:r>
-              <a:rPr lang="en-US" altLang="ko-KR" sz="1400" b="1" dirty="0">
-                <a:latin typeface="Consolas" panose="020B0609020204030204" pitchFamily="49" charset="0"/>
-              </a:rPr>
-              <a:t>        else {</a:t>
-            </a:r>
-          </a:p>
-          <a:p>
-            <a:r>
-              <a:rPr lang="en-US" altLang="ko-KR" sz="1400" b="1" dirty="0">
-                <a:latin typeface="Consolas" panose="020B0609020204030204" pitchFamily="49" charset="0"/>
-              </a:rPr>
-              <a:t>            </a:t>
-            </a:r>
-            <a:r>
-              <a:rPr lang="en-US" altLang="ko-KR" sz="1400" b="1" dirty="0" err="1">
-                <a:latin typeface="Consolas" panose="020B0609020204030204" pitchFamily="49" charset="0"/>
-              </a:rPr>
-              <a:t>viewHolder.itemView.setBackgroundColor</a:t>
-            </a:r>
-            <a:r>
-              <a:rPr lang="en-US" altLang="ko-KR" sz="1400" b="1" dirty="0">
-                <a:latin typeface="Consolas" panose="020B0609020204030204" pitchFamily="49" charset="0"/>
-              </a:rPr>
-              <a:t>(</a:t>
-            </a:r>
-            <a:r>
-              <a:rPr lang="en-US" altLang="ko-KR" sz="1400" b="1" dirty="0" err="1">
-                <a:latin typeface="Consolas" panose="020B0609020204030204" pitchFamily="49" charset="0"/>
-              </a:rPr>
-              <a:t>Color.WHITE</a:t>
-            </a:r>
-            <a:r>
-              <a:rPr lang="en-US" altLang="ko-KR" sz="1400" b="1" dirty="0">
-                <a:latin typeface="Consolas" panose="020B0609020204030204" pitchFamily="49" charset="0"/>
-              </a:rPr>
-              <a:t>);</a:t>
-            </a:r>
-          </a:p>
-          <a:p>
-            <a:r>
-              <a:rPr lang="en-US" altLang="ko-KR" sz="1400" b="1" dirty="0">
-                <a:latin typeface="Consolas" panose="020B0609020204030204" pitchFamily="49" charset="0"/>
-              </a:rPr>
-              <a:t>        }</a:t>
-            </a:r>
-          </a:p>
-          <a:p>
-            <a:endParaRPr lang="en-US" altLang="ko-KR" sz="1400" dirty="0">
-              <a:latin typeface="Consolas" panose="020B0609020204030204" pitchFamily="49" charset="0"/>
-            </a:endParaRPr>
-          </a:p>
-          <a:p>
-            <a:r>
-              <a:rPr lang="en-US" altLang="ko-KR" sz="1400" dirty="0">
-                <a:latin typeface="Consolas" panose="020B0609020204030204" pitchFamily="49" charset="0"/>
-              </a:rPr>
-              <a:t>        </a:t>
-            </a:r>
-            <a:r>
-              <a:rPr lang="en-US" altLang="ko-KR" sz="1400" dirty="0" err="1">
-                <a:latin typeface="Consolas" panose="020B0609020204030204" pitchFamily="49" charset="0"/>
-              </a:rPr>
-              <a:t>Log.d</a:t>
-            </a:r>
-            <a:r>
-              <a:rPr lang="en-US" altLang="ko-KR" sz="1400" dirty="0">
-                <a:latin typeface="Consolas" panose="020B0609020204030204" pitchFamily="49" charset="0"/>
-              </a:rPr>
-              <a:t>(TAG, "</a:t>
-            </a:r>
-            <a:r>
-              <a:rPr lang="en-US" altLang="ko-KR" sz="1400" dirty="0" err="1">
-                <a:latin typeface="Consolas" panose="020B0609020204030204" pitchFamily="49" charset="0"/>
-              </a:rPr>
-              <a:t>PersonAdapter</a:t>
-            </a:r>
-            <a:r>
-              <a:rPr lang="en-US" altLang="ko-KR" sz="1400" dirty="0">
-                <a:latin typeface="Consolas" panose="020B0609020204030204" pitchFamily="49" charset="0"/>
-              </a:rPr>
-              <a:t>: </a:t>
-            </a:r>
-            <a:r>
-              <a:rPr lang="en-US" altLang="ko-KR" sz="1400" dirty="0" err="1">
-                <a:latin typeface="Consolas" panose="020B0609020204030204" pitchFamily="49" charset="0"/>
-              </a:rPr>
-              <a:t>onBindViewHolder</a:t>
-            </a:r>
-            <a:r>
-              <a:rPr lang="en-US" altLang="ko-KR" sz="1400" dirty="0">
-                <a:latin typeface="Consolas" panose="020B0609020204030204" pitchFamily="49" charset="0"/>
-              </a:rPr>
-              <a:t>: " + position);</a:t>
-            </a:r>
-          </a:p>
-          <a:p>
-            <a:r>
-              <a:rPr lang="en-US" altLang="ko-KR" sz="1400" dirty="0">
-                <a:latin typeface="Consolas" panose="020B0609020204030204" pitchFamily="49" charset="0"/>
-              </a:rPr>
-              <a:t>    }</a:t>
-            </a:r>
-            <a:endParaRPr lang="ko-KR" altLang="en-US" sz="1400" dirty="0">
-              <a:latin typeface="Consolas" panose="020B0609020204030204" pitchFamily="49" charset="0"/>
-            </a:endParaRPr>
-          </a:p>
-        </p:txBody>
-      </p:sp>
-      <p:sp>
-        <p:nvSpPr>
-          <p:cNvPr id="6" name="TextBox 5"/>
-          <p:cNvSpPr txBox="1"/>
-          <p:nvPr/>
-        </p:nvSpPr>
-        <p:spPr>
-          <a:xfrm>
-            <a:off x="9011760" y="2276872"/>
-            <a:ext cx="2062641" cy="307777"/>
-          </a:xfrm>
-          <a:prstGeom prst="rect">
-            <a:avLst/>
-          </a:prstGeom>
-          <a:solidFill>
-            <a:srgbClr val="FFC000"/>
-          </a:solidFill>
-        </p:spPr>
-        <p:txBody>
-          <a:bodyPr wrap="square" rtlCol="0">
-            <a:spAutoFit/>
-          </a:bodyPr>
-          <a:lstStyle/>
-          <a:p>
-            <a:r>
-              <a:rPr lang="en-US" altLang="ko-KR" sz="1400" dirty="0" smtClean="0"/>
-              <a:t>PersonAdapter.java</a:t>
-            </a:r>
-            <a:endParaRPr lang="ko-KR" altLang="en-US" sz="1400" dirty="0"/>
-          </a:p>
-        </p:txBody>
-      </p:sp>
     </p:spTree>
     <p:extLst>
       <p:ext uri="{BB962C8B-B14F-4D97-AF65-F5344CB8AC3E}">
-        <p14:creationId xmlns:p14="http://schemas.microsoft.com/office/powerpoint/2010/main" val="3204957155"/>
+        <p14:creationId xmlns:p14="http://schemas.microsoft.com/office/powerpoint/2010/main" val="2905867521"/>
       </p:ext>
     </p:extLst>
   </p:cSld>
@@ -44068,11 +44162,7 @@
             </a:r>
             <a:r>
               <a:rPr lang="en-US" altLang="ko-KR" b="1" dirty="0" smtClean="0"/>
-              <a:t>RecylerView</a:t>
-            </a:r>
-            <a:r>
-              <a:rPr lang="en-US" altLang="ko-KR" b="1" dirty="0" smtClean="0"/>
-              <a:t>:</a:t>
+              <a:t>RecylerView:</a:t>
             </a:r>
           </a:p>
           <a:p>
@@ -44081,134 +44171,159 @@
             </a:pPr>
             <a:r>
               <a:rPr lang="en-US" altLang="ko-KR" b="1" dirty="0" smtClean="0"/>
-              <a:t>4</a:t>
+              <a:t>3</a:t>
             </a:r>
             <a:r>
               <a:rPr lang="en-US" altLang="ko-KR" b="1" baseline="30000" dirty="0" smtClean="0"/>
-              <a:t>th</a:t>
+              <a:t>rd</a:t>
             </a:r>
             <a:r>
               <a:rPr lang="en-US" altLang="ko-KR" b="1" dirty="0" smtClean="0"/>
-              <a:t> Trial: </a:t>
+              <a:t> Trial: 2</a:t>
+            </a:r>
+            <a:r>
+              <a:rPr lang="en-US" altLang="ko-KR" b="1" baseline="30000" dirty="0" smtClean="0"/>
+              <a:t>nd</a:t>
+            </a:r>
+            <a:r>
+              <a:rPr lang="en-US" altLang="ko-KR" b="1" dirty="0" smtClean="0"/>
+              <a:t> Trial</a:t>
+            </a:r>
+            <a:r>
+              <a:rPr lang="ko-KR" altLang="en-US" b="1" dirty="0" smtClean="0"/>
+              <a:t>에서 코딩한 부분은 그대로 유지합니다</a:t>
+            </a:r>
+            <a:r>
+              <a:rPr lang="en-US" altLang="ko-KR" b="1" dirty="0" smtClean="0"/>
+              <a:t>. </a:t>
             </a:r>
             <a:r>
               <a:rPr lang="ko-KR" altLang="en-US" dirty="0" smtClean="0"/>
-              <a:t>지금 코드는 잘 실행이 되지만</a:t>
+              <a:t>그와 같은 기능을 하는 코드를 어디에 추가해야 할까요</a:t>
             </a:r>
             <a:r>
               <a:rPr lang="en-US" altLang="ko-KR" dirty="0" smtClean="0"/>
-              <a:t>, DRY (Don't repeat yourself)</a:t>
+              <a:t>? </a:t>
+            </a:r>
+          </a:p>
+          <a:p>
+            <a:r>
+              <a:rPr lang="en-US" altLang="ko-KR" dirty="0" err="1" smtClean="0"/>
+              <a:t>PersonAdapter</a:t>
+            </a:r>
+            <a:r>
+              <a:rPr lang="en-US" altLang="ko-KR" dirty="0" smtClean="0"/>
+              <a:t> </a:t>
             </a:r>
             <a:r>
               <a:rPr lang="ko-KR" altLang="en-US" dirty="0" smtClean="0"/>
-              <a:t>라는 </a:t>
+              <a:t>클래스의 </a:t>
+            </a:r>
+            <a:r>
+              <a:rPr lang="en-US" altLang="ko-KR" dirty="0" err="1" smtClean="0"/>
+              <a:t>onItemClick</a:t>
             </a:r>
             <a:r>
               <a:rPr lang="en-US" altLang="ko-KR" dirty="0" smtClean="0"/>
-              <a:t>Coding</a:t>
+              <a:t>() </a:t>
+            </a:r>
+            <a:r>
+              <a:rPr lang="ko-KR" altLang="en-US" dirty="0" err="1" smtClean="0"/>
+              <a:t>메소드에</a:t>
             </a:r>
             <a:r>
               <a:rPr lang="ko-KR" altLang="en-US" dirty="0" smtClean="0"/>
-              <a:t>의 기본 원칙에 좀 어긋나는 것 같습니다</a:t>
+              <a:t> 추가하면 어떨까요</a:t>
+            </a:r>
+            <a:r>
+              <a:rPr lang="en-US" altLang="ko-KR" dirty="0" smtClean="0"/>
+              <a:t>? </a:t>
+            </a:r>
+          </a:p>
+          <a:p>
+            <a:r>
+              <a:rPr lang="en-US" altLang="ko-KR" dirty="0" err="1" smtClean="0"/>
+              <a:t>onBindViewHolder</a:t>
+            </a:r>
+            <a:r>
+              <a:rPr lang="en-US" altLang="ko-KR" dirty="0" smtClean="0"/>
+              <a:t> </a:t>
+            </a:r>
+            <a:r>
+              <a:rPr lang="ko-KR" altLang="en-US" dirty="0" smtClean="0"/>
+              <a:t>메소드가 우리가 화면에 볼 </a:t>
+            </a:r>
+            <a:r>
+              <a:rPr lang="en-US" altLang="ko-KR" dirty="0" smtClean="0"/>
+              <a:t>item</a:t>
+            </a:r>
+            <a:r>
+              <a:rPr lang="ko-KR" altLang="en-US" dirty="0" smtClean="0"/>
+              <a:t>들을 </a:t>
+            </a:r>
+            <a:r>
+              <a:rPr lang="en-US" altLang="ko-KR" dirty="0" smtClean="0"/>
+              <a:t>View</a:t>
+            </a:r>
+            <a:r>
+              <a:rPr lang="ko-KR" altLang="en-US" dirty="0" smtClean="0"/>
+              <a:t>와 일치하도록 연결을 설정하는 코드입니다</a:t>
             </a:r>
             <a:r>
               <a:rPr lang="en-US" altLang="ko-KR" dirty="0" smtClean="0"/>
               <a:t>. </a:t>
             </a:r>
+          </a:p>
+          <a:p>
+            <a:endParaRPr lang="en-US" altLang="ko-KR" dirty="0"/>
+          </a:p>
+          <a:p>
+            <a:endParaRPr lang="en-US" altLang="ko-KR" dirty="0" smtClean="0"/>
+          </a:p>
+          <a:p>
+            <a:endParaRPr lang="en-US" altLang="ko-KR" dirty="0"/>
+          </a:p>
+          <a:p>
+            <a:endParaRPr lang="en-US" altLang="ko-KR" dirty="0" smtClean="0"/>
+          </a:p>
+          <a:p>
+            <a:endParaRPr lang="en-US" altLang="ko-KR" dirty="0"/>
+          </a:p>
+          <a:p>
+            <a:endParaRPr lang="en-US" altLang="ko-KR" dirty="0" smtClean="0"/>
+          </a:p>
+          <a:p>
+            <a:endParaRPr lang="en-US" altLang="ko-KR" dirty="0"/>
+          </a:p>
+          <a:p>
+            <a:endParaRPr lang="en-US" altLang="ko-KR" dirty="0" smtClean="0"/>
+          </a:p>
+          <a:p>
+            <a:endParaRPr lang="en-US" altLang="ko-KR" dirty="0"/>
+          </a:p>
+          <a:p>
+            <a:endParaRPr lang="en-US" altLang="ko-KR" dirty="0" smtClean="0"/>
+          </a:p>
+          <a:p>
+            <a:endParaRPr lang="en-US" altLang="ko-KR" dirty="0"/>
+          </a:p>
+          <a:p>
             <a:r>
               <a:rPr lang="ko-KR" altLang="en-US" dirty="0" smtClean="0"/>
-              <a:t>왜냐하면</a:t>
+              <a:t>이제 스크롤을 하더라도 선택한 </a:t>
             </a:r>
             <a:r>
               <a:rPr lang="en-US" altLang="ko-KR" dirty="0" smtClean="0"/>
-              <a:t>, </a:t>
+              <a:t>item</a:t>
             </a:r>
             <a:r>
               <a:rPr lang="ko-KR" altLang="en-US" dirty="0" smtClean="0"/>
-              <a:t>아래와 같은 코드가 두 곳에 있기 때문입니다</a:t>
+              <a:t>들이 제대로 나올 것입니다</a:t>
             </a:r>
             <a:r>
               <a:rPr lang="en-US" altLang="ko-KR" dirty="0" smtClean="0"/>
               <a:t>. </a:t>
             </a:r>
-            <a:r>
-              <a:rPr lang="ko-KR" altLang="en-US" dirty="0" smtClean="0"/>
-              <a:t>그럼</a:t>
-            </a:r>
-            <a:r>
-              <a:rPr lang="en-US" altLang="ko-KR" dirty="0" smtClean="0"/>
-              <a:t>, </a:t>
-            </a:r>
-            <a:r>
-              <a:rPr lang="ko-KR" altLang="en-US" dirty="0" smtClean="0"/>
-              <a:t>좀 더 바람직한 코드는 어떻게 해야 할까요</a:t>
-            </a:r>
-            <a:r>
-              <a:rPr lang="en-US" altLang="ko-KR" dirty="0" smtClean="0"/>
-              <a:t>? </a:t>
-            </a:r>
-          </a:p>
-          <a:p>
-            <a:r>
-              <a:rPr lang="en-US" altLang="ko-KR" dirty="0" smtClean="0"/>
-              <a:t>notify</a:t>
-            </a:r>
-            <a:r>
-              <a:rPr lang="ko-KR" altLang="en-US" dirty="0" smtClean="0"/>
-              <a:t>라는 기능을 활용하면 좋습니다</a:t>
-            </a:r>
-            <a:r>
-              <a:rPr lang="en-US" altLang="ko-KR" dirty="0" smtClean="0"/>
-              <a:t>. </a:t>
-            </a:r>
-            <a:r>
-              <a:rPr lang="en-US" altLang="ko-KR" dirty="0" err="1" smtClean="0"/>
-              <a:t>RecylerView</a:t>
-            </a:r>
-            <a:r>
-              <a:rPr lang="ko-KR" altLang="en-US" dirty="0" smtClean="0"/>
-              <a:t>클래스는 다음과 같은 </a:t>
-            </a:r>
-            <a:r>
-              <a:rPr lang="en-US" altLang="ko-KR" dirty="0" smtClean="0"/>
-              <a:t>notify  </a:t>
-            </a:r>
-            <a:r>
-              <a:rPr lang="ko-KR" altLang="en-US" dirty="0" smtClean="0"/>
-              <a:t>종류의 기능을 제공합니다</a:t>
-            </a:r>
-            <a:r>
-              <a:rPr lang="en-US" altLang="ko-KR" dirty="0" smtClean="0"/>
-              <a:t>. </a:t>
-            </a:r>
-            <a:endParaRPr lang="en-US" altLang="ko-KR" dirty="0"/>
-          </a:p>
-          <a:p>
-            <a:endParaRPr lang="en-US" altLang="ko-KR" dirty="0" smtClean="0"/>
-          </a:p>
-          <a:p>
-            <a:endParaRPr lang="en-US" altLang="ko-KR" dirty="0"/>
-          </a:p>
-          <a:p>
-            <a:endParaRPr lang="en-US" altLang="ko-KR" dirty="0" smtClean="0"/>
-          </a:p>
-          <a:p>
-            <a:endParaRPr lang="en-US" altLang="ko-KR" dirty="0"/>
-          </a:p>
-          <a:p>
-            <a:endParaRPr lang="en-US" altLang="ko-KR" dirty="0" smtClean="0"/>
-          </a:p>
-          <a:p>
-            <a:endParaRPr lang="en-US" altLang="ko-KR" dirty="0"/>
-          </a:p>
-          <a:p>
-            <a:endParaRPr lang="en-US" altLang="ko-KR" dirty="0" smtClean="0"/>
-          </a:p>
-          <a:p>
-            <a:endParaRPr lang="en-US" altLang="ko-KR" dirty="0"/>
-          </a:p>
-          <a:p>
-            <a:endParaRPr lang="en-US" altLang="ko-KR" dirty="0" smtClean="0"/>
           </a:p>
           <a:p>
             <a:pPr marL="0" indent="0">
@@ -44248,6 +44363,658 @@
                 <a:defRPr/>
               </a:pPr>
               <a:t>68</a:t>
+            </a:fld>
+            <a:endParaRPr lang="ko-KR" altLang="en-US"/>
+          </a:p>
+        </p:txBody>
+      </p:sp>
+      <p:sp>
+        <p:nvSpPr>
+          <p:cNvPr id="5" name="직사각형 4"/>
+          <p:cNvSpPr/>
+          <p:nvPr/>
+        </p:nvSpPr>
+        <p:spPr>
+          <a:xfrm>
+            <a:off x="447394" y="2430761"/>
+            <a:ext cx="11253818" cy="3108543"/>
+          </a:xfrm>
+          <a:prstGeom prst="rect">
+            <a:avLst/>
+          </a:prstGeom>
+          <a:solidFill>
+            <a:schemeClr val="bg1">
+              <a:lumMod val="95000"/>
+            </a:schemeClr>
+          </a:solidFill>
+          <a:ln>
+            <a:solidFill>
+              <a:schemeClr val="bg1">
+                <a:lumMod val="75000"/>
+              </a:schemeClr>
+            </a:solidFill>
+          </a:ln>
+        </p:spPr>
+        <p:txBody>
+          <a:bodyPr wrap="square">
+            <a:spAutoFit/>
+          </a:bodyPr>
+          <a:lstStyle/>
+          <a:p>
+            <a:r>
+              <a:rPr lang="en-US" altLang="ko-KR" sz="1400" dirty="0">
+                <a:latin typeface="Consolas" panose="020B0609020204030204" pitchFamily="49" charset="0"/>
+              </a:rPr>
+              <a:t> </a:t>
+            </a:r>
+            <a:r>
+              <a:rPr lang="en-US" altLang="ko-KR" sz="1400" dirty="0" smtClean="0">
+                <a:latin typeface="Consolas" panose="020B0609020204030204" pitchFamily="49" charset="0"/>
+              </a:rPr>
+              <a:t>   @</a:t>
+            </a:r>
+            <a:r>
+              <a:rPr lang="en-US" altLang="ko-KR" sz="1400" dirty="0">
+                <a:latin typeface="Consolas" panose="020B0609020204030204" pitchFamily="49" charset="0"/>
+              </a:rPr>
+              <a:t>Override</a:t>
+            </a:r>
+          </a:p>
+          <a:p>
+            <a:r>
+              <a:rPr lang="en-US" altLang="ko-KR" sz="1400" dirty="0">
+                <a:latin typeface="Consolas" panose="020B0609020204030204" pitchFamily="49" charset="0"/>
+              </a:rPr>
+              <a:t>    public void </a:t>
+            </a:r>
+            <a:r>
+              <a:rPr lang="en-US" altLang="ko-KR" sz="1400" dirty="0" err="1">
+                <a:latin typeface="Consolas" panose="020B0609020204030204" pitchFamily="49" charset="0"/>
+              </a:rPr>
+              <a:t>onBindViewHolder</a:t>
+            </a:r>
+            <a:r>
+              <a:rPr lang="en-US" altLang="ko-KR" sz="1400" dirty="0">
+                <a:latin typeface="Consolas" panose="020B0609020204030204" pitchFamily="49" charset="0"/>
+              </a:rPr>
+              <a:t>(@</a:t>
+            </a:r>
+            <a:r>
+              <a:rPr lang="en-US" altLang="ko-KR" sz="1400" dirty="0" err="1">
+                <a:latin typeface="Consolas" panose="020B0609020204030204" pitchFamily="49" charset="0"/>
+              </a:rPr>
+              <a:t>NonNull</a:t>
+            </a:r>
+            <a:r>
+              <a:rPr lang="en-US" altLang="ko-KR" sz="1400" dirty="0">
+                <a:latin typeface="Consolas" panose="020B0609020204030204" pitchFamily="49" charset="0"/>
+              </a:rPr>
+              <a:t> </a:t>
+            </a:r>
+            <a:r>
+              <a:rPr lang="en-US" altLang="ko-KR" sz="1400" dirty="0" err="1">
+                <a:latin typeface="Consolas" panose="020B0609020204030204" pitchFamily="49" charset="0"/>
+              </a:rPr>
+              <a:t>ViewHolder</a:t>
+            </a:r>
+            <a:r>
+              <a:rPr lang="en-US" altLang="ko-KR" sz="1400" dirty="0">
+                <a:latin typeface="Consolas" panose="020B0609020204030204" pitchFamily="49" charset="0"/>
+              </a:rPr>
+              <a:t> </a:t>
+            </a:r>
+            <a:r>
+              <a:rPr lang="en-US" altLang="ko-KR" sz="1400" dirty="0" err="1">
+                <a:latin typeface="Consolas" panose="020B0609020204030204" pitchFamily="49" charset="0"/>
+              </a:rPr>
+              <a:t>viewHolder</a:t>
+            </a:r>
+            <a:r>
+              <a:rPr lang="en-US" altLang="ko-KR" sz="1400" dirty="0">
+                <a:latin typeface="Consolas" panose="020B0609020204030204" pitchFamily="49" charset="0"/>
+              </a:rPr>
+              <a:t>, int position) {</a:t>
+            </a:r>
+          </a:p>
+          <a:p>
+            <a:r>
+              <a:rPr lang="en-US" altLang="ko-KR" sz="1400" dirty="0">
+                <a:latin typeface="Consolas" panose="020B0609020204030204" pitchFamily="49" charset="0"/>
+              </a:rPr>
+              <a:t>        Person item = </a:t>
+            </a:r>
+            <a:r>
+              <a:rPr lang="en-US" altLang="ko-KR" sz="1400" dirty="0" err="1">
+                <a:latin typeface="Consolas" panose="020B0609020204030204" pitchFamily="49" charset="0"/>
+              </a:rPr>
+              <a:t>items.get</a:t>
+            </a:r>
+            <a:r>
+              <a:rPr lang="en-US" altLang="ko-KR" sz="1400" dirty="0">
+                <a:latin typeface="Consolas" panose="020B0609020204030204" pitchFamily="49" charset="0"/>
+              </a:rPr>
+              <a:t>(position);</a:t>
+            </a:r>
+          </a:p>
+          <a:p>
+            <a:r>
+              <a:rPr lang="en-US" altLang="ko-KR" sz="1400" dirty="0">
+                <a:latin typeface="Consolas" panose="020B0609020204030204" pitchFamily="49" charset="0"/>
+              </a:rPr>
+              <a:t>        </a:t>
+            </a:r>
+            <a:r>
+              <a:rPr lang="en-US" altLang="ko-KR" sz="1400" dirty="0" err="1">
+                <a:latin typeface="Consolas" panose="020B0609020204030204" pitchFamily="49" charset="0"/>
+              </a:rPr>
+              <a:t>viewHolder.setItem</a:t>
+            </a:r>
+            <a:r>
+              <a:rPr lang="en-US" altLang="ko-KR" sz="1400" dirty="0">
+                <a:latin typeface="Consolas" panose="020B0609020204030204" pitchFamily="49" charset="0"/>
+              </a:rPr>
+              <a:t>(item);</a:t>
+            </a:r>
+          </a:p>
+          <a:p>
+            <a:endParaRPr lang="en-US" altLang="ko-KR" sz="1400" dirty="0">
+              <a:latin typeface="Consolas" panose="020B0609020204030204" pitchFamily="49" charset="0"/>
+            </a:endParaRPr>
+          </a:p>
+          <a:p>
+            <a:r>
+              <a:rPr lang="en-US" altLang="ko-KR" sz="1400" b="1" dirty="0">
+                <a:latin typeface="Consolas" panose="020B0609020204030204" pitchFamily="49" charset="0"/>
+              </a:rPr>
+              <a:t>        if (</a:t>
+            </a:r>
+            <a:r>
+              <a:rPr lang="en-US" altLang="ko-KR" sz="1400" b="1" dirty="0" err="1">
+                <a:latin typeface="Consolas" panose="020B0609020204030204" pitchFamily="49" charset="0"/>
+              </a:rPr>
+              <a:t>itemsSelected.contains</a:t>
+            </a:r>
+            <a:r>
+              <a:rPr lang="en-US" altLang="ko-KR" sz="1400" b="1" dirty="0">
+                <a:latin typeface="Consolas" panose="020B0609020204030204" pitchFamily="49" charset="0"/>
+              </a:rPr>
+              <a:t>(position)) {</a:t>
+            </a:r>
+          </a:p>
+          <a:p>
+            <a:r>
+              <a:rPr lang="en-US" altLang="ko-KR" sz="1400" b="1" dirty="0">
+                <a:latin typeface="Consolas" panose="020B0609020204030204" pitchFamily="49" charset="0"/>
+              </a:rPr>
+              <a:t>            </a:t>
+            </a:r>
+            <a:r>
+              <a:rPr lang="en-US" altLang="ko-KR" sz="1400" b="1" dirty="0" err="1">
+                <a:latin typeface="Consolas" panose="020B0609020204030204" pitchFamily="49" charset="0"/>
+              </a:rPr>
+              <a:t>viewHolder.itemView.setBackgroundColor</a:t>
+            </a:r>
+            <a:r>
+              <a:rPr lang="en-US" altLang="ko-KR" sz="1400" b="1" dirty="0">
+                <a:latin typeface="Consolas" panose="020B0609020204030204" pitchFamily="49" charset="0"/>
+              </a:rPr>
+              <a:t>(</a:t>
+            </a:r>
+            <a:r>
+              <a:rPr lang="en-US" altLang="ko-KR" sz="1400" b="1" dirty="0" err="1">
+                <a:latin typeface="Consolas" panose="020B0609020204030204" pitchFamily="49" charset="0"/>
+              </a:rPr>
+              <a:t>Color.YELLOW</a:t>
+            </a:r>
+            <a:r>
+              <a:rPr lang="en-US" altLang="ko-KR" sz="1400" b="1" dirty="0">
+                <a:latin typeface="Consolas" panose="020B0609020204030204" pitchFamily="49" charset="0"/>
+              </a:rPr>
+              <a:t>);</a:t>
+            </a:r>
+          </a:p>
+          <a:p>
+            <a:r>
+              <a:rPr lang="en-US" altLang="ko-KR" sz="1400" b="1" dirty="0">
+                <a:latin typeface="Consolas" panose="020B0609020204030204" pitchFamily="49" charset="0"/>
+              </a:rPr>
+              <a:t>        }</a:t>
+            </a:r>
+          </a:p>
+          <a:p>
+            <a:r>
+              <a:rPr lang="en-US" altLang="ko-KR" sz="1400" b="1" dirty="0">
+                <a:latin typeface="Consolas" panose="020B0609020204030204" pitchFamily="49" charset="0"/>
+              </a:rPr>
+              <a:t>        else {</a:t>
+            </a:r>
+          </a:p>
+          <a:p>
+            <a:r>
+              <a:rPr lang="en-US" altLang="ko-KR" sz="1400" b="1" dirty="0">
+                <a:latin typeface="Consolas" panose="020B0609020204030204" pitchFamily="49" charset="0"/>
+              </a:rPr>
+              <a:t>            </a:t>
+            </a:r>
+            <a:r>
+              <a:rPr lang="en-US" altLang="ko-KR" sz="1400" b="1" dirty="0" err="1">
+                <a:latin typeface="Consolas" panose="020B0609020204030204" pitchFamily="49" charset="0"/>
+              </a:rPr>
+              <a:t>viewHolder.itemView.setBackgroundColor</a:t>
+            </a:r>
+            <a:r>
+              <a:rPr lang="en-US" altLang="ko-KR" sz="1400" b="1" dirty="0">
+                <a:latin typeface="Consolas" panose="020B0609020204030204" pitchFamily="49" charset="0"/>
+              </a:rPr>
+              <a:t>(</a:t>
+            </a:r>
+            <a:r>
+              <a:rPr lang="en-US" altLang="ko-KR" sz="1400" b="1" dirty="0" err="1">
+                <a:latin typeface="Consolas" panose="020B0609020204030204" pitchFamily="49" charset="0"/>
+              </a:rPr>
+              <a:t>Color.WHITE</a:t>
+            </a:r>
+            <a:r>
+              <a:rPr lang="en-US" altLang="ko-KR" sz="1400" b="1" dirty="0">
+                <a:latin typeface="Consolas" panose="020B0609020204030204" pitchFamily="49" charset="0"/>
+              </a:rPr>
+              <a:t>);</a:t>
+            </a:r>
+          </a:p>
+          <a:p>
+            <a:r>
+              <a:rPr lang="en-US" altLang="ko-KR" sz="1400" b="1" dirty="0">
+                <a:latin typeface="Consolas" panose="020B0609020204030204" pitchFamily="49" charset="0"/>
+              </a:rPr>
+              <a:t>        }</a:t>
+            </a:r>
+          </a:p>
+          <a:p>
+            <a:endParaRPr lang="en-US" altLang="ko-KR" sz="1400" dirty="0">
+              <a:latin typeface="Consolas" panose="020B0609020204030204" pitchFamily="49" charset="0"/>
+            </a:endParaRPr>
+          </a:p>
+          <a:p>
+            <a:r>
+              <a:rPr lang="en-US" altLang="ko-KR" sz="1400" dirty="0">
+                <a:latin typeface="Consolas" panose="020B0609020204030204" pitchFamily="49" charset="0"/>
+              </a:rPr>
+              <a:t>        </a:t>
+            </a:r>
+            <a:r>
+              <a:rPr lang="en-US" altLang="ko-KR" sz="1400" dirty="0" err="1">
+                <a:latin typeface="Consolas" panose="020B0609020204030204" pitchFamily="49" charset="0"/>
+              </a:rPr>
+              <a:t>Log.d</a:t>
+            </a:r>
+            <a:r>
+              <a:rPr lang="en-US" altLang="ko-KR" sz="1400" dirty="0">
+                <a:latin typeface="Consolas" panose="020B0609020204030204" pitchFamily="49" charset="0"/>
+              </a:rPr>
+              <a:t>(TAG, "</a:t>
+            </a:r>
+            <a:r>
+              <a:rPr lang="en-US" altLang="ko-KR" sz="1400" dirty="0" err="1">
+                <a:latin typeface="Consolas" panose="020B0609020204030204" pitchFamily="49" charset="0"/>
+              </a:rPr>
+              <a:t>PersonAdapter</a:t>
+            </a:r>
+            <a:r>
+              <a:rPr lang="en-US" altLang="ko-KR" sz="1400" dirty="0">
+                <a:latin typeface="Consolas" panose="020B0609020204030204" pitchFamily="49" charset="0"/>
+              </a:rPr>
+              <a:t>: </a:t>
+            </a:r>
+            <a:r>
+              <a:rPr lang="en-US" altLang="ko-KR" sz="1400" dirty="0" err="1">
+                <a:latin typeface="Consolas" panose="020B0609020204030204" pitchFamily="49" charset="0"/>
+              </a:rPr>
+              <a:t>onBindViewHolder</a:t>
+            </a:r>
+            <a:r>
+              <a:rPr lang="en-US" altLang="ko-KR" sz="1400" dirty="0">
+                <a:latin typeface="Consolas" panose="020B0609020204030204" pitchFamily="49" charset="0"/>
+              </a:rPr>
+              <a:t>: " + position);</a:t>
+            </a:r>
+          </a:p>
+          <a:p>
+            <a:r>
+              <a:rPr lang="en-US" altLang="ko-KR" sz="1400" dirty="0">
+                <a:latin typeface="Consolas" panose="020B0609020204030204" pitchFamily="49" charset="0"/>
+              </a:rPr>
+              <a:t>    }</a:t>
+            </a:r>
+            <a:endParaRPr lang="ko-KR" altLang="en-US" sz="1400" dirty="0">
+              <a:latin typeface="Consolas" panose="020B0609020204030204" pitchFamily="49" charset="0"/>
+            </a:endParaRPr>
+          </a:p>
+        </p:txBody>
+      </p:sp>
+      <p:sp>
+        <p:nvSpPr>
+          <p:cNvPr id="6" name="TextBox 5"/>
+          <p:cNvSpPr txBox="1"/>
+          <p:nvPr/>
+        </p:nvSpPr>
+        <p:spPr>
+          <a:xfrm>
+            <a:off x="9011760" y="2276872"/>
+            <a:ext cx="2062641" cy="307777"/>
+          </a:xfrm>
+          <a:prstGeom prst="rect">
+            <a:avLst/>
+          </a:prstGeom>
+          <a:solidFill>
+            <a:srgbClr val="FFC000"/>
+          </a:solidFill>
+        </p:spPr>
+        <p:txBody>
+          <a:bodyPr wrap="square" rtlCol="0">
+            <a:spAutoFit/>
+          </a:bodyPr>
+          <a:lstStyle/>
+          <a:p>
+            <a:r>
+              <a:rPr lang="en-US" altLang="ko-KR" sz="1400" dirty="0" smtClean="0"/>
+              <a:t>PersonAdapter.java</a:t>
+            </a:r>
+            <a:endParaRPr lang="ko-KR" altLang="en-US" sz="1400" dirty="0"/>
+          </a:p>
+        </p:txBody>
+      </p:sp>
+    </p:spTree>
+    <p:extLst>
+      <p:ext uri="{BB962C8B-B14F-4D97-AF65-F5344CB8AC3E}">
+        <p14:creationId xmlns:p14="http://schemas.microsoft.com/office/powerpoint/2010/main" val="3204957155"/>
+      </p:ext>
+    </p:extLst>
+  </p:cSld>
+  <p:clrMapOvr>
+    <a:masterClrMapping/>
+  </p:clrMapOvr>
+  <p:timing>
+    <p:tnLst>
+      <p:par>
+        <p:cTn id="1" dur="indefinite" restart="never" nodeType="tmRoot"/>
+      </p:par>
+    </p:tnLst>
+  </p:timing>
+</p:sld>
+</file>
+
+<file path=ppt/slides/slide69.xml><?xml version="1.0" encoding="utf-8"?>
+<p:sld xmlns:a="http://schemas.openxmlformats.org/drawingml/2006/main" xmlns:r="http://schemas.openxmlformats.org/officeDocument/2006/relationships" xmlns:p="http://schemas.openxmlformats.org/presentationml/2006/main">
+  <p:cSld>
+    <p:spTree>
+      <p:nvGrpSpPr>
+        <p:cNvPr id="1" name=""/>
+        <p:cNvGrpSpPr/>
+        <p:nvPr/>
+      </p:nvGrpSpPr>
+      <p:grpSpPr>
+        <a:xfrm>
+          <a:off x="0" y="0"/>
+          <a:ext cx="0" cy="0"/>
+          <a:chOff x="0" y="0"/>
+          <a:chExt cx="0" cy="0"/>
+        </a:xfrm>
+      </p:grpSpPr>
+      <p:sp>
+        <p:nvSpPr>
+          <p:cNvPr id="2" name="제목 1"/>
+          <p:cNvSpPr>
+            <a:spLocks noGrp="1"/>
+          </p:cNvSpPr>
+          <p:nvPr>
+            <p:ph type="title"/>
+          </p:nvPr>
+        </p:nvSpPr>
+        <p:spPr/>
+        <p:txBody>
+          <a:bodyPr/>
+          <a:lstStyle/>
+          <a:p>
+            <a:r>
+              <a:rPr lang="en-US" altLang="ko-KR" dirty="0">
+                <a:latin typeface="나눔고딕" panose="020D0604000000000000" pitchFamily="50" charset="-127"/>
+                <a:ea typeface="나눔고딕" panose="020D0604000000000000" pitchFamily="50" charset="-127"/>
+              </a:rPr>
+              <a:t>07-4 Recycler View </a:t>
+            </a:r>
+            <a:r>
+              <a:rPr lang="ko-KR" altLang="en-US" dirty="0">
+                <a:latin typeface="나눔고딕" panose="020D0604000000000000" pitchFamily="50" charset="-127"/>
+                <a:ea typeface="나눔고딕" panose="020D0604000000000000" pitchFamily="50" charset="-127"/>
+              </a:rPr>
+              <a:t>연습 문제 </a:t>
+            </a:r>
+            <a:r>
+              <a:rPr lang="en-US" altLang="ko-KR" dirty="0">
+                <a:latin typeface="나눔고딕" panose="020D0604000000000000" pitchFamily="50" charset="-127"/>
+                <a:ea typeface="나눔고딕" panose="020D0604000000000000" pitchFamily="50" charset="-127"/>
+              </a:rPr>
+              <a:t>– </a:t>
+            </a:r>
+            <a:r>
+              <a:rPr lang="en-US" altLang="ko-KR" dirty="0" smtClean="0">
+                <a:latin typeface="나눔고딕" panose="020D0604000000000000" pitchFamily="50" charset="-127"/>
+                <a:ea typeface="나눔고딕" panose="020D0604000000000000" pitchFamily="50" charset="-127"/>
+              </a:rPr>
+              <a:t>Selected items highlighted</a:t>
+            </a:r>
+            <a:endParaRPr lang="ko-KR" altLang="en-US" dirty="0"/>
+          </a:p>
+        </p:txBody>
+      </p:sp>
+      <p:sp>
+        <p:nvSpPr>
+          <p:cNvPr id="3" name="내용 개체 틀 2"/>
+          <p:cNvSpPr>
+            <a:spLocks noGrp="1"/>
+          </p:cNvSpPr>
+          <p:nvPr>
+            <p:ph idx="10"/>
+          </p:nvPr>
+        </p:nvSpPr>
+        <p:spPr/>
+        <p:txBody>
+          <a:bodyPr/>
+          <a:lstStyle/>
+          <a:p>
+            <a:pPr marL="0" indent="0">
+              <a:buNone/>
+            </a:pPr>
+            <a:r>
+              <a:rPr lang="en-US" altLang="ko-KR" b="1" dirty="0" smtClean="0"/>
+              <a:t>Joy</a:t>
+            </a:r>
+            <a:r>
+              <a:rPr lang="en-US" altLang="ko-KR" b="1" dirty="0" smtClean="0">
+                <a:solidFill>
+                  <a:srgbClr val="C00000"/>
+                </a:solidFill>
+              </a:rPr>
+              <a:t>074</a:t>
+            </a:r>
+            <a:r>
+              <a:rPr lang="en-US" altLang="ko-KR" b="1" dirty="0" smtClean="0"/>
+              <a:t>RecylerView:</a:t>
+            </a:r>
+          </a:p>
+          <a:p>
+            <a:pPr marL="0" indent="0">
+              <a:buNone/>
+            </a:pPr>
+            <a:r>
+              <a:rPr lang="en-US" altLang="ko-KR" b="1" dirty="0" smtClean="0"/>
+              <a:t>4</a:t>
+            </a:r>
+            <a:r>
+              <a:rPr lang="en-US" altLang="ko-KR" b="1" baseline="30000" dirty="0" smtClean="0"/>
+              <a:t>th</a:t>
+            </a:r>
+            <a:r>
+              <a:rPr lang="en-US" altLang="ko-KR" b="1" dirty="0" smtClean="0"/>
+              <a:t> Trial: </a:t>
+            </a:r>
+            <a:r>
+              <a:rPr lang="ko-KR" altLang="en-US" dirty="0" smtClean="0"/>
+              <a:t>지금 코드는 잘 실행이 되지만</a:t>
+            </a:r>
+            <a:r>
+              <a:rPr lang="en-US" altLang="ko-KR" dirty="0" smtClean="0"/>
+              <a:t>, DRY (Don't repeat yourself)</a:t>
+            </a:r>
+            <a:r>
+              <a:rPr lang="ko-KR" altLang="en-US" dirty="0" smtClean="0"/>
+              <a:t>라는 </a:t>
+            </a:r>
+            <a:r>
+              <a:rPr lang="en-US" altLang="ko-KR" dirty="0" smtClean="0"/>
+              <a:t>Coding</a:t>
+            </a:r>
+            <a:r>
+              <a:rPr lang="ko-KR" altLang="en-US" dirty="0" smtClean="0"/>
+              <a:t>의 기본 원칙에 좀 어긋나는 것 같습니다</a:t>
+            </a:r>
+            <a:r>
+              <a:rPr lang="en-US" altLang="ko-KR" dirty="0" smtClean="0"/>
+              <a:t>. </a:t>
+            </a:r>
+            <a:r>
+              <a:rPr lang="ko-KR" altLang="en-US" dirty="0" smtClean="0"/>
+              <a:t>왜냐하면</a:t>
+            </a:r>
+            <a:r>
+              <a:rPr lang="en-US" altLang="ko-KR" dirty="0" smtClean="0"/>
+              <a:t>, </a:t>
+            </a:r>
+            <a:r>
+              <a:rPr lang="ko-KR" altLang="en-US" dirty="0" smtClean="0"/>
+              <a:t>아래와 같은 코드가 두 곳에 있기 때문입니다</a:t>
+            </a:r>
+            <a:r>
+              <a:rPr lang="en-US" altLang="ko-KR" dirty="0" smtClean="0"/>
+              <a:t>. </a:t>
+            </a:r>
+            <a:r>
+              <a:rPr lang="ko-KR" altLang="en-US" dirty="0" smtClean="0"/>
+              <a:t>그럼</a:t>
+            </a:r>
+            <a:r>
+              <a:rPr lang="en-US" altLang="ko-KR" dirty="0" smtClean="0"/>
+              <a:t>, </a:t>
+            </a:r>
+            <a:r>
+              <a:rPr lang="ko-KR" altLang="en-US" dirty="0" smtClean="0"/>
+              <a:t>좀 더 바람직한 코드는 어떻게 해야 할까요</a:t>
+            </a:r>
+            <a:r>
+              <a:rPr lang="en-US" altLang="ko-KR" dirty="0" smtClean="0"/>
+              <a:t>? </a:t>
+            </a:r>
+          </a:p>
+          <a:p>
+            <a:r>
+              <a:rPr lang="en-US" altLang="ko-KR" dirty="0" smtClean="0"/>
+              <a:t>notify</a:t>
+            </a:r>
+            <a:r>
+              <a:rPr lang="ko-KR" altLang="en-US" dirty="0" smtClean="0"/>
+              <a:t>라는 기능을 활용하면 좋습니다</a:t>
+            </a:r>
+            <a:r>
+              <a:rPr lang="en-US" altLang="ko-KR" dirty="0" smtClean="0"/>
+              <a:t>. </a:t>
+            </a:r>
+            <a:r>
+              <a:rPr lang="en-US" altLang="ko-KR" dirty="0" err="1" smtClean="0"/>
+              <a:t>RecylerView</a:t>
+            </a:r>
+            <a:r>
+              <a:rPr lang="ko-KR" altLang="en-US" dirty="0" smtClean="0"/>
+              <a:t>클래스는 다음과 같은 </a:t>
+            </a:r>
+            <a:r>
+              <a:rPr lang="en-US" altLang="ko-KR" dirty="0" smtClean="0"/>
+              <a:t>notify  </a:t>
+            </a:r>
+            <a:r>
+              <a:rPr lang="ko-KR" altLang="en-US" dirty="0" smtClean="0"/>
+              <a:t>종류의 기능을 제공합니다</a:t>
+            </a:r>
+            <a:r>
+              <a:rPr lang="en-US" altLang="ko-KR" dirty="0" smtClean="0"/>
+              <a:t>. </a:t>
+            </a:r>
+            <a:endParaRPr lang="en-US" altLang="ko-KR" dirty="0"/>
+          </a:p>
+          <a:p>
+            <a:endParaRPr lang="en-US" altLang="ko-KR" dirty="0" smtClean="0"/>
+          </a:p>
+          <a:p>
+            <a:endParaRPr lang="en-US" altLang="ko-KR" dirty="0"/>
+          </a:p>
+          <a:p>
+            <a:endParaRPr lang="en-US" altLang="ko-KR" dirty="0" smtClean="0"/>
+          </a:p>
+          <a:p>
+            <a:endParaRPr lang="en-US" altLang="ko-KR" dirty="0"/>
+          </a:p>
+          <a:p>
+            <a:endParaRPr lang="en-US" altLang="ko-KR" dirty="0" smtClean="0"/>
+          </a:p>
+          <a:p>
+            <a:endParaRPr lang="en-US" altLang="ko-KR" dirty="0"/>
+          </a:p>
+          <a:p>
+            <a:endParaRPr lang="en-US" altLang="ko-KR" dirty="0" smtClean="0"/>
+          </a:p>
+          <a:p>
+            <a:endParaRPr lang="en-US" altLang="ko-KR" dirty="0"/>
+          </a:p>
+          <a:p>
+            <a:endParaRPr lang="en-US" altLang="ko-KR" dirty="0" smtClean="0"/>
+          </a:p>
+          <a:p>
+            <a:pPr marL="0" indent="0">
+              <a:buNone/>
+            </a:pPr>
+            <a:endParaRPr lang="en-US" altLang="ko-KR" dirty="0"/>
+          </a:p>
+          <a:p>
+            <a:pPr marL="0" indent="0">
+              <a:buNone/>
+            </a:pPr>
+            <a:endParaRPr lang="en-US" altLang="ko-KR" dirty="0"/>
+          </a:p>
+        </p:txBody>
+      </p:sp>
+      <p:sp>
+        <p:nvSpPr>
+          <p:cNvPr id="4" name="슬라이드 번호 개체 틀 3"/>
+          <p:cNvSpPr>
+            <a:spLocks noGrp="1"/>
+          </p:cNvSpPr>
+          <p:nvPr>
+            <p:ph type="sldNum" sz="quarter" idx="14"/>
+          </p:nvPr>
+        </p:nvSpPr>
+        <p:spPr/>
+        <p:txBody>
+          <a:bodyPr/>
+          <a:lstStyle/>
+          <a:p>
+            <a:pPr>
+              <a:defRPr/>
+            </a:pPr>
+            <a:fld id="{3D493B47-E977-46F8-8C2F-7DA674317049}" type="slidenum">
+              <a:rPr lang="ko-KR" altLang="en-US" smtClean="0"/>
+              <a:pPr>
+                <a:defRPr/>
+              </a:pPr>
+              <a:t>69</a:t>
             </a:fld>
             <a:endParaRPr lang="ko-KR" altLang="en-US"/>
           </a:p>
@@ -44636,614 +45403,6 @@
     <p:extLst>
       <p:ext uri="{BB962C8B-B14F-4D97-AF65-F5344CB8AC3E}">
         <p14:creationId xmlns:p14="http://schemas.microsoft.com/office/powerpoint/2010/main" val="1262617754"/>
-      </p:ext>
-    </p:extLst>
-  </p:cSld>
-  <p:clrMapOvr>
-    <a:masterClrMapping/>
-  </p:clrMapOvr>
-  <p:timing>
-    <p:tnLst>
-      <p:par>
-        <p:cTn id="1" dur="indefinite" restart="never" nodeType="tmRoot"/>
-      </p:par>
-    </p:tnLst>
-  </p:timing>
-</p:sld>
-</file>
-
-<file path=ppt/slides/slide69.xml><?xml version="1.0" encoding="utf-8"?>
-<p:sld xmlns:a="http://schemas.openxmlformats.org/drawingml/2006/main" xmlns:r="http://schemas.openxmlformats.org/officeDocument/2006/relationships" xmlns:p="http://schemas.openxmlformats.org/presentationml/2006/main">
-  <p:cSld>
-    <p:spTree>
-      <p:nvGrpSpPr>
-        <p:cNvPr id="1" name=""/>
-        <p:cNvGrpSpPr/>
-        <p:nvPr/>
-      </p:nvGrpSpPr>
-      <p:grpSpPr>
-        <a:xfrm>
-          <a:off x="0" y="0"/>
-          <a:ext cx="0" cy="0"/>
-          <a:chOff x="0" y="0"/>
-          <a:chExt cx="0" cy="0"/>
-        </a:xfrm>
-      </p:grpSpPr>
-      <p:sp>
-        <p:nvSpPr>
-          <p:cNvPr id="2" name="제목 1"/>
-          <p:cNvSpPr>
-            <a:spLocks noGrp="1"/>
-          </p:cNvSpPr>
-          <p:nvPr>
-            <p:ph type="title"/>
-          </p:nvPr>
-        </p:nvSpPr>
-        <p:spPr/>
-        <p:txBody>
-          <a:bodyPr/>
-          <a:lstStyle/>
-          <a:p>
-            <a:r>
-              <a:rPr lang="en-US" altLang="ko-KR" dirty="0">
-                <a:latin typeface="나눔고딕" panose="020D0604000000000000" pitchFamily="50" charset="-127"/>
-                <a:ea typeface="나눔고딕" panose="020D0604000000000000" pitchFamily="50" charset="-127"/>
-              </a:rPr>
-              <a:t>07-4 Recycler View </a:t>
-            </a:r>
-            <a:r>
-              <a:rPr lang="ko-KR" altLang="en-US" dirty="0">
-                <a:latin typeface="나눔고딕" panose="020D0604000000000000" pitchFamily="50" charset="-127"/>
-                <a:ea typeface="나눔고딕" panose="020D0604000000000000" pitchFamily="50" charset="-127"/>
-              </a:rPr>
-              <a:t>연습 문제 </a:t>
-            </a:r>
-            <a:r>
-              <a:rPr lang="en-US" altLang="ko-KR" dirty="0">
-                <a:latin typeface="나눔고딕" panose="020D0604000000000000" pitchFamily="50" charset="-127"/>
-                <a:ea typeface="나눔고딕" panose="020D0604000000000000" pitchFamily="50" charset="-127"/>
-              </a:rPr>
-              <a:t>– </a:t>
-            </a:r>
-            <a:r>
-              <a:rPr lang="en-US" altLang="ko-KR" dirty="0" smtClean="0">
-                <a:latin typeface="나눔고딕" panose="020D0604000000000000" pitchFamily="50" charset="-127"/>
-                <a:ea typeface="나눔고딕" panose="020D0604000000000000" pitchFamily="50" charset="-127"/>
-              </a:rPr>
-              <a:t>Selected items highlighted</a:t>
-            </a:r>
-            <a:endParaRPr lang="ko-KR" altLang="en-US" dirty="0"/>
-          </a:p>
-        </p:txBody>
-      </p:sp>
-      <p:sp>
-        <p:nvSpPr>
-          <p:cNvPr id="3" name="내용 개체 틀 2"/>
-          <p:cNvSpPr>
-            <a:spLocks noGrp="1"/>
-          </p:cNvSpPr>
-          <p:nvPr>
-            <p:ph idx="10"/>
-          </p:nvPr>
-        </p:nvSpPr>
-        <p:spPr/>
-        <p:txBody>
-          <a:bodyPr/>
-          <a:lstStyle/>
-          <a:p>
-            <a:pPr marL="0" indent="0">
-              <a:buNone/>
-            </a:pPr>
-            <a:r>
-              <a:rPr lang="en-US" altLang="ko-KR" b="1" dirty="0" smtClean="0"/>
-              <a:t>Joy</a:t>
-            </a:r>
-            <a:r>
-              <a:rPr lang="en-US" altLang="ko-KR" b="1" dirty="0" smtClean="0">
-                <a:solidFill>
-                  <a:srgbClr val="C00000"/>
-                </a:solidFill>
-              </a:rPr>
-              <a:t>074</a:t>
-            </a:r>
-            <a:r>
-              <a:rPr lang="en-US" altLang="ko-KR" b="1" dirty="0" smtClean="0"/>
-              <a:t>RecylerView</a:t>
-            </a:r>
-            <a:r>
-              <a:rPr lang="en-US" altLang="ko-KR" b="1" dirty="0" smtClean="0"/>
-              <a:t>:</a:t>
-            </a:r>
-          </a:p>
-          <a:p>
-            <a:pPr marL="0" indent="0">
-              <a:buNone/>
-            </a:pPr>
-            <a:r>
-              <a:rPr lang="en-US" altLang="ko-KR" b="1" dirty="0" smtClean="0"/>
-              <a:t>4</a:t>
-            </a:r>
-            <a:r>
-              <a:rPr lang="en-US" altLang="ko-KR" b="1" baseline="30000" dirty="0" smtClean="0"/>
-              <a:t>th</a:t>
-            </a:r>
-            <a:r>
-              <a:rPr lang="en-US" altLang="ko-KR" b="1" dirty="0" smtClean="0"/>
-              <a:t> Trial </a:t>
-            </a:r>
-            <a:r>
-              <a:rPr lang="ko-KR" altLang="en-US" b="1" dirty="0" smtClean="0"/>
-              <a:t>계속</a:t>
-            </a:r>
-            <a:r>
-              <a:rPr lang="en-US" altLang="ko-KR" b="1" dirty="0" smtClean="0"/>
-              <a:t>: </a:t>
-            </a:r>
-            <a:r>
-              <a:rPr lang="en-US" altLang="ko-KR" dirty="0" err="1" smtClean="0"/>
-              <a:t>itemsSelected</a:t>
-            </a:r>
-            <a:r>
-              <a:rPr lang="ko-KR" altLang="en-US" dirty="0" smtClean="0"/>
-              <a:t>가 변경될 때</a:t>
-            </a:r>
-            <a:r>
-              <a:rPr lang="en-US" altLang="ko-KR" dirty="0" smtClean="0"/>
-              <a:t>(</a:t>
-            </a:r>
-            <a:r>
-              <a:rPr lang="ko-KR" altLang="en-US" dirty="0" smtClean="0"/>
-              <a:t>이 때가 어느 때인지는 우리가 알고 있습니다</a:t>
-            </a:r>
-            <a:r>
-              <a:rPr lang="en-US" altLang="ko-KR" dirty="0" smtClean="0"/>
-              <a:t>.), </a:t>
-            </a:r>
-            <a:r>
-              <a:rPr lang="ko-KR" altLang="en-US" dirty="0" smtClean="0"/>
-              <a:t>바로 그 때에 </a:t>
-            </a:r>
-            <a:r>
-              <a:rPr lang="en-US" altLang="ko-KR" dirty="0" err="1" smtClean="0"/>
-              <a:t>notifyItemChanged</a:t>
-            </a:r>
-            <a:r>
-              <a:rPr lang="en-US" altLang="ko-KR" dirty="0" smtClean="0"/>
-              <a:t>() </a:t>
-            </a:r>
-            <a:r>
-              <a:rPr lang="ko-KR" altLang="en-US" dirty="0" smtClean="0"/>
-              <a:t>메소드를 호출하여</a:t>
-            </a:r>
-            <a:r>
-              <a:rPr lang="en-US" altLang="ko-KR" dirty="0" smtClean="0"/>
-              <a:t>, </a:t>
-            </a:r>
-            <a:r>
-              <a:rPr lang="ko-KR" altLang="en-US" dirty="0" err="1" smtClean="0"/>
-              <a:t>안스로</a:t>
-            </a:r>
-            <a:r>
-              <a:rPr lang="ko-KR" altLang="en-US" dirty="0" smtClean="0"/>
-              <a:t> 하여금 </a:t>
-            </a:r>
-            <a:r>
-              <a:rPr lang="en-US" altLang="ko-KR" dirty="0" smtClean="0"/>
-              <a:t>View </a:t>
-            </a:r>
-            <a:r>
-              <a:rPr lang="ko-KR" altLang="en-US" dirty="0" smtClean="0"/>
-              <a:t>바인딩을 새로 하게하고</a:t>
-            </a:r>
-            <a:r>
-              <a:rPr lang="en-US" altLang="ko-KR" dirty="0" smtClean="0"/>
-              <a:t>, </a:t>
-            </a:r>
-            <a:r>
-              <a:rPr lang="ko-KR" altLang="en-US" dirty="0" smtClean="0"/>
-              <a:t>이 때</a:t>
-            </a:r>
-            <a:r>
-              <a:rPr lang="en-US" altLang="ko-KR" dirty="0" smtClean="0"/>
-              <a:t>background</a:t>
-            </a:r>
-            <a:r>
-              <a:rPr lang="ko-KR" altLang="en-US" dirty="0" smtClean="0"/>
-              <a:t>를 다시 그려주면 됩니다</a:t>
-            </a:r>
-            <a:r>
-              <a:rPr lang="en-US" altLang="ko-KR" dirty="0" smtClean="0"/>
-              <a:t>.  background</a:t>
-            </a:r>
-            <a:r>
-              <a:rPr lang="ko-KR" altLang="en-US" dirty="0" smtClean="0"/>
-              <a:t>를 다시 그려주는 코드가 여기 한 곳에만 있으면 됩니다</a:t>
-            </a:r>
-            <a:r>
-              <a:rPr lang="en-US" altLang="ko-KR" dirty="0" smtClean="0"/>
-              <a:t>. </a:t>
-            </a:r>
-          </a:p>
-          <a:p>
-            <a:r>
-              <a:rPr lang="ko-KR" altLang="en-US" dirty="0" smtClean="0"/>
-              <a:t>우선 </a:t>
-            </a:r>
-            <a:r>
-              <a:rPr lang="en-US" altLang="ko-KR" dirty="0" err="1" smtClean="0"/>
-              <a:t>addItemsSelected</a:t>
-            </a:r>
-            <a:r>
-              <a:rPr lang="en-US" altLang="ko-KR" dirty="0" smtClean="0"/>
-              <a:t>() </a:t>
-            </a:r>
-            <a:r>
-              <a:rPr lang="ko-KR" altLang="en-US" dirty="0" smtClean="0"/>
-              <a:t>메소드 이름이 마음에 들지 않으므로 </a:t>
-            </a:r>
-            <a:r>
-              <a:rPr lang="en-US" altLang="ko-KR" dirty="0" smtClean="0"/>
-              <a:t>(add</a:t>
-            </a:r>
-            <a:r>
-              <a:rPr lang="ko-KR" altLang="en-US" dirty="0" smtClean="0"/>
-              <a:t>뿐만 아니라 삭제도 하니까 말입니다</a:t>
-            </a:r>
-            <a:r>
-              <a:rPr lang="en-US" altLang="ko-KR" dirty="0" smtClean="0"/>
-              <a:t>),</a:t>
-            </a:r>
-            <a:r>
-              <a:rPr lang="ko-KR" altLang="en-US" dirty="0" smtClean="0"/>
-              <a:t> </a:t>
-            </a:r>
-            <a:r>
-              <a:rPr lang="en-US" altLang="ko-KR" dirty="0" err="1" smtClean="0"/>
-              <a:t>toggleItemsSelected</a:t>
-            </a:r>
-            <a:r>
-              <a:rPr lang="en-US" altLang="ko-KR" dirty="0" smtClean="0"/>
-              <a:t>() </a:t>
-            </a:r>
-            <a:r>
-              <a:rPr lang="ko-KR" altLang="en-US" dirty="0" smtClean="0"/>
-              <a:t>수정합니다</a:t>
-            </a:r>
-            <a:r>
-              <a:rPr lang="en-US" altLang="ko-KR" dirty="0" smtClean="0"/>
-              <a:t>. </a:t>
-            </a:r>
-            <a:r>
-              <a:rPr lang="ko-KR" altLang="en-US" dirty="0" smtClean="0"/>
-              <a:t>상태를 </a:t>
-            </a:r>
-            <a:r>
-              <a:rPr lang="en-US" altLang="ko-KR" dirty="0" smtClean="0"/>
-              <a:t>on/off </a:t>
-            </a:r>
-            <a:r>
-              <a:rPr lang="ko-KR" altLang="en-US" dirty="0" smtClean="0"/>
-              <a:t>혹은 </a:t>
-            </a:r>
-            <a:r>
-              <a:rPr lang="en-US" altLang="ko-KR" dirty="0" smtClean="0"/>
-              <a:t>off/on</a:t>
-            </a:r>
-            <a:r>
-              <a:rPr lang="ko-KR" altLang="en-US" dirty="0" smtClean="0"/>
-              <a:t>으로 바꾸는 것을 </a:t>
-            </a:r>
-            <a:r>
-              <a:rPr lang="en-US" altLang="ko-KR" dirty="0" smtClean="0"/>
-              <a:t>toggle</a:t>
-            </a:r>
-            <a:r>
-              <a:rPr lang="ko-KR" altLang="en-US" dirty="0" smtClean="0"/>
-              <a:t>이라 합니다</a:t>
-            </a:r>
-            <a:r>
-              <a:rPr lang="en-US" altLang="ko-KR" dirty="0" smtClean="0"/>
-              <a:t>. </a:t>
-            </a:r>
-          </a:p>
-          <a:p>
-            <a:r>
-              <a:rPr lang="ko-KR" altLang="en-US" dirty="0" smtClean="0"/>
-              <a:t>또한 메소드 끝에 </a:t>
-            </a:r>
-            <a:r>
-              <a:rPr lang="en-US" altLang="ko-KR" dirty="0" err="1" smtClean="0"/>
-              <a:t>notifyItemChanged</a:t>
-            </a:r>
-            <a:r>
-              <a:rPr lang="en-US" altLang="ko-KR" dirty="0" smtClean="0"/>
-              <a:t>()</a:t>
-            </a:r>
-            <a:r>
-              <a:rPr lang="ko-KR" altLang="en-US" dirty="0" smtClean="0"/>
-              <a:t>를 호출합니다</a:t>
-            </a:r>
-            <a:r>
-              <a:rPr lang="en-US" altLang="ko-KR" dirty="0" smtClean="0"/>
-              <a:t>. </a:t>
-            </a:r>
-            <a:endParaRPr lang="en-US" altLang="ko-KR" dirty="0"/>
-          </a:p>
-          <a:p>
-            <a:endParaRPr lang="en-US" altLang="ko-KR" dirty="0" smtClean="0"/>
-          </a:p>
-          <a:p>
-            <a:endParaRPr lang="en-US" altLang="ko-KR" dirty="0"/>
-          </a:p>
-          <a:p>
-            <a:endParaRPr lang="en-US" altLang="ko-KR" dirty="0" smtClean="0"/>
-          </a:p>
-          <a:p>
-            <a:endParaRPr lang="en-US" altLang="ko-KR" dirty="0"/>
-          </a:p>
-          <a:p>
-            <a:endParaRPr lang="en-US" altLang="ko-KR" dirty="0" smtClean="0"/>
-          </a:p>
-          <a:p>
-            <a:pPr marL="0" indent="0">
-              <a:buNone/>
-            </a:pPr>
-            <a:endParaRPr lang="en-US" altLang="ko-KR" dirty="0"/>
-          </a:p>
-          <a:p>
-            <a:pPr marL="0" indent="0">
-              <a:buNone/>
-            </a:pPr>
-            <a:endParaRPr lang="en-US" altLang="ko-KR" dirty="0"/>
-          </a:p>
-        </p:txBody>
-      </p:sp>
-      <p:sp>
-        <p:nvSpPr>
-          <p:cNvPr id="4" name="슬라이드 번호 개체 틀 3"/>
-          <p:cNvSpPr>
-            <a:spLocks noGrp="1"/>
-          </p:cNvSpPr>
-          <p:nvPr>
-            <p:ph type="sldNum" sz="quarter" idx="14"/>
-          </p:nvPr>
-        </p:nvSpPr>
-        <p:spPr/>
-        <p:txBody>
-          <a:bodyPr/>
-          <a:lstStyle/>
-          <a:p>
-            <a:pPr>
-              <a:defRPr/>
-            </a:pPr>
-            <a:fld id="{3D493B47-E977-46F8-8C2F-7DA674317049}" type="slidenum">
-              <a:rPr lang="ko-KR" altLang="en-US" smtClean="0"/>
-              <a:pPr>
-                <a:defRPr/>
-              </a:pPr>
-              <a:t>69</a:t>
-            </a:fld>
-            <a:endParaRPr lang="ko-KR" altLang="en-US"/>
-          </a:p>
-        </p:txBody>
-      </p:sp>
-      <p:sp>
-        <p:nvSpPr>
-          <p:cNvPr id="8" name="직사각형 7"/>
-          <p:cNvSpPr/>
-          <p:nvPr/>
-        </p:nvSpPr>
-        <p:spPr>
-          <a:xfrm>
-            <a:off x="453100" y="3212976"/>
-            <a:ext cx="11253818" cy="2308324"/>
-          </a:xfrm>
-          <a:prstGeom prst="rect">
-            <a:avLst/>
-          </a:prstGeom>
-          <a:solidFill>
-            <a:schemeClr val="bg1">
-              <a:lumMod val="95000"/>
-            </a:schemeClr>
-          </a:solidFill>
-          <a:ln>
-            <a:solidFill>
-              <a:schemeClr val="bg1">
-                <a:lumMod val="75000"/>
-              </a:schemeClr>
-            </a:solidFill>
-          </a:ln>
-        </p:spPr>
-        <p:txBody>
-          <a:bodyPr wrap="square">
-            <a:spAutoFit/>
-          </a:bodyPr>
-          <a:lstStyle/>
-          <a:p>
-            <a:r>
-              <a:rPr lang="en-US" altLang="ko-KR" sz="1600" dirty="0">
-                <a:latin typeface="Consolas" panose="020B0609020204030204" pitchFamily="49" charset="0"/>
-              </a:rPr>
-              <a:t> </a:t>
-            </a:r>
-            <a:r>
-              <a:rPr lang="en-US" altLang="ko-KR" sz="1600" dirty="0" smtClean="0">
-                <a:latin typeface="Consolas" panose="020B0609020204030204" pitchFamily="49" charset="0"/>
-              </a:rPr>
-              <a:t>   public </a:t>
-            </a:r>
-            <a:r>
-              <a:rPr lang="en-US" altLang="ko-KR" sz="1600" dirty="0">
-                <a:latin typeface="Consolas" panose="020B0609020204030204" pitchFamily="49" charset="0"/>
-              </a:rPr>
-              <a:t>void </a:t>
-            </a:r>
-            <a:r>
-              <a:rPr lang="en-US" altLang="ko-KR" sz="1600" b="1" dirty="0" err="1">
-                <a:latin typeface="Consolas" panose="020B0609020204030204" pitchFamily="49" charset="0"/>
-              </a:rPr>
-              <a:t>toggleItemsSelected</a:t>
-            </a:r>
-            <a:r>
-              <a:rPr lang="en-US" altLang="ko-KR" sz="1600" dirty="0">
-                <a:latin typeface="Consolas" panose="020B0609020204030204" pitchFamily="49" charset="0"/>
-              </a:rPr>
-              <a:t>(int position) {</a:t>
-            </a:r>
-          </a:p>
-          <a:p>
-            <a:r>
-              <a:rPr lang="en-US" altLang="ko-KR" sz="1600" dirty="0">
-                <a:latin typeface="Consolas" panose="020B0609020204030204" pitchFamily="49" charset="0"/>
-              </a:rPr>
-              <a:t>        if (</a:t>
-            </a:r>
-            <a:r>
-              <a:rPr lang="en-US" altLang="ko-KR" sz="1600" dirty="0" err="1">
-                <a:latin typeface="Consolas" panose="020B0609020204030204" pitchFamily="49" charset="0"/>
-              </a:rPr>
-              <a:t>itemsSelected.contains</a:t>
-            </a:r>
-            <a:r>
-              <a:rPr lang="en-US" altLang="ko-KR" sz="1600" dirty="0">
-                <a:latin typeface="Consolas" panose="020B0609020204030204" pitchFamily="49" charset="0"/>
-              </a:rPr>
-              <a:t>(position)) {</a:t>
-            </a:r>
-          </a:p>
-          <a:p>
-            <a:r>
-              <a:rPr lang="en-US" altLang="ko-KR" sz="1600" dirty="0">
-                <a:latin typeface="Consolas" panose="020B0609020204030204" pitchFamily="49" charset="0"/>
-              </a:rPr>
-              <a:t>            </a:t>
-            </a:r>
-            <a:r>
-              <a:rPr lang="en-US" altLang="ko-KR" sz="1600" dirty="0" err="1">
-                <a:latin typeface="Consolas" panose="020B0609020204030204" pitchFamily="49" charset="0"/>
-              </a:rPr>
-              <a:t>itemsSelected.remove</a:t>
-            </a:r>
-            <a:r>
-              <a:rPr lang="en-US" altLang="ko-KR" sz="1600" dirty="0">
-                <a:latin typeface="Consolas" panose="020B0609020204030204" pitchFamily="49" charset="0"/>
-              </a:rPr>
-              <a:t>((Integer)position);</a:t>
-            </a:r>
-          </a:p>
-          <a:p>
-            <a:r>
-              <a:rPr lang="en-US" altLang="ko-KR" sz="1600" dirty="0">
-                <a:latin typeface="Consolas" panose="020B0609020204030204" pitchFamily="49" charset="0"/>
-              </a:rPr>
-              <a:t>        }</a:t>
-            </a:r>
-          </a:p>
-          <a:p>
-            <a:r>
-              <a:rPr lang="en-US" altLang="ko-KR" sz="1600" dirty="0">
-                <a:latin typeface="Consolas" panose="020B0609020204030204" pitchFamily="49" charset="0"/>
-              </a:rPr>
-              <a:t>        else {</a:t>
-            </a:r>
-          </a:p>
-          <a:p>
-            <a:r>
-              <a:rPr lang="en-US" altLang="ko-KR" sz="1600" dirty="0">
-                <a:latin typeface="Consolas" panose="020B0609020204030204" pitchFamily="49" charset="0"/>
-              </a:rPr>
-              <a:t>            </a:t>
-            </a:r>
-            <a:r>
-              <a:rPr lang="en-US" altLang="ko-KR" sz="1600" dirty="0" err="1">
-                <a:latin typeface="Consolas" panose="020B0609020204030204" pitchFamily="49" charset="0"/>
-              </a:rPr>
-              <a:t>itemsSelected.add</a:t>
-            </a:r>
-            <a:r>
-              <a:rPr lang="en-US" altLang="ko-KR" sz="1600" dirty="0">
-                <a:latin typeface="Consolas" panose="020B0609020204030204" pitchFamily="49" charset="0"/>
-              </a:rPr>
-              <a:t>(position);</a:t>
-            </a:r>
-          </a:p>
-          <a:p>
-            <a:r>
-              <a:rPr lang="en-US" altLang="ko-KR" sz="1600" dirty="0">
-                <a:latin typeface="Consolas" panose="020B0609020204030204" pitchFamily="49" charset="0"/>
-              </a:rPr>
-              <a:t>        }</a:t>
-            </a:r>
-          </a:p>
-          <a:p>
-            <a:r>
-              <a:rPr lang="en-US" altLang="ko-KR" sz="1600" dirty="0">
-                <a:latin typeface="Consolas" panose="020B0609020204030204" pitchFamily="49" charset="0"/>
-              </a:rPr>
-              <a:t>        </a:t>
-            </a:r>
-            <a:r>
-              <a:rPr lang="en-US" altLang="ko-KR" sz="1600" b="1" dirty="0" err="1">
-                <a:latin typeface="Consolas" panose="020B0609020204030204" pitchFamily="49" charset="0"/>
-              </a:rPr>
-              <a:t>notifyItemChanged</a:t>
-            </a:r>
-            <a:r>
-              <a:rPr lang="en-US" altLang="ko-KR" sz="1600" b="1" dirty="0">
-                <a:latin typeface="Consolas" panose="020B0609020204030204" pitchFamily="49" charset="0"/>
-              </a:rPr>
-              <a:t>(position);       </a:t>
-            </a:r>
-          </a:p>
-          <a:p>
-            <a:r>
-              <a:rPr lang="en-US" altLang="ko-KR" sz="1600" dirty="0">
-                <a:latin typeface="Consolas" panose="020B0609020204030204" pitchFamily="49" charset="0"/>
-              </a:rPr>
-              <a:t>    }</a:t>
-            </a:r>
-            <a:endParaRPr lang="ko-KR" altLang="en-US" sz="1600" dirty="0">
-              <a:latin typeface="Consolas" panose="020B0609020204030204" pitchFamily="49" charset="0"/>
-            </a:endParaRPr>
-          </a:p>
-        </p:txBody>
-      </p:sp>
-      <p:sp>
-        <p:nvSpPr>
-          <p:cNvPr id="9" name="TextBox 8"/>
-          <p:cNvSpPr txBox="1"/>
-          <p:nvPr/>
-        </p:nvSpPr>
-        <p:spPr>
-          <a:xfrm>
-            <a:off x="9336360" y="3059087"/>
-            <a:ext cx="2062641" cy="307777"/>
-          </a:xfrm>
-          <a:prstGeom prst="rect">
-            <a:avLst/>
-          </a:prstGeom>
-          <a:solidFill>
-            <a:srgbClr val="FFC000"/>
-          </a:solidFill>
-        </p:spPr>
-        <p:txBody>
-          <a:bodyPr wrap="square" rtlCol="0">
-            <a:spAutoFit/>
-          </a:bodyPr>
-          <a:lstStyle/>
-          <a:p>
-            <a:r>
-              <a:rPr lang="en-US" altLang="ko-KR" sz="1400" dirty="0" smtClean="0"/>
-              <a:t>PersonAdapter.java</a:t>
-            </a:r>
-            <a:endParaRPr lang="ko-KR" altLang="en-US" sz="1400" dirty="0"/>
-          </a:p>
-        </p:txBody>
-      </p:sp>
-    </p:spTree>
-    <p:extLst>
-      <p:ext uri="{BB962C8B-B14F-4D97-AF65-F5344CB8AC3E}">
-        <p14:creationId xmlns:p14="http://schemas.microsoft.com/office/powerpoint/2010/main" val="3266032456"/>
       </p:ext>
     </p:extLst>
   </p:cSld>
@@ -46803,11 +46962,7 @@
             </a:r>
             <a:r>
               <a:rPr lang="en-US" altLang="ko-KR" b="1" dirty="0" smtClean="0"/>
-              <a:t>RecylerView</a:t>
-            </a:r>
-            <a:r>
-              <a:rPr lang="en-US" altLang="ko-KR" b="1" dirty="0" smtClean="0"/>
-              <a:t>:</a:t>
+              <a:t>RecylerView:</a:t>
             </a:r>
           </a:p>
           <a:p>
@@ -46835,12 +46990,94 @@
               <a:t>: </a:t>
             </a:r>
             <a:r>
+              <a:rPr lang="en-US" altLang="ko-KR" dirty="0" err="1" smtClean="0"/>
+              <a:t>itemsSelected</a:t>
+            </a:r>
+            <a:r>
+              <a:rPr lang="ko-KR" altLang="en-US" dirty="0" smtClean="0"/>
+              <a:t>가 변경될 때</a:t>
+            </a:r>
+            <a:r>
               <a:rPr lang="en-US" altLang="ko-KR" dirty="0" smtClean="0"/>
-              <a:t>MainActivity.java</a:t>
+              <a:t>(</a:t>
             </a:r>
             <a:r>
               <a:rPr lang="ko-KR" altLang="en-US" dirty="0" smtClean="0"/>
-              <a:t>에서도 </a:t>
+              <a:t>이 때가 어느 때인지는 우리가 알고 있습니다</a:t>
+            </a:r>
+            <a:r>
+              <a:rPr lang="en-US" altLang="ko-KR" dirty="0" smtClean="0"/>
+              <a:t>.), </a:t>
+            </a:r>
+            <a:r>
+              <a:rPr lang="ko-KR" altLang="en-US" dirty="0" smtClean="0"/>
+              <a:t>바로 그 때에 </a:t>
+            </a:r>
+            <a:r>
+              <a:rPr lang="en-US" altLang="ko-KR" dirty="0" err="1" smtClean="0"/>
+              <a:t>notifyItemChanged</a:t>
+            </a:r>
+            <a:r>
+              <a:rPr lang="en-US" altLang="ko-KR" dirty="0" smtClean="0"/>
+              <a:t>() </a:t>
+            </a:r>
+            <a:r>
+              <a:rPr lang="ko-KR" altLang="en-US" dirty="0" smtClean="0"/>
+              <a:t>메소드를 호출하여</a:t>
+            </a:r>
+            <a:r>
+              <a:rPr lang="en-US" altLang="ko-KR" dirty="0" smtClean="0"/>
+              <a:t>, </a:t>
+            </a:r>
+            <a:r>
+              <a:rPr lang="ko-KR" altLang="en-US" dirty="0" err="1" smtClean="0"/>
+              <a:t>안스로</a:t>
+            </a:r>
+            <a:r>
+              <a:rPr lang="ko-KR" altLang="en-US" dirty="0" smtClean="0"/>
+              <a:t> 하여금 </a:t>
+            </a:r>
+            <a:r>
+              <a:rPr lang="en-US" altLang="ko-KR" dirty="0" smtClean="0"/>
+              <a:t>View </a:t>
+            </a:r>
+            <a:r>
+              <a:rPr lang="ko-KR" altLang="en-US" dirty="0" smtClean="0"/>
+              <a:t>바인딩을 새로 하게하고</a:t>
+            </a:r>
+            <a:r>
+              <a:rPr lang="en-US" altLang="ko-KR" dirty="0" smtClean="0"/>
+              <a:t>, </a:t>
+            </a:r>
+            <a:r>
+              <a:rPr lang="ko-KR" altLang="en-US" dirty="0" smtClean="0"/>
+              <a:t>이 때</a:t>
+            </a:r>
+            <a:r>
+              <a:rPr lang="en-US" altLang="ko-KR" dirty="0" smtClean="0"/>
+              <a:t>background</a:t>
+            </a:r>
+            <a:r>
+              <a:rPr lang="ko-KR" altLang="en-US" dirty="0" smtClean="0"/>
+              <a:t>를 다시 그려주면 됩니다</a:t>
+            </a:r>
+            <a:r>
+              <a:rPr lang="en-US" altLang="ko-KR" dirty="0" smtClean="0"/>
+              <a:t>.  background</a:t>
+            </a:r>
+            <a:r>
+              <a:rPr lang="ko-KR" altLang="en-US" dirty="0" smtClean="0"/>
+              <a:t>를 다시 그려주는 코드가 여기 한 곳에만 있으면 됩니다</a:t>
+            </a:r>
+            <a:r>
+              <a:rPr lang="en-US" altLang="ko-KR" dirty="0" smtClean="0"/>
+              <a:t>. </a:t>
+            </a:r>
+          </a:p>
+          <a:p>
+            <a:r>
+              <a:rPr lang="ko-KR" altLang="en-US" dirty="0" smtClean="0"/>
+              <a:t>우선 </a:t>
             </a:r>
             <a:r>
               <a:rPr lang="en-US" altLang="ko-KR" dirty="0" err="1" smtClean="0"/>
@@ -46848,11 +47085,27 @@
             </a:r>
             <a:r>
               <a:rPr lang="en-US" altLang="ko-KR" dirty="0" smtClean="0"/>
-              <a:t>()</a:t>
+              <a:t>() </a:t>
             </a:r>
             <a:r>
               <a:rPr lang="ko-KR" altLang="en-US" dirty="0" smtClean="0"/>
-              <a:t>대신 </a:t>
+              <a:t>메소드 이름이 마음에 들지 않으므로 </a:t>
+            </a:r>
+            <a:r>
+              <a:rPr lang="en-US" altLang="ko-KR" dirty="0" smtClean="0"/>
+              <a:t>(add</a:t>
+            </a:r>
+            <a:r>
+              <a:rPr lang="ko-KR" altLang="en-US" dirty="0" smtClean="0"/>
+              <a:t>뿐만 아니라 삭제도 하니까 말입니다</a:t>
+            </a:r>
+            <a:r>
+              <a:rPr lang="en-US" altLang="ko-KR" dirty="0" smtClean="0"/>
+              <a:t>),</a:t>
+            </a:r>
+            <a:r>
+              <a:rPr lang="ko-KR" altLang="en-US" dirty="0" smtClean="0"/>
+              <a:t> </a:t>
             </a:r>
             <a:r>
               <a:rPr lang="en-US" altLang="ko-KR" dirty="0" err="1" smtClean="0"/>
@@ -46860,42 +47113,74 @@
             </a:r>
             <a:r>
               <a:rPr lang="en-US" altLang="ko-KR" dirty="0" smtClean="0"/>
+              <a:t>() </a:t>
+            </a:r>
+            <a:r>
+              <a:rPr lang="ko-KR" altLang="en-US" dirty="0" smtClean="0"/>
+              <a:t>수정합니다</a:t>
+            </a:r>
+            <a:r>
+              <a:rPr lang="en-US" altLang="ko-KR" dirty="0" smtClean="0"/>
+              <a:t>. </a:t>
+            </a:r>
+            <a:r>
+              <a:rPr lang="ko-KR" altLang="en-US" dirty="0" smtClean="0"/>
+              <a:t>상태를 </a:t>
+            </a:r>
+            <a:r>
+              <a:rPr lang="en-US" altLang="ko-KR" dirty="0" smtClean="0"/>
+              <a:t>on/off </a:t>
+            </a:r>
+            <a:r>
+              <a:rPr lang="ko-KR" altLang="en-US" dirty="0" smtClean="0"/>
+              <a:t>혹은 </a:t>
+            </a:r>
+            <a:r>
+              <a:rPr lang="en-US" altLang="ko-KR" dirty="0" smtClean="0"/>
+              <a:t>off/on</a:t>
+            </a:r>
+            <a:r>
+              <a:rPr lang="ko-KR" altLang="en-US" dirty="0" smtClean="0"/>
+              <a:t>으로 바꾸는 것을 </a:t>
+            </a:r>
+            <a:r>
+              <a:rPr lang="en-US" altLang="ko-KR" dirty="0" smtClean="0"/>
+              <a:t>toggle</a:t>
+            </a:r>
+            <a:r>
+              <a:rPr lang="ko-KR" altLang="en-US" dirty="0" smtClean="0"/>
+              <a:t>이라 합니다</a:t>
+            </a:r>
+            <a:r>
+              <a:rPr lang="en-US" altLang="ko-KR" dirty="0" smtClean="0"/>
+              <a:t>. </a:t>
+            </a:r>
+          </a:p>
+          <a:p>
+            <a:r>
+              <a:rPr lang="ko-KR" altLang="en-US" dirty="0" smtClean="0"/>
+              <a:t>또한 메소드 끝에 </a:t>
+            </a:r>
+            <a:r>
+              <a:rPr lang="en-US" altLang="ko-KR" dirty="0" err="1" smtClean="0"/>
+              <a:t>notifyItemChanged</a:t>
+            </a:r>
+            <a:r>
+              <a:rPr lang="en-US" altLang="ko-KR" dirty="0" smtClean="0"/>
               <a:t>()</a:t>
             </a:r>
             <a:r>
               <a:rPr lang="ko-KR" altLang="en-US" dirty="0" smtClean="0"/>
-              <a:t>을 호출합니다</a:t>
+              <a:t>를 호출합니다</a:t>
             </a:r>
             <a:r>
               <a:rPr lang="en-US" altLang="ko-KR" dirty="0" smtClean="0"/>
-              <a:t>.</a:t>
-            </a:r>
-          </a:p>
-          <a:p>
-            <a:r>
-              <a:rPr lang="ko-KR" altLang="en-US" dirty="0" smtClean="0"/>
-              <a:t>코드가 훨씬 간편해진 것을 볼 수 있습니다</a:t>
-            </a:r>
-            <a:r>
-              <a:rPr lang="en-US" altLang="ko-KR" dirty="0" smtClean="0"/>
-              <a:t>. Readability</a:t>
-            </a:r>
-            <a:r>
-              <a:rPr lang="ko-KR" altLang="en-US" dirty="0" smtClean="0"/>
-              <a:t>가 향상되고</a:t>
-            </a:r>
-            <a:r>
-              <a:rPr lang="en-US" altLang="ko-KR" dirty="0" smtClean="0"/>
-              <a:t>, Maintenance</a:t>
-            </a:r>
-            <a:r>
-              <a:rPr lang="ko-KR" altLang="en-US" dirty="0" smtClean="0"/>
-              <a:t>가 쉬워집니다</a:t>
-            </a:r>
-            <a:r>
-              <a:rPr lang="en-US" altLang="ko-KR" dirty="0" smtClean="0"/>
-              <a:t>.  </a:t>
-            </a:r>
+              <a:t>. </a:t>
+            </a:r>
+            <a:endParaRPr lang="en-US" altLang="ko-KR" dirty="0"/>
+          </a:p>
+          <a:p>
+            <a:endParaRPr lang="en-US" altLang="ko-KR" dirty="0" smtClean="0"/>
           </a:p>
           <a:p>
             <a:endParaRPr lang="en-US" altLang="ko-KR" dirty="0"/>
@@ -46947,6 +47232,480 @@
                 <a:defRPr/>
               </a:pPr>
               <a:t>70</a:t>
+            </a:fld>
+            <a:endParaRPr lang="ko-KR" altLang="en-US"/>
+          </a:p>
+        </p:txBody>
+      </p:sp>
+      <p:sp>
+        <p:nvSpPr>
+          <p:cNvPr id="8" name="직사각형 7"/>
+          <p:cNvSpPr/>
+          <p:nvPr/>
+        </p:nvSpPr>
+        <p:spPr>
+          <a:xfrm>
+            <a:off x="453100" y="3212976"/>
+            <a:ext cx="11253818" cy="2308324"/>
+          </a:xfrm>
+          <a:prstGeom prst="rect">
+            <a:avLst/>
+          </a:prstGeom>
+          <a:solidFill>
+            <a:schemeClr val="bg1">
+              <a:lumMod val="95000"/>
+            </a:schemeClr>
+          </a:solidFill>
+          <a:ln>
+            <a:solidFill>
+              <a:schemeClr val="bg1">
+                <a:lumMod val="75000"/>
+              </a:schemeClr>
+            </a:solidFill>
+          </a:ln>
+        </p:spPr>
+        <p:txBody>
+          <a:bodyPr wrap="square">
+            <a:spAutoFit/>
+          </a:bodyPr>
+          <a:lstStyle/>
+          <a:p>
+            <a:r>
+              <a:rPr lang="en-US" altLang="ko-KR" sz="1600" dirty="0">
+                <a:latin typeface="Consolas" panose="020B0609020204030204" pitchFamily="49" charset="0"/>
+              </a:rPr>
+              <a:t> </a:t>
+            </a:r>
+            <a:r>
+              <a:rPr lang="en-US" altLang="ko-KR" sz="1600" dirty="0" smtClean="0">
+                <a:latin typeface="Consolas" panose="020B0609020204030204" pitchFamily="49" charset="0"/>
+              </a:rPr>
+              <a:t>   public </a:t>
+            </a:r>
+            <a:r>
+              <a:rPr lang="en-US" altLang="ko-KR" sz="1600" dirty="0">
+                <a:latin typeface="Consolas" panose="020B0609020204030204" pitchFamily="49" charset="0"/>
+              </a:rPr>
+              <a:t>void </a:t>
+            </a:r>
+            <a:r>
+              <a:rPr lang="en-US" altLang="ko-KR" sz="1600" b="1" dirty="0" err="1">
+                <a:latin typeface="Consolas" panose="020B0609020204030204" pitchFamily="49" charset="0"/>
+              </a:rPr>
+              <a:t>toggleItemsSelected</a:t>
+            </a:r>
+            <a:r>
+              <a:rPr lang="en-US" altLang="ko-KR" sz="1600" dirty="0">
+                <a:latin typeface="Consolas" panose="020B0609020204030204" pitchFamily="49" charset="0"/>
+              </a:rPr>
+              <a:t>(int position) {</a:t>
+            </a:r>
+          </a:p>
+          <a:p>
+            <a:r>
+              <a:rPr lang="en-US" altLang="ko-KR" sz="1600" dirty="0">
+                <a:latin typeface="Consolas" panose="020B0609020204030204" pitchFamily="49" charset="0"/>
+              </a:rPr>
+              <a:t>        if (</a:t>
+            </a:r>
+            <a:r>
+              <a:rPr lang="en-US" altLang="ko-KR" sz="1600" dirty="0" err="1">
+                <a:latin typeface="Consolas" panose="020B0609020204030204" pitchFamily="49" charset="0"/>
+              </a:rPr>
+              <a:t>itemsSelected.contains</a:t>
+            </a:r>
+            <a:r>
+              <a:rPr lang="en-US" altLang="ko-KR" sz="1600" dirty="0">
+                <a:latin typeface="Consolas" panose="020B0609020204030204" pitchFamily="49" charset="0"/>
+              </a:rPr>
+              <a:t>(position)) {</a:t>
+            </a:r>
+          </a:p>
+          <a:p>
+            <a:r>
+              <a:rPr lang="en-US" altLang="ko-KR" sz="1600" dirty="0">
+                <a:latin typeface="Consolas" panose="020B0609020204030204" pitchFamily="49" charset="0"/>
+              </a:rPr>
+              <a:t>            </a:t>
+            </a:r>
+            <a:r>
+              <a:rPr lang="en-US" altLang="ko-KR" sz="1600" dirty="0" err="1">
+                <a:latin typeface="Consolas" panose="020B0609020204030204" pitchFamily="49" charset="0"/>
+              </a:rPr>
+              <a:t>itemsSelected.remove</a:t>
+            </a:r>
+            <a:r>
+              <a:rPr lang="en-US" altLang="ko-KR" sz="1600" dirty="0">
+                <a:latin typeface="Consolas" panose="020B0609020204030204" pitchFamily="49" charset="0"/>
+              </a:rPr>
+              <a:t>((Integer)position);</a:t>
+            </a:r>
+          </a:p>
+          <a:p>
+            <a:r>
+              <a:rPr lang="en-US" altLang="ko-KR" sz="1600" dirty="0">
+                <a:latin typeface="Consolas" panose="020B0609020204030204" pitchFamily="49" charset="0"/>
+              </a:rPr>
+              <a:t>        }</a:t>
+            </a:r>
+          </a:p>
+          <a:p>
+            <a:r>
+              <a:rPr lang="en-US" altLang="ko-KR" sz="1600" dirty="0">
+                <a:latin typeface="Consolas" panose="020B0609020204030204" pitchFamily="49" charset="0"/>
+              </a:rPr>
+              <a:t>        else {</a:t>
+            </a:r>
+          </a:p>
+          <a:p>
+            <a:r>
+              <a:rPr lang="en-US" altLang="ko-KR" sz="1600" dirty="0">
+                <a:latin typeface="Consolas" panose="020B0609020204030204" pitchFamily="49" charset="0"/>
+              </a:rPr>
+              <a:t>            </a:t>
+            </a:r>
+            <a:r>
+              <a:rPr lang="en-US" altLang="ko-KR" sz="1600" dirty="0" err="1">
+                <a:latin typeface="Consolas" panose="020B0609020204030204" pitchFamily="49" charset="0"/>
+              </a:rPr>
+              <a:t>itemsSelected.add</a:t>
+            </a:r>
+            <a:r>
+              <a:rPr lang="en-US" altLang="ko-KR" sz="1600" dirty="0">
+                <a:latin typeface="Consolas" panose="020B0609020204030204" pitchFamily="49" charset="0"/>
+              </a:rPr>
+              <a:t>(position);</a:t>
+            </a:r>
+          </a:p>
+          <a:p>
+            <a:r>
+              <a:rPr lang="en-US" altLang="ko-KR" sz="1600" dirty="0">
+                <a:latin typeface="Consolas" panose="020B0609020204030204" pitchFamily="49" charset="0"/>
+              </a:rPr>
+              <a:t>        }</a:t>
+            </a:r>
+          </a:p>
+          <a:p>
+            <a:r>
+              <a:rPr lang="en-US" altLang="ko-KR" sz="1600" dirty="0">
+                <a:latin typeface="Consolas" panose="020B0609020204030204" pitchFamily="49" charset="0"/>
+              </a:rPr>
+              <a:t>        </a:t>
+            </a:r>
+            <a:r>
+              <a:rPr lang="en-US" altLang="ko-KR" sz="1600" b="1" dirty="0" err="1">
+                <a:latin typeface="Consolas" panose="020B0609020204030204" pitchFamily="49" charset="0"/>
+              </a:rPr>
+              <a:t>notifyItemChanged</a:t>
+            </a:r>
+            <a:r>
+              <a:rPr lang="en-US" altLang="ko-KR" sz="1600" b="1" dirty="0">
+                <a:latin typeface="Consolas" panose="020B0609020204030204" pitchFamily="49" charset="0"/>
+              </a:rPr>
+              <a:t>(position);       </a:t>
+            </a:r>
+          </a:p>
+          <a:p>
+            <a:r>
+              <a:rPr lang="en-US" altLang="ko-KR" sz="1600" dirty="0">
+                <a:latin typeface="Consolas" panose="020B0609020204030204" pitchFamily="49" charset="0"/>
+              </a:rPr>
+              <a:t>    }</a:t>
+            </a:r>
+            <a:endParaRPr lang="ko-KR" altLang="en-US" sz="1600" dirty="0">
+              <a:latin typeface="Consolas" panose="020B0609020204030204" pitchFamily="49" charset="0"/>
+            </a:endParaRPr>
+          </a:p>
+        </p:txBody>
+      </p:sp>
+      <p:sp>
+        <p:nvSpPr>
+          <p:cNvPr id="9" name="TextBox 8"/>
+          <p:cNvSpPr txBox="1"/>
+          <p:nvPr/>
+        </p:nvSpPr>
+        <p:spPr>
+          <a:xfrm>
+            <a:off x="9336360" y="3059087"/>
+            <a:ext cx="2062641" cy="307777"/>
+          </a:xfrm>
+          <a:prstGeom prst="rect">
+            <a:avLst/>
+          </a:prstGeom>
+          <a:solidFill>
+            <a:srgbClr val="FFC000"/>
+          </a:solidFill>
+        </p:spPr>
+        <p:txBody>
+          <a:bodyPr wrap="square" rtlCol="0">
+            <a:spAutoFit/>
+          </a:bodyPr>
+          <a:lstStyle/>
+          <a:p>
+            <a:r>
+              <a:rPr lang="en-US" altLang="ko-KR" sz="1400" dirty="0" smtClean="0"/>
+              <a:t>PersonAdapter.java</a:t>
+            </a:r>
+            <a:endParaRPr lang="ko-KR" altLang="en-US" sz="1400" dirty="0"/>
+          </a:p>
+        </p:txBody>
+      </p:sp>
+    </p:spTree>
+    <p:extLst>
+      <p:ext uri="{BB962C8B-B14F-4D97-AF65-F5344CB8AC3E}">
+        <p14:creationId xmlns:p14="http://schemas.microsoft.com/office/powerpoint/2010/main" val="3266032456"/>
+      </p:ext>
+    </p:extLst>
+  </p:cSld>
+  <p:clrMapOvr>
+    <a:masterClrMapping/>
+  </p:clrMapOvr>
+  <p:timing>
+    <p:tnLst>
+      <p:par>
+        <p:cTn id="1" dur="indefinite" restart="never" nodeType="tmRoot"/>
+      </p:par>
+    </p:tnLst>
+  </p:timing>
+</p:sld>
+</file>
+
+<file path=ppt/slides/slide71.xml><?xml version="1.0" encoding="utf-8"?>
+<p:sld xmlns:a="http://schemas.openxmlformats.org/drawingml/2006/main" xmlns:r="http://schemas.openxmlformats.org/officeDocument/2006/relationships" xmlns:p="http://schemas.openxmlformats.org/presentationml/2006/main">
+  <p:cSld>
+    <p:spTree>
+      <p:nvGrpSpPr>
+        <p:cNvPr id="1" name=""/>
+        <p:cNvGrpSpPr/>
+        <p:nvPr/>
+      </p:nvGrpSpPr>
+      <p:grpSpPr>
+        <a:xfrm>
+          <a:off x="0" y="0"/>
+          <a:ext cx="0" cy="0"/>
+          <a:chOff x="0" y="0"/>
+          <a:chExt cx="0" cy="0"/>
+        </a:xfrm>
+      </p:grpSpPr>
+      <p:sp>
+        <p:nvSpPr>
+          <p:cNvPr id="2" name="제목 1"/>
+          <p:cNvSpPr>
+            <a:spLocks noGrp="1"/>
+          </p:cNvSpPr>
+          <p:nvPr>
+            <p:ph type="title"/>
+          </p:nvPr>
+        </p:nvSpPr>
+        <p:spPr/>
+        <p:txBody>
+          <a:bodyPr/>
+          <a:lstStyle/>
+          <a:p>
+            <a:r>
+              <a:rPr lang="en-US" altLang="ko-KR" dirty="0">
+                <a:latin typeface="나눔고딕" panose="020D0604000000000000" pitchFamily="50" charset="-127"/>
+                <a:ea typeface="나눔고딕" panose="020D0604000000000000" pitchFamily="50" charset="-127"/>
+              </a:rPr>
+              <a:t>07-4 Recycler View </a:t>
+            </a:r>
+            <a:r>
+              <a:rPr lang="ko-KR" altLang="en-US" dirty="0">
+                <a:latin typeface="나눔고딕" panose="020D0604000000000000" pitchFamily="50" charset="-127"/>
+                <a:ea typeface="나눔고딕" panose="020D0604000000000000" pitchFamily="50" charset="-127"/>
+              </a:rPr>
+              <a:t>연습 문제 </a:t>
+            </a:r>
+            <a:r>
+              <a:rPr lang="en-US" altLang="ko-KR" dirty="0">
+                <a:latin typeface="나눔고딕" panose="020D0604000000000000" pitchFamily="50" charset="-127"/>
+                <a:ea typeface="나눔고딕" panose="020D0604000000000000" pitchFamily="50" charset="-127"/>
+              </a:rPr>
+              <a:t>– </a:t>
+            </a:r>
+            <a:r>
+              <a:rPr lang="en-US" altLang="ko-KR" dirty="0" smtClean="0">
+                <a:latin typeface="나눔고딕" panose="020D0604000000000000" pitchFamily="50" charset="-127"/>
+                <a:ea typeface="나눔고딕" panose="020D0604000000000000" pitchFamily="50" charset="-127"/>
+              </a:rPr>
+              <a:t>Selected items highlighted</a:t>
+            </a:r>
+            <a:endParaRPr lang="ko-KR" altLang="en-US" dirty="0"/>
+          </a:p>
+        </p:txBody>
+      </p:sp>
+      <p:sp>
+        <p:nvSpPr>
+          <p:cNvPr id="3" name="내용 개체 틀 2"/>
+          <p:cNvSpPr>
+            <a:spLocks noGrp="1"/>
+          </p:cNvSpPr>
+          <p:nvPr>
+            <p:ph idx="10"/>
+          </p:nvPr>
+        </p:nvSpPr>
+        <p:spPr/>
+        <p:txBody>
+          <a:bodyPr/>
+          <a:lstStyle/>
+          <a:p>
+            <a:pPr marL="0" indent="0">
+              <a:buNone/>
+            </a:pPr>
+            <a:r>
+              <a:rPr lang="en-US" altLang="ko-KR" b="1" dirty="0" smtClean="0"/>
+              <a:t>Joy</a:t>
+            </a:r>
+            <a:r>
+              <a:rPr lang="en-US" altLang="ko-KR" b="1" dirty="0" smtClean="0">
+                <a:solidFill>
+                  <a:srgbClr val="C00000"/>
+                </a:solidFill>
+              </a:rPr>
+              <a:t>074</a:t>
+            </a:r>
+            <a:r>
+              <a:rPr lang="en-US" altLang="ko-KR" b="1" dirty="0" smtClean="0"/>
+              <a:t>RecylerView:</a:t>
+            </a:r>
+          </a:p>
+          <a:p>
+            <a:pPr marL="0" indent="0">
+              <a:buNone/>
+            </a:pPr>
+            <a:r>
+              <a:rPr lang="en-US" altLang="ko-KR" b="1" dirty="0" smtClean="0"/>
+              <a:t>4</a:t>
+            </a:r>
+            <a:r>
+              <a:rPr lang="en-US" altLang="ko-KR" b="1" baseline="30000" dirty="0" smtClean="0"/>
+              <a:t>th</a:t>
+            </a:r>
+            <a:r>
+              <a:rPr lang="en-US" altLang="ko-KR" b="1" dirty="0" smtClean="0"/>
+              <a:t> Trial </a:t>
+            </a:r>
+            <a:r>
+              <a:rPr lang="ko-KR" altLang="en-US" b="1" dirty="0" smtClean="0"/>
+              <a:t>계속</a:t>
+            </a:r>
+            <a:r>
+              <a:rPr lang="en-US" altLang="ko-KR" b="1" dirty="0" smtClean="0"/>
+              <a:t>: </a:t>
+            </a:r>
+            <a:r>
+              <a:rPr lang="en-US" altLang="ko-KR" dirty="0" smtClean="0"/>
+              <a:t>MainActivity.java</a:t>
+            </a:r>
+            <a:r>
+              <a:rPr lang="ko-KR" altLang="en-US" dirty="0" smtClean="0"/>
+              <a:t>에서도 </a:t>
+            </a:r>
+            <a:r>
+              <a:rPr lang="en-US" altLang="ko-KR" dirty="0" err="1" smtClean="0"/>
+              <a:t>addItemsSelected</a:t>
+            </a:r>
+            <a:r>
+              <a:rPr lang="en-US" altLang="ko-KR" dirty="0" smtClean="0"/>
+              <a:t>()</a:t>
+            </a:r>
+            <a:r>
+              <a:rPr lang="ko-KR" altLang="en-US" dirty="0" smtClean="0"/>
+              <a:t>대신 </a:t>
+            </a:r>
+            <a:r>
+              <a:rPr lang="en-US" altLang="ko-KR" dirty="0" err="1" smtClean="0"/>
+              <a:t>toggleItemsSelected</a:t>
+            </a:r>
+            <a:r>
+              <a:rPr lang="en-US" altLang="ko-KR" dirty="0" smtClean="0"/>
+              <a:t>()</a:t>
+            </a:r>
+            <a:r>
+              <a:rPr lang="ko-KR" altLang="en-US" dirty="0" smtClean="0"/>
+              <a:t>을 호출합니다</a:t>
+            </a:r>
+            <a:r>
+              <a:rPr lang="en-US" altLang="ko-KR" dirty="0" smtClean="0"/>
+              <a:t>.</a:t>
+            </a:r>
+          </a:p>
+          <a:p>
+            <a:r>
+              <a:rPr lang="ko-KR" altLang="en-US" dirty="0" smtClean="0"/>
+              <a:t>코드가 훨씬 간편해진 것을 볼 수 있습니다</a:t>
+            </a:r>
+            <a:r>
+              <a:rPr lang="en-US" altLang="ko-KR" dirty="0" smtClean="0"/>
+              <a:t>. Readability</a:t>
+            </a:r>
+            <a:r>
+              <a:rPr lang="ko-KR" altLang="en-US" dirty="0" smtClean="0"/>
+              <a:t>가 향상되고</a:t>
+            </a:r>
+            <a:r>
+              <a:rPr lang="en-US" altLang="ko-KR" dirty="0" smtClean="0"/>
+              <a:t>, Maintenance</a:t>
+            </a:r>
+            <a:r>
+              <a:rPr lang="ko-KR" altLang="en-US" dirty="0" smtClean="0"/>
+              <a:t>가 쉬워집니다</a:t>
+            </a:r>
+            <a:r>
+              <a:rPr lang="en-US" altLang="ko-KR" dirty="0" smtClean="0"/>
+              <a:t>.  </a:t>
+            </a:r>
+          </a:p>
+          <a:p>
+            <a:endParaRPr lang="en-US" altLang="ko-KR" dirty="0"/>
+          </a:p>
+          <a:p>
+            <a:endParaRPr lang="en-US" altLang="ko-KR" dirty="0" smtClean="0"/>
+          </a:p>
+          <a:p>
+            <a:endParaRPr lang="en-US" altLang="ko-KR" dirty="0"/>
+          </a:p>
+          <a:p>
+            <a:endParaRPr lang="en-US" altLang="ko-KR" dirty="0" smtClean="0"/>
+          </a:p>
+          <a:p>
+            <a:pPr marL="0" indent="0">
+              <a:buNone/>
+            </a:pPr>
+            <a:endParaRPr lang="en-US" altLang="ko-KR" dirty="0"/>
+          </a:p>
+          <a:p>
+            <a:pPr marL="0" indent="0">
+              <a:buNone/>
+            </a:pPr>
+            <a:endParaRPr lang="en-US" altLang="ko-KR" dirty="0"/>
+          </a:p>
+        </p:txBody>
+      </p:sp>
+      <p:sp>
+        <p:nvSpPr>
+          <p:cNvPr id="4" name="슬라이드 번호 개체 틀 3"/>
+          <p:cNvSpPr>
+            <a:spLocks noGrp="1"/>
+          </p:cNvSpPr>
+          <p:nvPr>
+            <p:ph type="sldNum" sz="quarter" idx="14"/>
+          </p:nvPr>
+        </p:nvSpPr>
+        <p:spPr/>
+        <p:txBody>
+          <a:bodyPr/>
+          <a:lstStyle/>
+          <a:p>
+            <a:pPr>
+              <a:defRPr/>
+            </a:pPr>
+            <a:fld id="{3D493B47-E977-46F8-8C2F-7DA674317049}" type="slidenum">
+              <a:rPr lang="ko-KR" altLang="en-US" smtClean="0"/>
+              <a:pPr>
+                <a:defRPr/>
+              </a:pPr>
+              <a:t>71</a:t>
             </a:fld>
             <a:endParaRPr lang="ko-KR" altLang="en-US"/>
           </a:p>
@@ -47553,7 +48312,7 @@
 </p:sld>
 </file>
 
-<file path=ppt/slides/slide71.xml><?xml version="1.0" encoding="utf-8"?>
+<file path=ppt/slides/slide72.xml><?xml version="1.0" encoding="utf-8"?>
 <p:sld xmlns:a="http://schemas.openxmlformats.org/drawingml/2006/main" xmlns:r="http://schemas.openxmlformats.org/officeDocument/2006/relationships" xmlns:p="http://schemas.openxmlformats.org/presentationml/2006/main">
   <p:cSld>
     <p:spTree>
@@ -47594,7 +48353,7 @@
             <a:fld id="{9085FD98-BA4B-4537-9251-5519BF532862}" type="slidenum">
               <a:rPr lang="ko-KR" altLang="en-US" smtClean="0"/>
               <a:pPr/>
-              <a:t>71</a:t>
+              <a:t>72</a:t>
             </a:fld>
             <a:endParaRPr lang="ko-KR" altLang="en-US" dirty="0"/>
           </a:p>
